--- a/AirBnb Project - Sherin, Neena and Cody.pptx
+++ b/AirBnb Project - Sherin, Neena and Cody.pptx
@@ -5,24 +5,30 @@
     <p:sldMasterId id="2147483648" r:id="rId4"/>
   </p:sldMasterIdLst>
   <p:notesMasterIdLst>
-    <p:notesMasterId r:id="rId17"/>
+    <p:notesMasterId r:id="rId23"/>
   </p:notesMasterIdLst>
   <p:handoutMasterIdLst>
-    <p:handoutMasterId r:id="rId18"/>
+    <p:handoutMasterId r:id="rId24"/>
   </p:handoutMasterIdLst>
   <p:sldIdLst>
     <p:sldId id="2439" r:id="rId5"/>
     <p:sldId id="260" r:id="rId6"/>
     <p:sldId id="2434" r:id="rId7"/>
-    <p:sldId id="258" r:id="rId8"/>
-    <p:sldId id="2442" r:id="rId9"/>
-    <p:sldId id="2433" r:id="rId10"/>
-    <p:sldId id="2445" r:id="rId11"/>
-    <p:sldId id="2446" r:id="rId12"/>
-    <p:sldId id="2444" r:id="rId13"/>
-    <p:sldId id="2438" r:id="rId14"/>
-    <p:sldId id="2441" r:id="rId15"/>
-    <p:sldId id="2443" r:id="rId16"/>
+    <p:sldId id="2447" r:id="rId8"/>
+    <p:sldId id="258" r:id="rId9"/>
+    <p:sldId id="2442" r:id="rId10"/>
+    <p:sldId id="2433" r:id="rId11"/>
+    <p:sldId id="2445" r:id="rId12"/>
+    <p:sldId id="2448" r:id="rId13"/>
+    <p:sldId id="2444" r:id="rId14"/>
+    <p:sldId id="2449" r:id="rId15"/>
+    <p:sldId id="2450" r:id="rId16"/>
+    <p:sldId id="2446" r:id="rId17"/>
+    <p:sldId id="2451" r:id="rId18"/>
+    <p:sldId id="2452" r:id="rId19"/>
+    <p:sldId id="2453" r:id="rId20"/>
+    <p:sldId id="2438" r:id="rId21"/>
+    <p:sldId id="2441" r:id="rId22"/>
   </p:sldIdLst>
   <p:sldSz cx="12192000" cy="6858000"/>
   <p:notesSz cx="6858000" cy="9144000"/>
@@ -819,7 +825,91 @@
           <a:p>
             <a:fld id="{AA3BE989-76B8-4F13-9267-01FDA45C437A}" type="slidenum">
               <a:rPr lang="en-US" smtClean="0"/>
-              <a:t>10</a:t>
+              <a:t>4</a:t>
+            </a:fld>
+            <a:endParaRPr lang="en-US" dirty="0"/>
+          </a:p>
+        </p:txBody>
+      </p:sp>
+    </p:spTree>
+    <p:extLst>
+      <p:ext uri="{BB962C8B-B14F-4D97-AF65-F5344CB8AC3E}">
+        <p14:creationId xmlns:p14="http://schemas.microsoft.com/office/powerpoint/2010/main" val="983787655"/>
+      </p:ext>
+    </p:extLst>
+  </p:cSld>
+  <p:clrMapOvr>
+    <a:masterClrMapping/>
+  </p:clrMapOvr>
+</p:notes>
+</file>
+
+<file path=ppt/notesSlides/notesSlide3.xml><?xml version="1.0" encoding="utf-8"?>
+<p:notes xmlns:a="http://schemas.openxmlformats.org/drawingml/2006/main" xmlns:r="http://schemas.openxmlformats.org/officeDocument/2006/relationships" xmlns:p="http://schemas.openxmlformats.org/presentationml/2006/main">
+  <p:cSld>
+    <p:spTree>
+      <p:nvGrpSpPr>
+        <p:cNvPr id="1" name=""/>
+        <p:cNvGrpSpPr/>
+        <p:nvPr/>
+      </p:nvGrpSpPr>
+      <p:grpSpPr>
+        <a:xfrm>
+          <a:off x="0" y="0"/>
+          <a:ext cx="0" cy="0"/>
+          <a:chOff x="0" y="0"/>
+          <a:chExt cx="0" cy="0"/>
+        </a:xfrm>
+      </p:grpSpPr>
+      <p:sp>
+        <p:nvSpPr>
+          <p:cNvPr id="2" name="Slide Image Placeholder 1"/>
+          <p:cNvSpPr>
+            <a:spLocks noGrp="1" noRot="1" noChangeAspect="1"/>
+          </p:cNvSpPr>
+          <p:nvPr>
+            <p:ph type="sldImg"/>
+          </p:nvPr>
+        </p:nvSpPr>
+        <p:spPr/>
+      </p:sp>
+      <p:sp>
+        <p:nvSpPr>
+          <p:cNvPr id="3" name="Notes Placeholder 2"/>
+          <p:cNvSpPr>
+            <a:spLocks noGrp="1"/>
+          </p:cNvSpPr>
+          <p:nvPr>
+            <p:ph type="body" idx="1"/>
+          </p:nvPr>
+        </p:nvSpPr>
+        <p:spPr/>
+        <p:txBody>
+          <a:bodyPr/>
+          <a:lstStyle/>
+          <a:p>
+            <a:endParaRPr lang="en-US" dirty="0"/>
+          </a:p>
+        </p:txBody>
+      </p:sp>
+      <p:sp>
+        <p:nvSpPr>
+          <p:cNvPr id="4" name="Slide Number Placeholder 3"/>
+          <p:cNvSpPr>
+            <a:spLocks noGrp="1"/>
+          </p:cNvSpPr>
+          <p:nvPr>
+            <p:ph type="sldNum" sz="quarter" idx="5"/>
+          </p:nvPr>
+        </p:nvSpPr>
+        <p:spPr/>
+        <p:txBody>
+          <a:bodyPr/>
+          <a:lstStyle/>
+          <a:p>
+            <a:fld id="{AA3BE989-76B8-4F13-9267-01FDA45C437A}" type="slidenum">
+              <a:rPr lang="en-US" smtClean="0"/>
+              <a:t>17</a:t>
             </a:fld>
             <a:endParaRPr lang="en-US" dirty="0"/>
           </a:p>
@@ -10581,6 +10671,1957 @@
           <a:chExt cx="0" cy="0"/>
         </a:xfrm>
       </p:grpSpPr>
+      <p:pic>
+        <p:nvPicPr>
+          <p:cNvPr id="9" name="Content Placeholder 8" descr="Chart&#10;&#10;Description automatically generated">
+            <a:extLst>
+              <a:ext uri="{FF2B5EF4-FFF2-40B4-BE49-F238E27FC236}">
+                <a16:creationId xmlns:a16="http://schemas.microsoft.com/office/drawing/2014/main" id="{CE246ED8-B3FA-4F65-961E-9E0A4ABFA93E}"/>
+              </a:ext>
+            </a:extLst>
+          </p:cNvPr>
+          <p:cNvPicPr>
+            <a:picLocks noGrp="1" noChangeAspect="1"/>
+          </p:cNvPicPr>
+          <p:nvPr>
+            <p:ph sz="quarter" idx="16"/>
+          </p:nvPr>
+        </p:nvPicPr>
+        <p:blipFill>
+          <a:blip r:embed="rId2"/>
+          <a:stretch>
+            <a:fillRect/>
+          </a:stretch>
+        </p:blipFill>
+        <p:spPr>
+          <a:xfrm>
+            <a:off x="5960296" y="381265"/>
+            <a:ext cx="6020209" cy="5908242"/>
+          </a:xfrm>
+        </p:spPr>
+      </p:pic>
+      <p:sp>
+        <p:nvSpPr>
+          <p:cNvPr id="3" name="Title 2">
+            <a:extLst>
+              <a:ext uri="{FF2B5EF4-FFF2-40B4-BE49-F238E27FC236}">
+                <a16:creationId xmlns:a16="http://schemas.microsoft.com/office/drawing/2014/main" id="{963D3CFB-9ABB-4FCD-82E7-9DE87C226AC1}"/>
+              </a:ext>
+            </a:extLst>
+          </p:cNvPr>
+          <p:cNvSpPr>
+            <a:spLocks noGrp="1"/>
+          </p:cNvSpPr>
+          <p:nvPr>
+            <p:ph type="title"/>
+          </p:nvPr>
+        </p:nvSpPr>
+        <p:spPr>
+          <a:xfrm>
+            <a:off x="611804" y="1105505"/>
+            <a:ext cx="4226024" cy="573989"/>
+          </a:xfrm>
+        </p:spPr>
+        <p:txBody>
+          <a:bodyPr/>
+          <a:lstStyle/>
+          <a:p>
+            <a:r>
+              <a:rPr lang="en-AU" dirty="0" err="1"/>
+              <a:t>AirBnb</a:t>
+            </a:r>
+            <a:r>
+              <a:rPr lang="en-AU" dirty="0"/>
+              <a:t> Room Types for </a:t>
+            </a:r>
+            <a:r>
+              <a:rPr lang="en-AU" dirty="0" err="1"/>
+              <a:t>CIties</a:t>
+            </a:r>
+            <a:endParaRPr lang="en-AU" dirty="0"/>
+          </a:p>
+        </p:txBody>
+      </p:sp>
+      <p:sp>
+        <p:nvSpPr>
+          <p:cNvPr id="4" name="Content Placeholder 3">
+            <a:extLst>
+              <a:ext uri="{FF2B5EF4-FFF2-40B4-BE49-F238E27FC236}">
+                <a16:creationId xmlns:a16="http://schemas.microsoft.com/office/drawing/2014/main" id="{0C9180BE-F25F-46F8-BF1B-4BE6880D120C}"/>
+              </a:ext>
+            </a:extLst>
+          </p:cNvPr>
+          <p:cNvSpPr>
+            <a:spLocks noGrp="1"/>
+          </p:cNvSpPr>
+          <p:nvPr>
+            <p:ph idx="1"/>
+          </p:nvPr>
+        </p:nvSpPr>
+        <p:spPr>
+          <a:xfrm>
+            <a:off x="611804" y="2032939"/>
+            <a:ext cx="4226024" cy="3857329"/>
+          </a:xfrm>
+        </p:spPr>
+        <p:txBody>
+          <a:bodyPr>
+            <a:normAutofit fontScale="92500" lnSpcReduction="20000"/>
+          </a:bodyPr>
+          <a:lstStyle/>
+          <a:p>
+            <a:r>
+              <a:rPr lang="en-US" dirty="0"/>
+              <a:t>Maximum overall listings in </a:t>
+            </a:r>
+            <a:r>
+              <a:rPr lang="en-US" b="1" dirty="0"/>
+              <a:t>City of Melbourne</a:t>
+            </a:r>
+            <a:r>
+              <a:rPr lang="en-US" dirty="0"/>
+              <a:t>.</a:t>
+            </a:r>
+          </a:p>
+          <a:p>
+            <a:r>
+              <a:rPr lang="en-US" dirty="0"/>
+              <a:t>Top 3 Cities  with Entire Homes/Apartments and Private </a:t>
+            </a:r>
+            <a:br>
+              <a:rPr lang="en-US" dirty="0"/>
+            </a:br>
+            <a:r>
+              <a:rPr lang="en-US" dirty="0"/>
+              <a:t>Rooms for years 2019 and 2020</a:t>
+            </a:r>
+            <a:br>
+              <a:rPr lang="en-US" dirty="0"/>
+            </a:br>
+            <a:r>
+              <a:rPr lang="en-US" b="1" dirty="0"/>
+              <a:t>Melbourne, Port Philip, </a:t>
+            </a:r>
+            <a:r>
+              <a:rPr lang="en-US" b="1" dirty="0" err="1"/>
+              <a:t>Yarra</a:t>
+            </a:r>
+            <a:endParaRPr lang="en-US" b="1" dirty="0"/>
+          </a:p>
+          <a:p>
+            <a:r>
+              <a:rPr lang="en-US" dirty="0"/>
+              <a:t>Shared Rooms:</a:t>
+            </a:r>
+            <a:br>
+              <a:rPr lang="en-US" dirty="0"/>
+            </a:br>
+            <a:r>
+              <a:rPr lang="en-US" b="1" dirty="0"/>
+              <a:t>Port Philip </a:t>
+            </a:r>
+            <a:r>
+              <a:rPr lang="en-US" dirty="0"/>
+              <a:t>and </a:t>
+            </a:r>
+            <a:r>
+              <a:rPr lang="en-US" b="1" dirty="0"/>
+              <a:t>Whitehorse</a:t>
+            </a:r>
+            <a:r>
+              <a:rPr lang="en-US" dirty="0"/>
+              <a:t> listings slightly increased </a:t>
+            </a:r>
+            <a:br>
+              <a:rPr lang="en-US" dirty="0"/>
+            </a:br>
+            <a:r>
+              <a:rPr lang="en-US" dirty="0"/>
+              <a:t>in year 2020</a:t>
+            </a:r>
+          </a:p>
+          <a:p>
+            <a:r>
+              <a:rPr lang="en-US" b="1" dirty="0"/>
+              <a:t>Hotel Rooms </a:t>
+            </a:r>
+            <a:r>
+              <a:rPr lang="en-US" dirty="0"/>
+              <a:t>has most listings in Melbourne, </a:t>
+            </a:r>
+            <a:br>
+              <a:rPr lang="en-US" dirty="0"/>
+            </a:br>
+            <a:r>
+              <a:rPr lang="en-US" dirty="0"/>
+              <a:t>Port Philip and </a:t>
+            </a:r>
+            <a:r>
+              <a:rPr lang="en-US" dirty="0" err="1"/>
+              <a:t>Yarra</a:t>
+            </a:r>
+            <a:r>
+              <a:rPr lang="en-US" dirty="0"/>
+              <a:t> Ranges</a:t>
+            </a:r>
+          </a:p>
+        </p:txBody>
+      </p:sp>
+      <p:sp>
+        <p:nvSpPr>
+          <p:cNvPr id="6" name="Footer Placeholder 5">
+            <a:extLst>
+              <a:ext uri="{FF2B5EF4-FFF2-40B4-BE49-F238E27FC236}">
+                <a16:creationId xmlns:a16="http://schemas.microsoft.com/office/drawing/2014/main" id="{7AFC9C19-83AF-46CD-9C61-BF46A93DCDDF}"/>
+              </a:ext>
+            </a:extLst>
+          </p:cNvPr>
+          <p:cNvSpPr>
+            <a:spLocks noGrp="1"/>
+          </p:cNvSpPr>
+          <p:nvPr>
+            <p:ph type="ftr" sz="quarter" idx="17"/>
+          </p:nvPr>
+        </p:nvSpPr>
+        <p:spPr/>
+        <p:txBody>
+          <a:bodyPr/>
+          <a:lstStyle/>
+          <a:p>
+            <a:r>
+              <a:rPr lang="en-US"/>
+              <a:t>Add a Footer</a:t>
+            </a:r>
+            <a:endParaRPr lang="en-US" dirty="0"/>
+          </a:p>
+        </p:txBody>
+      </p:sp>
+      <p:sp>
+        <p:nvSpPr>
+          <p:cNvPr id="7" name="Slide Number Placeholder 6">
+            <a:extLst>
+              <a:ext uri="{FF2B5EF4-FFF2-40B4-BE49-F238E27FC236}">
+                <a16:creationId xmlns:a16="http://schemas.microsoft.com/office/drawing/2014/main" id="{7B0F959D-3783-4791-872C-A877B2B5D84F}"/>
+              </a:ext>
+            </a:extLst>
+          </p:cNvPr>
+          <p:cNvSpPr>
+            <a:spLocks noGrp="1"/>
+          </p:cNvSpPr>
+          <p:nvPr>
+            <p:ph type="sldNum" sz="quarter" idx="18"/>
+          </p:nvPr>
+        </p:nvSpPr>
+        <p:spPr/>
+        <p:txBody>
+          <a:bodyPr/>
+          <a:lstStyle/>
+          <a:p>
+            <a:fld id="{8C2E478F-E849-4A8C-AF1F-CBCC78A7CBFA}" type="slidenum">
+              <a:rPr lang="en-US" smtClean="0"/>
+              <a:pPr/>
+              <a:t>10</a:t>
+            </a:fld>
+            <a:endParaRPr lang="en-US" dirty="0"/>
+          </a:p>
+        </p:txBody>
+      </p:sp>
+    </p:spTree>
+    <p:extLst>
+      <p:ext uri="{BB962C8B-B14F-4D97-AF65-F5344CB8AC3E}">
+        <p14:creationId xmlns:p14="http://schemas.microsoft.com/office/powerpoint/2010/main" val="1851946157"/>
+      </p:ext>
+    </p:extLst>
+  </p:cSld>
+  <p:clrMapOvr>
+    <a:masterClrMapping/>
+  </p:clrMapOvr>
+</p:sld>
+</file>
+
+<file path=ppt/slides/slide11.xml><?xml version="1.0" encoding="utf-8"?>
+<p:sld xmlns:a="http://schemas.openxmlformats.org/drawingml/2006/main" xmlns:r="http://schemas.openxmlformats.org/officeDocument/2006/relationships" xmlns:p="http://schemas.openxmlformats.org/presentationml/2006/main">
+  <p:cSld>
+    <p:spTree>
+      <p:nvGrpSpPr>
+        <p:cNvPr id="1" name=""/>
+        <p:cNvGrpSpPr/>
+        <p:nvPr/>
+      </p:nvGrpSpPr>
+      <p:grpSpPr>
+        <a:xfrm>
+          <a:off x="0" y="0"/>
+          <a:ext cx="0" cy="0"/>
+          <a:chOff x="0" y="0"/>
+          <a:chExt cx="0" cy="0"/>
+        </a:xfrm>
+      </p:grpSpPr>
+      <p:sp>
+        <p:nvSpPr>
+          <p:cNvPr id="3" name="Content Placeholder 2">
+            <a:extLst>
+              <a:ext uri="{FF2B5EF4-FFF2-40B4-BE49-F238E27FC236}">
+                <a16:creationId xmlns:a16="http://schemas.microsoft.com/office/drawing/2014/main" id="{DF588524-9482-453A-A24B-AAE27BAA7343}"/>
+              </a:ext>
+            </a:extLst>
+          </p:cNvPr>
+          <p:cNvSpPr>
+            <a:spLocks noGrp="1"/>
+          </p:cNvSpPr>
+          <p:nvPr>
+            <p:ph sz="half" idx="2"/>
+          </p:nvPr>
+        </p:nvSpPr>
+        <p:spPr>
+          <a:xfrm>
+            <a:off x="595884" y="1799918"/>
+            <a:ext cx="3464717" cy="2710596"/>
+          </a:xfrm>
+        </p:spPr>
+        <p:txBody>
+          <a:bodyPr/>
+          <a:lstStyle/>
+          <a:p>
+            <a:r>
+              <a:rPr lang="en-US" dirty="0"/>
+              <a:t>Comparison of Airbnb listings between Urban and Regional areas</a:t>
+            </a:r>
+          </a:p>
+          <a:p>
+            <a:r>
+              <a:rPr lang="en-US" dirty="0"/>
+              <a:t>Slight increase in Airbnb listings in Regional areas</a:t>
+            </a:r>
+          </a:p>
+          <a:p>
+            <a:r>
+              <a:rPr lang="en-US" dirty="0"/>
+              <a:t>Decrease in Airbnb listings in Urban areas</a:t>
+            </a:r>
+          </a:p>
+          <a:p>
+            <a:endParaRPr lang="en-AU" dirty="0"/>
+          </a:p>
+        </p:txBody>
+      </p:sp>
+      <p:sp>
+        <p:nvSpPr>
+          <p:cNvPr id="5" name="Content Placeholder 4">
+            <a:extLst>
+              <a:ext uri="{FF2B5EF4-FFF2-40B4-BE49-F238E27FC236}">
+                <a16:creationId xmlns:a16="http://schemas.microsoft.com/office/drawing/2014/main" id="{EA53D317-6BB0-473F-B535-756CE0162457}"/>
+              </a:ext>
+            </a:extLst>
+          </p:cNvPr>
+          <p:cNvSpPr>
+            <a:spLocks noGrp="1"/>
+          </p:cNvSpPr>
+          <p:nvPr>
+            <p:ph sz="half" idx="14"/>
+          </p:nvPr>
+        </p:nvSpPr>
+        <p:spPr>
+          <a:xfrm>
+            <a:off x="7772170" y="5792789"/>
+            <a:ext cx="3585639" cy="919781"/>
+          </a:xfrm>
+        </p:spPr>
+        <p:txBody>
+          <a:bodyPr>
+            <a:normAutofit/>
+          </a:bodyPr>
+          <a:lstStyle/>
+          <a:p>
+            <a:r>
+              <a:rPr lang="en-US" dirty="0"/>
+              <a:t>Examples for City of Melbourne and </a:t>
+            </a:r>
+            <a:r>
+              <a:rPr lang="en-US" dirty="0" err="1"/>
+              <a:t>Yarra</a:t>
+            </a:r>
+            <a:r>
+              <a:rPr lang="en-US" dirty="0"/>
+              <a:t> Ranges</a:t>
+            </a:r>
+          </a:p>
+        </p:txBody>
+      </p:sp>
+      <p:sp>
+        <p:nvSpPr>
+          <p:cNvPr id="7" name="Title 6">
+            <a:extLst>
+              <a:ext uri="{FF2B5EF4-FFF2-40B4-BE49-F238E27FC236}">
+                <a16:creationId xmlns:a16="http://schemas.microsoft.com/office/drawing/2014/main" id="{3C0958DA-E006-45BA-B257-20A3971AC6AB}"/>
+              </a:ext>
+            </a:extLst>
+          </p:cNvPr>
+          <p:cNvSpPr>
+            <a:spLocks noGrp="1"/>
+          </p:cNvSpPr>
+          <p:nvPr>
+            <p:ph type="title"/>
+          </p:nvPr>
+        </p:nvSpPr>
+        <p:spPr/>
+        <p:txBody>
+          <a:bodyPr/>
+          <a:lstStyle/>
+          <a:p>
+            <a:r>
+              <a:rPr lang="en-US" dirty="0"/>
+              <a:t>Regional vs Urban City Listings</a:t>
+            </a:r>
+            <a:endParaRPr lang="en-AU" dirty="0"/>
+          </a:p>
+        </p:txBody>
+      </p:sp>
+      <p:sp>
+        <p:nvSpPr>
+          <p:cNvPr id="8" name="Footer Placeholder 7">
+            <a:extLst>
+              <a:ext uri="{FF2B5EF4-FFF2-40B4-BE49-F238E27FC236}">
+                <a16:creationId xmlns:a16="http://schemas.microsoft.com/office/drawing/2014/main" id="{ADD05F8C-3C61-448B-A30A-F8E7E0C82B5F}"/>
+              </a:ext>
+            </a:extLst>
+          </p:cNvPr>
+          <p:cNvSpPr>
+            <a:spLocks noGrp="1"/>
+          </p:cNvSpPr>
+          <p:nvPr>
+            <p:ph type="ftr" sz="quarter" idx="16"/>
+          </p:nvPr>
+        </p:nvSpPr>
+        <p:spPr/>
+        <p:txBody>
+          <a:bodyPr/>
+          <a:lstStyle/>
+          <a:p>
+            <a:r>
+              <a:rPr lang="en-US"/>
+              <a:t>Add a Footer</a:t>
+            </a:r>
+            <a:endParaRPr lang="en-US" dirty="0"/>
+          </a:p>
+        </p:txBody>
+      </p:sp>
+      <p:sp>
+        <p:nvSpPr>
+          <p:cNvPr id="9" name="Slide Number Placeholder 8">
+            <a:extLst>
+              <a:ext uri="{FF2B5EF4-FFF2-40B4-BE49-F238E27FC236}">
+                <a16:creationId xmlns:a16="http://schemas.microsoft.com/office/drawing/2014/main" id="{638540F9-3CD8-49AC-A6AF-0CB5CC2BD22F}"/>
+              </a:ext>
+            </a:extLst>
+          </p:cNvPr>
+          <p:cNvSpPr>
+            <a:spLocks noGrp="1"/>
+          </p:cNvSpPr>
+          <p:nvPr>
+            <p:ph type="sldNum" sz="quarter" idx="17"/>
+          </p:nvPr>
+        </p:nvSpPr>
+        <p:spPr/>
+        <p:txBody>
+          <a:bodyPr/>
+          <a:lstStyle/>
+          <a:p>
+            <a:fld id="{8C2E478F-E849-4A8C-AF1F-CBCC78A7CBFA}" type="slidenum">
+              <a:rPr lang="en-US" smtClean="0"/>
+              <a:pPr/>
+              <a:t>11</a:t>
+            </a:fld>
+            <a:endParaRPr lang="en-US" dirty="0"/>
+          </a:p>
+        </p:txBody>
+      </p:sp>
+      <p:pic>
+        <p:nvPicPr>
+          <p:cNvPr id="11" name="Picture Placeholder 10">
+            <a:extLst>
+              <a:ext uri="{FF2B5EF4-FFF2-40B4-BE49-F238E27FC236}">
+                <a16:creationId xmlns:a16="http://schemas.microsoft.com/office/drawing/2014/main" id="{EC41DBD4-5771-4791-AD2B-E7F3135BB984}"/>
+              </a:ext>
+            </a:extLst>
+          </p:cNvPr>
+          <p:cNvPicPr>
+            <a:picLocks noGrp="1" noChangeAspect="1"/>
+          </p:cNvPicPr>
+          <p:nvPr>
+            <p:ph type="pic" sz="quarter" idx="15"/>
+          </p:nvPr>
+        </p:nvPicPr>
+        <p:blipFill>
+          <a:blip r:embed="rId2">
+            <a:extLst>
+              <a:ext uri="{28A0092B-C50C-407E-A947-70E740481C1C}">
+                <a14:useLocalDpi xmlns:a14="http://schemas.microsoft.com/office/drawing/2010/main" val="0"/>
+              </a:ext>
+            </a:extLst>
+          </a:blip>
+          <a:srcRect t="2913" b="2913"/>
+          <a:stretch>
+            <a:fillRect/>
+          </a:stretch>
+        </p:blipFill>
+        <p:spPr>
+          <a:xfrm>
+            <a:off x="4710684" y="3082193"/>
+            <a:ext cx="5756562" cy="2710596"/>
+          </a:xfrm>
+          <a:prstGeom prst="rect">
+            <a:avLst/>
+          </a:prstGeom>
+        </p:spPr>
+      </p:pic>
+      <p:pic>
+        <p:nvPicPr>
+          <p:cNvPr id="12" name="Picture Placeholder 10">
+            <a:extLst>
+              <a:ext uri="{FF2B5EF4-FFF2-40B4-BE49-F238E27FC236}">
+                <a16:creationId xmlns:a16="http://schemas.microsoft.com/office/drawing/2014/main" id="{817955CE-4011-4C57-B4E7-D0AEC2F510A7}"/>
+              </a:ext>
+            </a:extLst>
+          </p:cNvPr>
+          <p:cNvPicPr>
+            <a:picLocks noChangeAspect="1"/>
+          </p:cNvPicPr>
+          <p:nvPr/>
+        </p:nvPicPr>
+        <p:blipFill>
+          <a:blip r:embed="rId2">
+            <a:extLst>
+              <a:ext uri="{28A0092B-C50C-407E-A947-70E740481C1C}">
+                <a14:useLocalDpi xmlns:a14="http://schemas.microsoft.com/office/drawing/2010/main" val="0"/>
+              </a:ext>
+            </a:extLst>
+          </a:blip>
+          <a:srcRect t="2913" b="2913"/>
+          <a:stretch>
+            <a:fillRect/>
+          </a:stretch>
+        </p:blipFill>
+        <p:spPr>
+          <a:xfrm>
+            <a:off x="4710684" y="204623"/>
+            <a:ext cx="5756562" cy="2710596"/>
+          </a:xfrm>
+          <a:prstGeom prst="rect">
+            <a:avLst/>
+          </a:prstGeom>
+          <a:solidFill>
+            <a:schemeClr val="bg1"/>
+          </a:solidFill>
+        </p:spPr>
+      </p:pic>
+    </p:spTree>
+    <p:extLst>
+      <p:ext uri="{BB962C8B-B14F-4D97-AF65-F5344CB8AC3E}">
+        <p14:creationId xmlns:p14="http://schemas.microsoft.com/office/powerpoint/2010/main" val="3907399648"/>
+      </p:ext>
+    </p:extLst>
+  </p:cSld>
+  <p:clrMapOvr>
+    <a:masterClrMapping/>
+  </p:clrMapOvr>
+</p:sld>
+</file>
+
+<file path=ppt/slides/slide12.xml><?xml version="1.0" encoding="utf-8"?>
+<p:sld xmlns:a="http://schemas.openxmlformats.org/drawingml/2006/main" xmlns:r="http://schemas.openxmlformats.org/officeDocument/2006/relationships" xmlns:p="http://schemas.openxmlformats.org/presentationml/2006/main">
+  <p:cSld>
+    <p:spTree>
+      <p:nvGrpSpPr>
+        <p:cNvPr id="1" name=""/>
+        <p:cNvGrpSpPr/>
+        <p:nvPr/>
+      </p:nvGrpSpPr>
+      <p:grpSpPr>
+        <a:xfrm>
+          <a:off x="0" y="0"/>
+          <a:ext cx="0" cy="0"/>
+          <a:chOff x="0" y="0"/>
+          <a:chExt cx="0" cy="0"/>
+        </a:xfrm>
+      </p:grpSpPr>
+      <p:sp>
+        <p:nvSpPr>
+          <p:cNvPr id="2" name="Content Placeholder 1">
+            <a:extLst>
+              <a:ext uri="{FF2B5EF4-FFF2-40B4-BE49-F238E27FC236}">
+                <a16:creationId xmlns:a16="http://schemas.microsoft.com/office/drawing/2014/main" id="{DECF1F70-85B7-4AFA-B802-471BD4826D50}"/>
+              </a:ext>
+            </a:extLst>
+          </p:cNvPr>
+          <p:cNvSpPr>
+            <a:spLocks noGrp="1"/>
+          </p:cNvSpPr>
+          <p:nvPr>
+            <p:ph idx="1"/>
+          </p:nvPr>
+        </p:nvSpPr>
+        <p:spPr>
+          <a:xfrm>
+            <a:off x="176463" y="1728116"/>
+            <a:ext cx="5260850" cy="4201109"/>
+          </a:xfrm>
+        </p:spPr>
+        <p:txBody>
+          <a:bodyPr>
+            <a:normAutofit/>
+          </a:bodyPr>
+          <a:lstStyle/>
+          <a:p>
+            <a:r>
+              <a:rPr lang="en-US" dirty="0"/>
+              <a:t>Median prices for all Airbnb listings have slightly increased or remained the same</a:t>
+            </a:r>
+          </a:p>
+          <a:p>
+            <a:r>
+              <a:rPr lang="en-US" dirty="0"/>
+              <a:t>Entire Home prices in </a:t>
+            </a:r>
+            <a:r>
+              <a:rPr lang="en-US" dirty="0" err="1"/>
+              <a:t>Yarra</a:t>
+            </a:r>
+            <a:r>
+              <a:rPr lang="en-US" dirty="0"/>
+              <a:t> Ranges and Bayside have increased in 2020.</a:t>
+            </a:r>
+          </a:p>
+          <a:p>
+            <a:endParaRPr lang="en-AU" dirty="0"/>
+          </a:p>
+        </p:txBody>
+      </p:sp>
+      <p:sp>
+        <p:nvSpPr>
+          <p:cNvPr id="3" name="Title 2">
+            <a:extLst>
+              <a:ext uri="{FF2B5EF4-FFF2-40B4-BE49-F238E27FC236}">
+                <a16:creationId xmlns:a16="http://schemas.microsoft.com/office/drawing/2014/main" id="{7816781F-2604-4BDC-86D6-F50279B2F78C}"/>
+              </a:ext>
+            </a:extLst>
+          </p:cNvPr>
+          <p:cNvSpPr>
+            <a:spLocks noGrp="1"/>
+          </p:cNvSpPr>
+          <p:nvPr>
+            <p:ph type="title"/>
+          </p:nvPr>
+        </p:nvSpPr>
+        <p:spPr>
+          <a:xfrm>
+            <a:off x="0" y="0"/>
+            <a:ext cx="11002962" cy="1189038"/>
+          </a:xfrm>
+        </p:spPr>
+        <p:txBody>
+          <a:bodyPr/>
+          <a:lstStyle/>
+          <a:p>
+            <a:pPr algn="l"/>
+            <a:r>
+              <a:rPr lang="en-AU" dirty="0"/>
+              <a:t>Airbnb Listings Price Comparison</a:t>
+            </a:r>
+          </a:p>
+        </p:txBody>
+      </p:sp>
+      <p:sp>
+        <p:nvSpPr>
+          <p:cNvPr id="4" name="Footer Placeholder 3">
+            <a:extLst>
+              <a:ext uri="{FF2B5EF4-FFF2-40B4-BE49-F238E27FC236}">
+                <a16:creationId xmlns:a16="http://schemas.microsoft.com/office/drawing/2014/main" id="{71726940-3062-481C-8E2B-71604DB3617F}"/>
+              </a:ext>
+            </a:extLst>
+          </p:cNvPr>
+          <p:cNvSpPr>
+            <a:spLocks noGrp="1"/>
+          </p:cNvSpPr>
+          <p:nvPr>
+            <p:ph type="ftr" sz="quarter" idx="10"/>
+          </p:nvPr>
+        </p:nvSpPr>
+        <p:spPr/>
+        <p:txBody>
+          <a:bodyPr/>
+          <a:lstStyle/>
+          <a:p>
+            <a:r>
+              <a:rPr lang="en-US"/>
+              <a:t>Add a Footer</a:t>
+            </a:r>
+            <a:endParaRPr lang="en-US" dirty="0"/>
+          </a:p>
+        </p:txBody>
+      </p:sp>
+      <p:sp>
+        <p:nvSpPr>
+          <p:cNvPr id="5" name="Slide Number Placeholder 4">
+            <a:extLst>
+              <a:ext uri="{FF2B5EF4-FFF2-40B4-BE49-F238E27FC236}">
+                <a16:creationId xmlns:a16="http://schemas.microsoft.com/office/drawing/2014/main" id="{F7C46F20-0695-4885-AF35-F236783856CA}"/>
+              </a:ext>
+            </a:extLst>
+          </p:cNvPr>
+          <p:cNvSpPr>
+            <a:spLocks noGrp="1"/>
+          </p:cNvSpPr>
+          <p:nvPr>
+            <p:ph type="sldNum" sz="quarter" idx="11"/>
+          </p:nvPr>
+        </p:nvSpPr>
+        <p:spPr/>
+        <p:txBody>
+          <a:bodyPr/>
+          <a:lstStyle/>
+          <a:p>
+            <a:fld id="{8C2E478F-E849-4A8C-AF1F-CBCC78A7CBFA}" type="slidenum">
+              <a:rPr lang="en-US" smtClean="0"/>
+              <a:pPr/>
+              <a:t>12</a:t>
+            </a:fld>
+            <a:endParaRPr lang="en-US" dirty="0"/>
+          </a:p>
+        </p:txBody>
+      </p:sp>
+      <p:pic>
+        <p:nvPicPr>
+          <p:cNvPr id="6" name="Picture 5">
+            <a:extLst>
+              <a:ext uri="{FF2B5EF4-FFF2-40B4-BE49-F238E27FC236}">
+                <a16:creationId xmlns:a16="http://schemas.microsoft.com/office/drawing/2014/main" id="{D328CD9C-A288-4DED-8774-3F6913FEC1BD}"/>
+              </a:ext>
+            </a:extLst>
+          </p:cNvPr>
+          <p:cNvPicPr>
+            <a:picLocks noChangeAspect="1"/>
+          </p:cNvPicPr>
+          <p:nvPr/>
+        </p:nvPicPr>
+        <p:blipFill>
+          <a:blip r:embed="rId2">
+            <a:extLst>
+              <a:ext uri="{28A0092B-C50C-407E-A947-70E740481C1C}">
+                <a14:useLocalDpi xmlns:a14="http://schemas.microsoft.com/office/drawing/2010/main" val="0"/>
+              </a:ext>
+            </a:extLst>
+          </a:blip>
+          <a:stretch>
+            <a:fillRect/>
+          </a:stretch>
+        </p:blipFill>
+        <p:spPr>
+          <a:xfrm>
+            <a:off x="5645641" y="814137"/>
+            <a:ext cx="6450106" cy="5486399"/>
+          </a:xfrm>
+          <a:prstGeom prst="rect">
+            <a:avLst/>
+          </a:prstGeom>
+        </p:spPr>
+      </p:pic>
+    </p:spTree>
+    <p:extLst>
+      <p:ext uri="{BB962C8B-B14F-4D97-AF65-F5344CB8AC3E}">
+        <p14:creationId xmlns:p14="http://schemas.microsoft.com/office/powerpoint/2010/main" val="3561463317"/>
+      </p:ext>
+    </p:extLst>
+  </p:cSld>
+  <p:clrMapOvr>
+    <a:masterClrMapping/>
+  </p:clrMapOvr>
+</p:sld>
+</file>
+
+<file path=ppt/slides/slide13.xml><?xml version="1.0" encoding="utf-8"?>
+<p:sld xmlns:a="http://schemas.openxmlformats.org/drawingml/2006/main" xmlns:r="http://schemas.openxmlformats.org/officeDocument/2006/relationships" xmlns:p="http://schemas.openxmlformats.org/presentationml/2006/main">
+  <p:cSld>
+    <p:spTree>
+      <p:nvGrpSpPr>
+        <p:cNvPr id="1" name=""/>
+        <p:cNvGrpSpPr/>
+        <p:nvPr/>
+      </p:nvGrpSpPr>
+      <p:grpSpPr>
+        <a:xfrm>
+          <a:off x="0" y="0"/>
+          <a:ext cx="0" cy="0"/>
+          <a:chOff x="0" y="0"/>
+          <a:chExt cx="0" cy="0"/>
+        </a:xfrm>
+      </p:grpSpPr>
+      <p:sp>
+        <p:nvSpPr>
+          <p:cNvPr id="3" name="Title 2">
+            <a:extLst>
+              <a:ext uri="{FF2B5EF4-FFF2-40B4-BE49-F238E27FC236}">
+                <a16:creationId xmlns:a16="http://schemas.microsoft.com/office/drawing/2014/main" id="{C06C2A79-1873-4027-ACE0-E6E3FCD2B2AC}"/>
+              </a:ext>
+            </a:extLst>
+          </p:cNvPr>
+          <p:cNvSpPr>
+            <a:spLocks noGrp="1"/>
+          </p:cNvSpPr>
+          <p:nvPr>
+            <p:ph type="title"/>
+          </p:nvPr>
+        </p:nvSpPr>
+        <p:spPr>
+          <a:xfrm>
+            <a:off x="65314" y="43538"/>
+            <a:ext cx="3872204" cy="2248678"/>
+          </a:xfrm>
+        </p:spPr>
+        <p:txBody>
+          <a:bodyPr>
+            <a:normAutofit/>
+          </a:bodyPr>
+          <a:lstStyle/>
+          <a:p>
+            <a:pPr algn="l"/>
+            <a:r>
+              <a:rPr lang="en-AU" dirty="0"/>
+              <a:t>Airbnb Listings Price Comparison</a:t>
+            </a:r>
+          </a:p>
+        </p:txBody>
+      </p:sp>
+      <p:sp>
+        <p:nvSpPr>
+          <p:cNvPr id="4" name="Footer Placeholder 3">
+            <a:extLst>
+              <a:ext uri="{FF2B5EF4-FFF2-40B4-BE49-F238E27FC236}">
+                <a16:creationId xmlns:a16="http://schemas.microsoft.com/office/drawing/2014/main" id="{039DA1F9-741F-4F99-80E3-4F7C03898624}"/>
+              </a:ext>
+            </a:extLst>
+          </p:cNvPr>
+          <p:cNvSpPr>
+            <a:spLocks noGrp="1"/>
+          </p:cNvSpPr>
+          <p:nvPr>
+            <p:ph type="ftr" sz="quarter" idx="10"/>
+          </p:nvPr>
+        </p:nvSpPr>
+        <p:spPr/>
+        <p:txBody>
+          <a:bodyPr/>
+          <a:lstStyle/>
+          <a:p>
+            <a:r>
+              <a:rPr lang="en-US"/>
+              <a:t>Add a Footer</a:t>
+            </a:r>
+            <a:endParaRPr lang="en-US" dirty="0"/>
+          </a:p>
+        </p:txBody>
+      </p:sp>
+      <p:sp>
+        <p:nvSpPr>
+          <p:cNvPr id="5" name="Slide Number Placeholder 4">
+            <a:extLst>
+              <a:ext uri="{FF2B5EF4-FFF2-40B4-BE49-F238E27FC236}">
+                <a16:creationId xmlns:a16="http://schemas.microsoft.com/office/drawing/2014/main" id="{C7953CAA-1A08-4B79-ACBD-6E83AEF5B627}"/>
+              </a:ext>
+            </a:extLst>
+          </p:cNvPr>
+          <p:cNvSpPr>
+            <a:spLocks noGrp="1"/>
+          </p:cNvSpPr>
+          <p:nvPr>
+            <p:ph type="sldNum" sz="quarter" idx="11"/>
+          </p:nvPr>
+        </p:nvSpPr>
+        <p:spPr/>
+        <p:txBody>
+          <a:bodyPr/>
+          <a:lstStyle/>
+          <a:p>
+            <a:fld id="{8C2E478F-E849-4A8C-AF1F-CBCC78A7CBFA}" type="slidenum">
+              <a:rPr lang="en-US" smtClean="0"/>
+              <a:pPr/>
+              <a:t>13</a:t>
+            </a:fld>
+            <a:endParaRPr lang="en-US" dirty="0"/>
+          </a:p>
+        </p:txBody>
+      </p:sp>
+      <p:pic>
+        <p:nvPicPr>
+          <p:cNvPr id="7" name="Picture 6" descr="Chart, box and whisker chart&#10;&#10;Description automatically generated">
+            <a:extLst>
+              <a:ext uri="{FF2B5EF4-FFF2-40B4-BE49-F238E27FC236}">
+                <a16:creationId xmlns:a16="http://schemas.microsoft.com/office/drawing/2014/main" id="{D8750431-D2B5-4F24-A120-F78B2E2145B2}"/>
+              </a:ext>
+            </a:extLst>
+          </p:cNvPr>
+          <p:cNvPicPr>
+            <a:picLocks noChangeAspect="1"/>
+          </p:cNvPicPr>
+          <p:nvPr/>
+        </p:nvPicPr>
+        <p:blipFill>
+          <a:blip r:embed="rId2"/>
+          <a:stretch>
+            <a:fillRect/>
+          </a:stretch>
+        </p:blipFill>
+        <p:spPr>
+          <a:xfrm>
+            <a:off x="4154177" y="47422"/>
+            <a:ext cx="6654281" cy="6654281"/>
+          </a:xfrm>
+          <a:prstGeom prst="rect">
+            <a:avLst/>
+          </a:prstGeom>
+        </p:spPr>
+      </p:pic>
+    </p:spTree>
+    <p:extLst>
+      <p:ext uri="{BB962C8B-B14F-4D97-AF65-F5344CB8AC3E}">
+        <p14:creationId xmlns:p14="http://schemas.microsoft.com/office/powerpoint/2010/main" val="2854924587"/>
+      </p:ext>
+    </p:extLst>
+  </p:cSld>
+  <p:clrMapOvr>
+    <a:masterClrMapping/>
+  </p:clrMapOvr>
+</p:sld>
+</file>
+
+<file path=ppt/slides/slide14.xml><?xml version="1.0" encoding="utf-8"?>
+<p:sld xmlns:a="http://schemas.openxmlformats.org/drawingml/2006/main" xmlns:r="http://schemas.openxmlformats.org/officeDocument/2006/relationships" xmlns:p="http://schemas.openxmlformats.org/presentationml/2006/main">
+  <p:cSld>
+    <p:spTree>
+      <p:nvGrpSpPr>
+        <p:cNvPr id="1" name=""/>
+        <p:cNvGrpSpPr/>
+        <p:nvPr/>
+      </p:nvGrpSpPr>
+      <p:grpSpPr>
+        <a:xfrm>
+          <a:off x="0" y="0"/>
+          <a:ext cx="0" cy="0"/>
+          <a:chOff x="0" y="0"/>
+          <a:chExt cx="0" cy="0"/>
+        </a:xfrm>
+      </p:grpSpPr>
+      <p:pic>
+        <p:nvPicPr>
+          <p:cNvPr id="9" name="Content Placeholder 8" descr="Chart, scatter chart&#10;&#10;Description automatically generated">
+            <a:extLst>
+              <a:ext uri="{FF2B5EF4-FFF2-40B4-BE49-F238E27FC236}">
+                <a16:creationId xmlns:a16="http://schemas.microsoft.com/office/drawing/2014/main" id="{0F3E7208-1D4F-4F40-99FA-BC25FE94F637}"/>
+              </a:ext>
+            </a:extLst>
+          </p:cNvPr>
+          <p:cNvPicPr>
+            <a:picLocks noGrp="1" noChangeAspect="1"/>
+          </p:cNvPicPr>
+          <p:nvPr>
+            <p:ph sz="quarter" idx="16"/>
+          </p:nvPr>
+        </p:nvPicPr>
+        <p:blipFill>
+          <a:blip r:embed="rId2"/>
+          <a:stretch>
+            <a:fillRect/>
+          </a:stretch>
+        </p:blipFill>
+        <p:spPr>
+          <a:xfrm>
+            <a:off x="6383615" y="40951"/>
+            <a:ext cx="5082073" cy="3388049"/>
+          </a:xfrm>
+        </p:spPr>
+      </p:pic>
+      <p:sp>
+        <p:nvSpPr>
+          <p:cNvPr id="3" name="Title 2">
+            <a:extLst>
+              <a:ext uri="{FF2B5EF4-FFF2-40B4-BE49-F238E27FC236}">
+                <a16:creationId xmlns:a16="http://schemas.microsoft.com/office/drawing/2014/main" id="{2BB2154A-120A-42E6-8057-549C5A48E437}"/>
+              </a:ext>
+            </a:extLst>
+          </p:cNvPr>
+          <p:cNvSpPr>
+            <a:spLocks noGrp="1"/>
+          </p:cNvSpPr>
+          <p:nvPr>
+            <p:ph type="title"/>
+          </p:nvPr>
+        </p:nvSpPr>
+        <p:spPr/>
+        <p:txBody>
+          <a:bodyPr/>
+          <a:lstStyle/>
+          <a:p>
+            <a:r>
+              <a:rPr lang="en-AU" dirty="0"/>
+              <a:t>Review Score vs Price</a:t>
+            </a:r>
+          </a:p>
+        </p:txBody>
+      </p:sp>
+      <p:pic>
+        <p:nvPicPr>
+          <p:cNvPr id="11" name="Content Placeholder 10" descr="Chart&#10;&#10;Description automatically generated">
+            <a:extLst>
+              <a:ext uri="{FF2B5EF4-FFF2-40B4-BE49-F238E27FC236}">
+                <a16:creationId xmlns:a16="http://schemas.microsoft.com/office/drawing/2014/main" id="{C01110A4-7D43-4B95-8AD3-61ACD98DA9B8}"/>
+              </a:ext>
+            </a:extLst>
+          </p:cNvPr>
+          <p:cNvPicPr>
+            <a:picLocks noGrp="1" noChangeAspect="1"/>
+          </p:cNvPicPr>
+          <p:nvPr>
+            <p:ph idx="1"/>
+          </p:nvPr>
+        </p:nvPicPr>
+        <p:blipFill>
+          <a:blip r:embed="rId3"/>
+          <a:stretch>
+            <a:fillRect/>
+          </a:stretch>
+        </p:blipFill>
+        <p:spPr>
+          <a:xfrm>
+            <a:off x="6383616" y="3469952"/>
+            <a:ext cx="5082073" cy="3388048"/>
+          </a:xfrm>
+        </p:spPr>
+      </p:pic>
+      <p:sp>
+        <p:nvSpPr>
+          <p:cNvPr id="6" name="Footer Placeholder 5">
+            <a:extLst>
+              <a:ext uri="{FF2B5EF4-FFF2-40B4-BE49-F238E27FC236}">
+                <a16:creationId xmlns:a16="http://schemas.microsoft.com/office/drawing/2014/main" id="{08C26AC5-57DD-4763-9B8F-799AF2B0DAC2}"/>
+              </a:ext>
+            </a:extLst>
+          </p:cNvPr>
+          <p:cNvSpPr>
+            <a:spLocks noGrp="1"/>
+          </p:cNvSpPr>
+          <p:nvPr>
+            <p:ph type="ftr" sz="quarter" idx="17"/>
+          </p:nvPr>
+        </p:nvSpPr>
+        <p:spPr/>
+        <p:txBody>
+          <a:bodyPr/>
+          <a:lstStyle/>
+          <a:p>
+            <a:r>
+              <a:rPr lang="en-US"/>
+              <a:t>Add a Footer</a:t>
+            </a:r>
+            <a:endParaRPr lang="en-US" dirty="0"/>
+          </a:p>
+        </p:txBody>
+      </p:sp>
+      <p:sp>
+        <p:nvSpPr>
+          <p:cNvPr id="7" name="Slide Number Placeholder 6">
+            <a:extLst>
+              <a:ext uri="{FF2B5EF4-FFF2-40B4-BE49-F238E27FC236}">
+                <a16:creationId xmlns:a16="http://schemas.microsoft.com/office/drawing/2014/main" id="{FD6F576E-69A1-4BE4-8D40-F2EAB0AB4CF4}"/>
+              </a:ext>
+            </a:extLst>
+          </p:cNvPr>
+          <p:cNvSpPr>
+            <a:spLocks noGrp="1"/>
+          </p:cNvSpPr>
+          <p:nvPr>
+            <p:ph type="sldNum" sz="quarter" idx="18"/>
+          </p:nvPr>
+        </p:nvSpPr>
+        <p:spPr/>
+        <p:txBody>
+          <a:bodyPr/>
+          <a:lstStyle/>
+          <a:p>
+            <a:fld id="{8C2E478F-E849-4A8C-AF1F-CBCC78A7CBFA}" type="slidenum">
+              <a:rPr lang="en-US" smtClean="0"/>
+              <a:pPr/>
+              <a:t>14</a:t>
+            </a:fld>
+            <a:endParaRPr lang="en-US" dirty="0"/>
+          </a:p>
+        </p:txBody>
+      </p:sp>
+      <p:sp>
+        <p:nvSpPr>
+          <p:cNvPr id="12" name="Content Placeholder 3">
+            <a:extLst>
+              <a:ext uri="{FF2B5EF4-FFF2-40B4-BE49-F238E27FC236}">
+                <a16:creationId xmlns:a16="http://schemas.microsoft.com/office/drawing/2014/main" id="{23ECED43-DE7B-45CC-AB43-2B304C41F014}"/>
+              </a:ext>
+            </a:extLst>
+          </p:cNvPr>
+          <p:cNvSpPr txBox="1">
+            <a:spLocks/>
+          </p:cNvSpPr>
+          <p:nvPr/>
+        </p:nvSpPr>
+        <p:spPr>
+          <a:xfrm>
+            <a:off x="611804" y="2032939"/>
+            <a:ext cx="4226024" cy="3857329"/>
+          </a:xfrm>
+          <a:prstGeom prst="rect">
+            <a:avLst/>
+          </a:prstGeom>
+        </p:spPr>
+        <p:txBody>
+          <a:bodyPr vert="horz" lIns="0" tIns="45720" rIns="0" bIns="45720" rtlCol="0">
+            <a:normAutofit/>
+          </a:bodyPr>
+          <a:lstStyle>
+            <a:lvl1pPr marL="228600" indent="-228600" algn="l" defTabSz="914400" rtl="0" eaLnBrk="1" latinLnBrk="0" hangingPunct="1">
+              <a:lnSpc>
+                <a:spcPct val="150000"/>
+              </a:lnSpc>
+              <a:spcBef>
+                <a:spcPts val="1000"/>
+              </a:spcBef>
+              <a:buFont typeface="Arial" panose="020B0604020202020204" pitchFamily="34" charset="0"/>
+              <a:buChar char="•"/>
+              <a:defRPr sz="1600" kern="1200">
+                <a:solidFill>
+                  <a:schemeClr val="bg1"/>
+                </a:solidFill>
+                <a:latin typeface="+mn-lt"/>
+                <a:ea typeface="+mn-ea"/>
+                <a:cs typeface="+mn-cs"/>
+              </a:defRPr>
+            </a:lvl1pPr>
+            <a:lvl2pPr marL="685800" indent="-228600" algn="l" defTabSz="914400" rtl="0" eaLnBrk="1" latinLnBrk="0" hangingPunct="1">
+              <a:lnSpc>
+                <a:spcPct val="150000"/>
+              </a:lnSpc>
+              <a:spcBef>
+                <a:spcPts val="500"/>
+              </a:spcBef>
+              <a:buFont typeface="Arial" panose="020B0604020202020204" pitchFamily="34" charset="0"/>
+              <a:buChar char="•"/>
+              <a:defRPr sz="1600" kern="1200">
+                <a:solidFill>
+                  <a:schemeClr val="bg1"/>
+                </a:solidFill>
+                <a:latin typeface="+mn-lt"/>
+                <a:ea typeface="+mn-ea"/>
+                <a:cs typeface="+mn-cs"/>
+              </a:defRPr>
+            </a:lvl2pPr>
+            <a:lvl3pPr marL="1143000" indent="-228600" algn="l" defTabSz="914400" rtl="0" eaLnBrk="1" latinLnBrk="0" hangingPunct="1">
+              <a:lnSpc>
+                <a:spcPct val="150000"/>
+              </a:lnSpc>
+              <a:spcBef>
+                <a:spcPts val="500"/>
+              </a:spcBef>
+              <a:buFont typeface="Arial" panose="020B0604020202020204" pitchFamily="34" charset="0"/>
+              <a:buChar char="•"/>
+              <a:defRPr sz="1400" kern="1200">
+                <a:solidFill>
+                  <a:schemeClr val="bg1"/>
+                </a:solidFill>
+                <a:latin typeface="+mn-lt"/>
+                <a:ea typeface="+mn-ea"/>
+                <a:cs typeface="+mn-cs"/>
+              </a:defRPr>
+            </a:lvl3pPr>
+            <a:lvl4pPr marL="1600200" indent="-228600" algn="l" defTabSz="914400" rtl="0" eaLnBrk="1" latinLnBrk="0" hangingPunct="1">
+              <a:lnSpc>
+                <a:spcPct val="150000"/>
+              </a:lnSpc>
+              <a:spcBef>
+                <a:spcPts val="500"/>
+              </a:spcBef>
+              <a:buFont typeface="Arial" panose="020B0604020202020204" pitchFamily="34" charset="0"/>
+              <a:buChar char="•"/>
+              <a:defRPr sz="1200" kern="1200">
+                <a:solidFill>
+                  <a:schemeClr val="bg1"/>
+                </a:solidFill>
+                <a:latin typeface="+mn-lt"/>
+                <a:ea typeface="+mn-ea"/>
+                <a:cs typeface="+mn-cs"/>
+              </a:defRPr>
+            </a:lvl4pPr>
+            <a:lvl5pPr marL="2057400" indent="-228600" algn="l" defTabSz="914400" rtl="0" eaLnBrk="1" latinLnBrk="0" hangingPunct="1">
+              <a:lnSpc>
+                <a:spcPct val="150000"/>
+              </a:lnSpc>
+              <a:spcBef>
+                <a:spcPts val="500"/>
+              </a:spcBef>
+              <a:buFont typeface="Arial" panose="020B0604020202020204" pitchFamily="34" charset="0"/>
+              <a:buChar char="•"/>
+              <a:defRPr sz="1200" kern="1200">
+                <a:solidFill>
+                  <a:schemeClr val="bg1"/>
+                </a:solidFill>
+                <a:latin typeface="+mn-lt"/>
+                <a:ea typeface="+mn-ea"/>
+                <a:cs typeface="+mn-cs"/>
+              </a:defRPr>
+            </a:lvl5pPr>
+            <a:lvl6pPr marL="2514600" indent="-228600" algn="l" defTabSz="914400" rtl="0" eaLnBrk="1" latinLnBrk="0" hangingPunct="1">
+              <a:lnSpc>
+                <a:spcPct val="90000"/>
+              </a:lnSpc>
+              <a:spcBef>
+                <a:spcPts val="500"/>
+              </a:spcBef>
+              <a:buFont typeface="Arial" panose="020B0604020202020204" pitchFamily="34" charset="0"/>
+              <a:buChar char="•"/>
+              <a:defRPr sz="1800" kern="1200">
+                <a:solidFill>
+                  <a:schemeClr val="tx1"/>
+                </a:solidFill>
+                <a:latin typeface="+mn-lt"/>
+                <a:ea typeface="+mn-ea"/>
+                <a:cs typeface="+mn-cs"/>
+              </a:defRPr>
+            </a:lvl6pPr>
+            <a:lvl7pPr marL="2971800" indent="-228600" algn="l" defTabSz="914400" rtl="0" eaLnBrk="1" latinLnBrk="0" hangingPunct="1">
+              <a:lnSpc>
+                <a:spcPct val="90000"/>
+              </a:lnSpc>
+              <a:spcBef>
+                <a:spcPts val="500"/>
+              </a:spcBef>
+              <a:buFont typeface="Arial" panose="020B0604020202020204" pitchFamily="34" charset="0"/>
+              <a:buChar char="•"/>
+              <a:defRPr sz="1800" kern="1200">
+                <a:solidFill>
+                  <a:schemeClr val="tx1"/>
+                </a:solidFill>
+                <a:latin typeface="+mn-lt"/>
+                <a:ea typeface="+mn-ea"/>
+                <a:cs typeface="+mn-cs"/>
+              </a:defRPr>
+            </a:lvl7pPr>
+            <a:lvl8pPr marL="3429000" indent="-228600" algn="l" defTabSz="914400" rtl="0" eaLnBrk="1" latinLnBrk="0" hangingPunct="1">
+              <a:lnSpc>
+                <a:spcPct val="90000"/>
+              </a:lnSpc>
+              <a:spcBef>
+                <a:spcPts val="500"/>
+              </a:spcBef>
+              <a:buFont typeface="Arial" panose="020B0604020202020204" pitchFamily="34" charset="0"/>
+              <a:buChar char="•"/>
+              <a:defRPr sz="1800" kern="1200">
+                <a:solidFill>
+                  <a:schemeClr val="tx1"/>
+                </a:solidFill>
+                <a:latin typeface="+mn-lt"/>
+                <a:ea typeface="+mn-ea"/>
+                <a:cs typeface="+mn-cs"/>
+              </a:defRPr>
+            </a:lvl8pPr>
+            <a:lvl9pPr marL="3886200" indent="-228600" algn="l" defTabSz="914400" rtl="0" eaLnBrk="1" latinLnBrk="0" hangingPunct="1">
+              <a:lnSpc>
+                <a:spcPct val="90000"/>
+              </a:lnSpc>
+              <a:spcBef>
+                <a:spcPts val="500"/>
+              </a:spcBef>
+              <a:buFont typeface="Arial" panose="020B0604020202020204" pitchFamily="34" charset="0"/>
+              <a:buChar char="•"/>
+              <a:defRPr sz="1800" kern="1200">
+                <a:solidFill>
+                  <a:schemeClr val="tx1"/>
+                </a:solidFill>
+                <a:latin typeface="+mn-lt"/>
+                <a:ea typeface="+mn-ea"/>
+                <a:cs typeface="+mn-cs"/>
+              </a:defRPr>
+            </a:lvl9pPr>
+          </a:lstStyle>
+          <a:p>
+            <a:r>
+              <a:rPr lang="en-US" dirty="0"/>
+              <a:t>2019 – r value is 0.04</a:t>
+            </a:r>
+          </a:p>
+          <a:p>
+            <a:r>
+              <a:rPr lang="en-US" dirty="0"/>
+              <a:t>2020 – </a:t>
+            </a:r>
+            <a:r>
+              <a:rPr lang="en-US" dirty="0" err="1"/>
+              <a:t>rvalue</a:t>
+            </a:r>
+            <a:r>
+              <a:rPr lang="en-US" dirty="0"/>
+              <a:t> is 0.03</a:t>
+            </a:r>
+          </a:p>
+          <a:p>
+            <a:r>
+              <a:rPr lang="en-US" dirty="0"/>
+              <a:t>There is only weak correlation between Review rating and Price per Night of a listing in AirBnB.</a:t>
+            </a:r>
+          </a:p>
+        </p:txBody>
+      </p:sp>
+    </p:spTree>
+    <p:extLst>
+      <p:ext uri="{BB962C8B-B14F-4D97-AF65-F5344CB8AC3E}">
+        <p14:creationId xmlns:p14="http://schemas.microsoft.com/office/powerpoint/2010/main" val="452431008"/>
+      </p:ext>
+    </p:extLst>
+  </p:cSld>
+  <p:clrMapOvr>
+    <a:masterClrMapping/>
+  </p:clrMapOvr>
+</p:sld>
+</file>
+
+<file path=ppt/slides/slide15.xml><?xml version="1.0" encoding="utf-8"?>
+<p:sld xmlns:a="http://schemas.openxmlformats.org/drawingml/2006/main" xmlns:r="http://schemas.openxmlformats.org/officeDocument/2006/relationships" xmlns:p="http://schemas.openxmlformats.org/presentationml/2006/main">
+  <p:cSld>
+    <p:spTree>
+      <p:nvGrpSpPr>
+        <p:cNvPr id="1" name=""/>
+        <p:cNvGrpSpPr/>
+        <p:nvPr/>
+      </p:nvGrpSpPr>
+      <p:grpSpPr>
+        <a:xfrm>
+          <a:off x="0" y="0"/>
+          <a:ext cx="0" cy="0"/>
+          <a:chOff x="0" y="0"/>
+          <a:chExt cx="0" cy="0"/>
+        </a:xfrm>
+      </p:grpSpPr>
+      <p:pic>
+        <p:nvPicPr>
+          <p:cNvPr id="9" name="Content Placeholder 8" descr="Chart, scatter chart&#10;&#10;Description automatically generated">
+            <a:extLst>
+              <a:ext uri="{FF2B5EF4-FFF2-40B4-BE49-F238E27FC236}">
+                <a16:creationId xmlns:a16="http://schemas.microsoft.com/office/drawing/2014/main" id="{662373C4-151F-4062-B9C2-B7BB79B0AE34}"/>
+              </a:ext>
+            </a:extLst>
+          </p:cNvPr>
+          <p:cNvPicPr>
+            <a:picLocks noGrp="1" noChangeAspect="1"/>
+          </p:cNvPicPr>
+          <p:nvPr>
+            <p:ph sz="quarter" idx="16"/>
+          </p:nvPr>
+        </p:nvPicPr>
+        <p:blipFill>
+          <a:blip r:embed="rId2"/>
+          <a:stretch>
+            <a:fillRect/>
+          </a:stretch>
+        </p:blipFill>
+        <p:spPr>
+          <a:xfrm>
+            <a:off x="6270496" y="57755"/>
+            <a:ext cx="5056867" cy="3371245"/>
+          </a:xfrm>
+        </p:spPr>
+      </p:pic>
+      <p:sp>
+        <p:nvSpPr>
+          <p:cNvPr id="3" name="Title 2">
+            <a:extLst>
+              <a:ext uri="{FF2B5EF4-FFF2-40B4-BE49-F238E27FC236}">
+                <a16:creationId xmlns:a16="http://schemas.microsoft.com/office/drawing/2014/main" id="{F70C9DCA-7015-46A9-9793-5DF3B8BD9464}"/>
+              </a:ext>
+            </a:extLst>
+          </p:cNvPr>
+          <p:cNvSpPr>
+            <a:spLocks noGrp="1"/>
+          </p:cNvSpPr>
+          <p:nvPr>
+            <p:ph type="title"/>
+          </p:nvPr>
+        </p:nvSpPr>
+        <p:spPr>
+          <a:xfrm>
+            <a:off x="433136" y="1099002"/>
+            <a:ext cx="4507831" cy="573989"/>
+          </a:xfrm>
+        </p:spPr>
+        <p:txBody>
+          <a:bodyPr/>
+          <a:lstStyle/>
+          <a:p>
+            <a:r>
+              <a:rPr lang="en-AU" dirty="0"/>
+              <a:t>Price per Night vs Number of Days Booked</a:t>
+            </a:r>
+          </a:p>
+        </p:txBody>
+      </p:sp>
+      <p:pic>
+        <p:nvPicPr>
+          <p:cNvPr id="11" name="Content Placeholder 10" descr="Chart, scatter chart&#10;&#10;Description automatically generated">
+            <a:extLst>
+              <a:ext uri="{FF2B5EF4-FFF2-40B4-BE49-F238E27FC236}">
+                <a16:creationId xmlns:a16="http://schemas.microsoft.com/office/drawing/2014/main" id="{C135BA80-79E9-4BB1-84A9-5C1A2A30144C}"/>
+              </a:ext>
+            </a:extLst>
+          </p:cNvPr>
+          <p:cNvPicPr>
+            <a:picLocks noGrp="1" noChangeAspect="1"/>
+          </p:cNvPicPr>
+          <p:nvPr>
+            <p:ph idx="1"/>
+          </p:nvPr>
+        </p:nvPicPr>
+        <p:blipFill>
+          <a:blip r:embed="rId3"/>
+          <a:stretch>
+            <a:fillRect/>
+          </a:stretch>
+        </p:blipFill>
+        <p:spPr>
+          <a:xfrm>
+            <a:off x="6270496" y="3486755"/>
+            <a:ext cx="5056867" cy="3371245"/>
+          </a:xfrm>
+        </p:spPr>
+      </p:pic>
+      <p:sp>
+        <p:nvSpPr>
+          <p:cNvPr id="6" name="Footer Placeholder 5">
+            <a:extLst>
+              <a:ext uri="{FF2B5EF4-FFF2-40B4-BE49-F238E27FC236}">
+                <a16:creationId xmlns:a16="http://schemas.microsoft.com/office/drawing/2014/main" id="{5E9771BB-922B-45C7-8F7A-7FE6A6E5BE57}"/>
+              </a:ext>
+            </a:extLst>
+          </p:cNvPr>
+          <p:cNvSpPr>
+            <a:spLocks noGrp="1"/>
+          </p:cNvSpPr>
+          <p:nvPr>
+            <p:ph type="ftr" sz="quarter" idx="17"/>
+          </p:nvPr>
+        </p:nvSpPr>
+        <p:spPr/>
+        <p:txBody>
+          <a:bodyPr/>
+          <a:lstStyle/>
+          <a:p>
+            <a:r>
+              <a:rPr lang="en-US"/>
+              <a:t>Add a Footer</a:t>
+            </a:r>
+            <a:endParaRPr lang="en-US" dirty="0"/>
+          </a:p>
+        </p:txBody>
+      </p:sp>
+      <p:sp>
+        <p:nvSpPr>
+          <p:cNvPr id="7" name="Slide Number Placeholder 6">
+            <a:extLst>
+              <a:ext uri="{FF2B5EF4-FFF2-40B4-BE49-F238E27FC236}">
+                <a16:creationId xmlns:a16="http://schemas.microsoft.com/office/drawing/2014/main" id="{E5705F52-CC98-4118-8E92-EB49029870C1}"/>
+              </a:ext>
+            </a:extLst>
+          </p:cNvPr>
+          <p:cNvSpPr>
+            <a:spLocks noGrp="1"/>
+          </p:cNvSpPr>
+          <p:nvPr>
+            <p:ph type="sldNum" sz="quarter" idx="18"/>
+          </p:nvPr>
+        </p:nvSpPr>
+        <p:spPr/>
+        <p:txBody>
+          <a:bodyPr/>
+          <a:lstStyle/>
+          <a:p>
+            <a:fld id="{8C2E478F-E849-4A8C-AF1F-CBCC78A7CBFA}" type="slidenum">
+              <a:rPr lang="en-US" smtClean="0"/>
+              <a:pPr/>
+              <a:t>15</a:t>
+            </a:fld>
+            <a:endParaRPr lang="en-US" dirty="0"/>
+          </a:p>
+        </p:txBody>
+      </p:sp>
+      <p:sp>
+        <p:nvSpPr>
+          <p:cNvPr id="12" name="Content Placeholder 3">
+            <a:extLst>
+              <a:ext uri="{FF2B5EF4-FFF2-40B4-BE49-F238E27FC236}">
+                <a16:creationId xmlns:a16="http://schemas.microsoft.com/office/drawing/2014/main" id="{2B940960-AB3C-440B-8E44-61322560DB52}"/>
+              </a:ext>
+            </a:extLst>
+          </p:cNvPr>
+          <p:cNvSpPr txBox="1">
+            <a:spLocks/>
+          </p:cNvSpPr>
+          <p:nvPr/>
+        </p:nvSpPr>
+        <p:spPr>
+          <a:xfrm>
+            <a:off x="611804" y="2032939"/>
+            <a:ext cx="4226024" cy="3857329"/>
+          </a:xfrm>
+          <a:prstGeom prst="rect">
+            <a:avLst/>
+          </a:prstGeom>
+        </p:spPr>
+        <p:txBody>
+          <a:bodyPr vert="horz" lIns="0" tIns="45720" rIns="0" bIns="45720" rtlCol="0">
+            <a:normAutofit/>
+          </a:bodyPr>
+          <a:lstStyle>
+            <a:lvl1pPr marL="228600" indent="-228600" algn="l" defTabSz="914400" rtl="0" eaLnBrk="1" latinLnBrk="0" hangingPunct="1">
+              <a:lnSpc>
+                <a:spcPct val="150000"/>
+              </a:lnSpc>
+              <a:spcBef>
+                <a:spcPts val="1000"/>
+              </a:spcBef>
+              <a:buFont typeface="Arial" panose="020B0604020202020204" pitchFamily="34" charset="0"/>
+              <a:buChar char="•"/>
+              <a:defRPr sz="1600" kern="1200">
+                <a:solidFill>
+                  <a:schemeClr val="bg1"/>
+                </a:solidFill>
+                <a:latin typeface="+mn-lt"/>
+                <a:ea typeface="+mn-ea"/>
+                <a:cs typeface="+mn-cs"/>
+              </a:defRPr>
+            </a:lvl1pPr>
+            <a:lvl2pPr marL="685800" indent="-228600" algn="l" defTabSz="914400" rtl="0" eaLnBrk="1" latinLnBrk="0" hangingPunct="1">
+              <a:lnSpc>
+                <a:spcPct val="150000"/>
+              </a:lnSpc>
+              <a:spcBef>
+                <a:spcPts val="500"/>
+              </a:spcBef>
+              <a:buFont typeface="Arial" panose="020B0604020202020204" pitchFamily="34" charset="0"/>
+              <a:buChar char="•"/>
+              <a:defRPr sz="1600" kern="1200">
+                <a:solidFill>
+                  <a:schemeClr val="bg1"/>
+                </a:solidFill>
+                <a:latin typeface="+mn-lt"/>
+                <a:ea typeface="+mn-ea"/>
+                <a:cs typeface="+mn-cs"/>
+              </a:defRPr>
+            </a:lvl2pPr>
+            <a:lvl3pPr marL="1143000" indent="-228600" algn="l" defTabSz="914400" rtl="0" eaLnBrk="1" latinLnBrk="0" hangingPunct="1">
+              <a:lnSpc>
+                <a:spcPct val="150000"/>
+              </a:lnSpc>
+              <a:spcBef>
+                <a:spcPts val="500"/>
+              </a:spcBef>
+              <a:buFont typeface="Arial" panose="020B0604020202020204" pitchFamily="34" charset="0"/>
+              <a:buChar char="•"/>
+              <a:defRPr sz="1400" kern="1200">
+                <a:solidFill>
+                  <a:schemeClr val="bg1"/>
+                </a:solidFill>
+                <a:latin typeface="+mn-lt"/>
+                <a:ea typeface="+mn-ea"/>
+                <a:cs typeface="+mn-cs"/>
+              </a:defRPr>
+            </a:lvl3pPr>
+            <a:lvl4pPr marL="1600200" indent="-228600" algn="l" defTabSz="914400" rtl="0" eaLnBrk="1" latinLnBrk="0" hangingPunct="1">
+              <a:lnSpc>
+                <a:spcPct val="150000"/>
+              </a:lnSpc>
+              <a:spcBef>
+                <a:spcPts val="500"/>
+              </a:spcBef>
+              <a:buFont typeface="Arial" panose="020B0604020202020204" pitchFamily="34" charset="0"/>
+              <a:buChar char="•"/>
+              <a:defRPr sz="1200" kern="1200">
+                <a:solidFill>
+                  <a:schemeClr val="bg1"/>
+                </a:solidFill>
+                <a:latin typeface="+mn-lt"/>
+                <a:ea typeface="+mn-ea"/>
+                <a:cs typeface="+mn-cs"/>
+              </a:defRPr>
+            </a:lvl4pPr>
+            <a:lvl5pPr marL="2057400" indent="-228600" algn="l" defTabSz="914400" rtl="0" eaLnBrk="1" latinLnBrk="0" hangingPunct="1">
+              <a:lnSpc>
+                <a:spcPct val="150000"/>
+              </a:lnSpc>
+              <a:spcBef>
+                <a:spcPts val="500"/>
+              </a:spcBef>
+              <a:buFont typeface="Arial" panose="020B0604020202020204" pitchFamily="34" charset="0"/>
+              <a:buChar char="•"/>
+              <a:defRPr sz="1200" kern="1200">
+                <a:solidFill>
+                  <a:schemeClr val="bg1"/>
+                </a:solidFill>
+                <a:latin typeface="+mn-lt"/>
+                <a:ea typeface="+mn-ea"/>
+                <a:cs typeface="+mn-cs"/>
+              </a:defRPr>
+            </a:lvl5pPr>
+            <a:lvl6pPr marL="2514600" indent="-228600" algn="l" defTabSz="914400" rtl="0" eaLnBrk="1" latinLnBrk="0" hangingPunct="1">
+              <a:lnSpc>
+                <a:spcPct val="90000"/>
+              </a:lnSpc>
+              <a:spcBef>
+                <a:spcPts val="500"/>
+              </a:spcBef>
+              <a:buFont typeface="Arial" panose="020B0604020202020204" pitchFamily="34" charset="0"/>
+              <a:buChar char="•"/>
+              <a:defRPr sz="1800" kern="1200">
+                <a:solidFill>
+                  <a:schemeClr val="tx1"/>
+                </a:solidFill>
+                <a:latin typeface="+mn-lt"/>
+                <a:ea typeface="+mn-ea"/>
+                <a:cs typeface="+mn-cs"/>
+              </a:defRPr>
+            </a:lvl6pPr>
+            <a:lvl7pPr marL="2971800" indent="-228600" algn="l" defTabSz="914400" rtl="0" eaLnBrk="1" latinLnBrk="0" hangingPunct="1">
+              <a:lnSpc>
+                <a:spcPct val="90000"/>
+              </a:lnSpc>
+              <a:spcBef>
+                <a:spcPts val="500"/>
+              </a:spcBef>
+              <a:buFont typeface="Arial" panose="020B0604020202020204" pitchFamily="34" charset="0"/>
+              <a:buChar char="•"/>
+              <a:defRPr sz="1800" kern="1200">
+                <a:solidFill>
+                  <a:schemeClr val="tx1"/>
+                </a:solidFill>
+                <a:latin typeface="+mn-lt"/>
+                <a:ea typeface="+mn-ea"/>
+                <a:cs typeface="+mn-cs"/>
+              </a:defRPr>
+            </a:lvl7pPr>
+            <a:lvl8pPr marL="3429000" indent="-228600" algn="l" defTabSz="914400" rtl="0" eaLnBrk="1" latinLnBrk="0" hangingPunct="1">
+              <a:lnSpc>
+                <a:spcPct val="90000"/>
+              </a:lnSpc>
+              <a:spcBef>
+                <a:spcPts val="500"/>
+              </a:spcBef>
+              <a:buFont typeface="Arial" panose="020B0604020202020204" pitchFamily="34" charset="0"/>
+              <a:buChar char="•"/>
+              <a:defRPr sz="1800" kern="1200">
+                <a:solidFill>
+                  <a:schemeClr val="tx1"/>
+                </a:solidFill>
+                <a:latin typeface="+mn-lt"/>
+                <a:ea typeface="+mn-ea"/>
+                <a:cs typeface="+mn-cs"/>
+              </a:defRPr>
+            </a:lvl8pPr>
+            <a:lvl9pPr marL="3886200" indent="-228600" algn="l" defTabSz="914400" rtl="0" eaLnBrk="1" latinLnBrk="0" hangingPunct="1">
+              <a:lnSpc>
+                <a:spcPct val="90000"/>
+              </a:lnSpc>
+              <a:spcBef>
+                <a:spcPts val="500"/>
+              </a:spcBef>
+              <a:buFont typeface="Arial" panose="020B0604020202020204" pitchFamily="34" charset="0"/>
+              <a:buChar char="•"/>
+              <a:defRPr sz="1800" kern="1200">
+                <a:solidFill>
+                  <a:schemeClr val="tx1"/>
+                </a:solidFill>
+                <a:latin typeface="+mn-lt"/>
+                <a:ea typeface="+mn-ea"/>
+                <a:cs typeface="+mn-cs"/>
+              </a:defRPr>
+            </a:lvl9pPr>
+          </a:lstStyle>
+          <a:p>
+            <a:r>
+              <a:rPr lang="en-US" dirty="0"/>
+              <a:t>2019 – r value is -0.11</a:t>
+            </a:r>
+          </a:p>
+          <a:p>
+            <a:r>
+              <a:rPr lang="en-US" dirty="0"/>
+              <a:t>2020 – r value is -0.04</a:t>
+            </a:r>
+          </a:p>
+          <a:p>
+            <a:r>
+              <a:rPr lang="en-US" dirty="0"/>
+              <a:t>There is only weak correlation between Price per Night and Number of days booked for a listing in AirBnB.</a:t>
+            </a:r>
+          </a:p>
+        </p:txBody>
+      </p:sp>
+    </p:spTree>
+    <p:extLst>
+      <p:ext uri="{BB962C8B-B14F-4D97-AF65-F5344CB8AC3E}">
+        <p14:creationId xmlns:p14="http://schemas.microsoft.com/office/powerpoint/2010/main" val="1470054895"/>
+      </p:ext>
+    </p:extLst>
+  </p:cSld>
+  <p:clrMapOvr>
+    <a:masterClrMapping/>
+  </p:clrMapOvr>
+</p:sld>
+</file>
+
+<file path=ppt/slides/slide16.xml><?xml version="1.0" encoding="utf-8"?>
+<p:sld xmlns:a="http://schemas.openxmlformats.org/drawingml/2006/main" xmlns:r="http://schemas.openxmlformats.org/officeDocument/2006/relationships" xmlns:p="http://schemas.openxmlformats.org/presentationml/2006/main">
+  <p:cSld>
+    <p:spTree>
+      <p:nvGrpSpPr>
+        <p:cNvPr id="1" name=""/>
+        <p:cNvGrpSpPr/>
+        <p:nvPr/>
+      </p:nvGrpSpPr>
+      <p:grpSpPr>
+        <a:xfrm>
+          <a:off x="0" y="0"/>
+          <a:ext cx="0" cy="0"/>
+          <a:chOff x="0" y="0"/>
+          <a:chExt cx="0" cy="0"/>
+        </a:xfrm>
+      </p:grpSpPr>
+      <p:pic>
+        <p:nvPicPr>
+          <p:cNvPr id="9" name="Content Placeholder 8" descr="Chart, scatter chart&#10;&#10;Description automatically generated">
+            <a:extLst>
+              <a:ext uri="{FF2B5EF4-FFF2-40B4-BE49-F238E27FC236}">
+                <a16:creationId xmlns:a16="http://schemas.microsoft.com/office/drawing/2014/main" id="{01D7F317-3D86-4580-988F-3839D7B9D31D}"/>
+              </a:ext>
+            </a:extLst>
+          </p:cNvPr>
+          <p:cNvPicPr>
+            <a:picLocks noGrp="1" noChangeAspect="1"/>
+          </p:cNvPicPr>
+          <p:nvPr>
+            <p:ph sz="quarter" idx="16"/>
+          </p:nvPr>
+        </p:nvPicPr>
+        <p:blipFill>
+          <a:blip r:embed="rId2"/>
+          <a:stretch>
+            <a:fillRect/>
+          </a:stretch>
+        </p:blipFill>
+        <p:spPr>
+          <a:xfrm>
+            <a:off x="6569241" y="100865"/>
+            <a:ext cx="4716378" cy="3144252"/>
+          </a:xfrm>
+        </p:spPr>
+      </p:pic>
+      <p:sp>
+        <p:nvSpPr>
+          <p:cNvPr id="3" name="Title 2">
+            <a:extLst>
+              <a:ext uri="{FF2B5EF4-FFF2-40B4-BE49-F238E27FC236}">
+                <a16:creationId xmlns:a16="http://schemas.microsoft.com/office/drawing/2014/main" id="{2A269B90-9206-477D-82C6-71B6F774E4C3}"/>
+              </a:ext>
+            </a:extLst>
+          </p:cNvPr>
+          <p:cNvSpPr>
+            <a:spLocks noGrp="1"/>
+          </p:cNvSpPr>
+          <p:nvPr>
+            <p:ph type="title"/>
+          </p:nvPr>
+        </p:nvSpPr>
+        <p:spPr/>
+        <p:txBody>
+          <a:bodyPr/>
+          <a:lstStyle/>
+          <a:p>
+            <a:r>
+              <a:rPr lang="en-AU" dirty="0"/>
+              <a:t>Host Response Rate vs Number of Days Booked</a:t>
+            </a:r>
+          </a:p>
+        </p:txBody>
+      </p:sp>
+      <p:sp>
+        <p:nvSpPr>
+          <p:cNvPr id="4" name="Content Placeholder 3">
+            <a:extLst>
+              <a:ext uri="{FF2B5EF4-FFF2-40B4-BE49-F238E27FC236}">
+                <a16:creationId xmlns:a16="http://schemas.microsoft.com/office/drawing/2014/main" id="{42A1F5D4-9AB9-48BA-9412-D15764A5AE9F}"/>
+              </a:ext>
+            </a:extLst>
+          </p:cNvPr>
+          <p:cNvSpPr>
+            <a:spLocks noGrp="1"/>
+          </p:cNvSpPr>
+          <p:nvPr>
+            <p:ph idx="1"/>
+          </p:nvPr>
+        </p:nvSpPr>
+        <p:spPr/>
+        <p:txBody>
+          <a:bodyPr/>
+          <a:lstStyle/>
+          <a:p>
+            <a:r>
+              <a:rPr lang="en-AU" dirty="0"/>
+              <a:t>2019 – r value is -0.34</a:t>
+            </a:r>
+          </a:p>
+          <a:p>
+            <a:r>
+              <a:rPr lang="en-AU" dirty="0"/>
+              <a:t>2020 – r value is -0.4</a:t>
+            </a:r>
+          </a:p>
+          <a:p>
+            <a:r>
+              <a:rPr lang="en-AU" dirty="0"/>
+              <a:t>There is moderate correlation between Host Response Rate and Number of Days booked for a listing in </a:t>
+            </a:r>
+            <a:r>
+              <a:rPr lang="en-AU" dirty="0" err="1"/>
+              <a:t>AirBnB</a:t>
+            </a:r>
+            <a:r>
+              <a:rPr lang="en-AU" dirty="0"/>
+              <a:t>.</a:t>
+            </a:r>
+          </a:p>
+          <a:p>
+            <a:endParaRPr lang="en-AU" dirty="0"/>
+          </a:p>
+        </p:txBody>
+      </p:sp>
+      <p:sp>
+        <p:nvSpPr>
+          <p:cNvPr id="6" name="Footer Placeholder 5">
+            <a:extLst>
+              <a:ext uri="{FF2B5EF4-FFF2-40B4-BE49-F238E27FC236}">
+                <a16:creationId xmlns:a16="http://schemas.microsoft.com/office/drawing/2014/main" id="{479098A1-826E-405B-AF8F-663F6A7E321B}"/>
+              </a:ext>
+            </a:extLst>
+          </p:cNvPr>
+          <p:cNvSpPr>
+            <a:spLocks noGrp="1"/>
+          </p:cNvSpPr>
+          <p:nvPr>
+            <p:ph type="ftr" sz="quarter" idx="17"/>
+          </p:nvPr>
+        </p:nvSpPr>
+        <p:spPr/>
+        <p:txBody>
+          <a:bodyPr/>
+          <a:lstStyle/>
+          <a:p>
+            <a:r>
+              <a:rPr lang="en-US"/>
+              <a:t>Add a Footer</a:t>
+            </a:r>
+            <a:endParaRPr lang="en-US" dirty="0"/>
+          </a:p>
+        </p:txBody>
+      </p:sp>
+      <p:sp>
+        <p:nvSpPr>
+          <p:cNvPr id="7" name="Slide Number Placeholder 6">
+            <a:extLst>
+              <a:ext uri="{FF2B5EF4-FFF2-40B4-BE49-F238E27FC236}">
+                <a16:creationId xmlns:a16="http://schemas.microsoft.com/office/drawing/2014/main" id="{4BD53386-CCBC-44E2-8B15-7073FFE81F12}"/>
+              </a:ext>
+            </a:extLst>
+          </p:cNvPr>
+          <p:cNvSpPr>
+            <a:spLocks noGrp="1"/>
+          </p:cNvSpPr>
+          <p:nvPr>
+            <p:ph type="sldNum" sz="quarter" idx="18"/>
+          </p:nvPr>
+        </p:nvSpPr>
+        <p:spPr/>
+        <p:txBody>
+          <a:bodyPr/>
+          <a:lstStyle/>
+          <a:p>
+            <a:fld id="{8C2E478F-E849-4A8C-AF1F-CBCC78A7CBFA}" type="slidenum">
+              <a:rPr lang="en-US" smtClean="0"/>
+              <a:pPr/>
+              <a:t>16</a:t>
+            </a:fld>
+            <a:endParaRPr lang="en-US" dirty="0"/>
+          </a:p>
+        </p:txBody>
+      </p:sp>
+      <p:pic>
+        <p:nvPicPr>
+          <p:cNvPr id="11" name="Picture 10" descr="Chart, scatter chart&#10;&#10;Description automatically generated">
+            <a:extLst>
+              <a:ext uri="{FF2B5EF4-FFF2-40B4-BE49-F238E27FC236}">
+                <a16:creationId xmlns:a16="http://schemas.microsoft.com/office/drawing/2014/main" id="{ED90A349-3CC1-49C9-A0D8-59B80BC3670E}"/>
+              </a:ext>
+            </a:extLst>
+          </p:cNvPr>
+          <p:cNvPicPr>
+            <a:picLocks noChangeAspect="1"/>
+          </p:cNvPicPr>
+          <p:nvPr/>
+        </p:nvPicPr>
+        <p:blipFill>
+          <a:blip r:embed="rId3"/>
+          <a:stretch>
+            <a:fillRect/>
+          </a:stretch>
+        </p:blipFill>
+        <p:spPr>
+          <a:xfrm>
+            <a:off x="6569241" y="3485148"/>
+            <a:ext cx="4716378" cy="3144252"/>
+          </a:xfrm>
+          <a:prstGeom prst="rect">
+            <a:avLst/>
+          </a:prstGeom>
+        </p:spPr>
+      </p:pic>
+    </p:spTree>
+    <p:extLst>
+      <p:ext uri="{BB962C8B-B14F-4D97-AF65-F5344CB8AC3E}">
+        <p14:creationId xmlns:p14="http://schemas.microsoft.com/office/powerpoint/2010/main" val="3833922747"/>
+      </p:ext>
+    </p:extLst>
+  </p:cSld>
+  <p:clrMapOvr>
+    <a:masterClrMapping/>
+  </p:clrMapOvr>
+</p:sld>
+</file>
+
+<file path=ppt/slides/slide17.xml><?xml version="1.0" encoding="utf-8"?>
+<p:sld xmlns:a="http://schemas.openxmlformats.org/drawingml/2006/main" xmlns:r="http://schemas.openxmlformats.org/officeDocument/2006/relationships" xmlns:p="http://schemas.openxmlformats.org/presentationml/2006/main">
+  <p:cSld>
+    <p:spTree>
+      <p:nvGrpSpPr>
+        <p:cNvPr id="1" name=""/>
+        <p:cNvGrpSpPr/>
+        <p:nvPr/>
+      </p:nvGrpSpPr>
+      <p:grpSpPr>
+        <a:xfrm>
+          <a:off x="0" y="0"/>
+          <a:ext cx="0" cy="0"/>
+          <a:chOff x="0" y="0"/>
+          <a:chExt cx="0" cy="0"/>
+        </a:xfrm>
+      </p:grpSpPr>
       <p:sp>
         <p:nvSpPr>
           <p:cNvPr id="8" name="Title 7" hidden="1">
@@ -11033,7 +13074,7 @@
             <a:fld id="{8C2E478F-E849-4A8C-AF1F-CBCC78A7CBFA}" type="slidenum">
               <a:rPr lang="en-US" smtClean="0"/>
               <a:pPr/>
-              <a:t>10</a:t>
+              <a:t>17</a:t>
             </a:fld>
             <a:endParaRPr lang="en-US" dirty="0"/>
           </a:p>
@@ -11052,7 +13093,7 @@
 </p:sld>
 </file>
 
-<file path=ppt/slides/slide11.xml><?xml version="1.0" encoding="utf-8"?>
+<file path=ppt/slides/slide18.xml><?xml version="1.0" encoding="utf-8"?>
 <p:sld xmlns:a="http://schemas.openxmlformats.org/drawingml/2006/main" xmlns:r="http://schemas.openxmlformats.org/officeDocument/2006/relationships" xmlns:p="http://schemas.openxmlformats.org/presentationml/2006/main">
   <p:cSld>
     <p:bg>
@@ -11590,7 +13631,7 @@
             <a:fld id="{8C2E478F-E849-4A8C-AF1F-CBCC78A7CBFA}" type="slidenum">
               <a:rPr lang="en-US" smtClean="0"/>
               <a:pPr/>
-              <a:t>11</a:t>
+              <a:t>18</a:t>
             </a:fld>
             <a:endParaRPr lang="en-US" dirty="0"/>
           </a:p>
@@ -11600,144 +13641,6 @@
     <p:extLst>
       <p:ext uri="{BB962C8B-B14F-4D97-AF65-F5344CB8AC3E}">
         <p14:creationId xmlns:p14="http://schemas.microsoft.com/office/powerpoint/2010/main" val="207078912"/>
-      </p:ext>
-    </p:extLst>
-  </p:cSld>
-  <p:clrMapOvr>
-    <a:masterClrMapping/>
-  </p:clrMapOvr>
-</p:sld>
-</file>
-
-<file path=ppt/slides/slide12.xml><?xml version="1.0" encoding="utf-8"?>
-<p:sld xmlns:a="http://schemas.openxmlformats.org/drawingml/2006/main" xmlns:r="http://schemas.openxmlformats.org/officeDocument/2006/relationships" xmlns:p="http://schemas.openxmlformats.org/presentationml/2006/main">
-  <p:cSld>
-    <p:spTree>
-      <p:nvGrpSpPr>
-        <p:cNvPr id="1" name=""/>
-        <p:cNvGrpSpPr/>
-        <p:nvPr/>
-      </p:nvGrpSpPr>
-      <p:grpSpPr>
-        <a:xfrm>
-          <a:off x="0" y="0"/>
-          <a:ext cx="0" cy="0"/>
-          <a:chOff x="0" y="0"/>
-          <a:chExt cx="0" cy="0"/>
-        </a:xfrm>
-      </p:grpSpPr>
-      <p:sp>
-        <p:nvSpPr>
-          <p:cNvPr id="2" name="Slide Number Placeholder 1">
-            <a:extLst>
-              <a:ext uri="{FF2B5EF4-FFF2-40B4-BE49-F238E27FC236}">
-                <a16:creationId xmlns:a16="http://schemas.microsoft.com/office/drawing/2014/main" id="{D886D306-B4E6-47AF-A7F0-22B0BB044488}"/>
-              </a:ext>
-            </a:extLst>
-          </p:cNvPr>
-          <p:cNvSpPr>
-            <a:spLocks noGrp="1"/>
-          </p:cNvSpPr>
-          <p:nvPr>
-            <p:ph type="sldNum" sz="quarter" idx="11"/>
-          </p:nvPr>
-        </p:nvSpPr>
-        <p:spPr/>
-        <p:txBody>
-          <a:bodyPr/>
-          <a:lstStyle/>
-          <a:p>
-            <a:fld id="{8C2E478F-E849-4A8C-AF1F-CBCC78A7CBFA}" type="slidenum">
-              <a:rPr lang="en-US" smtClean="0"/>
-              <a:pPr/>
-              <a:t>12</a:t>
-            </a:fld>
-            <a:endParaRPr lang="en-US" dirty="0"/>
-          </a:p>
-        </p:txBody>
-      </p:sp>
-      <p:sp>
-        <p:nvSpPr>
-          <p:cNvPr id="4" name="Title 3">
-            <a:extLst>
-              <a:ext uri="{FF2B5EF4-FFF2-40B4-BE49-F238E27FC236}">
-                <a16:creationId xmlns:a16="http://schemas.microsoft.com/office/drawing/2014/main" id="{E98DCA46-603B-4178-8707-30E192CE6B8D}"/>
-              </a:ext>
-            </a:extLst>
-          </p:cNvPr>
-          <p:cNvSpPr>
-            <a:spLocks noGrp="1"/>
-          </p:cNvSpPr>
-          <p:nvPr>
-            <p:ph type="title"/>
-          </p:nvPr>
-        </p:nvSpPr>
-        <p:spPr/>
-        <p:txBody>
-          <a:bodyPr/>
-          <a:lstStyle/>
-          <a:p>
-            <a:r>
-              <a:rPr lang="en-US" dirty="0"/>
-              <a:t>Customize this Template</a:t>
-            </a:r>
-          </a:p>
-        </p:txBody>
-      </p:sp>
-      <p:sp>
-        <p:nvSpPr>
-          <p:cNvPr id="3" name="Text Placeholder 2">
-            <a:extLst>
-              <a:ext uri="{FF2B5EF4-FFF2-40B4-BE49-F238E27FC236}">
-                <a16:creationId xmlns:a16="http://schemas.microsoft.com/office/drawing/2014/main" id="{B84C3A53-760B-4DC4-9550-B0B5BB606FCD}"/>
-              </a:ext>
-            </a:extLst>
-          </p:cNvPr>
-          <p:cNvSpPr>
-            <a:spLocks noGrp="1"/>
-          </p:cNvSpPr>
-          <p:nvPr>
-            <p:ph type="body" sz="quarter" idx="4294967295"/>
-          </p:nvPr>
-        </p:nvSpPr>
-        <p:spPr>
-          <a:xfrm>
-            <a:off x="1587500" y="1722438"/>
-            <a:ext cx="9017000" cy="3413125"/>
-          </a:xfrm>
-        </p:spPr>
-        <p:txBody>
-          <a:bodyPr anchor="ctr">
-            <a:normAutofit/>
-          </a:bodyPr>
-          <a:lstStyle/>
-          <a:p>
-            <a:pPr marL="0" indent="0" algn="ctr">
-              <a:lnSpc>
-                <a:spcPct val="100000"/>
-              </a:lnSpc>
-              <a:buNone/>
-            </a:pPr>
-            <a:r>
-              <a:rPr lang="en-US" sz="6000" u="sng" dirty="0">
-                <a:hlinkClick r:id="rId2">
-                  <a:extLst>
-                    <a:ext uri="{A12FA001-AC4F-418D-AE19-62706E023703}">
-                      <ahyp:hlinkClr xmlns:ahyp="http://schemas.microsoft.com/office/drawing/2018/hyperlinkcolor" val="tx"/>
-                    </a:ext>
-                  </a:extLst>
-                </a:hlinkClick>
-              </a:rPr>
-              <a:t>Template Editing Instructions and Feedback</a:t>
-            </a:r>
-            <a:endParaRPr lang="en-US" sz="6000" u="sng" dirty="0"/>
-          </a:p>
-        </p:txBody>
-      </p:sp>
-    </p:spTree>
-    <p:extLst>
-      <p:ext uri="{BB962C8B-B14F-4D97-AF65-F5344CB8AC3E}">
-        <p14:creationId xmlns:p14="http://schemas.microsoft.com/office/powerpoint/2010/main" val="59582380"/>
       </p:ext>
     </p:extLst>
   </p:cSld>
@@ -12676,6 +14579,313 @@
       </p:grpSpPr>
       <p:sp>
         <p:nvSpPr>
+          <p:cNvPr id="7" name="Title 6">
+            <a:extLst>
+              <a:ext uri="{FF2B5EF4-FFF2-40B4-BE49-F238E27FC236}">
+                <a16:creationId xmlns:a16="http://schemas.microsoft.com/office/drawing/2014/main" id="{D5445F47-6D74-450C-BC16-998D2021AD78}"/>
+              </a:ext>
+            </a:extLst>
+          </p:cNvPr>
+          <p:cNvSpPr>
+            <a:spLocks noGrp="1"/>
+          </p:cNvSpPr>
+          <p:nvPr>
+            <p:ph type="title"/>
+          </p:nvPr>
+        </p:nvSpPr>
+        <p:spPr>
+          <a:xfrm>
+            <a:off x="957942" y="110247"/>
+            <a:ext cx="5138057" cy="979308"/>
+          </a:xfrm>
+        </p:spPr>
+        <p:txBody>
+          <a:bodyPr/>
+          <a:lstStyle/>
+          <a:p>
+            <a:r>
+              <a:rPr lang="en-US" dirty="0"/>
+              <a:t>Why This Project &amp; Data?</a:t>
+            </a:r>
+          </a:p>
+        </p:txBody>
+      </p:sp>
+      <p:sp>
+        <p:nvSpPr>
+          <p:cNvPr id="8" name="Text Placeholder 7">
+            <a:extLst>
+              <a:ext uri="{FF2B5EF4-FFF2-40B4-BE49-F238E27FC236}">
+                <a16:creationId xmlns:a16="http://schemas.microsoft.com/office/drawing/2014/main" id="{E79DECD2-B85E-4CB3-BBFB-C64131454B65}"/>
+              </a:ext>
+            </a:extLst>
+          </p:cNvPr>
+          <p:cNvSpPr>
+            <a:spLocks noGrp="1"/>
+          </p:cNvSpPr>
+          <p:nvPr>
+            <p:ph type="body" sz="half" idx="2"/>
+          </p:nvPr>
+        </p:nvSpPr>
+        <p:spPr>
+          <a:xfrm>
+            <a:off x="980760" y="1157858"/>
+            <a:ext cx="5138057" cy="4542284"/>
+          </a:xfrm>
+        </p:spPr>
+        <p:txBody>
+          <a:bodyPr>
+            <a:normAutofit/>
+          </a:bodyPr>
+          <a:lstStyle/>
+          <a:p>
+            <a:pPr>
+              <a:lnSpc>
+                <a:spcPct val="100000"/>
+              </a:lnSpc>
+            </a:pPr>
+            <a:r>
+              <a:rPr lang="en-US" dirty="0"/>
+              <a:t>All three of our group have used AirBnB in Melbourne at some point in our lives, with a maximum stay of 1 month. We have also experienced the COVID lockdowns ad were interested to see the impact the hard lockdown and closed borders would have on a business with the model of AirBnB.</a:t>
+            </a:r>
+          </a:p>
+          <a:p>
+            <a:pPr>
+              <a:lnSpc>
+                <a:spcPct val="100000"/>
+              </a:lnSpc>
+            </a:pPr>
+            <a:endParaRPr lang="en-US" dirty="0"/>
+          </a:p>
+          <a:p>
+            <a:pPr>
+              <a:lnSpc>
+                <a:spcPct val="100000"/>
+              </a:lnSpc>
+            </a:pPr>
+            <a:r>
+              <a:rPr lang="en-US" dirty="0"/>
+              <a:t>Our initial thoughts were that the data from 2020 would show a significant impact in reduced listings and decreased availability in the listings.</a:t>
+            </a:r>
+          </a:p>
+          <a:p>
+            <a:pPr>
+              <a:lnSpc>
+                <a:spcPct val="100000"/>
+              </a:lnSpc>
+            </a:pPr>
+            <a:r>
+              <a:rPr lang="en-US" dirty="0"/>
+              <a:t>We also expected to see Melbourne City be the most booked location for AirBnB’s.</a:t>
+            </a:r>
+          </a:p>
+          <a:p>
+            <a:endParaRPr lang="en-US" dirty="0"/>
+          </a:p>
+        </p:txBody>
+      </p:sp>
+      <p:pic>
+        <p:nvPicPr>
+          <p:cNvPr id="5" name="Picture Placeholder 4" descr="Two Buildings" title="Two Buildings">
+            <a:extLst>
+              <a:ext uri="{FF2B5EF4-FFF2-40B4-BE49-F238E27FC236}">
+                <a16:creationId xmlns:a16="http://schemas.microsoft.com/office/drawing/2014/main" id="{9EF82849-1FFF-4EE2-B6A4-C19B8A083067}"/>
+              </a:ext>
+            </a:extLst>
+          </p:cNvPr>
+          <p:cNvPicPr>
+            <a:picLocks noGrp="1" noChangeAspect="1"/>
+          </p:cNvPicPr>
+          <p:nvPr>
+            <p:ph type="pic" idx="1"/>
+          </p:nvPr>
+        </p:nvPicPr>
+        <p:blipFill>
+          <a:blip r:embed="rId3">
+            <a:extLst>
+              <a:ext uri="{BEBA8EAE-BF5A-486C-A8C5-ECC9F3942E4B}">
+                <a14:imgProps xmlns:a14="http://schemas.microsoft.com/office/drawing/2010/main">
+                  <a14:imgLayer r:embed="rId4">
+                    <a14:imgEffect>
+                      <a14:brightnessContrast bright="-29000" contrast="24000"/>
+                    </a14:imgEffect>
+                  </a14:imgLayer>
+                </a14:imgProps>
+              </a:ext>
+              <a:ext uri="{28A0092B-C50C-407E-A947-70E740481C1C}">
+                <a14:useLocalDpi xmlns:a14="http://schemas.microsoft.com/office/drawing/2010/main" val="0"/>
+              </a:ext>
+            </a:extLst>
+          </a:blip>
+          <a:srcRect/>
+          <a:stretch>
+            <a:fillRect/>
+          </a:stretch>
+        </p:blipFill>
+        <p:spPr/>
+      </p:pic>
+      <p:sp>
+        <p:nvSpPr>
+          <p:cNvPr id="2" name="Footer Placeholder 1">
+            <a:extLst>
+              <a:ext uri="{FF2B5EF4-FFF2-40B4-BE49-F238E27FC236}">
+                <a16:creationId xmlns:a16="http://schemas.microsoft.com/office/drawing/2014/main" id="{F17BB2B3-BB1E-4588-97D3-522970C829A4}"/>
+              </a:ext>
+            </a:extLst>
+          </p:cNvPr>
+          <p:cNvSpPr>
+            <a:spLocks noGrp="1"/>
+          </p:cNvSpPr>
+          <p:nvPr>
+            <p:ph type="ftr" sz="quarter" idx="14"/>
+          </p:nvPr>
+        </p:nvSpPr>
+        <p:spPr/>
+        <p:txBody>
+          <a:bodyPr/>
+          <a:lstStyle/>
+          <a:p>
+            <a:r>
+              <a:rPr lang="en-US" dirty="0"/>
+              <a:t>Add a Footer</a:t>
+            </a:r>
+          </a:p>
+        </p:txBody>
+      </p:sp>
+      <p:sp>
+        <p:nvSpPr>
+          <p:cNvPr id="10" name="Rectangle: Single Corner Snipped 9" descr="Footer accent box">
+            <a:extLst>
+              <a:ext uri="{FF2B5EF4-FFF2-40B4-BE49-F238E27FC236}">
+                <a16:creationId xmlns:a16="http://schemas.microsoft.com/office/drawing/2014/main" id="{CDA9F8EC-2836-4D7A-8BB2-6D1C849515C1}"/>
+              </a:ext>
+            </a:extLst>
+          </p:cNvPr>
+          <p:cNvSpPr/>
+          <p:nvPr/>
+        </p:nvSpPr>
+        <p:spPr>
+          <a:xfrm flipH="1">
+            <a:off x="11549269" y="6356350"/>
+            <a:ext cx="642731" cy="501650"/>
+          </a:xfrm>
+          <a:prstGeom prst="snip1Rect">
+            <a:avLst/>
+          </a:prstGeom>
+          <a:gradFill>
+            <a:gsLst>
+              <a:gs pos="0">
+                <a:srgbClr val="038B30">
+                  <a:alpha val="70000"/>
+                </a:srgbClr>
+              </a:gs>
+              <a:gs pos="50000">
+                <a:srgbClr val="05EE55">
+                  <a:alpha val="70000"/>
+                </a:srgbClr>
+              </a:gs>
+              <a:gs pos="100000">
+                <a:srgbClr val="C0F400">
+                  <a:alpha val="70000"/>
+                </a:srgbClr>
+              </a:gs>
+            </a:gsLst>
+            <a:lin ang="5400000" scaled="1"/>
+          </a:gradFill>
+          <a:ln>
+            <a:noFill/>
+          </a:ln>
+        </p:spPr>
+        <p:style>
+          <a:lnRef idx="2">
+            <a:schemeClr val="accent1">
+              <a:shade val="50000"/>
+            </a:schemeClr>
+          </a:lnRef>
+          <a:fillRef idx="1">
+            <a:schemeClr val="accent1"/>
+          </a:fillRef>
+          <a:effectRef idx="0">
+            <a:schemeClr val="accent1"/>
+          </a:effectRef>
+          <a:fontRef idx="minor">
+            <a:schemeClr val="lt1"/>
+          </a:fontRef>
+        </p:style>
+        <p:txBody>
+          <a:bodyPr rtlCol="0" anchor="ctr"/>
+          <a:lstStyle/>
+          <a:p>
+            <a:pPr algn="ctr"/>
+            <a:endParaRPr lang="en-US" dirty="0">
+              <a:solidFill>
+                <a:schemeClr val="bg1"/>
+              </a:solidFill>
+            </a:endParaRPr>
+          </a:p>
+        </p:txBody>
+      </p:sp>
+      <p:sp>
+        <p:nvSpPr>
+          <p:cNvPr id="3" name="Slide Number Placeholder 2">
+            <a:extLst>
+              <a:ext uri="{FF2B5EF4-FFF2-40B4-BE49-F238E27FC236}">
+                <a16:creationId xmlns:a16="http://schemas.microsoft.com/office/drawing/2014/main" id="{C25E833F-FD8B-46E5-BD16-A82D3EDA8554}"/>
+              </a:ext>
+            </a:extLst>
+          </p:cNvPr>
+          <p:cNvSpPr>
+            <a:spLocks noGrp="1"/>
+          </p:cNvSpPr>
+          <p:nvPr>
+            <p:ph type="sldNum" sz="quarter" idx="15"/>
+          </p:nvPr>
+        </p:nvSpPr>
+        <p:spPr/>
+        <p:txBody>
+          <a:bodyPr/>
+          <a:lstStyle/>
+          <a:p>
+            <a:fld id="{8C2E478F-E849-4A8C-AF1F-CBCC78A7CBFA}" type="slidenum">
+              <a:rPr lang="en-US" smtClean="0"/>
+              <a:pPr/>
+              <a:t>4</a:t>
+            </a:fld>
+            <a:endParaRPr lang="en-US" dirty="0"/>
+          </a:p>
+        </p:txBody>
+      </p:sp>
+    </p:spTree>
+    <p:extLst>
+      <p:ext uri="{BB962C8B-B14F-4D97-AF65-F5344CB8AC3E}">
+        <p14:creationId xmlns:p14="http://schemas.microsoft.com/office/powerpoint/2010/main" val="2906922813"/>
+      </p:ext>
+    </p:extLst>
+  </p:cSld>
+  <p:clrMapOvr>
+    <a:masterClrMapping/>
+  </p:clrMapOvr>
+</p:sld>
+</file>
+
+<file path=ppt/slides/slide5.xml><?xml version="1.0" encoding="utf-8"?>
+<p:sld xmlns:a="http://schemas.openxmlformats.org/drawingml/2006/main" xmlns:r="http://schemas.openxmlformats.org/officeDocument/2006/relationships" xmlns:p="http://schemas.openxmlformats.org/presentationml/2006/main">
+  <p:cSld>
+    <p:spTree>
+      <p:nvGrpSpPr>
+        <p:cNvPr id="1" name=""/>
+        <p:cNvGrpSpPr/>
+        <p:nvPr/>
+      </p:nvGrpSpPr>
+      <p:grpSpPr>
+        <a:xfrm>
+          <a:off x="0" y="0"/>
+          <a:ext cx="0" cy="0"/>
+          <a:chOff x="0" y="0"/>
+          <a:chExt cx="0" cy="0"/>
+        </a:xfrm>
+      </p:grpSpPr>
+      <p:sp>
+        <p:nvSpPr>
           <p:cNvPr id="20" name="Rectangle 19">
             <a:extLst>
               <a:ext uri="{FF2B5EF4-FFF2-40B4-BE49-F238E27FC236}">
@@ -12798,7 +15008,7 @@
           <a:p>
             <a:r>
               <a:rPr lang="en-US" dirty="0"/>
-              <a:t>Availability is given as a True/False in the AirBnB calendar. However, while we assume this to be a booking, it can also simply indicate that the listing was made unavailable by the host during those dates.</a:t>
+              <a:t>Availability is given as a True/False in the AirBnB calendar. However, while we assume False to be a booking, it can also indicate that the listing was made unavailable by the host during those dates.</a:t>
             </a:r>
           </a:p>
           <a:p>
@@ -12861,7 +15071,7 @@
             <a:fld id="{8C2E478F-E849-4A8C-AF1F-CBCC78A7CBFA}" type="slidenum">
               <a:rPr lang="en-US" smtClean="0"/>
               <a:pPr/>
-              <a:t>4</a:t>
+              <a:t>5</a:t>
             </a:fld>
             <a:endParaRPr lang="en-US" dirty="0"/>
           </a:p>
@@ -12968,7 +15178,7 @@
 </p:sld>
 </file>
 
-<file path=ppt/slides/slide5.xml><?xml version="1.0" encoding="utf-8"?>
+<file path=ppt/slides/slide6.xml><?xml version="1.0" encoding="utf-8"?>
 <p:sld xmlns:a="http://schemas.openxmlformats.org/drawingml/2006/main" xmlns:r="http://schemas.openxmlformats.org/officeDocument/2006/relationships" xmlns:p="http://schemas.openxmlformats.org/presentationml/2006/main">
   <p:cSld>
     <p:spTree>
@@ -13167,7 +15377,7 @@
             <a:fld id="{8C2E478F-E849-4A8C-AF1F-CBCC78A7CBFA}" type="slidenum">
               <a:rPr lang="en-US" smtClean="0"/>
               <a:pPr/>
-              <a:t>5</a:t>
+              <a:t>6</a:t>
             </a:fld>
             <a:endParaRPr lang="en-US" dirty="0"/>
           </a:p>
@@ -13189,7 +15399,7 @@
             <p:ph sz="quarter" idx="16"/>
             <p:extLst>
               <p:ext uri="{D42A27DB-BD31-4B8C-83A1-F6EECF244321}">
-                <p14:modId xmlns:p14="http://schemas.microsoft.com/office/powerpoint/2010/main" val="3685287584"/>
+                <p14:modId xmlns:p14="http://schemas.microsoft.com/office/powerpoint/2010/main" val="565951430"/>
               </p:ext>
             </p:extLst>
           </p:nvPr>
@@ -13212,14 +15422,14 @@
                     </a:ext>
                   </a:extLst>
                 </a:gridCol>
-                <a:gridCol w="1245551">
+                <a:gridCol w="1384531">
                   <a:extLst>
                     <a:ext uri="{9D8B030D-6E8A-4147-A177-3AD203B41FA5}">
                       <a16:colId xmlns:a16="http://schemas.microsoft.com/office/drawing/2014/main" val="3168964903"/>
                     </a:ext>
                   </a:extLst>
                 </a:gridCol>
-                <a:gridCol w="1514668">
+                <a:gridCol w="1375688">
                   <a:extLst>
                     <a:ext uri="{9D8B030D-6E8A-4147-A177-3AD203B41FA5}">
                       <a16:colId xmlns:a16="http://schemas.microsoft.com/office/drawing/2014/main" val="1727786365"/>
@@ -13640,7 +15850,7 @@
 </p:sld>
 </file>
 
-<file path=ppt/slides/slide6.xml><?xml version="1.0" encoding="utf-8"?>
+<file path=ppt/slides/slide7.xml><?xml version="1.0" encoding="utf-8"?>
 <p:sld xmlns:a="http://schemas.openxmlformats.org/drawingml/2006/main" xmlns:r="http://schemas.openxmlformats.org/officeDocument/2006/relationships" xmlns:p="http://schemas.openxmlformats.org/presentationml/2006/main">
   <p:cSld>
     <p:spTree>
@@ -13836,7 +16046,7 @@
             <a:fld id="{8C2E478F-E849-4A8C-AF1F-CBCC78A7CBFA}" type="slidenum">
               <a:rPr lang="en-US" smtClean="0"/>
               <a:pPr/>
-              <a:t>6</a:t>
+              <a:t>7</a:t>
             </a:fld>
             <a:endParaRPr lang="en-US" dirty="0"/>
           </a:p>
@@ -13885,7 +16095,7 @@
 </p:sld>
 </file>
 
-<file path=ppt/slides/slide7.xml><?xml version="1.0" encoding="utf-8"?>
+<file path=ppt/slides/slide8.xml><?xml version="1.0" encoding="utf-8"?>
 <p:sld xmlns:a="http://schemas.openxmlformats.org/drawingml/2006/main" xmlns:r="http://schemas.openxmlformats.org/officeDocument/2006/relationships" xmlns:p="http://schemas.openxmlformats.org/presentationml/2006/main">
   <p:cSld>
     <p:spTree>
@@ -13989,7 +16199,7 @@
             <a:fld id="{8C2E478F-E849-4A8C-AF1F-CBCC78A7CBFA}" type="slidenum">
               <a:rPr lang="en-US" smtClean="0"/>
               <a:pPr/>
-              <a:t>7</a:t>
+              <a:t>8</a:t>
             </a:fld>
             <a:endParaRPr lang="en-US" dirty="0"/>
           </a:p>
@@ -14141,145 +16351,6 @@
 </p:sld>
 </file>
 
-<file path=ppt/slides/slide8.xml><?xml version="1.0" encoding="utf-8"?>
-<p:sld xmlns:a="http://schemas.openxmlformats.org/drawingml/2006/main" xmlns:r="http://schemas.openxmlformats.org/officeDocument/2006/relationships" xmlns:p="http://schemas.openxmlformats.org/presentationml/2006/main">
-  <p:cSld>
-    <p:spTree>
-      <p:nvGrpSpPr>
-        <p:cNvPr id="1" name=""/>
-        <p:cNvGrpSpPr/>
-        <p:nvPr/>
-      </p:nvGrpSpPr>
-      <p:grpSpPr>
-        <a:xfrm>
-          <a:off x="0" y="0"/>
-          <a:ext cx="0" cy="0"/>
-          <a:chOff x="0" y="0"/>
-          <a:chExt cx="0" cy="0"/>
-        </a:xfrm>
-      </p:grpSpPr>
-      <p:sp>
-        <p:nvSpPr>
-          <p:cNvPr id="2" name="Content Placeholder 1">
-            <a:extLst>
-              <a:ext uri="{FF2B5EF4-FFF2-40B4-BE49-F238E27FC236}">
-                <a16:creationId xmlns:a16="http://schemas.microsoft.com/office/drawing/2014/main" id="{C1745919-55AD-49F8-A160-EFCCB4FE760A}"/>
-              </a:ext>
-            </a:extLst>
-          </p:cNvPr>
-          <p:cNvSpPr>
-            <a:spLocks noGrp="1"/>
-          </p:cNvSpPr>
-          <p:nvPr>
-            <p:ph idx="1"/>
-          </p:nvPr>
-        </p:nvSpPr>
-        <p:spPr/>
-        <p:txBody>
-          <a:bodyPr/>
-          <a:lstStyle/>
-          <a:p>
-            <a:endParaRPr lang="en-AU"/>
-          </a:p>
-        </p:txBody>
-      </p:sp>
-      <p:sp>
-        <p:nvSpPr>
-          <p:cNvPr id="3" name="Title 2">
-            <a:extLst>
-              <a:ext uri="{FF2B5EF4-FFF2-40B4-BE49-F238E27FC236}">
-                <a16:creationId xmlns:a16="http://schemas.microsoft.com/office/drawing/2014/main" id="{C06C2A79-1873-4027-ACE0-E6E3FCD2B2AC}"/>
-              </a:ext>
-            </a:extLst>
-          </p:cNvPr>
-          <p:cNvSpPr>
-            <a:spLocks noGrp="1"/>
-          </p:cNvSpPr>
-          <p:nvPr>
-            <p:ph type="title"/>
-          </p:nvPr>
-        </p:nvSpPr>
-        <p:spPr/>
-        <p:txBody>
-          <a:bodyPr/>
-          <a:lstStyle/>
-          <a:p>
-            <a:endParaRPr lang="en-AU"/>
-          </a:p>
-        </p:txBody>
-      </p:sp>
-      <p:sp>
-        <p:nvSpPr>
-          <p:cNvPr id="4" name="Footer Placeholder 3">
-            <a:extLst>
-              <a:ext uri="{FF2B5EF4-FFF2-40B4-BE49-F238E27FC236}">
-                <a16:creationId xmlns:a16="http://schemas.microsoft.com/office/drawing/2014/main" id="{039DA1F9-741F-4F99-80E3-4F7C03898624}"/>
-              </a:ext>
-            </a:extLst>
-          </p:cNvPr>
-          <p:cNvSpPr>
-            <a:spLocks noGrp="1"/>
-          </p:cNvSpPr>
-          <p:nvPr>
-            <p:ph type="ftr" sz="quarter" idx="10"/>
-          </p:nvPr>
-        </p:nvSpPr>
-        <p:spPr/>
-        <p:txBody>
-          <a:bodyPr/>
-          <a:lstStyle/>
-          <a:p>
-            <a:r>
-              <a:rPr lang="en-US"/>
-              <a:t>Add a Footer</a:t>
-            </a:r>
-            <a:endParaRPr lang="en-US" dirty="0"/>
-          </a:p>
-        </p:txBody>
-      </p:sp>
-      <p:sp>
-        <p:nvSpPr>
-          <p:cNvPr id="5" name="Slide Number Placeholder 4">
-            <a:extLst>
-              <a:ext uri="{FF2B5EF4-FFF2-40B4-BE49-F238E27FC236}">
-                <a16:creationId xmlns:a16="http://schemas.microsoft.com/office/drawing/2014/main" id="{C7953CAA-1A08-4B79-ACBD-6E83AEF5B627}"/>
-              </a:ext>
-            </a:extLst>
-          </p:cNvPr>
-          <p:cNvSpPr>
-            <a:spLocks noGrp="1"/>
-          </p:cNvSpPr>
-          <p:nvPr>
-            <p:ph type="sldNum" sz="quarter" idx="11"/>
-          </p:nvPr>
-        </p:nvSpPr>
-        <p:spPr/>
-        <p:txBody>
-          <a:bodyPr/>
-          <a:lstStyle/>
-          <a:p>
-            <a:fld id="{8C2E478F-E849-4A8C-AF1F-CBCC78A7CBFA}" type="slidenum">
-              <a:rPr lang="en-US" smtClean="0"/>
-              <a:pPr/>
-              <a:t>8</a:t>
-            </a:fld>
-            <a:endParaRPr lang="en-US" dirty="0"/>
-          </a:p>
-        </p:txBody>
-      </p:sp>
-    </p:spTree>
-    <p:extLst>
-      <p:ext uri="{BB962C8B-B14F-4D97-AF65-F5344CB8AC3E}">
-        <p14:creationId xmlns:p14="http://schemas.microsoft.com/office/powerpoint/2010/main" val="2854924587"/>
-      </p:ext>
-    </p:extLst>
-  </p:cSld>
-  <p:clrMapOvr>
-    <a:masterClrMapping/>
-  </p:clrMapOvr>
-</p:sld>
-</file>
-
 <file path=ppt/slides/slide9.xml><?xml version="1.0" encoding="utf-8"?>
 <p:sld xmlns:a="http://schemas.openxmlformats.org/drawingml/2006/main" xmlns:r="http://schemas.openxmlformats.org/officeDocument/2006/relationships" xmlns:p="http://schemas.openxmlformats.org/presentationml/2006/main">
   <p:cSld>
@@ -14297,12 +16368,41 @@
           <a:chExt cx="0" cy="0"/>
         </a:xfrm>
       </p:grpSpPr>
-      <p:sp>
-        <p:nvSpPr>
-          <p:cNvPr id="2" name="Content Placeholder 1">
-            <a:extLst>
-              <a:ext uri="{FF2B5EF4-FFF2-40B4-BE49-F238E27FC236}">
-                <a16:creationId xmlns:a16="http://schemas.microsoft.com/office/drawing/2014/main" id="{14CE08C4-0FC4-46A4-95B6-19B11D951228}"/>
+      <p:pic>
+        <p:nvPicPr>
+          <p:cNvPr id="9" name="Content Placeholder 8" descr="Chart, bar chart&#10;&#10;Description automatically generated">
+            <a:extLst>
+              <a:ext uri="{FF2B5EF4-FFF2-40B4-BE49-F238E27FC236}">
+                <a16:creationId xmlns:a16="http://schemas.microsoft.com/office/drawing/2014/main" id="{00ED4A51-3A29-4AF1-BEFE-D7E956ED27FB}"/>
+              </a:ext>
+            </a:extLst>
+          </p:cNvPr>
+          <p:cNvPicPr>
+            <a:picLocks noGrp="1" noChangeAspect="1"/>
+          </p:cNvPicPr>
+          <p:nvPr>
+            <p:ph sz="quarter" idx="16"/>
+          </p:nvPr>
+        </p:nvPicPr>
+        <p:blipFill>
+          <a:blip r:embed="rId2"/>
+          <a:stretch>
+            <a:fillRect/>
+          </a:stretch>
+        </p:blipFill>
+        <p:spPr>
+          <a:xfrm>
+            <a:off x="6373133" y="909242"/>
+            <a:ext cx="5219700" cy="2609850"/>
+          </a:xfrm>
+        </p:spPr>
+      </p:pic>
+      <p:sp>
+        <p:nvSpPr>
+          <p:cNvPr id="3" name="Title 2">
+            <a:extLst>
+              <a:ext uri="{FF2B5EF4-FFF2-40B4-BE49-F238E27FC236}">
+                <a16:creationId xmlns:a16="http://schemas.microsoft.com/office/drawing/2014/main" id="{8247AA21-854A-4FBF-AB98-0ECF4F6FEAB5}"/>
               </a:ext>
             </a:extLst>
           </p:cNvPr>
@@ -14310,24 +16410,33 @@
             <a:spLocks noGrp="1"/>
           </p:cNvSpPr>
           <p:nvPr>
-            <p:ph sz="quarter" idx="16"/>
-          </p:nvPr>
-        </p:nvSpPr>
-        <p:spPr/>
+            <p:ph type="title"/>
+          </p:nvPr>
+        </p:nvSpPr>
+        <p:spPr>
+          <a:xfrm>
+            <a:off x="599167" y="713874"/>
+            <a:ext cx="4226024" cy="959117"/>
+          </a:xfrm>
+        </p:spPr>
         <p:txBody>
           <a:bodyPr/>
           <a:lstStyle/>
           <a:p>
-            <a:endParaRPr lang="en-AU"/>
-          </a:p>
-        </p:txBody>
-      </p:sp>
-      <p:sp>
-        <p:nvSpPr>
-          <p:cNvPr id="3" name="Title 2">
-            <a:extLst>
-              <a:ext uri="{FF2B5EF4-FFF2-40B4-BE49-F238E27FC236}">
-                <a16:creationId xmlns:a16="http://schemas.microsoft.com/office/drawing/2014/main" id="{963D3CFB-9ABB-4FCD-82E7-9DE87C226AC1}"/>
+            <a:r>
+              <a:rPr lang="en-US" dirty="0"/>
+              <a:t>Airbnb Room Types for 2019 and 2020</a:t>
+            </a:r>
+            <a:endParaRPr lang="en-AU" dirty="0"/>
+          </a:p>
+        </p:txBody>
+      </p:sp>
+      <p:sp>
+        <p:nvSpPr>
+          <p:cNvPr id="4" name="Content Placeholder 3">
+            <a:extLst>
+              <a:ext uri="{FF2B5EF4-FFF2-40B4-BE49-F238E27FC236}">
+                <a16:creationId xmlns:a16="http://schemas.microsoft.com/office/drawing/2014/main" id="{5C5E84DC-E157-4E12-B6CB-CD16D6124EBF}"/>
               </a:ext>
             </a:extLst>
           </p:cNvPr>
@@ -14335,24 +16444,106 @@
             <a:spLocks noGrp="1"/>
           </p:cNvSpPr>
           <p:nvPr>
-            <p:ph type="title"/>
-          </p:nvPr>
-        </p:nvSpPr>
-        <p:spPr/>
-        <p:txBody>
-          <a:bodyPr/>
+            <p:ph idx="1"/>
+          </p:nvPr>
+        </p:nvSpPr>
+        <p:spPr>
+          <a:xfrm>
+            <a:off x="647045" y="1840434"/>
+            <a:ext cx="4226024" cy="3857329"/>
+          </a:xfrm>
+        </p:spPr>
+        <p:txBody>
+          <a:bodyPr>
+            <a:normAutofit lnSpcReduction="10000"/>
+          </a:bodyPr>
           <a:lstStyle/>
           <a:p>
-            <a:endParaRPr lang="en-AU"/>
-          </a:p>
-        </p:txBody>
-      </p:sp>
-      <p:sp>
-        <p:nvSpPr>
-          <p:cNvPr id="4" name="Content Placeholder 3">
-            <a:extLst>
-              <a:ext uri="{FF2B5EF4-FFF2-40B4-BE49-F238E27FC236}">
-                <a16:creationId xmlns:a16="http://schemas.microsoft.com/office/drawing/2014/main" id="{0C9180BE-F25F-46F8-BF1B-4BE6880D120C}"/>
+            <a:r>
+              <a:rPr lang="en-US" b="1" dirty="0"/>
+              <a:t>10 % overall decrease </a:t>
+            </a:r>
+            <a:r>
+              <a:rPr lang="en-US" dirty="0"/>
+              <a:t>in Airbnb listings in 2020</a:t>
+            </a:r>
+            <a:br>
+              <a:rPr lang="en-US" dirty="0"/>
+            </a:br>
+            <a:r>
+              <a:rPr lang="en-US" dirty="0"/>
+              <a:t>Total listings in 2019 : </a:t>
+            </a:r>
+            <a:r>
+              <a:rPr lang="en-US" b="1" dirty="0"/>
+              <a:t>22,895</a:t>
+            </a:r>
+            <a:br>
+              <a:rPr lang="en-US" dirty="0"/>
+            </a:br>
+            <a:r>
+              <a:rPr lang="en-US" dirty="0"/>
+              <a:t>Total listings in 2020 : </a:t>
+            </a:r>
+            <a:r>
+              <a:rPr lang="en-US" b="1" dirty="0"/>
+              <a:t>20,420</a:t>
+            </a:r>
+          </a:p>
+          <a:p>
+            <a:r>
+              <a:rPr lang="en-US" dirty="0"/>
+              <a:t>Majority of listings are under type </a:t>
+            </a:r>
+            <a:r>
+              <a:rPr lang="en-US" b="1" dirty="0"/>
+              <a:t>Entire Home/ Apartment</a:t>
+            </a:r>
+            <a:r>
+              <a:rPr lang="en-US" dirty="0"/>
+              <a:t> for both years 2019 and 2020.</a:t>
+            </a:r>
+          </a:p>
+          <a:p>
+            <a:r>
+              <a:rPr lang="en-US" dirty="0"/>
+              <a:t>Entire Home/ Apartment  and Private Rooms listings have </a:t>
+            </a:r>
+            <a:r>
+              <a:rPr lang="en-US" b="1" dirty="0"/>
+              <a:t>decreased</a:t>
+            </a:r>
+            <a:r>
+              <a:rPr lang="en-US" dirty="0"/>
+              <a:t>. Shared rooms listings have slightly </a:t>
+            </a:r>
+            <a:r>
+              <a:rPr lang="en-US" b="1" dirty="0"/>
+              <a:t>increased</a:t>
+            </a:r>
+            <a:r>
+              <a:rPr lang="en-US" dirty="0"/>
+              <a:t>.</a:t>
+            </a:r>
+          </a:p>
+          <a:p>
+            <a:r>
+              <a:rPr lang="en-US" b="1" dirty="0"/>
+              <a:t>Hotel Rooms </a:t>
+            </a:r>
+            <a:r>
+              <a:rPr lang="en-US" dirty="0"/>
+              <a:t>introduced as Airbnb listing in 2020</a:t>
+            </a:r>
+          </a:p>
+        </p:txBody>
+      </p:sp>
+      <p:sp>
+        <p:nvSpPr>
+          <p:cNvPr id="6" name="Footer Placeholder 5">
+            <a:extLst>
+              <a:ext uri="{FF2B5EF4-FFF2-40B4-BE49-F238E27FC236}">
+                <a16:creationId xmlns:a16="http://schemas.microsoft.com/office/drawing/2014/main" id="{E9821A15-1301-4C8D-9087-3AC108634B98}"/>
               </a:ext>
             </a:extLst>
           </p:cNvPr>
@@ -14360,7 +16551,7 @@
             <a:spLocks noGrp="1"/>
           </p:cNvSpPr>
           <p:nvPr>
-            <p:ph idx="1"/>
+            <p:ph type="ftr" sz="quarter" idx="17"/>
           </p:nvPr>
         </p:nvSpPr>
         <p:spPr/>
@@ -14368,56 +16559,6 @@
           <a:bodyPr/>
           <a:lstStyle/>
           <a:p>
-            <a:endParaRPr lang="en-AU"/>
-          </a:p>
-        </p:txBody>
-      </p:sp>
-      <p:sp>
-        <p:nvSpPr>
-          <p:cNvPr id="5" name="Text Placeholder 4">
-            <a:extLst>
-              <a:ext uri="{FF2B5EF4-FFF2-40B4-BE49-F238E27FC236}">
-                <a16:creationId xmlns:a16="http://schemas.microsoft.com/office/drawing/2014/main" id="{54FA4483-074E-4B21-AD39-EC2553D84A1D}"/>
-              </a:ext>
-            </a:extLst>
-          </p:cNvPr>
-          <p:cNvSpPr>
-            <a:spLocks noGrp="1"/>
-          </p:cNvSpPr>
-          <p:nvPr>
-            <p:ph type="body" idx="13"/>
-          </p:nvPr>
-        </p:nvSpPr>
-        <p:spPr/>
-        <p:txBody>
-          <a:bodyPr/>
-          <a:lstStyle/>
-          <a:p>
-            <a:endParaRPr lang="en-AU"/>
-          </a:p>
-        </p:txBody>
-      </p:sp>
-      <p:sp>
-        <p:nvSpPr>
-          <p:cNvPr id="6" name="Footer Placeholder 5">
-            <a:extLst>
-              <a:ext uri="{FF2B5EF4-FFF2-40B4-BE49-F238E27FC236}">
-                <a16:creationId xmlns:a16="http://schemas.microsoft.com/office/drawing/2014/main" id="{7AFC9C19-83AF-46CD-9C61-BF46A93DCDDF}"/>
-              </a:ext>
-            </a:extLst>
-          </p:cNvPr>
-          <p:cNvSpPr>
-            <a:spLocks noGrp="1"/>
-          </p:cNvSpPr>
-          <p:nvPr>
-            <p:ph type="ftr" sz="quarter" idx="17"/>
-          </p:nvPr>
-        </p:nvSpPr>
-        <p:spPr/>
-        <p:txBody>
-          <a:bodyPr/>
-          <a:lstStyle/>
-          <a:p>
             <a:r>
               <a:rPr lang="en-US"/>
               <a:t>Add a Footer</a:t>
@@ -14431,7 +16572,7 @@
           <p:cNvPr id="7" name="Slide Number Placeholder 6">
             <a:extLst>
               <a:ext uri="{FF2B5EF4-FFF2-40B4-BE49-F238E27FC236}">
-                <a16:creationId xmlns:a16="http://schemas.microsoft.com/office/drawing/2014/main" id="{7B0F959D-3783-4791-872C-A877B2B5D84F}"/>
+                <a16:creationId xmlns:a16="http://schemas.microsoft.com/office/drawing/2014/main" id="{94DD111D-4F27-4A45-9508-947E8BEEE9F9}"/>
               </a:ext>
             </a:extLst>
           </p:cNvPr>
@@ -14456,10 +16597,363 @@
           </a:p>
         </p:txBody>
       </p:sp>
+      <p:pic>
+        <p:nvPicPr>
+          <p:cNvPr id="10" name="Picture 9">
+            <a:extLst>
+              <a:ext uri="{FF2B5EF4-FFF2-40B4-BE49-F238E27FC236}">
+                <a16:creationId xmlns:a16="http://schemas.microsoft.com/office/drawing/2014/main" id="{2A4209EA-49D9-4879-B33A-FDB08E4E1D45}"/>
+              </a:ext>
+            </a:extLst>
+          </p:cNvPr>
+          <p:cNvPicPr>
+            <a:picLocks noChangeAspect="1"/>
+          </p:cNvPicPr>
+          <p:nvPr/>
+        </p:nvPicPr>
+        <p:blipFill>
+          <a:blip r:embed="rId3">
+            <a:extLst>
+              <a:ext uri="{28A0092B-C50C-407E-A947-70E740481C1C}">
+                <a14:useLocalDpi xmlns:a14="http://schemas.microsoft.com/office/drawing/2010/main" val="0"/>
+              </a:ext>
+            </a:extLst>
+          </a:blip>
+          <a:stretch>
+            <a:fillRect/>
+          </a:stretch>
+        </p:blipFill>
+        <p:spPr>
+          <a:xfrm>
+            <a:off x="9517503" y="4073898"/>
+            <a:ext cx="2075330" cy="1503042"/>
+          </a:xfrm>
+          <a:prstGeom prst="rect">
+            <a:avLst/>
+          </a:prstGeom>
+        </p:spPr>
+      </p:pic>
+      <p:pic>
+        <p:nvPicPr>
+          <p:cNvPr id="11" name="Picture 10">
+            <a:extLst>
+              <a:ext uri="{FF2B5EF4-FFF2-40B4-BE49-F238E27FC236}">
+                <a16:creationId xmlns:a16="http://schemas.microsoft.com/office/drawing/2014/main" id="{7AFD9A3A-0FF6-4053-8DD6-8019FE1F28C0}"/>
+              </a:ext>
+            </a:extLst>
+          </p:cNvPr>
+          <p:cNvPicPr>
+            <a:picLocks noChangeAspect="1"/>
+          </p:cNvPicPr>
+          <p:nvPr/>
+        </p:nvPicPr>
+        <p:blipFill>
+          <a:blip r:embed="rId4">
+            <a:extLst>
+              <a:ext uri="{28A0092B-C50C-407E-A947-70E740481C1C}">
+                <a14:useLocalDpi xmlns:a14="http://schemas.microsoft.com/office/drawing/2010/main" val="0"/>
+              </a:ext>
+            </a:extLst>
+          </a:blip>
+          <a:stretch>
+            <a:fillRect/>
+          </a:stretch>
+        </p:blipFill>
+        <p:spPr>
+          <a:xfrm>
+            <a:off x="6373133" y="4073898"/>
+            <a:ext cx="2092418" cy="1503042"/>
+          </a:xfrm>
+          <a:prstGeom prst="rect">
+            <a:avLst/>
+          </a:prstGeom>
+        </p:spPr>
+      </p:pic>
+      <p:sp>
+        <p:nvSpPr>
+          <p:cNvPr id="12" name="Rectangle 11">
+            <a:extLst>
+              <a:ext uri="{FF2B5EF4-FFF2-40B4-BE49-F238E27FC236}">
+                <a16:creationId xmlns:a16="http://schemas.microsoft.com/office/drawing/2014/main" id="{F2C9F2A9-3280-4A3E-8B61-4149DB507FC3}"/>
+              </a:ext>
+            </a:extLst>
+          </p:cNvPr>
+          <p:cNvSpPr/>
+          <p:nvPr/>
+        </p:nvSpPr>
+        <p:spPr>
+          <a:xfrm>
+            <a:off x="9751133" y="3707158"/>
+            <a:ext cx="1636666" cy="276999"/>
+          </a:xfrm>
+          <a:prstGeom prst="rect">
+            <a:avLst/>
+          </a:prstGeom>
+        </p:spPr>
+        <p:txBody>
+          <a:bodyPr wrap="none">
+            <a:spAutoFit/>
+          </a:bodyPr>
+          <a:lstStyle>
+            <a:defPPr>
+              <a:defRPr lang="en-US"/>
+            </a:defPPr>
+            <a:lvl1pPr marL="0" algn="l" defTabSz="914400" rtl="0" eaLnBrk="1" latinLnBrk="0" hangingPunct="1">
+              <a:defRPr sz="1800" kern="1200">
+                <a:solidFill>
+                  <a:schemeClr val="tx1"/>
+                </a:solidFill>
+                <a:latin typeface="+mn-lt"/>
+                <a:ea typeface="+mn-ea"/>
+                <a:cs typeface="+mn-cs"/>
+              </a:defRPr>
+            </a:lvl1pPr>
+            <a:lvl2pPr marL="457200" algn="l" defTabSz="914400" rtl="0" eaLnBrk="1" latinLnBrk="0" hangingPunct="1">
+              <a:defRPr sz="1800" kern="1200">
+                <a:solidFill>
+                  <a:schemeClr val="tx1"/>
+                </a:solidFill>
+                <a:latin typeface="+mn-lt"/>
+                <a:ea typeface="+mn-ea"/>
+                <a:cs typeface="+mn-cs"/>
+              </a:defRPr>
+            </a:lvl2pPr>
+            <a:lvl3pPr marL="914400" algn="l" defTabSz="914400" rtl="0" eaLnBrk="1" latinLnBrk="0" hangingPunct="1">
+              <a:defRPr sz="1800" kern="1200">
+                <a:solidFill>
+                  <a:schemeClr val="tx1"/>
+                </a:solidFill>
+                <a:latin typeface="+mn-lt"/>
+                <a:ea typeface="+mn-ea"/>
+                <a:cs typeface="+mn-cs"/>
+              </a:defRPr>
+            </a:lvl3pPr>
+            <a:lvl4pPr marL="1371600" algn="l" defTabSz="914400" rtl="0" eaLnBrk="1" latinLnBrk="0" hangingPunct="1">
+              <a:defRPr sz="1800" kern="1200">
+                <a:solidFill>
+                  <a:schemeClr val="tx1"/>
+                </a:solidFill>
+                <a:latin typeface="+mn-lt"/>
+                <a:ea typeface="+mn-ea"/>
+                <a:cs typeface="+mn-cs"/>
+              </a:defRPr>
+            </a:lvl4pPr>
+            <a:lvl5pPr marL="1828800" algn="l" defTabSz="914400" rtl="0" eaLnBrk="1" latinLnBrk="0" hangingPunct="1">
+              <a:defRPr sz="1800" kern="1200">
+                <a:solidFill>
+                  <a:schemeClr val="tx1"/>
+                </a:solidFill>
+                <a:latin typeface="+mn-lt"/>
+                <a:ea typeface="+mn-ea"/>
+                <a:cs typeface="+mn-cs"/>
+              </a:defRPr>
+            </a:lvl5pPr>
+            <a:lvl6pPr marL="2286000" algn="l" defTabSz="914400" rtl="0" eaLnBrk="1" latinLnBrk="0" hangingPunct="1">
+              <a:defRPr sz="1800" kern="1200">
+                <a:solidFill>
+                  <a:schemeClr val="tx1"/>
+                </a:solidFill>
+                <a:latin typeface="+mn-lt"/>
+                <a:ea typeface="+mn-ea"/>
+                <a:cs typeface="+mn-cs"/>
+              </a:defRPr>
+            </a:lvl6pPr>
+            <a:lvl7pPr marL="2743200" algn="l" defTabSz="914400" rtl="0" eaLnBrk="1" latinLnBrk="0" hangingPunct="1">
+              <a:defRPr sz="1800" kern="1200">
+                <a:solidFill>
+                  <a:schemeClr val="tx1"/>
+                </a:solidFill>
+                <a:latin typeface="+mn-lt"/>
+                <a:ea typeface="+mn-ea"/>
+                <a:cs typeface="+mn-cs"/>
+              </a:defRPr>
+            </a:lvl7pPr>
+            <a:lvl8pPr marL="3200400" algn="l" defTabSz="914400" rtl="0" eaLnBrk="1" latinLnBrk="0" hangingPunct="1">
+              <a:defRPr sz="1800" kern="1200">
+                <a:solidFill>
+                  <a:schemeClr val="tx1"/>
+                </a:solidFill>
+                <a:latin typeface="+mn-lt"/>
+                <a:ea typeface="+mn-ea"/>
+                <a:cs typeface="+mn-cs"/>
+              </a:defRPr>
+            </a:lvl8pPr>
+            <a:lvl9pPr marL="3657600" algn="l" defTabSz="914400" rtl="0" eaLnBrk="1" latinLnBrk="0" hangingPunct="1">
+              <a:defRPr sz="1800" kern="1200">
+                <a:solidFill>
+                  <a:schemeClr val="tx1"/>
+                </a:solidFill>
+                <a:latin typeface="+mn-lt"/>
+                <a:ea typeface="+mn-ea"/>
+                <a:cs typeface="+mn-cs"/>
+              </a:defRPr>
+            </a:lvl9pPr>
+          </a:lstStyle>
+          <a:p>
+            <a:r>
+              <a:rPr lang="en-GB" sz="1200" b="1" u="sng" dirty="0">
+                <a:ln w="0"/>
+                <a:solidFill>
+                  <a:schemeClr val="accent1"/>
+                </a:solidFill>
+                <a:effectLst>
+                  <a:outerShdw blurRad="38100" dist="25400" dir="5400000" algn="ctr" rotWithShape="0">
+                    <a:srgbClr val="6E747A">
+                      <a:alpha val="43000"/>
+                    </a:srgbClr>
+                  </a:outerShdw>
+                </a:effectLst>
+              </a:rPr>
+              <a:t>Room Listings for 2020</a:t>
+            </a:r>
+          </a:p>
+        </p:txBody>
+      </p:sp>
+      <p:sp>
+        <p:nvSpPr>
+          <p:cNvPr id="13" name="TextBox 10">
+            <a:extLst>
+              <a:ext uri="{FF2B5EF4-FFF2-40B4-BE49-F238E27FC236}">
+                <a16:creationId xmlns:a16="http://schemas.microsoft.com/office/drawing/2014/main" id="{C74D12E2-2D84-4D44-B940-8C5BB2A7271B}"/>
+              </a:ext>
+            </a:extLst>
+          </p:cNvPr>
+          <p:cNvSpPr txBox="1"/>
+          <p:nvPr/>
+        </p:nvSpPr>
+        <p:spPr>
+          <a:xfrm>
+            <a:off x="6493768" y="3707157"/>
+            <a:ext cx="1636666" cy="276999"/>
+          </a:xfrm>
+          <a:prstGeom prst="rect">
+            <a:avLst/>
+          </a:prstGeom>
+          <a:noFill/>
+        </p:spPr>
+        <p:txBody>
+          <a:bodyPr wrap="none" rtlCol="0">
+            <a:spAutoFit/>
+          </a:bodyPr>
+          <a:lstStyle>
+            <a:defPPr>
+              <a:defRPr lang="en-US"/>
+            </a:defPPr>
+            <a:lvl1pPr marL="0" algn="l" defTabSz="914400" rtl="0" eaLnBrk="1" latinLnBrk="0" hangingPunct="1">
+              <a:defRPr sz="1800" kern="1200">
+                <a:solidFill>
+                  <a:schemeClr val="tx1"/>
+                </a:solidFill>
+                <a:latin typeface="+mn-lt"/>
+                <a:ea typeface="+mn-ea"/>
+                <a:cs typeface="+mn-cs"/>
+              </a:defRPr>
+            </a:lvl1pPr>
+            <a:lvl2pPr marL="457200" algn="l" defTabSz="914400" rtl="0" eaLnBrk="1" latinLnBrk="0" hangingPunct="1">
+              <a:defRPr sz="1800" kern="1200">
+                <a:solidFill>
+                  <a:schemeClr val="tx1"/>
+                </a:solidFill>
+                <a:latin typeface="+mn-lt"/>
+                <a:ea typeface="+mn-ea"/>
+                <a:cs typeface="+mn-cs"/>
+              </a:defRPr>
+            </a:lvl2pPr>
+            <a:lvl3pPr marL="914400" algn="l" defTabSz="914400" rtl="0" eaLnBrk="1" latinLnBrk="0" hangingPunct="1">
+              <a:defRPr sz="1800" kern="1200">
+                <a:solidFill>
+                  <a:schemeClr val="tx1"/>
+                </a:solidFill>
+                <a:latin typeface="+mn-lt"/>
+                <a:ea typeface="+mn-ea"/>
+                <a:cs typeface="+mn-cs"/>
+              </a:defRPr>
+            </a:lvl3pPr>
+            <a:lvl4pPr marL="1371600" algn="l" defTabSz="914400" rtl="0" eaLnBrk="1" latinLnBrk="0" hangingPunct="1">
+              <a:defRPr sz="1800" kern="1200">
+                <a:solidFill>
+                  <a:schemeClr val="tx1"/>
+                </a:solidFill>
+                <a:latin typeface="+mn-lt"/>
+                <a:ea typeface="+mn-ea"/>
+                <a:cs typeface="+mn-cs"/>
+              </a:defRPr>
+            </a:lvl4pPr>
+            <a:lvl5pPr marL="1828800" algn="l" defTabSz="914400" rtl="0" eaLnBrk="1" latinLnBrk="0" hangingPunct="1">
+              <a:defRPr sz="1800" kern="1200">
+                <a:solidFill>
+                  <a:schemeClr val="tx1"/>
+                </a:solidFill>
+                <a:latin typeface="+mn-lt"/>
+                <a:ea typeface="+mn-ea"/>
+                <a:cs typeface="+mn-cs"/>
+              </a:defRPr>
+            </a:lvl5pPr>
+            <a:lvl6pPr marL="2286000" algn="l" defTabSz="914400" rtl="0" eaLnBrk="1" latinLnBrk="0" hangingPunct="1">
+              <a:defRPr sz="1800" kern="1200">
+                <a:solidFill>
+                  <a:schemeClr val="tx1"/>
+                </a:solidFill>
+                <a:latin typeface="+mn-lt"/>
+                <a:ea typeface="+mn-ea"/>
+                <a:cs typeface="+mn-cs"/>
+              </a:defRPr>
+            </a:lvl6pPr>
+            <a:lvl7pPr marL="2743200" algn="l" defTabSz="914400" rtl="0" eaLnBrk="1" latinLnBrk="0" hangingPunct="1">
+              <a:defRPr sz="1800" kern="1200">
+                <a:solidFill>
+                  <a:schemeClr val="tx1"/>
+                </a:solidFill>
+                <a:latin typeface="+mn-lt"/>
+                <a:ea typeface="+mn-ea"/>
+                <a:cs typeface="+mn-cs"/>
+              </a:defRPr>
+            </a:lvl7pPr>
+            <a:lvl8pPr marL="3200400" algn="l" defTabSz="914400" rtl="0" eaLnBrk="1" latinLnBrk="0" hangingPunct="1">
+              <a:defRPr sz="1800" kern="1200">
+                <a:solidFill>
+                  <a:schemeClr val="tx1"/>
+                </a:solidFill>
+                <a:latin typeface="+mn-lt"/>
+                <a:ea typeface="+mn-ea"/>
+                <a:cs typeface="+mn-cs"/>
+              </a:defRPr>
+            </a:lvl8pPr>
+            <a:lvl9pPr marL="3657600" algn="l" defTabSz="914400" rtl="0" eaLnBrk="1" latinLnBrk="0" hangingPunct="1">
+              <a:defRPr sz="1800" kern="1200">
+                <a:solidFill>
+                  <a:schemeClr val="tx1"/>
+                </a:solidFill>
+                <a:latin typeface="+mn-lt"/>
+                <a:ea typeface="+mn-ea"/>
+                <a:cs typeface="+mn-cs"/>
+              </a:defRPr>
+            </a:lvl9pPr>
+          </a:lstStyle>
+          <a:p>
+            <a:r>
+              <a:rPr lang="en-GB" sz="1200" b="1" u="sng" dirty="0">
+                <a:ln w="0"/>
+                <a:solidFill>
+                  <a:schemeClr val="accent1"/>
+                </a:solidFill>
+                <a:effectLst>
+                  <a:outerShdw blurRad="38100" dist="25400" dir="5400000" algn="ctr" rotWithShape="0">
+                    <a:srgbClr val="6E747A">
+                      <a:alpha val="43000"/>
+                    </a:srgbClr>
+                  </a:outerShdw>
+                </a:effectLst>
+              </a:rPr>
+              <a:t>Room Listings for 2019</a:t>
+            </a:r>
+          </a:p>
+        </p:txBody>
+      </p:sp>
     </p:spTree>
     <p:extLst>
       <p:ext uri="{BB962C8B-B14F-4D97-AF65-F5344CB8AC3E}">
-        <p14:creationId xmlns:p14="http://schemas.microsoft.com/office/powerpoint/2010/main" val="1851946157"/>
+        <p14:creationId xmlns:p14="http://schemas.microsoft.com/office/powerpoint/2010/main" val="2246427715"/>
       </p:ext>
     </p:extLst>
   </p:cSld>
@@ -15261,12 +17755,12 @@
 </file>
 
 <file path=customXml/item1.xml><?xml version="1.0" encoding="utf-8"?>
-<?mso-contentType ?>
-<FormTemplates xmlns="http://schemas.microsoft.com/sharepoint/v3/contenttype/forms">
-  <Display>DocumentLibraryForm</Display>
-  <Edit>DocumentLibraryForm</Edit>
-  <New>DocumentLibraryForm</New>
-</FormTemplates>
+<p:properties xmlns:p="http://schemas.microsoft.com/office/2006/metadata/properties" xmlns:xsi="http://www.w3.org/2001/XMLSchema-instance" xmlns:pc="http://schemas.microsoft.com/office/infopath/2007/PartnerControls">
+  <documentManagement>
+    <Status xmlns="71af3243-3dd4-4a8d-8c0d-dd76da1f02a5">Not started</Status>
+    <MediaServiceKeyPoints xmlns="71af3243-3dd4-4a8d-8c0d-dd76da1f02a5" xsi:nil="true"/>
+  </documentManagement>
+</p:properties>
 </file>
 
 <file path=customXml/item2.xml><?xml version="1.0" encoding="utf-8"?>
@@ -15491,18 +17985,20 @@
 </file>
 
 <file path=customXml/item3.xml><?xml version="1.0" encoding="utf-8"?>
-<p:properties xmlns:p="http://schemas.microsoft.com/office/2006/metadata/properties" xmlns:xsi="http://www.w3.org/2001/XMLSchema-instance" xmlns:pc="http://schemas.microsoft.com/office/infopath/2007/PartnerControls">
-  <documentManagement>
-    <Status xmlns="71af3243-3dd4-4a8d-8c0d-dd76da1f02a5">Not started</Status>
-    <MediaServiceKeyPoints xmlns="71af3243-3dd4-4a8d-8c0d-dd76da1f02a5" xsi:nil="true"/>
-  </documentManagement>
-</p:properties>
+<?mso-contentType ?>
+<FormTemplates xmlns="http://schemas.microsoft.com/sharepoint/v3/contenttype/forms">
+  <Display>DocumentLibraryForm</Display>
+  <Edit>DocumentLibraryForm</Edit>
+  <New>DocumentLibraryForm</New>
+</FormTemplates>
 </file>
 
 <file path=customXml/itemProps1.xml><?xml version="1.0" encoding="utf-8"?>
-<ds:datastoreItem xmlns:ds="http://schemas.openxmlformats.org/officeDocument/2006/customXml" ds:itemID="{26A0F1FB-B1B3-48EC-BFEE-FC0094A34C28}">
+<ds:datastoreItem xmlns:ds="http://schemas.openxmlformats.org/officeDocument/2006/customXml" ds:itemID="{471340EA-4D3D-470F-B5D6-C0F623079401}">
   <ds:schemaRefs>
-    <ds:schemaRef ds:uri="http://schemas.microsoft.com/sharepoint/v3/contenttype/forms"/>
+    <ds:schemaRef ds:uri="http://schemas.microsoft.com/office/2006/metadata/properties"/>
+    <ds:schemaRef ds:uri="http://schemas.microsoft.com/office/infopath/2007/PartnerControls"/>
+    <ds:schemaRef ds:uri="71af3243-3dd4-4a8d-8c0d-dd76da1f02a5"/>
   </ds:schemaRefs>
 </ds:datastoreItem>
 </file>
@@ -15527,11 +18023,9 @@
 </file>
 
 <file path=customXml/itemProps3.xml><?xml version="1.0" encoding="utf-8"?>
-<ds:datastoreItem xmlns:ds="http://schemas.openxmlformats.org/officeDocument/2006/customXml" ds:itemID="{471340EA-4D3D-470F-B5D6-C0F623079401}">
+<ds:datastoreItem xmlns:ds="http://schemas.openxmlformats.org/officeDocument/2006/customXml" ds:itemID="{26A0F1FB-B1B3-48EC-BFEE-FC0094A34C28}">
   <ds:schemaRefs>
-    <ds:schemaRef ds:uri="http://schemas.microsoft.com/office/2006/metadata/properties"/>
-    <ds:schemaRef ds:uri="http://schemas.microsoft.com/office/infopath/2007/PartnerControls"/>
-    <ds:schemaRef ds:uri="71af3243-3dd4-4a8d-8c0d-dd76da1f02a5"/>
+    <ds:schemaRef ds:uri="http://schemas.microsoft.com/sharepoint/v3/contenttype/forms"/>
   </ds:schemaRefs>
 </ds:datastoreItem>
 </file>
--- a/AirBnb Project - Sherin, Neena and Cody.pptx
+++ b/AirBnb Project - Sherin, Neena and Cody.pptx
@@ -1,29 +1,30 @@
 
 <file path=ppt/presentation.xml><?xml version="1.0" encoding="utf-8"?>
-<p:presentation xmlns:a="http://schemas.openxmlformats.org/drawingml/2006/main" xmlns:r="http://schemas.openxmlformats.org/officeDocument/2006/relationships" xmlns:p="http://schemas.openxmlformats.org/presentationml/2006/main" saveSubsetFonts="1" autoCompressPictures="0">
+<p:presentation xmlns:a="http://schemas.openxmlformats.org/drawingml/2006/main" xmlns:r="http://schemas.openxmlformats.org/officeDocument/2006/relationships" xmlns:p="http://schemas.openxmlformats.org/presentationml/2006/main" autoCompressPictures="0">
   <p:sldMasterIdLst>
-    <p:sldMasterId id="2147483648" r:id="rId4"/>
+    <p:sldMasterId id="2147483648" r:id="rId1"/>
   </p:sldMasterIdLst>
   <p:notesMasterIdLst>
-    <p:notesMasterId r:id="rId23"/>
+    <p:notesMasterId r:id="rId5"/>
   </p:notesMasterIdLst>
   <p:handoutMasterIdLst>
-    <p:handoutMasterId r:id="rId24"/>
+    <p:handoutMasterId r:id="rId23"/>
   </p:handoutMasterIdLst>
   <p:sldIdLst>
-    <p:sldId id="2439" r:id="rId5"/>
-    <p:sldId id="260" r:id="rId6"/>
-    <p:sldId id="2434" r:id="rId7"/>
-    <p:sldId id="2447" r:id="rId8"/>
-    <p:sldId id="258" r:id="rId9"/>
-    <p:sldId id="2442" r:id="rId10"/>
-    <p:sldId id="2433" r:id="rId11"/>
-    <p:sldId id="2445" r:id="rId12"/>
-    <p:sldId id="2448" r:id="rId13"/>
-    <p:sldId id="2444" r:id="rId14"/>
-    <p:sldId id="2449" r:id="rId15"/>
-    <p:sldId id="2450" r:id="rId16"/>
-    <p:sldId id="2446" r:id="rId17"/>
+    <p:sldId id="2439" r:id="rId3"/>
+    <p:sldId id="260" r:id="rId4"/>
+    <p:sldId id="2434" r:id="rId6"/>
+    <p:sldId id="2447" r:id="rId7"/>
+    <p:sldId id="258" r:id="rId8"/>
+    <p:sldId id="2442" r:id="rId9"/>
+    <p:sldId id="2433" r:id="rId10"/>
+    <p:sldId id="2445" r:id="rId11"/>
+    <p:sldId id="2448" r:id="rId12"/>
+    <p:sldId id="2444" r:id="rId13"/>
+    <p:sldId id="2449" r:id="rId14"/>
+    <p:sldId id="2450" r:id="rId15"/>
+    <p:sldId id="2446" r:id="rId16"/>
+    <p:sldId id="2462" r:id="rId17"/>
     <p:sldId id="2451" r:id="rId18"/>
     <p:sldId id="2452" r:id="rId19"/>
     <p:sldId id="2453" r:id="rId20"/>
@@ -127,14 +128,6 @@
       </a:defRPr>
     </a:lvl9pPr>
   </p:defaultTextStyle>
-  <p:extLst>
-    <p:ext uri="{EFAFB233-063F-42B5-8137-9DF3F51BA10A}">
-      <p15:sldGuideLst xmlns:p15="http://schemas.microsoft.com/office/powerpoint/2012/main"/>
-    </p:ext>
-    <p:ext uri="{2D200454-40CA-4A62-9FC3-DE9A4176ACB9}">
-      <p15:notesGuideLst xmlns:p15="http://schemas.microsoft.com/office/powerpoint/2012/main"/>
-    </p:ext>
-  </p:extLst>
 </p:presentation>
 </file>
 
@@ -162,13 +155,7 @@
       </p:grpSpPr>
       <p:sp>
         <p:nvSpPr>
-          <p:cNvPr id="2" name="Header Placeholder 1">
-            <a:extLst>
-              <a:ext uri="{FF2B5EF4-FFF2-40B4-BE49-F238E27FC236}">
-                <a16:creationId xmlns:a16="http://schemas.microsoft.com/office/drawing/2014/main" id="{254265FD-4E3F-4008-BF0D-92438DDF38EF}"/>
-              </a:ext>
-            </a:extLst>
-          </p:cNvPr>
+          <p:cNvPr id="2" name="Header Placeholder 1"/>
           <p:cNvSpPr>
             <a:spLocks noGrp="1"/>
           </p:cNvSpPr>
@@ -199,13 +186,7 @@
       </p:sp>
       <p:sp>
         <p:nvSpPr>
-          <p:cNvPr id="3" name="Date Placeholder 2">
-            <a:extLst>
-              <a:ext uri="{FF2B5EF4-FFF2-40B4-BE49-F238E27FC236}">
-                <a16:creationId xmlns:a16="http://schemas.microsoft.com/office/drawing/2014/main" id="{7411FABC-D2A4-4DDD-AE15-415703DDD3EA}"/>
-              </a:ext>
-            </a:extLst>
-          </p:cNvPr>
+          <p:cNvPr id="3" name="Date Placeholder 2"/>
           <p:cNvSpPr>
             <a:spLocks noGrp="1"/>
           </p:cNvSpPr>
@@ -232,7 +213,6 @@
           <a:p>
             <a:fld id="{D1CB9CF0-A540-4793-A5F3-F4917CFDDCB6}" type="datetimeFigureOut">
               <a:rPr lang="en-US" smtClean="0"/>
-              <a:t>6/27/2021</a:t>
             </a:fld>
             <a:endParaRPr lang="en-US" dirty="0"/>
           </a:p>
@@ -240,13 +220,7 @@
       </p:sp>
       <p:sp>
         <p:nvSpPr>
-          <p:cNvPr id="4" name="Footer Placeholder 3">
-            <a:extLst>
-              <a:ext uri="{FF2B5EF4-FFF2-40B4-BE49-F238E27FC236}">
-                <a16:creationId xmlns:a16="http://schemas.microsoft.com/office/drawing/2014/main" id="{27EBBAB0-AE2E-4EA6-BE3D-A8C4DA400704}"/>
-              </a:ext>
-            </a:extLst>
-          </p:cNvPr>
+          <p:cNvPr id="4" name="Footer Placeholder 3"/>
           <p:cNvSpPr>
             <a:spLocks noGrp="1"/>
           </p:cNvSpPr>
@@ -277,13 +251,7 @@
       </p:sp>
       <p:sp>
         <p:nvSpPr>
-          <p:cNvPr id="5" name="Slide Number Placeholder 4">
-            <a:extLst>
-              <a:ext uri="{FF2B5EF4-FFF2-40B4-BE49-F238E27FC236}">
-                <a16:creationId xmlns:a16="http://schemas.microsoft.com/office/drawing/2014/main" id="{A31D462F-4914-49FC-A851-7FFFE9D6E86B}"/>
-              </a:ext>
-            </a:extLst>
-          </p:cNvPr>
+          <p:cNvPr id="5" name="Slide Number Placeholder 4"/>
           <p:cNvSpPr>
             <a:spLocks noGrp="1"/>
           </p:cNvSpPr>
@@ -310,18 +278,12 @@
           <a:p>
             <a:fld id="{73422B72-BD1C-4F41-B10E-CA0BEB17901E}" type="slidenum">
               <a:rPr lang="en-US" smtClean="0"/>
-              <a:t>‹#›</a:t>
             </a:fld>
             <a:endParaRPr lang="en-US" dirty="0"/>
           </a:p>
         </p:txBody>
       </p:sp>
     </p:spTree>
-    <p:extLst>
-      <p:ext uri="{BB962C8B-B14F-4D97-AF65-F5344CB8AC3E}">
-        <p14:creationId xmlns:p14="http://schemas.microsoft.com/office/powerpoint/2010/main" val="3531907683"/>
-      </p:ext>
-    </p:extLst>
   </p:cSld>
   <p:clrMap bg1="lt1" tx1="dk1" bg2="lt2" tx2="dk2" accent1="accent1" accent2="accent2" accent3="accent3" accent4="accent4" accent5="accent5" accent6="accent6" hlink="hlink" folHlink="folHlink"/>
 </p:handoutMaster>
@@ -409,7 +371,6 @@
           <a:p>
             <a:fld id="{EDA03753-A5BE-4D79-AEA9-C0A65A6F8851}" type="datetimeFigureOut">
               <a:rPr lang="en-US" smtClean="0"/>
-              <a:t>6/27/2021</a:t>
             </a:fld>
             <a:endParaRPr lang="en-US" dirty="0"/>
           </a:p>
@@ -476,6 +437,7 @@
               <a:rPr lang="en-US"/>
               <a:t>Edit Master text styles</a:t>
             </a:r>
+            <a:endParaRPr lang="en-US"/>
           </a:p>
           <a:p>
             <a:pPr lvl="1"/>
@@ -483,6 +445,7 @@
               <a:rPr lang="en-US"/>
               <a:t>Second level</a:t>
             </a:r>
+            <a:endParaRPr lang="en-US"/>
           </a:p>
           <a:p>
             <a:pPr lvl="2"/>
@@ -490,6 +453,7 @@
               <a:rPr lang="en-US"/>
               <a:t>Third level</a:t>
             </a:r>
+            <a:endParaRPr lang="en-US"/>
           </a:p>
           <a:p>
             <a:pPr lvl="3"/>
@@ -497,6 +461,7 @@
               <a:rPr lang="en-US"/>
               <a:t>Fourth level</a:t>
             </a:r>
+            <a:endParaRPr lang="en-US"/>
           </a:p>
           <a:p>
             <a:pPr lvl="4"/>
@@ -504,6 +469,7 @@
               <a:rPr lang="en-US"/>
               <a:t>Fifth level</a:t>
             </a:r>
+            <a:endParaRPr lang="en-US"/>
           </a:p>
         </p:txBody>
       </p:sp>
@@ -567,18 +533,12 @@
           <a:p>
             <a:fld id="{AA3BE989-76B8-4F13-9267-01FDA45C437A}" type="slidenum">
               <a:rPr lang="en-US" smtClean="0"/>
-              <a:t>‹#›</a:t>
             </a:fld>
             <a:endParaRPr lang="en-US" dirty="0"/>
           </a:p>
         </p:txBody>
       </p:sp>
     </p:spTree>
-    <p:extLst>
-      <p:ext uri="{BB962C8B-B14F-4D97-AF65-F5344CB8AC3E}">
-        <p14:creationId xmlns:p14="http://schemas.microsoft.com/office/powerpoint/2010/main" val="3169730050"/>
-      </p:ext>
-    </p:extLst>
   </p:cSld>
   <p:clrMap bg1="lt1" tx1="dk1" bg2="lt2" tx2="dk2" accent1="accent1" accent2="accent2" accent3="accent3" accent4="accent4" accent5="accent5" accent6="accent6" hlink="hlink" folHlink="folHlink"/>
   <p:notesStyle>
@@ -741,18 +701,12 @@
           <a:p>
             <a:fld id="{AA3BE989-76B8-4F13-9267-01FDA45C437A}" type="slidenum">
               <a:rPr lang="en-US" smtClean="0"/>
-              <a:t>2</a:t>
             </a:fld>
             <a:endParaRPr lang="en-US" dirty="0"/>
           </a:p>
         </p:txBody>
       </p:sp>
     </p:spTree>
-    <p:extLst>
-      <p:ext uri="{BB962C8B-B14F-4D97-AF65-F5344CB8AC3E}">
-        <p14:creationId xmlns:p14="http://schemas.microsoft.com/office/powerpoint/2010/main" val="1744464852"/>
-      </p:ext>
-    </p:extLst>
   </p:cSld>
   <p:clrMapOvr>
     <a:masterClrMapping/>
@@ -825,18 +779,12 @@
           <a:p>
             <a:fld id="{AA3BE989-76B8-4F13-9267-01FDA45C437A}" type="slidenum">
               <a:rPr lang="en-US" smtClean="0"/>
-              <a:t>4</a:t>
             </a:fld>
             <a:endParaRPr lang="en-US" dirty="0"/>
           </a:p>
         </p:txBody>
       </p:sp>
     </p:spTree>
-    <p:extLst>
-      <p:ext uri="{BB962C8B-B14F-4D97-AF65-F5344CB8AC3E}">
-        <p14:creationId xmlns:p14="http://schemas.microsoft.com/office/powerpoint/2010/main" val="983787655"/>
-      </p:ext>
-    </p:extLst>
   </p:cSld>
   <p:clrMapOvr>
     <a:masterClrMapping/>
@@ -909,18 +857,12 @@
           <a:p>
             <a:fld id="{AA3BE989-76B8-4F13-9267-01FDA45C437A}" type="slidenum">
               <a:rPr lang="en-US" smtClean="0"/>
-              <a:t>17</a:t>
             </a:fld>
             <a:endParaRPr lang="en-US" dirty="0"/>
           </a:p>
         </p:txBody>
       </p:sp>
     </p:spTree>
-    <p:extLst>
-      <p:ext uri="{BB962C8B-B14F-4D97-AF65-F5344CB8AC3E}">
-        <p14:creationId xmlns:p14="http://schemas.microsoft.com/office/powerpoint/2010/main" val="3152035964"/>
-      </p:ext>
-    </p:extLst>
   </p:cSld>
   <p:clrMapOvr>
     <a:masterClrMapping/>
@@ -929,7 +871,7 @@
 </file>
 
 <file path=ppt/slideLayouts/slideLayout1.xml><?xml version="1.0" encoding="utf-8"?>
-<p:sldLayout xmlns:a="http://schemas.openxmlformats.org/drawingml/2006/main" xmlns:r="http://schemas.openxmlformats.org/officeDocument/2006/relationships" xmlns:p="http://schemas.openxmlformats.org/presentationml/2006/main" showMasterSp="0" preserve="1" userDrawn="1">
+<p:sldLayout xmlns:a="http://schemas.openxmlformats.org/drawingml/2006/main" xmlns:r="http://schemas.openxmlformats.org/officeDocument/2006/relationships" xmlns:p="http://schemas.openxmlformats.org/presentationml/2006/main" preserve="1" showMasterSp="0" userDrawn="1">
   <p:cSld name="Cover Slide">
     <p:spTree>
       <p:nvGrpSpPr>
@@ -947,13 +889,7 @@
       </p:grpSpPr>
       <p:sp>
         <p:nvSpPr>
-          <p:cNvPr id="12" name="Picture Placeholder 13">
-            <a:extLst>
-              <a:ext uri="{FF2B5EF4-FFF2-40B4-BE49-F238E27FC236}">
-                <a16:creationId xmlns:a16="http://schemas.microsoft.com/office/drawing/2014/main" id="{9FB41AE7-07AD-43D7-9418-6D32BE5E3192}"/>
-              </a:ext>
-            </a:extLst>
-          </p:cNvPr>
+          <p:cNvPr id="12" name="Picture Placeholder 13"/>
           <p:cNvSpPr>
             <a:spLocks noGrp="1"/>
           </p:cNvSpPr>
@@ -986,13 +922,7 @@
       </p:sp>
       <p:grpSp>
         <p:nvGrpSpPr>
-          <p:cNvPr id="14" name="Group 13">
-            <a:extLst>
-              <a:ext uri="{FF2B5EF4-FFF2-40B4-BE49-F238E27FC236}">
-                <a16:creationId xmlns:a16="http://schemas.microsoft.com/office/drawing/2014/main" id="{846D6A0C-E2C3-43CB-83D0-B5F6221079CA}"/>
-              </a:ext>
-            </a:extLst>
-          </p:cNvPr>
+          <p:cNvPr id="14" name="Group 13"/>
           <p:cNvGrpSpPr/>
           <p:nvPr userDrawn="1"/>
         </p:nvGrpSpPr>
@@ -1006,13 +936,7 @@
         </p:grpSpPr>
         <p:sp>
           <p:nvSpPr>
-            <p:cNvPr id="16" name="Rectangle 15">
-              <a:extLst>
-                <a:ext uri="{FF2B5EF4-FFF2-40B4-BE49-F238E27FC236}">
-                  <a16:creationId xmlns:a16="http://schemas.microsoft.com/office/drawing/2014/main" id="{EDC96296-0FBF-47A5-9D6A-5D9BB647A4D7}"/>
-                </a:ext>
-              </a:extLst>
-            </p:cNvPr>
+            <p:cNvPr id="16" name="Rectangle 15"/>
             <p:cNvSpPr/>
             <p:nvPr userDrawn="1"/>
           </p:nvSpPr>
@@ -1335,13 +1259,7 @@
         </p:sp>
         <p:sp>
           <p:nvSpPr>
-            <p:cNvPr id="15" name="Rectangle 14">
-              <a:extLst>
-                <a:ext uri="{FF2B5EF4-FFF2-40B4-BE49-F238E27FC236}">
-                  <a16:creationId xmlns:a16="http://schemas.microsoft.com/office/drawing/2014/main" id="{F997D03F-0BE2-458F-92A2-4FE73B0FBF51}"/>
-                </a:ext>
-              </a:extLst>
-            </p:cNvPr>
+            <p:cNvPr id="15" name="Rectangle 14"/>
             <p:cNvSpPr/>
             <p:nvPr userDrawn="1"/>
           </p:nvSpPr>
@@ -1387,13 +1305,7 @@
         </p:sp>
         <p:sp>
           <p:nvSpPr>
-            <p:cNvPr id="17" name="Rectangle 16">
-              <a:extLst>
-                <a:ext uri="{FF2B5EF4-FFF2-40B4-BE49-F238E27FC236}">
-                  <a16:creationId xmlns:a16="http://schemas.microsoft.com/office/drawing/2014/main" id="{53F17719-10FE-433E-9CCC-4509DE17F22A}"/>
-                </a:ext>
-              </a:extLst>
-            </p:cNvPr>
+            <p:cNvPr id="17" name="Rectangle 16"/>
             <p:cNvSpPr/>
             <p:nvPr userDrawn="1"/>
           </p:nvSpPr>
@@ -1440,13 +1352,7 @@
       </p:grpSp>
       <p:sp>
         <p:nvSpPr>
-          <p:cNvPr id="2" name="Title 1">
-            <a:extLst>
-              <a:ext uri="{FF2B5EF4-FFF2-40B4-BE49-F238E27FC236}">
-                <a16:creationId xmlns:a16="http://schemas.microsoft.com/office/drawing/2014/main" id="{0DE73F1A-AAF0-4EB4-8DF0-C152BD93C69B}"/>
-              </a:ext>
-            </a:extLst>
-          </p:cNvPr>
+          <p:cNvPr id="2" name="Title 1"/>
           <p:cNvSpPr>
             <a:spLocks noGrp="1"/>
           </p:cNvSpPr>
@@ -1486,18 +1392,13 @@
               <a:rPr lang="en-US" dirty="0"/>
               <a:t>Master title style</a:t>
             </a:r>
-          </a:p>
-        </p:txBody>
-      </p:sp>
-      <p:sp>
-        <p:nvSpPr>
-          <p:cNvPr id="3" name="Subtitle 2">
-            <a:extLst>
-              <a:ext uri="{FF2B5EF4-FFF2-40B4-BE49-F238E27FC236}">
-                <a16:creationId xmlns:a16="http://schemas.microsoft.com/office/drawing/2014/main" id="{A3075AE6-92D3-4205-B268-E1AD6C5901DE}"/>
-              </a:ext>
-            </a:extLst>
-          </p:cNvPr>
+            <a:endParaRPr lang="en-US" dirty="0"/>
+          </a:p>
+        </p:txBody>
+      </p:sp>
+      <p:sp>
+        <p:nvSpPr>
+          <p:cNvPr id="3" name="Subtitle 2"/>
           <p:cNvSpPr>
             <a:spLocks noGrp="1"/>
           </p:cNvSpPr>
@@ -1566,11 +1467,6 @@
         </p:txBody>
       </p:sp>
     </p:spTree>
-    <p:extLst>
-      <p:ext uri="{BB962C8B-B14F-4D97-AF65-F5344CB8AC3E}">
-        <p14:creationId xmlns:p14="http://schemas.microsoft.com/office/powerpoint/2010/main" val="3776861653"/>
-      </p:ext>
-    </p:extLst>
   </p:cSld>
   <p:clrMapOvr>
     <a:masterClrMapping/>
@@ -1579,7 +1475,7 @@
 </file>
 
 <file path=ppt/slideLayouts/slideLayout10.xml><?xml version="1.0" encoding="utf-8"?>
-<p:sldLayout xmlns:a="http://schemas.openxmlformats.org/drawingml/2006/main" xmlns:r="http://schemas.openxmlformats.org/officeDocument/2006/relationships" xmlns:p="http://schemas.openxmlformats.org/presentationml/2006/main" showMasterSp="0" preserve="1" userDrawn="1">
+<p:sldLayout xmlns:a="http://schemas.openxmlformats.org/drawingml/2006/main" xmlns:r="http://schemas.openxmlformats.org/officeDocument/2006/relationships" xmlns:p="http://schemas.openxmlformats.org/presentationml/2006/main" preserve="1" showMasterSp="0" userDrawn="1">
   <p:cSld name="Title Slide">
     <p:spTree>
       <p:nvGrpSpPr>
@@ -1597,13 +1493,7 @@
       </p:grpSpPr>
       <p:grpSp>
         <p:nvGrpSpPr>
-          <p:cNvPr id="14" name="Group 13">
-            <a:extLst>
-              <a:ext uri="{FF2B5EF4-FFF2-40B4-BE49-F238E27FC236}">
-                <a16:creationId xmlns:a16="http://schemas.microsoft.com/office/drawing/2014/main" id="{846D6A0C-E2C3-43CB-83D0-B5F6221079CA}"/>
-              </a:ext>
-            </a:extLst>
-          </p:cNvPr>
+          <p:cNvPr id="14" name="Group 13"/>
           <p:cNvGrpSpPr/>
           <p:nvPr userDrawn="1"/>
         </p:nvGrpSpPr>
@@ -1617,13 +1507,7 @@
         </p:grpSpPr>
         <p:sp>
           <p:nvSpPr>
-            <p:cNvPr id="16" name="Rectangle 15">
-              <a:extLst>
-                <a:ext uri="{FF2B5EF4-FFF2-40B4-BE49-F238E27FC236}">
-                  <a16:creationId xmlns:a16="http://schemas.microsoft.com/office/drawing/2014/main" id="{EDC96296-0FBF-47A5-9D6A-5D9BB647A4D7}"/>
-                </a:ext>
-              </a:extLst>
-            </p:cNvPr>
+            <p:cNvPr id="16" name="Rectangle 15"/>
             <p:cNvSpPr/>
             <p:nvPr userDrawn="1"/>
           </p:nvSpPr>
@@ -1686,13 +1570,7 @@
         </p:sp>
         <p:sp>
           <p:nvSpPr>
-            <p:cNvPr id="15" name="Rectangle 14">
-              <a:extLst>
-                <a:ext uri="{FF2B5EF4-FFF2-40B4-BE49-F238E27FC236}">
-                  <a16:creationId xmlns:a16="http://schemas.microsoft.com/office/drawing/2014/main" id="{F997D03F-0BE2-458F-92A2-4FE73B0FBF51}"/>
-                </a:ext>
-              </a:extLst>
-            </p:cNvPr>
+            <p:cNvPr id="15" name="Rectangle 14"/>
             <p:cNvSpPr/>
             <p:nvPr userDrawn="1"/>
           </p:nvSpPr>
@@ -1738,13 +1616,7 @@
         </p:sp>
         <p:sp>
           <p:nvSpPr>
-            <p:cNvPr id="17" name="Rectangle 16">
-              <a:extLst>
-                <a:ext uri="{FF2B5EF4-FFF2-40B4-BE49-F238E27FC236}">
-                  <a16:creationId xmlns:a16="http://schemas.microsoft.com/office/drawing/2014/main" id="{53F17719-10FE-433E-9CCC-4509DE17F22A}"/>
-                </a:ext>
-              </a:extLst>
-            </p:cNvPr>
+            <p:cNvPr id="17" name="Rectangle 16"/>
             <p:cNvSpPr/>
             <p:nvPr userDrawn="1"/>
           </p:nvSpPr>
@@ -1791,13 +1663,7 @@
       </p:grpSp>
       <p:sp>
         <p:nvSpPr>
-          <p:cNvPr id="2" name="Title 1">
-            <a:extLst>
-              <a:ext uri="{FF2B5EF4-FFF2-40B4-BE49-F238E27FC236}">
-                <a16:creationId xmlns:a16="http://schemas.microsoft.com/office/drawing/2014/main" id="{0DE73F1A-AAF0-4EB4-8DF0-C152BD93C69B}"/>
-              </a:ext>
-            </a:extLst>
-          </p:cNvPr>
+          <p:cNvPr id="2" name="Title 1"/>
           <p:cNvSpPr>
             <a:spLocks noGrp="1"/>
           </p:cNvSpPr>
@@ -1837,18 +1703,13 @@
               <a:rPr lang="en-US" dirty="0"/>
               <a:t>Master title style</a:t>
             </a:r>
-          </a:p>
-        </p:txBody>
-      </p:sp>
-      <p:sp>
-        <p:nvSpPr>
-          <p:cNvPr id="3" name="Subtitle 2">
-            <a:extLst>
-              <a:ext uri="{FF2B5EF4-FFF2-40B4-BE49-F238E27FC236}">
-                <a16:creationId xmlns:a16="http://schemas.microsoft.com/office/drawing/2014/main" id="{A3075AE6-92D3-4205-B268-E1AD6C5901DE}"/>
-              </a:ext>
-            </a:extLst>
-          </p:cNvPr>
+            <a:endParaRPr lang="en-US" dirty="0"/>
+          </a:p>
+        </p:txBody>
+      </p:sp>
+      <p:sp>
+        <p:nvSpPr>
+          <p:cNvPr id="3" name="Subtitle 2"/>
           <p:cNvSpPr>
             <a:spLocks noGrp="1"/>
           </p:cNvSpPr>
@@ -1917,11 +1778,6 @@
         </p:txBody>
       </p:sp>
     </p:spTree>
-    <p:extLst>
-      <p:ext uri="{BB962C8B-B14F-4D97-AF65-F5344CB8AC3E}">
-        <p14:creationId xmlns:p14="http://schemas.microsoft.com/office/powerpoint/2010/main" val="24085"/>
-      </p:ext>
-    </p:extLst>
   </p:cSld>
   <p:clrMapOvr>
     <a:masterClrMapping/>
@@ -1948,13 +1804,7 @@
       </p:grpSpPr>
       <p:sp>
         <p:nvSpPr>
-          <p:cNvPr id="3" name="Content Placeholder 2">
-            <a:extLst>
-              <a:ext uri="{FF2B5EF4-FFF2-40B4-BE49-F238E27FC236}">
-                <a16:creationId xmlns:a16="http://schemas.microsoft.com/office/drawing/2014/main" id="{607D1B16-7058-45AD-9B19-E19CAF96683B}"/>
-              </a:ext>
-            </a:extLst>
-          </p:cNvPr>
+          <p:cNvPr id="3" name="Content Placeholder 2"/>
           <p:cNvSpPr>
             <a:spLocks noGrp="1"/>
           </p:cNvSpPr>
@@ -2013,6 +1863,7 @@
               <a:rPr lang="en-US"/>
               <a:t>Click to edit Master text styles</a:t>
             </a:r>
+            <a:endParaRPr lang="en-US"/>
           </a:p>
           <a:p>
             <a:pPr lvl="1"/>
@@ -2020,6 +1871,7 @@
               <a:rPr lang="en-US"/>
               <a:t>Second level</a:t>
             </a:r>
+            <a:endParaRPr lang="en-US"/>
           </a:p>
           <a:p>
             <a:pPr lvl="2"/>
@@ -2027,6 +1879,7 @@
               <a:rPr lang="en-US"/>
               <a:t>Third level</a:t>
             </a:r>
+            <a:endParaRPr lang="en-US"/>
           </a:p>
           <a:p>
             <a:pPr lvl="3"/>
@@ -2034,6 +1887,7 @@
               <a:rPr lang="en-US"/>
               <a:t>Fourth level</a:t>
             </a:r>
+            <a:endParaRPr lang="en-US"/>
           </a:p>
           <a:p>
             <a:pPr lvl="4"/>
@@ -2047,13 +1901,7 @@
       </p:sp>
       <p:sp>
         <p:nvSpPr>
-          <p:cNvPr id="7" name="Title 1">
-            <a:extLst>
-              <a:ext uri="{FF2B5EF4-FFF2-40B4-BE49-F238E27FC236}">
-                <a16:creationId xmlns:a16="http://schemas.microsoft.com/office/drawing/2014/main" id="{B44C8ED9-0534-4EC5-8080-49DFF65B3B51}"/>
-              </a:ext>
-            </a:extLst>
-          </p:cNvPr>
+          <p:cNvPr id="7" name="Title 1"/>
           <p:cNvSpPr>
             <a:spLocks noGrp="1"/>
           </p:cNvSpPr>
@@ -2086,18 +1934,13 @@
               <a:rPr lang="en-US" dirty="0"/>
               <a:t>CLICK TO EDIT MASTER TITLE STYLE</a:t>
             </a:r>
-          </a:p>
-        </p:txBody>
-      </p:sp>
-      <p:sp>
-        <p:nvSpPr>
-          <p:cNvPr id="6" name="Footer Placeholder 5">
-            <a:extLst>
-              <a:ext uri="{FF2B5EF4-FFF2-40B4-BE49-F238E27FC236}">
-                <a16:creationId xmlns:a16="http://schemas.microsoft.com/office/drawing/2014/main" id="{5BC6E0AC-4834-46AF-A953-9EE372259DE3}"/>
-              </a:ext>
-            </a:extLst>
-          </p:cNvPr>
+            <a:endParaRPr lang="en-US" dirty="0"/>
+          </a:p>
+        </p:txBody>
+      </p:sp>
+      <p:sp>
+        <p:nvSpPr>
+          <p:cNvPr id="6" name="Footer Placeholder 5"/>
           <p:cNvSpPr>
             <a:spLocks noGrp="1"/>
           </p:cNvSpPr>
@@ -2114,18 +1957,13 @@
               <a:rPr lang="en-US" dirty="0"/>
               <a:t>Add a Footer</a:t>
             </a:r>
-          </a:p>
-        </p:txBody>
-      </p:sp>
-      <p:sp>
-        <p:nvSpPr>
-          <p:cNvPr id="9" name="Slide Number Placeholder 8">
-            <a:extLst>
-              <a:ext uri="{FF2B5EF4-FFF2-40B4-BE49-F238E27FC236}">
-                <a16:creationId xmlns:a16="http://schemas.microsoft.com/office/drawing/2014/main" id="{0D4F2F3C-7D16-40A3-A7C1-77AE127D5D9A}"/>
-              </a:ext>
-            </a:extLst>
-          </p:cNvPr>
+            <a:endParaRPr lang="en-US" dirty="0"/>
+          </a:p>
+        </p:txBody>
+      </p:sp>
+      <p:sp>
+        <p:nvSpPr>
+          <p:cNvPr id="9" name="Slide Number Placeholder 8"/>
           <p:cNvSpPr>
             <a:spLocks noGrp="1"/>
           </p:cNvSpPr>
@@ -2140,19 +1978,12 @@
           <a:p>
             <a:fld id="{8C2E478F-E849-4A8C-AF1F-CBCC78A7CBFA}" type="slidenum">
               <a:rPr lang="en-US" smtClean="0"/>
-              <a:pPr/>
-              <a:t>‹#›</a:t>
             </a:fld>
             <a:endParaRPr lang="en-US" dirty="0"/>
           </a:p>
         </p:txBody>
       </p:sp>
     </p:spTree>
-    <p:extLst>
-      <p:ext uri="{BB962C8B-B14F-4D97-AF65-F5344CB8AC3E}">
-        <p14:creationId xmlns:p14="http://schemas.microsoft.com/office/powerpoint/2010/main" val="1756861273"/>
-      </p:ext>
-    </p:extLst>
   </p:cSld>
   <p:clrMapOvr>
     <a:masterClrMapping/>
@@ -2179,13 +2010,7 @@
       </p:grpSpPr>
       <p:grpSp>
         <p:nvGrpSpPr>
-          <p:cNvPr id="14" name="Group 13">
-            <a:extLst>
-              <a:ext uri="{FF2B5EF4-FFF2-40B4-BE49-F238E27FC236}">
-                <a16:creationId xmlns:a16="http://schemas.microsoft.com/office/drawing/2014/main" id="{7BF3BF7F-F094-497C-9310-2FE8B059E82B}"/>
-              </a:ext>
-            </a:extLst>
-          </p:cNvPr>
+          <p:cNvPr id="14" name="Group 13"/>
           <p:cNvGrpSpPr/>
           <p:nvPr userDrawn="1"/>
         </p:nvGrpSpPr>
@@ -2199,13 +2024,7 @@
         </p:grpSpPr>
         <p:sp>
           <p:nvSpPr>
-            <p:cNvPr id="15" name="Rectangle 14">
-              <a:extLst>
-                <a:ext uri="{FF2B5EF4-FFF2-40B4-BE49-F238E27FC236}">
-                  <a16:creationId xmlns:a16="http://schemas.microsoft.com/office/drawing/2014/main" id="{2D49E498-4E90-44A2-B49F-157DFF9E8581}"/>
-                </a:ext>
-              </a:extLst>
-            </p:cNvPr>
+            <p:cNvPr id="15" name="Rectangle 14"/>
             <p:cNvSpPr/>
             <p:nvPr/>
           </p:nvSpPr>
@@ -2268,13 +2087,7 @@
         </p:sp>
         <p:pic>
           <p:nvPicPr>
-            <p:cNvPr id="17" name="Graphic 16">
-              <a:extLst>
-                <a:ext uri="{FF2B5EF4-FFF2-40B4-BE49-F238E27FC236}">
-                  <a16:creationId xmlns:a16="http://schemas.microsoft.com/office/drawing/2014/main" id="{B2D9F108-8C30-4BEC-8122-BE2632644482}"/>
-                </a:ext>
-              </a:extLst>
-            </p:cNvPr>
+            <p:cNvPr id="17" name="Graphic 16"/>
             <p:cNvPicPr>
               <a:picLocks noChangeAspect="1"/>
             </p:cNvPicPr>
@@ -2304,13 +2117,7 @@
         </p:pic>
         <p:sp>
           <p:nvSpPr>
-            <p:cNvPr id="16" name="Rectangle 15">
-              <a:extLst>
-                <a:ext uri="{FF2B5EF4-FFF2-40B4-BE49-F238E27FC236}">
-                  <a16:creationId xmlns:a16="http://schemas.microsoft.com/office/drawing/2014/main" id="{FAB546B5-7C56-40DD-B1DF-AE850DE5FDB3}"/>
-                </a:ext>
-              </a:extLst>
-            </p:cNvPr>
+            <p:cNvPr id="16" name="Rectangle 15"/>
             <p:cNvSpPr/>
             <p:nvPr/>
           </p:nvSpPr>
@@ -2357,13 +2164,7 @@
       </p:grpSp>
       <p:sp>
         <p:nvSpPr>
-          <p:cNvPr id="8" name="Title 1">
-            <a:extLst>
-              <a:ext uri="{FF2B5EF4-FFF2-40B4-BE49-F238E27FC236}">
-                <a16:creationId xmlns:a16="http://schemas.microsoft.com/office/drawing/2014/main" id="{4C30FD01-9DD8-4ECA-AC52-7C41002A99B3}"/>
-              </a:ext>
-            </a:extLst>
-          </p:cNvPr>
+          <p:cNvPr id="8" name="Title 1"/>
           <p:cNvSpPr>
             <a:spLocks noGrp="1"/>
           </p:cNvSpPr>
@@ -2402,13 +2203,7 @@
       </p:sp>
       <p:sp>
         <p:nvSpPr>
-          <p:cNvPr id="2" name="Footer Placeholder 1">
-            <a:extLst>
-              <a:ext uri="{FF2B5EF4-FFF2-40B4-BE49-F238E27FC236}">
-                <a16:creationId xmlns:a16="http://schemas.microsoft.com/office/drawing/2014/main" id="{C5F17219-39C2-44C1-BFC9-BA0D7ACD78D1}"/>
-              </a:ext>
-            </a:extLst>
-          </p:cNvPr>
+          <p:cNvPr id="2" name="Footer Placeholder 1"/>
           <p:cNvSpPr>
             <a:spLocks noGrp="1"/>
           </p:cNvSpPr>
@@ -2425,18 +2220,13 @@
               <a:rPr lang="en-US" dirty="0"/>
               <a:t>Add a Footer</a:t>
             </a:r>
-          </a:p>
-        </p:txBody>
-      </p:sp>
-      <p:sp>
-        <p:nvSpPr>
-          <p:cNvPr id="3" name="Slide Number Placeholder 2">
-            <a:extLst>
-              <a:ext uri="{FF2B5EF4-FFF2-40B4-BE49-F238E27FC236}">
-                <a16:creationId xmlns:a16="http://schemas.microsoft.com/office/drawing/2014/main" id="{5087118E-1B0A-407B-BDCE-B343BC9F92E9}"/>
-              </a:ext>
-            </a:extLst>
-          </p:cNvPr>
+            <a:endParaRPr lang="en-US" dirty="0"/>
+          </a:p>
+        </p:txBody>
+      </p:sp>
+      <p:sp>
+        <p:nvSpPr>
+          <p:cNvPr id="3" name="Slide Number Placeholder 2"/>
           <p:cNvSpPr>
             <a:spLocks noGrp="1"/>
           </p:cNvSpPr>
@@ -2451,8 +2241,6 @@
           <a:p>
             <a:fld id="{8C2E478F-E849-4A8C-AF1F-CBCC78A7CBFA}" type="slidenum">
               <a:rPr lang="en-US" smtClean="0"/>
-              <a:pPr/>
-              <a:t>‹#›</a:t>
             </a:fld>
             <a:endParaRPr lang="en-US" dirty="0"/>
           </a:p>
@@ -2460,13 +2248,7 @@
       </p:sp>
       <p:sp>
         <p:nvSpPr>
-          <p:cNvPr id="11" name="Text Placeholder 2">
-            <a:extLst>
-              <a:ext uri="{FF2B5EF4-FFF2-40B4-BE49-F238E27FC236}">
-                <a16:creationId xmlns:a16="http://schemas.microsoft.com/office/drawing/2014/main" id="{CEC8E835-7291-427D-948E-B544E36AD129}"/>
-              </a:ext>
-            </a:extLst>
-          </p:cNvPr>
+          <p:cNvPr id="11" name="Text Placeholder 2"/>
           <p:cNvSpPr>
             <a:spLocks noGrp="1"/>
           </p:cNvSpPr>
@@ -2498,15 +2280,11 @@
               <a:rPr lang="en-US" dirty="0"/>
               <a:t>EDIT MASTER TEXT STYLES</a:t>
             </a:r>
+            <a:endParaRPr lang="en-US" dirty="0"/>
           </a:p>
         </p:txBody>
       </p:sp>
     </p:spTree>
-    <p:extLst>
-      <p:ext uri="{BB962C8B-B14F-4D97-AF65-F5344CB8AC3E}">
-        <p14:creationId xmlns:p14="http://schemas.microsoft.com/office/powerpoint/2010/main" val="808000053"/>
-      </p:ext>
-    </p:extLst>
   </p:cSld>
   <p:clrMapOvr>
     <a:masterClrMapping/>
@@ -2533,13 +2311,7 @@
       </p:grpSpPr>
       <p:sp>
         <p:nvSpPr>
-          <p:cNvPr id="18" name="Rectangle 17">
-            <a:extLst>
-              <a:ext uri="{FF2B5EF4-FFF2-40B4-BE49-F238E27FC236}">
-                <a16:creationId xmlns:a16="http://schemas.microsoft.com/office/drawing/2014/main" id="{6EDCBFD0-7AE5-4346-AD3A-01F956626091}"/>
-              </a:ext>
-            </a:extLst>
-          </p:cNvPr>
+          <p:cNvPr id="18" name="Rectangle 17"/>
           <p:cNvSpPr/>
           <p:nvPr userDrawn="1"/>
         </p:nvSpPr>
@@ -2585,13 +2357,7 @@
       </p:sp>
       <p:sp>
         <p:nvSpPr>
-          <p:cNvPr id="2" name="Title 1">
-            <a:extLst>
-              <a:ext uri="{FF2B5EF4-FFF2-40B4-BE49-F238E27FC236}">
-                <a16:creationId xmlns:a16="http://schemas.microsoft.com/office/drawing/2014/main" id="{A41F4A2F-9480-4E94-806C-5D65C71DFB9F}"/>
-              </a:ext>
-            </a:extLst>
-          </p:cNvPr>
+          <p:cNvPr id="2" name="Title 1"/>
           <p:cNvSpPr>
             <a:spLocks noGrp="1"/>
           </p:cNvSpPr>
@@ -2619,18 +2385,13 @@
               <a:rPr lang="en-US"/>
               <a:t>Click to edit Master title style</a:t>
             </a:r>
-          </a:p>
-        </p:txBody>
-      </p:sp>
-      <p:sp>
-        <p:nvSpPr>
-          <p:cNvPr id="17" name="Rectangle 16">
-            <a:extLst>
-              <a:ext uri="{FF2B5EF4-FFF2-40B4-BE49-F238E27FC236}">
-                <a16:creationId xmlns:a16="http://schemas.microsoft.com/office/drawing/2014/main" id="{CC3A4379-5E89-42FE-AA5C-BEA0CDFCDD6F}"/>
-              </a:ext>
-            </a:extLst>
-          </p:cNvPr>
+            <a:endParaRPr lang="en-US"/>
+          </a:p>
+        </p:txBody>
+      </p:sp>
+      <p:sp>
+        <p:nvSpPr>
+          <p:cNvPr id="17" name="Rectangle 16"/>
           <p:cNvSpPr/>
           <p:nvPr userDrawn="1"/>
         </p:nvSpPr>
@@ -2693,13 +2454,7 @@
       </p:sp>
       <p:sp>
         <p:nvSpPr>
-          <p:cNvPr id="5" name="Footer Placeholder 4">
-            <a:extLst>
-              <a:ext uri="{FF2B5EF4-FFF2-40B4-BE49-F238E27FC236}">
-                <a16:creationId xmlns:a16="http://schemas.microsoft.com/office/drawing/2014/main" id="{750DA028-023B-4883-9A48-70FD7A2E5226}"/>
-              </a:ext>
-            </a:extLst>
-          </p:cNvPr>
+          <p:cNvPr id="5" name="Footer Placeholder 4"/>
           <p:cNvSpPr>
             <a:spLocks noGrp="1"/>
           </p:cNvSpPr>
@@ -2716,18 +2471,13 @@
               <a:rPr lang="en-US" dirty="0"/>
               <a:t>Add a Footer</a:t>
             </a:r>
-          </a:p>
-        </p:txBody>
-      </p:sp>
-      <p:sp>
-        <p:nvSpPr>
-          <p:cNvPr id="13" name="Rectangle 12">
-            <a:extLst>
-              <a:ext uri="{FF2B5EF4-FFF2-40B4-BE49-F238E27FC236}">
-                <a16:creationId xmlns:a16="http://schemas.microsoft.com/office/drawing/2014/main" id="{7EA625CC-388D-4655-BFA6-2CC4FD9E889D}"/>
-              </a:ext>
-            </a:extLst>
-          </p:cNvPr>
+            <a:endParaRPr lang="en-US" dirty="0"/>
+          </a:p>
+        </p:txBody>
+      </p:sp>
+      <p:sp>
+        <p:nvSpPr>
+          <p:cNvPr id="13" name="Rectangle 12"/>
           <p:cNvSpPr/>
           <p:nvPr userDrawn="1"/>
         </p:nvSpPr>
@@ -2773,13 +2523,7 @@
       </p:sp>
       <p:sp>
         <p:nvSpPr>
-          <p:cNvPr id="6" name="Slide Number Placeholder 5">
-            <a:extLst>
-              <a:ext uri="{FF2B5EF4-FFF2-40B4-BE49-F238E27FC236}">
-                <a16:creationId xmlns:a16="http://schemas.microsoft.com/office/drawing/2014/main" id="{492AA6DE-6D7A-4135-8B9F-99A91527F21D}"/>
-              </a:ext>
-            </a:extLst>
-          </p:cNvPr>
+          <p:cNvPr id="6" name="Slide Number Placeholder 5"/>
           <p:cNvSpPr>
             <a:spLocks noGrp="1"/>
           </p:cNvSpPr>
@@ -2794,8 +2538,6 @@
           <a:p>
             <a:fld id="{8C2E478F-E849-4A8C-AF1F-CBCC78A7CBFA}" type="slidenum">
               <a:rPr lang="en-US" smtClean="0"/>
-              <a:pPr/>
-              <a:t>‹#›</a:t>
             </a:fld>
             <a:endParaRPr lang="en-US" dirty="0"/>
           </a:p>
@@ -2803,13 +2545,7 @@
       </p:sp>
       <p:sp>
         <p:nvSpPr>
-          <p:cNvPr id="16" name="Content Placeholder 2">
-            <a:extLst>
-              <a:ext uri="{FF2B5EF4-FFF2-40B4-BE49-F238E27FC236}">
-                <a16:creationId xmlns:a16="http://schemas.microsoft.com/office/drawing/2014/main" id="{E20B4D13-5F10-4886-AF0F-09B6ABB5C3BF}"/>
-              </a:ext>
-            </a:extLst>
-          </p:cNvPr>
+          <p:cNvPr id="16" name="Content Placeholder 2"/>
           <p:cNvSpPr>
             <a:spLocks noGrp="1"/>
           </p:cNvSpPr>
@@ -2854,6 +2590,7 @@
               <a:rPr lang="en-US"/>
               <a:t>Click to edit Master text styles</a:t>
             </a:r>
+            <a:endParaRPr lang="en-US"/>
           </a:p>
           <a:p>
             <a:pPr lvl="1">
@@ -2865,6 +2602,7 @@
               <a:rPr lang="en-US"/>
               <a:t>Second level</a:t>
             </a:r>
+            <a:endParaRPr lang="en-US"/>
           </a:p>
           <a:p>
             <a:pPr lvl="2">
@@ -2876,6 +2614,7 @@
               <a:rPr lang="en-US"/>
               <a:t>Third level</a:t>
             </a:r>
+            <a:endParaRPr lang="en-US"/>
           </a:p>
           <a:p>
             <a:pPr lvl="3">
@@ -2887,6 +2626,7 @@
               <a:rPr lang="en-US"/>
               <a:t>Fourth level</a:t>
             </a:r>
+            <a:endParaRPr lang="en-US"/>
           </a:p>
           <a:p>
             <a:pPr lvl="4">
@@ -2904,13 +2644,7 @@
       </p:sp>
       <p:sp>
         <p:nvSpPr>
-          <p:cNvPr id="19" name="Content Placeholder 3">
-            <a:extLst>
-              <a:ext uri="{FF2B5EF4-FFF2-40B4-BE49-F238E27FC236}">
-                <a16:creationId xmlns:a16="http://schemas.microsoft.com/office/drawing/2014/main" id="{EE7BCAD4-8DB6-482F-8DC0-F6D653F92219}"/>
-              </a:ext>
-            </a:extLst>
-          </p:cNvPr>
+          <p:cNvPr id="19" name="Content Placeholder 3"/>
           <p:cNvSpPr>
             <a:spLocks noGrp="1"/>
           </p:cNvSpPr>
@@ -2955,6 +2689,7 @@
               <a:rPr lang="en-US"/>
               <a:t>Click to edit Master text styles</a:t>
             </a:r>
+            <a:endParaRPr lang="en-US"/>
           </a:p>
           <a:p>
             <a:pPr lvl="1">
@@ -2966,6 +2701,7 @@
               <a:rPr lang="en-US"/>
               <a:t>Second level</a:t>
             </a:r>
+            <a:endParaRPr lang="en-US"/>
           </a:p>
           <a:p>
             <a:pPr lvl="2">
@@ -2977,6 +2713,7 @@
               <a:rPr lang="en-US"/>
               <a:t>Third level</a:t>
             </a:r>
+            <a:endParaRPr lang="en-US"/>
           </a:p>
           <a:p>
             <a:pPr lvl="3">
@@ -2988,6 +2725,7 @@
               <a:rPr lang="en-US"/>
               <a:t>Fourth level</a:t>
             </a:r>
+            <a:endParaRPr lang="en-US"/>
           </a:p>
           <a:p>
             <a:pPr lvl="4">
@@ -3004,11 +2742,6 @@
         </p:txBody>
       </p:sp>
     </p:spTree>
-    <p:extLst>
-      <p:ext uri="{BB962C8B-B14F-4D97-AF65-F5344CB8AC3E}">
-        <p14:creationId xmlns:p14="http://schemas.microsoft.com/office/powerpoint/2010/main" val="3815244884"/>
-      </p:ext>
-    </p:extLst>
   </p:cSld>
   <p:clrMapOvr>
     <a:masterClrMapping/>
@@ -3035,13 +2768,7 @@
       </p:grpSpPr>
       <p:sp>
         <p:nvSpPr>
-          <p:cNvPr id="3" name="Text Placeholder 2">
-            <a:extLst>
-              <a:ext uri="{FF2B5EF4-FFF2-40B4-BE49-F238E27FC236}">
-                <a16:creationId xmlns:a16="http://schemas.microsoft.com/office/drawing/2014/main" id="{CF38A5A1-070F-43C9-B2D5-C557B0D72B9C}"/>
-              </a:ext>
-            </a:extLst>
-          </p:cNvPr>
+          <p:cNvPr id="3" name="Text Placeholder 2"/>
           <p:cNvSpPr>
             <a:spLocks noGrp="1"/>
           </p:cNvSpPr>
@@ -3109,18 +2836,13 @@
               <a:rPr lang="en-US"/>
               <a:t>Click to edit Master text styles</a:t>
             </a:r>
-          </a:p>
-        </p:txBody>
-      </p:sp>
-      <p:sp>
-        <p:nvSpPr>
-          <p:cNvPr id="4" name="Content Placeholder 3">
-            <a:extLst>
-              <a:ext uri="{FF2B5EF4-FFF2-40B4-BE49-F238E27FC236}">
-                <a16:creationId xmlns:a16="http://schemas.microsoft.com/office/drawing/2014/main" id="{FECCBEC1-2F48-4E90-ADF0-BEE2B9E477B0}"/>
-              </a:ext>
-            </a:extLst>
-          </p:cNvPr>
+            <a:endParaRPr lang="en-US"/>
+          </a:p>
+        </p:txBody>
+      </p:sp>
+      <p:sp>
+        <p:nvSpPr>
+          <p:cNvPr id="4" name="Content Placeholder 3"/>
           <p:cNvSpPr>
             <a:spLocks noGrp="1"/>
           </p:cNvSpPr>
@@ -3196,6 +2918,7 @@
               <a:rPr lang="en-US"/>
               <a:t>Click to edit Master text styles</a:t>
             </a:r>
+            <a:endParaRPr lang="en-US"/>
           </a:p>
           <a:p>
             <a:pPr lvl="1"/>
@@ -3203,6 +2926,7 @@
               <a:rPr lang="en-US"/>
               <a:t>Second level</a:t>
             </a:r>
+            <a:endParaRPr lang="en-US"/>
           </a:p>
           <a:p>
             <a:pPr lvl="2"/>
@@ -3210,6 +2934,7 @@
               <a:rPr lang="en-US"/>
               <a:t>Third level</a:t>
             </a:r>
+            <a:endParaRPr lang="en-US"/>
           </a:p>
           <a:p>
             <a:pPr lvl="3"/>
@@ -3217,6 +2942,7 @@
               <a:rPr lang="en-US"/>
               <a:t>Fourth level</a:t>
             </a:r>
+            <a:endParaRPr lang="en-US"/>
           </a:p>
           <a:p>
             <a:pPr lvl="4"/>
@@ -3230,13 +2956,7 @@
       </p:sp>
       <p:sp>
         <p:nvSpPr>
-          <p:cNvPr id="18" name="Rectangle 17">
-            <a:extLst>
-              <a:ext uri="{FF2B5EF4-FFF2-40B4-BE49-F238E27FC236}">
-                <a16:creationId xmlns:a16="http://schemas.microsoft.com/office/drawing/2014/main" id="{6EDCBFD0-7AE5-4346-AD3A-01F956626091}"/>
-              </a:ext>
-            </a:extLst>
-          </p:cNvPr>
+          <p:cNvPr id="18" name="Rectangle 17"/>
           <p:cNvSpPr/>
           <p:nvPr userDrawn="1"/>
         </p:nvSpPr>
@@ -3282,13 +3002,7 @@
       </p:sp>
       <p:sp>
         <p:nvSpPr>
-          <p:cNvPr id="2" name="Title 1">
-            <a:extLst>
-              <a:ext uri="{FF2B5EF4-FFF2-40B4-BE49-F238E27FC236}">
-                <a16:creationId xmlns:a16="http://schemas.microsoft.com/office/drawing/2014/main" id="{A41F4A2F-9480-4E94-806C-5D65C71DFB9F}"/>
-              </a:ext>
-            </a:extLst>
-          </p:cNvPr>
+          <p:cNvPr id="2" name="Title 1"/>
           <p:cNvSpPr>
             <a:spLocks noGrp="1"/>
           </p:cNvSpPr>
@@ -3316,18 +3030,13 @@
               <a:rPr lang="en-US"/>
               <a:t>Click to edit Master title style</a:t>
             </a:r>
-          </a:p>
-        </p:txBody>
-      </p:sp>
-      <p:sp>
-        <p:nvSpPr>
-          <p:cNvPr id="17" name="Rectangle 16">
-            <a:extLst>
-              <a:ext uri="{FF2B5EF4-FFF2-40B4-BE49-F238E27FC236}">
-                <a16:creationId xmlns:a16="http://schemas.microsoft.com/office/drawing/2014/main" id="{CC3A4379-5E89-42FE-AA5C-BEA0CDFCDD6F}"/>
-              </a:ext>
-            </a:extLst>
-          </p:cNvPr>
+            <a:endParaRPr lang="en-US"/>
+          </a:p>
+        </p:txBody>
+      </p:sp>
+      <p:sp>
+        <p:nvSpPr>
+          <p:cNvPr id="17" name="Rectangle 16"/>
           <p:cNvSpPr/>
           <p:nvPr userDrawn="1"/>
         </p:nvSpPr>
@@ -3390,13 +3099,7 @@
       </p:sp>
       <p:sp>
         <p:nvSpPr>
-          <p:cNvPr id="5" name="Footer Placeholder 4">
-            <a:extLst>
-              <a:ext uri="{FF2B5EF4-FFF2-40B4-BE49-F238E27FC236}">
-                <a16:creationId xmlns:a16="http://schemas.microsoft.com/office/drawing/2014/main" id="{750DA028-023B-4883-9A48-70FD7A2E5226}"/>
-              </a:ext>
-            </a:extLst>
-          </p:cNvPr>
+          <p:cNvPr id="5" name="Footer Placeholder 4"/>
           <p:cNvSpPr>
             <a:spLocks noGrp="1"/>
           </p:cNvSpPr>
@@ -3413,18 +3116,13 @@
               <a:rPr lang="en-US" dirty="0"/>
               <a:t>Add a Footer</a:t>
             </a:r>
-          </a:p>
-        </p:txBody>
-      </p:sp>
-      <p:sp>
-        <p:nvSpPr>
-          <p:cNvPr id="13" name="Rectangle 12">
-            <a:extLst>
-              <a:ext uri="{FF2B5EF4-FFF2-40B4-BE49-F238E27FC236}">
-                <a16:creationId xmlns:a16="http://schemas.microsoft.com/office/drawing/2014/main" id="{7EA625CC-388D-4655-BFA6-2CC4FD9E889D}"/>
-              </a:ext>
-            </a:extLst>
-          </p:cNvPr>
+            <a:endParaRPr lang="en-US" dirty="0"/>
+          </a:p>
+        </p:txBody>
+      </p:sp>
+      <p:sp>
+        <p:nvSpPr>
+          <p:cNvPr id="13" name="Rectangle 12"/>
           <p:cNvSpPr/>
           <p:nvPr userDrawn="1"/>
         </p:nvSpPr>
@@ -3470,13 +3168,7 @@
       </p:sp>
       <p:sp>
         <p:nvSpPr>
-          <p:cNvPr id="6" name="Slide Number Placeholder 5">
-            <a:extLst>
-              <a:ext uri="{FF2B5EF4-FFF2-40B4-BE49-F238E27FC236}">
-                <a16:creationId xmlns:a16="http://schemas.microsoft.com/office/drawing/2014/main" id="{492AA6DE-6D7A-4135-8B9F-99A91527F21D}"/>
-              </a:ext>
-            </a:extLst>
-          </p:cNvPr>
+          <p:cNvPr id="6" name="Slide Number Placeholder 5"/>
           <p:cNvSpPr>
             <a:spLocks noGrp="1"/>
           </p:cNvSpPr>
@@ -3491,8 +3183,6 @@
           <a:p>
             <a:fld id="{8C2E478F-E849-4A8C-AF1F-CBCC78A7CBFA}" type="slidenum">
               <a:rPr lang="en-US" smtClean="0"/>
-              <a:pPr/>
-              <a:t>‹#›</a:t>
             </a:fld>
             <a:endParaRPr lang="en-US" dirty="0"/>
           </a:p>
@@ -3500,13 +3190,7 @@
       </p:sp>
       <p:sp>
         <p:nvSpPr>
-          <p:cNvPr id="14" name="Text Placeholder 4">
-            <a:extLst>
-              <a:ext uri="{FF2B5EF4-FFF2-40B4-BE49-F238E27FC236}">
-                <a16:creationId xmlns:a16="http://schemas.microsoft.com/office/drawing/2014/main" id="{17A78D63-E00C-4155-A5B2-B3431A09ACB4}"/>
-              </a:ext>
-            </a:extLst>
-          </p:cNvPr>
+          <p:cNvPr id="14" name="Text Placeholder 4"/>
           <p:cNvSpPr>
             <a:spLocks noGrp="1"/>
           </p:cNvSpPr>
@@ -3541,18 +3225,13 @@
               <a:rPr lang="en-US"/>
               <a:t>Click to edit Master text styles</a:t>
             </a:r>
-          </a:p>
-        </p:txBody>
-      </p:sp>
-      <p:sp>
-        <p:nvSpPr>
-          <p:cNvPr id="15" name="Content Placeholder 5">
-            <a:extLst>
-              <a:ext uri="{FF2B5EF4-FFF2-40B4-BE49-F238E27FC236}">
-                <a16:creationId xmlns:a16="http://schemas.microsoft.com/office/drawing/2014/main" id="{60C17447-B870-4054-B568-8B6B321EC5B7}"/>
-              </a:ext>
-            </a:extLst>
-          </p:cNvPr>
+            <a:endParaRPr lang="en-US"/>
+          </a:p>
+        </p:txBody>
+      </p:sp>
+      <p:sp>
+        <p:nvSpPr>
+          <p:cNvPr id="15" name="Content Placeholder 5"/>
           <p:cNvSpPr>
             <a:spLocks noGrp="1"/>
           </p:cNvSpPr>
@@ -3609,6 +3288,7 @@
               <a:rPr lang="en-US"/>
               <a:t>Click to edit Master text styles</a:t>
             </a:r>
+            <a:endParaRPr lang="en-US"/>
           </a:p>
           <a:p>
             <a:pPr marL="228600" lvl="1" indent="-228600" algn="l" defTabSz="914400" rtl="0" eaLnBrk="1" latinLnBrk="0" hangingPunct="1">
@@ -3625,6 +3305,7 @@
               <a:rPr lang="en-US"/>
               <a:t>Second level</a:t>
             </a:r>
+            <a:endParaRPr lang="en-US"/>
           </a:p>
           <a:p>
             <a:pPr marL="228600" lvl="2" indent="-228600" algn="l" defTabSz="914400" rtl="0" eaLnBrk="1" latinLnBrk="0" hangingPunct="1">
@@ -3641,6 +3322,7 @@
               <a:rPr lang="en-US"/>
               <a:t>Third level</a:t>
             </a:r>
+            <a:endParaRPr lang="en-US"/>
           </a:p>
           <a:p>
             <a:pPr marL="228600" lvl="3" indent="-228600" algn="l" defTabSz="914400" rtl="0" eaLnBrk="1" latinLnBrk="0" hangingPunct="1">
@@ -3657,6 +3339,7 @@
               <a:rPr lang="en-US"/>
               <a:t>Fourth level</a:t>
             </a:r>
+            <a:endParaRPr lang="en-US"/>
           </a:p>
           <a:p>
             <a:pPr marL="228600" lvl="4" indent="-228600" algn="l" defTabSz="914400" rtl="0" eaLnBrk="1" latinLnBrk="0" hangingPunct="1">
@@ -3678,11 +3361,6 @@
         </p:txBody>
       </p:sp>
     </p:spTree>
-    <p:extLst>
-      <p:ext uri="{BB962C8B-B14F-4D97-AF65-F5344CB8AC3E}">
-        <p14:creationId xmlns:p14="http://schemas.microsoft.com/office/powerpoint/2010/main" val="1696335949"/>
-      </p:ext>
-    </p:extLst>
   </p:cSld>
   <p:clrMapOvr>
     <a:masterClrMapping/>
@@ -3709,13 +3387,7 @@
       </p:grpSpPr>
       <p:sp>
         <p:nvSpPr>
-          <p:cNvPr id="8" name="Footer Placeholder 7">
-            <a:extLst>
-              <a:ext uri="{FF2B5EF4-FFF2-40B4-BE49-F238E27FC236}">
-                <a16:creationId xmlns:a16="http://schemas.microsoft.com/office/drawing/2014/main" id="{9B7F3105-8D8F-4FF3-9A7F-0F067BB810A1}"/>
-              </a:ext>
-            </a:extLst>
-          </p:cNvPr>
+          <p:cNvPr id="8" name="Footer Placeholder 7"/>
           <p:cNvSpPr>
             <a:spLocks noGrp="1"/>
           </p:cNvSpPr>
@@ -3732,18 +3404,13 @@
               <a:rPr lang="en-US" dirty="0"/>
               <a:t>Add a Footer</a:t>
             </a:r>
-          </a:p>
-        </p:txBody>
-      </p:sp>
-      <p:sp>
-        <p:nvSpPr>
-          <p:cNvPr id="9" name="Slide Number Placeholder 8">
-            <a:extLst>
-              <a:ext uri="{FF2B5EF4-FFF2-40B4-BE49-F238E27FC236}">
-                <a16:creationId xmlns:a16="http://schemas.microsoft.com/office/drawing/2014/main" id="{BD117255-8347-4647-9EA2-7ED06A73C1A2}"/>
-              </a:ext>
-            </a:extLst>
-          </p:cNvPr>
+            <a:endParaRPr lang="en-US" dirty="0"/>
+          </a:p>
+        </p:txBody>
+      </p:sp>
+      <p:sp>
+        <p:nvSpPr>
+          <p:cNvPr id="9" name="Slide Number Placeholder 8"/>
           <p:cNvSpPr>
             <a:spLocks noGrp="1"/>
           </p:cNvSpPr>
@@ -3758,8 +3425,6 @@
           <a:p>
             <a:fld id="{8C2E478F-E849-4A8C-AF1F-CBCC78A7CBFA}" type="slidenum">
               <a:rPr lang="en-US" smtClean="0"/>
-              <a:pPr/>
-              <a:t>‹#›</a:t>
             </a:fld>
             <a:endParaRPr lang="en-US" dirty="0"/>
           </a:p>
@@ -3767,13 +3432,7 @@
       </p:sp>
       <p:sp>
         <p:nvSpPr>
-          <p:cNvPr id="11" name="Content Placeholder 2">
-            <a:extLst>
-              <a:ext uri="{FF2B5EF4-FFF2-40B4-BE49-F238E27FC236}">
-                <a16:creationId xmlns:a16="http://schemas.microsoft.com/office/drawing/2014/main" id="{9F3E8482-B43D-4B69-8645-6B735F91B920}"/>
-              </a:ext>
-            </a:extLst>
-          </p:cNvPr>
+          <p:cNvPr id="11" name="Content Placeholder 2"/>
           <p:cNvSpPr>
             <a:spLocks noGrp="1"/>
           </p:cNvSpPr>
@@ -3826,6 +3485,7 @@
               <a:rPr lang="en-US"/>
               <a:t>Click to edit Master text styles</a:t>
             </a:r>
+            <a:endParaRPr lang="en-US"/>
           </a:p>
           <a:p>
             <a:pPr lvl="1"/>
@@ -3833,6 +3493,7 @@
               <a:rPr lang="en-US"/>
               <a:t>Second level</a:t>
             </a:r>
+            <a:endParaRPr lang="en-US"/>
           </a:p>
           <a:p>
             <a:pPr lvl="2"/>
@@ -3840,6 +3501,7 @@
               <a:rPr lang="en-US"/>
               <a:t>Third level</a:t>
             </a:r>
+            <a:endParaRPr lang="en-US"/>
           </a:p>
           <a:p>
             <a:pPr lvl="3"/>
@@ -3847,6 +3509,7 @@
               <a:rPr lang="en-US"/>
               <a:t>Fourth level</a:t>
             </a:r>
+            <a:endParaRPr lang="en-US"/>
           </a:p>
           <a:p>
             <a:pPr lvl="4"/>
@@ -3860,13 +3523,7 @@
       </p:sp>
       <p:sp>
         <p:nvSpPr>
-          <p:cNvPr id="12" name="Rectangle 11">
-            <a:extLst>
-              <a:ext uri="{FF2B5EF4-FFF2-40B4-BE49-F238E27FC236}">
-                <a16:creationId xmlns:a16="http://schemas.microsoft.com/office/drawing/2014/main" id="{5DDDD410-5ABA-46A5-B282-F37437EFB673}"/>
-              </a:ext>
-            </a:extLst>
-          </p:cNvPr>
+          <p:cNvPr id="12" name="Rectangle 11"/>
           <p:cNvSpPr/>
           <p:nvPr userDrawn="1"/>
         </p:nvSpPr>
@@ -3929,13 +3586,7 @@
       </p:sp>
       <p:sp>
         <p:nvSpPr>
-          <p:cNvPr id="15" name="Rectangle 14">
-            <a:extLst>
-              <a:ext uri="{FF2B5EF4-FFF2-40B4-BE49-F238E27FC236}">
-                <a16:creationId xmlns:a16="http://schemas.microsoft.com/office/drawing/2014/main" id="{D9BC9CBF-CF7B-4E39-9FD1-961882EC596A}"/>
-              </a:ext>
-            </a:extLst>
-          </p:cNvPr>
+          <p:cNvPr id="15" name="Rectangle 14"/>
           <p:cNvSpPr/>
           <p:nvPr userDrawn="1"/>
         </p:nvSpPr>
@@ -3981,13 +3632,7 @@
       </p:sp>
       <p:grpSp>
         <p:nvGrpSpPr>
-          <p:cNvPr id="16" name="Group 15">
-            <a:extLst>
-              <a:ext uri="{FF2B5EF4-FFF2-40B4-BE49-F238E27FC236}">
-                <a16:creationId xmlns:a16="http://schemas.microsoft.com/office/drawing/2014/main" id="{97A3D921-B9D5-42DC-9037-298968D94C95}"/>
-              </a:ext>
-            </a:extLst>
-          </p:cNvPr>
+          <p:cNvPr id="16" name="Group 15"/>
           <p:cNvGrpSpPr/>
           <p:nvPr userDrawn="1"/>
         </p:nvGrpSpPr>
@@ -4001,13 +3646,7 @@
         </p:grpSpPr>
         <p:sp>
           <p:nvSpPr>
-            <p:cNvPr id="17" name="Rectangle 16">
-              <a:extLst>
-                <a:ext uri="{FF2B5EF4-FFF2-40B4-BE49-F238E27FC236}">
-                  <a16:creationId xmlns:a16="http://schemas.microsoft.com/office/drawing/2014/main" id="{9BDB1890-91F2-49FC-B0F4-3F3FF11B6A1A}"/>
-                </a:ext>
-              </a:extLst>
-            </p:cNvPr>
+            <p:cNvPr id="17" name="Rectangle 16"/>
             <p:cNvSpPr/>
             <p:nvPr userDrawn="1"/>
           </p:nvSpPr>
@@ -4070,13 +3709,7 @@
         </p:sp>
         <p:sp>
           <p:nvSpPr>
-            <p:cNvPr id="18" name="Rectangle 17">
-              <a:extLst>
-                <a:ext uri="{FF2B5EF4-FFF2-40B4-BE49-F238E27FC236}">
-                  <a16:creationId xmlns:a16="http://schemas.microsoft.com/office/drawing/2014/main" id="{6A62F937-16D4-4A6C-B247-D0A62BC6560D}"/>
-                </a:ext>
-              </a:extLst>
-            </p:cNvPr>
+            <p:cNvPr id="18" name="Rectangle 17"/>
             <p:cNvSpPr/>
             <p:nvPr userDrawn="1"/>
           </p:nvSpPr>
@@ -4122,13 +3755,7 @@
         </p:sp>
         <p:sp>
           <p:nvSpPr>
-            <p:cNvPr id="19" name="Rectangle 18">
-              <a:extLst>
-                <a:ext uri="{FF2B5EF4-FFF2-40B4-BE49-F238E27FC236}">
-                  <a16:creationId xmlns:a16="http://schemas.microsoft.com/office/drawing/2014/main" id="{B9335681-5A6F-48BE-8160-2000D0F242FB}"/>
-                </a:ext>
-              </a:extLst>
-            </p:cNvPr>
+            <p:cNvPr id="19" name="Rectangle 18"/>
             <p:cNvSpPr/>
             <p:nvPr userDrawn="1"/>
           </p:nvSpPr>
@@ -4175,13 +3802,7 @@
       </p:grpSp>
       <p:sp>
         <p:nvSpPr>
-          <p:cNvPr id="4" name="Text Placeholder 3">
-            <a:extLst>
-              <a:ext uri="{FF2B5EF4-FFF2-40B4-BE49-F238E27FC236}">
-                <a16:creationId xmlns:a16="http://schemas.microsoft.com/office/drawing/2014/main" id="{F41E2B8D-1C12-403F-BE59-ECC565466CB0}"/>
-              </a:ext>
-            </a:extLst>
-          </p:cNvPr>
+          <p:cNvPr id="4" name="Text Placeholder 3"/>
           <p:cNvSpPr>
             <a:spLocks noGrp="1"/>
           </p:cNvSpPr>
@@ -4248,18 +3869,13 @@
               <a:rPr lang="en-US"/>
               <a:t>Click to edit Master text styles</a:t>
             </a:r>
-          </a:p>
-        </p:txBody>
-      </p:sp>
-      <p:sp>
-        <p:nvSpPr>
-          <p:cNvPr id="2" name="Title 1">
-            <a:extLst>
-              <a:ext uri="{FF2B5EF4-FFF2-40B4-BE49-F238E27FC236}">
-                <a16:creationId xmlns:a16="http://schemas.microsoft.com/office/drawing/2014/main" id="{9AF0F519-65FC-434F-8F2F-F778A20A82ED}"/>
-              </a:ext>
-            </a:extLst>
-          </p:cNvPr>
+            <a:endParaRPr lang="en-US"/>
+          </a:p>
+        </p:txBody>
+      </p:sp>
+      <p:sp>
+        <p:nvSpPr>
+          <p:cNvPr id="2" name="Title 1"/>
           <p:cNvSpPr>
             <a:spLocks noGrp="1"/>
           </p:cNvSpPr>
@@ -4295,11 +3911,6 @@
         </p:txBody>
       </p:sp>
     </p:spTree>
-    <p:extLst>
-      <p:ext uri="{BB962C8B-B14F-4D97-AF65-F5344CB8AC3E}">
-        <p14:creationId xmlns:p14="http://schemas.microsoft.com/office/powerpoint/2010/main" val="427291532"/>
-      </p:ext>
-    </p:extLst>
   </p:cSld>
   <p:clrMapOvr>
     <a:masterClrMapping/>
@@ -4326,13 +3937,7 @@
       </p:grpSpPr>
       <p:sp>
         <p:nvSpPr>
-          <p:cNvPr id="6" name="Footer Placeholder 5">
-            <a:extLst>
-              <a:ext uri="{FF2B5EF4-FFF2-40B4-BE49-F238E27FC236}">
-                <a16:creationId xmlns:a16="http://schemas.microsoft.com/office/drawing/2014/main" id="{5356FC21-A32D-44DC-BED7-08CEBB3B9090}"/>
-              </a:ext>
-            </a:extLst>
-          </p:cNvPr>
+          <p:cNvPr id="6" name="Footer Placeholder 5"/>
           <p:cNvSpPr>
             <a:spLocks noGrp="1"/>
           </p:cNvSpPr>
@@ -4349,18 +3954,13 @@
               <a:rPr lang="en-US" noProof="0"/>
               <a:t>Add a Footer</a:t>
             </a:r>
-          </a:p>
-        </p:txBody>
-      </p:sp>
-      <p:sp>
-        <p:nvSpPr>
-          <p:cNvPr id="2" name="Slide Number Placeholder 1">
-            <a:extLst>
-              <a:ext uri="{FF2B5EF4-FFF2-40B4-BE49-F238E27FC236}">
-                <a16:creationId xmlns:a16="http://schemas.microsoft.com/office/drawing/2014/main" id="{34A85DE8-81C6-4A53-8754-137A795CA5EA}"/>
-              </a:ext>
-            </a:extLst>
-          </p:cNvPr>
+            <a:endParaRPr lang="en-US" noProof="0"/>
+          </a:p>
+        </p:txBody>
+      </p:sp>
+      <p:sp>
+        <p:nvSpPr>
+          <p:cNvPr id="2" name="Slide Number Placeholder 1"/>
           <p:cNvSpPr>
             <a:spLocks noGrp="1"/>
           </p:cNvSpPr>
@@ -4375,8 +3975,6 @@
           <a:p>
             <a:fld id="{8C2E478F-E849-4A8C-AF1F-CBCC78A7CBFA}" type="slidenum">
               <a:rPr lang="en-US" noProof="0" smtClean="0"/>
-              <a:pPr/>
-              <a:t>‹#›</a:t>
             </a:fld>
             <a:endParaRPr lang="en-US" noProof="0"/>
           </a:p>
@@ -4384,13 +3982,7 @@
       </p:sp>
       <p:sp>
         <p:nvSpPr>
-          <p:cNvPr id="3" name="Title 2">
-            <a:extLst>
-              <a:ext uri="{FF2B5EF4-FFF2-40B4-BE49-F238E27FC236}">
-                <a16:creationId xmlns:a16="http://schemas.microsoft.com/office/drawing/2014/main" id="{0A66073F-5CD2-4EAC-890A-F6BB43D2BD67}"/>
-              </a:ext>
-            </a:extLst>
-          </p:cNvPr>
+          <p:cNvPr id="3" name="Title 2"/>
           <p:cNvSpPr>
             <a:spLocks noGrp="1"/>
           </p:cNvSpPr>
@@ -4407,15 +3999,11 @@
               <a:rPr lang="en-US" noProof="0"/>
               <a:t>Click to edit Master title style</a:t>
             </a:r>
+            <a:endParaRPr lang="en-US" noProof="0"/>
           </a:p>
         </p:txBody>
       </p:sp>
     </p:spTree>
-    <p:extLst>
-      <p:ext uri="{BB962C8B-B14F-4D97-AF65-F5344CB8AC3E}">
-        <p14:creationId xmlns:p14="http://schemas.microsoft.com/office/powerpoint/2010/main" val="149817164"/>
-      </p:ext>
-    </p:extLst>
   </p:cSld>
   <p:clrMapOvr>
     <a:masterClrMapping/>
@@ -4442,13 +4030,7 @@
       </p:grpSpPr>
       <p:sp>
         <p:nvSpPr>
-          <p:cNvPr id="6" name="Footer Placeholder 5">
-            <a:extLst>
-              <a:ext uri="{FF2B5EF4-FFF2-40B4-BE49-F238E27FC236}">
-                <a16:creationId xmlns:a16="http://schemas.microsoft.com/office/drawing/2014/main" id="{5356FC21-A32D-44DC-BED7-08CEBB3B9090}"/>
-              </a:ext>
-            </a:extLst>
-          </p:cNvPr>
+          <p:cNvPr id="6" name="Footer Placeholder 5"/>
           <p:cNvSpPr>
             <a:spLocks noGrp="1"/>
           </p:cNvSpPr>
@@ -4465,18 +4047,13 @@
               <a:rPr lang="en-US" noProof="0"/>
               <a:t>Add a Footer</a:t>
             </a:r>
-          </a:p>
-        </p:txBody>
-      </p:sp>
-      <p:sp>
-        <p:nvSpPr>
-          <p:cNvPr id="2" name="Slide Number Placeholder 1">
-            <a:extLst>
-              <a:ext uri="{FF2B5EF4-FFF2-40B4-BE49-F238E27FC236}">
-                <a16:creationId xmlns:a16="http://schemas.microsoft.com/office/drawing/2014/main" id="{34A85DE8-81C6-4A53-8754-137A795CA5EA}"/>
-              </a:ext>
-            </a:extLst>
-          </p:cNvPr>
+            <a:endParaRPr lang="en-US" noProof="0"/>
+          </a:p>
+        </p:txBody>
+      </p:sp>
+      <p:sp>
+        <p:nvSpPr>
+          <p:cNvPr id="2" name="Slide Number Placeholder 1"/>
           <p:cNvSpPr>
             <a:spLocks noGrp="1"/>
           </p:cNvSpPr>
@@ -4491,8 +4068,6 @@
           <a:p>
             <a:fld id="{8C2E478F-E849-4A8C-AF1F-CBCC78A7CBFA}" type="slidenum">
               <a:rPr lang="en-US" noProof="0" smtClean="0"/>
-              <a:pPr/>
-              <a:t>‹#›</a:t>
             </a:fld>
             <a:endParaRPr lang="en-US" noProof="0"/>
           </a:p>
@@ -4500,13 +4075,7 @@
       </p:sp>
       <p:sp>
         <p:nvSpPr>
-          <p:cNvPr id="3" name="Title 2">
-            <a:extLst>
-              <a:ext uri="{FF2B5EF4-FFF2-40B4-BE49-F238E27FC236}">
-                <a16:creationId xmlns:a16="http://schemas.microsoft.com/office/drawing/2014/main" id="{0A66073F-5CD2-4EAC-890A-F6BB43D2BD67}"/>
-              </a:ext>
-            </a:extLst>
-          </p:cNvPr>
+          <p:cNvPr id="3" name="Title 2"/>
           <p:cNvSpPr>
             <a:spLocks noGrp="1"/>
           </p:cNvSpPr>
@@ -4523,15 +4092,11 @@
               <a:rPr lang="en-US" noProof="0"/>
               <a:t>Click to edit Master title style</a:t>
             </a:r>
+            <a:endParaRPr lang="en-US" noProof="0"/>
           </a:p>
         </p:txBody>
       </p:sp>
     </p:spTree>
-    <p:extLst>
-      <p:ext uri="{BB962C8B-B14F-4D97-AF65-F5344CB8AC3E}">
-        <p14:creationId xmlns:p14="http://schemas.microsoft.com/office/powerpoint/2010/main" val="2805804778"/>
-      </p:ext>
-    </p:extLst>
   </p:cSld>
   <p:clrMapOvr>
     <a:masterClrMapping/>
@@ -4558,13 +4123,7 @@
       </p:grpSpPr>
       <p:sp>
         <p:nvSpPr>
-          <p:cNvPr id="5" name="Footer Placeholder 4">
-            <a:extLst>
-              <a:ext uri="{FF2B5EF4-FFF2-40B4-BE49-F238E27FC236}">
-                <a16:creationId xmlns:a16="http://schemas.microsoft.com/office/drawing/2014/main" id="{478571B4-4133-4DE5-AD8F-A341842CBE58}"/>
-              </a:ext>
-            </a:extLst>
-          </p:cNvPr>
+          <p:cNvPr id="5" name="Footer Placeholder 4"/>
           <p:cNvSpPr>
             <a:spLocks noGrp="1"/>
           </p:cNvSpPr>
@@ -4581,18 +4140,13 @@
               <a:rPr lang="en-US" dirty="0"/>
               <a:t>Add a Footer</a:t>
             </a:r>
-          </a:p>
-        </p:txBody>
-      </p:sp>
-      <p:sp>
-        <p:nvSpPr>
-          <p:cNvPr id="7" name="Slide Number Placeholder 6">
-            <a:extLst>
-              <a:ext uri="{FF2B5EF4-FFF2-40B4-BE49-F238E27FC236}">
-                <a16:creationId xmlns:a16="http://schemas.microsoft.com/office/drawing/2014/main" id="{CB65AC00-5FCA-4A4E-A036-2FCBDEAF17D9}"/>
-              </a:ext>
-            </a:extLst>
-          </p:cNvPr>
+            <a:endParaRPr lang="en-US" dirty="0"/>
+          </a:p>
+        </p:txBody>
+      </p:sp>
+      <p:sp>
+        <p:nvSpPr>
+          <p:cNvPr id="7" name="Slide Number Placeholder 6"/>
           <p:cNvSpPr>
             <a:spLocks noGrp="1"/>
           </p:cNvSpPr>
@@ -4607,19 +4161,12 @@
           <a:p>
             <a:fld id="{8C2E478F-E849-4A8C-AF1F-CBCC78A7CBFA}" type="slidenum">
               <a:rPr lang="en-US" smtClean="0"/>
-              <a:pPr/>
-              <a:t>‹#›</a:t>
             </a:fld>
             <a:endParaRPr lang="en-US" dirty="0"/>
           </a:p>
         </p:txBody>
       </p:sp>
     </p:spTree>
-    <p:extLst>
-      <p:ext uri="{BB962C8B-B14F-4D97-AF65-F5344CB8AC3E}">
-        <p14:creationId xmlns:p14="http://schemas.microsoft.com/office/powerpoint/2010/main" val="2858803602"/>
-      </p:ext>
-    </p:extLst>
   </p:cSld>
   <p:clrMapOvr>
     <a:masterClrMapping/>
@@ -4646,13 +4193,7 @@
       </p:grpSpPr>
       <p:sp>
         <p:nvSpPr>
-          <p:cNvPr id="10" name="Picture Placeholder 13">
-            <a:extLst>
-              <a:ext uri="{FF2B5EF4-FFF2-40B4-BE49-F238E27FC236}">
-                <a16:creationId xmlns:a16="http://schemas.microsoft.com/office/drawing/2014/main" id="{FE1CFFBA-D756-4740-B375-252727F02D1E}"/>
-              </a:ext>
-            </a:extLst>
-          </p:cNvPr>
+          <p:cNvPr id="10" name="Picture Placeholder 13"/>
           <p:cNvSpPr>
             <a:spLocks noGrp="1"/>
           </p:cNvSpPr>
@@ -4685,13 +4226,7 @@
       </p:sp>
       <p:sp>
         <p:nvSpPr>
-          <p:cNvPr id="2" name="Title 1">
-            <a:extLst>
-              <a:ext uri="{FF2B5EF4-FFF2-40B4-BE49-F238E27FC236}">
-                <a16:creationId xmlns:a16="http://schemas.microsoft.com/office/drawing/2014/main" id="{B42DCA22-1DF2-42CB-8741-F0CE575EAFE9}"/>
-              </a:ext>
-            </a:extLst>
-          </p:cNvPr>
+          <p:cNvPr id="2" name="Title 1"/>
           <p:cNvSpPr>
             <a:spLocks noGrp="1"/>
           </p:cNvSpPr>
@@ -4730,13 +4265,7 @@
       </p:sp>
       <p:sp>
         <p:nvSpPr>
-          <p:cNvPr id="3" name="Content Placeholder 2">
-            <a:extLst>
-              <a:ext uri="{FF2B5EF4-FFF2-40B4-BE49-F238E27FC236}">
-                <a16:creationId xmlns:a16="http://schemas.microsoft.com/office/drawing/2014/main" id="{ACDD89F3-6B87-4C54-83B9-A6481CB4FC3A}"/>
-              </a:ext>
-            </a:extLst>
-          </p:cNvPr>
+          <p:cNvPr id="3" name="Content Placeholder 2"/>
           <p:cNvSpPr>
             <a:spLocks noGrp="1"/>
           </p:cNvSpPr>
@@ -4759,6 +4288,7 @@
               <a:rPr lang="en-US"/>
               <a:t>Click to edit Master text styles</a:t>
             </a:r>
+            <a:endParaRPr lang="en-US"/>
           </a:p>
           <a:p>
             <a:pPr lvl="1"/>
@@ -4766,6 +4296,7 @@
               <a:rPr lang="en-US"/>
               <a:t>Second level</a:t>
             </a:r>
+            <a:endParaRPr lang="en-US"/>
           </a:p>
           <a:p>
             <a:pPr lvl="2"/>
@@ -4773,6 +4304,7 @@
               <a:rPr lang="en-US"/>
               <a:t>Third level</a:t>
             </a:r>
+            <a:endParaRPr lang="en-US"/>
           </a:p>
           <a:p>
             <a:pPr lvl="3"/>
@@ -4780,6 +4312,7 @@
               <a:rPr lang="en-US"/>
               <a:t>Fourth level</a:t>
             </a:r>
+            <a:endParaRPr lang="en-US"/>
           </a:p>
           <a:p>
             <a:pPr lvl="4"/>
@@ -4793,13 +4326,7 @@
       </p:sp>
       <p:pic>
         <p:nvPicPr>
-          <p:cNvPr id="11" name="Graphic 10">
-            <a:extLst>
-              <a:ext uri="{FF2B5EF4-FFF2-40B4-BE49-F238E27FC236}">
-                <a16:creationId xmlns:a16="http://schemas.microsoft.com/office/drawing/2014/main" id="{479D679C-E90D-4916-BCE6-71C32B831ECF}"/>
-              </a:ext>
-            </a:extLst>
-          </p:cNvPr>
+          <p:cNvPr id="11" name="Graphic 10"/>
           <p:cNvPicPr>
             <a:picLocks noChangeAspect="1"/>
           </p:cNvPicPr>
@@ -4829,13 +4356,7 @@
       </p:pic>
       <p:sp>
         <p:nvSpPr>
-          <p:cNvPr id="6" name="Footer Placeholder 5">
-            <a:extLst>
-              <a:ext uri="{FF2B5EF4-FFF2-40B4-BE49-F238E27FC236}">
-                <a16:creationId xmlns:a16="http://schemas.microsoft.com/office/drawing/2014/main" id="{39C200B3-102B-4BB6-AEB0-D99EE027F096}"/>
-              </a:ext>
-            </a:extLst>
-          </p:cNvPr>
+          <p:cNvPr id="6" name="Footer Placeholder 5"/>
           <p:cNvSpPr>
             <a:spLocks noGrp="1"/>
           </p:cNvSpPr>
@@ -4852,18 +4373,13 @@
               <a:rPr lang="en-US" dirty="0"/>
               <a:t>Add a Footer</a:t>
             </a:r>
-          </a:p>
-        </p:txBody>
-      </p:sp>
-      <p:sp>
-        <p:nvSpPr>
-          <p:cNvPr id="7" name="Slide Number Placeholder 6">
-            <a:extLst>
-              <a:ext uri="{FF2B5EF4-FFF2-40B4-BE49-F238E27FC236}">
-                <a16:creationId xmlns:a16="http://schemas.microsoft.com/office/drawing/2014/main" id="{8B450C90-6D4A-4D50-B15D-91C587AABC61}"/>
-              </a:ext>
-            </a:extLst>
-          </p:cNvPr>
+            <a:endParaRPr lang="en-US" dirty="0"/>
+          </a:p>
+        </p:txBody>
+      </p:sp>
+      <p:sp>
+        <p:nvSpPr>
+          <p:cNvPr id="7" name="Slide Number Placeholder 6"/>
           <p:cNvSpPr>
             <a:spLocks noGrp="1"/>
           </p:cNvSpPr>
@@ -4878,39 +4394,16 @@
           <a:p>
             <a:fld id="{8C2E478F-E849-4A8C-AF1F-CBCC78A7CBFA}" type="slidenum">
               <a:rPr lang="en-US" smtClean="0"/>
-              <a:pPr/>
-              <a:t>‹#›</a:t>
             </a:fld>
             <a:endParaRPr lang="en-US" dirty="0"/>
           </a:p>
         </p:txBody>
       </p:sp>
     </p:spTree>
-    <p:extLst>
-      <p:ext uri="{BB962C8B-B14F-4D97-AF65-F5344CB8AC3E}">
-        <p14:creationId xmlns:p14="http://schemas.microsoft.com/office/powerpoint/2010/main" val="3141762365"/>
-      </p:ext>
-    </p:extLst>
   </p:cSld>
   <p:clrMapOvr>
     <a:masterClrMapping/>
   </p:clrMapOvr>
-  <p:extLst>
-    <p:ext uri="{DCECCB84-F9BA-43D5-87BE-67443E8EF086}">
-      <p15:sldGuideLst xmlns:p15="http://schemas.microsoft.com/office/powerpoint/2012/main">
-        <p15:guide id="1" orient="horz" pos="2160" userDrawn="1">
-          <p15:clr>
-            <a:srgbClr val="FBAE40"/>
-          </p15:clr>
-        </p15:guide>
-        <p15:guide id="2" pos="3840" userDrawn="1">
-          <p15:clr>
-            <a:srgbClr val="FBAE40"/>
-          </p15:clr>
-        </p15:guide>
-      </p15:sldGuideLst>
-    </p:ext>
-  </p:extLst>
 </p:sldLayout>
 </file>
 
@@ -4933,13 +4426,7 @@
       </p:grpSpPr>
       <p:sp>
         <p:nvSpPr>
-          <p:cNvPr id="10" name="Picture Placeholder 13">
-            <a:extLst>
-              <a:ext uri="{FF2B5EF4-FFF2-40B4-BE49-F238E27FC236}">
-                <a16:creationId xmlns:a16="http://schemas.microsoft.com/office/drawing/2014/main" id="{FE1CFFBA-D756-4740-B375-252727F02D1E}"/>
-              </a:ext>
-            </a:extLst>
-          </p:cNvPr>
+          <p:cNvPr id="10" name="Picture Placeholder 13"/>
           <p:cNvSpPr>
             <a:spLocks noGrp="1"/>
           </p:cNvSpPr>
@@ -4972,13 +4459,7 @@
       </p:sp>
       <p:grpSp>
         <p:nvGrpSpPr>
-          <p:cNvPr id="12" name="Group 11">
-            <a:extLst>
-              <a:ext uri="{FF2B5EF4-FFF2-40B4-BE49-F238E27FC236}">
-                <a16:creationId xmlns:a16="http://schemas.microsoft.com/office/drawing/2014/main" id="{99325050-38BE-4AB2-B450-8DC9C0EDD386}"/>
-              </a:ext>
-            </a:extLst>
-          </p:cNvPr>
+          <p:cNvPr id="12" name="Group 11"/>
           <p:cNvGrpSpPr/>
           <p:nvPr userDrawn="1"/>
         </p:nvGrpSpPr>
@@ -4992,13 +4473,7 @@
         </p:grpSpPr>
         <p:sp>
           <p:nvSpPr>
-            <p:cNvPr id="13" name="Rectangle 12">
-              <a:extLst>
-                <a:ext uri="{FF2B5EF4-FFF2-40B4-BE49-F238E27FC236}">
-                  <a16:creationId xmlns:a16="http://schemas.microsoft.com/office/drawing/2014/main" id="{3D68A4CE-A5FD-4656-82E1-43D586CC441E}"/>
-                </a:ext>
-              </a:extLst>
-            </p:cNvPr>
+            <p:cNvPr id="13" name="Rectangle 12"/>
             <p:cNvSpPr/>
             <p:nvPr/>
           </p:nvSpPr>
@@ -5601,13 +5076,7 @@
         </p:sp>
         <p:pic>
           <p:nvPicPr>
-            <p:cNvPr id="15" name="Graphic 14">
-              <a:extLst>
-                <a:ext uri="{FF2B5EF4-FFF2-40B4-BE49-F238E27FC236}">
-                  <a16:creationId xmlns:a16="http://schemas.microsoft.com/office/drawing/2014/main" id="{E66B1E37-8CEC-44ED-A239-C755B72AC616}"/>
-                </a:ext>
-              </a:extLst>
-            </p:cNvPr>
+            <p:cNvPr id="15" name="Graphic 14"/>
             <p:cNvPicPr>
               <a:picLocks noChangeAspect="1"/>
             </p:cNvPicPr>
@@ -5637,13 +5106,7 @@
         </p:pic>
         <p:sp>
           <p:nvSpPr>
-            <p:cNvPr id="14" name="Rectangle 13">
-              <a:extLst>
-                <a:ext uri="{FF2B5EF4-FFF2-40B4-BE49-F238E27FC236}">
-                  <a16:creationId xmlns:a16="http://schemas.microsoft.com/office/drawing/2014/main" id="{B7E28405-97F5-4E03-86F1-FAE2FEA6CFF8}"/>
-                </a:ext>
-              </a:extLst>
-            </p:cNvPr>
+            <p:cNvPr id="14" name="Rectangle 13"/>
             <p:cNvSpPr/>
             <p:nvPr/>
           </p:nvSpPr>
@@ -6230,13 +5693,7 @@
       </p:grpSp>
       <p:sp>
         <p:nvSpPr>
-          <p:cNvPr id="16" name="Title 1">
-            <a:extLst>
-              <a:ext uri="{FF2B5EF4-FFF2-40B4-BE49-F238E27FC236}">
-                <a16:creationId xmlns:a16="http://schemas.microsoft.com/office/drawing/2014/main" id="{719FCC9B-E3B8-49CF-BD22-D553FFAAE5D5}"/>
-              </a:ext>
-            </a:extLst>
-          </p:cNvPr>
+          <p:cNvPr id="16" name="Title 1"/>
           <p:cNvSpPr>
             <a:spLocks noGrp="1"/>
           </p:cNvSpPr>
@@ -6275,13 +5732,7 @@
       </p:sp>
       <p:sp>
         <p:nvSpPr>
-          <p:cNvPr id="17" name="Text Placeholder 2">
-            <a:extLst>
-              <a:ext uri="{FF2B5EF4-FFF2-40B4-BE49-F238E27FC236}">
-                <a16:creationId xmlns:a16="http://schemas.microsoft.com/office/drawing/2014/main" id="{4F21EA87-CE67-4A1E-B2E0-513F775C76A7}"/>
-              </a:ext>
-            </a:extLst>
-          </p:cNvPr>
+          <p:cNvPr id="17" name="Text Placeholder 2"/>
           <p:cNvSpPr>
             <a:spLocks noGrp="1"/>
           </p:cNvSpPr>
@@ -6396,18 +5847,13 @@
               <a:rPr lang="en-US" dirty="0"/>
               <a:t>EDIT MASTER STYLES</a:t>
             </a:r>
-          </a:p>
-        </p:txBody>
-      </p:sp>
-      <p:sp>
-        <p:nvSpPr>
-          <p:cNvPr id="2" name="Footer Placeholder 1">
-            <a:extLst>
-              <a:ext uri="{FF2B5EF4-FFF2-40B4-BE49-F238E27FC236}">
-                <a16:creationId xmlns:a16="http://schemas.microsoft.com/office/drawing/2014/main" id="{6AADF661-E593-4423-A8A8-F22C94390782}"/>
-              </a:ext>
-            </a:extLst>
-          </p:cNvPr>
+            <a:endParaRPr lang="en-US" dirty="0"/>
+          </a:p>
+        </p:txBody>
+      </p:sp>
+      <p:sp>
+        <p:nvSpPr>
+          <p:cNvPr id="2" name="Footer Placeholder 1"/>
           <p:cNvSpPr>
             <a:spLocks noGrp="1"/>
           </p:cNvSpPr>
@@ -6424,18 +5870,13 @@
               <a:rPr lang="en-US" dirty="0"/>
               <a:t>Add a Footer</a:t>
             </a:r>
-          </a:p>
-        </p:txBody>
-      </p:sp>
-      <p:sp>
-        <p:nvSpPr>
-          <p:cNvPr id="3" name="Slide Number Placeholder 2">
-            <a:extLst>
-              <a:ext uri="{FF2B5EF4-FFF2-40B4-BE49-F238E27FC236}">
-                <a16:creationId xmlns:a16="http://schemas.microsoft.com/office/drawing/2014/main" id="{F8BD6A50-BDFC-4B4C-9D3B-53B545F53188}"/>
-              </a:ext>
-            </a:extLst>
-          </p:cNvPr>
+            <a:endParaRPr lang="en-US" dirty="0"/>
+          </a:p>
+        </p:txBody>
+      </p:sp>
+      <p:sp>
+        <p:nvSpPr>
+          <p:cNvPr id="3" name="Slide Number Placeholder 2"/>
           <p:cNvSpPr>
             <a:spLocks noGrp="1"/>
           </p:cNvSpPr>
@@ -6450,39 +5891,16 @@
           <a:p>
             <a:fld id="{8C2E478F-E849-4A8C-AF1F-CBCC78A7CBFA}" type="slidenum">
               <a:rPr lang="en-US" smtClean="0"/>
-              <a:pPr/>
-              <a:t>‹#›</a:t>
             </a:fld>
             <a:endParaRPr lang="en-US" dirty="0"/>
           </a:p>
         </p:txBody>
       </p:sp>
     </p:spTree>
-    <p:extLst>
-      <p:ext uri="{BB962C8B-B14F-4D97-AF65-F5344CB8AC3E}">
-        <p14:creationId xmlns:p14="http://schemas.microsoft.com/office/powerpoint/2010/main" val="3848143799"/>
-      </p:ext>
-    </p:extLst>
   </p:cSld>
   <p:clrMapOvr>
     <a:masterClrMapping/>
   </p:clrMapOvr>
-  <p:extLst>
-    <p:ext uri="{DCECCB84-F9BA-43D5-87BE-67443E8EF086}">
-      <p15:sldGuideLst xmlns:p15="http://schemas.microsoft.com/office/powerpoint/2012/main">
-        <p15:guide id="1" orient="horz" pos="2160">
-          <p15:clr>
-            <a:srgbClr val="FBAE40"/>
-          </p15:clr>
-        </p15:guide>
-        <p15:guide id="2" pos="3840">
-          <p15:clr>
-            <a:srgbClr val="FBAE40"/>
-          </p15:clr>
-        </p15:guide>
-      </p15:sldGuideLst>
-    </p:ext>
-  </p:extLst>
 </p:sldLayout>
 </file>
 
@@ -6505,13 +5923,7 @@
       </p:grpSpPr>
       <p:sp>
         <p:nvSpPr>
-          <p:cNvPr id="7" name="Picture Placeholder 13">
-            <a:extLst>
-              <a:ext uri="{FF2B5EF4-FFF2-40B4-BE49-F238E27FC236}">
-                <a16:creationId xmlns:a16="http://schemas.microsoft.com/office/drawing/2014/main" id="{B599FEC8-12D0-4EB5-8573-C891D56C84E0}"/>
-              </a:ext>
-            </a:extLst>
-          </p:cNvPr>
+          <p:cNvPr id="7" name="Picture Placeholder 13"/>
           <p:cNvSpPr>
             <a:spLocks noGrp="1"/>
           </p:cNvSpPr>
@@ -6544,13 +5956,7 @@
       </p:sp>
       <p:grpSp>
         <p:nvGrpSpPr>
-          <p:cNvPr id="14" name="Group 13">
-            <a:extLst>
-              <a:ext uri="{FF2B5EF4-FFF2-40B4-BE49-F238E27FC236}">
-                <a16:creationId xmlns:a16="http://schemas.microsoft.com/office/drawing/2014/main" id="{7BF3BF7F-F094-497C-9310-2FE8B059E82B}"/>
-              </a:ext>
-            </a:extLst>
-          </p:cNvPr>
+          <p:cNvPr id="14" name="Group 13"/>
           <p:cNvGrpSpPr/>
           <p:nvPr userDrawn="1"/>
         </p:nvGrpSpPr>
@@ -6564,13 +5970,7 @@
         </p:grpSpPr>
         <p:sp>
           <p:nvSpPr>
-            <p:cNvPr id="15" name="Rectangle 14">
-              <a:extLst>
-                <a:ext uri="{FF2B5EF4-FFF2-40B4-BE49-F238E27FC236}">
-                  <a16:creationId xmlns:a16="http://schemas.microsoft.com/office/drawing/2014/main" id="{2D49E498-4E90-44A2-B49F-157DFF9E8581}"/>
-                </a:ext>
-              </a:extLst>
-            </p:cNvPr>
+            <p:cNvPr id="15" name="Rectangle 14"/>
             <p:cNvSpPr/>
             <p:nvPr/>
           </p:nvSpPr>
@@ -6637,13 +6037,7 @@
         </p:sp>
         <p:pic>
           <p:nvPicPr>
-            <p:cNvPr id="17" name="Graphic 16">
-              <a:extLst>
-                <a:ext uri="{FF2B5EF4-FFF2-40B4-BE49-F238E27FC236}">
-                  <a16:creationId xmlns:a16="http://schemas.microsoft.com/office/drawing/2014/main" id="{B2D9F108-8C30-4BEC-8122-BE2632644482}"/>
-                </a:ext>
-              </a:extLst>
-            </p:cNvPr>
+            <p:cNvPr id="17" name="Graphic 16"/>
             <p:cNvPicPr>
               <a:picLocks noChangeAspect="1"/>
             </p:cNvPicPr>
@@ -6673,13 +6067,7 @@
         </p:pic>
         <p:sp>
           <p:nvSpPr>
-            <p:cNvPr id="16" name="Rectangle 15">
-              <a:extLst>
-                <a:ext uri="{FF2B5EF4-FFF2-40B4-BE49-F238E27FC236}">
-                  <a16:creationId xmlns:a16="http://schemas.microsoft.com/office/drawing/2014/main" id="{FAB546B5-7C56-40DD-B1DF-AE850DE5FDB3}"/>
-                </a:ext>
-              </a:extLst>
-            </p:cNvPr>
+            <p:cNvPr id="16" name="Rectangle 15"/>
             <p:cNvSpPr/>
             <p:nvPr/>
           </p:nvSpPr>
@@ -6730,13 +6118,7 @@
       </p:grpSp>
       <p:sp>
         <p:nvSpPr>
-          <p:cNvPr id="8" name="Title 1">
-            <a:extLst>
-              <a:ext uri="{FF2B5EF4-FFF2-40B4-BE49-F238E27FC236}">
-                <a16:creationId xmlns:a16="http://schemas.microsoft.com/office/drawing/2014/main" id="{4C30FD01-9DD8-4ECA-AC52-7C41002A99B3}"/>
-              </a:ext>
-            </a:extLst>
-          </p:cNvPr>
+          <p:cNvPr id="8" name="Title 1"/>
           <p:cNvSpPr>
             <a:spLocks noGrp="1"/>
           </p:cNvSpPr>
@@ -6775,13 +6157,7 @@
       </p:sp>
       <p:sp>
         <p:nvSpPr>
-          <p:cNvPr id="22" name="Text Placeholder 2">
-            <a:extLst>
-              <a:ext uri="{FF2B5EF4-FFF2-40B4-BE49-F238E27FC236}">
-                <a16:creationId xmlns:a16="http://schemas.microsoft.com/office/drawing/2014/main" id="{74491700-C4EB-4143-ACD3-DE153BF9DD99}"/>
-              </a:ext>
-            </a:extLst>
-          </p:cNvPr>
+          <p:cNvPr id="22" name="Text Placeholder 2"/>
           <p:cNvSpPr>
             <a:spLocks noGrp="1"/>
           </p:cNvSpPr>
@@ -6896,18 +6272,13 @@
               <a:rPr lang="en-US" dirty="0"/>
               <a:t>EDIT MASTER STYLES</a:t>
             </a:r>
-          </a:p>
-        </p:txBody>
-      </p:sp>
-      <p:sp>
-        <p:nvSpPr>
-          <p:cNvPr id="2" name="Footer Placeholder 1">
-            <a:extLst>
-              <a:ext uri="{FF2B5EF4-FFF2-40B4-BE49-F238E27FC236}">
-                <a16:creationId xmlns:a16="http://schemas.microsoft.com/office/drawing/2014/main" id="{C5F17219-39C2-44C1-BFC9-BA0D7ACD78D1}"/>
-              </a:ext>
-            </a:extLst>
-          </p:cNvPr>
+            <a:endParaRPr lang="en-US" dirty="0"/>
+          </a:p>
+        </p:txBody>
+      </p:sp>
+      <p:sp>
+        <p:nvSpPr>
+          <p:cNvPr id="2" name="Footer Placeholder 1"/>
           <p:cNvSpPr>
             <a:spLocks noGrp="1"/>
           </p:cNvSpPr>
@@ -6924,18 +6295,13 @@
               <a:rPr lang="en-US" dirty="0"/>
               <a:t>Add a Footer</a:t>
             </a:r>
-          </a:p>
-        </p:txBody>
-      </p:sp>
-      <p:sp>
-        <p:nvSpPr>
-          <p:cNvPr id="3" name="Slide Number Placeholder 2">
-            <a:extLst>
-              <a:ext uri="{FF2B5EF4-FFF2-40B4-BE49-F238E27FC236}">
-                <a16:creationId xmlns:a16="http://schemas.microsoft.com/office/drawing/2014/main" id="{5087118E-1B0A-407B-BDCE-B343BC9F92E9}"/>
-              </a:ext>
-            </a:extLst>
-          </p:cNvPr>
+            <a:endParaRPr lang="en-US" dirty="0"/>
+          </a:p>
+        </p:txBody>
+      </p:sp>
+      <p:sp>
+        <p:nvSpPr>
+          <p:cNvPr id="3" name="Slide Number Placeholder 2"/>
           <p:cNvSpPr>
             <a:spLocks noGrp="1"/>
           </p:cNvSpPr>
@@ -6950,19 +6316,12 @@
           <a:p>
             <a:fld id="{8C2E478F-E849-4A8C-AF1F-CBCC78A7CBFA}" type="slidenum">
               <a:rPr lang="en-US" smtClean="0"/>
-              <a:pPr/>
-              <a:t>‹#›</a:t>
             </a:fld>
             <a:endParaRPr lang="en-US" dirty="0"/>
           </a:p>
         </p:txBody>
       </p:sp>
     </p:spTree>
-    <p:extLst>
-      <p:ext uri="{BB962C8B-B14F-4D97-AF65-F5344CB8AC3E}">
-        <p14:creationId xmlns:p14="http://schemas.microsoft.com/office/powerpoint/2010/main" val="289958973"/>
-      </p:ext>
-    </p:extLst>
   </p:cSld>
   <p:clrMapOvr>
     <a:masterClrMapping/>
@@ -6989,13 +6348,7 @@
       </p:grpSpPr>
       <p:sp>
         <p:nvSpPr>
-          <p:cNvPr id="17" name="Rectangle 16">
-            <a:extLst>
-              <a:ext uri="{FF2B5EF4-FFF2-40B4-BE49-F238E27FC236}">
-                <a16:creationId xmlns:a16="http://schemas.microsoft.com/office/drawing/2014/main" id="{CC3A4379-5E89-42FE-AA5C-BEA0CDFCDD6F}"/>
-              </a:ext>
-            </a:extLst>
-          </p:cNvPr>
+          <p:cNvPr id="17" name="Rectangle 16"/>
           <p:cNvSpPr/>
           <p:nvPr userDrawn="1"/>
         </p:nvSpPr>
@@ -7058,13 +6411,7 @@
       </p:sp>
       <p:sp>
         <p:nvSpPr>
-          <p:cNvPr id="3" name="Text Placeholder 2">
-            <a:extLst>
-              <a:ext uri="{FF2B5EF4-FFF2-40B4-BE49-F238E27FC236}">
-                <a16:creationId xmlns:a16="http://schemas.microsoft.com/office/drawing/2014/main" id="{CF38A5A1-070F-43C9-B2D5-C557B0D72B9C}"/>
-              </a:ext>
-            </a:extLst>
-          </p:cNvPr>
+          <p:cNvPr id="3" name="Text Placeholder 2"/>
           <p:cNvSpPr>
             <a:spLocks noGrp="1"/>
           </p:cNvSpPr>
@@ -7132,18 +6479,13 @@
               <a:rPr lang="en-US"/>
               <a:t>Click to edit Master text styles</a:t>
             </a:r>
-          </a:p>
-        </p:txBody>
-      </p:sp>
-      <p:sp>
-        <p:nvSpPr>
-          <p:cNvPr id="4" name="Content Placeholder 3">
-            <a:extLst>
-              <a:ext uri="{FF2B5EF4-FFF2-40B4-BE49-F238E27FC236}">
-                <a16:creationId xmlns:a16="http://schemas.microsoft.com/office/drawing/2014/main" id="{FECCBEC1-2F48-4E90-ADF0-BEE2B9E477B0}"/>
-              </a:ext>
-            </a:extLst>
-          </p:cNvPr>
+            <a:endParaRPr lang="en-US"/>
+          </a:p>
+        </p:txBody>
+      </p:sp>
+      <p:sp>
+        <p:nvSpPr>
+          <p:cNvPr id="4" name="Content Placeholder 3"/>
           <p:cNvSpPr>
             <a:spLocks noGrp="1"/>
           </p:cNvSpPr>
@@ -7219,6 +6561,7 @@
               <a:rPr lang="en-US"/>
               <a:t>Click to edit Master text styles</a:t>
             </a:r>
+            <a:endParaRPr lang="en-US"/>
           </a:p>
           <a:p>
             <a:pPr lvl="1"/>
@@ -7226,6 +6569,7 @@
               <a:rPr lang="en-US"/>
               <a:t>Second level</a:t>
             </a:r>
+            <a:endParaRPr lang="en-US"/>
           </a:p>
           <a:p>
             <a:pPr lvl="2"/>
@@ -7233,6 +6577,7 @@
               <a:rPr lang="en-US"/>
               <a:t>Third level</a:t>
             </a:r>
+            <a:endParaRPr lang="en-US"/>
           </a:p>
           <a:p>
             <a:pPr lvl="3"/>
@@ -7240,6 +6585,7 @@
               <a:rPr lang="en-US"/>
               <a:t>Fourth level</a:t>
             </a:r>
+            <a:endParaRPr lang="en-US"/>
           </a:p>
           <a:p>
             <a:pPr lvl="4"/>
@@ -7253,13 +6599,7 @@
       </p:sp>
       <p:sp>
         <p:nvSpPr>
-          <p:cNvPr id="11" name="Text Placeholder 2">
-            <a:extLst>
-              <a:ext uri="{FF2B5EF4-FFF2-40B4-BE49-F238E27FC236}">
-                <a16:creationId xmlns:a16="http://schemas.microsoft.com/office/drawing/2014/main" id="{367F380C-58A9-4490-AC57-579A90290F36}"/>
-              </a:ext>
-            </a:extLst>
-          </p:cNvPr>
+          <p:cNvPr id="11" name="Text Placeholder 2"/>
           <p:cNvSpPr>
             <a:spLocks noGrp="1"/>
           </p:cNvSpPr>
@@ -7327,18 +6667,13 @@
               <a:rPr lang="en-US"/>
               <a:t>Click to edit Master text styles</a:t>
             </a:r>
-          </a:p>
-        </p:txBody>
-      </p:sp>
-      <p:sp>
-        <p:nvSpPr>
-          <p:cNvPr id="12" name="Content Placeholder 3">
-            <a:extLst>
-              <a:ext uri="{FF2B5EF4-FFF2-40B4-BE49-F238E27FC236}">
-                <a16:creationId xmlns:a16="http://schemas.microsoft.com/office/drawing/2014/main" id="{DA285A94-0E4E-47DC-8E61-41F684F37003}"/>
-              </a:ext>
-            </a:extLst>
-          </p:cNvPr>
+            <a:endParaRPr lang="en-US"/>
+          </a:p>
+        </p:txBody>
+      </p:sp>
+      <p:sp>
+        <p:nvSpPr>
+          <p:cNvPr id="12" name="Content Placeholder 3"/>
           <p:cNvSpPr>
             <a:spLocks noGrp="1"/>
           </p:cNvSpPr>
@@ -7414,6 +6749,7 @@
               <a:rPr lang="en-US"/>
               <a:t>Click to edit Master text styles</a:t>
             </a:r>
+            <a:endParaRPr lang="en-US"/>
           </a:p>
           <a:p>
             <a:pPr lvl="1"/>
@@ -7421,6 +6757,7 @@
               <a:rPr lang="en-US"/>
               <a:t>Second level</a:t>
             </a:r>
+            <a:endParaRPr lang="en-US"/>
           </a:p>
           <a:p>
             <a:pPr lvl="2"/>
@@ -7428,6 +6765,7 @@
               <a:rPr lang="en-US"/>
               <a:t>Third level</a:t>
             </a:r>
+            <a:endParaRPr lang="en-US"/>
           </a:p>
           <a:p>
             <a:pPr lvl="3"/>
@@ -7435,6 +6773,7 @@
               <a:rPr lang="en-US"/>
               <a:t>Fourth level</a:t>
             </a:r>
+            <a:endParaRPr lang="en-US"/>
           </a:p>
           <a:p>
             <a:pPr lvl="4"/>
@@ -7448,13 +6787,7 @@
       </p:sp>
       <p:sp>
         <p:nvSpPr>
-          <p:cNvPr id="18" name="Rectangle 17">
-            <a:extLst>
-              <a:ext uri="{FF2B5EF4-FFF2-40B4-BE49-F238E27FC236}">
-                <a16:creationId xmlns:a16="http://schemas.microsoft.com/office/drawing/2014/main" id="{6EDCBFD0-7AE5-4346-AD3A-01F956626091}"/>
-              </a:ext>
-            </a:extLst>
-          </p:cNvPr>
+          <p:cNvPr id="18" name="Rectangle 17"/>
           <p:cNvSpPr/>
           <p:nvPr userDrawn="1"/>
         </p:nvSpPr>
@@ -7500,13 +6833,7 @@
       </p:sp>
       <p:sp>
         <p:nvSpPr>
-          <p:cNvPr id="16" name="Picture Placeholder 13">
-            <a:extLst>
-              <a:ext uri="{FF2B5EF4-FFF2-40B4-BE49-F238E27FC236}">
-                <a16:creationId xmlns:a16="http://schemas.microsoft.com/office/drawing/2014/main" id="{354FBDC8-CD65-4972-A821-C25297B1A8AB}"/>
-              </a:ext>
-            </a:extLst>
-          </p:cNvPr>
+          <p:cNvPr id="16" name="Picture Placeholder 13"/>
           <p:cNvSpPr>
             <a:spLocks noGrp="1"/>
           </p:cNvSpPr>
@@ -7537,13 +6864,7 @@
       </p:sp>
       <p:sp>
         <p:nvSpPr>
-          <p:cNvPr id="2" name="Title 1">
-            <a:extLst>
-              <a:ext uri="{FF2B5EF4-FFF2-40B4-BE49-F238E27FC236}">
-                <a16:creationId xmlns:a16="http://schemas.microsoft.com/office/drawing/2014/main" id="{A41F4A2F-9480-4E94-806C-5D65C71DFB9F}"/>
-              </a:ext>
-            </a:extLst>
-          </p:cNvPr>
+          <p:cNvPr id="2" name="Title 1"/>
           <p:cNvSpPr>
             <a:spLocks noGrp="1"/>
           </p:cNvSpPr>
@@ -7571,18 +6892,13 @@
               <a:rPr lang="en-US"/>
               <a:t>Click to edit Master title style</a:t>
             </a:r>
-          </a:p>
-        </p:txBody>
-      </p:sp>
-      <p:sp>
-        <p:nvSpPr>
-          <p:cNvPr id="5" name="Footer Placeholder 4">
-            <a:extLst>
-              <a:ext uri="{FF2B5EF4-FFF2-40B4-BE49-F238E27FC236}">
-                <a16:creationId xmlns:a16="http://schemas.microsoft.com/office/drawing/2014/main" id="{750DA028-023B-4883-9A48-70FD7A2E5226}"/>
-              </a:ext>
-            </a:extLst>
-          </p:cNvPr>
+            <a:endParaRPr lang="en-US"/>
+          </a:p>
+        </p:txBody>
+      </p:sp>
+      <p:sp>
+        <p:nvSpPr>
+          <p:cNvPr id="5" name="Footer Placeholder 4"/>
           <p:cNvSpPr>
             <a:spLocks noGrp="1"/>
           </p:cNvSpPr>
@@ -7599,18 +6915,13 @@
               <a:rPr lang="en-US" dirty="0"/>
               <a:t>Add a Footer</a:t>
             </a:r>
-          </a:p>
-        </p:txBody>
-      </p:sp>
-      <p:sp>
-        <p:nvSpPr>
-          <p:cNvPr id="6" name="Slide Number Placeholder 5">
-            <a:extLst>
-              <a:ext uri="{FF2B5EF4-FFF2-40B4-BE49-F238E27FC236}">
-                <a16:creationId xmlns:a16="http://schemas.microsoft.com/office/drawing/2014/main" id="{492AA6DE-6D7A-4135-8B9F-99A91527F21D}"/>
-              </a:ext>
-            </a:extLst>
-          </p:cNvPr>
+            <a:endParaRPr lang="en-US" dirty="0"/>
+          </a:p>
+        </p:txBody>
+      </p:sp>
+      <p:sp>
+        <p:nvSpPr>
+          <p:cNvPr id="6" name="Slide Number Placeholder 5"/>
           <p:cNvSpPr>
             <a:spLocks noGrp="1"/>
           </p:cNvSpPr>
@@ -7625,19 +6936,12 @@
           <a:p>
             <a:fld id="{8C2E478F-E849-4A8C-AF1F-CBCC78A7CBFA}" type="slidenum">
               <a:rPr lang="en-US" smtClean="0"/>
-              <a:pPr/>
-              <a:t>‹#›</a:t>
             </a:fld>
             <a:endParaRPr lang="en-US" dirty="0"/>
           </a:p>
         </p:txBody>
       </p:sp>
     </p:spTree>
-    <p:extLst>
-      <p:ext uri="{BB962C8B-B14F-4D97-AF65-F5344CB8AC3E}">
-        <p14:creationId xmlns:p14="http://schemas.microsoft.com/office/powerpoint/2010/main" val="1780742542"/>
-      </p:ext>
-    </p:extLst>
   </p:cSld>
   <p:clrMapOvr>
     <a:masterClrMapping/>
@@ -7664,13 +6968,7 @@
       </p:grpSpPr>
       <p:sp>
         <p:nvSpPr>
-          <p:cNvPr id="10" name="Rectangle 9">
-            <a:extLst>
-              <a:ext uri="{FF2B5EF4-FFF2-40B4-BE49-F238E27FC236}">
-                <a16:creationId xmlns:a16="http://schemas.microsoft.com/office/drawing/2014/main" id="{ABD40C7A-92CE-46D6-B056-C75D73663328}"/>
-              </a:ext>
-            </a:extLst>
-          </p:cNvPr>
+          <p:cNvPr id="10" name="Rectangle 9"/>
           <p:cNvSpPr/>
           <p:nvPr userDrawn="1"/>
         </p:nvSpPr>
@@ -7716,13 +7014,7 @@
       </p:sp>
       <p:sp>
         <p:nvSpPr>
-          <p:cNvPr id="5" name="Rectangle 4">
-            <a:extLst>
-              <a:ext uri="{FF2B5EF4-FFF2-40B4-BE49-F238E27FC236}">
-                <a16:creationId xmlns:a16="http://schemas.microsoft.com/office/drawing/2014/main" id="{C2877C5F-FF39-4400-9C13-0D7F04A0C78F}"/>
-              </a:ext>
-            </a:extLst>
-          </p:cNvPr>
+          <p:cNvPr id="5" name="Rectangle 4"/>
           <p:cNvSpPr/>
           <p:nvPr userDrawn="1"/>
         </p:nvSpPr>
@@ -7768,13 +7060,7 @@
       </p:sp>
       <p:sp>
         <p:nvSpPr>
-          <p:cNvPr id="3" name="Picture Placeholder 2">
-            <a:extLst>
-              <a:ext uri="{FF2B5EF4-FFF2-40B4-BE49-F238E27FC236}">
-                <a16:creationId xmlns:a16="http://schemas.microsoft.com/office/drawing/2014/main" id="{CAE90E16-AEC5-4F82-85B0-DDEA26AA939A}"/>
-              </a:ext>
-            </a:extLst>
-          </p:cNvPr>
+          <p:cNvPr id="3" name="Picture Placeholder 2"/>
           <p:cNvSpPr>
             <a:spLocks noGrp="1"/>
           </p:cNvSpPr>
@@ -7844,13 +7130,7 @@
       </p:sp>
       <p:sp>
         <p:nvSpPr>
-          <p:cNvPr id="13" name="Rectangle 12">
-            <a:extLst>
-              <a:ext uri="{FF2B5EF4-FFF2-40B4-BE49-F238E27FC236}">
-                <a16:creationId xmlns:a16="http://schemas.microsoft.com/office/drawing/2014/main" id="{EA1A2116-206B-49CD-9ECC-078E4F72904C}"/>
-              </a:ext>
-            </a:extLst>
-          </p:cNvPr>
+          <p:cNvPr id="13" name="Rectangle 12"/>
           <p:cNvSpPr/>
           <p:nvPr userDrawn="1"/>
         </p:nvSpPr>
@@ -7913,13 +7193,7 @@
       </p:sp>
       <p:sp>
         <p:nvSpPr>
-          <p:cNvPr id="14" name="Rectangle 13">
-            <a:extLst>
-              <a:ext uri="{FF2B5EF4-FFF2-40B4-BE49-F238E27FC236}">
-                <a16:creationId xmlns:a16="http://schemas.microsoft.com/office/drawing/2014/main" id="{A69E75A6-06C5-49D0-9164-3098CE0E53D8}"/>
-              </a:ext>
-            </a:extLst>
-          </p:cNvPr>
+          <p:cNvPr id="14" name="Rectangle 13"/>
           <p:cNvSpPr/>
           <p:nvPr userDrawn="1"/>
         </p:nvSpPr>
@@ -7965,13 +7239,7 @@
       </p:sp>
       <p:sp>
         <p:nvSpPr>
-          <p:cNvPr id="8" name="Footer Placeholder 7">
-            <a:extLst>
-              <a:ext uri="{FF2B5EF4-FFF2-40B4-BE49-F238E27FC236}">
-                <a16:creationId xmlns:a16="http://schemas.microsoft.com/office/drawing/2014/main" id="{9B7F3105-8D8F-4FF3-9A7F-0F067BB810A1}"/>
-              </a:ext>
-            </a:extLst>
-          </p:cNvPr>
+          <p:cNvPr id="8" name="Footer Placeholder 7"/>
           <p:cNvSpPr>
             <a:spLocks noGrp="1"/>
           </p:cNvSpPr>
@@ -7988,18 +7256,13 @@
               <a:rPr lang="en-US" dirty="0"/>
               <a:t>Add a Footer</a:t>
             </a:r>
-          </a:p>
-        </p:txBody>
-      </p:sp>
-      <p:sp>
-        <p:nvSpPr>
-          <p:cNvPr id="4" name="Text Placeholder 3">
-            <a:extLst>
-              <a:ext uri="{FF2B5EF4-FFF2-40B4-BE49-F238E27FC236}">
-                <a16:creationId xmlns:a16="http://schemas.microsoft.com/office/drawing/2014/main" id="{F41E2B8D-1C12-403F-BE59-ECC565466CB0}"/>
-              </a:ext>
-            </a:extLst>
-          </p:cNvPr>
+            <a:endParaRPr lang="en-US" dirty="0"/>
+          </a:p>
+        </p:txBody>
+      </p:sp>
+      <p:sp>
+        <p:nvSpPr>
+          <p:cNvPr id="4" name="Text Placeholder 3"/>
           <p:cNvSpPr>
             <a:spLocks noGrp="1"/>
           </p:cNvSpPr>
@@ -8066,18 +7329,13 @@
               <a:rPr lang="en-US"/>
               <a:t>Click to edit Master text styles</a:t>
             </a:r>
-          </a:p>
-        </p:txBody>
-      </p:sp>
-      <p:sp>
-        <p:nvSpPr>
-          <p:cNvPr id="2" name="Title 1">
-            <a:extLst>
-              <a:ext uri="{FF2B5EF4-FFF2-40B4-BE49-F238E27FC236}">
-                <a16:creationId xmlns:a16="http://schemas.microsoft.com/office/drawing/2014/main" id="{9AF0F519-65FC-434F-8F2F-F778A20A82ED}"/>
-              </a:ext>
-            </a:extLst>
-          </p:cNvPr>
+            <a:endParaRPr lang="en-US"/>
+          </a:p>
+        </p:txBody>
+      </p:sp>
+      <p:sp>
+        <p:nvSpPr>
+          <p:cNvPr id="2" name="Title 1"/>
           <p:cNvSpPr>
             <a:spLocks noGrp="1"/>
           </p:cNvSpPr>
@@ -8114,13 +7372,7 @@
       </p:sp>
       <p:sp>
         <p:nvSpPr>
-          <p:cNvPr id="9" name="Slide Number Placeholder 8">
-            <a:extLst>
-              <a:ext uri="{FF2B5EF4-FFF2-40B4-BE49-F238E27FC236}">
-                <a16:creationId xmlns:a16="http://schemas.microsoft.com/office/drawing/2014/main" id="{BD117255-8347-4647-9EA2-7ED06A73C1A2}"/>
-              </a:ext>
-            </a:extLst>
-          </p:cNvPr>
+          <p:cNvPr id="9" name="Slide Number Placeholder 8"/>
           <p:cNvSpPr>
             <a:spLocks noGrp="1"/>
           </p:cNvSpPr>
@@ -8135,19 +7387,12 @@
           <a:p>
             <a:fld id="{8C2E478F-E849-4A8C-AF1F-CBCC78A7CBFA}" type="slidenum">
               <a:rPr lang="en-US" smtClean="0"/>
-              <a:pPr/>
-              <a:t>‹#›</a:t>
             </a:fld>
             <a:endParaRPr lang="en-US" dirty="0"/>
           </a:p>
         </p:txBody>
       </p:sp>
     </p:spTree>
-    <p:extLst>
-      <p:ext uri="{BB962C8B-B14F-4D97-AF65-F5344CB8AC3E}">
-        <p14:creationId xmlns:p14="http://schemas.microsoft.com/office/powerpoint/2010/main" val="3577251536"/>
-      </p:ext>
-    </p:extLst>
   </p:cSld>
   <p:clrMapOvr>
     <a:masterClrMapping/>
@@ -8174,13 +7419,7 @@
       </p:grpSpPr>
       <p:sp>
         <p:nvSpPr>
-          <p:cNvPr id="9" name="Picture Placeholder 13">
-            <a:extLst>
-              <a:ext uri="{FF2B5EF4-FFF2-40B4-BE49-F238E27FC236}">
-                <a16:creationId xmlns:a16="http://schemas.microsoft.com/office/drawing/2014/main" id="{0CBD5E02-927B-4DF7-8968-617C1C8F0F0E}"/>
-              </a:ext>
-            </a:extLst>
-          </p:cNvPr>
+          <p:cNvPr id="9" name="Picture Placeholder 13"/>
           <p:cNvSpPr>
             <a:spLocks noGrp="1"/>
           </p:cNvSpPr>
@@ -8213,13 +7452,7 @@
       </p:sp>
       <p:grpSp>
         <p:nvGrpSpPr>
-          <p:cNvPr id="5" name="Group 4">
-            <a:extLst>
-              <a:ext uri="{FF2B5EF4-FFF2-40B4-BE49-F238E27FC236}">
-                <a16:creationId xmlns:a16="http://schemas.microsoft.com/office/drawing/2014/main" id="{1E8CB484-5390-4B2F-9BFB-D0733BEE88A5}"/>
-              </a:ext>
-            </a:extLst>
-          </p:cNvPr>
+          <p:cNvPr id="5" name="Group 4"/>
           <p:cNvGrpSpPr/>
           <p:nvPr userDrawn="1"/>
         </p:nvGrpSpPr>
@@ -8233,13 +7466,7 @@
         </p:grpSpPr>
         <p:sp>
           <p:nvSpPr>
-            <p:cNvPr id="24" name="Rectangle 23">
-              <a:extLst>
-                <a:ext uri="{FF2B5EF4-FFF2-40B4-BE49-F238E27FC236}">
-                  <a16:creationId xmlns:a16="http://schemas.microsoft.com/office/drawing/2014/main" id="{A8354BDC-9788-4AB5-A841-99D95C68804F}"/>
-                </a:ext>
-              </a:extLst>
-            </p:cNvPr>
+            <p:cNvPr id="24" name="Rectangle 23"/>
             <p:cNvSpPr/>
             <p:nvPr userDrawn="1"/>
           </p:nvSpPr>
@@ -8302,13 +7529,7 @@
         </p:sp>
         <p:sp>
           <p:nvSpPr>
-            <p:cNvPr id="23" name="Rectangle 22">
-              <a:extLst>
-                <a:ext uri="{FF2B5EF4-FFF2-40B4-BE49-F238E27FC236}">
-                  <a16:creationId xmlns:a16="http://schemas.microsoft.com/office/drawing/2014/main" id="{36778BD9-B865-4156-B319-6A8242F0D4D5}"/>
-                </a:ext>
-              </a:extLst>
-            </p:cNvPr>
+            <p:cNvPr id="23" name="Rectangle 22"/>
             <p:cNvSpPr/>
             <p:nvPr userDrawn="1"/>
           </p:nvSpPr>
@@ -8354,13 +7575,7 @@
         </p:sp>
         <p:sp>
           <p:nvSpPr>
-            <p:cNvPr id="25" name="Rectangle 24">
-              <a:extLst>
-                <a:ext uri="{FF2B5EF4-FFF2-40B4-BE49-F238E27FC236}">
-                  <a16:creationId xmlns:a16="http://schemas.microsoft.com/office/drawing/2014/main" id="{AEB70006-7799-4F63-912B-45662CE14500}"/>
-                </a:ext>
-              </a:extLst>
-            </p:cNvPr>
+            <p:cNvPr id="25" name="Rectangle 24"/>
             <p:cNvSpPr/>
             <p:nvPr userDrawn="1"/>
           </p:nvSpPr>
@@ -8407,13 +7622,7 @@
       </p:grpSp>
       <p:sp>
         <p:nvSpPr>
-          <p:cNvPr id="2" name="Title 1">
-            <a:extLst>
-              <a:ext uri="{FF2B5EF4-FFF2-40B4-BE49-F238E27FC236}">
-                <a16:creationId xmlns:a16="http://schemas.microsoft.com/office/drawing/2014/main" id="{004074E6-E39E-4D19-B91F-8E84F37CBF3C}"/>
-              </a:ext>
-            </a:extLst>
-          </p:cNvPr>
+          <p:cNvPr id="2" name="Title 1"/>
           <p:cNvSpPr>
             <a:spLocks noGrp="1"/>
           </p:cNvSpPr>
@@ -8446,18 +7655,13 @@
               <a:rPr lang="en-US" dirty="0"/>
               <a:t>CLICK TO EDIT MASTER</a:t>
             </a:r>
-          </a:p>
-        </p:txBody>
-      </p:sp>
-      <p:sp>
-        <p:nvSpPr>
-          <p:cNvPr id="3" name="Content Placeholder 2">
-            <a:extLst>
-              <a:ext uri="{FF2B5EF4-FFF2-40B4-BE49-F238E27FC236}">
-                <a16:creationId xmlns:a16="http://schemas.microsoft.com/office/drawing/2014/main" id="{607D1B16-7058-45AD-9B19-E19CAF96683B}"/>
-              </a:ext>
-            </a:extLst>
-          </p:cNvPr>
+            <a:endParaRPr lang="en-US" dirty="0"/>
+          </a:p>
+        </p:txBody>
+      </p:sp>
+      <p:sp>
+        <p:nvSpPr>
+          <p:cNvPr id="3" name="Content Placeholder 2"/>
           <p:cNvSpPr>
             <a:spLocks noGrp="1"/>
           </p:cNvSpPr>
@@ -8533,6 +7737,7 @@
               <a:rPr lang="en-US"/>
               <a:t>Click to edit Master text styles</a:t>
             </a:r>
+            <a:endParaRPr lang="en-US"/>
           </a:p>
           <a:p>
             <a:pPr lvl="1"/>
@@ -8540,6 +7745,7 @@
               <a:rPr lang="en-US"/>
               <a:t>Second level</a:t>
             </a:r>
+            <a:endParaRPr lang="en-US"/>
           </a:p>
           <a:p>
             <a:pPr lvl="2"/>
@@ -8547,6 +7753,7 @@
               <a:rPr lang="en-US"/>
               <a:t>Third level</a:t>
             </a:r>
+            <a:endParaRPr lang="en-US"/>
           </a:p>
           <a:p>
             <a:pPr lvl="3"/>
@@ -8554,6 +7761,7 @@
               <a:rPr lang="en-US"/>
               <a:t>Fourth level</a:t>
             </a:r>
+            <a:endParaRPr lang="en-US"/>
           </a:p>
           <a:p>
             <a:pPr lvl="4"/>
@@ -8567,13 +7775,7 @@
       </p:sp>
       <p:sp>
         <p:nvSpPr>
-          <p:cNvPr id="7" name="Text Placeholder 2">
-            <a:extLst>
-              <a:ext uri="{FF2B5EF4-FFF2-40B4-BE49-F238E27FC236}">
-                <a16:creationId xmlns:a16="http://schemas.microsoft.com/office/drawing/2014/main" id="{6CAAB964-0A56-4842-AA82-7610F726CD14}"/>
-              </a:ext>
-            </a:extLst>
-          </p:cNvPr>
+          <p:cNvPr id="7" name="Text Placeholder 2"/>
           <p:cNvSpPr>
             <a:spLocks noGrp="1"/>
           </p:cNvSpPr>
@@ -8688,18 +7890,13 @@
               <a:rPr lang="en-US" dirty="0"/>
               <a:t>EDIT MASTER TEXT STYLES</a:t>
             </a:r>
-          </a:p>
-        </p:txBody>
-      </p:sp>
-      <p:sp>
-        <p:nvSpPr>
-          <p:cNvPr id="4" name="Footer Placeholder 3">
-            <a:extLst>
-              <a:ext uri="{FF2B5EF4-FFF2-40B4-BE49-F238E27FC236}">
-                <a16:creationId xmlns:a16="http://schemas.microsoft.com/office/drawing/2014/main" id="{7BFE929D-DC77-46CA-82A0-DBC67BEA93A1}"/>
-              </a:ext>
-            </a:extLst>
-          </p:cNvPr>
+            <a:endParaRPr lang="en-US" dirty="0"/>
+          </a:p>
+        </p:txBody>
+      </p:sp>
+      <p:sp>
+        <p:nvSpPr>
+          <p:cNvPr id="4" name="Footer Placeholder 3"/>
           <p:cNvSpPr>
             <a:spLocks noGrp="1"/>
           </p:cNvSpPr>
@@ -8716,18 +7913,13 @@
               <a:rPr lang="en-US" dirty="0"/>
               <a:t>Add a Footer</a:t>
             </a:r>
-          </a:p>
-        </p:txBody>
-      </p:sp>
-      <p:sp>
-        <p:nvSpPr>
-          <p:cNvPr id="6" name="Slide Number Placeholder 5">
-            <a:extLst>
-              <a:ext uri="{FF2B5EF4-FFF2-40B4-BE49-F238E27FC236}">
-                <a16:creationId xmlns:a16="http://schemas.microsoft.com/office/drawing/2014/main" id="{04A17937-35A7-4492-BF9B-0912A22FF3FD}"/>
-              </a:ext>
-            </a:extLst>
-          </p:cNvPr>
+            <a:endParaRPr lang="en-US" dirty="0"/>
+          </a:p>
+        </p:txBody>
+      </p:sp>
+      <p:sp>
+        <p:nvSpPr>
+          <p:cNvPr id="6" name="Slide Number Placeholder 5"/>
           <p:cNvSpPr>
             <a:spLocks noGrp="1"/>
           </p:cNvSpPr>
@@ -8742,39 +7934,16 @@
           <a:p>
             <a:fld id="{8C2E478F-E849-4A8C-AF1F-CBCC78A7CBFA}" type="slidenum">
               <a:rPr lang="en-US" smtClean="0"/>
-              <a:pPr/>
-              <a:t>‹#›</a:t>
             </a:fld>
             <a:endParaRPr lang="en-US" dirty="0"/>
           </a:p>
         </p:txBody>
       </p:sp>
     </p:spTree>
-    <p:extLst>
-      <p:ext uri="{BB962C8B-B14F-4D97-AF65-F5344CB8AC3E}">
-        <p14:creationId xmlns:p14="http://schemas.microsoft.com/office/powerpoint/2010/main" val="3066600897"/>
-      </p:ext>
-    </p:extLst>
   </p:cSld>
   <p:clrMapOvr>
     <a:masterClrMapping/>
   </p:clrMapOvr>
-  <p:extLst>
-    <p:ext uri="{DCECCB84-F9BA-43D5-87BE-67443E8EF086}">
-      <p15:sldGuideLst xmlns:p15="http://schemas.microsoft.com/office/powerpoint/2012/main">
-        <p15:guide id="1" orient="horz" pos="2160">
-          <p15:clr>
-            <a:srgbClr val="FBAE40"/>
-          </p15:clr>
-        </p15:guide>
-        <p15:guide id="2" pos="3840">
-          <p15:clr>
-            <a:srgbClr val="FBAE40"/>
-          </p15:clr>
-        </p15:guide>
-      </p15:sldGuideLst>
-    </p:ext>
-  </p:extLst>
 </p:sldLayout>
 </file>
 
@@ -8797,13 +7966,7 @@
       </p:grpSpPr>
       <p:sp>
         <p:nvSpPr>
-          <p:cNvPr id="6" name="Content Placeholder 5">
-            <a:extLst>
-              <a:ext uri="{FF2B5EF4-FFF2-40B4-BE49-F238E27FC236}">
-                <a16:creationId xmlns:a16="http://schemas.microsoft.com/office/drawing/2014/main" id="{C42E9CCD-6BB8-4209-A6BA-851867956084}"/>
-              </a:ext>
-            </a:extLst>
-          </p:cNvPr>
+          <p:cNvPr id="6" name="Content Placeholder 5"/>
           <p:cNvSpPr>
             <a:spLocks noGrp="1"/>
           </p:cNvSpPr>
@@ -8826,6 +7989,7 @@
               <a:rPr lang="en-US"/>
               <a:t>Click to edit Master text styles</a:t>
             </a:r>
+            <a:endParaRPr lang="en-US"/>
           </a:p>
           <a:p>
             <a:pPr lvl="1"/>
@@ -8833,6 +7997,7 @@
               <a:rPr lang="en-US"/>
               <a:t>Second level</a:t>
             </a:r>
+            <a:endParaRPr lang="en-US"/>
           </a:p>
           <a:p>
             <a:pPr lvl="2"/>
@@ -8840,6 +8005,7 @@
               <a:rPr lang="en-US"/>
               <a:t>Third level</a:t>
             </a:r>
+            <a:endParaRPr lang="en-US"/>
           </a:p>
           <a:p>
             <a:pPr lvl="3"/>
@@ -8847,6 +8013,7 @@
               <a:rPr lang="en-US"/>
               <a:t>Fourth level</a:t>
             </a:r>
+            <a:endParaRPr lang="en-US"/>
           </a:p>
           <a:p>
             <a:pPr lvl="4"/>
@@ -8860,13 +8027,7 @@
       </p:sp>
       <p:grpSp>
         <p:nvGrpSpPr>
-          <p:cNvPr id="5" name="Group 4">
-            <a:extLst>
-              <a:ext uri="{FF2B5EF4-FFF2-40B4-BE49-F238E27FC236}">
-                <a16:creationId xmlns:a16="http://schemas.microsoft.com/office/drawing/2014/main" id="{1E8CB484-5390-4B2F-9BFB-D0733BEE88A5}"/>
-              </a:ext>
-            </a:extLst>
-          </p:cNvPr>
+          <p:cNvPr id="5" name="Group 4"/>
           <p:cNvGrpSpPr/>
           <p:nvPr userDrawn="1"/>
         </p:nvGrpSpPr>
@@ -8880,13 +8041,7 @@
         </p:grpSpPr>
         <p:sp>
           <p:nvSpPr>
-            <p:cNvPr id="24" name="Rectangle 23">
-              <a:extLst>
-                <a:ext uri="{FF2B5EF4-FFF2-40B4-BE49-F238E27FC236}">
-                  <a16:creationId xmlns:a16="http://schemas.microsoft.com/office/drawing/2014/main" id="{A8354BDC-9788-4AB5-A841-99D95C68804F}"/>
-                </a:ext>
-              </a:extLst>
-            </p:cNvPr>
+            <p:cNvPr id="24" name="Rectangle 23"/>
             <p:cNvSpPr/>
             <p:nvPr userDrawn="1"/>
           </p:nvSpPr>
@@ -8949,13 +8104,7 @@
         </p:sp>
         <p:sp>
           <p:nvSpPr>
-            <p:cNvPr id="23" name="Rectangle 22">
-              <a:extLst>
-                <a:ext uri="{FF2B5EF4-FFF2-40B4-BE49-F238E27FC236}">
-                  <a16:creationId xmlns:a16="http://schemas.microsoft.com/office/drawing/2014/main" id="{36778BD9-B865-4156-B319-6A8242F0D4D5}"/>
-                </a:ext>
-              </a:extLst>
-            </p:cNvPr>
+            <p:cNvPr id="23" name="Rectangle 22"/>
             <p:cNvSpPr/>
             <p:nvPr userDrawn="1"/>
           </p:nvSpPr>
@@ -9001,13 +8150,7 @@
         </p:sp>
         <p:sp>
           <p:nvSpPr>
-            <p:cNvPr id="25" name="Rectangle 24">
-              <a:extLst>
-                <a:ext uri="{FF2B5EF4-FFF2-40B4-BE49-F238E27FC236}">
-                  <a16:creationId xmlns:a16="http://schemas.microsoft.com/office/drawing/2014/main" id="{AEB70006-7799-4F63-912B-45662CE14500}"/>
-                </a:ext>
-              </a:extLst>
-            </p:cNvPr>
+            <p:cNvPr id="25" name="Rectangle 24"/>
             <p:cNvSpPr/>
             <p:nvPr userDrawn="1"/>
           </p:nvSpPr>
@@ -9054,13 +8197,7 @@
       </p:grpSp>
       <p:sp>
         <p:nvSpPr>
-          <p:cNvPr id="2" name="Title 1">
-            <a:extLst>
-              <a:ext uri="{FF2B5EF4-FFF2-40B4-BE49-F238E27FC236}">
-                <a16:creationId xmlns:a16="http://schemas.microsoft.com/office/drawing/2014/main" id="{004074E6-E39E-4D19-B91F-8E84F37CBF3C}"/>
-              </a:ext>
-            </a:extLst>
-          </p:cNvPr>
+          <p:cNvPr id="2" name="Title 1"/>
           <p:cNvSpPr>
             <a:spLocks noGrp="1"/>
           </p:cNvSpPr>
@@ -9093,18 +8230,13 @@
               <a:rPr lang="en-US" dirty="0"/>
               <a:t>CLICK TO EDIT MASTER</a:t>
             </a:r>
-          </a:p>
-        </p:txBody>
-      </p:sp>
-      <p:sp>
-        <p:nvSpPr>
-          <p:cNvPr id="3" name="Content Placeholder 2">
-            <a:extLst>
-              <a:ext uri="{FF2B5EF4-FFF2-40B4-BE49-F238E27FC236}">
-                <a16:creationId xmlns:a16="http://schemas.microsoft.com/office/drawing/2014/main" id="{607D1B16-7058-45AD-9B19-E19CAF96683B}"/>
-              </a:ext>
-            </a:extLst>
-          </p:cNvPr>
+            <a:endParaRPr lang="en-US" dirty="0"/>
+          </a:p>
+        </p:txBody>
+      </p:sp>
+      <p:sp>
+        <p:nvSpPr>
+          <p:cNvPr id="3" name="Content Placeholder 2"/>
           <p:cNvSpPr>
             <a:spLocks noGrp="1"/>
           </p:cNvSpPr>
@@ -9180,6 +8312,7 @@
               <a:rPr lang="en-US"/>
               <a:t>Click to edit Master text styles</a:t>
             </a:r>
+            <a:endParaRPr lang="en-US"/>
           </a:p>
           <a:p>
             <a:pPr lvl="1"/>
@@ -9187,6 +8320,7 @@
               <a:rPr lang="en-US"/>
               <a:t>Second level</a:t>
             </a:r>
+            <a:endParaRPr lang="en-US"/>
           </a:p>
           <a:p>
             <a:pPr lvl="2"/>
@@ -9194,6 +8328,7 @@
               <a:rPr lang="en-US"/>
               <a:t>Third level</a:t>
             </a:r>
+            <a:endParaRPr lang="en-US"/>
           </a:p>
           <a:p>
             <a:pPr lvl="3"/>
@@ -9201,6 +8336,7 @@
               <a:rPr lang="en-US"/>
               <a:t>Fourth level</a:t>
             </a:r>
+            <a:endParaRPr lang="en-US"/>
           </a:p>
           <a:p>
             <a:pPr lvl="4"/>
@@ -9214,13 +8350,7 @@
       </p:sp>
       <p:sp>
         <p:nvSpPr>
-          <p:cNvPr id="7" name="Text Placeholder 2">
-            <a:extLst>
-              <a:ext uri="{FF2B5EF4-FFF2-40B4-BE49-F238E27FC236}">
-                <a16:creationId xmlns:a16="http://schemas.microsoft.com/office/drawing/2014/main" id="{6CAAB964-0A56-4842-AA82-7610F726CD14}"/>
-              </a:ext>
-            </a:extLst>
-          </p:cNvPr>
+          <p:cNvPr id="7" name="Text Placeholder 2"/>
           <p:cNvSpPr>
             <a:spLocks noGrp="1"/>
           </p:cNvSpPr>
@@ -9335,18 +8465,13 @@
               <a:rPr lang="en-US" dirty="0"/>
               <a:t>EDIT MASTER STYLES</a:t>
             </a:r>
-          </a:p>
-        </p:txBody>
-      </p:sp>
-      <p:sp>
-        <p:nvSpPr>
-          <p:cNvPr id="4" name="Footer Placeholder 3">
-            <a:extLst>
-              <a:ext uri="{FF2B5EF4-FFF2-40B4-BE49-F238E27FC236}">
-                <a16:creationId xmlns:a16="http://schemas.microsoft.com/office/drawing/2014/main" id="{15311BA1-4F61-4FA7-9C20-685B3689CAEF}"/>
-              </a:ext>
-            </a:extLst>
-          </p:cNvPr>
+            <a:endParaRPr lang="en-US" dirty="0"/>
+          </a:p>
+        </p:txBody>
+      </p:sp>
+      <p:sp>
+        <p:nvSpPr>
+          <p:cNvPr id="4" name="Footer Placeholder 3"/>
           <p:cNvSpPr>
             <a:spLocks noGrp="1"/>
           </p:cNvSpPr>
@@ -9363,18 +8488,13 @@
               <a:rPr lang="en-US" dirty="0"/>
               <a:t>Add a Footer</a:t>
             </a:r>
-          </a:p>
-        </p:txBody>
-      </p:sp>
-      <p:sp>
-        <p:nvSpPr>
-          <p:cNvPr id="8" name="Slide Number Placeholder 7">
-            <a:extLst>
-              <a:ext uri="{FF2B5EF4-FFF2-40B4-BE49-F238E27FC236}">
-                <a16:creationId xmlns:a16="http://schemas.microsoft.com/office/drawing/2014/main" id="{8EF357A5-40C6-41A4-B1BE-0AF78D459AC3}"/>
-              </a:ext>
-            </a:extLst>
-          </p:cNvPr>
+            <a:endParaRPr lang="en-US" dirty="0"/>
+          </a:p>
+        </p:txBody>
+      </p:sp>
+      <p:sp>
+        <p:nvSpPr>
+          <p:cNvPr id="8" name="Slide Number Placeholder 7"/>
           <p:cNvSpPr>
             <a:spLocks noGrp="1"/>
           </p:cNvSpPr>
@@ -9389,39 +8509,16 @@
           <a:p>
             <a:fld id="{8C2E478F-E849-4A8C-AF1F-CBCC78A7CBFA}" type="slidenum">
               <a:rPr lang="en-US" smtClean="0"/>
-              <a:pPr/>
-              <a:t>‹#›</a:t>
             </a:fld>
             <a:endParaRPr lang="en-US" dirty="0"/>
           </a:p>
         </p:txBody>
       </p:sp>
     </p:spTree>
-    <p:extLst>
-      <p:ext uri="{BB962C8B-B14F-4D97-AF65-F5344CB8AC3E}">
-        <p14:creationId xmlns:p14="http://schemas.microsoft.com/office/powerpoint/2010/main" val="2892789397"/>
-      </p:ext>
-    </p:extLst>
   </p:cSld>
   <p:clrMapOvr>
     <a:masterClrMapping/>
   </p:clrMapOvr>
-  <p:extLst>
-    <p:ext uri="{DCECCB84-F9BA-43D5-87BE-67443E8EF086}">
-      <p15:sldGuideLst xmlns:p15="http://schemas.microsoft.com/office/powerpoint/2012/main">
-        <p15:guide id="1" orient="horz" pos="2160">
-          <p15:clr>
-            <a:srgbClr val="FBAE40"/>
-          </p15:clr>
-        </p15:guide>
-        <p15:guide id="2" pos="3840">
-          <p15:clr>
-            <a:srgbClr val="FBAE40"/>
-          </p15:clr>
-        </p15:guide>
-      </p15:sldGuideLst>
-    </p:ext>
-  </p:extLst>
 </p:sldLayout>
 </file>
 
@@ -9444,13 +8541,7 @@
       </p:grpSpPr>
       <p:sp>
         <p:nvSpPr>
-          <p:cNvPr id="3" name="Picture Placeholder 2">
-            <a:extLst>
-              <a:ext uri="{FF2B5EF4-FFF2-40B4-BE49-F238E27FC236}">
-                <a16:creationId xmlns:a16="http://schemas.microsoft.com/office/drawing/2014/main" id="{DE635FD8-712D-4EE2-A5B6-3DD8DE9C25E9}"/>
-              </a:ext>
-            </a:extLst>
-          </p:cNvPr>
+          <p:cNvPr id="3" name="Picture Placeholder 2"/>
           <p:cNvSpPr>
             <a:spLocks noGrp="1"/>
           </p:cNvSpPr>
@@ -9483,13 +8574,7 @@
       </p:sp>
       <p:sp>
         <p:nvSpPr>
-          <p:cNvPr id="2" name="Footer Placeholder 1">
-            <a:extLst>
-              <a:ext uri="{FF2B5EF4-FFF2-40B4-BE49-F238E27FC236}">
-                <a16:creationId xmlns:a16="http://schemas.microsoft.com/office/drawing/2014/main" id="{D56B8994-D221-4700-A133-4FCBC9C9406C}"/>
-              </a:ext>
-            </a:extLst>
-          </p:cNvPr>
+          <p:cNvPr id="2" name="Footer Placeholder 1"/>
           <p:cNvSpPr>
             <a:spLocks noGrp="1"/>
           </p:cNvSpPr>
@@ -9506,18 +8591,13 @@
               <a:rPr lang="en-US" dirty="0"/>
               <a:t>Add a Footer</a:t>
             </a:r>
-          </a:p>
-        </p:txBody>
-      </p:sp>
-      <p:sp>
-        <p:nvSpPr>
-          <p:cNvPr id="4" name="Slide Number Placeholder 3">
-            <a:extLst>
-              <a:ext uri="{FF2B5EF4-FFF2-40B4-BE49-F238E27FC236}">
-                <a16:creationId xmlns:a16="http://schemas.microsoft.com/office/drawing/2014/main" id="{CCBE36DC-B3F9-4725-94B8-EAD411EC2417}"/>
-              </a:ext>
-            </a:extLst>
-          </p:cNvPr>
+            <a:endParaRPr lang="en-US" dirty="0"/>
+          </a:p>
+        </p:txBody>
+      </p:sp>
+      <p:sp>
+        <p:nvSpPr>
+          <p:cNvPr id="4" name="Slide Number Placeholder 3"/>
           <p:cNvSpPr>
             <a:spLocks noGrp="1"/>
           </p:cNvSpPr>
@@ -9532,8 +8612,6 @@
           <a:p>
             <a:fld id="{8C2E478F-E849-4A8C-AF1F-CBCC78A7CBFA}" type="slidenum">
               <a:rPr lang="en-US" smtClean="0"/>
-              <a:pPr/>
-              <a:t>‹#›</a:t>
             </a:fld>
             <a:endParaRPr lang="en-US" dirty="0"/>
           </a:p>
@@ -9541,13 +8619,7 @@
       </p:sp>
       <p:sp>
         <p:nvSpPr>
-          <p:cNvPr id="5" name="Title 4">
-            <a:extLst>
-              <a:ext uri="{FF2B5EF4-FFF2-40B4-BE49-F238E27FC236}">
-                <a16:creationId xmlns:a16="http://schemas.microsoft.com/office/drawing/2014/main" id="{AF50108F-20E3-412D-860B-14CB11988FEE}"/>
-              </a:ext>
-            </a:extLst>
-          </p:cNvPr>
+          <p:cNvPr id="5" name="Title 4"/>
           <p:cNvSpPr>
             <a:spLocks noGrp="1"/>
           </p:cNvSpPr>
@@ -9564,15 +8636,11 @@
               <a:rPr lang="en-US"/>
               <a:t>Click to edit Master title style</a:t>
             </a:r>
+            <a:endParaRPr lang="en-US"/>
           </a:p>
         </p:txBody>
       </p:sp>
     </p:spTree>
-    <p:extLst>
-      <p:ext uri="{BB962C8B-B14F-4D97-AF65-F5344CB8AC3E}">
-        <p14:creationId xmlns:p14="http://schemas.microsoft.com/office/powerpoint/2010/main" val="4065416983"/>
-      </p:ext>
-    </p:extLst>
   </p:cSld>
   <p:clrMapOvr>
     <a:masterClrMapping/>
@@ -9607,13 +8675,7 @@
       </p:grpSpPr>
       <p:sp>
         <p:nvSpPr>
-          <p:cNvPr id="2" name="Title Placeholder 1">
-            <a:extLst>
-              <a:ext uri="{FF2B5EF4-FFF2-40B4-BE49-F238E27FC236}">
-                <a16:creationId xmlns:a16="http://schemas.microsoft.com/office/drawing/2014/main" id="{7F27C465-B000-4905-9328-DBAB7930A0CF}"/>
-              </a:ext>
-            </a:extLst>
-          </p:cNvPr>
+          <p:cNvPr id="2" name="Title Placeholder 1"/>
           <p:cNvSpPr>
             <a:spLocks noGrp="1"/>
           </p:cNvSpPr>
@@ -9646,13 +8708,7 @@
       </p:sp>
       <p:sp>
         <p:nvSpPr>
-          <p:cNvPr id="3" name="Text Placeholder 2">
-            <a:extLst>
-              <a:ext uri="{FF2B5EF4-FFF2-40B4-BE49-F238E27FC236}">
-                <a16:creationId xmlns:a16="http://schemas.microsoft.com/office/drawing/2014/main" id="{FBBF3059-D5B9-418C-A60B-C3C8E261E486}"/>
-              </a:ext>
-            </a:extLst>
-          </p:cNvPr>
+          <p:cNvPr id="3" name="Text Placeholder 2"/>
           <p:cNvSpPr>
             <a:spLocks noGrp="1"/>
           </p:cNvSpPr>
@@ -9680,6 +8736,7 @@
               <a:rPr lang="en-US"/>
               <a:t>Click to edit Master text styles</a:t>
             </a:r>
+            <a:endParaRPr lang="en-US"/>
           </a:p>
           <a:p>
             <a:pPr lvl="1"/>
@@ -9687,6 +8744,7 @@
               <a:rPr lang="en-US"/>
               <a:t>Second level</a:t>
             </a:r>
+            <a:endParaRPr lang="en-US"/>
           </a:p>
           <a:p>
             <a:pPr lvl="2"/>
@@ -9694,6 +8752,7 @@
               <a:rPr lang="en-US"/>
               <a:t>Third level</a:t>
             </a:r>
+            <a:endParaRPr lang="en-US"/>
           </a:p>
           <a:p>
             <a:pPr lvl="3"/>
@@ -9701,6 +8760,7 @@
               <a:rPr lang="en-US"/>
               <a:t>Fourth level</a:t>
             </a:r>
+            <a:endParaRPr lang="en-US"/>
           </a:p>
           <a:p>
             <a:pPr lvl="4"/>
@@ -9714,13 +8774,7 @@
       </p:sp>
       <p:sp>
         <p:nvSpPr>
-          <p:cNvPr id="5" name="Footer Placeholder 4">
-            <a:extLst>
-              <a:ext uri="{FF2B5EF4-FFF2-40B4-BE49-F238E27FC236}">
-                <a16:creationId xmlns:a16="http://schemas.microsoft.com/office/drawing/2014/main" id="{E087F727-48BD-4EB4-B57F-5AC03BEB1A4D}"/>
-              </a:ext>
-            </a:extLst>
-          </p:cNvPr>
+          <p:cNvPr id="5" name="Footer Placeholder 4"/>
           <p:cNvSpPr>
             <a:spLocks noGrp="1"/>
           </p:cNvSpPr>
@@ -9753,18 +8807,13 @@
               <a:rPr lang="en-US" dirty="0"/>
               <a:t>Add a Footer</a:t>
             </a:r>
-          </a:p>
-        </p:txBody>
-      </p:sp>
-      <p:sp>
-        <p:nvSpPr>
-          <p:cNvPr id="9" name="Rectangle: Single Corner Snipped 8">
-            <a:extLst>
-              <a:ext uri="{FF2B5EF4-FFF2-40B4-BE49-F238E27FC236}">
-                <a16:creationId xmlns:a16="http://schemas.microsoft.com/office/drawing/2014/main" id="{7166C798-72CE-4F2D-9A04-013F24A2659F}"/>
-              </a:ext>
-            </a:extLst>
-          </p:cNvPr>
+            <a:endParaRPr lang="en-US" dirty="0"/>
+          </a:p>
+        </p:txBody>
+      </p:sp>
+      <p:sp>
+        <p:nvSpPr>
+          <p:cNvPr id="9" name="Rectangle: Single Corner Snipped 8"/>
           <p:cNvSpPr/>
           <p:nvPr userDrawn="1"/>
         </p:nvSpPr>
@@ -9831,13 +8880,7 @@
       </p:sp>
       <p:sp>
         <p:nvSpPr>
-          <p:cNvPr id="10" name="Slide Number Placeholder 5">
-            <a:extLst>
-              <a:ext uri="{FF2B5EF4-FFF2-40B4-BE49-F238E27FC236}">
-                <a16:creationId xmlns:a16="http://schemas.microsoft.com/office/drawing/2014/main" id="{3ACE58C5-CE1C-415B-8591-25A53FF2AE88}"/>
-              </a:ext>
-            </a:extLst>
-          </p:cNvPr>
+          <p:cNvPr id="10" name="Slide Number Placeholder 5"/>
           <p:cNvSpPr>
             <a:spLocks noGrp="1"/>
           </p:cNvSpPr>
@@ -9868,40 +8911,33 @@
           <a:p>
             <a:fld id="{8C2E478F-E849-4A8C-AF1F-CBCC78A7CBFA}" type="slidenum">
               <a:rPr lang="en-US" smtClean="0"/>
-              <a:pPr/>
-              <a:t>‹#›</a:t>
             </a:fld>
             <a:endParaRPr lang="en-US" dirty="0"/>
           </a:p>
         </p:txBody>
       </p:sp>
     </p:spTree>
-    <p:extLst>
-      <p:ext uri="{BB962C8B-B14F-4D97-AF65-F5344CB8AC3E}">
-        <p14:creationId xmlns:p14="http://schemas.microsoft.com/office/powerpoint/2010/main" val="2465277891"/>
-      </p:ext>
-    </p:extLst>
   </p:cSld>
   <p:clrMap bg1="lt1" tx1="dk1" bg2="lt2" tx2="dk2" accent1="accent1" accent2="accent2" accent3="accent3" accent4="accent4" accent5="accent5" accent6="accent6" hlink="hlink" folHlink="folHlink"/>
   <p:sldLayoutIdLst>
     <p:sldLayoutId id="2147483649" r:id="rId1"/>
     <p:sldLayoutId id="2147483650" r:id="rId2"/>
-    <p:sldLayoutId id="2147483664" r:id="rId3"/>
-    <p:sldLayoutId id="2147483651" r:id="rId4"/>
+    <p:sldLayoutId id="2147483651" r:id="rId3"/>
+    <p:sldLayoutId id="2147483652" r:id="rId4"/>
     <p:sldLayoutId id="2147483653" r:id="rId5"/>
-    <p:sldLayoutId id="2147483657" r:id="rId6"/>
-    <p:sldLayoutId id="2147483660" r:id="rId7"/>
-    <p:sldLayoutId id="2147483663" r:id="rId8"/>
-    <p:sldLayoutId id="2147483662" r:id="rId9"/>
-    <p:sldLayoutId id="2147483669" r:id="rId10"/>
-    <p:sldLayoutId id="2147483661" r:id="rId11"/>
-    <p:sldLayoutId id="2147483666" r:id="rId12"/>
-    <p:sldLayoutId id="2147483670" r:id="rId13"/>
-    <p:sldLayoutId id="2147483667" r:id="rId14"/>
-    <p:sldLayoutId id="2147483668" r:id="rId15"/>
-    <p:sldLayoutId id="2147483665" r:id="rId16"/>
-    <p:sldLayoutId id="2147483671" r:id="rId17"/>
-    <p:sldLayoutId id="2147483655" r:id="rId18"/>
+    <p:sldLayoutId id="2147483654" r:id="rId6"/>
+    <p:sldLayoutId id="2147483655" r:id="rId7"/>
+    <p:sldLayoutId id="2147483656" r:id="rId8"/>
+    <p:sldLayoutId id="2147483657" r:id="rId9"/>
+    <p:sldLayoutId id="2147483658" r:id="rId10"/>
+    <p:sldLayoutId id="2147483659" r:id="rId11"/>
+    <p:sldLayoutId id="2147483660" r:id="rId12"/>
+    <p:sldLayoutId id="2147483661" r:id="rId13"/>
+    <p:sldLayoutId id="2147483662" r:id="rId14"/>
+    <p:sldLayoutId id="2147483663" r:id="rId15"/>
+    <p:sldLayoutId id="2147483664" r:id="rId16"/>
+    <p:sldLayoutId id="2147483665" r:id="rId17"/>
+    <p:sldLayoutId id="2147483666" r:id="rId18"/>
   </p:sldLayoutIdLst>
   <p:hf hdr="0" dt="0"/>
   <p:txStyles>
@@ -10184,22 +9220,6 @@
       </a:lvl9pPr>
     </p:otherStyle>
   </p:txStyles>
-  <p:extLst>
-    <p:ext uri="{27BBF7A9-308A-43DC-89C8-2F10F3537804}">
-      <p15:sldGuideLst xmlns:p15="http://schemas.microsoft.com/office/powerpoint/2012/main">
-        <p15:guide id="1" pos="384" userDrawn="1">
-          <p15:clr>
-            <a:srgbClr val="F26B43"/>
-          </p15:clr>
-        </p15:guide>
-        <p15:guide id="2" pos="7320" userDrawn="1">
-          <p15:clr>
-            <a:srgbClr val="F26B43"/>
-          </p15:clr>
-        </p15:guide>
-      </p15:sldGuideLst>
-    </p:ext>
-  </p:extLst>
 </p:sldMaster>
 </file>
 
@@ -10222,13 +9242,7 @@
       </p:grpSpPr>
       <p:pic>
         <p:nvPicPr>
-          <p:cNvPr id="6" name="Picture Placeholder 5" descr="Building" title="Building">
-            <a:extLst>
-              <a:ext uri="{FF2B5EF4-FFF2-40B4-BE49-F238E27FC236}">
-                <a16:creationId xmlns:a16="http://schemas.microsoft.com/office/drawing/2014/main" id="{00C713CD-79D0-408F-A140-FBAE3C602261}"/>
-              </a:ext>
-            </a:extLst>
-          </p:cNvPr>
+          <p:cNvPr id="6" name="Picture Placeholder 5" descr="Building" title="Building"/>
           <p:cNvPicPr>
             <a:picLocks noGrp="1" noChangeAspect="1"/>
           </p:cNvPicPr>
@@ -10237,11 +9251,11 @@
           </p:nvPr>
         </p:nvPicPr>
         <p:blipFill>
-          <a:blip r:embed="rId2">
+          <a:blip r:embed="rId1">
             <a:extLst>
               <a:ext uri="{BEBA8EAE-BF5A-486C-A8C5-ECC9F3942E4B}">
                 <a14:imgProps xmlns:a14="http://schemas.microsoft.com/office/drawing/2010/main">
-                  <a14:imgLayer r:embed="rId3">
+                  <a14:imgLayer r:embed="rId2">
                     <a14:imgEffect>
                       <a14:brightnessContrast bright="-25000"/>
                     </a14:imgEffect>
@@ -10262,16 +9276,7 @@
       </p:pic>
       <p:grpSp>
         <p:nvGrpSpPr>
-          <p:cNvPr id="2" name="Group 1">
-            <a:extLst>
-              <a:ext uri="{FF2B5EF4-FFF2-40B4-BE49-F238E27FC236}">
-                <a16:creationId xmlns:a16="http://schemas.microsoft.com/office/drawing/2014/main" id="{CCC577CF-CED3-44B1-AC3E-05C2556B41F4}"/>
-              </a:ext>
-              <a:ext uri="{C183D7F6-B498-43B3-948B-1728B52AA6E4}">
-                <adec:decorative xmlns:adec="http://schemas.microsoft.com/office/drawing/2017/decorative" val="1"/>
-              </a:ext>
-            </a:extLst>
-          </p:cNvPr>
+          <p:cNvPr id="2" name="Group 1"/>
           <p:cNvGrpSpPr/>
           <p:nvPr/>
         </p:nvGrpSpPr>
@@ -10285,16 +9290,7 @@
         </p:grpSpPr>
         <p:sp>
           <p:nvSpPr>
-            <p:cNvPr id="14" name="Rectangle 13">
-              <a:extLst>
-                <a:ext uri="{FF2B5EF4-FFF2-40B4-BE49-F238E27FC236}">
-                  <a16:creationId xmlns:a16="http://schemas.microsoft.com/office/drawing/2014/main" id="{875940B9-0338-4FFA-9747-10812F028FB7}"/>
-                </a:ext>
-                <a:ext uri="{C183D7F6-B498-43B3-948B-1728B52AA6E4}">
-                  <adec:decorative xmlns:adec="http://schemas.microsoft.com/office/drawing/2017/decorative" val="1"/>
-                </a:ext>
-              </a:extLst>
-            </p:cNvPr>
+            <p:cNvPr id="14" name="Rectangle 13"/>
             <p:cNvSpPr/>
             <p:nvPr/>
           </p:nvSpPr>
@@ -10357,16 +9353,7 @@
         </p:sp>
         <p:sp>
           <p:nvSpPr>
-            <p:cNvPr id="24" name="Rectangle 23">
-              <a:extLst>
-                <a:ext uri="{FF2B5EF4-FFF2-40B4-BE49-F238E27FC236}">
-                  <a16:creationId xmlns:a16="http://schemas.microsoft.com/office/drawing/2014/main" id="{D4B52C7E-3049-4545-956A-6D8F73F234DB}"/>
-                </a:ext>
-                <a:ext uri="{C183D7F6-B498-43B3-948B-1728B52AA6E4}">
-                  <adec:decorative xmlns:adec="http://schemas.microsoft.com/office/drawing/2017/decorative" val="1"/>
-                </a:ext>
-              </a:extLst>
-            </p:cNvPr>
+            <p:cNvPr id="24" name="Rectangle 23"/>
             <p:cNvSpPr/>
             <p:nvPr/>
           </p:nvSpPr>
@@ -10416,26 +9403,17 @@
         </p:sp>
         <p:pic>
           <p:nvPicPr>
-            <p:cNvPr id="13" name="Graphic 12">
-              <a:extLst>
-                <a:ext uri="{FF2B5EF4-FFF2-40B4-BE49-F238E27FC236}">
-                  <a16:creationId xmlns:a16="http://schemas.microsoft.com/office/drawing/2014/main" id="{46669882-9FD4-41D7-A5A6-A4A2E44A2ABF}"/>
-                </a:ext>
-                <a:ext uri="{C183D7F6-B498-43B3-948B-1728B52AA6E4}">
-                  <adec:decorative xmlns:adec="http://schemas.microsoft.com/office/drawing/2017/decorative" val="1"/>
-                </a:ext>
-              </a:extLst>
-            </p:cNvPr>
+            <p:cNvPr id="13" name="Graphic 12"/>
             <p:cNvPicPr>
               <a:picLocks noChangeAspect="1"/>
             </p:cNvPicPr>
             <p:nvPr/>
           </p:nvPicPr>
           <p:blipFill>
-            <a:blip r:embed="rId4">
+            <a:blip r:embed="rId3">
               <a:extLst>
                 <a:ext uri="{96DAC541-7B7A-43D3-8B79-37D633B846F1}">
-                  <asvg:svgBlip xmlns:asvg="http://schemas.microsoft.com/office/drawing/2016/SVG/main" r:embed="rId5"/>
+                  <asvg:svgBlip xmlns:asvg="http://schemas.microsoft.com/office/drawing/2016/SVG/main" r:embed="rId4"/>
                 </a:ext>
               </a:extLst>
             </a:blip>
@@ -10456,13 +9434,7 @@
       </p:grpSp>
       <p:sp>
         <p:nvSpPr>
-          <p:cNvPr id="26" name="Title 25">
-            <a:extLst>
-              <a:ext uri="{FF2B5EF4-FFF2-40B4-BE49-F238E27FC236}">
-                <a16:creationId xmlns:a16="http://schemas.microsoft.com/office/drawing/2014/main" id="{DB4530C3-10EF-4FDE-A1B1-9DF09C2DF096}"/>
-              </a:ext>
-            </a:extLst>
-          </p:cNvPr>
+          <p:cNvPr id="26" name="Title 25"/>
           <p:cNvSpPr>
             <a:spLocks noGrp="1"/>
           </p:cNvSpPr>
@@ -10479,18 +9451,13 @@
               <a:rPr lang="en-US" dirty="0"/>
               <a:t>Melbourne AirBnB</a:t>
             </a:r>
-          </a:p>
-        </p:txBody>
-      </p:sp>
-      <p:sp>
-        <p:nvSpPr>
-          <p:cNvPr id="27" name="Text Placeholder 26">
-            <a:extLst>
-              <a:ext uri="{FF2B5EF4-FFF2-40B4-BE49-F238E27FC236}">
-                <a16:creationId xmlns:a16="http://schemas.microsoft.com/office/drawing/2014/main" id="{863C256D-8187-4199-952C-D2BB841598F8}"/>
-              </a:ext>
-            </a:extLst>
-          </p:cNvPr>
+            <a:endParaRPr lang="en-US" dirty="0"/>
+          </a:p>
+        </p:txBody>
+      </p:sp>
+      <p:sp>
+        <p:nvSpPr>
+          <p:cNvPr id="27" name="Text Placeholder 26"/>
           <p:cNvSpPr>
             <a:spLocks noGrp="1"/>
           </p:cNvSpPr>
@@ -10507,18 +9474,13 @@
               <a:rPr lang="en-US" dirty="0"/>
               <a:t>2019 vs 2020</a:t>
             </a:r>
-          </a:p>
-        </p:txBody>
-      </p:sp>
-      <p:sp>
-        <p:nvSpPr>
-          <p:cNvPr id="3" name="Footer Placeholder 2">
-            <a:extLst>
-              <a:ext uri="{FF2B5EF4-FFF2-40B4-BE49-F238E27FC236}">
-                <a16:creationId xmlns:a16="http://schemas.microsoft.com/office/drawing/2014/main" id="{6F5A9FF5-7F76-43F9-8EBE-606AC1E2C553}"/>
-              </a:ext>
-            </a:extLst>
-          </p:cNvPr>
+            <a:endParaRPr lang="en-US" dirty="0"/>
+          </a:p>
+        </p:txBody>
+      </p:sp>
+      <p:sp>
+        <p:nvSpPr>
+          <p:cNvPr id="3" name="Footer Placeholder 2"/>
           <p:cNvSpPr>
             <a:spLocks noGrp="1"/>
           </p:cNvSpPr>
@@ -10535,18 +9497,13 @@
               <a:rPr lang="en-US" dirty="0"/>
               <a:t>Add a Footer</a:t>
             </a:r>
-          </a:p>
-        </p:txBody>
-      </p:sp>
-      <p:sp>
-        <p:nvSpPr>
-          <p:cNvPr id="11" name="Rectangle: Single Corner Snipped 10" descr="Footer accent box">
-            <a:extLst>
-              <a:ext uri="{FF2B5EF4-FFF2-40B4-BE49-F238E27FC236}">
-                <a16:creationId xmlns:a16="http://schemas.microsoft.com/office/drawing/2014/main" id="{A39C0937-57CD-4C2F-B530-516994363917}"/>
-              </a:ext>
-            </a:extLst>
-          </p:cNvPr>
+            <a:endParaRPr lang="en-US" dirty="0"/>
+          </a:p>
+        </p:txBody>
+      </p:sp>
+      <p:sp>
+        <p:nvSpPr>
+          <p:cNvPr id="11" name="Rectangle: Single Corner Snipped 10" descr="Footer accent box"/>
           <p:cNvSpPr/>
           <p:nvPr/>
         </p:nvSpPr>
@@ -10613,13 +9570,7 @@
       </p:sp>
       <p:sp>
         <p:nvSpPr>
-          <p:cNvPr id="4" name="Slide Number Placeholder 3">
-            <a:extLst>
-              <a:ext uri="{FF2B5EF4-FFF2-40B4-BE49-F238E27FC236}">
-                <a16:creationId xmlns:a16="http://schemas.microsoft.com/office/drawing/2014/main" id="{4E8EC366-9118-4504-88CF-ABE80F98E7F0}"/>
-              </a:ext>
-            </a:extLst>
-          </p:cNvPr>
+          <p:cNvPr id="4" name="Slide Number Placeholder 3"/>
           <p:cNvSpPr>
             <a:spLocks noGrp="1"/>
           </p:cNvSpPr>
@@ -10634,19 +9585,12 @@
           <a:p>
             <a:fld id="{8C2E478F-E849-4A8C-AF1F-CBCC78A7CBFA}" type="slidenum">
               <a:rPr lang="en-US" smtClean="0"/>
-              <a:pPr/>
-              <a:t>1</a:t>
             </a:fld>
             <a:endParaRPr lang="en-US" dirty="0"/>
           </a:p>
         </p:txBody>
       </p:sp>
     </p:spTree>
-    <p:extLst>
-      <p:ext uri="{BB962C8B-B14F-4D97-AF65-F5344CB8AC3E}">
-        <p14:creationId xmlns:p14="http://schemas.microsoft.com/office/powerpoint/2010/main" val="2948305498"/>
-      </p:ext>
-    </p:extLst>
   </p:cSld>
   <p:clrMapOvr>
     <a:masterClrMapping/>
@@ -10673,13 +9617,7 @@
       </p:grpSpPr>
       <p:pic>
         <p:nvPicPr>
-          <p:cNvPr id="9" name="Content Placeholder 8" descr="Chart&#10;&#10;Description automatically generated">
-            <a:extLst>
-              <a:ext uri="{FF2B5EF4-FFF2-40B4-BE49-F238E27FC236}">
-                <a16:creationId xmlns:a16="http://schemas.microsoft.com/office/drawing/2014/main" id="{CE246ED8-B3FA-4F65-961E-9E0A4ABFA93E}"/>
-              </a:ext>
-            </a:extLst>
-          </p:cNvPr>
+          <p:cNvPr id="9" name="Content Placeholder 8" descr="Chart&#10;&#10;Description automatically generated"/>
           <p:cNvPicPr>
             <a:picLocks noGrp="1" noChangeAspect="1"/>
           </p:cNvPicPr>
@@ -10688,7 +9626,7 @@
           </p:nvPr>
         </p:nvPicPr>
         <p:blipFill>
-          <a:blip r:embed="rId2"/>
+          <a:blip r:embed="rId1"/>
           <a:stretch>
             <a:fillRect/>
           </a:stretch>
@@ -10702,13 +9640,7 @@
       </p:pic>
       <p:sp>
         <p:nvSpPr>
-          <p:cNvPr id="3" name="Title 2">
-            <a:extLst>
-              <a:ext uri="{FF2B5EF4-FFF2-40B4-BE49-F238E27FC236}">
-                <a16:creationId xmlns:a16="http://schemas.microsoft.com/office/drawing/2014/main" id="{963D3CFB-9ABB-4FCD-82E7-9DE87C226AC1}"/>
-              </a:ext>
-            </a:extLst>
-          </p:cNvPr>
+          <p:cNvPr id="3" name="Title 2"/>
           <p:cNvSpPr>
             <a:spLocks noGrp="1"/>
           </p:cNvSpPr>
@@ -10744,13 +9676,7 @@
       </p:sp>
       <p:sp>
         <p:nvSpPr>
-          <p:cNvPr id="4" name="Content Placeholder 3">
-            <a:extLst>
-              <a:ext uri="{FF2B5EF4-FFF2-40B4-BE49-F238E27FC236}">
-                <a16:creationId xmlns:a16="http://schemas.microsoft.com/office/drawing/2014/main" id="{0C9180BE-F25F-46F8-BF1B-4BE6880D120C}"/>
-              </a:ext>
-            </a:extLst>
-          </p:cNvPr>
+          <p:cNvPr id="4" name="Content Placeholder 3"/>
           <p:cNvSpPr>
             <a:spLocks noGrp="1"/>
           </p:cNvSpPr>
@@ -10782,6 +9708,7 @@
               <a:rPr lang="en-US" dirty="0"/>
               <a:t>.</a:t>
             </a:r>
+            <a:endParaRPr lang="en-US" dirty="0"/>
           </a:p>
           <a:p>
             <a:r>
@@ -10839,6 +9766,7 @@
               <a:rPr lang="en-US" dirty="0"/>
               <a:t>in year 2020</a:t>
             </a:r>
+            <a:endParaRPr lang="en-US" dirty="0"/>
           </a:p>
           <a:p>
             <a:r>
@@ -10864,18 +9792,13 @@
               <a:rPr lang="en-US" dirty="0"/>
               <a:t> Ranges</a:t>
             </a:r>
-          </a:p>
-        </p:txBody>
-      </p:sp>
-      <p:sp>
-        <p:nvSpPr>
-          <p:cNvPr id="6" name="Footer Placeholder 5">
-            <a:extLst>
-              <a:ext uri="{FF2B5EF4-FFF2-40B4-BE49-F238E27FC236}">
-                <a16:creationId xmlns:a16="http://schemas.microsoft.com/office/drawing/2014/main" id="{7AFC9C19-83AF-46CD-9C61-BF46A93DCDDF}"/>
-              </a:ext>
-            </a:extLst>
-          </p:cNvPr>
+            <a:endParaRPr lang="en-US" dirty="0"/>
+          </a:p>
+        </p:txBody>
+      </p:sp>
+      <p:sp>
+        <p:nvSpPr>
+          <p:cNvPr id="6" name="Footer Placeholder 5"/>
           <p:cNvSpPr>
             <a:spLocks noGrp="1"/>
           </p:cNvSpPr>
@@ -10898,13 +9821,7 @@
       </p:sp>
       <p:sp>
         <p:nvSpPr>
-          <p:cNvPr id="7" name="Slide Number Placeholder 6">
-            <a:extLst>
-              <a:ext uri="{FF2B5EF4-FFF2-40B4-BE49-F238E27FC236}">
-                <a16:creationId xmlns:a16="http://schemas.microsoft.com/office/drawing/2014/main" id="{7B0F959D-3783-4791-872C-A877B2B5D84F}"/>
-              </a:ext>
-            </a:extLst>
-          </p:cNvPr>
+          <p:cNvPr id="7" name="Slide Number Placeholder 6"/>
           <p:cNvSpPr>
             <a:spLocks noGrp="1"/>
           </p:cNvSpPr>
@@ -10919,19 +9836,12 @@
           <a:p>
             <a:fld id="{8C2E478F-E849-4A8C-AF1F-CBCC78A7CBFA}" type="slidenum">
               <a:rPr lang="en-US" smtClean="0"/>
-              <a:pPr/>
-              <a:t>10</a:t>
             </a:fld>
             <a:endParaRPr lang="en-US" dirty="0"/>
           </a:p>
         </p:txBody>
       </p:sp>
     </p:spTree>
-    <p:extLst>
-      <p:ext uri="{BB962C8B-B14F-4D97-AF65-F5344CB8AC3E}">
-        <p14:creationId xmlns:p14="http://schemas.microsoft.com/office/powerpoint/2010/main" val="1851946157"/>
-      </p:ext>
-    </p:extLst>
   </p:cSld>
   <p:clrMapOvr>
     <a:masterClrMapping/>
@@ -10958,13 +9868,7 @@
       </p:grpSpPr>
       <p:sp>
         <p:nvSpPr>
-          <p:cNvPr id="3" name="Content Placeholder 2">
-            <a:extLst>
-              <a:ext uri="{FF2B5EF4-FFF2-40B4-BE49-F238E27FC236}">
-                <a16:creationId xmlns:a16="http://schemas.microsoft.com/office/drawing/2014/main" id="{DF588524-9482-453A-A24B-AAE27BAA7343}"/>
-              </a:ext>
-            </a:extLst>
-          </p:cNvPr>
+          <p:cNvPr id="3" name="Content Placeholder 2"/>
           <p:cNvSpPr>
             <a:spLocks noGrp="1"/>
           </p:cNvSpPr>
@@ -10986,18 +9890,21 @@
               <a:rPr lang="en-US" dirty="0"/>
               <a:t>Comparison of Airbnb listings between Urban and Regional areas</a:t>
             </a:r>
+            <a:endParaRPr lang="en-US" dirty="0"/>
           </a:p>
           <a:p>
             <a:r>
               <a:rPr lang="en-US" dirty="0"/>
               <a:t>Slight increase in Airbnb listings in Regional areas</a:t>
             </a:r>
+            <a:endParaRPr lang="en-US" dirty="0"/>
           </a:p>
           <a:p>
             <a:r>
               <a:rPr lang="en-US" dirty="0"/>
               <a:t>Decrease in Airbnb listings in Urban areas</a:t>
             </a:r>
+            <a:endParaRPr lang="en-US" dirty="0"/>
           </a:p>
           <a:p>
             <a:endParaRPr lang="en-AU" dirty="0"/>
@@ -11006,13 +9913,7 @@
       </p:sp>
       <p:sp>
         <p:nvSpPr>
-          <p:cNvPr id="5" name="Content Placeholder 4">
-            <a:extLst>
-              <a:ext uri="{FF2B5EF4-FFF2-40B4-BE49-F238E27FC236}">
-                <a16:creationId xmlns:a16="http://schemas.microsoft.com/office/drawing/2014/main" id="{EA53D317-6BB0-473F-B535-756CE0162457}"/>
-              </a:ext>
-            </a:extLst>
-          </p:cNvPr>
+          <p:cNvPr id="5" name="Content Placeholder 4"/>
           <p:cNvSpPr>
             <a:spLocks noGrp="1"/>
           </p:cNvSpPr>
@@ -11044,18 +9945,13 @@
               <a:rPr lang="en-US" dirty="0"/>
               <a:t> Ranges</a:t>
             </a:r>
-          </a:p>
-        </p:txBody>
-      </p:sp>
-      <p:sp>
-        <p:nvSpPr>
-          <p:cNvPr id="7" name="Title 6">
-            <a:extLst>
-              <a:ext uri="{FF2B5EF4-FFF2-40B4-BE49-F238E27FC236}">
-                <a16:creationId xmlns:a16="http://schemas.microsoft.com/office/drawing/2014/main" id="{3C0958DA-E006-45BA-B257-20A3971AC6AB}"/>
-              </a:ext>
-            </a:extLst>
-          </p:cNvPr>
+            <a:endParaRPr lang="en-US" dirty="0"/>
+          </a:p>
+        </p:txBody>
+      </p:sp>
+      <p:sp>
+        <p:nvSpPr>
+          <p:cNvPr id="7" name="Title 6"/>
           <p:cNvSpPr>
             <a:spLocks noGrp="1"/>
           </p:cNvSpPr>
@@ -11078,13 +9974,7 @@
       </p:sp>
       <p:sp>
         <p:nvSpPr>
-          <p:cNvPr id="8" name="Footer Placeholder 7">
-            <a:extLst>
-              <a:ext uri="{FF2B5EF4-FFF2-40B4-BE49-F238E27FC236}">
-                <a16:creationId xmlns:a16="http://schemas.microsoft.com/office/drawing/2014/main" id="{ADD05F8C-3C61-448B-A30A-F8E7E0C82B5F}"/>
-              </a:ext>
-            </a:extLst>
-          </p:cNvPr>
+          <p:cNvPr id="8" name="Footer Placeholder 7"/>
           <p:cNvSpPr>
             <a:spLocks noGrp="1"/>
           </p:cNvSpPr>
@@ -11107,13 +9997,7 @@
       </p:sp>
       <p:sp>
         <p:nvSpPr>
-          <p:cNvPr id="9" name="Slide Number Placeholder 8">
-            <a:extLst>
-              <a:ext uri="{FF2B5EF4-FFF2-40B4-BE49-F238E27FC236}">
-                <a16:creationId xmlns:a16="http://schemas.microsoft.com/office/drawing/2014/main" id="{638540F9-3CD8-49AC-A6AF-0CB5CC2BD22F}"/>
-              </a:ext>
-            </a:extLst>
-          </p:cNvPr>
+          <p:cNvPr id="9" name="Slide Number Placeholder 8"/>
           <p:cNvSpPr>
             <a:spLocks noGrp="1"/>
           </p:cNvSpPr>
@@ -11128,8 +10012,6 @@
           <a:p>
             <a:fld id="{8C2E478F-E849-4A8C-AF1F-CBCC78A7CBFA}" type="slidenum">
               <a:rPr lang="en-US" smtClean="0"/>
-              <a:pPr/>
-              <a:t>11</a:t>
             </a:fld>
             <a:endParaRPr lang="en-US" dirty="0"/>
           </a:p>
@@ -11137,13 +10019,7 @@
       </p:sp>
       <p:pic>
         <p:nvPicPr>
-          <p:cNvPr id="11" name="Picture Placeholder 10">
-            <a:extLst>
-              <a:ext uri="{FF2B5EF4-FFF2-40B4-BE49-F238E27FC236}">
-                <a16:creationId xmlns:a16="http://schemas.microsoft.com/office/drawing/2014/main" id="{EC41DBD4-5771-4791-AD2B-E7F3135BB984}"/>
-              </a:ext>
-            </a:extLst>
-          </p:cNvPr>
+          <p:cNvPr id="11" name="Picture Placeholder 10"/>
           <p:cNvPicPr>
             <a:picLocks noGrp="1" noChangeAspect="1"/>
           </p:cNvPicPr>
@@ -11152,7 +10028,7 @@
           </p:nvPr>
         </p:nvPicPr>
         <p:blipFill>
-          <a:blip r:embed="rId2">
+          <a:blip r:embed="rId1">
             <a:extLst>
               <a:ext uri="{28A0092B-C50C-407E-A947-70E740481C1C}">
                 <a14:useLocalDpi xmlns:a14="http://schemas.microsoft.com/office/drawing/2010/main" val="0"/>
@@ -11176,20 +10052,14 @@
       </p:pic>
       <p:pic>
         <p:nvPicPr>
-          <p:cNvPr id="12" name="Picture Placeholder 10">
-            <a:extLst>
-              <a:ext uri="{FF2B5EF4-FFF2-40B4-BE49-F238E27FC236}">
-                <a16:creationId xmlns:a16="http://schemas.microsoft.com/office/drawing/2014/main" id="{817955CE-4011-4C57-B4E7-D0AEC2F510A7}"/>
-              </a:ext>
-            </a:extLst>
-          </p:cNvPr>
+          <p:cNvPr id="12" name="Picture Placeholder 10"/>
           <p:cNvPicPr>
             <a:picLocks noChangeAspect="1"/>
           </p:cNvPicPr>
           <p:nvPr/>
         </p:nvPicPr>
         <p:blipFill>
-          <a:blip r:embed="rId2">
+          <a:blip r:embed="rId1">
             <a:extLst>
               <a:ext uri="{28A0092B-C50C-407E-A947-70E740481C1C}">
                 <a14:useLocalDpi xmlns:a14="http://schemas.microsoft.com/office/drawing/2010/main" val="0"/>
@@ -11215,11 +10085,6 @@
         </p:spPr>
       </p:pic>
     </p:spTree>
-    <p:extLst>
-      <p:ext uri="{BB962C8B-B14F-4D97-AF65-F5344CB8AC3E}">
-        <p14:creationId xmlns:p14="http://schemas.microsoft.com/office/powerpoint/2010/main" val="3907399648"/>
-      </p:ext>
-    </p:extLst>
   </p:cSld>
   <p:clrMapOvr>
     <a:masterClrMapping/>
@@ -11246,13 +10111,7 @@
       </p:grpSpPr>
       <p:sp>
         <p:nvSpPr>
-          <p:cNvPr id="2" name="Content Placeholder 1">
-            <a:extLst>
-              <a:ext uri="{FF2B5EF4-FFF2-40B4-BE49-F238E27FC236}">
-                <a16:creationId xmlns:a16="http://schemas.microsoft.com/office/drawing/2014/main" id="{DECF1F70-85B7-4AFA-B802-471BD4826D50}"/>
-              </a:ext>
-            </a:extLst>
-          </p:cNvPr>
+          <p:cNvPr id="2" name="Content Placeholder 1"/>
           <p:cNvSpPr>
             <a:spLocks noGrp="1"/>
           </p:cNvSpPr>
@@ -11276,6 +10135,7 @@
               <a:rPr lang="en-US" dirty="0"/>
               <a:t>Median prices for all Airbnb listings have slightly increased or remained the same</a:t>
             </a:r>
+            <a:endParaRPr lang="en-US" dirty="0"/>
           </a:p>
           <a:p>
             <a:r>
@@ -11290,6 +10150,7 @@
               <a:rPr lang="en-US" dirty="0"/>
               <a:t> Ranges and Bayside have increased in 2020.</a:t>
             </a:r>
+            <a:endParaRPr lang="en-US" dirty="0"/>
           </a:p>
           <a:p>
             <a:endParaRPr lang="en-AU" dirty="0"/>
@@ -11298,13 +10159,7 @@
       </p:sp>
       <p:sp>
         <p:nvSpPr>
-          <p:cNvPr id="3" name="Title 2">
-            <a:extLst>
-              <a:ext uri="{FF2B5EF4-FFF2-40B4-BE49-F238E27FC236}">
-                <a16:creationId xmlns:a16="http://schemas.microsoft.com/office/drawing/2014/main" id="{7816781F-2604-4BDC-86D6-F50279B2F78C}"/>
-              </a:ext>
-            </a:extLst>
-          </p:cNvPr>
+          <p:cNvPr id="3" name="Title 2"/>
           <p:cNvSpPr>
             <a:spLocks noGrp="1"/>
           </p:cNvSpPr>
@@ -11327,18 +10182,13 @@
               <a:rPr lang="en-AU" dirty="0"/>
               <a:t>Airbnb Listings Price Comparison</a:t>
             </a:r>
-          </a:p>
-        </p:txBody>
-      </p:sp>
-      <p:sp>
-        <p:nvSpPr>
-          <p:cNvPr id="4" name="Footer Placeholder 3">
-            <a:extLst>
-              <a:ext uri="{FF2B5EF4-FFF2-40B4-BE49-F238E27FC236}">
-                <a16:creationId xmlns:a16="http://schemas.microsoft.com/office/drawing/2014/main" id="{71726940-3062-481C-8E2B-71604DB3617F}"/>
-              </a:ext>
-            </a:extLst>
-          </p:cNvPr>
+            <a:endParaRPr lang="en-AU" dirty="0"/>
+          </a:p>
+        </p:txBody>
+      </p:sp>
+      <p:sp>
+        <p:nvSpPr>
+          <p:cNvPr id="4" name="Footer Placeholder 3"/>
           <p:cNvSpPr>
             <a:spLocks noGrp="1"/>
           </p:cNvSpPr>
@@ -11361,13 +10211,7 @@
       </p:sp>
       <p:sp>
         <p:nvSpPr>
-          <p:cNvPr id="5" name="Slide Number Placeholder 4">
-            <a:extLst>
-              <a:ext uri="{FF2B5EF4-FFF2-40B4-BE49-F238E27FC236}">
-                <a16:creationId xmlns:a16="http://schemas.microsoft.com/office/drawing/2014/main" id="{F7C46F20-0695-4885-AF35-F236783856CA}"/>
-              </a:ext>
-            </a:extLst>
-          </p:cNvPr>
+          <p:cNvPr id="5" name="Slide Number Placeholder 4"/>
           <p:cNvSpPr>
             <a:spLocks noGrp="1"/>
           </p:cNvSpPr>
@@ -11382,8 +10226,6 @@
           <a:p>
             <a:fld id="{8C2E478F-E849-4A8C-AF1F-CBCC78A7CBFA}" type="slidenum">
               <a:rPr lang="en-US" smtClean="0"/>
-              <a:pPr/>
-              <a:t>12</a:t>
             </a:fld>
             <a:endParaRPr lang="en-US" dirty="0"/>
           </a:p>
@@ -11391,20 +10233,14 @@
       </p:sp>
       <p:pic>
         <p:nvPicPr>
-          <p:cNvPr id="6" name="Picture 5">
-            <a:extLst>
-              <a:ext uri="{FF2B5EF4-FFF2-40B4-BE49-F238E27FC236}">
-                <a16:creationId xmlns:a16="http://schemas.microsoft.com/office/drawing/2014/main" id="{D328CD9C-A288-4DED-8774-3F6913FEC1BD}"/>
-              </a:ext>
-            </a:extLst>
-          </p:cNvPr>
+          <p:cNvPr id="6" name="Picture 5"/>
           <p:cNvPicPr>
             <a:picLocks noChangeAspect="1"/>
           </p:cNvPicPr>
           <p:nvPr/>
         </p:nvPicPr>
         <p:blipFill>
-          <a:blip r:embed="rId2">
+          <a:blip r:embed="rId1">
             <a:extLst>
               <a:ext uri="{28A0092B-C50C-407E-A947-70E740481C1C}">
                 <a14:useLocalDpi xmlns:a14="http://schemas.microsoft.com/office/drawing/2010/main" val="0"/>
@@ -11426,11 +10262,6 @@
         </p:spPr>
       </p:pic>
     </p:spTree>
-    <p:extLst>
-      <p:ext uri="{BB962C8B-B14F-4D97-AF65-F5344CB8AC3E}">
-        <p14:creationId xmlns:p14="http://schemas.microsoft.com/office/powerpoint/2010/main" val="3561463317"/>
-      </p:ext>
-    </p:extLst>
   </p:cSld>
   <p:clrMapOvr>
     <a:masterClrMapping/>
@@ -11457,13 +10288,7 @@
       </p:grpSpPr>
       <p:sp>
         <p:nvSpPr>
-          <p:cNvPr id="3" name="Title 2">
-            <a:extLst>
-              <a:ext uri="{FF2B5EF4-FFF2-40B4-BE49-F238E27FC236}">
-                <a16:creationId xmlns:a16="http://schemas.microsoft.com/office/drawing/2014/main" id="{C06C2A79-1873-4027-ACE0-E6E3FCD2B2AC}"/>
-              </a:ext>
-            </a:extLst>
-          </p:cNvPr>
+          <p:cNvPr id="3" name="Title 2"/>
           <p:cNvSpPr>
             <a:spLocks noGrp="1"/>
           </p:cNvSpPr>
@@ -11488,18 +10313,13 @@
               <a:rPr lang="en-AU" dirty="0"/>
               <a:t>Airbnb Listings Price Comparison</a:t>
             </a:r>
-          </a:p>
-        </p:txBody>
-      </p:sp>
-      <p:sp>
-        <p:nvSpPr>
-          <p:cNvPr id="4" name="Footer Placeholder 3">
-            <a:extLst>
-              <a:ext uri="{FF2B5EF4-FFF2-40B4-BE49-F238E27FC236}">
-                <a16:creationId xmlns:a16="http://schemas.microsoft.com/office/drawing/2014/main" id="{039DA1F9-741F-4F99-80E3-4F7C03898624}"/>
-              </a:ext>
-            </a:extLst>
-          </p:cNvPr>
+            <a:endParaRPr lang="en-AU" dirty="0"/>
+          </a:p>
+        </p:txBody>
+      </p:sp>
+      <p:sp>
+        <p:nvSpPr>
+          <p:cNvPr id="4" name="Footer Placeholder 3"/>
           <p:cNvSpPr>
             <a:spLocks noGrp="1"/>
           </p:cNvSpPr>
@@ -11522,13 +10342,7 @@
       </p:sp>
       <p:sp>
         <p:nvSpPr>
-          <p:cNvPr id="5" name="Slide Number Placeholder 4">
-            <a:extLst>
-              <a:ext uri="{FF2B5EF4-FFF2-40B4-BE49-F238E27FC236}">
-                <a16:creationId xmlns:a16="http://schemas.microsoft.com/office/drawing/2014/main" id="{C7953CAA-1A08-4B79-ACBD-6E83AEF5B627}"/>
-              </a:ext>
-            </a:extLst>
-          </p:cNvPr>
+          <p:cNvPr id="5" name="Slide Number Placeholder 4"/>
           <p:cNvSpPr>
             <a:spLocks noGrp="1"/>
           </p:cNvSpPr>
@@ -11543,8 +10357,6 @@
           <a:p>
             <a:fld id="{8C2E478F-E849-4A8C-AF1F-CBCC78A7CBFA}" type="slidenum">
               <a:rPr lang="en-US" smtClean="0"/>
-              <a:pPr/>
-              <a:t>13</a:t>
             </a:fld>
             <a:endParaRPr lang="en-US" dirty="0"/>
           </a:p>
@@ -11552,20 +10364,14 @@
       </p:sp>
       <p:pic>
         <p:nvPicPr>
-          <p:cNvPr id="7" name="Picture 6" descr="Chart, box and whisker chart&#10;&#10;Description automatically generated">
-            <a:extLst>
-              <a:ext uri="{FF2B5EF4-FFF2-40B4-BE49-F238E27FC236}">
-                <a16:creationId xmlns:a16="http://schemas.microsoft.com/office/drawing/2014/main" id="{D8750431-D2B5-4F24-A120-F78B2E2145B2}"/>
-              </a:ext>
-            </a:extLst>
-          </p:cNvPr>
+          <p:cNvPr id="7" name="Picture 6" descr="Chart, box and whisker chart&#10;&#10;Description automatically generated"/>
           <p:cNvPicPr>
             <a:picLocks noChangeAspect="1"/>
           </p:cNvPicPr>
           <p:nvPr/>
         </p:nvPicPr>
         <p:blipFill>
-          <a:blip r:embed="rId2"/>
+          <a:blip r:embed="rId1"/>
           <a:stretch>
             <a:fillRect/>
           </a:stretch>
@@ -11581,11 +10387,6 @@
         </p:spPr>
       </p:pic>
     </p:spTree>
-    <p:extLst>
-      <p:ext uri="{BB962C8B-B14F-4D97-AF65-F5344CB8AC3E}">
-        <p14:creationId xmlns:p14="http://schemas.microsoft.com/office/powerpoint/2010/main" val="2854924587"/>
-      </p:ext>
-    </p:extLst>
   </p:cSld>
   <p:clrMapOvr>
     <a:masterClrMapping/>
@@ -11610,168 +10411,83 @@
           <a:chExt cx="0" cy="0"/>
         </a:xfrm>
       </p:grpSpPr>
-      <p:pic>
-        <p:nvPicPr>
-          <p:cNvPr id="9" name="Content Placeholder 8" descr="Chart, scatter chart&#10;&#10;Description automatically generated">
-            <a:extLst>
-              <a:ext uri="{FF2B5EF4-FFF2-40B4-BE49-F238E27FC236}">
-                <a16:creationId xmlns:a16="http://schemas.microsoft.com/office/drawing/2014/main" id="{0F3E7208-1D4F-4F40-99FA-BC25FE94F637}"/>
-              </a:ext>
-            </a:extLst>
-          </p:cNvPr>
-          <p:cNvPicPr>
-            <a:picLocks noGrp="1" noChangeAspect="1"/>
-          </p:cNvPicPr>
-          <p:nvPr>
-            <p:ph sz="quarter" idx="16"/>
-          </p:nvPr>
-        </p:nvPicPr>
-        <p:blipFill>
-          <a:blip r:embed="rId2"/>
-          <a:stretch>
-            <a:fillRect/>
-          </a:stretch>
-        </p:blipFill>
+      <p:sp>
+        <p:nvSpPr>
+          <p:cNvPr id="3" name="Title 2"/>
+          <p:cNvSpPr>
+            <a:spLocks noGrp="1"/>
+          </p:cNvSpPr>
+          <p:nvPr>
+            <p:ph type="title"/>
+          </p:nvPr>
+        </p:nvSpPr>
+        <p:spPr/>
+        <p:txBody>
+          <a:bodyPr/>
+          <a:lstStyle/>
+          <a:p>
+            <a:r>
+              <a:rPr lang="en-AU" dirty="0"/>
+              <a:t>Number of rooms booked per year</a:t>
+            </a:r>
+            <a:endParaRPr lang="en-AU" dirty="0"/>
+          </a:p>
+        </p:txBody>
+      </p:sp>
+      <p:sp>
+        <p:nvSpPr>
+          <p:cNvPr id="6" name="Footer Placeholder 5"/>
+          <p:cNvSpPr>
+            <a:spLocks noGrp="1"/>
+          </p:cNvSpPr>
+          <p:nvPr>
+            <p:ph type="ftr" sz="quarter" idx="17"/>
+          </p:nvPr>
+        </p:nvSpPr>
+        <p:spPr/>
+        <p:txBody>
+          <a:bodyPr/>
+          <a:lstStyle/>
+          <a:p>
+            <a:r>
+              <a:rPr lang="en-US"/>
+              <a:t>Add a Footer</a:t>
+            </a:r>
+            <a:endParaRPr lang="en-US" dirty="0"/>
+          </a:p>
+        </p:txBody>
+      </p:sp>
+      <p:sp>
+        <p:nvSpPr>
+          <p:cNvPr id="7" name="Slide Number Placeholder 6"/>
+          <p:cNvSpPr>
+            <a:spLocks noGrp="1"/>
+          </p:cNvSpPr>
+          <p:nvPr>
+            <p:ph type="sldNum" sz="quarter" idx="18"/>
+          </p:nvPr>
+        </p:nvSpPr>
+        <p:spPr/>
+        <p:txBody>
+          <a:bodyPr/>
+          <a:lstStyle/>
+          <a:p>
+            <a:fld id="{8C2E478F-E849-4A8C-AF1F-CBCC78A7CBFA}" type="slidenum">
+              <a:rPr lang="en-US" smtClean="0"/>
+            </a:fld>
+            <a:endParaRPr lang="en-US" dirty="0"/>
+          </a:p>
+        </p:txBody>
+      </p:sp>
+      <p:sp>
+        <p:nvSpPr>
+          <p:cNvPr id="12" name="Content Placeholder 3"/>
+          <p:cNvSpPr txBox="1"/>
+          <p:nvPr/>
+        </p:nvSpPr>
         <p:spPr>
           <a:xfrm>
-            <a:off x="6383615" y="40951"/>
-            <a:ext cx="5082073" cy="3388049"/>
-          </a:xfrm>
-        </p:spPr>
-      </p:pic>
-      <p:sp>
-        <p:nvSpPr>
-          <p:cNvPr id="3" name="Title 2">
-            <a:extLst>
-              <a:ext uri="{FF2B5EF4-FFF2-40B4-BE49-F238E27FC236}">
-                <a16:creationId xmlns:a16="http://schemas.microsoft.com/office/drawing/2014/main" id="{2BB2154A-120A-42E6-8057-549C5A48E437}"/>
-              </a:ext>
-            </a:extLst>
-          </p:cNvPr>
-          <p:cNvSpPr>
-            <a:spLocks noGrp="1"/>
-          </p:cNvSpPr>
-          <p:nvPr>
-            <p:ph type="title"/>
-          </p:nvPr>
-        </p:nvSpPr>
-        <p:spPr/>
-        <p:txBody>
-          <a:bodyPr/>
-          <a:lstStyle/>
-          <a:p>
-            <a:r>
-              <a:rPr lang="en-AU" dirty="0"/>
-              <a:t>Review Score vs Price</a:t>
-            </a:r>
-          </a:p>
-        </p:txBody>
-      </p:sp>
-      <p:pic>
-        <p:nvPicPr>
-          <p:cNvPr id="11" name="Content Placeholder 10" descr="Chart&#10;&#10;Description automatically generated">
-            <a:extLst>
-              <a:ext uri="{FF2B5EF4-FFF2-40B4-BE49-F238E27FC236}">
-                <a16:creationId xmlns:a16="http://schemas.microsoft.com/office/drawing/2014/main" id="{C01110A4-7D43-4B95-8AD3-61ACD98DA9B8}"/>
-              </a:ext>
-            </a:extLst>
-          </p:cNvPr>
-          <p:cNvPicPr>
-            <a:picLocks noGrp="1" noChangeAspect="1"/>
-          </p:cNvPicPr>
-          <p:nvPr>
-            <p:ph idx="1"/>
-          </p:nvPr>
-        </p:nvPicPr>
-        <p:blipFill>
-          <a:blip r:embed="rId3"/>
-          <a:stretch>
-            <a:fillRect/>
-          </a:stretch>
-        </p:blipFill>
-        <p:spPr>
-          <a:xfrm>
-            <a:off x="6383616" y="3469952"/>
-            <a:ext cx="5082073" cy="3388048"/>
-          </a:xfrm>
-        </p:spPr>
-      </p:pic>
-      <p:sp>
-        <p:nvSpPr>
-          <p:cNvPr id="6" name="Footer Placeholder 5">
-            <a:extLst>
-              <a:ext uri="{FF2B5EF4-FFF2-40B4-BE49-F238E27FC236}">
-                <a16:creationId xmlns:a16="http://schemas.microsoft.com/office/drawing/2014/main" id="{08C26AC5-57DD-4763-9B8F-799AF2B0DAC2}"/>
-              </a:ext>
-            </a:extLst>
-          </p:cNvPr>
-          <p:cNvSpPr>
-            <a:spLocks noGrp="1"/>
-          </p:cNvSpPr>
-          <p:nvPr>
-            <p:ph type="ftr" sz="quarter" idx="17"/>
-          </p:nvPr>
-        </p:nvSpPr>
-        <p:spPr/>
-        <p:txBody>
-          <a:bodyPr/>
-          <a:lstStyle/>
-          <a:p>
-            <a:r>
-              <a:rPr lang="en-US"/>
-              <a:t>Add a Footer</a:t>
-            </a:r>
-            <a:endParaRPr lang="en-US" dirty="0"/>
-          </a:p>
-        </p:txBody>
-      </p:sp>
-      <p:sp>
-        <p:nvSpPr>
-          <p:cNvPr id="7" name="Slide Number Placeholder 6">
-            <a:extLst>
-              <a:ext uri="{FF2B5EF4-FFF2-40B4-BE49-F238E27FC236}">
-                <a16:creationId xmlns:a16="http://schemas.microsoft.com/office/drawing/2014/main" id="{FD6F576E-69A1-4BE4-8D40-F2EAB0AB4CF4}"/>
-              </a:ext>
-            </a:extLst>
-          </p:cNvPr>
-          <p:cNvSpPr>
-            <a:spLocks noGrp="1"/>
-          </p:cNvSpPr>
-          <p:nvPr>
-            <p:ph type="sldNum" sz="quarter" idx="18"/>
-          </p:nvPr>
-        </p:nvSpPr>
-        <p:spPr/>
-        <p:txBody>
-          <a:bodyPr/>
-          <a:lstStyle/>
-          <a:p>
-            <a:fld id="{8C2E478F-E849-4A8C-AF1F-CBCC78A7CBFA}" type="slidenum">
-              <a:rPr lang="en-US" smtClean="0"/>
-              <a:pPr/>
-              <a:t>14</a:t>
-            </a:fld>
-            <a:endParaRPr lang="en-US" dirty="0"/>
-          </a:p>
-        </p:txBody>
-      </p:sp>
-      <p:sp>
-        <p:nvSpPr>
-          <p:cNvPr id="12" name="Content Placeholder 3">
-            <a:extLst>
-              <a:ext uri="{FF2B5EF4-FFF2-40B4-BE49-F238E27FC236}">
-                <a16:creationId xmlns:a16="http://schemas.microsoft.com/office/drawing/2014/main" id="{23ECED43-DE7B-45CC-AB43-2B304C41F014}"/>
-              </a:ext>
-            </a:extLst>
-          </p:cNvPr>
-          <p:cNvSpPr txBox="1">
-            <a:spLocks/>
-          </p:cNvSpPr>
-          <p:nvPr/>
-        </p:nvSpPr>
-        <p:spPr>
-          <a:xfrm>
-            <a:off x="611804" y="2032939"/>
+            <a:off x="599739" y="2022779"/>
             <a:ext cx="4226024" cy="3857329"/>
           </a:xfrm>
           <a:prstGeom prst="rect">
@@ -11948,38 +10664,47 @@
           </a:lstStyle>
           <a:p>
             <a:r>
-              <a:rPr lang="en-US" dirty="0"/>
-              <a:t>2019 – r value is 0.04</a:t>
-            </a:r>
-          </a:p>
-          <a:p>
-            <a:r>
-              <a:rPr lang="en-US" dirty="0"/>
-              <a:t>2020 – </a:t>
-            </a:r>
-            <a:r>
-              <a:rPr lang="en-US" dirty="0" err="1"/>
-              <a:t>rvalue</a:t>
-            </a:r>
-            <a:r>
-              <a:rPr lang="en-US" dirty="0"/>
-              <a:t> is 0.03</a:t>
-            </a:r>
-          </a:p>
-          <a:p>
-            <a:r>
-              <a:rPr lang="en-US" dirty="0"/>
-              <a:t>There is only weak correlation between Review rating and Price per Night of a listing in AirBnB.</a:t>
-            </a:r>
-          </a:p>
-        </p:txBody>
-      </p:sp>
+              <a:rPr lang="en-AU" altLang="en-US" dirty="0"/>
+              <a:t>Number of shared rooms booked have been reduced in 2020.</a:t>
+            </a:r>
+            <a:endParaRPr lang="en-AU" altLang="en-US" dirty="0"/>
+          </a:p>
+          <a:p>
+            <a:r>
+              <a:rPr lang="en-AU" altLang="en-US" dirty="0"/>
+              <a:t>This could be an after effect of Covid.</a:t>
+            </a:r>
+            <a:endParaRPr lang="en-AU" altLang="en-US" dirty="0"/>
+          </a:p>
+        </p:txBody>
+      </p:sp>
+      <p:pic>
+        <p:nvPicPr>
+          <p:cNvPr id="4" name="Content Placeholder 3" descr="2020_2019_AvgDaysBooked_vs_RoomType"/>
+          <p:cNvPicPr>
+            <a:picLocks noChangeAspect="1"/>
+          </p:cNvPicPr>
+          <p:nvPr>
+            <p:ph sz="quarter" idx="16"/>
+          </p:nvPr>
+        </p:nvPicPr>
+        <p:blipFill>
+          <a:blip r:embed="rId1"/>
+          <a:stretch>
+            <a:fillRect/>
+          </a:stretch>
+        </p:blipFill>
+        <p:spPr>
+          <a:xfrm>
+            <a:off x="6400165" y="818515"/>
+            <a:ext cx="5220335" cy="5220335"/>
+          </a:xfrm>
+          <a:prstGeom prst="rect">
+            <a:avLst/>
+          </a:prstGeom>
+        </p:spPr>
+      </p:pic>
     </p:spTree>
-    <p:extLst>
-      <p:ext uri="{BB962C8B-B14F-4D97-AF65-F5344CB8AC3E}">
-        <p14:creationId xmlns:p14="http://schemas.microsoft.com/office/powerpoint/2010/main" val="452431008"/>
-      </p:ext>
-    </p:extLst>
   </p:cSld>
   <p:clrMapOvr>
     <a:masterClrMapping/>
@@ -12006,18 +10731,58 @@
       </p:grpSpPr>
       <p:pic>
         <p:nvPicPr>
-          <p:cNvPr id="9" name="Content Placeholder 8" descr="Chart, scatter chart&#10;&#10;Description automatically generated">
-            <a:extLst>
-              <a:ext uri="{FF2B5EF4-FFF2-40B4-BE49-F238E27FC236}">
-                <a16:creationId xmlns:a16="http://schemas.microsoft.com/office/drawing/2014/main" id="{662373C4-151F-4062-B9C2-B7BB79B0AE34}"/>
-              </a:ext>
-            </a:extLst>
-          </p:cNvPr>
+          <p:cNvPr id="9" name="Content Placeholder 8" descr="Chart, scatter chart&#10;&#10;Description automatically generated"/>
           <p:cNvPicPr>
             <a:picLocks noGrp="1" noChangeAspect="1"/>
           </p:cNvPicPr>
           <p:nvPr>
             <p:ph sz="quarter" idx="16"/>
+          </p:nvPr>
+        </p:nvPicPr>
+        <p:blipFill>
+          <a:blip r:embed="rId1"/>
+          <a:stretch>
+            <a:fillRect/>
+          </a:stretch>
+        </p:blipFill>
+        <p:spPr>
+          <a:xfrm>
+            <a:off x="6383615" y="40951"/>
+            <a:ext cx="5082073" cy="3388049"/>
+          </a:xfrm>
+        </p:spPr>
+      </p:pic>
+      <p:sp>
+        <p:nvSpPr>
+          <p:cNvPr id="3" name="Title 2"/>
+          <p:cNvSpPr>
+            <a:spLocks noGrp="1"/>
+          </p:cNvSpPr>
+          <p:nvPr>
+            <p:ph type="title"/>
+          </p:nvPr>
+        </p:nvSpPr>
+        <p:spPr/>
+        <p:txBody>
+          <a:bodyPr/>
+          <a:lstStyle/>
+          <a:p>
+            <a:r>
+              <a:rPr lang="en-AU" dirty="0"/>
+              <a:t>Review Score vs Price</a:t>
+            </a:r>
+            <a:endParaRPr lang="en-AU" dirty="0"/>
+          </a:p>
+        </p:txBody>
+      </p:sp>
+      <p:pic>
+        <p:nvPicPr>
+          <p:cNvPr id="11" name="Content Placeholder 10" descr="Chart&#10;&#10;Description automatically generated"/>
+          <p:cNvPicPr>
+            <a:picLocks noGrp="1" noChangeAspect="1"/>
+          </p:cNvPicPr>
+          <p:nvPr>
+            <p:ph idx="1"/>
           </p:nvPr>
         </p:nvPicPr>
         <p:blipFill>
@@ -12028,87 +10793,42 @@
         </p:blipFill>
         <p:spPr>
           <a:xfrm>
-            <a:off x="6270496" y="57755"/>
-            <a:ext cx="5056867" cy="3371245"/>
+            <a:off x="6383616" y="3469952"/>
+            <a:ext cx="5082073" cy="3388048"/>
           </a:xfrm>
         </p:spPr>
       </p:pic>
       <p:sp>
         <p:nvSpPr>
-          <p:cNvPr id="3" name="Title 2">
-            <a:extLst>
-              <a:ext uri="{FF2B5EF4-FFF2-40B4-BE49-F238E27FC236}">
-                <a16:creationId xmlns:a16="http://schemas.microsoft.com/office/drawing/2014/main" id="{F70C9DCA-7015-46A9-9793-5DF3B8BD9464}"/>
-              </a:ext>
-            </a:extLst>
-          </p:cNvPr>
-          <p:cNvSpPr>
-            <a:spLocks noGrp="1"/>
-          </p:cNvSpPr>
-          <p:nvPr>
-            <p:ph type="title"/>
-          </p:nvPr>
-        </p:nvSpPr>
-        <p:spPr>
-          <a:xfrm>
-            <a:off x="433136" y="1099002"/>
-            <a:ext cx="4507831" cy="573989"/>
-          </a:xfrm>
-        </p:spPr>
+          <p:cNvPr id="6" name="Footer Placeholder 5"/>
+          <p:cNvSpPr>
+            <a:spLocks noGrp="1"/>
+          </p:cNvSpPr>
+          <p:nvPr>
+            <p:ph type="ftr" sz="quarter" idx="17"/>
+          </p:nvPr>
+        </p:nvSpPr>
+        <p:spPr/>
         <p:txBody>
           <a:bodyPr/>
           <a:lstStyle/>
           <a:p>
             <a:r>
-              <a:rPr lang="en-AU" dirty="0"/>
-              <a:t>Price per Night vs Number of Days Booked</a:t>
-            </a:r>
-          </a:p>
-        </p:txBody>
-      </p:sp>
-      <p:pic>
-        <p:nvPicPr>
-          <p:cNvPr id="11" name="Content Placeholder 10" descr="Chart, scatter chart&#10;&#10;Description automatically generated">
-            <a:extLst>
-              <a:ext uri="{FF2B5EF4-FFF2-40B4-BE49-F238E27FC236}">
-                <a16:creationId xmlns:a16="http://schemas.microsoft.com/office/drawing/2014/main" id="{C135BA80-79E9-4BB1-84A9-5C1A2A30144C}"/>
-              </a:ext>
-            </a:extLst>
-          </p:cNvPr>
-          <p:cNvPicPr>
-            <a:picLocks noGrp="1" noChangeAspect="1"/>
-          </p:cNvPicPr>
-          <p:nvPr>
-            <p:ph idx="1"/>
-          </p:nvPr>
-        </p:nvPicPr>
-        <p:blipFill>
-          <a:blip r:embed="rId3"/>
-          <a:stretch>
-            <a:fillRect/>
-          </a:stretch>
-        </p:blipFill>
-        <p:spPr>
-          <a:xfrm>
-            <a:off x="6270496" y="3486755"/>
-            <a:ext cx="5056867" cy="3371245"/>
-          </a:xfrm>
-        </p:spPr>
-      </p:pic>
-      <p:sp>
-        <p:nvSpPr>
-          <p:cNvPr id="6" name="Footer Placeholder 5">
-            <a:extLst>
-              <a:ext uri="{FF2B5EF4-FFF2-40B4-BE49-F238E27FC236}">
-                <a16:creationId xmlns:a16="http://schemas.microsoft.com/office/drawing/2014/main" id="{5E9771BB-922B-45C7-8F7A-7FE6A6E5BE57}"/>
-              </a:ext>
-            </a:extLst>
-          </p:cNvPr>
-          <p:cNvSpPr>
-            <a:spLocks noGrp="1"/>
-          </p:cNvSpPr>
-          <p:nvPr>
-            <p:ph type="ftr" sz="quarter" idx="17"/>
+              <a:rPr lang="en-US"/>
+              <a:t>Add a Footer</a:t>
+            </a:r>
+            <a:endParaRPr lang="en-US" dirty="0"/>
+          </a:p>
+        </p:txBody>
+      </p:sp>
+      <p:sp>
+        <p:nvSpPr>
+          <p:cNvPr id="7" name="Slide Number Placeholder 6"/>
+          <p:cNvSpPr>
+            <a:spLocks noGrp="1"/>
+          </p:cNvSpPr>
+          <p:nvPr>
+            <p:ph type="sldNum" sz="quarter" idx="18"/>
           </p:nvPr>
         </p:nvSpPr>
         <p:spPr/>
@@ -12116,39 +10836,8 @@
           <a:bodyPr/>
           <a:lstStyle/>
           <a:p>
-            <a:r>
-              <a:rPr lang="en-US"/>
-              <a:t>Add a Footer</a:t>
-            </a:r>
-            <a:endParaRPr lang="en-US" dirty="0"/>
-          </a:p>
-        </p:txBody>
-      </p:sp>
-      <p:sp>
-        <p:nvSpPr>
-          <p:cNvPr id="7" name="Slide Number Placeholder 6">
-            <a:extLst>
-              <a:ext uri="{FF2B5EF4-FFF2-40B4-BE49-F238E27FC236}">
-                <a16:creationId xmlns:a16="http://schemas.microsoft.com/office/drawing/2014/main" id="{E5705F52-CC98-4118-8E92-EB49029870C1}"/>
-              </a:ext>
-            </a:extLst>
-          </p:cNvPr>
-          <p:cNvSpPr>
-            <a:spLocks noGrp="1"/>
-          </p:cNvSpPr>
-          <p:nvPr>
-            <p:ph type="sldNum" sz="quarter" idx="18"/>
-          </p:nvPr>
-        </p:nvSpPr>
-        <p:spPr/>
-        <p:txBody>
-          <a:bodyPr/>
-          <a:lstStyle/>
-          <a:p>
             <a:fld id="{8C2E478F-E849-4A8C-AF1F-CBCC78A7CBFA}" type="slidenum">
               <a:rPr lang="en-US" smtClean="0"/>
-              <a:pPr/>
-              <a:t>15</a:t>
             </a:fld>
             <a:endParaRPr lang="en-US" dirty="0"/>
           </a:p>
@@ -12156,16 +10845,8 @@
       </p:sp>
       <p:sp>
         <p:nvSpPr>
-          <p:cNvPr id="12" name="Content Placeholder 3">
-            <a:extLst>
-              <a:ext uri="{FF2B5EF4-FFF2-40B4-BE49-F238E27FC236}">
-                <a16:creationId xmlns:a16="http://schemas.microsoft.com/office/drawing/2014/main" id="{2B940960-AB3C-440B-8E44-61322560DB52}"/>
-              </a:ext>
-            </a:extLst>
-          </p:cNvPr>
-          <p:cNvSpPr txBox="1">
-            <a:spLocks/>
-          </p:cNvSpPr>
+          <p:cNvPr id="12" name="Content Placeholder 3"/>
+          <p:cNvSpPr txBox="1"/>
           <p:nvPr/>
         </p:nvSpPr>
         <p:spPr>
@@ -12348,29 +11029,35 @@
           <a:p>
             <a:r>
               <a:rPr lang="en-US" dirty="0"/>
-              <a:t>2019 – r value is -0.11</a:t>
-            </a:r>
+              <a:t>2019 – r value is 0.04</a:t>
+            </a:r>
+            <a:endParaRPr lang="en-US" dirty="0"/>
           </a:p>
           <a:p>
             <a:r>
               <a:rPr lang="en-US" dirty="0"/>
-              <a:t>2020 – r value is -0.04</a:t>
-            </a:r>
-          </a:p>
-          <a:p>
+              <a:t>2020 – </a:t>
+            </a:r>
+            <a:r>
+              <a:rPr lang="en-US" dirty="0" err="1"/>
+              <a:t>rvalue</a:t>
+            </a:r>
             <a:r>
               <a:rPr lang="en-US" dirty="0"/>
-              <a:t>There is only weak correlation between Price per Night and Number of days booked for a listing in AirBnB.</a:t>
-            </a:r>
+              <a:t> is 0.03</a:t>
+            </a:r>
+            <a:endParaRPr lang="en-US" dirty="0"/>
+          </a:p>
+          <a:p>
+            <a:r>
+              <a:rPr lang="en-US" dirty="0"/>
+              <a:t>There is only weak correlation between Review rating and Price per Night of a listing in AirBnB.</a:t>
+            </a:r>
+            <a:endParaRPr lang="en-US" dirty="0"/>
           </a:p>
         </p:txBody>
       </p:sp>
     </p:spTree>
-    <p:extLst>
-      <p:ext uri="{BB962C8B-B14F-4D97-AF65-F5344CB8AC3E}">
-        <p14:creationId xmlns:p14="http://schemas.microsoft.com/office/powerpoint/2010/main" val="1470054895"/>
-      </p:ext>
-    </p:extLst>
   </p:cSld>
   <p:clrMapOvr>
     <a:masterClrMapping/>
@@ -12397,18 +11084,63 @@
       </p:grpSpPr>
       <p:pic>
         <p:nvPicPr>
-          <p:cNvPr id="9" name="Content Placeholder 8" descr="Chart, scatter chart&#10;&#10;Description automatically generated">
-            <a:extLst>
-              <a:ext uri="{FF2B5EF4-FFF2-40B4-BE49-F238E27FC236}">
-                <a16:creationId xmlns:a16="http://schemas.microsoft.com/office/drawing/2014/main" id="{01D7F317-3D86-4580-988F-3839D7B9D31D}"/>
-              </a:ext>
-            </a:extLst>
-          </p:cNvPr>
+          <p:cNvPr id="9" name="Content Placeholder 8" descr="Chart, scatter chart&#10;&#10;Description automatically generated"/>
           <p:cNvPicPr>
             <a:picLocks noGrp="1" noChangeAspect="1"/>
           </p:cNvPicPr>
           <p:nvPr>
             <p:ph sz="quarter" idx="16"/>
+          </p:nvPr>
+        </p:nvPicPr>
+        <p:blipFill>
+          <a:blip r:embed="rId1"/>
+          <a:stretch>
+            <a:fillRect/>
+          </a:stretch>
+        </p:blipFill>
+        <p:spPr>
+          <a:xfrm>
+            <a:off x="6270496" y="57755"/>
+            <a:ext cx="5056867" cy="3371245"/>
+          </a:xfrm>
+        </p:spPr>
+      </p:pic>
+      <p:sp>
+        <p:nvSpPr>
+          <p:cNvPr id="3" name="Title 2"/>
+          <p:cNvSpPr>
+            <a:spLocks noGrp="1"/>
+          </p:cNvSpPr>
+          <p:nvPr>
+            <p:ph type="title"/>
+          </p:nvPr>
+        </p:nvSpPr>
+        <p:spPr>
+          <a:xfrm>
+            <a:off x="433136" y="1099002"/>
+            <a:ext cx="4507831" cy="573989"/>
+          </a:xfrm>
+        </p:spPr>
+        <p:txBody>
+          <a:bodyPr/>
+          <a:lstStyle/>
+          <a:p>
+            <a:r>
+              <a:rPr lang="en-AU" dirty="0"/>
+              <a:t>Price per Night vs Number of Days Booked</a:t>
+            </a:r>
+            <a:endParaRPr lang="en-AU" dirty="0"/>
+          </a:p>
+        </p:txBody>
+      </p:sp>
+      <p:pic>
+        <p:nvPicPr>
+          <p:cNvPr id="11" name="Content Placeholder 10" descr="Chart, scatter chart&#10;&#10;Description automatically generated"/>
+          <p:cNvPicPr>
+            <a:picLocks noGrp="1" noChangeAspect="1"/>
+          </p:cNvPicPr>
+          <p:nvPr>
+            <p:ph idx="1"/>
           </p:nvPr>
         </p:nvPicPr>
         <p:blipFill>
@@ -12419,25 +11151,19 @@
         </p:blipFill>
         <p:spPr>
           <a:xfrm>
-            <a:off x="6569241" y="100865"/>
-            <a:ext cx="4716378" cy="3144252"/>
+            <a:off x="6270496" y="3486755"/>
+            <a:ext cx="5056867" cy="3371245"/>
           </a:xfrm>
         </p:spPr>
       </p:pic>
       <p:sp>
         <p:nvSpPr>
-          <p:cNvPr id="3" name="Title 2">
-            <a:extLst>
-              <a:ext uri="{FF2B5EF4-FFF2-40B4-BE49-F238E27FC236}">
-                <a16:creationId xmlns:a16="http://schemas.microsoft.com/office/drawing/2014/main" id="{2A269B90-9206-477D-82C6-71B6F774E4C3}"/>
-              </a:ext>
-            </a:extLst>
-          </p:cNvPr>
-          <p:cNvSpPr>
-            <a:spLocks noGrp="1"/>
-          </p:cNvSpPr>
-          <p:nvPr>
-            <p:ph type="title"/>
+          <p:cNvPr id="6" name="Footer Placeholder 5"/>
+          <p:cNvSpPr>
+            <a:spLocks noGrp="1"/>
+          </p:cNvSpPr>
+          <p:nvPr>
+            <p:ph type="ftr" sz="quarter" idx="17"/>
           </p:nvPr>
         </p:nvSpPr>
         <p:spPr/>
@@ -12446,26 +11172,21 @@
           <a:lstStyle/>
           <a:p>
             <a:r>
-              <a:rPr lang="en-AU" dirty="0"/>
-              <a:t>Host Response Rate vs Number of Days Booked</a:t>
-            </a:r>
-          </a:p>
-        </p:txBody>
-      </p:sp>
-      <p:sp>
-        <p:nvSpPr>
-          <p:cNvPr id="4" name="Content Placeholder 3">
-            <a:extLst>
-              <a:ext uri="{FF2B5EF4-FFF2-40B4-BE49-F238E27FC236}">
-                <a16:creationId xmlns:a16="http://schemas.microsoft.com/office/drawing/2014/main" id="{42A1F5D4-9AB9-48BA-9412-D15764A5AE9F}"/>
-              </a:ext>
-            </a:extLst>
-          </p:cNvPr>
-          <p:cNvSpPr>
-            <a:spLocks noGrp="1"/>
-          </p:cNvSpPr>
-          <p:nvPr>
-            <p:ph idx="1"/>
+              <a:rPr lang="en-US"/>
+              <a:t>Add a Footer</a:t>
+            </a:r>
+            <a:endParaRPr lang="en-US" dirty="0"/>
+          </a:p>
+        </p:txBody>
+      </p:sp>
+      <p:sp>
+        <p:nvSpPr>
+          <p:cNvPr id="7" name="Slide Number Placeholder 6"/>
+          <p:cNvSpPr>
+            <a:spLocks noGrp="1"/>
+          </p:cNvSpPr>
+          <p:nvPr>
+            <p:ph type="sldNum" sz="quarter" idx="18"/>
           </p:nvPr>
         </p:nvSpPr>
         <p:spPr/>
@@ -12473,131 +11194,220 @@
           <a:bodyPr/>
           <a:lstStyle/>
           <a:p>
-            <a:r>
-              <a:rPr lang="en-AU" dirty="0"/>
-              <a:t>2019 – r value is -0.34</a:t>
-            </a:r>
-          </a:p>
-          <a:p>
-            <a:r>
-              <a:rPr lang="en-AU" dirty="0"/>
-              <a:t>2020 – r value is -0.4</a:t>
-            </a:r>
-          </a:p>
-          <a:p>
-            <a:r>
-              <a:rPr lang="en-AU" dirty="0"/>
-              <a:t>There is moderate correlation between Host Response Rate and Number of Days booked for a listing in </a:t>
-            </a:r>
-            <a:r>
-              <a:rPr lang="en-AU" dirty="0" err="1"/>
-              <a:t>AirBnB</a:t>
-            </a:r>
-            <a:r>
-              <a:rPr lang="en-AU" dirty="0"/>
-              <a:t>.</a:t>
-            </a:r>
-          </a:p>
-          <a:p>
-            <a:endParaRPr lang="en-AU" dirty="0"/>
-          </a:p>
-        </p:txBody>
-      </p:sp>
-      <p:sp>
-        <p:nvSpPr>
-          <p:cNvPr id="6" name="Footer Placeholder 5">
-            <a:extLst>
-              <a:ext uri="{FF2B5EF4-FFF2-40B4-BE49-F238E27FC236}">
-                <a16:creationId xmlns:a16="http://schemas.microsoft.com/office/drawing/2014/main" id="{479098A1-826E-405B-AF8F-663F6A7E321B}"/>
-              </a:ext>
-            </a:extLst>
-          </p:cNvPr>
-          <p:cNvSpPr>
-            <a:spLocks noGrp="1"/>
-          </p:cNvSpPr>
-          <p:nvPr>
-            <p:ph type="ftr" sz="quarter" idx="17"/>
-          </p:nvPr>
-        </p:nvSpPr>
-        <p:spPr/>
-        <p:txBody>
-          <a:bodyPr/>
-          <a:lstStyle/>
-          <a:p>
-            <a:r>
-              <a:rPr lang="en-US"/>
-              <a:t>Add a Footer</a:t>
-            </a:r>
-            <a:endParaRPr lang="en-US" dirty="0"/>
-          </a:p>
-        </p:txBody>
-      </p:sp>
-      <p:sp>
-        <p:nvSpPr>
-          <p:cNvPr id="7" name="Slide Number Placeholder 6">
-            <a:extLst>
-              <a:ext uri="{FF2B5EF4-FFF2-40B4-BE49-F238E27FC236}">
-                <a16:creationId xmlns:a16="http://schemas.microsoft.com/office/drawing/2014/main" id="{4BD53386-CCBC-44E2-8B15-7073FFE81F12}"/>
-              </a:ext>
-            </a:extLst>
-          </p:cNvPr>
-          <p:cNvSpPr>
-            <a:spLocks noGrp="1"/>
-          </p:cNvSpPr>
-          <p:nvPr>
-            <p:ph type="sldNum" sz="quarter" idx="18"/>
-          </p:nvPr>
-        </p:nvSpPr>
-        <p:spPr/>
-        <p:txBody>
-          <a:bodyPr/>
-          <a:lstStyle/>
-          <a:p>
             <a:fld id="{8C2E478F-E849-4A8C-AF1F-CBCC78A7CBFA}" type="slidenum">
               <a:rPr lang="en-US" smtClean="0"/>
-              <a:pPr/>
-              <a:t>16</a:t>
             </a:fld>
             <a:endParaRPr lang="en-US" dirty="0"/>
           </a:p>
         </p:txBody>
       </p:sp>
-      <p:pic>
-        <p:nvPicPr>
-          <p:cNvPr id="11" name="Picture 10" descr="Chart, scatter chart&#10;&#10;Description automatically generated">
-            <a:extLst>
-              <a:ext uri="{FF2B5EF4-FFF2-40B4-BE49-F238E27FC236}">
-                <a16:creationId xmlns:a16="http://schemas.microsoft.com/office/drawing/2014/main" id="{ED90A349-3CC1-49C9-A0D8-59B80BC3670E}"/>
-              </a:ext>
-            </a:extLst>
-          </p:cNvPr>
-          <p:cNvPicPr>
-            <a:picLocks noChangeAspect="1"/>
-          </p:cNvPicPr>
+      <p:sp>
+        <p:nvSpPr>
+          <p:cNvPr id="12" name="Content Placeholder 3"/>
+          <p:cNvSpPr txBox="1"/>
           <p:nvPr/>
-        </p:nvPicPr>
-        <p:blipFill>
-          <a:blip r:embed="rId3"/>
-          <a:stretch>
-            <a:fillRect/>
-          </a:stretch>
-        </p:blipFill>
+        </p:nvSpPr>
         <p:spPr>
           <a:xfrm>
-            <a:off x="6569241" y="3485148"/>
-            <a:ext cx="4716378" cy="3144252"/>
+            <a:off x="611804" y="2032939"/>
+            <a:ext cx="4226024" cy="3857329"/>
           </a:xfrm>
           <a:prstGeom prst="rect">
             <a:avLst/>
           </a:prstGeom>
         </p:spPr>
-      </p:pic>
+        <p:txBody>
+          <a:bodyPr vert="horz" lIns="0" tIns="45720" rIns="0" bIns="45720" rtlCol="0">
+            <a:normAutofit/>
+          </a:bodyPr>
+          <a:lstStyle>
+            <a:lvl1pPr marL="228600" indent="-228600" algn="l" defTabSz="914400" rtl="0" eaLnBrk="1" latinLnBrk="0" hangingPunct="1">
+              <a:lnSpc>
+                <a:spcPct val="150000"/>
+              </a:lnSpc>
+              <a:spcBef>
+                <a:spcPts val="1000"/>
+              </a:spcBef>
+              <a:buFont typeface="Arial" panose="020B0604020202020204" pitchFamily="34" charset="0"/>
+              <a:buChar char="•"/>
+              <a:defRPr sz="1600" kern="1200">
+                <a:solidFill>
+                  <a:schemeClr val="bg1"/>
+                </a:solidFill>
+                <a:latin typeface="+mn-lt"/>
+                <a:ea typeface="+mn-ea"/>
+                <a:cs typeface="+mn-cs"/>
+              </a:defRPr>
+            </a:lvl1pPr>
+            <a:lvl2pPr marL="685800" indent="-228600" algn="l" defTabSz="914400" rtl="0" eaLnBrk="1" latinLnBrk="0" hangingPunct="1">
+              <a:lnSpc>
+                <a:spcPct val="150000"/>
+              </a:lnSpc>
+              <a:spcBef>
+                <a:spcPts val="500"/>
+              </a:spcBef>
+              <a:buFont typeface="Arial" panose="020B0604020202020204" pitchFamily="34" charset="0"/>
+              <a:buChar char="•"/>
+              <a:defRPr sz="1600" kern="1200">
+                <a:solidFill>
+                  <a:schemeClr val="bg1"/>
+                </a:solidFill>
+                <a:latin typeface="+mn-lt"/>
+                <a:ea typeface="+mn-ea"/>
+                <a:cs typeface="+mn-cs"/>
+              </a:defRPr>
+            </a:lvl2pPr>
+            <a:lvl3pPr marL="1143000" indent="-228600" algn="l" defTabSz="914400" rtl="0" eaLnBrk="1" latinLnBrk="0" hangingPunct="1">
+              <a:lnSpc>
+                <a:spcPct val="150000"/>
+              </a:lnSpc>
+              <a:spcBef>
+                <a:spcPts val="500"/>
+              </a:spcBef>
+              <a:buFont typeface="Arial" panose="020B0604020202020204" pitchFamily="34" charset="0"/>
+              <a:buChar char="•"/>
+              <a:defRPr sz="1400" kern="1200">
+                <a:solidFill>
+                  <a:schemeClr val="bg1"/>
+                </a:solidFill>
+                <a:latin typeface="+mn-lt"/>
+                <a:ea typeface="+mn-ea"/>
+                <a:cs typeface="+mn-cs"/>
+              </a:defRPr>
+            </a:lvl3pPr>
+            <a:lvl4pPr marL="1600200" indent="-228600" algn="l" defTabSz="914400" rtl="0" eaLnBrk="1" latinLnBrk="0" hangingPunct="1">
+              <a:lnSpc>
+                <a:spcPct val="150000"/>
+              </a:lnSpc>
+              <a:spcBef>
+                <a:spcPts val="500"/>
+              </a:spcBef>
+              <a:buFont typeface="Arial" panose="020B0604020202020204" pitchFamily="34" charset="0"/>
+              <a:buChar char="•"/>
+              <a:defRPr sz="1200" kern="1200">
+                <a:solidFill>
+                  <a:schemeClr val="bg1"/>
+                </a:solidFill>
+                <a:latin typeface="+mn-lt"/>
+                <a:ea typeface="+mn-ea"/>
+                <a:cs typeface="+mn-cs"/>
+              </a:defRPr>
+            </a:lvl4pPr>
+            <a:lvl5pPr marL="2057400" indent="-228600" algn="l" defTabSz="914400" rtl="0" eaLnBrk="1" latinLnBrk="0" hangingPunct="1">
+              <a:lnSpc>
+                <a:spcPct val="150000"/>
+              </a:lnSpc>
+              <a:spcBef>
+                <a:spcPts val="500"/>
+              </a:spcBef>
+              <a:buFont typeface="Arial" panose="020B0604020202020204" pitchFamily="34" charset="0"/>
+              <a:buChar char="•"/>
+              <a:defRPr sz="1200" kern="1200">
+                <a:solidFill>
+                  <a:schemeClr val="bg1"/>
+                </a:solidFill>
+                <a:latin typeface="+mn-lt"/>
+                <a:ea typeface="+mn-ea"/>
+                <a:cs typeface="+mn-cs"/>
+              </a:defRPr>
+            </a:lvl5pPr>
+            <a:lvl6pPr marL="2514600" indent="-228600" algn="l" defTabSz="914400" rtl="0" eaLnBrk="1" latinLnBrk="0" hangingPunct="1">
+              <a:lnSpc>
+                <a:spcPct val="90000"/>
+              </a:lnSpc>
+              <a:spcBef>
+                <a:spcPts val="500"/>
+              </a:spcBef>
+              <a:buFont typeface="Arial" panose="020B0604020202020204" pitchFamily="34" charset="0"/>
+              <a:buChar char="•"/>
+              <a:defRPr sz="1800" kern="1200">
+                <a:solidFill>
+                  <a:schemeClr val="tx1"/>
+                </a:solidFill>
+                <a:latin typeface="+mn-lt"/>
+                <a:ea typeface="+mn-ea"/>
+                <a:cs typeface="+mn-cs"/>
+              </a:defRPr>
+            </a:lvl6pPr>
+            <a:lvl7pPr marL="2971800" indent="-228600" algn="l" defTabSz="914400" rtl="0" eaLnBrk="1" latinLnBrk="0" hangingPunct="1">
+              <a:lnSpc>
+                <a:spcPct val="90000"/>
+              </a:lnSpc>
+              <a:spcBef>
+                <a:spcPts val="500"/>
+              </a:spcBef>
+              <a:buFont typeface="Arial" panose="020B0604020202020204" pitchFamily="34" charset="0"/>
+              <a:buChar char="•"/>
+              <a:defRPr sz="1800" kern="1200">
+                <a:solidFill>
+                  <a:schemeClr val="tx1"/>
+                </a:solidFill>
+                <a:latin typeface="+mn-lt"/>
+                <a:ea typeface="+mn-ea"/>
+                <a:cs typeface="+mn-cs"/>
+              </a:defRPr>
+            </a:lvl7pPr>
+            <a:lvl8pPr marL="3429000" indent="-228600" algn="l" defTabSz="914400" rtl="0" eaLnBrk="1" latinLnBrk="0" hangingPunct="1">
+              <a:lnSpc>
+                <a:spcPct val="90000"/>
+              </a:lnSpc>
+              <a:spcBef>
+                <a:spcPts val="500"/>
+              </a:spcBef>
+              <a:buFont typeface="Arial" panose="020B0604020202020204" pitchFamily="34" charset="0"/>
+              <a:buChar char="•"/>
+              <a:defRPr sz="1800" kern="1200">
+                <a:solidFill>
+                  <a:schemeClr val="tx1"/>
+                </a:solidFill>
+                <a:latin typeface="+mn-lt"/>
+                <a:ea typeface="+mn-ea"/>
+                <a:cs typeface="+mn-cs"/>
+              </a:defRPr>
+            </a:lvl8pPr>
+            <a:lvl9pPr marL="3886200" indent="-228600" algn="l" defTabSz="914400" rtl="0" eaLnBrk="1" latinLnBrk="0" hangingPunct="1">
+              <a:lnSpc>
+                <a:spcPct val="90000"/>
+              </a:lnSpc>
+              <a:spcBef>
+                <a:spcPts val="500"/>
+              </a:spcBef>
+              <a:buFont typeface="Arial" panose="020B0604020202020204" pitchFamily="34" charset="0"/>
+              <a:buChar char="•"/>
+              <a:defRPr sz="1800" kern="1200">
+                <a:solidFill>
+                  <a:schemeClr val="tx1"/>
+                </a:solidFill>
+                <a:latin typeface="+mn-lt"/>
+                <a:ea typeface="+mn-ea"/>
+                <a:cs typeface="+mn-cs"/>
+              </a:defRPr>
+            </a:lvl9pPr>
+          </a:lstStyle>
+          <a:p>
+            <a:r>
+              <a:rPr lang="en-US" dirty="0"/>
+              <a:t>2019 – r value is -0.11</a:t>
+            </a:r>
+            <a:endParaRPr lang="en-US" dirty="0"/>
+          </a:p>
+          <a:p>
+            <a:r>
+              <a:rPr lang="en-US" dirty="0"/>
+              <a:t>2020 – r value is -0.04</a:t>
+            </a:r>
+            <a:endParaRPr lang="en-US" dirty="0"/>
+          </a:p>
+          <a:p>
+            <a:r>
+              <a:rPr lang="en-US" dirty="0"/>
+              <a:t>There is only weak correlation between Price per Night and Number of days booked for a listing in AirBnB.</a:t>
+            </a:r>
+            <a:endParaRPr lang="en-US" dirty="0"/>
+          </a:p>
+        </p:txBody>
+      </p:sp>
     </p:spTree>
-    <p:extLst>
-      <p:ext uri="{BB962C8B-B14F-4D97-AF65-F5344CB8AC3E}">
-        <p14:creationId xmlns:p14="http://schemas.microsoft.com/office/powerpoint/2010/main" val="3833922747"/>
-      </p:ext>
-    </p:extLst>
   </p:cSld>
   <p:clrMapOvr>
     <a:masterClrMapping/>
@@ -12622,15 +11432,197 @@
           <a:chExt cx="0" cy="0"/>
         </a:xfrm>
       </p:grpSpPr>
-      <p:sp>
-        <p:nvSpPr>
-          <p:cNvPr id="8" name="Title 7" hidden="1">
-            <a:extLst>
-              <a:ext uri="{FF2B5EF4-FFF2-40B4-BE49-F238E27FC236}">
-                <a16:creationId xmlns:a16="http://schemas.microsoft.com/office/drawing/2014/main" id="{097D2725-75F4-45AA-950F-2F67BBF8F754}"/>
-              </a:ext>
-            </a:extLst>
-          </p:cNvPr>
+      <p:pic>
+        <p:nvPicPr>
+          <p:cNvPr id="9" name="Content Placeholder 8" descr="Chart, scatter chart&#10;&#10;Description automatically generated"/>
+          <p:cNvPicPr>
+            <a:picLocks noGrp="1" noChangeAspect="1"/>
+          </p:cNvPicPr>
+          <p:nvPr>
+            <p:ph sz="quarter" idx="16"/>
+          </p:nvPr>
+        </p:nvPicPr>
+        <p:blipFill>
+          <a:blip r:embed="rId1"/>
+          <a:stretch>
+            <a:fillRect/>
+          </a:stretch>
+        </p:blipFill>
+        <p:spPr>
+          <a:xfrm>
+            <a:off x="6569241" y="100865"/>
+            <a:ext cx="4716378" cy="3144252"/>
+          </a:xfrm>
+        </p:spPr>
+      </p:pic>
+      <p:sp>
+        <p:nvSpPr>
+          <p:cNvPr id="3" name="Title 2"/>
+          <p:cNvSpPr>
+            <a:spLocks noGrp="1"/>
+          </p:cNvSpPr>
+          <p:nvPr>
+            <p:ph type="title"/>
+          </p:nvPr>
+        </p:nvSpPr>
+        <p:spPr/>
+        <p:txBody>
+          <a:bodyPr/>
+          <a:lstStyle/>
+          <a:p>
+            <a:r>
+              <a:rPr lang="en-AU" dirty="0"/>
+              <a:t>Host Response Rate vs Number of Days Booked</a:t>
+            </a:r>
+            <a:endParaRPr lang="en-AU" dirty="0"/>
+          </a:p>
+        </p:txBody>
+      </p:sp>
+      <p:sp>
+        <p:nvSpPr>
+          <p:cNvPr id="4" name="Content Placeholder 3"/>
+          <p:cNvSpPr>
+            <a:spLocks noGrp="1"/>
+          </p:cNvSpPr>
+          <p:nvPr>
+            <p:ph idx="1"/>
+          </p:nvPr>
+        </p:nvSpPr>
+        <p:spPr/>
+        <p:txBody>
+          <a:bodyPr/>
+          <a:lstStyle/>
+          <a:p>
+            <a:r>
+              <a:rPr lang="en-AU" dirty="0"/>
+              <a:t>2019 – r value is -0.34</a:t>
+            </a:r>
+            <a:endParaRPr lang="en-AU" dirty="0"/>
+          </a:p>
+          <a:p>
+            <a:r>
+              <a:rPr lang="en-AU" dirty="0"/>
+              <a:t>2020 – r value is -0.4</a:t>
+            </a:r>
+            <a:endParaRPr lang="en-AU" dirty="0"/>
+          </a:p>
+          <a:p>
+            <a:r>
+              <a:rPr lang="en-AU" dirty="0"/>
+              <a:t>There is moderate correlation between Host Response Rate and Number of Days booked for a listing in </a:t>
+            </a:r>
+            <a:r>
+              <a:rPr lang="en-AU" dirty="0" err="1"/>
+              <a:t>AirBnB</a:t>
+            </a:r>
+            <a:r>
+              <a:rPr lang="en-AU" dirty="0"/>
+              <a:t>.</a:t>
+            </a:r>
+            <a:endParaRPr lang="en-AU" dirty="0"/>
+          </a:p>
+          <a:p>
+            <a:endParaRPr lang="en-AU" dirty="0"/>
+          </a:p>
+        </p:txBody>
+      </p:sp>
+      <p:sp>
+        <p:nvSpPr>
+          <p:cNvPr id="6" name="Footer Placeholder 5"/>
+          <p:cNvSpPr>
+            <a:spLocks noGrp="1"/>
+          </p:cNvSpPr>
+          <p:nvPr>
+            <p:ph type="ftr" sz="quarter" idx="17"/>
+          </p:nvPr>
+        </p:nvSpPr>
+        <p:spPr/>
+        <p:txBody>
+          <a:bodyPr/>
+          <a:lstStyle/>
+          <a:p>
+            <a:r>
+              <a:rPr lang="en-US"/>
+              <a:t>Add a Footer</a:t>
+            </a:r>
+            <a:endParaRPr lang="en-US" dirty="0"/>
+          </a:p>
+        </p:txBody>
+      </p:sp>
+      <p:sp>
+        <p:nvSpPr>
+          <p:cNvPr id="7" name="Slide Number Placeholder 6"/>
+          <p:cNvSpPr>
+            <a:spLocks noGrp="1"/>
+          </p:cNvSpPr>
+          <p:nvPr>
+            <p:ph type="sldNum" sz="quarter" idx="18"/>
+          </p:nvPr>
+        </p:nvSpPr>
+        <p:spPr/>
+        <p:txBody>
+          <a:bodyPr/>
+          <a:lstStyle/>
+          <a:p>
+            <a:fld id="{8C2E478F-E849-4A8C-AF1F-CBCC78A7CBFA}" type="slidenum">
+              <a:rPr lang="en-US" smtClean="0"/>
+            </a:fld>
+            <a:endParaRPr lang="en-US" dirty="0"/>
+          </a:p>
+        </p:txBody>
+      </p:sp>
+      <p:pic>
+        <p:nvPicPr>
+          <p:cNvPr id="11" name="Picture 10" descr="Chart, scatter chart&#10;&#10;Description automatically generated"/>
+          <p:cNvPicPr>
+            <a:picLocks noChangeAspect="1"/>
+          </p:cNvPicPr>
+          <p:nvPr/>
+        </p:nvPicPr>
+        <p:blipFill>
+          <a:blip r:embed="rId2"/>
+          <a:stretch>
+            <a:fillRect/>
+          </a:stretch>
+        </p:blipFill>
+        <p:spPr>
+          <a:xfrm>
+            <a:off x="6569241" y="3485148"/>
+            <a:ext cx="4716378" cy="3144252"/>
+          </a:xfrm>
+          <a:prstGeom prst="rect">
+            <a:avLst/>
+          </a:prstGeom>
+        </p:spPr>
+      </p:pic>
+    </p:spTree>
+  </p:cSld>
+  <p:clrMapOvr>
+    <a:masterClrMapping/>
+  </p:clrMapOvr>
+</p:sld>
+</file>
+
+<file path=ppt/slides/slide18.xml><?xml version="1.0" encoding="utf-8"?>
+<p:sld xmlns:a="http://schemas.openxmlformats.org/drawingml/2006/main" xmlns:r="http://schemas.openxmlformats.org/officeDocument/2006/relationships" xmlns:p="http://schemas.openxmlformats.org/presentationml/2006/main">
+  <p:cSld>
+    <p:spTree>
+      <p:nvGrpSpPr>
+        <p:cNvPr id="1" name=""/>
+        <p:cNvGrpSpPr/>
+        <p:nvPr/>
+      </p:nvGrpSpPr>
+      <p:grpSpPr>
+        <a:xfrm>
+          <a:off x="0" y="0"/>
+          <a:ext cx="0" cy="0"/>
+          <a:chOff x="0" y="0"/>
+          <a:chExt cx="0" cy="0"/>
+        </a:xfrm>
+      </p:grpSpPr>
+      <p:sp>
+        <p:nvSpPr>
+          <p:cNvPr id="8" name="Title 7" hidden="1"/>
           <p:cNvSpPr>
             <a:spLocks noGrp="1"/>
           </p:cNvSpPr>
@@ -12652,18 +11644,13 @@
               <a:rPr lang="en-US" dirty="0"/>
               <a:t>Title:</a:t>
             </a:r>
+            <a:endParaRPr lang="en-US" dirty="0"/>
           </a:p>
         </p:txBody>
       </p:sp>
       <p:pic>
         <p:nvPicPr>
-          <p:cNvPr id="5" name="Picture Placeholder 4" descr="Abstract Building" title="Abstract Building">
-            <a:extLst>
-              <a:ext uri="{FF2B5EF4-FFF2-40B4-BE49-F238E27FC236}">
-                <a16:creationId xmlns:a16="http://schemas.microsoft.com/office/drawing/2014/main" id="{A0DC386B-E165-424D-B694-E2C45FFA4071}"/>
-              </a:ext>
-            </a:extLst>
-          </p:cNvPr>
+          <p:cNvPr id="5" name="Picture Placeholder 4" descr="Abstract Building" title="Abstract Building"/>
           <p:cNvPicPr>
             <a:picLocks noGrp="1" noChangeAspect="1"/>
           </p:cNvPicPr>
@@ -12672,7 +11659,7 @@
           </p:nvPr>
         </p:nvPicPr>
         <p:blipFill>
-          <a:blip r:embed="rId3">
+          <a:blip r:embed="rId1">
             <a:extLst>
               <a:ext uri="{28A0092B-C50C-407E-A947-70E740481C1C}">
                 <a14:useLocalDpi xmlns:a14="http://schemas.microsoft.com/office/drawing/2010/main" val="0"/>
@@ -12688,16 +11675,7 @@
       </p:pic>
       <p:sp>
         <p:nvSpPr>
-          <p:cNvPr id="11" name="Rectangle 10">
-            <a:extLst>
-              <a:ext uri="{FF2B5EF4-FFF2-40B4-BE49-F238E27FC236}">
-                <a16:creationId xmlns:a16="http://schemas.microsoft.com/office/drawing/2014/main" id="{618826A1-4E90-405A-AE28-5500B0A362E3}"/>
-              </a:ext>
-              <a:ext uri="{C183D7F6-B498-43B3-948B-1728B52AA6E4}">
-                <adec:decorative xmlns:adec="http://schemas.microsoft.com/office/drawing/2017/decorative" val="1"/>
-              </a:ext>
-            </a:extLst>
-          </p:cNvPr>
+          <p:cNvPr id="11" name="Rectangle 10"/>
           <p:cNvSpPr/>
           <p:nvPr/>
         </p:nvSpPr>
@@ -12760,16 +11738,7 @@
       </p:sp>
       <p:sp>
         <p:nvSpPr>
-          <p:cNvPr id="10" name="Rectangle 9">
-            <a:extLst>
-              <a:ext uri="{FF2B5EF4-FFF2-40B4-BE49-F238E27FC236}">
-                <a16:creationId xmlns:a16="http://schemas.microsoft.com/office/drawing/2014/main" id="{0783A1B7-34FF-4F2F-A68D-A3D22C770FCB}"/>
-              </a:ext>
-              <a:ext uri="{C183D7F6-B498-43B3-948B-1728B52AA6E4}">
-                <adec:decorative xmlns:adec="http://schemas.microsoft.com/office/drawing/2017/decorative" val="1"/>
-              </a:ext>
-            </a:extLst>
-          </p:cNvPr>
+          <p:cNvPr id="10" name="Rectangle 9"/>
           <p:cNvSpPr/>
           <p:nvPr/>
         </p:nvSpPr>
@@ -12815,16 +11784,7 @@
       </p:sp>
       <p:sp>
         <p:nvSpPr>
-          <p:cNvPr id="14" name="Rectangle 13">
-            <a:extLst>
-              <a:ext uri="{FF2B5EF4-FFF2-40B4-BE49-F238E27FC236}">
-                <a16:creationId xmlns:a16="http://schemas.microsoft.com/office/drawing/2014/main" id="{3C1F0EB8-D260-4FB6-ACF6-6E86B9A02919}"/>
-              </a:ext>
-              <a:ext uri="{C183D7F6-B498-43B3-948B-1728B52AA6E4}">
-                <adec:decorative xmlns:adec="http://schemas.microsoft.com/office/drawing/2017/decorative" val="1"/>
-              </a:ext>
-            </a:extLst>
-          </p:cNvPr>
+          <p:cNvPr id="14" name="Rectangle 13"/>
           <p:cNvSpPr/>
           <p:nvPr/>
         </p:nvSpPr>
@@ -12871,13 +11831,7 @@
       </p:sp>
       <p:sp>
         <p:nvSpPr>
-          <p:cNvPr id="15" name="Rectangle 14">
-            <a:extLst>
-              <a:ext uri="{FF2B5EF4-FFF2-40B4-BE49-F238E27FC236}">
-                <a16:creationId xmlns:a16="http://schemas.microsoft.com/office/drawing/2014/main" id="{76D4BFC2-69CA-4ED6-89E7-A9ADB571E7A4}"/>
-              </a:ext>
-            </a:extLst>
-          </p:cNvPr>
+          <p:cNvPr id="15" name="Rectangle 14"/>
           <p:cNvSpPr/>
           <p:nvPr/>
         </p:nvSpPr>
@@ -12938,6 +11892,13 @@
               </a:rPr>
               <a:t>Final Comments</a:t>
             </a:r>
+            <a:endParaRPr lang="en-US" sz="3200" b="1" dirty="0">
+              <a:solidFill>
+                <a:schemeClr val="bg1"/>
+              </a:solidFill>
+              <a:latin typeface="+mj-lt"/>
+              <a:cs typeface="Gill Sans" panose="020B0502020104020203" pitchFamily="34" charset="-79"/>
+            </a:endParaRPr>
           </a:p>
           <a:p>
             <a:r>
@@ -12946,18 +11907,15 @@
               </a:rPr>
               <a:t>We will also take questions.</a:t>
             </a:r>
-          </a:p>
-        </p:txBody>
-      </p:sp>
-      <p:sp>
-        <p:nvSpPr>
-          <p:cNvPr id="2" name="Footer Placeholder 1">
-            <a:extLst>
-              <a:ext uri="{FF2B5EF4-FFF2-40B4-BE49-F238E27FC236}">
-                <a16:creationId xmlns:a16="http://schemas.microsoft.com/office/drawing/2014/main" id="{3D8BBA11-131E-446B-BC9B-D0A09B1AF059}"/>
-              </a:ext>
-            </a:extLst>
-          </p:cNvPr>
+            <a:endParaRPr lang="en-US" sz="1200" dirty="0">
+              <a:latin typeface="+mj-lt"/>
+            </a:endParaRPr>
+          </a:p>
+        </p:txBody>
+      </p:sp>
+      <p:sp>
+        <p:nvSpPr>
+          <p:cNvPr id="2" name="Footer Placeholder 1"/>
           <p:cNvSpPr>
             <a:spLocks noGrp="1"/>
           </p:cNvSpPr>
@@ -12974,18 +11932,13 @@
               <a:rPr lang="en-US" dirty="0"/>
               <a:t>Add a Footer</a:t>
             </a:r>
-          </a:p>
-        </p:txBody>
-      </p:sp>
-      <p:sp>
-        <p:nvSpPr>
-          <p:cNvPr id="9" name="Rectangle: Single Corner Snipped 8" descr="Footer accent box">
-            <a:extLst>
-              <a:ext uri="{FF2B5EF4-FFF2-40B4-BE49-F238E27FC236}">
-                <a16:creationId xmlns:a16="http://schemas.microsoft.com/office/drawing/2014/main" id="{DF712259-BEF9-4B45-8D68-5F74C49207DE}"/>
-              </a:ext>
-            </a:extLst>
-          </p:cNvPr>
+            <a:endParaRPr lang="en-US" dirty="0"/>
+          </a:p>
+        </p:txBody>
+      </p:sp>
+      <p:sp>
+        <p:nvSpPr>
+          <p:cNvPr id="9" name="Rectangle: Single Corner Snipped 8" descr="Footer accent box"/>
           <p:cNvSpPr/>
           <p:nvPr/>
         </p:nvSpPr>
@@ -13052,13 +12005,7 @@
       </p:sp>
       <p:sp>
         <p:nvSpPr>
-          <p:cNvPr id="3" name="Slide Number Placeholder 2">
-            <a:extLst>
-              <a:ext uri="{FF2B5EF4-FFF2-40B4-BE49-F238E27FC236}">
-                <a16:creationId xmlns:a16="http://schemas.microsoft.com/office/drawing/2014/main" id="{206B3DE3-5308-4ADE-BC26-29765480D1E1}"/>
-              </a:ext>
-            </a:extLst>
-          </p:cNvPr>
+          <p:cNvPr id="3" name="Slide Number Placeholder 2"/>
           <p:cNvSpPr>
             <a:spLocks noGrp="1"/>
           </p:cNvSpPr>
@@ -13073,19 +12020,12 @@
           <a:p>
             <a:fld id="{8C2E478F-E849-4A8C-AF1F-CBCC78A7CBFA}" type="slidenum">
               <a:rPr lang="en-US" smtClean="0"/>
-              <a:pPr/>
-              <a:t>17</a:t>
             </a:fld>
             <a:endParaRPr lang="en-US" dirty="0"/>
           </a:p>
         </p:txBody>
       </p:sp>
     </p:spTree>
-    <p:extLst>
-      <p:ext uri="{BB962C8B-B14F-4D97-AF65-F5344CB8AC3E}">
-        <p14:creationId xmlns:p14="http://schemas.microsoft.com/office/powerpoint/2010/main" val="1389222877"/>
-      </p:ext>
-    </p:extLst>
   </p:cSld>
   <p:clrMapOvr>
     <a:masterClrMapping/>
@@ -13093,7 +12033,7 @@
 </p:sld>
 </file>
 
-<file path=ppt/slides/slide18.xml><?xml version="1.0" encoding="utf-8"?>
+<file path=ppt/slides/slide19.xml><?xml version="1.0" encoding="utf-8"?>
 <p:sld xmlns:a="http://schemas.openxmlformats.org/drawingml/2006/main" xmlns:r="http://schemas.openxmlformats.org/officeDocument/2006/relationships" xmlns:p="http://schemas.openxmlformats.org/presentationml/2006/main">
   <p:cSld>
     <p:bg>
@@ -13120,13 +12060,7 @@
       </p:grpSpPr>
       <p:pic>
         <p:nvPicPr>
-          <p:cNvPr id="5" name="Picture Placeholder 4" descr="Triangular design ceiling">
-            <a:extLst>
-              <a:ext uri="{FF2B5EF4-FFF2-40B4-BE49-F238E27FC236}">
-                <a16:creationId xmlns:a16="http://schemas.microsoft.com/office/drawing/2014/main" id="{ECE6809B-9586-4FFC-9D20-26C51CA9653B}"/>
-              </a:ext>
-            </a:extLst>
-          </p:cNvPr>
+          <p:cNvPr id="5" name="Picture Placeholder 4" descr="Triangular design ceiling"/>
           <p:cNvPicPr>
             <a:picLocks noGrp="1" noChangeAspect="1"/>
           </p:cNvPicPr>
@@ -13135,7 +12069,7 @@
           </p:nvPr>
         </p:nvPicPr>
         <p:blipFill>
-          <a:blip r:embed="rId2">
+          <a:blip r:embed="rId1">
             <a:extLst>
               <a:ext uri="{28A0092B-C50C-407E-A947-70E740481C1C}">
                 <a14:useLocalDpi xmlns:a14="http://schemas.microsoft.com/office/drawing/2010/main" val="0"/>
@@ -13151,16 +12085,7 @@
       </p:pic>
       <p:sp>
         <p:nvSpPr>
-          <p:cNvPr id="35" name="Rectangle 34">
-            <a:extLst>
-              <a:ext uri="{FF2B5EF4-FFF2-40B4-BE49-F238E27FC236}">
-                <a16:creationId xmlns:a16="http://schemas.microsoft.com/office/drawing/2014/main" id="{B6C8E487-ADDC-4F1B-A30A-BAABB4998F49}"/>
-              </a:ext>
-              <a:ext uri="{C183D7F6-B498-43B3-948B-1728B52AA6E4}">
-                <adec:decorative xmlns:adec="http://schemas.microsoft.com/office/drawing/2017/decorative" val="1"/>
-              </a:ext>
-            </a:extLst>
-          </p:cNvPr>
+          <p:cNvPr id="35" name="Rectangle 34"/>
           <p:cNvSpPr/>
           <p:nvPr/>
         </p:nvSpPr>
@@ -13208,16 +12133,7 @@
       </p:sp>
       <p:grpSp>
         <p:nvGrpSpPr>
-          <p:cNvPr id="40" name="Group 39">
-            <a:extLst>
-              <a:ext uri="{FF2B5EF4-FFF2-40B4-BE49-F238E27FC236}">
-                <a16:creationId xmlns:a16="http://schemas.microsoft.com/office/drawing/2014/main" id="{11BEC607-8474-408E-A7AC-48A065F31B63}"/>
-              </a:ext>
-              <a:ext uri="{C183D7F6-B498-43B3-948B-1728B52AA6E4}">
-                <adec:decorative xmlns:adec="http://schemas.microsoft.com/office/drawing/2017/decorative" val="1"/>
-              </a:ext>
-            </a:extLst>
-          </p:cNvPr>
+          <p:cNvPr id="40" name="Group 39"/>
           <p:cNvGrpSpPr/>
           <p:nvPr/>
         </p:nvGrpSpPr>
@@ -13231,16 +12147,7 @@
         </p:grpSpPr>
         <p:sp>
           <p:nvSpPr>
-            <p:cNvPr id="42" name="Rectangle 41">
-              <a:extLst>
-                <a:ext uri="{FF2B5EF4-FFF2-40B4-BE49-F238E27FC236}">
-                  <a16:creationId xmlns:a16="http://schemas.microsoft.com/office/drawing/2014/main" id="{B601E3FC-2016-4085-9A4B-A172702EAAE1}"/>
-                </a:ext>
-                <a:ext uri="{C183D7F6-B498-43B3-948B-1728B52AA6E4}">
-                  <adec:decorative xmlns:adec="http://schemas.microsoft.com/office/drawing/2017/decorative" val="1"/>
-                </a:ext>
-              </a:extLst>
-            </p:cNvPr>
+            <p:cNvPr id="42" name="Rectangle 41"/>
             <p:cNvSpPr/>
             <p:nvPr userDrawn="1"/>
           </p:nvSpPr>
@@ -13303,16 +12210,7 @@
         </p:sp>
         <p:sp>
           <p:nvSpPr>
-            <p:cNvPr id="41" name="Rectangle 40">
-              <a:extLst>
-                <a:ext uri="{FF2B5EF4-FFF2-40B4-BE49-F238E27FC236}">
-                  <a16:creationId xmlns:a16="http://schemas.microsoft.com/office/drawing/2014/main" id="{2CBF662F-A198-4AD3-8EBC-0EC9A52B2994}"/>
-                </a:ext>
-                <a:ext uri="{C183D7F6-B498-43B3-948B-1728B52AA6E4}">
-                  <adec:decorative xmlns:adec="http://schemas.microsoft.com/office/drawing/2017/decorative" val="1"/>
-                </a:ext>
-              </a:extLst>
-            </p:cNvPr>
+            <p:cNvPr id="41" name="Rectangle 40"/>
             <p:cNvSpPr/>
             <p:nvPr userDrawn="1"/>
           </p:nvSpPr>
@@ -13358,16 +12256,7 @@
         </p:sp>
         <p:sp>
           <p:nvSpPr>
-            <p:cNvPr id="43" name="Rectangle 42">
-              <a:extLst>
-                <a:ext uri="{FF2B5EF4-FFF2-40B4-BE49-F238E27FC236}">
-                  <a16:creationId xmlns:a16="http://schemas.microsoft.com/office/drawing/2014/main" id="{142E86C5-8E5F-4620-A4FB-D1F926179D18}"/>
-                </a:ext>
-                <a:ext uri="{C183D7F6-B498-43B3-948B-1728B52AA6E4}">
-                  <adec:decorative xmlns:adec="http://schemas.microsoft.com/office/drawing/2017/decorative" val="1"/>
-                </a:ext>
-              </a:extLst>
-            </p:cNvPr>
+            <p:cNvPr id="43" name="Rectangle 42"/>
             <p:cNvSpPr/>
             <p:nvPr userDrawn="1"/>
           </p:nvSpPr>
@@ -13414,13 +12303,7 @@
       </p:grpSp>
       <p:sp>
         <p:nvSpPr>
-          <p:cNvPr id="6" name="Title 5">
-            <a:extLst>
-              <a:ext uri="{FF2B5EF4-FFF2-40B4-BE49-F238E27FC236}">
-                <a16:creationId xmlns:a16="http://schemas.microsoft.com/office/drawing/2014/main" id="{7E0E8055-17FA-43CE-9F03-E712F496B7CF}"/>
-              </a:ext>
-            </a:extLst>
-          </p:cNvPr>
+          <p:cNvPr id="6" name="Title 5"/>
           <p:cNvSpPr>
             <a:spLocks noGrp="1"/>
           </p:cNvSpPr>
@@ -13437,18 +12320,13 @@
               <a:rPr lang="en-US" dirty="0"/>
               <a:t>THANK YOU</a:t>
             </a:r>
-          </a:p>
-        </p:txBody>
-      </p:sp>
-      <p:sp>
-        <p:nvSpPr>
-          <p:cNvPr id="10" name="Subtitle 9">
-            <a:extLst>
-              <a:ext uri="{FF2B5EF4-FFF2-40B4-BE49-F238E27FC236}">
-                <a16:creationId xmlns:a16="http://schemas.microsoft.com/office/drawing/2014/main" id="{3E9BAE4F-16CE-4F5D-9BC7-2CB992790F2F}"/>
-              </a:ext>
-            </a:extLst>
-          </p:cNvPr>
+            <a:endParaRPr lang="en-US" dirty="0"/>
+          </a:p>
+        </p:txBody>
+      </p:sp>
+      <p:sp>
+        <p:nvSpPr>
+          <p:cNvPr id="10" name="Subtitle 9"/>
           <p:cNvSpPr>
             <a:spLocks noGrp="1"/>
           </p:cNvSpPr>
@@ -13474,7 +12352,7 @@
             </a:r>
             <a:r>
               <a:rPr lang="en-US" dirty="0">
-                <a:hlinkClick r:id="rId3"/>
+                <a:hlinkClick r:id="rId2"/>
               </a:rPr>
               <a:t>https://github.com/cjdance/Project_1.git</a:t>
             </a:r>
@@ -13487,13 +12365,7 @@
       </p:sp>
       <p:sp>
         <p:nvSpPr>
-          <p:cNvPr id="2" name="Footer Placeholder 1">
-            <a:extLst>
-              <a:ext uri="{FF2B5EF4-FFF2-40B4-BE49-F238E27FC236}">
-                <a16:creationId xmlns:a16="http://schemas.microsoft.com/office/drawing/2014/main" id="{9FE3A4F2-29CE-4C57-A172-6A0D63EFD700}"/>
-              </a:ext>
-            </a:extLst>
-          </p:cNvPr>
+          <p:cNvPr id="2" name="Footer Placeholder 1"/>
           <p:cNvSpPr>
             <a:spLocks noGrp="1"/>
           </p:cNvSpPr>
@@ -13515,18 +12387,13 @@
               <a:rPr lang="en-US" dirty="0"/>
               <a:t>Add a Footer</a:t>
             </a:r>
-          </a:p>
-        </p:txBody>
-      </p:sp>
-      <p:sp>
-        <p:nvSpPr>
-          <p:cNvPr id="25" name="Rectangle: Single Corner Snipped 24" descr="Footer accent box">
-            <a:extLst>
-              <a:ext uri="{FF2B5EF4-FFF2-40B4-BE49-F238E27FC236}">
-                <a16:creationId xmlns:a16="http://schemas.microsoft.com/office/drawing/2014/main" id="{ADA66B68-D364-4C11-9AA9-052CEAC914E1}"/>
-              </a:ext>
-            </a:extLst>
-          </p:cNvPr>
+            <a:endParaRPr lang="en-US" dirty="0"/>
+          </a:p>
+        </p:txBody>
+      </p:sp>
+      <p:sp>
+        <p:nvSpPr>
+          <p:cNvPr id="25" name="Rectangle: Single Corner Snipped 24" descr="Footer accent box"/>
           <p:cNvSpPr/>
           <p:nvPr/>
         </p:nvSpPr>
@@ -13593,13 +12460,7 @@
       </p:sp>
       <p:sp>
         <p:nvSpPr>
-          <p:cNvPr id="26" name="Slide Number Placeholder 5">
-            <a:extLst>
-              <a:ext uri="{FF2B5EF4-FFF2-40B4-BE49-F238E27FC236}">
-                <a16:creationId xmlns:a16="http://schemas.microsoft.com/office/drawing/2014/main" id="{7B17F9E2-0E31-4010-80D8-F343F24E6E14}"/>
-              </a:ext>
-            </a:extLst>
-          </p:cNvPr>
+          <p:cNvPr id="26" name="Slide Number Placeholder 5"/>
           <p:cNvSpPr>
             <a:spLocks noGrp="1"/>
           </p:cNvSpPr>
@@ -13630,19 +12491,12 @@
           <a:p>
             <a:fld id="{8C2E478F-E849-4A8C-AF1F-CBCC78A7CBFA}" type="slidenum">
               <a:rPr lang="en-US" smtClean="0"/>
-              <a:pPr/>
-              <a:t>18</a:t>
             </a:fld>
             <a:endParaRPr lang="en-US" dirty="0"/>
           </a:p>
         </p:txBody>
       </p:sp>
     </p:spTree>
-    <p:extLst>
-      <p:ext uri="{BB962C8B-B14F-4D97-AF65-F5344CB8AC3E}">
-        <p14:creationId xmlns:p14="http://schemas.microsoft.com/office/powerpoint/2010/main" val="207078912"/>
-      </p:ext>
-    </p:extLst>
   </p:cSld>
   <p:clrMapOvr>
     <a:masterClrMapping/>
@@ -13669,13 +12523,7 @@
       </p:grpSpPr>
       <p:sp>
         <p:nvSpPr>
-          <p:cNvPr id="7" name="Title 6">
-            <a:extLst>
-              <a:ext uri="{FF2B5EF4-FFF2-40B4-BE49-F238E27FC236}">
-                <a16:creationId xmlns:a16="http://schemas.microsoft.com/office/drawing/2014/main" id="{D5445F47-6D74-450C-BC16-998D2021AD78}"/>
-              </a:ext>
-            </a:extLst>
-          </p:cNvPr>
+          <p:cNvPr id="7" name="Title 6"/>
           <p:cNvSpPr>
             <a:spLocks noGrp="1"/>
           </p:cNvSpPr>
@@ -13697,18 +12545,13 @@
               <a:rPr lang="en-US" dirty="0"/>
               <a:t>Project Brief</a:t>
             </a:r>
-          </a:p>
-        </p:txBody>
-      </p:sp>
-      <p:sp>
-        <p:nvSpPr>
-          <p:cNvPr id="8" name="Text Placeholder 7">
-            <a:extLst>
-              <a:ext uri="{FF2B5EF4-FFF2-40B4-BE49-F238E27FC236}">
-                <a16:creationId xmlns:a16="http://schemas.microsoft.com/office/drawing/2014/main" id="{E79DECD2-B85E-4CB3-BBFB-C64131454B65}"/>
-              </a:ext>
-            </a:extLst>
-          </p:cNvPr>
+            <a:endParaRPr lang="en-US" dirty="0"/>
+          </a:p>
+        </p:txBody>
+      </p:sp>
+      <p:sp>
+        <p:nvSpPr>
+          <p:cNvPr id="8" name="Text Placeholder 7"/>
           <p:cNvSpPr>
             <a:spLocks noGrp="1"/>
           </p:cNvSpPr>
@@ -13737,6 +12580,7 @@
               <a:rPr lang="en-US" dirty="0"/>
               <a:t>Our project aimed to look at available data for Melbourne AirBnB listings across 2019 and 2020 to identify trends in availability, room types offered and whether price or other factors affect a host’s review score.</a:t>
             </a:r>
+            <a:endParaRPr lang="en-US" dirty="0"/>
           </a:p>
           <a:p>
             <a:pPr>
@@ -13748,6 +12592,7 @@
               <a:rPr lang="en-US" dirty="0"/>
               <a:t>Specifically, we looked at:</a:t>
             </a:r>
+            <a:endParaRPr lang="en-US" dirty="0"/>
           </a:p>
           <a:p>
             <a:pPr marL="285750" indent="-285750">
@@ -13761,6 +12606,7 @@
               <a:rPr lang="en-US" dirty="0"/>
               <a:t>Which Melbourne areas have the most AirBnB listings</a:t>
             </a:r>
+            <a:endParaRPr lang="en-US" dirty="0"/>
           </a:p>
           <a:p>
             <a:pPr marL="285750" indent="-285750">
@@ -13774,6 +12620,7 @@
               <a:rPr lang="en-US" dirty="0"/>
               <a:t>Which Melbourne areas see the most bookings</a:t>
             </a:r>
+            <a:endParaRPr lang="en-US" dirty="0"/>
           </a:p>
           <a:p>
             <a:pPr marL="285750" indent="-285750">
@@ -13787,6 +12634,7 @@
               <a:rPr lang="en-US" dirty="0"/>
               <a:t>What room types does AirBnB have in Melbourne</a:t>
             </a:r>
+            <a:endParaRPr lang="en-US" dirty="0"/>
           </a:p>
           <a:p>
             <a:pPr marL="285750" indent="-285750">
@@ -13800,6 +12648,7 @@
               <a:rPr lang="en-US" dirty="0"/>
               <a:t>How does the price of these room types vary across suburbs</a:t>
             </a:r>
+            <a:endParaRPr lang="en-US" dirty="0"/>
           </a:p>
           <a:p>
             <a:pPr marL="285750" indent="-285750">
@@ -13813,6 +12662,7 @@
               <a:rPr lang="en-US" dirty="0"/>
               <a:t>Does price correlate to a high review score</a:t>
             </a:r>
+            <a:endParaRPr lang="en-US" dirty="0"/>
           </a:p>
           <a:p>
             <a:pPr marL="285750" indent="-285750">
@@ -13826,6 +12676,7 @@
               <a:rPr lang="en-US" dirty="0"/>
               <a:t>Does price correlate to the number of nights a property is booked</a:t>
             </a:r>
+            <a:endParaRPr lang="en-US" dirty="0"/>
           </a:p>
           <a:p>
             <a:pPr marL="285750" indent="-285750">
@@ -13839,6 +12690,7 @@
               <a:rPr lang="en-US" dirty="0"/>
               <a:t>Does a host responding to messages correlate to the number of nights their property is booked</a:t>
             </a:r>
+            <a:endParaRPr lang="en-US" dirty="0"/>
           </a:p>
           <a:p>
             <a:endParaRPr lang="en-US" dirty="0"/>
@@ -13847,13 +12699,7 @@
       </p:sp>
       <p:pic>
         <p:nvPicPr>
-          <p:cNvPr id="5" name="Picture Placeholder 4" descr="Two Buildings" title="Two Buildings">
-            <a:extLst>
-              <a:ext uri="{FF2B5EF4-FFF2-40B4-BE49-F238E27FC236}">
-                <a16:creationId xmlns:a16="http://schemas.microsoft.com/office/drawing/2014/main" id="{9EF82849-1FFF-4EE2-B6A4-C19B8A083067}"/>
-              </a:ext>
-            </a:extLst>
-          </p:cNvPr>
+          <p:cNvPr id="5" name="Picture Placeholder 4" descr="Two Buildings" title="Two Buildings"/>
           <p:cNvPicPr>
             <a:picLocks noGrp="1" noChangeAspect="1"/>
           </p:cNvPicPr>
@@ -13862,11 +12708,11 @@
           </p:nvPr>
         </p:nvPicPr>
         <p:blipFill>
-          <a:blip r:embed="rId3">
+          <a:blip r:embed="rId1">
             <a:extLst>
               <a:ext uri="{BEBA8EAE-BF5A-486C-A8C5-ECC9F3942E4B}">
                 <a14:imgProps xmlns:a14="http://schemas.microsoft.com/office/drawing/2010/main">
-                  <a14:imgLayer r:embed="rId4">
+                  <a14:imgLayer r:embed="rId2">
                     <a14:imgEffect>
                       <a14:brightnessContrast bright="-29000" contrast="24000"/>
                     </a14:imgEffect>
@@ -13887,13 +12733,7 @@
       </p:pic>
       <p:sp>
         <p:nvSpPr>
-          <p:cNvPr id="2" name="Footer Placeholder 1">
-            <a:extLst>
-              <a:ext uri="{FF2B5EF4-FFF2-40B4-BE49-F238E27FC236}">
-                <a16:creationId xmlns:a16="http://schemas.microsoft.com/office/drawing/2014/main" id="{F17BB2B3-BB1E-4588-97D3-522970C829A4}"/>
-              </a:ext>
-            </a:extLst>
-          </p:cNvPr>
+          <p:cNvPr id="2" name="Footer Placeholder 1"/>
           <p:cNvSpPr>
             <a:spLocks noGrp="1"/>
           </p:cNvSpPr>
@@ -13910,18 +12750,13 @@
               <a:rPr lang="en-US" dirty="0"/>
               <a:t>Add a Footer</a:t>
             </a:r>
-          </a:p>
-        </p:txBody>
-      </p:sp>
-      <p:sp>
-        <p:nvSpPr>
-          <p:cNvPr id="10" name="Rectangle: Single Corner Snipped 9" descr="Footer accent box">
-            <a:extLst>
-              <a:ext uri="{FF2B5EF4-FFF2-40B4-BE49-F238E27FC236}">
-                <a16:creationId xmlns:a16="http://schemas.microsoft.com/office/drawing/2014/main" id="{CDA9F8EC-2836-4D7A-8BB2-6D1C849515C1}"/>
-              </a:ext>
-            </a:extLst>
-          </p:cNvPr>
+            <a:endParaRPr lang="en-US" dirty="0"/>
+          </a:p>
+        </p:txBody>
+      </p:sp>
+      <p:sp>
+        <p:nvSpPr>
+          <p:cNvPr id="10" name="Rectangle: Single Corner Snipped 9" descr="Footer accent box"/>
           <p:cNvSpPr/>
           <p:nvPr/>
         </p:nvSpPr>
@@ -13988,13 +12823,7 @@
       </p:sp>
       <p:sp>
         <p:nvSpPr>
-          <p:cNvPr id="3" name="Slide Number Placeholder 2">
-            <a:extLst>
-              <a:ext uri="{FF2B5EF4-FFF2-40B4-BE49-F238E27FC236}">
-                <a16:creationId xmlns:a16="http://schemas.microsoft.com/office/drawing/2014/main" id="{C25E833F-FD8B-46E5-BD16-A82D3EDA8554}"/>
-              </a:ext>
-            </a:extLst>
-          </p:cNvPr>
+          <p:cNvPr id="3" name="Slide Number Placeholder 2"/>
           <p:cNvSpPr>
             <a:spLocks noGrp="1"/>
           </p:cNvSpPr>
@@ -14009,19 +12838,12 @@
           <a:p>
             <a:fld id="{8C2E478F-E849-4A8C-AF1F-CBCC78A7CBFA}" type="slidenum">
               <a:rPr lang="en-US" smtClean="0"/>
-              <a:pPr/>
-              <a:t>2</a:t>
             </a:fld>
             <a:endParaRPr lang="en-US" dirty="0"/>
           </a:p>
         </p:txBody>
       </p:sp>
     </p:spTree>
-    <p:extLst>
-      <p:ext uri="{BB962C8B-B14F-4D97-AF65-F5344CB8AC3E}">
-        <p14:creationId xmlns:p14="http://schemas.microsoft.com/office/powerpoint/2010/main" val="48532822"/>
-      </p:ext>
-    </p:extLst>
   </p:cSld>
   <p:clrMapOvr>
     <a:masterClrMapping/>
@@ -14048,13 +12870,7 @@
       </p:grpSpPr>
       <p:pic>
         <p:nvPicPr>
-          <p:cNvPr id="6" name="Picture Placeholder 5" descr="City Scape" title="City Scape">
-            <a:extLst>
-              <a:ext uri="{FF2B5EF4-FFF2-40B4-BE49-F238E27FC236}">
-                <a16:creationId xmlns:a16="http://schemas.microsoft.com/office/drawing/2014/main" id="{8C001EA0-C1FE-4BFF-BAE0-93D031DC21E0}"/>
-              </a:ext>
-            </a:extLst>
-          </p:cNvPr>
+          <p:cNvPr id="6" name="Picture Placeholder 5" descr="City Scape" title="City Scape"/>
           <p:cNvPicPr>
             <a:picLocks noGrp="1" noChangeAspect="1"/>
           </p:cNvPicPr>
@@ -14063,11 +12879,11 @@
           </p:nvPr>
         </p:nvPicPr>
         <p:blipFill>
-          <a:blip r:embed="rId2">
+          <a:blip r:embed="rId1">
             <a:extLst>
               <a:ext uri="{BEBA8EAE-BF5A-486C-A8C5-ECC9F3942E4B}">
                 <a14:imgProps xmlns:a14="http://schemas.microsoft.com/office/drawing/2010/main">
-                  <a14:imgLayer r:embed="rId3">
+                  <a14:imgLayer r:embed="rId2">
                     <a14:imgEffect>
                       <a14:brightnessContrast bright="-38000"/>
                     </a14:imgEffect>
@@ -14088,16 +12904,7 @@
       </p:pic>
       <p:grpSp>
         <p:nvGrpSpPr>
-          <p:cNvPr id="31" name="Group 30">
-            <a:extLst>
-              <a:ext uri="{FF2B5EF4-FFF2-40B4-BE49-F238E27FC236}">
-                <a16:creationId xmlns:a16="http://schemas.microsoft.com/office/drawing/2014/main" id="{CDA17D7C-7C63-439C-8B50-C9B0F0F9AAF7}"/>
-              </a:ext>
-              <a:ext uri="{C183D7F6-B498-43B3-948B-1728B52AA6E4}">
-                <adec:decorative xmlns:adec="http://schemas.microsoft.com/office/drawing/2017/decorative" val="1"/>
-              </a:ext>
-            </a:extLst>
-          </p:cNvPr>
+          <p:cNvPr id="31" name="Group 30"/>
           <p:cNvGrpSpPr/>
           <p:nvPr/>
         </p:nvGrpSpPr>
@@ -14111,16 +12918,7 @@
         </p:grpSpPr>
         <p:sp>
           <p:nvSpPr>
-            <p:cNvPr id="33" name="Rectangle 32">
-              <a:extLst>
-                <a:ext uri="{FF2B5EF4-FFF2-40B4-BE49-F238E27FC236}">
-                  <a16:creationId xmlns:a16="http://schemas.microsoft.com/office/drawing/2014/main" id="{C0DB13C1-B4FB-4D33-A199-5BB34983AB47}"/>
-                </a:ext>
-                <a:ext uri="{C183D7F6-B498-43B3-948B-1728B52AA6E4}">
-                  <adec:decorative xmlns:adec="http://schemas.microsoft.com/office/drawing/2017/decorative" val="1"/>
-                </a:ext>
-              </a:extLst>
-            </p:cNvPr>
+            <p:cNvPr id="33" name="Rectangle 32"/>
             <p:cNvSpPr/>
             <p:nvPr userDrawn="1"/>
           </p:nvSpPr>
@@ -14183,16 +12981,7 @@
         </p:sp>
         <p:sp>
           <p:nvSpPr>
-            <p:cNvPr id="32" name="Rectangle 31">
-              <a:extLst>
-                <a:ext uri="{FF2B5EF4-FFF2-40B4-BE49-F238E27FC236}">
-                  <a16:creationId xmlns:a16="http://schemas.microsoft.com/office/drawing/2014/main" id="{32FD79E9-DA87-4AE3-AB4F-454E8B1C7E28}"/>
-                </a:ext>
-                <a:ext uri="{C183D7F6-B498-43B3-948B-1728B52AA6E4}">
-                  <adec:decorative xmlns:adec="http://schemas.microsoft.com/office/drawing/2017/decorative" val="1"/>
-                </a:ext>
-              </a:extLst>
-            </p:cNvPr>
+            <p:cNvPr id="32" name="Rectangle 31"/>
             <p:cNvSpPr/>
             <p:nvPr userDrawn="1"/>
           </p:nvSpPr>
@@ -14238,16 +13027,7 @@
         </p:sp>
         <p:sp>
           <p:nvSpPr>
-            <p:cNvPr id="34" name="Rectangle 33">
-              <a:extLst>
-                <a:ext uri="{FF2B5EF4-FFF2-40B4-BE49-F238E27FC236}">
-                  <a16:creationId xmlns:a16="http://schemas.microsoft.com/office/drawing/2014/main" id="{97CAE694-E5D7-45D8-80CE-4067B6610E53}"/>
-                </a:ext>
-                <a:ext uri="{C183D7F6-B498-43B3-948B-1728B52AA6E4}">
-                  <adec:decorative xmlns:adec="http://schemas.microsoft.com/office/drawing/2017/decorative" val="1"/>
-                </a:ext>
-              </a:extLst>
-            </p:cNvPr>
+            <p:cNvPr id="34" name="Rectangle 33"/>
             <p:cNvSpPr/>
             <p:nvPr userDrawn="1"/>
           </p:nvSpPr>
@@ -14294,13 +13074,7 @@
       </p:grpSp>
       <p:sp>
         <p:nvSpPr>
-          <p:cNvPr id="7" name="Title 6">
-            <a:extLst>
-              <a:ext uri="{FF2B5EF4-FFF2-40B4-BE49-F238E27FC236}">
-                <a16:creationId xmlns:a16="http://schemas.microsoft.com/office/drawing/2014/main" id="{D5445F47-6D74-450C-BC16-998D2021AD78}"/>
-              </a:ext>
-            </a:extLst>
-          </p:cNvPr>
+          <p:cNvPr id="7" name="Title 6"/>
           <p:cNvSpPr>
             <a:spLocks noGrp="1"/>
           </p:cNvSpPr>
@@ -14317,18 +13091,13 @@
               <a:rPr lang="en-US" dirty="0"/>
               <a:t>Data Used</a:t>
             </a:r>
-          </a:p>
-        </p:txBody>
-      </p:sp>
-      <p:sp>
-        <p:nvSpPr>
-          <p:cNvPr id="4" name="Content Placeholder 3">
-            <a:extLst>
-              <a:ext uri="{FF2B5EF4-FFF2-40B4-BE49-F238E27FC236}">
-                <a16:creationId xmlns:a16="http://schemas.microsoft.com/office/drawing/2014/main" id="{2885A4AC-9AA0-4EFF-8162-609223BF5D70}"/>
-              </a:ext>
-            </a:extLst>
-          </p:cNvPr>
+            <a:endParaRPr lang="en-US" dirty="0"/>
+          </a:p>
+        </p:txBody>
+      </p:sp>
+      <p:sp>
+        <p:nvSpPr>
+          <p:cNvPr id="4" name="Content Placeholder 3"/>
           <p:cNvSpPr>
             <a:spLocks noGrp="1"/>
           </p:cNvSpPr>
@@ -14358,6 +13127,7 @@
               <a:rPr lang="en-US" dirty="0"/>
               <a:t>There were two datasets used for this project:</a:t>
             </a:r>
+            <a:endParaRPr lang="en-US" dirty="0"/>
           </a:p>
           <a:p>
             <a:pPr marL="342900" indent="-342900">
@@ -14368,7 +13138,7 @@
             </a:pPr>
             <a:r>
               <a:rPr lang="en-US" dirty="0">
-                <a:hlinkClick r:id="rId4"/>
+                <a:hlinkClick r:id="rId3"/>
               </a:rPr>
               <a:t>https://www.kaggle.com/tylerx/melbourne-airbnb-open-data</a:t>
             </a:r>
@@ -14384,6 +13154,7 @@
               <a:rPr lang="en-US" dirty="0"/>
               <a:t>This dataset was compiled from the Inside AirBnB website on 7 December 2018</a:t>
             </a:r>
+            <a:endParaRPr lang="en-US" dirty="0"/>
           </a:p>
           <a:p>
             <a:pPr lvl="1">
@@ -14395,6 +13166,7 @@
               <a:rPr lang="en-US" dirty="0"/>
               <a:t>It shows all active listings for AirBnB and the next 12 months of their calendar (i.e. availability in 2019 for the properties)</a:t>
             </a:r>
+            <a:endParaRPr lang="en-US" dirty="0"/>
           </a:p>
           <a:p>
             <a:pPr lvl="1">
@@ -14406,6 +13178,7 @@
               <a:rPr lang="en-US" dirty="0"/>
               <a:t>It also contains a range of summary data and other information about the host</a:t>
             </a:r>
+            <a:endParaRPr lang="en-US" dirty="0"/>
           </a:p>
           <a:p>
             <a:pPr marL="342900" indent="-342900">
@@ -14416,7 +13189,7 @@
             </a:pPr>
             <a:r>
               <a:rPr lang="en-US" dirty="0">
-                <a:hlinkClick r:id="rId5"/>
+                <a:hlinkClick r:id="rId4"/>
               </a:rPr>
               <a:t>https://www.kaggle.com/nadyafed/melbourne-airbnb-2020</a:t>
             </a:r>
@@ -14432,6 +13205,7 @@
               <a:rPr lang="en-US" dirty="0"/>
               <a:t>This dataset was also compiled from the Inside AirBnB website, this dataset was created on 20 August 2020</a:t>
             </a:r>
+            <a:endParaRPr lang="en-US" dirty="0"/>
           </a:p>
           <a:p>
             <a:pPr marL="342900" indent="-342900">
@@ -14447,7 +13221,7 @@
             </a:r>
             <a:r>
               <a:rPr lang="en-US" dirty="0">
-                <a:hlinkClick r:id="rId6"/>
+                <a:hlinkClick r:id="rId5"/>
               </a:rPr>
               <a:t>http://insideairbnb.com/get-the-data.html</a:t>
             </a:r>
@@ -14467,7 +13241,7 @@
             </a:r>
             <a:r>
               <a:rPr lang="en-US" dirty="0">
-                <a:hlinkClick r:id="rId7"/>
+                <a:hlinkClick r:id="rId6"/>
               </a:rPr>
               <a:t>https://docs.google.com/spreadsheets/d/1iWCNJcSutYqpULSQHlNyGInUvHg2BoUGoNRIGa6Szc4/edit#gid=982310896</a:t>
             </a:r>
@@ -14491,13 +13265,7 @@
       </p:sp>
       <p:sp>
         <p:nvSpPr>
-          <p:cNvPr id="2" name="Footer Placeholder 1">
-            <a:extLst>
-              <a:ext uri="{FF2B5EF4-FFF2-40B4-BE49-F238E27FC236}">
-                <a16:creationId xmlns:a16="http://schemas.microsoft.com/office/drawing/2014/main" id="{80919F81-09E4-41AD-9E45-21C8A7FBC2E5}"/>
-              </a:ext>
-            </a:extLst>
-          </p:cNvPr>
+          <p:cNvPr id="2" name="Footer Placeholder 1"/>
           <p:cNvSpPr>
             <a:spLocks noGrp="1"/>
           </p:cNvSpPr>
@@ -14514,18 +13282,13 @@
               <a:rPr lang="en-US" dirty="0"/>
               <a:t>Add a Footer</a:t>
             </a:r>
-          </a:p>
-        </p:txBody>
-      </p:sp>
-      <p:sp>
-        <p:nvSpPr>
-          <p:cNvPr id="3" name="Slide Number Placeholder 2">
-            <a:extLst>
-              <a:ext uri="{FF2B5EF4-FFF2-40B4-BE49-F238E27FC236}">
-                <a16:creationId xmlns:a16="http://schemas.microsoft.com/office/drawing/2014/main" id="{6556A3C9-6740-4558-AB5B-687741A63BDD}"/>
-              </a:ext>
-            </a:extLst>
-          </p:cNvPr>
+            <a:endParaRPr lang="en-US" dirty="0"/>
+          </a:p>
+        </p:txBody>
+      </p:sp>
+      <p:sp>
+        <p:nvSpPr>
+          <p:cNvPr id="3" name="Slide Number Placeholder 2"/>
           <p:cNvSpPr>
             <a:spLocks noGrp="1"/>
           </p:cNvSpPr>
@@ -14540,19 +13303,12 @@
           <a:p>
             <a:fld id="{8C2E478F-E849-4A8C-AF1F-CBCC78A7CBFA}" type="slidenum">
               <a:rPr lang="en-US" smtClean="0"/>
-              <a:pPr/>
-              <a:t>3</a:t>
             </a:fld>
             <a:endParaRPr lang="en-US" dirty="0"/>
           </a:p>
         </p:txBody>
       </p:sp>
     </p:spTree>
-    <p:extLst>
-      <p:ext uri="{BB962C8B-B14F-4D97-AF65-F5344CB8AC3E}">
-        <p14:creationId xmlns:p14="http://schemas.microsoft.com/office/powerpoint/2010/main" val="259734590"/>
-      </p:ext>
-    </p:extLst>
   </p:cSld>
   <p:clrMapOvr>
     <a:masterClrMapping/>
@@ -14579,13 +13335,7 @@
       </p:grpSpPr>
       <p:sp>
         <p:nvSpPr>
-          <p:cNvPr id="7" name="Title 6">
-            <a:extLst>
-              <a:ext uri="{FF2B5EF4-FFF2-40B4-BE49-F238E27FC236}">
-                <a16:creationId xmlns:a16="http://schemas.microsoft.com/office/drawing/2014/main" id="{D5445F47-6D74-450C-BC16-998D2021AD78}"/>
-              </a:ext>
-            </a:extLst>
-          </p:cNvPr>
+          <p:cNvPr id="7" name="Title 6"/>
           <p:cNvSpPr>
             <a:spLocks noGrp="1"/>
           </p:cNvSpPr>
@@ -14607,18 +13357,13 @@
               <a:rPr lang="en-US" dirty="0"/>
               <a:t>Why This Project &amp; Data?</a:t>
             </a:r>
-          </a:p>
-        </p:txBody>
-      </p:sp>
-      <p:sp>
-        <p:nvSpPr>
-          <p:cNvPr id="8" name="Text Placeholder 7">
-            <a:extLst>
-              <a:ext uri="{FF2B5EF4-FFF2-40B4-BE49-F238E27FC236}">
-                <a16:creationId xmlns:a16="http://schemas.microsoft.com/office/drawing/2014/main" id="{E79DECD2-B85E-4CB3-BBFB-C64131454B65}"/>
-              </a:ext>
-            </a:extLst>
-          </p:cNvPr>
+            <a:endParaRPr lang="en-US" dirty="0"/>
+          </a:p>
+        </p:txBody>
+      </p:sp>
+      <p:sp>
+        <p:nvSpPr>
+          <p:cNvPr id="8" name="Text Placeholder 7"/>
           <p:cNvSpPr>
             <a:spLocks noGrp="1"/>
           </p:cNvSpPr>
@@ -14647,6 +13392,7 @@
               <a:rPr lang="en-US" dirty="0"/>
               <a:t>All three of our group have used AirBnB in Melbourne at some point in our lives, with a maximum stay of 1 month. We have also experienced the COVID lockdowns ad were interested to see the impact the hard lockdown and closed borders would have on a business with the model of AirBnB.</a:t>
             </a:r>
+            <a:endParaRPr lang="en-US" dirty="0"/>
           </a:p>
           <a:p>
             <a:pPr>
@@ -14666,6 +13412,7 @@
               <a:rPr lang="en-US" dirty="0"/>
               <a:t>Our initial thoughts were that the data from 2020 would show a significant impact in reduced listings and decreased availability in the listings.</a:t>
             </a:r>
+            <a:endParaRPr lang="en-US" dirty="0"/>
           </a:p>
           <a:p>
             <a:pPr>
@@ -14677,6 +13424,7 @@
               <a:rPr lang="en-US" dirty="0"/>
               <a:t>We also expected to see Melbourne City be the most booked location for AirBnB’s.</a:t>
             </a:r>
+            <a:endParaRPr lang="en-US" dirty="0"/>
           </a:p>
           <a:p>
             <a:endParaRPr lang="en-US" dirty="0"/>
@@ -14685,13 +13433,7 @@
       </p:sp>
       <p:pic>
         <p:nvPicPr>
-          <p:cNvPr id="5" name="Picture Placeholder 4" descr="Two Buildings" title="Two Buildings">
-            <a:extLst>
-              <a:ext uri="{FF2B5EF4-FFF2-40B4-BE49-F238E27FC236}">
-                <a16:creationId xmlns:a16="http://schemas.microsoft.com/office/drawing/2014/main" id="{9EF82849-1FFF-4EE2-B6A4-C19B8A083067}"/>
-              </a:ext>
-            </a:extLst>
-          </p:cNvPr>
+          <p:cNvPr id="5" name="Picture Placeholder 4" descr="Two Buildings" title="Two Buildings"/>
           <p:cNvPicPr>
             <a:picLocks noGrp="1" noChangeAspect="1"/>
           </p:cNvPicPr>
@@ -14700,11 +13442,11 @@
           </p:nvPr>
         </p:nvPicPr>
         <p:blipFill>
-          <a:blip r:embed="rId3">
+          <a:blip r:embed="rId1">
             <a:extLst>
               <a:ext uri="{BEBA8EAE-BF5A-486C-A8C5-ECC9F3942E4B}">
                 <a14:imgProps xmlns:a14="http://schemas.microsoft.com/office/drawing/2010/main">
-                  <a14:imgLayer r:embed="rId4">
+                  <a14:imgLayer r:embed="rId2">
                     <a14:imgEffect>
                       <a14:brightnessContrast bright="-29000" contrast="24000"/>
                     </a14:imgEffect>
@@ -14725,13 +13467,7 @@
       </p:pic>
       <p:sp>
         <p:nvSpPr>
-          <p:cNvPr id="2" name="Footer Placeholder 1">
-            <a:extLst>
-              <a:ext uri="{FF2B5EF4-FFF2-40B4-BE49-F238E27FC236}">
-                <a16:creationId xmlns:a16="http://schemas.microsoft.com/office/drawing/2014/main" id="{F17BB2B3-BB1E-4588-97D3-522970C829A4}"/>
-              </a:ext>
-            </a:extLst>
-          </p:cNvPr>
+          <p:cNvPr id="2" name="Footer Placeholder 1"/>
           <p:cNvSpPr>
             <a:spLocks noGrp="1"/>
           </p:cNvSpPr>
@@ -14748,18 +13484,13 @@
               <a:rPr lang="en-US" dirty="0"/>
               <a:t>Add a Footer</a:t>
             </a:r>
-          </a:p>
-        </p:txBody>
-      </p:sp>
-      <p:sp>
-        <p:nvSpPr>
-          <p:cNvPr id="10" name="Rectangle: Single Corner Snipped 9" descr="Footer accent box">
-            <a:extLst>
-              <a:ext uri="{FF2B5EF4-FFF2-40B4-BE49-F238E27FC236}">
-                <a16:creationId xmlns:a16="http://schemas.microsoft.com/office/drawing/2014/main" id="{CDA9F8EC-2836-4D7A-8BB2-6D1C849515C1}"/>
-              </a:ext>
-            </a:extLst>
-          </p:cNvPr>
+            <a:endParaRPr lang="en-US" dirty="0"/>
+          </a:p>
+        </p:txBody>
+      </p:sp>
+      <p:sp>
+        <p:nvSpPr>
+          <p:cNvPr id="10" name="Rectangle: Single Corner Snipped 9" descr="Footer accent box"/>
           <p:cNvSpPr/>
           <p:nvPr/>
         </p:nvSpPr>
@@ -14826,13 +13557,7 @@
       </p:sp>
       <p:sp>
         <p:nvSpPr>
-          <p:cNvPr id="3" name="Slide Number Placeholder 2">
-            <a:extLst>
-              <a:ext uri="{FF2B5EF4-FFF2-40B4-BE49-F238E27FC236}">
-                <a16:creationId xmlns:a16="http://schemas.microsoft.com/office/drawing/2014/main" id="{C25E833F-FD8B-46E5-BD16-A82D3EDA8554}"/>
-              </a:ext>
-            </a:extLst>
-          </p:cNvPr>
+          <p:cNvPr id="3" name="Slide Number Placeholder 2"/>
           <p:cNvSpPr>
             <a:spLocks noGrp="1"/>
           </p:cNvSpPr>
@@ -14847,19 +13572,12 @@
           <a:p>
             <a:fld id="{8C2E478F-E849-4A8C-AF1F-CBCC78A7CBFA}" type="slidenum">
               <a:rPr lang="en-US" smtClean="0"/>
-              <a:pPr/>
-              <a:t>4</a:t>
             </a:fld>
             <a:endParaRPr lang="en-US" dirty="0"/>
           </a:p>
         </p:txBody>
       </p:sp>
     </p:spTree>
-    <p:extLst>
-      <p:ext uri="{BB962C8B-B14F-4D97-AF65-F5344CB8AC3E}">
-        <p14:creationId xmlns:p14="http://schemas.microsoft.com/office/powerpoint/2010/main" val="2906922813"/>
-      </p:ext>
-    </p:extLst>
   </p:cSld>
   <p:clrMapOvr>
     <a:masterClrMapping/>
@@ -14886,13 +13604,7 @@
       </p:grpSpPr>
       <p:sp>
         <p:nvSpPr>
-          <p:cNvPr id="20" name="Rectangle 19">
-            <a:extLst>
-              <a:ext uri="{FF2B5EF4-FFF2-40B4-BE49-F238E27FC236}">
-                <a16:creationId xmlns:a16="http://schemas.microsoft.com/office/drawing/2014/main" id="{76C58D2C-591B-4561-BEE9-25C17B621964}"/>
-              </a:ext>
-            </a:extLst>
-          </p:cNvPr>
+          <p:cNvPr id="20" name="Rectangle 19"/>
           <p:cNvSpPr/>
           <p:nvPr/>
         </p:nvSpPr>
@@ -14935,13 +13647,7 @@
       </p:sp>
       <p:sp>
         <p:nvSpPr>
-          <p:cNvPr id="4" name="Text Placeholder 3">
-            <a:extLst>
-              <a:ext uri="{FF2B5EF4-FFF2-40B4-BE49-F238E27FC236}">
-                <a16:creationId xmlns:a16="http://schemas.microsoft.com/office/drawing/2014/main" id="{4033542F-D085-445E-BEBE-DEE6D4F79CAD}"/>
-              </a:ext>
-            </a:extLst>
-          </p:cNvPr>
+          <p:cNvPr id="4" name="Text Placeholder 3"/>
           <p:cNvSpPr>
             <a:spLocks noGrp="1"/>
           </p:cNvSpPr>
@@ -14963,18 +13669,13 @@
               <a:rPr lang="en-US" dirty="0"/>
               <a:t>Limitations of the Datasets</a:t>
             </a:r>
-          </a:p>
-        </p:txBody>
-      </p:sp>
-      <p:sp>
-        <p:nvSpPr>
-          <p:cNvPr id="5" name="Content Placeholder 4">
-            <a:extLst>
-              <a:ext uri="{FF2B5EF4-FFF2-40B4-BE49-F238E27FC236}">
-                <a16:creationId xmlns:a16="http://schemas.microsoft.com/office/drawing/2014/main" id="{FDF153A6-0E4B-417F-85BB-FD8402B100BD}"/>
-              </a:ext>
-            </a:extLst>
-          </p:cNvPr>
+            <a:endParaRPr lang="en-US" dirty="0"/>
+          </a:p>
+        </p:txBody>
+      </p:sp>
+      <p:sp>
+        <p:nvSpPr>
+          <p:cNvPr id="5" name="Content Placeholder 4"/>
           <p:cNvSpPr>
             <a:spLocks noGrp="1"/>
           </p:cNvSpPr>
@@ -14998,36 +13699,34 @@
               <a:rPr lang="en-US" dirty="0"/>
               <a:t>The largest limitation of the available data is that it’s a snapshot only. AirBnB did not have available ongoing historical data for public use, and that would have been too large to work with, so our data has two different start dates rather than looking at identical moments in time.</a:t>
             </a:r>
+            <a:endParaRPr lang="en-US" dirty="0"/>
           </a:p>
           <a:p>
             <a:r>
               <a:rPr lang="en-US" dirty="0"/>
               <a:t>The second large limitation was the amount of data entered by the AirBnB hosts themselves. As a web-scraped set of data, there is a large volume of data which needed to be removed as it caused inaccuracies.</a:t>
             </a:r>
+            <a:endParaRPr lang="en-US" dirty="0"/>
           </a:p>
           <a:p>
             <a:r>
               <a:rPr lang="en-US" dirty="0"/>
               <a:t>Availability is given as a True/False in the AirBnB calendar. However, while we assume False to be a booking, it can also indicate that the listing was made unavailable by the host during those dates.</a:t>
             </a:r>
+            <a:endParaRPr lang="en-US" dirty="0"/>
           </a:p>
           <a:p>
             <a:r>
               <a:rPr lang="en-US" dirty="0"/>
               <a:t>Pricing data presents extreme outliers within the dataset, this is likely because some bookings are only made available for long term stays, but their host has listed that price as the daily price.</a:t>
             </a:r>
-          </a:p>
-        </p:txBody>
-      </p:sp>
-      <p:sp>
-        <p:nvSpPr>
-          <p:cNvPr id="2" name="Footer Placeholder 1">
-            <a:extLst>
-              <a:ext uri="{FF2B5EF4-FFF2-40B4-BE49-F238E27FC236}">
-                <a16:creationId xmlns:a16="http://schemas.microsoft.com/office/drawing/2014/main" id="{5483E2DD-4F96-4CE8-A9FE-FD5DF44C4CAC}"/>
-              </a:ext>
-            </a:extLst>
-          </p:cNvPr>
+            <a:endParaRPr lang="en-US" dirty="0"/>
+          </a:p>
+        </p:txBody>
+      </p:sp>
+      <p:sp>
+        <p:nvSpPr>
+          <p:cNvPr id="2" name="Footer Placeholder 1"/>
           <p:cNvSpPr>
             <a:spLocks noGrp="1"/>
           </p:cNvSpPr>
@@ -15044,18 +13743,13 @@
               <a:rPr lang="en-US" dirty="0"/>
               <a:t>Add a Footer</a:t>
             </a:r>
-          </a:p>
-        </p:txBody>
-      </p:sp>
-      <p:sp>
-        <p:nvSpPr>
-          <p:cNvPr id="16" name="Slide Number Placeholder 15">
-            <a:extLst>
-              <a:ext uri="{FF2B5EF4-FFF2-40B4-BE49-F238E27FC236}">
-                <a16:creationId xmlns:a16="http://schemas.microsoft.com/office/drawing/2014/main" id="{7EF05482-0999-42B8-A27E-59AAA26FB58E}"/>
-              </a:ext>
-            </a:extLst>
-          </p:cNvPr>
+            <a:endParaRPr lang="en-US" dirty="0"/>
+          </a:p>
+        </p:txBody>
+      </p:sp>
+      <p:sp>
+        <p:nvSpPr>
+          <p:cNvPr id="16" name="Slide Number Placeholder 15"/>
           <p:cNvSpPr>
             <a:spLocks noGrp="1"/>
           </p:cNvSpPr>
@@ -15070,8 +13764,6 @@
           <a:p>
             <a:fld id="{8C2E478F-E849-4A8C-AF1F-CBCC78A7CBFA}" type="slidenum">
               <a:rPr lang="en-US" smtClean="0"/>
-              <a:pPr/>
-              <a:t>5</a:t>
             </a:fld>
             <a:endParaRPr lang="en-US" dirty="0"/>
           </a:p>
@@ -15079,13 +13771,7 @@
       </p:sp>
       <p:sp>
         <p:nvSpPr>
-          <p:cNvPr id="15" name="Title 14" hidden="1">
-            <a:extLst>
-              <a:ext uri="{FF2B5EF4-FFF2-40B4-BE49-F238E27FC236}">
-                <a16:creationId xmlns:a16="http://schemas.microsoft.com/office/drawing/2014/main" id="{A9B3BD41-12E6-4E88-8CE4-3A496CEA28A3}"/>
-              </a:ext>
-            </a:extLst>
-          </p:cNvPr>
+          <p:cNvPr id="15" name="Title 14" hidden="1"/>
           <p:cNvSpPr>
             <a:spLocks noGrp="1"/>
           </p:cNvSpPr>
@@ -15102,25 +13788,20 @@
               <a:rPr lang="en-US" dirty="0"/>
               <a:t>Title</a:t>
             </a:r>
+            <a:endParaRPr lang="en-US" dirty="0"/>
           </a:p>
         </p:txBody>
       </p:sp>
       <p:pic>
         <p:nvPicPr>
-          <p:cNvPr id="13" name="Picture 12">
-            <a:extLst>
-              <a:ext uri="{FF2B5EF4-FFF2-40B4-BE49-F238E27FC236}">
-                <a16:creationId xmlns:a16="http://schemas.microsoft.com/office/drawing/2014/main" id="{12C287DF-BB7F-4090-96E9-CC8AA581D7C9}"/>
-              </a:ext>
-            </a:extLst>
-          </p:cNvPr>
+          <p:cNvPr id="13" name="Picture 12"/>
           <p:cNvPicPr>
             <a:picLocks noChangeAspect="1"/>
           </p:cNvPicPr>
           <p:nvPr/>
         </p:nvPicPr>
         <p:blipFill>
-          <a:blip r:embed="rId2"/>
+          <a:blip r:embed="rId1"/>
           <a:stretch>
             <a:fillRect/>
           </a:stretch>
@@ -15137,20 +13818,14 @@
       </p:pic>
       <p:pic>
         <p:nvPicPr>
-          <p:cNvPr id="19" name="Picture 18">
-            <a:extLst>
-              <a:ext uri="{FF2B5EF4-FFF2-40B4-BE49-F238E27FC236}">
-                <a16:creationId xmlns:a16="http://schemas.microsoft.com/office/drawing/2014/main" id="{1B47F0D7-E334-40ED-8313-902EFE8510DB}"/>
-              </a:ext>
-            </a:extLst>
-          </p:cNvPr>
+          <p:cNvPr id="19" name="Picture 18"/>
           <p:cNvPicPr>
             <a:picLocks noChangeAspect="1"/>
           </p:cNvPicPr>
           <p:nvPr/>
         </p:nvPicPr>
         <p:blipFill>
-          <a:blip r:embed="rId3"/>
+          <a:blip r:embed="rId2"/>
           <a:stretch>
             <a:fillRect/>
           </a:stretch>
@@ -15166,11 +13841,6 @@
         </p:spPr>
       </p:pic>
     </p:spTree>
-    <p:extLst>
-      <p:ext uri="{BB962C8B-B14F-4D97-AF65-F5344CB8AC3E}">
-        <p14:creationId xmlns:p14="http://schemas.microsoft.com/office/powerpoint/2010/main" val="3174381467"/>
-      </p:ext>
-    </p:extLst>
   </p:cSld>
   <p:clrMapOvr>
     <a:masterClrMapping/>
@@ -15197,13 +13867,7 @@
       </p:grpSpPr>
       <p:sp>
         <p:nvSpPr>
-          <p:cNvPr id="2" name="Title 1">
-            <a:extLst>
-              <a:ext uri="{FF2B5EF4-FFF2-40B4-BE49-F238E27FC236}">
-                <a16:creationId xmlns:a16="http://schemas.microsoft.com/office/drawing/2014/main" id="{C09ADB54-3897-4872-B9B3-1888BB60FDFF}"/>
-              </a:ext>
-            </a:extLst>
-          </p:cNvPr>
+          <p:cNvPr id="2" name="Title 1"/>
           <p:cNvSpPr>
             <a:spLocks noGrp="1"/>
           </p:cNvSpPr>
@@ -15225,18 +13889,13 @@
               <a:rPr lang="en-US" dirty="0"/>
               <a:t>Which Melbourne Areas have the most AirBnB listings</a:t>
             </a:r>
-          </a:p>
-        </p:txBody>
-      </p:sp>
-      <p:sp>
-        <p:nvSpPr>
-          <p:cNvPr id="3" name="Content Placeholder 2">
-            <a:extLst>
-              <a:ext uri="{FF2B5EF4-FFF2-40B4-BE49-F238E27FC236}">
-                <a16:creationId xmlns:a16="http://schemas.microsoft.com/office/drawing/2014/main" id="{A999491B-46DB-4307-8E1A-E1066E4FBAEB}"/>
-              </a:ext>
-            </a:extLst>
-          </p:cNvPr>
+            <a:endParaRPr lang="en-US" dirty="0"/>
+          </a:p>
+        </p:txBody>
+      </p:sp>
+      <p:sp>
+        <p:nvSpPr>
+          <p:cNvPr id="3" name="Content Placeholder 2"/>
           <p:cNvSpPr>
             <a:spLocks noGrp="1"/>
           </p:cNvSpPr>
@@ -15263,18 +13922,21 @@
               <a:rPr lang="en-US" dirty="0"/>
               <a:t>The top 5 local government areas in the 2019 data were:</a:t>
             </a:r>
+            <a:endParaRPr lang="en-US" dirty="0"/>
           </a:p>
           <a:p>
             <a:r>
               <a:rPr lang="en-US" dirty="0"/>
               <a:t>Melbourne</a:t>
             </a:r>
+            <a:endParaRPr lang="en-US" dirty="0"/>
           </a:p>
           <a:p>
             <a:r>
               <a:rPr lang="en-US" dirty="0"/>
               <a:t>Port Phillip</a:t>
             </a:r>
+            <a:endParaRPr lang="en-US" dirty="0"/>
           </a:p>
           <a:p>
             <a:r>
@@ -15295,6 +13957,7 @@
               <a:rPr lang="en-US" dirty="0"/>
               <a:t>Moreland</a:t>
             </a:r>
+            <a:endParaRPr lang="en-US" dirty="0"/>
           </a:p>
           <a:p>
             <a:pPr marL="0" indent="0">
@@ -15304,6 +13967,7 @@
               <a:rPr lang="en-US" dirty="0"/>
               <a:t>These also remained the most populated with listings in the 2020 data, as seen in the table on the right.</a:t>
             </a:r>
+            <a:endParaRPr lang="en-US" dirty="0"/>
           </a:p>
           <a:p>
             <a:pPr marL="0" indent="0">
@@ -15313,6 +13977,7 @@
               <a:rPr lang="en-US" dirty="0"/>
               <a:t>The total 2019 listings were 22,895 and 2020 had 20,420.</a:t>
             </a:r>
+            <a:endParaRPr lang="en-US" dirty="0"/>
           </a:p>
           <a:p>
             <a:pPr marL="0" indent="0">
@@ -15322,18 +13987,13 @@
               <a:rPr lang="en-US" dirty="0"/>
               <a:t>This means that AirBnB lost 2,475 listings between the two data scrapes.</a:t>
             </a:r>
-          </a:p>
-        </p:txBody>
-      </p:sp>
-      <p:sp>
-        <p:nvSpPr>
-          <p:cNvPr id="11" name="Footer Placeholder 10">
-            <a:extLst>
-              <a:ext uri="{FF2B5EF4-FFF2-40B4-BE49-F238E27FC236}">
-                <a16:creationId xmlns:a16="http://schemas.microsoft.com/office/drawing/2014/main" id="{27599ABA-671B-4E90-B4E8-5B2482234ACA}"/>
-              </a:ext>
-            </a:extLst>
-          </p:cNvPr>
+            <a:endParaRPr lang="en-US" dirty="0"/>
+          </a:p>
+        </p:txBody>
+      </p:sp>
+      <p:sp>
+        <p:nvSpPr>
+          <p:cNvPr id="11" name="Footer Placeholder 10"/>
           <p:cNvSpPr>
             <a:spLocks noGrp="1"/>
           </p:cNvSpPr>
@@ -15350,18 +14010,13 @@
               <a:rPr lang="en-US" dirty="0"/>
               <a:t>Add a Footer</a:t>
             </a:r>
-          </a:p>
-        </p:txBody>
-      </p:sp>
-      <p:sp>
-        <p:nvSpPr>
-          <p:cNvPr id="12" name="Slide Number Placeholder 11">
-            <a:extLst>
-              <a:ext uri="{FF2B5EF4-FFF2-40B4-BE49-F238E27FC236}">
-                <a16:creationId xmlns:a16="http://schemas.microsoft.com/office/drawing/2014/main" id="{A40D7403-0D24-42D0-9DE5-23601D8FBC17}"/>
-              </a:ext>
-            </a:extLst>
-          </p:cNvPr>
+            <a:endParaRPr lang="en-US" dirty="0"/>
+          </a:p>
+        </p:txBody>
+      </p:sp>
+      <p:sp>
+        <p:nvSpPr>
+          <p:cNvPr id="12" name="Slide Number Placeholder 11"/>
           <p:cNvSpPr>
             <a:spLocks noGrp="1"/>
           </p:cNvSpPr>
@@ -15376,8 +14031,6 @@
           <a:p>
             <a:fld id="{8C2E478F-E849-4A8C-AF1F-CBCC78A7CBFA}" type="slidenum">
               <a:rPr lang="en-US" smtClean="0"/>
-              <a:pPr/>
-              <a:t>6</a:t>
             </a:fld>
             <a:endParaRPr lang="en-US" dirty="0"/>
           </a:p>
@@ -15385,23 +14038,12 @@
       </p:sp>
       <p:graphicFrame>
         <p:nvGraphicFramePr>
-          <p:cNvPr id="9" name="Table 12">
-            <a:extLst>
-              <a:ext uri="{FF2B5EF4-FFF2-40B4-BE49-F238E27FC236}">
-                <a16:creationId xmlns:a16="http://schemas.microsoft.com/office/drawing/2014/main" id="{E702585D-2682-4AF1-8A39-88B5564E6063}"/>
-              </a:ext>
-            </a:extLst>
-          </p:cNvPr>
+          <p:cNvPr id="9" name="Table 12"/>
           <p:cNvGraphicFramePr>
             <a:graphicFrameLocks noGrp="1"/>
           </p:cNvGraphicFramePr>
           <p:nvPr>
             <p:ph sz="quarter" idx="16"/>
-            <p:extLst>
-              <p:ext uri="{D42A27DB-BD31-4B8C-83A1-F6EECF244321}">
-                <p14:modId xmlns:p14="http://schemas.microsoft.com/office/powerpoint/2010/main" val="565951430"/>
-              </p:ext>
-            </p:extLst>
           </p:nvPr>
         </p:nvGraphicFramePr>
         <p:xfrm>
@@ -15415,34 +14057,10 @@
                 <a:tableStyleId>{5C22544A-7EE6-4342-B048-85BDC9FD1C3A}</a:tableStyleId>
               </a:tblPr>
               <a:tblGrid>
-                <a:gridCol w="1783785">
-                  <a:extLst>
-                    <a:ext uri="{9D8B030D-6E8A-4147-A177-3AD203B41FA5}">
-                      <a16:colId xmlns:a16="http://schemas.microsoft.com/office/drawing/2014/main" val="4021697511"/>
-                    </a:ext>
-                  </a:extLst>
-                </a:gridCol>
-                <a:gridCol w="1384531">
-                  <a:extLst>
-                    <a:ext uri="{9D8B030D-6E8A-4147-A177-3AD203B41FA5}">
-                      <a16:colId xmlns:a16="http://schemas.microsoft.com/office/drawing/2014/main" val="3168964903"/>
-                    </a:ext>
-                  </a:extLst>
-                </a:gridCol>
-                <a:gridCol w="1375688">
-                  <a:extLst>
-                    <a:ext uri="{9D8B030D-6E8A-4147-A177-3AD203B41FA5}">
-                      <a16:colId xmlns:a16="http://schemas.microsoft.com/office/drawing/2014/main" val="1727786365"/>
-                    </a:ext>
-                  </a:extLst>
-                </a:gridCol>
-                <a:gridCol w="1514668">
-                  <a:extLst>
-                    <a:ext uri="{9D8B030D-6E8A-4147-A177-3AD203B41FA5}">
-                      <a16:colId xmlns:a16="http://schemas.microsoft.com/office/drawing/2014/main" val="2665669896"/>
-                    </a:ext>
-                  </a:extLst>
-                </a:gridCol>
+                <a:gridCol w="1783785"/>
+                <a:gridCol w="1384531"/>
+                <a:gridCol w="1375688"/>
+                <a:gridCol w="1514668"/>
               </a:tblGrid>
               <a:tr h="1224268">
                 <a:tc>
@@ -15459,6 +14077,11 @@
                         </a:rPr>
                         <a:t>Local Government Area</a:t>
                       </a:r>
+                      <a:endParaRPr lang="en-AU" dirty="0">
+                        <a:solidFill>
+                          <a:schemeClr val="tx1"/>
+                        </a:solidFill>
+                      </a:endParaRPr>
                     </a:p>
                   </a:txBody>
                   <a:tcPr/>
@@ -15477,6 +14100,11 @@
                         </a:rPr>
                         <a:t>2019 Listings</a:t>
                       </a:r>
+                      <a:endParaRPr lang="en-AU" dirty="0">
+                        <a:solidFill>
+                          <a:schemeClr val="tx1"/>
+                        </a:solidFill>
+                      </a:endParaRPr>
                     </a:p>
                   </a:txBody>
                   <a:tcPr/>
@@ -15495,6 +14123,11 @@
                         </a:rPr>
                         <a:t>2020 Listings</a:t>
                       </a:r>
+                      <a:endParaRPr lang="en-AU" dirty="0">
+                        <a:solidFill>
+                          <a:schemeClr val="tx1"/>
+                        </a:solidFill>
+                      </a:endParaRPr>
                     </a:p>
                   </a:txBody>
                   <a:tcPr/>
@@ -15513,15 +14146,15 @@
                         </a:rPr>
                         <a:t>Change in Listings from 2020 and 2019</a:t>
                       </a:r>
+                      <a:endParaRPr lang="en-AU" dirty="0">
+                        <a:solidFill>
+                          <a:schemeClr val="tx1"/>
+                        </a:solidFill>
+                      </a:endParaRPr>
                     </a:p>
                   </a:txBody>
                   <a:tcPr/>
                 </a:tc>
-                <a:extLst>
-                  <a:ext uri="{0D108BD9-81ED-4DB2-BD59-A6C34878D82A}">
-                    <a16:rowId xmlns:a16="http://schemas.microsoft.com/office/drawing/2014/main" val="4213570696"/>
-                  </a:ext>
-                </a:extLst>
               </a:tr>
               <a:tr h="414124">
                 <a:tc>
@@ -15533,6 +14166,7 @@
                         <a:rPr lang="en-AU" dirty="0"/>
                         <a:t>Melbourne</a:t>
                       </a:r>
+                      <a:endParaRPr lang="en-AU" dirty="0"/>
                     </a:p>
                   </a:txBody>
                   <a:tcPr/>
@@ -15547,6 +14181,7 @@
                         <a:rPr lang="en-AU" dirty="0"/>
                         <a:t>7368</a:t>
                       </a:r>
+                      <a:endParaRPr lang="en-AU" dirty="0"/>
                     </a:p>
                   </a:txBody>
                   <a:tcPr/>
@@ -15561,6 +14196,7 @@
                         <a:rPr lang="en-AU" dirty="0"/>
                         <a:t>6174</a:t>
                       </a:r>
+                      <a:endParaRPr lang="en-AU" dirty="0"/>
                     </a:p>
                   </a:txBody>
                   <a:tcPr/>
@@ -15575,15 +14211,11 @@
                         <a:rPr lang="en-AU" dirty="0"/>
                         <a:t>-1194</a:t>
                       </a:r>
+                      <a:endParaRPr lang="en-AU" dirty="0"/>
                     </a:p>
                   </a:txBody>
                   <a:tcPr/>
                 </a:tc>
-                <a:extLst>
-                  <a:ext uri="{0D108BD9-81ED-4DB2-BD59-A6C34878D82A}">
-                    <a16:rowId xmlns:a16="http://schemas.microsoft.com/office/drawing/2014/main" val="3626229732"/>
-                  </a:ext>
-                </a:extLst>
               </a:tr>
               <a:tr h="414124">
                 <a:tc>
@@ -15595,6 +14227,7 @@
                         <a:rPr lang="en-AU" dirty="0"/>
                         <a:t>Port Phillip</a:t>
                       </a:r>
+                      <a:endParaRPr lang="en-AU" dirty="0"/>
                     </a:p>
                   </a:txBody>
                   <a:tcPr/>
@@ -15609,6 +14242,7 @@
                         <a:rPr lang="en-AU" dirty="0"/>
                         <a:t>2808</a:t>
                       </a:r>
+                      <a:endParaRPr lang="en-AU" dirty="0"/>
                     </a:p>
                   </a:txBody>
                   <a:tcPr/>
@@ -15623,6 +14257,7 @@
                         <a:rPr lang="en-AU" dirty="0"/>
                         <a:t>2498</a:t>
                       </a:r>
+                      <a:endParaRPr lang="en-AU" dirty="0"/>
                     </a:p>
                   </a:txBody>
                   <a:tcPr/>
@@ -15637,15 +14272,11 @@
                         <a:rPr lang="en-AU" dirty="0"/>
                         <a:t>-310</a:t>
                       </a:r>
+                      <a:endParaRPr lang="en-AU" dirty="0"/>
                     </a:p>
                   </a:txBody>
                   <a:tcPr/>
                 </a:tc>
-                <a:extLst>
-                  <a:ext uri="{0D108BD9-81ED-4DB2-BD59-A6C34878D82A}">
-                    <a16:rowId xmlns:a16="http://schemas.microsoft.com/office/drawing/2014/main" val="2099272249"/>
-                  </a:ext>
-                </a:extLst>
               </a:tr>
               <a:tr h="414124">
                 <a:tc>
@@ -15657,6 +14288,7 @@
                         <a:rPr lang="en-AU" dirty="0"/>
                         <a:t>Yarra</a:t>
                       </a:r>
+                      <a:endParaRPr lang="en-AU" dirty="0"/>
                     </a:p>
                   </a:txBody>
                   <a:tcPr/>
@@ -15671,6 +14303,7 @@
                         <a:rPr lang="en-AU" dirty="0"/>
                         <a:t>2049</a:t>
                       </a:r>
+                      <a:endParaRPr lang="en-AU" dirty="0"/>
                     </a:p>
                   </a:txBody>
                   <a:tcPr/>
@@ -15685,6 +14318,7 @@
                         <a:rPr lang="en-AU" dirty="0"/>
                         <a:t>1578</a:t>
                       </a:r>
+                      <a:endParaRPr lang="en-AU" dirty="0"/>
                     </a:p>
                   </a:txBody>
                   <a:tcPr/>
@@ -15699,15 +14333,11 @@
                         <a:rPr lang="en-AU" dirty="0"/>
                         <a:t>-471</a:t>
                       </a:r>
+                      <a:endParaRPr lang="en-AU" dirty="0"/>
                     </a:p>
                   </a:txBody>
                   <a:tcPr/>
                 </a:tc>
-                <a:extLst>
-                  <a:ext uri="{0D108BD9-81ED-4DB2-BD59-A6C34878D82A}">
-                    <a16:rowId xmlns:a16="http://schemas.microsoft.com/office/drawing/2014/main" val="413894873"/>
-                  </a:ext>
-                </a:extLst>
               </a:tr>
               <a:tr h="414124">
                 <a:tc>
@@ -15719,6 +14349,7 @@
                         <a:rPr lang="en-AU" dirty="0"/>
                         <a:t>Stonnington</a:t>
                       </a:r>
+                      <a:endParaRPr lang="en-AU" dirty="0"/>
                     </a:p>
                   </a:txBody>
                   <a:tcPr/>
@@ -15733,6 +14364,7 @@
                         <a:rPr lang="en-AU" dirty="0"/>
                         <a:t>1621</a:t>
                       </a:r>
+                      <a:endParaRPr lang="en-AU" dirty="0"/>
                     </a:p>
                   </a:txBody>
                   <a:tcPr/>
@@ -15747,6 +14379,7 @@
                         <a:rPr lang="en-AU" dirty="0"/>
                         <a:t>1369</a:t>
                       </a:r>
+                      <a:endParaRPr lang="en-AU" dirty="0"/>
                     </a:p>
                   </a:txBody>
                   <a:tcPr/>
@@ -15761,15 +14394,11 @@
                         <a:rPr lang="en-AU" dirty="0"/>
                         <a:t>-252</a:t>
                       </a:r>
+                      <a:endParaRPr lang="en-AU" dirty="0"/>
                     </a:p>
                   </a:txBody>
                   <a:tcPr/>
                 </a:tc>
-                <a:extLst>
-                  <a:ext uri="{0D108BD9-81ED-4DB2-BD59-A6C34878D82A}">
-                    <a16:rowId xmlns:a16="http://schemas.microsoft.com/office/drawing/2014/main" val="1291247873"/>
-                  </a:ext>
-                </a:extLst>
               </a:tr>
               <a:tr h="414124">
                 <a:tc>
@@ -15781,6 +14410,7 @@
                         <a:rPr lang="en-AU" dirty="0"/>
                         <a:t>Moreland</a:t>
                       </a:r>
+                      <a:endParaRPr lang="en-AU" dirty="0"/>
                     </a:p>
                   </a:txBody>
                   <a:tcPr/>
@@ -15795,6 +14425,7 @@
                         <a:rPr lang="en-AU" dirty="0"/>
                         <a:t>967</a:t>
                       </a:r>
+                      <a:endParaRPr lang="en-AU" dirty="0"/>
                     </a:p>
                   </a:txBody>
                   <a:tcPr/>
@@ -15809,6 +14440,7 @@
                         <a:rPr lang="en-AU" dirty="0"/>
                         <a:t>863</a:t>
                       </a:r>
+                      <a:endParaRPr lang="en-AU" dirty="0"/>
                     </a:p>
                   </a:txBody>
                   <a:tcPr/>
@@ -15823,26 +14455,17 @@
                         <a:rPr lang="en-AU" dirty="0"/>
                         <a:t>-104</a:t>
                       </a:r>
+                      <a:endParaRPr lang="en-AU" dirty="0"/>
                     </a:p>
                   </a:txBody>
                   <a:tcPr/>
                 </a:tc>
-                <a:extLst>
-                  <a:ext uri="{0D108BD9-81ED-4DB2-BD59-A6C34878D82A}">
-                    <a16:rowId xmlns:a16="http://schemas.microsoft.com/office/drawing/2014/main" val="2188036945"/>
-                  </a:ext>
-                </a:extLst>
               </a:tr>
             </a:tbl>
           </a:graphicData>
         </a:graphic>
       </p:graphicFrame>
     </p:spTree>
-    <p:extLst>
-      <p:ext uri="{BB962C8B-B14F-4D97-AF65-F5344CB8AC3E}">
-        <p14:creationId xmlns:p14="http://schemas.microsoft.com/office/powerpoint/2010/main" val="1507751133"/>
-      </p:ext>
-    </p:extLst>
   </p:cSld>
   <p:clrMapOvr>
     <a:masterClrMapping/>
@@ -15869,16 +14492,7 @@
       </p:grpSpPr>
       <p:sp>
         <p:nvSpPr>
-          <p:cNvPr id="9" name="Rectangle 8">
-            <a:extLst>
-              <a:ext uri="{FF2B5EF4-FFF2-40B4-BE49-F238E27FC236}">
-                <a16:creationId xmlns:a16="http://schemas.microsoft.com/office/drawing/2014/main" id="{3FA6EA72-8286-456D-962A-635BD29FF580}"/>
-              </a:ext>
-              <a:ext uri="{C183D7F6-B498-43B3-948B-1728B52AA6E4}">
-                <adec:decorative xmlns:adec="http://schemas.microsoft.com/office/drawing/2017/decorative" val="1"/>
-              </a:ext>
-            </a:extLst>
-          </p:cNvPr>
+          <p:cNvPr id="9" name="Rectangle 8"/>
           <p:cNvSpPr/>
           <p:nvPr/>
         </p:nvSpPr>
@@ -15924,16 +14538,7 @@
       </p:sp>
       <p:sp>
         <p:nvSpPr>
-          <p:cNvPr id="5" name="Rectangle 4">
-            <a:extLst>
-              <a:ext uri="{FF2B5EF4-FFF2-40B4-BE49-F238E27FC236}">
-                <a16:creationId xmlns:a16="http://schemas.microsoft.com/office/drawing/2014/main" id="{097B4C68-C77C-441E-92FB-B16A0472C0E5}"/>
-              </a:ext>
-              <a:ext uri="{C183D7F6-B498-43B3-948B-1728B52AA6E4}">
-                <adec:decorative xmlns:adec="http://schemas.microsoft.com/office/drawing/2017/decorative" val="1"/>
-              </a:ext>
-            </a:extLst>
-          </p:cNvPr>
+          <p:cNvPr id="5" name="Rectangle 4"/>
           <p:cNvSpPr/>
           <p:nvPr/>
         </p:nvSpPr>
@@ -15996,13 +14601,7 @@
       </p:sp>
       <p:sp>
         <p:nvSpPr>
-          <p:cNvPr id="2" name="Footer Placeholder 1">
-            <a:extLst>
-              <a:ext uri="{FF2B5EF4-FFF2-40B4-BE49-F238E27FC236}">
-                <a16:creationId xmlns:a16="http://schemas.microsoft.com/office/drawing/2014/main" id="{08DF2641-88A5-4690-98BC-859695C8E3C8}"/>
-              </a:ext>
-            </a:extLst>
-          </p:cNvPr>
+          <p:cNvPr id="2" name="Footer Placeholder 1"/>
           <p:cNvSpPr>
             <a:spLocks noGrp="1"/>
           </p:cNvSpPr>
@@ -16019,18 +14618,13 @@
               <a:rPr lang="en-US" dirty="0"/>
               <a:t>Add a Footer</a:t>
             </a:r>
-          </a:p>
-        </p:txBody>
-      </p:sp>
-      <p:sp>
-        <p:nvSpPr>
-          <p:cNvPr id="3" name="Slide Number Placeholder 2">
-            <a:extLst>
-              <a:ext uri="{FF2B5EF4-FFF2-40B4-BE49-F238E27FC236}">
-                <a16:creationId xmlns:a16="http://schemas.microsoft.com/office/drawing/2014/main" id="{C6CF05E3-FE3F-45C6-A2C5-9F5408F4F812}"/>
-              </a:ext>
-            </a:extLst>
-          </p:cNvPr>
+            <a:endParaRPr lang="en-US" dirty="0"/>
+          </a:p>
+        </p:txBody>
+      </p:sp>
+      <p:sp>
+        <p:nvSpPr>
+          <p:cNvPr id="3" name="Slide Number Placeholder 2"/>
           <p:cNvSpPr>
             <a:spLocks noGrp="1"/>
           </p:cNvSpPr>
@@ -16045,8 +14639,6 @@
           <a:p>
             <a:fld id="{8C2E478F-E849-4A8C-AF1F-CBCC78A7CBFA}" type="slidenum">
               <a:rPr lang="en-US" smtClean="0"/>
-              <a:pPr/>
-              <a:t>7</a:t>
             </a:fld>
             <a:endParaRPr lang="en-US" dirty="0"/>
           </a:p>
@@ -16054,20 +14646,14 @@
       </p:sp>
       <p:pic>
         <p:nvPicPr>
-          <p:cNvPr id="11" name="Picture 10" descr="Chart, histogram&#10;&#10;Description automatically generated">
-            <a:extLst>
-              <a:ext uri="{FF2B5EF4-FFF2-40B4-BE49-F238E27FC236}">
-                <a16:creationId xmlns:a16="http://schemas.microsoft.com/office/drawing/2014/main" id="{A6C9E827-9A9C-4DB7-8FEA-03FA71258FEE}"/>
-              </a:ext>
-            </a:extLst>
-          </p:cNvPr>
+          <p:cNvPr id="11" name="Picture 10" descr="Chart, histogram&#10;&#10;Description automatically generated"/>
           <p:cNvPicPr>
             <a:picLocks noChangeAspect="1"/>
           </p:cNvPicPr>
           <p:nvPr/>
         </p:nvPicPr>
         <p:blipFill>
-          <a:blip r:embed="rId2"/>
+          <a:blip r:embed="rId1"/>
           <a:stretch>
             <a:fillRect/>
           </a:stretch>
@@ -16083,11 +14669,6 @@
         </p:spPr>
       </p:pic>
     </p:spTree>
-    <p:extLst>
-      <p:ext uri="{BB962C8B-B14F-4D97-AF65-F5344CB8AC3E}">
-        <p14:creationId xmlns:p14="http://schemas.microsoft.com/office/powerpoint/2010/main" val="2779095684"/>
-      </p:ext>
-    </p:extLst>
   </p:cSld>
   <p:clrMapOvr>
     <a:masterClrMapping/>
@@ -16114,13 +14695,7 @@
       </p:grpSpPr>
       <p:sp>
         <p:nvSpPr>
-          <p:cNvPr id="3" name="Title 2">
-            <a:extLst>
-              <a:ext uri="{FF2B5EF4-FFF2-40B4-BE49-F238E27FC236}">
-                <a16:creationId xmlns:a16="http://schemas.microsoft.com/office/drawing/2014/main" id="{2BBA0C40-21DF-419B-B41F-8537EE781EFA}"/>
-              </a:ext>
-            </a:extLst>
-          </p:cNvPr>
+          <p:cNvPr id="3" name="Title 2"/>
           <p:cNvSpPr>
             <a:spLocks noGrp="1"/>
           </p:cNvSpPr>
@@ -16143,18 +14718,13 @@
               <a:rPr lang="en-AU" dirty="0"/>
               <a:t>Listings – Heatmap of Prices</a:t>
             </a:r>
-          </a:p>
-        </p:txBody>
-      </p:sp>
-      <p:sp>
-        <p:nvSpPr>
-          <p:cNvPr id="4" name="Footer Placeholder 3">
-            <a:extLst>
-              <a:ext uri="{FF2B5EF4-FFF2-40B4-BE49-F238E27FC236}">
-                <a16:creationId xmlns:a16="http://schemas.microsoft.com/office/drawing/2014/main" id="{4477AF5A-4849-4F64-8324-CFB5FE6E893D}"/>
-              </a:ext>
-            </a:extLst>
-          </p:cNvPr>
+            <a:endParaRPr lang="en-AU" dirty="0"/>
+          </a:p>
+        </p:txBody>
+      </p:sp>
+      <p:sp>
+        <p:nvSpPr>
+          <p:cNvPr id="4" name="Footer Placeholder 3"/>
           <p:cNvSpPr>
             <a:spLocks noGrp="1"/>
           </p:cNvSpPr>
@@ -16177,13 +14747,7 @@
       </p:sp>
       <p:sp>
         <p:nvSpPr>
-          <p:cNvPr id="5" name="Slide Number Placeholder 4">
-            <a:extLst>
-              <a:ext uri="{FF2B5EF4-FFF2-40B4-BE49-F238E27FC236}">
-                <a16:creationId xmlns:a16="http://schemas.microsoft.com/office/drawing/2014/main" id="{B577265B-BE08-4C71-B2CF-C1FAA89697E4}"/>
-              </a:ext>
-            </a:extLst>
-          </p:cNvPr>
+          <p:cNvPr id="5" name="Slide Number Placeholder 4"/>
           <p:cNvSpPr>
             <a:spLocks noGrp="1"/>
           </p:cNvSpPr>
@@ -16198,8 +14762,6 @@
           <a:p>
             <a:fld id="{8C2E478F-E849-4A8C-AF1F-CBCC78A7CBFA}" type="slidenum">
               <a:rPr lang="en-US" smtClean="0"/>
-              <a:pPr/>
-              <a:t>8</a:t>
             </a:fld>
             <a:endParaRPr lang="en-US" dirty="0"/>
           </a:p>
@@ -16207,22 +14769,18 @@
       </p:sp>
       <p:pic>
         <p:nvPicPr>
-          <p:cNvPr id="7" name="Picture 6" descr="Map&#10;&#10;Description automatically generated">
-            <a:extLst>
-              <a:ext uri="{FF2B5EF4-FFF2-40B4-BE49-F238E27FC236}">
-                <a16:creationId xmlns:a16="http://schemas.microsoft.com/office/drawing/2014/main" id="{48585CFE-A0D6-4205-8B4F-180564CDDFAA}"/>
-              </a:ext>
-            </a:extLst>
-          </p:cNvPr>
+          <p:cNvPr id="7" name="Picture 6" descr="Map&#10;&#10;Description automatically generated"/>
           <p:cNvPicPr>
             <a:picLocks noChangeAspect="1"/>
           </p:cNvPicPr>
           <p:nvPr/>
         </p:nvPicPr>
         <p:blipFill rotWithShape="1">
-          <a:blip r:embed="rId2"/>
+          <a:blip r:embed="rId1"/>
           <a:srcRect l="20338" r="8373"/>
-          <a:stretch/>
+          <a:stretch>
+            <a:fillRect/>
+          </a:stretch>
         </p:blipFill>
         <p:spPr>
           <a:xfrm>
@@ -16236,22 +14794,18 @@
       </p:pic>
       <p:pic>
         <p:nvPicPr>
-          <p:cNvPr id="9" name="Picture 8" descr="Map&#10;&#10;Description automatically generated">
-            <a:extLst>
-              <a:ext uri="{FF2B5EF4-FFF2-40B4-BE49-F238E27FC236}">
-                <a16:creationId xmlns:a16="http://schemas.microsoft.com/office/drawing/2014/main" id="{2E189132-7C71-4E82-AE00-761434EBA0E5}"/>
-              </a:ext>
-            </a:extLst>
-          </p:cNvPr>
+          <p:cNvPr id="9" name="Picture 8" descr="Map&#10;&#10;Description automatically generated"/>
           <p:cNvPicPr>
             <a:picLocks noChangeAspect="1"/>
           </p:cNvPicPr>
           <p:nvPr/>
         </p:nvPicPr>
         <p:blipFill rotWithShape="1">
-          <a:blip r:embed="rId3"/>
+          <a:blip r:embed="rId2"/>
           <a:srcRect l="19329" t="-375" r="7308" b="375"/>
-          <a:stretch/>
+          <a:stretch>
+            <a:fillRect/>
+          </a:stretch>
         </p:blipFill>
         <p:spPr>
           <a:xfrm>
@@ -16264,11 +14818,6 @@
         </p:spPr>
       </p:pic>
     </p:spTree>
-    <p:extLst>
-      <p:ext uri="{BB962C8B-B14F-4D97-AF65-F5344CB8AC3E}">
-        <p14:creationId xmlns:p14="http://schemas.microsoft.com/office/powerpoint/2010/main" val="2823504885"/>
-      </p:ext>
-    </p:extLst>
   </p:cSld>
   <p:clrMapOvr>
     <a:masterClrMapping/>
@@ -16370,13 +14919,7 @@
       </p:grpSpPr>
       <p:pic>
         <p:nvPicPr>
-          <p:cNvPr id="9" name="Content Placeholder 8" descr="Chart, bar chart&#10;&#10;Description automatically generated">
-            <a:extLst>
-              <a:ext uri="{FF2B5EF4-FFF2-40B4-BE49-F238E27FC236}">
-                <a16:creationId xmlns:a16="http://schemas.microsoft.com/office/drawing/2014/main" id="{00ED4A51-3A29-4AF1-BEFE-D7E956ED27FB}"/>
-              </a:ext>
-            </a:extLst>
-          </p:cNvPr>
+          <p:cNvPr id="9" name="Content Placeholder 8" descr="Chart, bar chart&#10;&#10;Description automatically generated"/>
           <p:cNvPicPr>
             <a:picLocks noGrp="1" noChangeAspect="1"/>
           </p:cNvPicPr>
@@ -16385,7 +14928,7 @@
           </p:nvPr>
         </p:nvPicPr>
         <p:blipFill>
-          <a:blip r:embed="rId2"/>
+          <a:blip r:embed="rId1"/>
           <a:stretch>
             <a:fillRect/>
           </a:stretch>
@@ -16399,13 +14942,7 @@
       </p:pic>
       <p:sp>
         <p:nvSpPr>
-          <p:cNvPr id="3" name="Title 2">
-            <a:extLst>
-              <a:ext uri="{FF2B5EF4-FFF2-40B4-BE49-F238E27FC236}">
-                <a16:creationId xmlns:a16="http://schemas.microsoft.com/office/drawing/2014/main" id="{8247AA21-854A-4FBF-AB98-0ECF4F6FEAB5}"/>
-              </a:ext>
-            </a:extLst>
-          </p:cNvPr>
+          <p:cNvPr id="3" name="Title 2"/>
           <p:cNvSpPr>
             <a:spLocks noGrp="1"/>
           </p:cNvSpPr>
@@ -16433,13 +14970,7 @@
       </p:sp>
       <p:sp>
         <p:nvSpPr>
-          <p:cNvPr id="4" name="Content Placeholder 3">
-            <a:extLst>
-              <a:ext uri="{FF2B5EF4-FFF2-40B4-BE49-F238E27FC236}">
-                <a16:creationId xmlns:a16="http://schemas.microsoft.com/office/drawing/2014/main" id="{5C5E84DC-E157-4E12-B6CB-CD16D6124EBF}"/>
-              </a:ext>
-            </a:extLst>
-          </p:cNvPr>
+          <p:cNvPr id="4" name="Content Placeholder 3"/>
           <p:cNvSpPr>
             <a:spLocks noGrp="1"/>
           </p:cNvSpPr>
@@ -16489,6 +15020,7 @@
               <a:rPr lang="en-US" b="1" dirty="0"/>
               <a:t>20,420</a:t>
             </a:r>
+            <a:endParaRPr lang="en-US" b="1" dirty="0"/>
           </a:p>
           <a:p>
             <a:r>
@@ -16503,6 +15035,7 @@
               <a:rPr lang="en-US" dirty="0"/>
               <a:t> for both years 2019 and 2020.</a:t>
             </a:r>
+            <a:endParaRPr lang="en-US" dirty="0"/>
           </a:p>
           <a:p>
             <a:r>
@@ -16525,6 +15058,7 @@
               <a:rPr lang="en-US" dirty="0"/>
               <a:t>.</a:t>
             </a:r>
+            <a:endParaRPr lang="en-US" dirty="0"/>
           </a:p>
           <a:p>
             <a:r>
@@ -16535,18 +15069,13 @@
               <a:rPr lang="en-US" dirty="0"/>
               <a:t>introduced as Airbnb listing in 2020</a:t>
             </a:r>
-          </a:p>
-        </p:txBody>
-      </p:sp>
-      <p:sp>
-        <p:nvSpPr>
-          <p:cNvPr id="6" name="Footer Placeholder 5">
-            <a:extLst>
-              <a:ext uri="{FF2B5EF4-FFF2-40B4-BE49-F238E27FC236}">
-                <a16:creationId xmlns:a16="http://schemas.microsoft.com/office/drawing/2014/main" id="{E9821A15-1301-4C8D-9087-3AC108634B98}"/>
-              </a:ext>
-            </a:extLst>
-          </p:cNvPr>
+            <a:endParaRPr lang="en-US" dirty="0"/>
+          </a:p>
+        </p:txBody>
+      </p:sp>
+      <p:sp>
+        <p:nvSpPr>
+          <p:cNvPr id="6" name="Footer Placeholder 5"/>
           <p:cNvSpPr>
             <a:spLocks noGrp="1"/>
           </p:cNvSpPr>
@@ -16569,13 +15098,7 @@
       </p:sp>
       <p:sp>
         <p:nvSpPr>
-          <p:cNvPr id="7" name="Slide Number Placeholder 6">
-            <a:extLst>
-              <a:ext uri="{FF2B5EF4-FFF2-40B4-BE49-F238E27FC236}">
-                <a16:creationId xmlns:a16="http://schemas.microsoft.com/office/drawing/2014/main" id="{94DD111D-4F27-4A45-9508-947E8BEEE9F9}"/>
-              </a:ext>
-            </a:extLst>
-          </p:cNvPr>
+          <p:cNvPr id="7" name="Slide Number Placeholder 6"/>
           <p:cNvSpPr>
             <a:spLocks noGrp="1"/>
           </p:cNvSpPr>
@@ -16590,8 +15113,6 @@
           <a:p>
             <a:fld id="{8C2E478F-E849-4A8C-AF1F-CBCC78A7CBFA}" type="slidenum">
               <a:rPr lang="en-US" smtClean="0"/>
-              <a:pPr/>
-              <a:t>9</a:t>
             </a:fld>
             <a:endParaRPr lang="en-US" dirty="0"/>
           </a:p>
@@ -16599,20 +15120,14 @@
       </p:sp>
       <p:pic>
         <p:nvPicPr>
-          <p:cNvPr id="10" name="Picture 9">
-            <a:extLst>
-              <a:ext uri="{FF2B5EF4-FFF2-40B4-BE49-F238E27FC236}">
-                <a16:creationId xmlns:a16="http://schemas.microsoft.com/office/drawing/2014/main" id="{2A4209EA-49D9-4879-B33A-FDB08E4E1D45}"/>
-              </a:ext>
-            </a:extLst>
-          </p:cNvPr>
+          <p:cNvPr id="10" name="Picture 9"/>
           <p:cNvPicPr>
             <a:picLocks noChangeAspect="1"/>
           </p:cNvPicPr>
           <p:nvPr/>
         </p:nvPicPr>
         <p:blipFill>
-          <a:blip r:embed="rId3">
+          <a:blip r:embed="rId2">
             <a:extLst>
               <a:ext uri="{28A0092B-C50C-407E-A947-70E740481C1C}">
                 <a14:useLocalDpi xmlns:a14="http://schemas.microsoft.com/office/drawing/2010/main" val="0"/>
@@ -16635,20 +15150,14 @@
       </p:pic>
       <p:pic>
         <p:nvPicPr>
-          <p:cNvPr id="11" name="Picture 10">
-            <a:extLst>
-              <a:ext uri="{FF2B5EF4-FFF2-40B4-BE49-F238E27FC236}">
-                <a16:creationId xmlns:a16="http://schemas.microsoft.com/office/drawing/2014/main" id="{7AFD9A3A-0FF6-4053-8DD6-8019FE1F28C0}"/>
-              </a:ext>
-            </a:extLst>
-          </p:cNvPr>
+          <p:cNvPr id="11" name="Picture 10"/>
           <p:cNvPicPr>
             <a:picLocks noChangeAspect="1"/>
           </p:cNvPicPr>
           <p:nvPr/>
         </p:nvPicPr>
         <p:blipFill>
-          <a:blip r:embed="rId4">
+          <a:blip r:embed="rId3">
             <a:extLst>
               <a:ext uri="{28A0092B-C50C-407E-A947-70E740481C1C}">
                 <a14:useLocalDpi xmlns:a14="http://schemas.microsoft.com/office/drawing/2010/main" val="0"/>
@@ -16671,13 +15180,7 @@
       </p:pic>
       <p:sp>
         <p:nvSpPr>
-          <p:cNvPr id="12" name="Rectangle 11">
-            <a:extLst>
-              <a:ext uri="{FF2B5EF4-FFF2-40B4-BE49-F238E27FC236}">
-                <a16:creationId xmlns:a16="http://schemas.microsoft.com/office/drawing/2014/main" id="{F2C9F2A9-3280-4A3E-8B61-4149DB507FC3}"/>
-              </a:ext>
-            </a:extLst>
-          </p:cNvPr>
+          <p:cNvPr id="12" name="Rectangle 11"/>
           <p:cNvSpPr/>
           <p:nvPr/>
         </p:nvSpPr>
@@ -16806,18 +15309,25 @@
               </a:rPr>
               <a:t>Room Listings for 2020</a:t>
             </a:r>
-          </a:p>
-        </p:txBody>
-      </p:sp>
-      <p:sp>
-        <p:nvSpPr>
-          <p:cNvPr id="13" name="TextBox 10">
-            <a:extLst>
-              <a:ext uri="{FF2B5EF4-FFF2-40B4-BE49-F238E27FC236}">
-                <a16:creationId xmlns:a16="http://schemas.microsoft.com/office/drawing/2014/main" id="{C74D12E2-2D84-4D44-B940-8C5BB2A7271B}"/>
-              </a:ext>
-            </a:extLst>
-          </p:cNvPr>
+            <a:endParaRPr lang="en-GB" sz="1200" b="1" u="sng" dirty="0">
+              <a:ln w="0"/>
+              <a:solidFill>
+                <a:schemeClr val="accent1"/>
+              </a:solidFill>
+              <a:effectLst>
+                <a:outerShdw blurRad="38100" dist="25400" dir="5400000" algn="ctr" rotWithShape="0">
+                  <a:srgbClr val="6E747A">
+                    <a:alpha val="43000"/>
+                  </a:srgbClr>
+                </a:outerShdw>
+              </a:effectLst>
+            </a:endParaRPr>
+          </a:p>
+        </p:txBody>
+      </p:sp>
+      <p:sp>
+        <p:nvSpPr>
+          <p:cNvPr id="13" name="TextBox 10"/>
           <p:cNvSpPr txBox="1"/>
           <p:nvPr/>
         </p:nvSpPr>
@@ -16947,15 +15457,23 @@
               </a:rPr>
               <a:t>Room Listings for 2019</a:t>
             </a:r>
+            <a:endParaRPr lang="en-GB" sz="1200" b="1" u="sng" dirty="0">
+              <a:ln w="0"/>
+              <a:solidFill>
+                <a:schemeClr val="accent1"/>
+              </a:solidFill>
+              <a:effectLst>
+                <a:outerShdw blurRad="38100" dist="25400" dir="5400000" algn="ctr" rotWithShape="0">
+                  <a:srgbClr val="6E747A">
+                    <a:alpha val="43000"/>
+                  </a:srgbClr>
+                </a:outerShdw>
+              </a:effectLst>
+            </a:endParaRPr>
           </a:p>
         </p:txBody>
       </p:sp>
     </p:spTree>
-    <p:extLst>
-      <p:ext uri="{BB962C8B-B14F-4D97-AF65-F5344CB8AC3E}">
-        <p14:creationId xmlns:p14="http://schemas.microsoft.com/office/powerpoint/2010/main" val="2246427715"/>
-      </p:ext>
-    </p:extLst>
   </p:cSld>
   <p:clrMapOvr>
     <a:masterClrMapping/>
@@ -17154,11 +15672,9 @@
       </a:bgFillStyleLst>
     </a:fmtScheme>
   </a:themeElements>
-  <a:objectDefaults/>
-  <a:extraClrSchemeLst/>
   <a:extLst>
     <a:ext uri="{05A4C25C-085E-4340-85A3-A5531E510DB2}">
-      <thm15:themeFamily xmlns:thm15="http://schemas.microsoft.com/office/thememl/2012/main" name="TF34357351_Dark modernist presentation_mlw -v2" id="{02C8D846-7DC8-4EFF-94D8-823DF779E3A7}" vid="{402D83F6-A512-43E7-B905-390BB489C073}"/>
+      <thm15:themeFamily xmlns:thm15="http://schemas.microsoft.com/office/thememl/2012/main" name="Office Theme" id="{62F939B6-93AF-4DB8-9C6B-D6C7DFDC589F}" vid="{4A3C46E8-61CC-4603-A589-7422A47A8E4A}"/>
     </a:ext>
   </a:extLst>
 </a:theme>
@@ -17207,7 +15723,7 @@
     </a:clrScheme>
     <a:fontScheme name="Office">
       <a:majorFont>
-        <a:latin typeface="Calibri Light" panose="020F0302020204030204"/>
+        <a:latin typeface="Calibri Light"/>
         <a:ea typeface=""/>
         <a:cs typeface=""/>
         <a:font script="Jpan" typeface="游ゴシック Light"/>
@@ -17240,26 +15756,9 @@
         <a:font script="Viet" typeface="Times New Roman"/>
         <a:font script="Uigh" typeface="Microsoft Uighur"/>
         <a:font script="Geor" typeface="Sylfaen"/>
-        <a:font script="Armn" typeface="Arial"/>
-        <a:font script="Bugi" typeface="Leelawadee UI"/>
-        <a:font script="Bopo" typeface="Microsoft JhengHei"/>
-        <a:font script="Java" typeface="Javanese Text"/>
-        <a:font script="Lisu" typeface="Segoe UI"/>
-        <a:font script="Mymr" typeface="Myanmar Text"/>
-        <a:font script="Nkoo" typeface="Ebrima"/>
-        <a:font script="Olck" typeface="Nirmala UI"/>
-        <a:font script="Osma" typeface="Ebrima"/>
-        <a:font script="Phag" typeface="Phagspa"/>
-        <a:font script="Syrn" typeface="Estrangelo Edessa"/>
-        <a:font script="Syrj" typeface="Estrangelo Edessa"/>
-        <a:font script="Syre" typeface="Estrangelo Edessa"/>
-        <a:font script="Sora" typeface="Nirmala UI"/>
-        <a:font script="Tale" typeface="Microsoft Tai Le"/>
-        <a:font script="Talu" typeface="Microsoft New Tai Lue"/>
-        <a:font script="Tfng" typeface="Ebrima"/>
       </a:majorFont>
       <a:minorFont>
-        <a:latin typeface="Calibri" panose="020F0502020204030204"/>
+        <a:latin typeface="Calibri"/>
         <a:ea typeface=""/>
         <a:cs typeface=""/>
         <a:font script="Jpan" typeface="游ゴシック"/>
@@ -17292,23 +15791,6 @@
         <a:font script="Viet" typeface="Arial"/>
         <a:font script="Uigh" typeface="Microsoft Uighur"/>
         <a:font script="Geor" typeface="Sylfaen"/>
-        <a:font script="Armn" typeface="Arial"/>
-        <a:font script="Bugi" typeface="Leelawadee UI"/>
-        <a:font script="Bopo" typeface="Microsoft JhengHei"/>
-        <a:font script="Java" typeface="Javanese Text"/>
-        <a:font script="Lisu" typeface="Segoe UI"/>
-        <a:font script="Mymr" typeface="Myanmar Text"/>
-        <a:font script="Nkoo" typeface="Ebrima"/>
-        <a:font script="Olck" typeface="Nirmala UI"/>
-        <a:font script="Osma" typeface="Ebrima"/>
-        <a:font script="Phag" typeface="Phagspa"/>
-        <a:font script="Syrn" typeface="Estrangelo Edessa"/>
-        <a:font script="Syrj" typeface="Estrangelo Edessa"/>
-        <a:font script="Syre" typeface="Estrangelo Edessa"/>
-        <a:font script="Sora" typeface="Nirmala UI"/>
-        <a:font script="Tale" typeface="Microsoft Tai Le"/>
-        <a:font script="Talu" typeface="Microsoft New Tai Lue"/>
-        <a:font script="Tfng" typeface="Ebrima"/>
       </a:minorFont>
     </a:fontScheme>
     <a:fmtScheme name="Office">
@@ -17449,8 +15931,6 @@
       </a:bgFillStyleLst>
     </a:fmtScheme>
   </a:themeElements>
-  <a:objectDefaults/>
-  <a:extraClrSchemeLst/>
   <a:extLst>
     <a:ext uri="{05A4C25C-085E-4340-85A3-A5531E510DB2}">
       <thm15:themeFamily xmlns:thm15="http://schemas.microsoft.com/office/thememl/2012/main" name="Office Theme" id="{62F939B6-93AF-4DB8-9C6B-D6C7DFDC589F}" vid="{4A3C46E8-61CC-4603-A589-7422A47A8E4A}"/>
@@ -17502,7 +15982,7 @@
     </a:clrScheme>
     <a:fontScheme name="Office">
       <a:majorFont>
-        <a:latin typeface="Calibri Light" panose="020F0302020204030204"/>
+        <a:latin typeface="Calibri Light"/>
         <a:ea typeface=""/>
         <a:cs typeface=""/>
         <a:font script="Jpan" typeface="游ゴシック Light"/>
@@ -17535,26 +16015,9 @@
         <a:font script="Viet" typeface="Times New Roman"/>
         <a:font script="Uigh" typeface="Microsoft Uighur"/>
         <a:font script="Geor" typeface="Sylfaen"/>
-        <a:font script="Armn" typeface="Arial"/>
-        <a:font script="Bugi" typeface="Leelawadee UI"/>
-        <a:font script="Bopo" typeface="Microsoft JhengHei"/>
-        <a:font script="Java" typeface="Javanese Text"/>
-        <a:font script="Lisu" typeface="Segoe UI"/>
-        <a:font script="Mymr" typeface="Myanmar Text"/>
-        <a:font script="Nkoo" typeface="Ebrima"/>
-        <a:font script="Olck" typeface="Nirmala UI"/>
-        <a:font script="Osma" typeface="Ebrima"/>
-        <a:font script="Phag" typeface="Phagspa"/>
-        <a:font script="Syrn" typeface="Estrangelo Edessa"/>
-        <a:font script="Syrj" typeface="Estrangelo Edessa"/>
-        <a:font script="Syre" typeface="Estrangelo Edessa"/>
-        <a:font script="Sora" typeface="Nirmala UI"/>
-        <a:font script="Tale" typeface="Microsoft Tai Le"/>
-        <a:font script="Talu" typeface="Microsoft New Tai Lue"/>
-        <a:font script="Tfng" typeface="Ebrima"/>
       </a:majorFont>
       <a:minorFont>
-        <a:latin typeface="Calibri" panose="020F0502020204030204"/>
+        <a:latin typeface="Calibri"/>
         <a:ea typeface=""/>
         <a:cs typeface=""/>
         <a:font script="Jpan" typeface="游ゴシック"/>
@@ -17587,23 +16050,6 @@
         <a:font script="Viet" typeface="Arial"/>
         <a:font script="Uigh" typeface="Microsoft Uighur"/>
         <a:font script="Geor" typeface="Sylfaen"/>
-        <a:font script="Armn" typeface="Arial"/>
-        <a:font script="Bugi" typeface="Leelawadee UI"/>
-        <a:font script="Bopo" typeface="Microsoft JhengHei"/>
-        <a:font script="Java" typeface="Javanese Text"/>
-        <a:font script="Lisu" typeface="Segoe UI"/>
-        <a:font script="Mymr" typeface="Myanmar Text"/>
-        <a:font script="Nkoo" typeface="Ebrima"/>
-        <a:font script="Olck" typeface="Nirmala UI"/>
-        <a:font script="Osma" typeface="Ebrima"/>
-        <a:font script="Phag" typeface="Phagspa"/>
-        <a:font script="Syrn" typeface="Estrangelo Edessa"/>
-        <a:font script="Syrj" typeface="Estrangelo Edessa"/>
-        <a:font script="Syre" typeface="Estrangelo Edessa"/>
-        <a:font script="Sora" typeface="Nirmala UI"/>
-        <a:font script="Tale" typeface="Microsoft Tai Le"/>
-        <a:font script="Talu" typeface="Microsoft New Tai Lue"/>
-        <a:font script="Tfng" typeface="Ebrima"/>
       </a:minorFont>
     </a:fontScheme>
     <a:fmtScheme name="Office">
@@ -17744,288 +16190,10 @@
       </a:bgFillStyleLst>
     </a:fmtScheme>
   </a:themeElements>
-  <a:objectDefaults/>
-  <a:extraClrSchemeLst/>
   <a:extLst>
     <a:ext uri="{05A4C25C-085E-4340-85A3-A5531E510DB2}">
       <thm15:themeFamily xmlns:thm15="http://schemas.microsoft.com/office/thememl/2012/main" name="Office Theme" id="{62F939B6-93AF-4DB8-9C6B-D6C7DFDC589F}" vid="{4A3C46E8-61CC-4603-A589-7422A47A8E4A}"/>
     </a:ext>
   </a:extLst>
 </a:theme>
-</file>
-
-<file path=customXml/item1.xml><?xml version="1.0" encoding="utf-8"?>
-<p:properties xmlns:p="http://schemas.microsoft.com/office/2006/metadata/properties" xmlns:xsi="http://www.w3.org/2001/XMLSchema-instance" xmlns:pc="http://schemas.microsoft.com/office/infopath/2007/PartnerControls">
-  <documentManagement>
-    <Status xmlns="71af3243-3dd4-4a8d-8c0d-dd76da1f02a5">Not started</Status>
-    <MediaServiceKeyPoints xmlns="71af3243-3dd4-4a8d-8c0d-dd76da1f02a5" xsi:nil="true"/>
-  </documentManagement>
-</p:properties>
-</file>
-
-<file path=customXml/item2.xml><?xml version="1.0" encoding="utf-8"?>
-<ct:contentTypeSchema xmlns:ct="http://schemas.microsoft.com/office/2006/metadata/contentType" xmlns:ma="http://schemas.microsoft.com/office/2006/metadata/properties/metaAttributes" ct:_="" ma:_="" ma:contentTypeName="Document" ma:contentTypeID="0x01010079F111ED35F8CC479449609E8A0923A6" ma:contentTypeVersion="12" ma:contentTypeDescription="Create a new document." ma:contentTypeScope="" ma:versionID="7f9b5e87859ce6d7eedbdc6e4e4205ca">
-  <xsd:schema xmlns:xsd="http://www.w3.org/2001/XMLSchema" xmlns:xs="http://www.w3.org/2001/XMLSchema" xmlns:p="http://schemas.microsoft.com/office/2006/metadata/properties" xmlns:ns2="71af3243-3dd4-4a8d-8c0d-dd76da1f02a5" xmlns:ns3="16c05727-aa75-4e4a-9b5f-8a80a1165891" targetNamespace="http://schemas.microsoft.com/office/2006/metadata/properties" ma:root="true" ma:fieldsID="a5e0075ee7624d6a846e01eb61837427" ns2:_="" ns3:_="">
-    <xsd:import namespace="71af3243-3dd4-4a8d-8c0d-dd76da1f02a5"/>
-    <xsd:import namespace="16c05727-aa75-4e4a-9b5f-8a80a1165891"/>
-    <xsd:element name="properties">
-      <xsd:complexType>
-        <xsd:sequence>
-          <xsd:element name="documentManagement">
-            <xsd:complexType>
-              <xsd:all>
-                <xsd:element ref="ns2:MediaServiceMetadata" minOccurs="0"/>
-                <xsd:element ref="ns2:MediaServiceFastMetadata" minOccurs="0"/>
-                <xsd:element ref="ns2:MediaServiceOCR" minOccurs="0"/>
-                <xsd:element ref="ns2:MediaServiceAutoTags" minOccurs="0"/>
-                <xsd:element ref="ns2:MediaServiceEventHashCode" minOccurs="0"/>
-                <xsd:element ref="ns2:MediaServiceGenerationTime" minOccurs="0"/>
-                <xsd:element ref="ns3:SharedWithUsers" minOccurs="0"/>
-                <xsd:element ref="ns3:SharedWithDetails" minOccurs="0"/>
-                <xsd:element ref="ns2:MediaServiceAutoKeyPoints" minOccurs="0"/>
-                <xsd:element ref="ns2:MediaServiceKeyPoints" minOccurs="0"/>
-                <xsd:element ref="ns2:MediaServiceDateTaken" minOccurs="0"/>
-                <xsd:element ref="ns2:Status" minOccurs="0"/>
-              </xsd:all>
-            </xsd:complexType>
-          </xsd:element>
-        </xsd:sequence>
-      </xsd:complexType>
-    </xsd:element>
-  </xsd:schema>
-  <xsd:schema xmlns:xsd="http://www.w3.org/2001/XMLSchema" xmlns:xs="http://www.w3.org/2001/XMLSchema" xmlns:dms="http://schemas.microsoft.com/office/2006/documentManagement/types" xmlns:pc="http://schemas.microsoft.com/office/infopath/2007/PartnerControls" targetNamespace="71af3243-3dd4-4a8d-8c0d-dd76da1f02a5" elementFormDefault="qualified">
-    <xsd:import namespace="http://schemas.microsoft.com/office/2006/documentManagement/types"/>
-    <xsd:import namespace="http://schemas.microsoft.com/office/infopath/2007/PartnerControls"/>
-    <xsd:element name="MediaServiceMetadata" ma:index="8" nillable="true" ma:displayName="MediaServiceMetadata" ma:hidden="true" ma:internalName="MediaServiceMetadata" ma:readOnly="true">
-      <xsd:simpleType>
-        <xsd:restriction base="dms:Note"/>
-      </xsd:simpleType>
-    </xsd:element>
-    <xsd:element name="MediaServiceFastMetadata" ma:index="9" nillable="true" ma:displayName="MediaServiceFastMetadata" ma:hidden="true" ma:internalName="MediaServiceFastMetadata" ma:readOnly="true">
-      <xsd:simpleType>
-        <xsd:restriction base="dms:Note"/>
-      </xsd:simpleType>
-    </xsd:element>
-    <xsd:element name="MediaServiceOCR" ma:index="10" nillable="true" ma:displayName="MediaServiceOCR" ma:internalName="MediaServiceOCR" ma:readOnly="true">
-      <xsd:simpleType>
-        <xsd:restriction base="dms:Note">
-          <xsd:maxLength value="255"/>
-        </xsd:restriction>
-      </xsd:simpleType>
-    </xsd:element>
-    <xsd:element name="MediaServiceAutoTags" ma:index="11" nillable="true" ma:displayName="MediaServiceAutoTags" ma:internalName="MediaServiceAutoTags" ma:readOnly="true">
-      <xsd:simpleType>
-        <xsd:restriction base="dms:Text"/>
-      </xsd:simpleType>
-    </xsd:element>
-    <xsd:element name="MediaServiceEventHashCode" ma:index="12" nillable="true" ma:displayName="MediaServiceEventHashCode" ma:hidden="true" ma:internalName="MediaServiceEventHashCode" ma:readOnly="true">
-      <xsd:simpleType>
-        <xsd:restriction base="dms:Text"/>
-      </xsd:simpleType>
-    </xsd:element>
-    <xsd:element name="MediaServiceGenerationTime" ma:index="13" nillable="true" ma:displayName="MediaServiceGenerationTime" ma:hidden="true" ma:internalName="MediaServiceGenerationTime" ma:readOnly="true">
-      <xsd:simpleType>
-        <xsd:restriction base="dms:Text"/>
-      </xsd:simpleType>
-    </xsd:element>
-    <xsd:element name="MediaServiceAutoKeyPoints" ma:index="16" nillable="true" ma:displayName="MediaServiceAutoKeyPoints" ma:hidden="true" ma:internalName="MediaServiceAutoKeyPoints" ma:readOnly="true">
-      <xsd:simpleType>
-        <xsd:restriction base="dms:Note"/>
-      </xsd:simpleType>
-    </xsd:element>
-    <xsd:element name="MediaServiceKeyPoints" ma:index="17" nillable="true" ma:displayName="KeyPoints" ma:internalName="MediaServiceKeyPoints" ma:readOnly="false">
-      <xsd:simpleType>
-        <xsd:restriction base="dms:Note">
-          <xsd:maxLength value="255"/>
-        </xsd:restriction>
-      </xsd:simpleType>
-    </xsd:element>
-    <xsd:element name="MediaServiceDateTaken" ma:index="18" nillable="true" ma:displayName="MediaServiceDateTaken" ma:hidden="true" ma:internalName="MediaServiceDateTaken" ma:readOnly="true">
-      <xsd:simpleType>
-        <xsd:restriction base="dms:Text"/>
-      </xsd:simpleType>
-    </xsd:element>
-    <xsd:element name="Status" ma:index="19" nillable="true" ma:displayName="Status" ma:default="Not started" ma:format="Dropdown" ma:internalName="Status">
-      <xsd:simpleType>
-        <xsd:restriction base="dms:Choice">
-          <xsd:enumeration value="Not started"/>
-          <xsd:enumeration value="In Progress"/>
-          <xsd:enumeration value="Completed"/>
-        </xsd:restriction>
-      </xsd:simpleType>
-    </xsd:element>
-  </xsd:schema>
-  <xsd:schema xmlns:xsd="http://www.w3.org/2001/XMLSchema" xmlns:xs="http://www.w3.org/2001/XMLSchema" xmlns:dms="http://schemas.microsoft.com/office/2006/documentManagement/types" xmlns:pc="http://schemas.microsoft.com/office/infopath/2007/PartnerControls" targetNamespace="16c05727-aa75-4e4a-9b5f-8a80a1165891" elementFormDefault="qualified">
-    <xsd:import namespace="http://schemas.microsoft.com/office/2006/documentManagement/types"/>
-    <xsd:import namespace="http://schemas.microsoft.com/office/infopath/2007/PartnerControls"/>
-    <xsd:element name="SharedWithUsers" ma:index="14" nillable="true" ma:displayName="Shared With" ma:internalName="SharedWithUsers" ma:readOnly="true">
-      <xsd:complexType>
-        <xsd:complexContent>
-          <xsd:extension base="dms:UserMulti">
-            <xsd:sequence>
-              <xsd:element name="UserInfo" minOccurs="0" maxOccurs="unbounded">
-                <xsd:complexType>
-                  <xsd:sequence>
-                    <xsd:element name="DisplayName" type="xsd:string" minOccurs="0"/>
-                    <xsd:element name="AccountId" type="dms:UserId" minOccurs="0" nillable="true"/>
-                    <xsd:element name="AccountType" type="xsd:string" minOccurs="0"/>
-                  </xsd:sequence>
-                </xsd:complexType>
-              </xsd:element>
-            </xsd:sequence>
-          </xsd:extension>
-        </xsd:complexContent>
-      </xsd:complexType>
-    </xsd:element>
-    <xsd:element name="SharedWithDetails" ma:index="15" nillable="true" ma:displayName="Shared With Details" ma:internalName="SharedWithDetails" ma:readOnly="true">
-      <xsd:simpleType>
-        <xsd:restriction base="dms:Note">
-          <xsd:maxLength value="255"/>
-        </xsd:restriction>
-      </xsd:simpleType>
-    </xsd:element>
-  </xsd:schema>
-  <xsd:schema xmlns="http://schemas.openxmlformats.org/package/2006/metadata/core-properties" xmlns:xsd="http://www.w3.org/2001/XMLSchema" xmlns:xsi="http://www.w3.org/2001/XMLSchema-instance" xmlns:dc="http://purl.org/dc/elements/1.1/" xmlns:dcterms="http://purl.org/dc/terms/" xmlns:odoc="http://schemas.microsoft.com/internal/obd" targetNamespace="http://schemas.openxmlformats.org/package/2006/metadata/core-properties" elementFormDefault="qualified" attributeFormDefault="unqualified" blockDefault="#all">
-    <xsd:import namespace="http://purl.org/dc/elements/1.1/" schemaLocation="http://dublincore.org/schemas/xmls/qdc/2003/04/02/dc.xsd"/>
-    <xsd:import namespace="http://purl.org/dc/terms/" schemaLocation="http://dublincore.org/schemas/xmls/qdc/2003/04/02/dcterms.xsd"/>
-    <xsd:element name="coreProperties" type="CT_coreProperties"/>
-    <xsd:complexType name="CT_coreProperties">
-      <xsd:all>
-        <xsd:element ref="dc:creator" minOccurs="0" maxOccurs="1"/>
-        <xsd:element ref="dcterms:created" minOccurs="0" maxOccurs="1"/>
-        <xsd:element ref="dc:identifier" minOccurs="0" maxOccurs="1"/>
-        <xsd:element name="contentType" minOccurs="0" maxOccurs="1" type="xsd:string" ma:index="0" ma:displayName="Content Type"/>
-        <xsd:element ref="dc:title" minOccurs="0" maxOccurs="1" ma:index="4" ma:displayName="Title"/>
-        <xsd:element ref="dc:subject" minOccurs="0" maxOccurs="1"/>
-        <xsd:element ref="dc:description" minOccurs="0" maxOccurs="1"/>
-        <xsd:element name="keywords" minOccurs="0" maxOccurs="1" type="xsd:string"/>
-        <xsd:element ref="dc:language" minOccurs="0" maxOccurs="1"/>
-        <xsd:element name="category" minOccurs="0" maxOccurs="1" type="xsd:string"/>
-        <xsd:element name="version" minOccurs="0" maxOccurs="1" type="xsd:string"/>
-        <xsd:element name="revision" minOccurs="0" maxOccurs="1" type="xsd:string">
-          <xsd:annotation>
-            <xsd:documentation>
-                        This value indicates the number of saves or revisions. The application is responsible for updating this value after each revision.
-                    </xsd:documentation>
-          </xsd:annotation>
-        </xsd:element>
-        <xsd:element name="lastModifiedBy" minOccurs="0" maxOccurs="1" type="xsd:string"/>
-        <xsd:element ref="dcterms:modified" minOccurs="0" maxOccurs="1"/>
-        <xsd:element name="contentStatus" minOccurs="0" maxOccurs="1" type="xsd:string"/>
-      </xsd:all>
-    </xsd:complexType>
-  </xsd:schema>
-  <xs:schema xmlns:pc="http://schemas.microsoft.com/office/infopath/2007/PartnerControls" xmlns:xs="http://www.w3.org/2001/XMLSchema" targetNamespace="http://schemas.microsoft.com/office/infopath/2007/PartnerControls" elementFormDefault="qualified" attributeFormDefault="unqualified">
-    <xs:element name="Person">
-      <xs:complexType>
-        <xs:sequence>
-          <xs:element ref="pc:DisplayName" minOccurs="0"/>
-          <xs:element ref="pc:AccountId" minOccurs="0"/>
-          <xs:element ref="pc:AccountType" minOccurs="0"/>
-        </xs:sequence>
-      </xs:complexType>
-    </xs:element>
-    <xs:element name="DisplayName" type="xs:string"/>
-    <xs:element name="AccountId" type="xs:string"/>
-    <xs:element name="AccountType" type="xs:string"/>
-    <xs:element name="BDCAssociatedEntity">
-      <xs:complexType>
-        <xs:sequence>
-          <xs:element ref="pc:BDCEntity" minOccurs="0" maxOccurs="unbounded"/>
-        </xs:sequence>
-        <xs:attribute ref="pc:EntityNamespace"/>
-        <xs:attribute ref="pc:EntityName"/>
-        <xs:attribute ref="pc:SystemInstanceName"/>
-        <xs:attribute ref="pc:AssociationName"/>
-      </xs:complexType>
-    </xs:element>
-    <xs:attribute name="EntityNamespace" type="xs:string"/>
-    <xs:attribute name="EntityName" type="xs:string"/>
-    <xs:attribute name="SystemInstanceName" type="xs:string"/>
-    <xs:attribute name="AssociationName" type="xs:string"/>
-    <xs:element name="BDCEntity">
-      <xs:complexType>
-        <xs:sequence>
-          <xs:element ref="pc:EntityDisplayName" minOccurs="0"/>
-          <xs:element ref="pc:EntityInstanceReference" minOccurs="0"/>
-          <xs:element ref="pc:EntityId1" minOccurs="0"/>
-          <xs:element ref="pc:EntityId2" minOccurs="0"/>
-          <xs:element ref="pc:EntityId3" minOccurs="0"/>
-          <xs:element ref="pc:EntityId4" minOccurs="0"/>
-          <xs:element ref="pc:EntityId5" minOccurs="0"/>
-        </xs:sequence>
-      </xs:complexType>
-    </xs:element>
-    <xs:element name="EntityDisplayName" type="xs:string"/>
-    <xs:element name="EntityInstanceReference" type="xs:string"/>
-    <xs:element name="EntityId1" type="xs:string"/>
-    <xs:element name="EntityId2" type="xs:string"/>
-    <xs:element name="EntityId3" type="xs:string"/>
-    <xs:element name="EntityId4" type="xs:string"/>
-    <xs:element name="EntityId5" type="xs:string"/>
-    <xs:element name="Terms">
-      <xs:complexType>
-        <xs:sequence>
-          <xs:element ref="pc:TermInfo" minOccurs="0" maxOccurs="unbounded"/>
-        </xs:sequence>
-      </xs:complexType>
-    </xs:element>
-    <xs:element name="TermInfo">
-      <xs:complexType>
-        <xs:sequence>
-          <xs:element ref="pc:TermName" minOccurs="0"/>
-          <xs:element ref="pc:TermId" minOccurs="0"/>
-        </xs:sequence>
-      </xs:complexType>
-    </xs:element>
-    <xs:element name="TermName" type="xs:string"/>
-    <xs:element name="TermId" type="xs:string"/>
-  </xs:schema>
-</ct:contentTypeSchema>
-</file>
-
-<file path=customXml/item3.xml><?xml version="1.0" encoding="utf-8"?>
-<?mso-contentType ?>
-<FormTemplates xmlns="http://schemas.microsoft.com/sharepoint/v3/contenttype/forms">
-  <Display>DocumentLibraryForm</Display>
-  <Edit>DocumentLibraryForm</Edit>
-  <New>DocumentLibraryForm</New>
-</FormTemplates>
-</file>
-
-<file path=customXml/itemProps1.xml><?xml version="1.0" encoding="utf-8"?>
-<ds:datastoreItem xmlns:ds="http://schemas.openxmlformats.org/officeDocument/2006/customXml" ds:itemID="{471340EA-4D3D-470F-B5D6-C0F623079401}">
-  <ds:schemaRefs>
-    <ds:schemaRef ds:uri="http://schemas.microsoft.com/office/2006/metadata/properties"/>
-    <ds:schemaRef ds:uri="http://schemas.microsoft.com/office/infopath/2007/PartnerControls"/>
-    <ds:schemaRef ds:uri="71af3243-3dd4-4a8d-8c0d-dd76da1f02a5"/>
-  </ds:schemaRefs>
-</ds:datastoreItem>
-</file>
-
-<file path=customXml/itemProps2.xml><?xml version="1.0" encoding="utf-8"?>
-<ds:datastoreItem xmlns:ds="http://schemas.openxmlformats.org/officeDocument/2006/customXml" ds:itemID="{1B834546-CF5A-40F0-B105-33C88EC0593D}">
-  <ds:schemaRefs>
-    <ds:schemaRef ds:uri="http://schemas.microsoft.com/office/2006/metadata/contentType"/>
-    <ds:schemaRef ds:uri="http://schemas.microsoft.com/office/2006/metadata/properties/metaAttributes"/>
-    <ds:schemaRef ds:uri="http://www.w3.org/2001/XMLSchema"/>
-    <ds:schemaRef ds:uri="http://schemas.microsoft.com/office/2006/metadata/properties"/>
-    <ds:schemaRef ds:uri="71af3243-3dd4-4a8d-8c0d-dd76da1f02a5"/>
-    <ds:schemaRef ds:uri="16c05727-aa75-4e4a-9b5f-8a80a1165891"/>
-    <ds:schemaRef ds:uri="http://schemas.microsoft.com/office/2006/documentManagement/types"/>
-    <ds:schemaRef ds:uri="http://schemas.microsoft.com/office/infopath/2007/PartnerControls"/>
-    <ds:schemaRef ds:uri="http://schemas.openxmlformats.org/package/2006/metadata/core-properties"/>
-    <ds:schemaRef ds:uri="http://purl.org/dc/elements/1.1/"/>
-    <ds:schemaRef ds:uri="http://purl.org/dc/terms/"/>
-    <ds:schemaRef ds:uri="http://schemas.microsoft.com/internal/obd"/>
-  </ds:schemaRefs>
-</ds:datastoreItem>
-</file>
-
-<file path=customXml/itemProps3.xml><?xml version="1.0" encoding="utf-8"?>
-<ds:datastoreItem xmlns:ds="http://schemas.openxmlformats.org/officeDocument/2006/customXml" ds:itemID="{26A0F1FB-B1B3-48EC-BFEE-FC0094A34C28}">
-  <ds:schemaRefs>
-    <ds:schemaRef ds:uri="http://schemas.microsoft.com/sharepoint/v3/contenttype/forms"/>
-  </ds:schemaRefs>
-</ds:datastoreItem>
 </file>
--- a/AirBnb Project - Sherin, Neena and Cody.pptx
+++ b/AirBnb Project - Sherin, Neena and Cody.pptx
@@ -11509,7 +11509,7 @@
           <a:p>
             <a:r>
               <a:rPr lang="en-AU" dirty="0"/>
-              <a:t>There is moderate correlation between Host Response Rate and Number of Days booked for a listing in </a:t>
+              <a:t>There is moderate negative correlation between Host Response Rate and Number of Days booked for a listing in </a:t>
             </a:r>
             <a:r>
               <a:rPr lang="en-AU" dirty="0" err="1"/>
@@ -11522,6 +11522,10 @@
             <a:endParaRPr lang="en-AU" dirty="0"/>
           </a:p>
           <a:p>
+            <a:r>
+              <a:rPr lang="en-AU" dirty="0"/>
+              <a:t>This was not expected and one of the reason for negative correlation could be the increased responses required with increased bookings.</a:t>
+            </a:r>
             <a:endParaRPr lang="en-AU" dirty="0"/>
           </a:p>
         </p:txBody>

--- a/AirBnb Project - Sherin, Neena and Cody.pptx
+++ b/AirBnb Project - Sherin, Neena and Cody.pptx
@@ -12582,7 +12582,23 @@
             </a:pPr>
             <a:r>
               <a:rPr lang="en-US" dirty="0"/>
-              <a:t>Our project aimed to look at available data for Melbourne AirBnB listings across 2019 and 2020 to identify trends in availability, room types offered and whether price or other factors affect a host’s review score.</a:t>
+              <a:t>Our project aimed to look at available data for Melbourne AirBnB listings across 2019 and 2020 to identify trends in availability, room types offered and whether price or other factors affect </a:t>
+            </a:r>
+            <a:r>
+              <a:rPr lang="en-AU" altLang="en-US" dirty="0"/>
+              <a:t>bookings </a:t>
+            </a:r>
+            <a:r>
+              <a:rPr lang="en-US" dirty="0"/>
+              <a:t>a</a:t>
+            </a:r>
+            <a:r>
+              <a:rPr lang="en-AU" altLang="en-US" dirty="0"/>
+              <a:t>nd</a:t>
+            </a:r>
+            <a:r>
+              <a:rPr lang="en-US" dirty="0"/>
+              <a:t> review score.</a:t>
             </a:r>
             <a:endParaRPr lang="en-US" dirty="0"/>
           </a:p>

--- a/AirBnb Project - Sherin, Neena and Cody.pptx
+++ b/AirBnb Project - Sherin, Neena and Cody.pptx
@@ -5,31 +5,31 @@
     <p:sldMasterId id="2147483648" r:id="rId1"/>
   </p:sldMasterIdLst>
   <p:notesMasterIdLst>
-    <p:notesMasterId r:id="rId5"/>
+    <p:notesMasterId r:id="rId21"/>
   </p:notesMasterIdLst>
   <p:handoutMasterIdLst>
-    <p:handoutMasterId r:id="rId23"/>
+    <p:handoutMasterId r:id="rId22"/>
   </p:handoutMasterIdLst>
   <p:sldIdLst>
-    <p:sldId id="2439" r:id="rId3"/>
-    <p:sldId id="260" r:id="rId4"/>
-    <p:sldId id="2434" r:id="rId6"/>
-    <p:sldId id="2447" r:id="rId7"/>
-    <p:sldId id="258" r:id="rId8"/>
-    <p:sldId id="2442" r:id="rId9"/>
-    <p:sldId id="2433" r:id="rId10"/>
-    <p:sldId id="2445" r:id="rId11"/>
-    <p:sldId id="2448" r:id="rId12"/>
-    <p:sldId id="2444" r:id="rId13"/>
-    <p:sldId id="2449" r:id="rId14"/>
-    <p:sldId id="2450" r:id="rId15"/>
-    <p:sldId id="2446" r:id="rId16"/>
-    <p:sldId id="2462" r:id="rId17"/>
-    <p:sldId id="2451" r:id="rId18"/>
-    <p:sldId id="2452" r:id="rId19"/>
-    <p:sldId id="2453" r:id="rId20"/>
-    <p:sldId id="2438" r:id="rId21"/>
-    <p:sldId id="2441" r:id="rId22"/>
+    <p:sldId id="2439" r:id="rId2"/>
+    <p:sldId id="260" r:id="rId3"/>
+    <p:sldId id="2434" r:id="rId4"/>
+    <p:sldId id="2447" r:id="rId5"/>
+    <p:sldId id="258" r:id="rId6"/>
+    <p:sldId id="2442" r:id="rId7"/>
+    <p:sldId id="2433" r:id="rId8"/>
+    <p:sldId id="2445" r:id="rId9"/>
+    <p:sldId id="2463" r:id="rId10"/>
+    <p:sldId id="2464" r:id="rId11"/>
+    <p:sldId id="2465" r:id="rId12"/>
+    <p:sldId id="2466" r:id="rId13"/>
+    <p:sldId id="2467" r:id="rId14"/>
+    <p:sldId id="2462" r:id="rId15"/>
+    <p:sldId id="2451" r:id="rId16"/>
+    <p:sldId id="2452" r:id="rId17"/>
+    <p:sldId id="2453" r:id="rId18"/>
+    <p:sldId id="2438" r:id="rId19"/>
+    <p:sldId id="2441" r:id="rId20"/>
   </p:sldIdLst>
   <p:sldSz cx="12192000" cy="6858000"/>
   <p:notesSz cx="6858000" cy="9144000"/>
@@ -128,6 +128,14 @@
       </a:defRPr>
     </a:lvl9pPr>
   </p:defaultTextStyle>
+  <p:extLst>
+    <p:ext uri="{EFAFB233-063F-42B5-8137-9DF3F51BA10A}">
+      <p15:sldGuideLst xmlns:p15="http://schemas.microsoft.com/office/powerpoint/2012/main"/>
+    </p:ext>
+    <p:ext uri="{2D200454-40CA-4A62-9FC3-DE9A4176ACB9}">
+      <p15:notesGuideLst xmlns:p15="http://schemas.microsoft.com/office/powerpoint/2012/main"/>
+    </p:ext>
+  </p:extLst>
 </p:presentation>
 </file>
 
@@ -213,6 +221,7 @@
           <a:p>
             <a:fld id="{D1CB9CF0-A540-4793-A5F3-F4917CFDDCB6}" type="datetimeFigureOut">
               <a:rPr lang="en-US" smtClean="0"/>
+              <a:t>6/28/2021</a:t>
             </a:fld>
             <a:endParaRPr lang="en-US" dirty="0"/>
           </a:p>
@@ -278,12 +287,18 @@
           <a:p>
             <a:fld id="{73422B72-BD1C-4F41-B10E-CA0BEB17901E}" type="slidenum">
               <a:rPr lang="en-US" smtClean="0"/>
+              <a:t>‹#›</a:t>
             </a:fld>
             <a:endParaRPr lang="en-US" dirty="0"/>
           </a:p>
         </p:txBody>
       </p:sp>
     </p:spTree>
+    <p:extLst>
+      <p:ext uri="{BB962C8B-B14F-4D97-AF65-F5344CB8AC3E}">
+        <p14:creationId xmlns:p14="http://schemas.microsoft.com/office/powerpoint/2010/main" val="1"/>
+      </p:ext>
+    </p:extLst>
   </p:cSld>
   <p:clrMap bg1="lt1" tx1="dk1" bg2="lt2" tx2="dk2" accent1="accent1" accent2="accent2" accent3="accent3" accent4="accent4" accent5="accent5" accent6="accent6" hlink="hlink" folHlink="folHlink"/>
 </p:handoutMaster>
@@ -371,6 +386,7 @@
           <a:p>
             <a:fld id="{EDA03753-A5BE-4D79-AEA9-C0A65A6F8851}" type="datetimeFigureOut">
               <a:rPr lang="en-US" smtClean="0"/>
+              <a:t>6/28/2021</a:t>
             </a:fld>
             <a:endParaRPr lang="en-US" dirty="0"/>
           </a:p>
@@ -437,7 +453,6 @@
               <a:rPr lang="en-US"/>
               <a:t>Edit Master text styles</a:t>
             </a:r>
-            <a:endParaRPr lang="en-US"/>
           </a:p>
           <a:p>
             <a:pPr lvl="1"/>
@@ -445,7 +460,6 @@
               <a:rPr lang="en-US"/>
               <a:t>Second level</a:t>
             </a:r>
-            <a:endParaRPr lang="en-US"/>
           </a:p>
           <a:p>
             <a:pPr lvl="2"/>
@@ -453,7 +467,6 @@
               <a:rPr lang="en-US"/>
               <a:t>Third level</a:t>
             </a:r>
-            <a:endParaRPr lang="en-US"/>
           </a:p>
           <a:p>
             <a:pPr lvl="3"/>
@@ -461,7 +474,6 @@
               <a:rPr lang="en-US"/>
               <a:t>Fourth level</a:t>
             </a:r>
-            <a:endParaRPr lang="en-US"/>
           </a:p>
           <a:p>
             <a:pPr lvl="4"/>
@@ -469,7 +481,6 @@
               <a:rPr lang="en-US"/>
               <a:t>Fifth level</a:t>
             </a:r>
-            <a:endParaRPr lang="en-US"/>
           </a:p>
         </p:txBody>
       </p:sp>
@@ -533,6 +544,7 @@
           <a:p>
             <a:fld id="{AA3BE989-76B8-4F13-9267-01FDA45C437A}" type="slidenum">
               <a:rPr lang="en-US" smtClean="0"/>
+              <a:t>‹#›</a:t>
             </a:fld>
             <a:endParaRPr lang="en-US" dirty="0"/>
           </a:p>
@@ -701,6 +713,7 @@
           <a:p>
             <a:fld id="{AA3BE989-76B8-4F13-9267-01FDA45C437A}" type="slidenum">
               <a:rPr lang="en-US" smtClean="0"/>
+              <a:t>2</a:t>
             </a:fld>
             <a:endParaRPr lang="en-US" dirty="0"/>
           </a:p>
@@ -779,6 +792,7 @@
           <a:p>
             <a:fld id="{AA3BE989-76B8-4F13-9267-01FDA45C437A}" type="slidenum">
               <a:rPr lang="en-US" smtClean="0"/>
+              <a:t>4</a:t>
             </a:fld>
             <a:endParaRPr lang="en-US" dirty="0"/>
           </a:p>
@@ -857,6 +871,7 @@
           <a:p>
             <a:fld id="{AA3BE989-76B8-4F13-9267-01FDA45C437A}" type="slidenum">
               <a:rPr lang="en-US" smtClean="0"/>
+              <a:t>18</a:t>
             </a:fld>
             <a:endParaRPr lang="en-US" dirty="0"/>
           </a:p>
@@ -871,7 +886,7 @@
 </file>
 
 <file path=ppt/slideLayouts/slideLayout1.xml><?xml version="1.0" encoding="utf-8"?>
-<p:sldLayout xmlns:a="http://schemas.openxmlformats.org/drawingml/2006/main" xmlns:r="http://schemas.openxmlformats.org/officeDocument/2006/relationships" xmlns:p="http://schemas.openxmlformats.org/presentationml/2006/main" preserve="1" showMasterSp="0" userDrawn="1">
+<p:sldLayout xmlns:a="http://schemas.openxmlformats.org/drawingml/2006/main" xmlns:r="http://schemas.openxmlformats.org/officeDocument/2006/relationships" xmlns:p="http://schemas.openxmlformats.org/presentationml/2006/main" showMasterSp="0" preserve="1" userDrawn="1">
   <p:cSld name="Cover Slide">
     <p:spTree>
       <p:nvGrpSpPr>
@@ -1392,7 +1407,6 @@
               <a:rPr lang="en-US" dirty="0"/>
               <a:t>Master title style</a:t>
             </a:r>
-            <a:endParaRPr lang="en-US" dirty="0"/>
           </a:p>
         </p:txBody>
       </p:sp>
@@ -1475,7 +1489,7 @@
 </file>
 
 <file path=ppt/slideLayouts/slideLayout10.xml><?xml version="1.0" encoding="utf-8"?>
-<p:sldLayout xmlns:a="http://schemas.openxmlformats.org/drawingml/2006/main" xmlns:r="http://schemas.openxmlformats.org/officeDocument/2006/relationships" xmlns:p="http://schemas.openxmlformats.org/presentationml/2006/main" preserve="1" showMasterSp="0" userDrawn="1">
+<p:sldLayout xmlns:a="http://schemas.openxmlformats.org/drawingml/2006/main" xmlns:r="http://schemas.openxmlformats.org/officeDocument/2006/relationships" xmlns:p="http://schemas.openxmlformats.org/presentationml/2006/main" showMasterSp="0" preserve="1" userDrawn="1">
   <p:cSld name="Title Slide">
     <p:spTree>
       <p:nvGrpSpPr>
@@ -1703,7 +1717,6 @@
               <a:rPr lang="en-US" dirty="0"/>
               <a:t>Master title style</a:t>
             </a:r>
-            <a:endParaRPr lang="en-US" dirty="0"/>
           </a:p>
         </p:txBody>
       </p:sp>
@@ -1863,7 +1876,6 @@
               <a:rPr lang="en-US"/>
               <a:t>Click to edit Master text styles</a:t>
             </a:r>
-            <a:endParaRPr lang="en-US"/>
           </a:p>
           <a:p>
             <a:pPr lvl="1"/>
@@ -1871,7 +1883,6 @@
               <a:rPr lang="en-US"/>
               <a:t>Second level</a:t>
             </a:r>
-            <a:endParaRPr lang="en-US"/>
           </a:p>
           <a:p>
             <a:pPr lvl="2"/>
@@ -1879,7 +1890,6 @@
               <a:rPr lang="en-US"/>
               <a:t>Third level</a:t>
             </a:r>
-            <a:endParaRPr lang="en-US"/>
           </a:p>
           <a:p>
             <a:pPr lvl="3"/>
@@ -1887,7 +1897,6 @@
               <a:rPr lang="en-US"/>
               <a:t>Fourth level</a:t>
             </a:r>
-            <a:endParaRPr lang="en-US"/>
           </a:p>
           <a:p>
             <a:pPr lvl="4"/>
@@ -1934,7 +1943,6 @@
               <a:rPr lang="en-US" dirty="0"/>
               <a:t>CLICK TO EDIT MASTER TITLE STYLE</a:t>
             </a:r>
-            <a:endParaRPr lang="en-US" dirty="0"/>
           </a:p>
         </p:txBody>
       </p:sp>
@@ -1957,7 +1965,6 @@
               <a:rPr lang="en-US" dirty="0"/>
               <a:t>Add a Footer</a:t>
             </a:r>
-            <a:endParaRPr lang="en-US" dirty="0"/>
           </a:p>
         </p:txBody>
       </p:sp>
@@ -1978,6 +1985,7 @@
           <a:p>
             <a:fld id="{8C2E478F-E849-4A8C-AF1F-CBCC78A7CBFA}" type="slidenum">
               <a:rPr lang="en-US" smtClean="0"/>
+              <a:t>‹#›</a:t>
             </a:fld>
             <a:endParaRPr lang="en-US" dirty="0"/>
           </a:p>
@@ -2220,7 +2228,6 @@
               <a:rPr lang="en-US" dirty="0"/>
               <a:t>Add a Footer</a:t>
             </a:r>
-            <a:endParaRPr lang="en-US" dirty="0"/>
           </a:p>
         </p:txBody>
       </p:sp>
@@ -2241,6 +2248,7 @@
           <a:p>
             <a:fld id="{8C2E478F-E849-4A8C-AF1F-CBCC78A7CBFA}" type="slidenum">
               <a:rPr lang="en-US" smtClean="0"/>
+              <a:t>‹#›</a:t>
             </a:fld>
             <a:endParaRPr lang="en-US" dirty="0"/>
           </a:p>
@@ -2280,7 +2288,6 @@
               <a:rPr lang="en-US" dirty="0"/>
               <a:t>EDIT MASTER TEXT STYLES</a:t>
             </a:r>
-            <a:endParaRPr lang="en-US" dirty="0"/>
           </a:p>
         </p:txBody>
       </p:sp>
@@ -2385,7 +2392,6 @@
               <a:rPr lang="en-US"/>
               <a:t>Click to edit Master title style</a:t>
             </a:r>
-            <a:endParaRPr lang="en-US"/>
           </a:p>
         </p:txBody>
       </p:sp>
@@ -2471,7 +2477,6 @@
               <a:rPr lang="en-US" dirty="0"/>
               <a:t>Add a Footer</a:t>
             </a:r>
-            <a:endParaRPr lang="en-US" dirty="0"/>
           </a:p>
         </p:txBody>
       </p:sp>
@@ -2538,6 +2543,7 @@
           <a:p>
             <a:fld id="{8C2E478F-E849-4A8C-AF1F-CBCC78A7CBFA}" type="slidenum">
               <a:rPr lang="en-US" smtClean="0"/>
+              <a:t>‹#›</a:t>
             </a:fld>
             <a:endParaRPr lang="en-US" dirty="0"/>
           </a:p>
@@ -2590,7 +2596,6 @@
               <a:rPr lang="en-US"/>
               <a:t>Click to edit Master text styles</a:t>
             </a:r>
-            <a:endParaRPr lang="en-US"/>
           </a:p>
           <a:p>
             <a:pPr lvl="1">
@@ -2602,7 +2607,6 @@
               <a:rPr lang="en-US"/>
               <a:t>Second level</a:t>
             </a:r>
-            <a:endParaRPr lang="en-US"/>
           </a:p>
           <a:p>
             <a:pPr lvl="2">
@@ -2614,7 +2618,6 @@
               <a:rPr lang="en-US"/>
               <a:t>Third level</a:t>
             </a:r>
-            <a:endParaRPr lang="en-US"/>
           </a:p>
           <a:p>
             <a:pPr lvl="3">
@@ -2626,7 +2629,6 @@
               <a:rPr lang="en-US"/>
               <a:t>Fourth level</a:t>
             </a:r>
-            <a:endParaRPr lang="en-US"/>
           </a:p>
           <a:p>
             <a:pPr lvl="4">
@@ -2689,7 +2691,6 @@
               <a:rPr lang="en-US"/>
               <a:t>Click to edit Master text styles</a:t>
             </a:r>
-            <a:endParaRPr lang="en-US"/>
           </a:p>
           <a:p>
             <a:pPr lvl="1">
@@ -2701,7 +2702,6 @@
               <a:rPr lang="en-US"/>
               <a:t>Second level</a:t>
             </a:r>
-            <a:endParaRPr lang="en-US"/>
           </a:p>
           <a:p>
             <a:pPr lvl="2">
@@ -2713,7 +2713,6 @@
               <a:rPr lang="en-US"/>
               <a:t>Third level</a:t>
             </a:r>
-            <a:endParaRPr lang="en-US"/>
           </a:p>
           <a:p>
             <a:pPr lvl="3">
@@ -2725,7 +2724,6 @@
               <a:rPr lang="en-US"/>
               <a:t>Fourth level</a:t>
             </a:r>
-            <a:endParaRPr lang="en-US"/>
           </a:p>
           <a:p>
             <a:pPr lvl="4">
@@ -2836,7 +2834,6 @@
               <a:rPr lang="en-US"/>
               <a:t>Click to edit Master text styles</a:t>
             </a:r>
-            <a:endParaRPr lang="en-US"/>
           </a:p>
         </p:txBody>
       </p:sp>
@@ -2918,7 +2915,6 @@
               <a:rPr lang="en-US"/>
               <a:t>Click to edit Master text styles</a:t>
             </a:r>
-            <a:endParaRPr lang="en-US"/>
           </a:p>
           <a:p>
             <a:pPr lvl="1"/>
@@ -2926,7 +2922,6 @@
               <a:rPr lang="en-US"/>
               <a:t>Second level</a:t>
             </a:r>
-            <a:endParaRPr lang="en-US"/>
           </a:p>
           <a:p>
             <a:pPr lvl="2"/>
@@ -2934,7 +2929,6 @@
               <a:rPr lang="en-US"/>
               <a:t>Third level</a:t>
             </a:r>
-            <a:endParaRPr lang="en-US"/>
           </a:p>
           <a:p>
             <a:pPr lvl="3"/>
@@ -2942,7 +2936,6 @@
               <a:rPr lang="en-US"/>
               <a:t>Fourth level</a:t>
             </a:r>
-            <a:endParaRPr lang="en-US"/>
           </a:p>
           <a:p>
             <a:pPr lvl="4"/>
@@ -3030,7 +3023,6 @@
               <a:rPr lang="en-US"/>
               <a:t>Click to edit Master title style</a:t>
             </a:r>
-            <a:endParaRPr lang="en-US"/>
           </a:p>
         </p:txBody>
       </p:sp>
@@ -3116,7 +3108,6 @@
               <a:rPr lang="en-US" dirty="0"/>
               <a:t>Add a Footer</a:t>
             </a:r>
-            <a:endParaRPr lang="en-US" dirty="0"/>
           </a:p>
         </p:txBody>
       </p:sp>
@@ -3183,6 +3174,7 @@
           <a:p>
             <a:fld id="{8C2E478F-E849-4A8C-AF1F-CBCC78A7CBFA}" type="slidenum">
               <a:rPr lang="en-US" smtClean="0"/>
+              <a:t>‹#›</a:t>
             </a:fld>
             <a:endParaRPr lang="en-US" dirty="0"/>
           </a:p>
@@ -3225,7 +3217,6 @@
               <a:rPr lang="en-US"/>
               <a:t>Click to edit Master text styles</a:t>
             </a:r>
-            <a:endParaRPr lang="en-US"/>
           </a:p>
         </p:txBody>
       </p:sp>
@@ -3288,7 +3279,6 @@
               <a:rPr lang="en-US"/>
               <a:t>Click to edit Master text styles</a:t>
             </a:r>
-            <a:endParaRPr lang="en-US"/>
           </a:p>
           <a:p>
             <a:pPr marL="228600" lvl="1" indent="-228600" algn="l" defTabSz="914400" rtl="0" eaLnBrk="1" latinLnBrk="0" hangingPunct="1">
@@ -3305,7 +3295,6 @@
               <a:rPr lang="en-US"/>
               <a:t>Second level</a:t>
             </a:r>
-            <a:endParaRPr lang="en-US"/>
           </a:p>
           <a:p>
             <a:pPr marL="228600" lvl="2" indent="-228600" algn="l" defTabSz="914400" rtl="0" eaLnBrk="1" latinLnBrk="0" hangingPunct="1">
@@ -3322,7 +3311,6 @@
               <a:rPr lang="en-US"/>
               <a:t>Third level</a:t>
             </a:r>
-            <a:endParaRPr lang="en-US"/>
           </a:p>
           <a:p>
             <a:pPr marL="228600" lvl="3" indent="-228600" algn="l" defTabSz="914400" rtl="0" eaLnBrk="1" latinLnBrk="0" hangingPunct="1">
@@ -3339,7 +3327,6 @@
               <a:rPr lang="en-US"/>
               <a:t>Fourth level</a:t>
             </a:r>
-            <a:endParaRPr lang="en-US"/>
           </a:p>
           <a:p>
             <a:pPr marL="228600" lvl="4" indent="-228600" algn="l" defTabSz="914400" rtl="0" eaLnBrk="1" latinLnBrk="0" hangingPunct="1">
@@ -3404,7 +3391,6 @@
               <a:rPr lang="en-US" dirty="0"/>
               <a:t>Add a Footer</a:t>
             </a:r>
-            <a:endParaRPr lang="en-US" dirty="0"/>
           </a:p>
         </p:txBody>
       </p:sp>
@@ -3425,6 +3411,7 @@
           <a:p>
             <a:fld id="{8C2E478F-E849-4A8C-AF1F-CBCC78A7CBFA}" type="slidenum">
               <a:rPr lang="en-US" smtClean="0"/>
+              <a:t>‹#›</a:t>
             </a:fld>
             <a:endParaRPr lang="en-US" dirty="0"/>
           </a:p>
@@ -3485,7 +3472,6 @@
               <a:rPr lang="en-US"/>
               <a:t>Click to edit Master text styles</a:t>
             </a:r>
-            <a:endParaRPr lang="en-US"/>
           </a:p>
           <a:p>
             <a:pPr lvl="1"/>
@@ -3493,7 +3479,6 @@
               <a:rPr lang="en-US"/>
               <a:t>Second level</a:t>
             </a:r>
-            <a:endParaRPr lang="en-US"/>
           </a:p>
           <a:p>
             <a:pPr lvl="2"/>
@@ -3501,7 +3486,6 @@
               <a:rPr lang="en-US"/>
               <a:t>Third level</a:t>
             </a:r>
-            <a:endParaRPr lang="en-US"/>
           </a:p>
           <a:p>
             <a:pPr lvl="3"/>
@@ -3509,7 +3493,6 @@
               <a:rPr lang="en-US"/>
               <a:t>Fourth level</a:t>
             </a:r>
-            <a:endParaRPr lang="en-US"/>
           </a:p>
           <a:p>
             <a:pPr lvl="4"/>
@@ -3869,7 +3852,6 @@
               <a:rPr lang="en-US"/>
               <a:t>Click to edit Master text styles</a:t>
             </a:r>
-            <a:endParaRPr lang="en-US"/>
           </a:p>
         </p:txBody>
       </p:sp>
@@ -3954,7 +3936,6 @@
               <a:rPr lang="en-US" noProof="0"/>
               <a:t>Add a Footer</a:t>
             </a:r>
-            <a:endParaRPr lang="en-US" noProof="0"/>
           </a:p>
         </p:txBody>
       </p:sp>
@@ -3975,6 +3956,7 @@
           <a:p>
             <a:fld id="{8C2E478F-E849-4A8C-AF1F-CBCC78A7CBFA}" type="slidenum">
               <a:rPr lang="en-US" noProof="0" smtClean="0"/>
+              <a:t>‹#›</a:t>
             </a:fld>
             <a:endParaRPr lang="en-US" noProof="0"/>
           </a:p>
@@ -3999,7 +3981,6 @@
               <a:rPr lang="en-US" noProof="0"/>
               <a:t>Click to edit Master title style</a:t>
             </a:r>
-            <a:endParaRPr lang="en-US" noProof="0"/>
           </a:p>
         </p:txBody>
       </p:sp>
@@ -4047,7 +4028,6 @@
               <a:rPr lang="en-US" noProof="0"/>
               <a:t>Add a Footer</a:t>
             </a:r>
-            <a:endParaRPr lang="en-US" noProof="0"/>
           </a:p>
         </p:txBody>
       </p:sp>
@@ -4068,6 +4048,7 @@
           <a:p>
             <a:fld id="{8C2E478F-E849-4A8C-AF1F-CBCC78A7CBFA}" type="slidenum">
               <a:rPr lang="en-US" noProof="0" smtClean="0"/>
+              <a:t>‹#›</a:t>
             </a:fld>
             <a:endParaRPr lang="en-US" noProof="0"/>
           </a:p>
@@ -4092,7 +4073,6 @@
               <a:rPr lang="en-US" noProof="0"/>
               <a:t>Click to edit Master title style</a:t>
             </a:r>
-            <a:endParaRPr lang="en-US" noProof="0"/>
           </a:p>
         </p:txBody>
       </p:sp>
@@ -4140,7 +4120,6 @@
               <a:rPr lang="en-US" dirty="0"/>
               <a:t>Add a Footer</a:t>
             </a:r>
-            <a:endParaRPr lang="en-US" dirty="0"/>
           </a:p>
         </p:txBody>
       </p:sp>
@@ -4161,6 +4140,7 @@
           <a:p>
             <a:fld id="{8C2E478F-E849-4A8C-AF1F-CBCC78A7CBFA}" type="slidenum">
               <a:rPr lang="en-US" smtClean="0"/>
+              <a:t>‹#›</a:t>
             </a:fld>
             <a:endParaRPr lang="en-US" dirty="0"/>
           </a:p>
@@ -4288,7 +4268,6 @@
               <a:rPr lang="en-US"/>
               <a:t>Click to edit Master text styles</a:t>
             </a:r>
-            <a:endParaRPr lang="en-US"/>
           </a:p>
           <a:p>
             <a:pPr lvl="1"/>
@@ -4296,7 +4275,6 @@
               <a:rPr lang="en-US"/>
               <a:t>Second level</a:t>
             </a:r>
-            <a:endParaRPr lang="en-US"/>
           </a:p>
           <a:p>
             <a:pPr lvl="2"/>
@@ -4304,7 +4282,6 @@
               <a:rPr lang="en-US"/>
               <a:t>Third level</a:t>
             </a:r>
-            <a:endParaRPr lang="en-US"/>
           </a:p>
           <a:p>
             <a:pPr lvl="3"/>
@@ -4312,7 +4289,6 @@
               <a:rPr lang="en-US"/>
               <a:t>Fourth level</a:t>
             </a:r>
-            <a:endParaRPr lang="en-US"/>
           </a:p>
           <a:p>
             <a:pPr lvl="4"/>
@@ -4373,7 +4349,6 @@
               <a:rPr lang="en-US" dirty="0"/>
               <a:t>Add a Footer</a:t>
             </a:r>
-            <a:endParaRPr lang="en-US" dirty="0"/>
           </a:p>
         </p:txBody>
       </p:sp>
@@ -4394,6 +4369,7 @@
           <a:p>
             <a:fld id="{8C2E478F-E849-4A8C-AF1F-CBCC78A7CBFA}" type="slidenum">
               <a:rPr lang="en-US" smtClean="0"/>
+              <a:t>‹#›</a:t>
             </a:fld>
             <a:endParaRPr lang="en-US" dirty="0"/>
           </a:p>
@@ -5847,7 +5823,6 @@
               <a:rPr lang="en-US" dirty="0"/>
               <a:t>EDIT MASTER STYLES</a:t>
             </a:r>
-            <a:endParaRPr lang="en-US" dirty="0"/>
           </a:p>
         </p:txBody>
       </p:sp>
@@ -5870,7 +5845,6 @@
               <a:rPr lang="en-US" dirty="0"/>
               <a:t>Add a Footer</a:t>
             </a:r>
-            <a:endParaRPr lang="en-US" dirty="0"/>
           </a:p>
         </p:txBody>
       </p:sp>
@@ -5891,6 +5865,7 @@
           <a:p>
             <a:fld id="{8C2E478F-E849-4A8C-AF1F-CBCC78A7CBFA}" type="slidenum">
               <a:rPr lang="en-US" smtClean="0"/>
+              <a:t>‹#›</a:t>
             </a:fld>
             <a:endParaRPr lang="en-US" dirty="0"/>
           </a:p>
@@ -6272,7 +6247,6 @@
               <a:rPr lang="en-US" dirty="0"/>
               <a:t>EDIT MASTER STYLES</a:t>
             </a:r>
-            <a:endParaRPr lang="en-US" dirty="0"/>
           </a:p>
         </p:txBody>
       </p:sp>
@@ -6295,7 +6269,6 @@
               <a:rPr lang="en-US" dirty="0"/>
               <a:t>Add a Footer</a:t>
             </a:r>
-            <a:endParaRPr lang="en-US" dirty="0"/>
           </a:p>
         </p:txBody>
       </p:sp>
@@ -6316,6 +6289,7 @@
           <a:p>
             <a:fld id="{8C2E478F-E849-4A8C-AF1F-CBCC78A7CBFA}" type="slidenum">
               <a:rPr lang="en-US" smtClean="0"/>
+              <a:t>‹#›</a:t>
             </a:fld>
             <a:endParaRPr lang="en-US" dirty="0"/>
           </a:p>
@@ -6479,7 +6453,6 @@
               <a:rPr lang="en-US"/>
               <a:t>Click to edit Master text styles</a:t>
             </a:r>
-            <a:endParaRPr lang="en-US"/>
           </a:p>
         </p:txBody>
       </p:sp>
@@ -6561,7 +6534,6 @@
               <a:rPr lang="en-US"/>
               <a:t>Click to edit Master text styles</a:t>
             </a:r>
-            <a:endParaRPr lang="en-US"/>
           </a:p>
           <a:p>
             <a:pPr lvl="1"/>
@@ -6569,7 +6541,6 @@
               <a:rPr lang="en-US"/>
               <a:t>Second level</a:t>
             </a:r>
-            <a:endParaRPr lang="en-US"/>
           </a:p>
           <a:p>
             <a:pPr lvl="2"/>
@@ -6577,7 +6548,6 @@
               <a:rPr lang="en-US"/>
               <a:t>Third level</a:t>
             </a:r>
-            <a:endParaRPr lang="en-US"/>
           </a:p>
           <a:p>
             <a:pPr lvl="3"/>
@@ -6585,7 +6555,6 @@
               <a:rPr lang="en-US"/>
               <a:t>Fourth level</a:t>
             </a:r>
-            <a:endParaRPr lang="en-US"/>
           </a:p>
           <a:p>
             <a:pPr lvl="4"/>
@@ -6667,7 +6636,6 @@
               <a:rPr lang="en-US"/>
               <a:t>Click to edit Master text styles</a:t>
             </a:r>
-            <a:endParaRPr lang="en-US"/>
           </a:p>
         </p:txBody>
       </p:sp>
@@ -6749,7 +6717,6 @@
               <a:rPr lang="en-US"/>
               <a:t>Click to edit Master text styles</a:t>
             </a:r>
-            <a:endParaRPr lang="en-US"/>
           </a:p>
           <a:p>
             <a:pPr lvl="1"/>
@@ -6757,7 +6724,6 @@
               <a:rPr lang="en-US"/>
               <a:t>Second level</a:t>
             </a:r>
-            <a:endParaRPr lang="en-US"/>
           </a:p>
           <a:p>
             <a:pPr lvl="2"/>
@@ -6765,7 +6731,6 @@
               <a:rPr lang="en-US"/>
               <a:t>Third level</a:t>
             </a:r>
-            <a:endParaRPr lang="en-US"/>
           </a:p>
           <a:p>
             <a:pPr lvl="3"/>
@@ -6773,7 +6738,6 @@
               <a:rPr lang="en-US"/>
               <a:t>Fourth level</a:t>
             </a:r>
-            <a:endParaRPr lang="en-US"/>
           </a:p>
           <a:p>
             <a:pPr lvl="4"/>
@@ -6892,7 +6856,6 @@
               <a:rPr lang="en-US"/>
               <a:t>Click to edit Master title style</a:t>
             </a:r>
-            <a:endParaRPr lang="en-US"/>
           </a:p>
         </p:txBody>
       </p:sp>
@@ -6915,7 +6878,6 @@
               <a:rPr lang="en-US" dirty="0"/>
               <a:t>Add a Footer</a:t>
             </a:r>
-            <a:endParaRPr lang="en-US" dirty="0"/>
           </a:p>
         </p:txBody>
       </p:sp>
@@ -6936,6 +6898,7 @@
           <a:p>
             <a:fld id="{8C2E478F-E849-4A8C-AF1F-CBCC78A7CBFA}" type="slidenum">
               <a:rPr lang="en-US" smtClean="0"/>
+              <a:t>‹#›</a:t>
             </a:fld>
             <a:endParaRPr lang="en-US" dirty="0"/>
           </a:p>
@@ -7256,7 +7219,6 @@
               <a:rPr lang="en-US" dirty="0"/>
               <a:t>Add a Footer</a:t>
             </a:r>
-            <a:endParaRPr lang="en-US" dirty="0"/>
           </a:p>
         </p:txBody>
       </p:sp>
@@ -7329,7 +7291,6 @@
               <a:rPr lang="en-US"/>
               <a:t>Click to edit Master text styles</a:t>
             </a:r>
-            <a:endParaRPr lang="en-US"/>
           </a:p>
         </p:txBody>
       </p:sp>
@@ -7387,6 +7348,7 @@
           <a:p>
             <a:fld id="{8C2E478F-E849-4A8C-AF1F-CBCC78A7CBFA}" type="slidenum">
               <a:rPr lang="en-US" smtClean="0"/>
+              <a:t>‹#›</a:t>
             </a:fld>
             <a:endParaRPr lang="en-US" dirty="0"/>
           </a:p>
@@ -7655,7 +7617,6 @@
               <a:rPr lang="en-US" dirty="0"/>
               <a:t>CLICK TO EDIT MASTER</a:t>
             </a:r>
-            <a:endParaRPr lang="en-US" dirty="0"/>
           </a:p>
         </p:txBody>
       </p:sp>
@@ -7737,7 +7698,6 @@
               <a:rPr lang="en-US"/>
               <a:t>Click to edit Master text styles</a:t>
             </a:r>
-            <a:endParaRPr lang="en-US"/>
           </a:p>
           <a:p>
             <a:pPr lvl="1"/>
@@ -7745,7 +7705,6 @@
               <a:rPr lang="en-US"/>
               <a:t>Second level</a:t>
             </a:r>
-            <a:endParaRPr lang="en-US"/>
           </a:p>
           <a:p>
             <a:pPr lvl="2"/>
@@ -7753,7 +7712,6 @@
               <a:rPr lang="en-US"/>
               <a:t>Third level</a:t>
             </a:r>
-            <a:endParaRPr lang="en-US"/>
           </a:p>
           <a:p>
             <a:pPr lvl="3"/>
@@ -7761,7 +7719,6 @@
               <a:rPr lang="en-US"/>
               <a:t>Fourth level</a:t>
             </a:r>
-            <a:endParaRPr lang="en-US"/>
           </a:p>
           <a:p>
             <a:pPr lvl="4"/>
@@ -7890,7 +7847,6 @@
               <a:rPr lang="en-US" dirty="0"/>
               <a:t>EDIT MASTER TEXT STYLES</a:t>
             </a:r>
-            <a:endParaRPr lang="en-US" dirty="0"/>
           </a:p>
         </p:txBody>
       </p:sp>
@@ -7913,7 +7869,6 @@
               <a:rPr lang="en-US" dirty="0"/>
               <a:t>Add a Footer</a:t>
             </a:r>
-            <a:endParaRPr lang="en-US" dirty="0"/>
           </a:p>
         </p:txBody>
       </p:sp>
@@ -7934,6 +7889,7 @@
           <a:p>
             <a:fld id="{8C2E478F-E849-4A8C-AF1F-CBCC78A7CBFA}" type="slidenum">
               <a:rPr lang="en-US" smtClean="0"/>
+              <a:t>‹#›</a:t>
             </a:fld>
             <a:endParaRPr lang="en-US" dirty="0"/>
           </a:p>
@@ -7989,7 +7945,6 @@
               <a:rPr lang="en-US"/>
               <a:t>Click to edit Master text styles</a:t>
             </a:r>
-            <a:endParaRPr lang="en-US"/>
           </a:p>
           <a:p>
             <a:pPr lvl="1"/>
@@ -7997,7 +7952,6 @@
               <a:rPr lang="en-US"/>
               <a:t>Second level</a:t>
             </a:r>
-            <a:endParaRPr lang="en-US"/>
           </a:p>
           <a:p>
             <a:pPr lvl="2"/>
@@ -8005,7 +7959,6 @@
               <a:rPr lang="en-US"/>
               <a:t>Third level</a:t>
             </a:r>
-            <a:endParaRPr lang="en-US"/>
           </a:p>
           <a:p>
             <a:pPr lvl="3"/>
@@ -8013,7 +7966,6 @@
               <a:rPr lang="en-US"/>
               <a:t>Fourth level</a:t>
             </a:r>
-            <a:endParaRPr lang="en-US"/>
           </a:p>
           <a:p>
             <a:pPr lvl="4"/>
@@ -8230,7 +8182,6 @@
               <a:rPr lang="en-US" dirty="0"/>
               <a:t>CLICK TO EDIT MASTER</a:t>
             </a:r>
-            <a:endParaRPr lang="en-US" dirty="0"/>
           </a:p>
         </p:txBody>
       </p:sp>
@@ -8312,7 +8263,6 @@
               <a:rPr lang="en-US"/>
               <a:t>Click to edit Master text styles</a:t>
             </a:r>
-            <a:endParaRPr lang="en-US"/>
           </a:p>
           <a:p>
             <a:pPr lvl="1"/>
@@ -8320,7 +8270,6 @@
               <a:rPr lang="en-US"/>
               <a:t>Second level</a:t>
             </a:r>
-            <a:endParaRPr lang="en-US"/>
           </a:p>
           <a:p>
             <a:pPr lvl="2"/>
@@ -8328,7 +8277,6 @@
               <a:rPr lang="en-US"/>
               <a:t>Third level</a:t>
             </a:r>
-            <a:endParaRPr lang="en-US"/>
           </a:p>
           <a:p>
             <a:pPr lvl="3"/>
@@ -8336,7 +8284,6 @@
               <a:rPr lang="en-US"/>
               <a:t>Fourth level</a:t>
             </a:r>
-            <a:endParaRPr lang="en-US"/>
           </a:p>
           <a:p>
             <a:pPr lvl="4"/>
@@ -8465,7 +8412,6 @@
               <a:rPr lang="en-US" dirty="0"/>
               <a:t>EDIT MASTER STYLES</a:t>
             </a:r>
-            <a:endParaRPr lang="en-US" dirty="0"/>
           </a:p>
         </p:txBody>
       </p:sp>
@@ -8488,7 +8434,6 @@
               <a:rPr lang="en-US" dirty="0"/>
               <a:t>Add a Footer</a:t>
             </a:r>
-            <a:endParaRPr lang="en-US" dirty="0"/>
           </a:p>
         </p:txBody>
       </p:sp>
@@ -8509,6 +8454,7 @@
           <a:p>
             <a:fld id="{8C2E478F-E849-4A8C-AF1F-CBCC78A7CBFA}" type="slidenum">
               <a:rPr lang="en-US" smtClean="0"/>
+              <a:t>‹#›</a:t>
             </a:fld>
             <a:endParaRPr lang="en-US" dirty="0"/>
           </a:p>
@@ -8591,7 +8537,6 @@
               <a:rPr lang="en-US" dirty="0"/>
               <a:t>Add a Footer</a:t>
             </a:r>
-            <a:endParaRPr lang="en-US" dirty="0"/>
           </a:p>
         </p:txBody>
       </p:sp>
@@ -8612,6 +8557,7 @@
           <a:p>
             <a:fld id="{8C2E478F-E849-4A8C-AF1F-CBCC78A7CBFA}" type="slidenum">
               <a:rPr lang="en-US" smtClean="0"/>
+              <a:t>‹#›</a:t>
             </a:fld>
             <a:endParaRPr lang="en-US" dirty="0"/>
           </a:p>
@@ -8636,7 +8582,6 @@
               <a:rPr lang="en-US"/>
               <a:t>Click to edit Master title style</a:t>
             </a:r>
-            <a:endParaRPr lang="en-US"/>
           </a:p>
         </p:txBody>
       </p:sp>
@@ -8736,7 +8681,6 @@
               <a:rPr lang="en-US"/>
               <a:t>Click to edit Master text styles</a:t>
             </a:r>
-            <a:endParaRPr lang="en-US"/>
           </a:p>
           <a:p>
             <a:pPr lvl="1"/>
@@ -8744,7 +8688,6 @@
               <a:rPr lang="en-US"/>
               <a:t>Second level</a:t>
             </a:r>
-            <a:endParaRPr lang="en-US"/>
           </a:p>
           <a:p>
             <a:pPr lvl="2"/>
@@ -8752,7 +8695,6 @@
               <a:rPr lang="en-US"/>
               <a:t>Third level</a:t>
             </a:r>
-            <a:endParaRPr lang="en-US"/>
           </a:p>
           <a:p>
             <a:pPr lvl="3"/>
@@ -8760,7 +8702,6 @@
               <a:rPr lang="en-US"/>
               <a:t>Fourth level</a:t>
             </a:r>
-            <a:endParaRPr lang="en-US"/>
           </a:p>
           <a:p>
             <a:pPr lvl="4"/>
@@ -8807,7 +8748,6 @@
               <a:rPr lang="en-US" dirty="0"/>
               <a:t>Add a Footer</a:t>
             </a:r>
-            <a:endParaRPr lang="en-US" dirty="0"/>
           </a:p>
         </p:txBody>
       </p:sp>
@@ -8911,6 +8851,7 @@
           <a:p>
             <a:fld id="{8C2E478F-E849-4A8C-AF1F-CBCC78A7CBFA}" type="slidenum">
               <a:rPr lang="en-US" smtClean="0"/>
+              <a:t>‹#›</a:t>
             </a:fld>
             <a:endParaRPr lang="en-US" dirty="0"/>
           </a:p>
@@ -9251,11 +9192,11 @@
           </p:nvPr>
         </p:nvPicPr>
         <p:blipFill>
-          <a:blip r:embed="rId1">
+          <a:blip r:embed="rId2">
             <a:extLst>
               <a:ext uri="{BEBA8EAE-BF5A-486C-A8C5-ECC9F3942E4B}">
                 <a14:imgProps xmlns:a14="http://schemas.microsoft.com/office/drawing/2010/main">
-                  <a14:imgLayer r:embed="rId2">
+                  <a14:imgLayer r:embed="rId3">
                     <a14:imgEffect>
                       <a14:brightnessContrast bright="-25000"/>
                     </a14:imgEffect>
@@ -9410,10 +9351,10 @@
             <p:nvPr/>
           </p:nvPicPr>
           <p:blipFill>
-            <a:blip r:embed="rId3">
+            <a:blip r:embed="rId4">
               <a:extLst>
                 <a:ext uri="{96DAC541-7B7A-43D3-8B79-37D633B846F1}">
-                  <asvg:svgBlip xmlns:asvg="http://schemas.microsoft.com/office/drawing/2016/SVG/main" r:embed="rId4"/>
+                  <asvg:svgBlip xmlns:asvg="http://schemas.microsoft.com/office/drawing/2016/SVG/main" r:embed="rId5"/>
                 </a:ext>
               </a:extLst>
             </a:blip>
@@ -9451,7 +9392,6 @@
               <a:rPr lang="en-US" dirty="0"/>
               <a:t>Melbourne AirBnB</a:t>
             </a:r>
-            <a:endParaRPr lang="en-US" dirty="0"/>
           </a:p>
         </p:txBody>
       </p:sp>
@@ -9474,7 +9414,6 @@
               <a:rPr lang="en-US" dirty="0"/>
               <a:t>2019 vs 2020</a:t>
             </a:r>
-            <a:endParaRPr lang="en-US" dirty="0"/>
           </a:p>
         </p:txBody>
       </p:sp>
@@ -9497,7 +9436,6 @@
               <a:rPr lang="en-US" dirty="0"/>
               <a:t>Add a Footer</a:t>
             </a:r>
-            <a:endParaRPr lang="en-US" dirty="0"/>
           </a:p>
         </p:txBody>
       </p:sp>
@@ -9585,6 +9523,7 @@
           <a:p>
             <a:fld id="{8C2E478F-E849-4A8C-AF1F-CBCC78A7CBFA}" type="slidenum">
               <a:rPr lang="en-US" smtClean="0"/>
+              <a:t>1</a:t>
             </a:fld>
             <a:endParaRPr lang="en-US" dirty="0"/>
           </a:p>
@@ -9626,15 +9565,15 @@
           </p:nvPr>
         </p:nvPicPr>
         <p:blipFill>
-          <a:blip r:embed="rId1"/>
+          <a:blip r:embed="rId2"/>
           <a:stretch>
             <a:fillRect/>
           </a:stretch>
         </p:blipFill>
         <p:spPr>
           <a:xfrm>
-            <a:off x="5960296" y="381265"/>
-            <a:ext cx="6020209" cy="5908242"/>
+            <a:off x="5984628" y="381265"/>
+            <a:ext cx="5995877" cy="5884363"/>
           </a:xfrm>
         </p:spPr>
       </p:pic>
@@ -9692,7 +9631,7 @@
         </p:spPr>
         <p:txBody>
           <a:bodyPr>
-            <a:normAutofit fontScale="92500" lnSpcReduction="20000"/>
+            <a:normAutofit/>
           </a:bodyPr>
           <a:lstStyle/>
           <a:p>
@@ -9708,79 +9647,63 @@
               <a:rPr lang="en-US" dirty="0"/>
               <a:t>.</a:t>
             </a:r>
-            <a:endParaRPr lang="en-US" dirty="0"/>
           </a:p>
           <a:p>
             <a:r>
               <a:rPr lang="en-US" dirty="0"/>
-              <a:t>Top 3 Cities  with Entire Homes/Apartments and Private </a:t>
+              <a:t>Top 3 Cities  with Entire Homes/Apartments and Private Rooms for years 2019 and 2020</a:t>
             </a:r>
             <a:br>
               <a:rPr lang="en-US" dirty="0"/>
             </a:br>
             <a:r>
+              <a:rPr lang="en-US" b="1" dirty="0"/>
+              <a:t>Melbourne, Port Philip, </a:t>
+            </a:r>
+            <a:r>
+              <a:rPr lang="en-US" b="1" dirty="0" err="1"/>
+              <a:t>Yarra</a:t>
+            </a:r>
+            <a:endParaRPr lang="en-US" b="1" dirty="0"/>
+          </a:p>
+          <a:p>
+            <a:r>
               <a:rPr lang="en-US" dirty="0"/>
-              <a:t>Rooms for years 2019 and 2020</a:t>
+              <a:t>Shared Rooms:</a:t>
             </a:r>
             <a:br>
               <a:rPr lang="en-US" dirty="0"/>
             </a:br>
             <a:r>
               <a:rPr lang="en-US" b="1" dirty="0"/>
-              <a:t>Melbourne, Port Philip, </a:t>
-            </a:r>
-            <a:r>
-              <a:rPr lang="en-US" b="1" dirty="0" err="1"/>
-              <a:t>Yarra</a:t>
-            </a:r>
-            <a:endParaRPr lang="en-US" b="1" dirty="0"/>
-          </a:p>
-          <a:p>
+              <a:t>Port Philip </a:t>
+            </a:r>
             <a:r>
               <a:rPr lang="en-US" dirty="0"/>
-              <a:t>Shared Rooms:</a:t>
+              <a:t>and </a:t>
+            </a:r>
+            <a:r>
+              <a:rPr lang="en-US" b="1" dirty="0"/>
+              <a:t>Whitehorse</a:t>
+            </a:r>
+            <a:r>
+              <a:rPr lang="en-US" dirty="0"/>
+              <a:t> listings slightly increased in year 2020</a:t>
+            </a:r>
+          </a:p>
+          <a:p>
+            <a:r>
+              <a:rPr lang="en-US" b="1" dirty="0"/>
+              <a:t>Hotel Rooms </a:t>
+            </a:r>
+            <a:r>
+              <a:rPr lang="en-US" dirty="0"/>
+              <a:t>has most listings in Melbourne, </a:t>
             </a:r>
             <a:br>
               <a:rPr lang="en-US" dirty="0"/>
             </a:br>
             <a:r>
-              <a:rPr lang="en-US" b="1" dirty="0"/>
-              <a:t>Port Philip </a:t>
-            </a:r>
-            <a:r>
-              <a:rPr lang="en-US" dirty="0"/>
-              <a:t>and </a:t>
-            </a:r>
-            <a:r>
-              <a:rPr lang="en-US" b="1" dirty="0"/>
-              <a:t>Whitehorse</a:t>
-            </a:r>
-            <a:r>
-              <a:rPr lang="en-US" dirty="0"/>
-              <a:t> listings slightly increased </a:t>
-            </a:r>
-            <a:br>
-              <a:rPr lang="en-US" dirty="0"/>
-            </a:br>
-            <a:r>
-              <a:rPr lang="en-US" dirty="0"/>
-              <a:t>in year 2020</a:t>
-            </a:r>
-            <a:endParaRPr lang="en-US" dirty="0"/>
-          </a:p>
-          <a:p>
-            <a:r>
-              <a:rPr lang="en-US" b="1" dirty="0"/>
-              <a:t>Hotel Rooms </a:t>
-            </a:r>
-            <a:r>
-              <a:rPr lang="en-US" dirty="0"/>
-              <a:t>has most listings in Melbourne, </a:t>
-            </a:r>
-            <a:br>
-              <a:rPr lang="en-US" dirty="0"/>
-            </a:br>
-            <a:r>
               <a:rPr lang="en-US" dirty="0"/>
               <a:t>Port Philip and </a:t>
             </a:r>
@@ -9792,7 +9715,6 @@
               <a:rPr lang="en-US" dirty="0"/>
               <a:t> Ranges</a:t>
             </a:r>
-            <a:endParaRPr lang="en-US" dirty="0"/>
           </a:p>
         </p:txBody>
       </p:sp>
@@ -9836,6 +9758,7 @@
           <a:p>
             <a:fld id="{8C2E478F-E849-4A8C-AF1F-CBCC78A7CBFA}" type="slidenum">
               <a:rPr lang="en-US" smtClean="0"/>
+              <a:t>10</a:t>
             </a:fld>
             <a:endParaRPr lang="en-US" dirty="0"/>
           </a:p>
@@ -9868,18 +9791,18 @@
       </p:grpSpPr>
       <p:sp>
         <p:nvSpPr>
-          <p:cNvPr id="3" name="Content Placeholder 2"/>
-          <p:cNvSpPr>
-            <a:spLocks noGrp="1"/>
-          </p:cNvSpPr>
-          <p:nvPr>
-            <p:ph sz="half" idx="2"/>
+          <p:cNvPr id="3" name="Title 2"/>
+          <p:cNvSpPr>
+            <a:spLocks noGrp="1"/>
+          </p:cNvSpPr>
+          <p:nvPr>
+            <p:ph type="title"/>
           </p:nvPr>
         </p:nvSpPr>
         <p:spPr>
           <a:xfrm>
-            <a:off x="595884" y="1799918"/>
-            <a:ext cx="3464717" cy="2710596"/>
+            <a:off x="599167" y="713874"/>
+            <a:ext cx="4226024" cy="959117"/>
           </a:xfrm>
         </p:spPr>
         <p:txBody>
@@ -9887,76 +9810,66 @@
           <a:lstStyle/>
           <a:p>
             <a:r>
+              <a:rPr lang="en-US" sz="3200" dirty="0"/>
+              <a:t>Regional vs Urban City Listings</a:t>
+            </a:r>
+            <a:endParaRPr lang="en-AU" dirty="0"/>
+          </a:p>
+        </p:txBody>
+      </p:sp>
+      <p:sp>
+        <p:nvSpPr>
+          <p:cNvPr id="4" name="Content Placeholder 3"/>
+          <p:cNvSpPr>
+            <a:spLocks noGrp="1"/>
+          </p:cNvSpPr>
+          <p:nvPr>
+            <p:ph idx="1"/>
+          </p:nvPr>
+        </p:nvSpPr>
+        <p:spPr>
+          <a:xfrm>
+            <a:off x="647045" y="1840434"/>
+            <a:ext cx="4226024" cy="3857329"/>
+          </a:xfrm>
+        </p:spPr>
+        <p:txBody>
+          <a:bodyPr>
+            <a:noAutofit/>
+          </a:bodyPr>
+          <a:lstStyle/>
+          <a:p>
+            <a:r>
               <a:rPr lang="en-US" dirty="0"/>
               <a:t>Comparison of Airbnb listings between Urban and Regional areas</a:t>
             </a:r>
-            <a:endParaRPr lang="en-US" dirty="0"/>
-          </a:p>
-          <a:p>
-            <a:r>
-              <a:rPr lang="en-US" dirty="0"/>
-              <a:t>Slight increase in Airbnb listings in Regional areas</a:t>
-            </a:r>
-            <a:endParaRPr lang="en-US" dirty="0"/>
-          </a:p>
-          <a:p>
-            <a:r>
-              <a:rPr lang="en-US" dirty="0"/>
-              <a:t>Decrease in Airbnb listings in Urban areas</a:t>
-            </a:r>
-            <a:endParaRPr lang="en-US" dirty="0"/>
-          </a:p>
-          <a:p>
-            <a:endParaRPr lang="en-AU" dirty="0"/>
-          </a:p>
-        </p:txBody>
-      </p:sp>
-      <p:sp>
-        <p:nvSpPr>
-          <p:cNvPr id="5" name="Content Placeholder 4"/>
-          <p:cNvSpPr>
-            <a:spLocks noGrp="1"/>
-          </p:cNvSpPr>
-          <p:nvPr>
-            <p:ph sz="half" idx="14"/>
-          </p:nvPr>
-        </p:nvSpPr>
-        <p:spPr>
-          <a:xfrm>
-            <a:off x="7772170" y="5792789"/>
-            <a:ext cx="3585639" cy="919781"/>
-          </a:xfrm>
-        </p:spPr>
-        <p:txBody>
-          <a:bodyPr>
-            <a:normAutofit/>
-          </a:bodyPr>
-          <a:lstStyle/>
-          <a:p>
-            <a:r>
-              <a:rPr lang="en-US" dirty="0"/>
-              <a:t>Examples for City of Melbourne and </a:t>
-            </a:r>
+          </a:p>
+          <a:p>
             <a:r>
               <a:rPr lang="en-US" dirty="0" err="1"/>
               <a:t>Yarra</a:t>
             </a:r>
             <a:r>
               <a:rPr lang="en-US" dirty="0"/>
-              <a:t> Ranges</a:t>
-            </a:r>
-            <a:endParaRPr lang="en-US" dirty="0"/>
-          </a:p>
-        </p:txBody>
-      </p:sp>
-      <p:sp>
-        <p:nvSpPr>
-          <p:cNvPr id="7" name="Title 6"/>
-          <p:cNvSpPr>
-            <a:spLocks noGrp="1"/>
-          </p:cNvSpPr>
-          <p:nvPr>
-            <p:ph type="title"/>
+              <a:t> Ranges had a slight increase in Entire Home listings</a:t>
+            </a:r>
+          </a:p>
+          <a:p>
+            <a:r>
+              <a:rPr lang="en-US" dirty="0"/>
+              <a:t>Melbourne had an overall decrease in listings across all room types</a:t>
+            </a:r>
+          </a:p>
+        </p:txBody>
+      </p:sp>
+      <p:sp>
+        <p:nvSpPr>
+          <p:cNvPr id="6" name="Footer Placeholder 5"/>
+          <p:cNvSpPr>
+            <a:spLocks noGrp="1"/>
+          </p:cNvSpPr>
+          <p:nvPr>
+            <p:ph type="ftr" sz="quarter" idx="17"/>
           </p:nvPr>
         </p:nvSpPr>
         <p:spPr/>
@@ -9965,21 +9878,21 @@
           <a:lstStyle/>
           <a:p>
             <a:r>
-              <a:rPr lang="en-US" dirty="0"/>
-              <a:t>Regional vs Urban City Listings</a:t>
-            </a:r>
-            <a:endParaRPr lang="en-AU" dirty="0"/>
-          </a:p>
-        </p:txBody>
-      </p:sp>
-      <p:sp>
-        <p:nvSpPr>
-          <p:cNvPr id="8" name="Footer Placeholder 7"/>
-          <p:cNvSpPr>
-            <a:spLocks noGrp="1"/>
-          </p:cNvSpPr>
-          <p:nvPr>
-            <p:ph type="ftr" sz="quarter" idx="16"/>
+              <a:rPr lang="en-US"/>
+              <a:t>Add a Footer</a:t>
+            </a:r>
+            <a:endParaRPr lang="en-US" dirty="0"/>
+          </a:p>
+        </p:txBody>
+      </p:sp>
+      <p:sp>
+        <p:nvSpPr>
+          <p:cNvPr id="7" name="Slide Number Placeholder 6"/>
+          <p:cNvSpPr>
+            <a:spLocks noGrp="1"/>
+          </p:cNvSpPr>
+          <p:nvPr>
+            <p:ph type="sldNum" sz="quarter" idx="18"/>
           </p:nvPr>
         </p:nvSpPr>
         <p:spPr/>
@@ -9987,31 +9900,9 @@
           <a:bodyPr/>
           <a:lstStyle/>
           <a:p>
-            <a:r>
-              <a:rPr lang="en-US"/>
-              <a:t>Add a Footer</a:t>
-            </a:r>
-            <a:endParaRPr lang="en-US" dirty="0"/>
-          </a:p>
-        </p:txBody>
-      </p:sp>
-      <p:sp>
-        <p:nvSpPr>
-          <p:cNvPr id="9" name="Slide Number Placeholder 8"/>
-          <p:cNvSpPr>
-            <a:spLocks noGrp="1"/>
-          </p:cNvSpPr>
-          <p:nvPr>
-            <p:ph type="sldNum" sz="quarter" idx="17"/>
-          </p:nvPr>
-        </p:nvSpPr>
-        <p:spPr/>
-        <p:txBody>
-          <a:bodyPr/>
-          <a:lstStyle/>
-          <a:p>
             <a:fld id="{8C2E478F-E849-4A8C-AF1F-CBCC78A7CBFA}" type="slidenum">
               <a:rPr lang="en-US" smtClean="0"/>
+              <a:t>11</a:t>
             </a:fld>
             <a:endParaRPr lang="en-US" dirty="0"/>
           </a:p>
@@ -10019,16 +9910,20 @@
       </p:sp>
       <p:pic>
         <p:nvPicPr>
-          <p:cNvPr id="11" name="Picture Placeholder 10"/>
+          <p:cNvPr id="15" name="Picture Placeholder 10">
+            <a:extLst>
+              <a:ext uri="{FF2B5EF4-FFF2-40B4-BE49-F238E27FC236}">
+                <a16:creationId xmlns:a16="http://schemas.microsoft.com/office/drawing/2014/main" id="{20E08437-7C2F-4936-ADE7-FB7184DBC3F2}"/>
+              </a:ext>
+            </a:extLst>
+          </p:cNvPr>
           <p:cNvPicPr>
-            <a:picLocks noGrp="1" noChangeAspect="1"/>
+            <a:picLocks noChangeAspect="1"/>
           </p:cNvPicPr>
-          <p:nvPr>
-            <p:ph type="pic" sz="quarter" idx="15"/>
-          </p:nvPr>
+          <p:nvPr/>
         </p:nvPicPr>
         <p:blipFill>
-          <a:blip r:embed="rId1">
+          <a:blip r:embed="rId2">
             <a:extLst>
               <a:ext uri="{28A0092B-C50C-407E-A947-70E740481C1C}">
                 <a14:useLocalDpi xmlns:a14="http://schemas.microsoft.com/office/drawing/2010/main" val="0"/>
@@ -10042,38 +9937,7 @@
         </p:blipFill>
         <p:spPr>
           <a:xfrm>
-            <a:off x="4710684" y="3082193"/>
-            <a:ext cx="5756562" cy="2710596"/>
-          </a:xfrm>
-          <a:prstGeom prst="rect">
-            <a:avLst/>
-          </a:prstGeom>
-        </p:spPr>
-      </p:pic>
-      <p:pic>
-        <p:nvPicPr>
-          <p:cNvPr id="12" name="Picture Placeholder 10"/>
-          <p:cNvPicPr>
-            <a:picLocks noChangeAspect="1"/>
-          </p:cNvPicPr>
-          <p:nvPr/>
-        </p:nvPicPr>
-        <p:blipFill>
-          <a:blip r:embed="rId1">
-            <a:extLst>
-              <a:ext uri="{28A0092B-C50C-407E-A947-70E740481C1C}">
-                <a14:useLocalDpi xmlns:a14="http://schemas.microsoft.com/office/drawing/2010/main" val="0"/>
-              </a:ext>
-            </a:extLst>
-          </a:blip>
-          <a:srcRect t="2913" b="2913"/>
-          <a:stretch>
-            <a:fillRect/>
-          </a:stretch>
-        </p:blipFill>
-        <p:spPr>
-          <a:xfrm>
-            <a:off x="4710684" y="204623"/>
+            <a:off x="5948238" y="352477"/>
             <a:ext cx="5756562" cy="2710596"/>
           </a:xfrm>
           <a:prstGeom prst="rect">
@@ -10084,7 +9948,113 @@
           </a:solidFill>
         </p:spPr>
       </p:pic>
+      <p:pic>
+        <p:nvPicPr>
+          <p:cNvPr id="16" name="Picture 15">
+            <a:extLst>
+              <a:ext uri="{FF2B5EF4-FFF2-40B4-BE49-F238E27FC236}">
+                <a16:creationId xmlns:a16="http://schemas.microsoft.com/office/drawing/2014/main" id="{903B386E-E95E-4502-A250-1DACCBB0163F}"/>
+              </a:ext>
+            </a:extLst>
+          </p:cNvPr>
+          <p:cNvPicPr>
+            <a:picLocks noChangeAspect="1"/>
+          </p:cNvPicPr>
+          <p:nvPr/>
+        </p:nvPicPr>
+        <p:blipFill>
+          <a:blip r:embed="rId3"/>
+          <a:stretch>
+            <a:fillRect/>
+          </a:stretch>
+        </p:blipFill>
+        <p:spPr>
+          <a:xfrm>
+            <a:off x="5948238" y="3062718"/>
+            <a:ext cx="5756562" cy="2878281"/>
+          </a:xfrm>
+          <a:prstGeom prst="rect">
+            <a:avLst/>
+          </a:prstGeom>
+        </p:spPr>
+      </p:pic>
+      <p:sp>
+        <p:nvSpPr>
+          <p:cNvPr id="17" name="TextBox 16">
+            <a:extLst>
+              <a:ext uri="{FF2B5EF4-FFF2-40B4-BE49-F238E27FC236}">
+                <a16:creationId xmlns:a16="http://schemas.microsoft.com/office/drawing/2014/main" id="{381E4F7B-FC62-49F8-8587-AFC19030911D}"/>
+              </a:ext>
+            </a:extLst>
+          </p:cNvPr>
+          <p:cNvSpPr txBox="1"/>
+          <p:nvPr/>
+        </p:nvSpPr>
+        <p:spPr>
+          <a:xfrm>
+            <a:off x="6243763" y="5940999"/>
+            <a:ext cx="6094674" cy="369332"/>
+          </a:xfrm>
+          <a:prstGeom prst="rect">
+            <a:avLst/>
+          </a:prstGeom>
+          <a:noFill/>
+        </p:spPr>
+        <p:txBody>
+          <a:bodyPr wrap="square">
+            <a:spAutoFit/>
+          </a:bodyPr>
+          <a:lstStyle/>
+          <a:p>
+            <a:pPr marL="285750" indent="-285750">
+              <a:buFont typeface="Arial" panose="020B0604020202020204" pitchFamily="34" charset="0"/>
+              <a:buChar char="•"/>
+            </a:pPr>
+            <a:r>
+              <a:rPr lang="en-US" sz="1600" dirty="0">
+                <a:solidFill>
+                  <a:schemeClr val="bg1"/>
+                </a:solidFill>
+              </a:rPr>
+              <a:t>Examples</a:t>
+            </a:r>
+            <a:r>
+              <a:rPr lang="en-US" dirty="0"/>
+              <a:t> </a:t>
+            </a:r>
+            <a:r>
+              <a:rPr lang="en-US" sz="1600" dirty="0">
+                <a:solidFill>
+                  <a:schemeClr val="bg1"/>
+                </a:solidFill>
+              </a:rPr>
+              <a:t>for City of Melbourne and </a:t>
+            </a:r>
+            <a:r>
+              <a:rPr lang="en-US" sz="1600" dirty="0" err="1">
+                <a:solidFill>
+                  <a:schemeClr val="bg1"/>
+                </a:solidFill>
+              </a:rPr>
+              <a:t>Yarra</a:t>
+            </a:r>
+            <a:r>
+              <a:rPr lang="en-US" sz="1600" dirty="0">
+                <a:solidFill>
+                  <a:schemeClr val="bg1"/>
+                </a:solidFill>
+              </a:rPr>
+              <a:t> Ranges</a:t>
+            </a:r>
+          </a:p>
+        </p:txBody>
+      </p:sp>
     </p:spTree>
+    <p:extLst>
+      <p:ext uri="{BB962C8B-B14F-4D97-AF65-F5344CB8AC3E}">
+        <p14:creationId xmlns:p14="http://schemas.microsoft.com/office/powerpoint/2010/main" val="1398505217"/>
+      </p:ext>
+    </p:extLst>
   </p:cSld>
   <p:clrMapOvr>
     <a:masterClrMapping/>
@@ -10111,89 +10081,105 @@
       </p:grpSpPr>
       <p:sp>
         <p:nvSpPr>
-          <p:cNvPr id="2" name="Content Placeholder 1"/>
-          <p:cNvSpPr>
-            <a:spLocks noGrp="1"/>
-          </p:cNvSpPr>
-          <p:nvPr>
-            <p:ph idx="1"/>
+          <p:cNvPr id="3" name="Title 2"/>
+          <p:cNvSpPr>
+            <a:spLocks noGrp="1"/>
+          </p:cNvSpPr>
+          <p:nvPr>
+            <p:ph type="title"/>
           </p:nvPr>
         </p:nvSpPr>
         <p:spPr>
           <a:xfrm>
-            <a:off x="176463" y="1728116"/>
-            <a:ext cx="5260850" cy="4201109"/>
+            <a:off x="599167" y="713874"/>
+            <a:ext cx="4226024" cy="959117"/>
           </a:xfrm>
         </p:spPr>
         <p:txBody>
+          <a:bodyPr/>
+          <a:lstStyle/>
+          <a:p>
+            <a:r>
+              <a:rPr lang="en-AU" dirty="0"/>
+              <a:t>Airbnb Listings Price Comparison</a:t>
+            </a:r>
+          </a:p>
+        </p:txBody>
+      </p:sp>
+      <p:sp>
+        <p:nvSpPr>
+          <p:cNvPr id="4" name="Content Placeholder 3"/>
+          <p:cNvSpPr>
+            <a:spLocks noGrp="1"/>
+          </p:cNvSpPr>
+          <p:nvPr>
+            <p:ph idx="1"/>
+          </p:nvPr>
+        </p:nvSpPr>
+        <p:spPr>
+          <a:xfrm>
+            <a:off x="647045" y="1840434"/>
+            <a:ext cx="4226024" cy="3857329"/>
+          </a:xfrm>
+        </p:spPr>
+        <p:txBody>
           <a:bodyPr>
-            <a:normAutofit/>
+            <a:noAutofit/>
           </a:bodyPr>
           <a:lstStyle/>
           <a:p>
-            <a:r>
-              <a:rPr lang="en-US" dirty="0"/>
-              <a:t>Median prices for all Airbnb listings have slightly increased or remained the same</a:t>
-            </a:r>
-            <a:endParaRPr lang="en-US" dirty="0"/>
-          </a:p>
-          <a:p>
-            <a:r>
-              <a:rPr lang="en-US" dirty="0"/>
-              <a:t>Entire Home prices in </a:t>
-            </a:r>
-            <a:r>
-              <a:rPr lang="en-US" dirty="0" err="1"/>
-              <a:t>Yarra</a:t>
-            </a:r>
-            <a:r>
-              <a:rPr lang="en-US" dirty="0"/>
-              <a:t> Ranges and Bayside have increased in 2020.</a:t>
-            </a:r>
-            <a:endParaRPr lang="en-US" dirty="0"/>
-          </a:p>
-          <a:p>
-            <a:endParaRPr lang="en-AU" dirty="0"/>
-          </a:p>
-        </p:txBody>
-      </p:sp>
-      <p:sp>
-        <p:nvSpPr>
-          <p:cNvPr id="3" name="Title 2"/>
-          <p:cNvSpPr>
-            <a:spLocks noGrp="1"/>
-          </p:cNvSpPr>
-          <p:nvPr>
-            <p:ph type="title"/>
-          </p:nvPr>
-        </p:nvSpPr>
-        <p:spPr>
-          <a:xfrm>
-            <a:off x="0" y="0"/>
-            <a:ext cx="11002962" cy="1189038"/>
-          </a:xfrm>
-        </p:spPr>
+            <a:pPr marL="228600" indent="-228600">
+              <a:lnSpc>
+                <a:spcPct val="150000"/>
+              </a:lnSpc>
+              <a:spcBef>
+                <a:spcPts val="1000"/>
+              </a:spcBef>
+              <a:buFont typeface="Arial" panose="020B0604020202020204" pitchFamily="34" charset="0"/>
+              <a:buChar char="•"/>
+            </a:pPr>
+            <a:r>
+              <a:rPr lang="en-US" sz="1600" dirty="0">
+                <a:solidFill>
+                  <a:schemeClr val="bg1"/>
+                </a:solidFill>
+              </a:rPr>
+              <a:t>Median prices for room types  across Melbourne have slightly increased or remained the same in 2020</a:t>
+            </a:r>
+          </a:p>
+        </p:txBody>
+      </p:sp>
+      <p:sp>
+        <p:nvSpPr>
+          <p:cNvPr id="6" name="Footer Placeholder 5"/>
+          <p:cNvSpPr>
+            <a:spLocks noGrp="1"/>
+          </p:cNvSpPr>
+          <p:nvPr>
+            <p:ph type="ftr" sz="quarter" idx="17"/>
+          </p:nvPr>
+        </p:nvSpPr>
+        <p:spPr/>
         <p:txBody>
           <a:bodyPr/>
           <a:lstStyle/>
           <a:p>
-            <a:pPr algn="l"/>
-            <a:r>
-              <a:rPr lang="en-AU" dirty="0"/>
-              <a:t>Airbnb Listings Price Comparison</a:t>
-            </a:r>
-            <a:endParaRPr lang="en-AU" dirty="0"/>
-          </a:p>
-        </p:txBody>
-      </p:sp>
-      <p:sp>
-        <p:nvSpPr>
-          <p:cNvPr id="4" name="Footer Placeholder 3"/>
-          <p:cNvSpPr>
-            <a:spLocks noGrp="1"/>
-          </p:cNvSpPr>
-          <p:nvPr>
-            <p:ph type="ftr" sz="quarter" idx="10"/>
+            <a:r>
+              <a:rPr lang="en-US"/>
+              <a:t>Add a Footer</a:t>
+            </a:r>
+            <a:endParaRPr lang="en-US" dirty="0"/>
+          </a:p>
+        </p:txBody>
+      </p:sp>
+      <p:sp>
+        <p:nvSpPr>
+          <p:cNvPr id="7" name="Slide Number Placeholder 6"/>
+          <p:cNvSpPr>
+            <a:spLocks noGrp="1"/>
+          </p:cNvSpPr>
+          <p:nvPr>
+            <p:ph type="sldNum" sz="quarter" idx="18"/>
           </p:nvPr>
         </p:nvSpPr>
         <p:spPr/>
@@ -10201,31 +10187,9 @@
           <a:bodyPr/>
           <a:lstStyle/>
           <a:p>
-            <a:r>
-              <a:rPr lang="en-US"/>
-              <a:t>Add a Footer</a:t>
-            </a:r>
-            <a:endParaRPr lang="en-US" dirty="0"/>
-          </a:p>
-        </p:txBody>
-      </p:sp>
-      <p:sp>
-        <p:nvSpPr>
-          <p:cNvPr id="5" name="Slide Number Placeholder 4"/>
-          <p:cNvSpPr>
-            <a:spLocks noGrp="1"/>
-          </p:cNvSpPr>
-          <p:nvPr>
-            <p:ph type="sldNum" sz="quarter" idx="11"/>
-          </p:nvPr>
-        </p:nvSpPr>
-        <p:spPr/>
-        <p:txBody>
-          <a:bodyPr/>
-          <a:lstStyle/>
-          <a:p>
             <a:fld id="{8C2E478F-E849-4A8C-AF1F-CBCC78A7CBFA}" type="slidenum">
               <a:rPr lang="en-US" smtClean="0"/>
+              <a:t>12</a:t>
             </a:fld>
             <a:endParaRPr lang="en-US" dirty="0"/>
           </a:p>
@@ -10233,28 +10197,28 @@
       </p:sp>
       <p:pic>
         <p:nvPicPr>
-          <p:cNvPr id="6" name="Picture 5"/>
+          <p:cNvPr id="15" name="Picture 14" descr="Chart, box and whisker chart&#10;&#10;Description automatically generated">
+            <a:extLst>
+              <a:ext uri="{FF2B5EF4-FFF2-40B4-BE49-F238E27FC236}">
+                <a16:creationId xmlns:a16="http://schemas.microsoft.com/office/drawing/2014/main" id="{E33F2E16-977F-4CAD-B844-8AA68D4324F3}"/>
+              </a:ext>
+            </a:extLst>
+          </p:cNvPr>
           <p:cNvPicPr>
             <a:picLocks noChangeAspect="1"/>
           </p:cNvPicPr>
           <p:nvPr/>
         </p:nvPicPr>
         <p:blipFill>
-          <a:blip r:embed="rId1">
-            <a:extLst>
-              <a:ext uri="{28A0092B-C50C-407E-A947-70E740481C1C}">
-                <a14:useLocalDpi xmlns:a14="http://schemas.microsoft.com/office/drawing/2010/main" val="0"/>
-              </a:ext>
-            </a:extLst>
-          </a:blip>
+          <a:blip r:embed="rId2"/>
           <a:stretch>
             <a:fillRect/>
           </a:stretch>
         </p:blipFill>
         <p:spPr>
           <a:xfrm>
-            <a:off x="5645641" y="814137"/>
-            <a:ext cx="6450106" cy="5486399"/>
+            <a:off x="6004839" y="464173"/>
+            <a:ext cx="5713392" cy="5713392"/>
           </a:xfrm>
           <a:prstGeom prst="rect">
             <a:avLst/>
@@ -10262,6 +10226,11 @@
         </p:spPr>
       </p:pic>
     </p:spTree>
+    <p:extLst>
+      <p:ext uri="{BB962C8B-B14F-4D97-AF65-F5344CB8AC3E}">
+        <p14:creationId xmlns:p14="http://schemas.microsoft.com/office/powerpoint/2010/main" val="4104083375"/>
+      </p:ext>
+    </p:extLst>
   </p:cSld>
   <p:clrMapOvr>
     <a:masterClrMapping/>
@@ -10298,33 +10267,84 @@
         </p:nvSpPr>
         <p:spPr>
           <a:xfrm>
-            <a:off x="65314" y="43538"/>
-            <a:ext cx="3872204" cy="2248678"/>
+            <a:off x="595884" y="881317"/>
+            <a:ext cx="4226024" cy="959117"/>
           </a:xfrm>
         </p:spPr>
         <p:txBody>
+          <a:bodyPr/>
+          <a:lstStyle/>
+          <a:p>
+            <a:r>
+              <a:rPr lang="en-AU" sz="3200" dirty="0"/>
+              <a:t>Airbnb Listings Price Comparison FOR CITIES</a:t>
+            </a:r>
+            <a:endParaRPr lang="en-AU" dirty="0"/>
+          </a:p>
+        </p:txBody>
+      </p:sp>
+      <p:sp>
+        <p:nvSpPr>
+          <p:cNvPr id="4" name="Content Placeholder 3"/>
+          <p:cNvSpPr>
+            <a:spLocks noGrp="1"/>
+          </p:cNvSpPr>
+          <p:nvPr>
+            <p:ph idx="1"/>
+          </p:nvPr>
+        </p:nvSpPr>
+        <p:spPr>
+          <a:xfrm>
+            <a:off x="647045" y="1840434"/>
+            <a:ext cx="4226024" cy="3857329"/>
+          </a:xfrm>
+        </p:spPr>
+        <p:txBody>
           <a:bodyPr>
-            <a:normAutofit/>
+            <a:noAutofit/>
           </a:bodyPr>
           <a:lstStyle/>
           <a:p>
-            <a:pPr algn="l"/>
-            <a:r>
-              <a:rPr lang="en-AU" dirty="0"/>
-              <a:t>Airbnb Listings Price Comparison</a:t>
-            </a:r>
-            <a:endParaRPr lang="en-AU" dirty="0"/>
-          </a:p>
-        </p:txBody>
-      </p:sp>
-      <p:sp>
-        <p:nvSpPr>
-          <p:cNvPr id="4" name="Footer Placeholder 3"/>
-          <p:cNvSpPr>
-            <a:spLocks noGrp="1"/>
-          </p:cNvSpPr>
-          <p:nvPr>
-            <p:ph type="ftr" sz="quarter" idx="10"/>
+            <a:endParaRPr lang="en-US" sz="1600" dirty="0"/>
+          </a:p>
+          <a:p>
+            <a:r>
+              <a:rPr lang="en-US" sz="1600" dirty="0"/>
+              <a:t>Entire Home prices in </a:t>
+            </a:r>
+            <a:r>
+              <a:rPr lang="en-US" sz="1600" dirty="0" err="1"/>
+              <a:t>Yarra</a:t>
+            </a:r>
+            <a:r>
+              <a:rPr lang="en-US" sz="1600" dirty="0"/>
+              <a:t> Ranges and Bayside have increased in 2020.</a:t>
+            </a:r>
+          </a:p>
+          <a:p>
+            <a:r>
+              <a:rPr lang="en-US" sz="1600" dirty="0"/>
+              <a:t>Shared room price in city of </a:t>
+            </a:r>
+            <a:r>
+              <a:rPr lang="en-US" sz="1600" dirty="0" err="1"/>
+              <a:t>Mannigham</a:t>
+            </a:r>
+            <a:r>
+              <a:rPr lang="en-US" sz="1600" dirty="0"/>
+              <a:t> shows an increase in price in 2020, however this is for a single listing.</a:t>
+            </a:r>
+          </a:p>
+        </p:txBody>
+      </p:sp>
+      <p:sp>
+        <p:nvSpPr>
+          <p:cNvPr id="6" name="Footer Placeholder 5"/>
+          <p:cNvSpPr>
+            <a:spLocks noGrp="1"/>
+          </p:cNvSpPr>
+          <p:nvPr>
+            <p:ph type="ftr" sz="quarter" idx="17"/>
           </p:nvPr>
         </p:nvSpPr>
         <p:spPr/>
@@ -10342,12 +10362,12 @@
       </p:sp>
       <p:sp>
         <p:nvSpPr>
-          <p:cNvPr id="5" name="Slide Number Placeholder 4"/>
-          <p:cNvSpPr>
-            <a:spLocks noGrp="1"/>
-          </p:cNvSpPr>
-          <p:nvPr>
-            <p:ph type="sldNum" sz="quarter" idx="11"/>
+          <p:cNvPr id="7" name="Slide Number Placeholder 6"/>
+          <p:cNvSpPr>
+            <a:spLocks noGrp="1"/>
+          </p:cNvSpPr>
+          <p:nvPr>
+            <p:ph type="sldNum" sz="quarter" idx="18"/>
           </p:nvPr>
         </p:nvSpPr>
         <p:spPr/>
@@ -10357,6 +10377,7 @@
           <a:p>
             <a:fld id="{8C2E478F-E849-4A8C-AF1F-CBCC78A7CBFA}" type="slidenum">
               <a:rPr lang="en-US" smtClean="0"/>
+              <a:t>13</a:t>
             </a:fld>
             <a:endParaRPr lang="en-US" dirty="0"/>
           </a:p>
@@ -10364,22 +10385,34 @@
       </p:sp>
       <p:pic>
         <p:nvPicPr>
-          <p:cNvPr id="7" name="Picture 6" descr="Chart, box and whisker chart&#10;&#10;Description automatically generated"/>
+          <p:cNvPr id="14" name="Picture 13">
+            <a:extLst>
+              <a:ext uri="{FF2B5EF4-FFF2-40B4-BE49-F238E27FC236}">
+                <a16:creationId xmlns:a16="http://schemas.microsoft.com/office/drawing/2014/main" id="{A5D6F61B-6DA3-4BDC-8838-BAC4A3229B57}"/>
+              </a:ext>
+            </a:extLst>
+          </p:cNvPr>
           <p:cNvPicPr>
             <a:picLocks noChangeAspect="1"/>
           </p:cNvPicPr>
           <p:nvPr/>
         </p:nvPicPr>
         <p:blipFill>
-          <a:blip r:embed="rId1"/>
+          <a:blip r:embed="rId2">
+            <a:extLst>
+              <a:ext uri="{28A0092B-C50C-407E-A947-70E740481C1C}">
+                <a14:useLocalDpi xmlns:a14="http://schemas.microsoft.com/office/drawing/2010/main" val="0"/>
+              </a:ext>
+            </a:extLst>
+          </a:blip>
           <a:stretch>
             <a:fillRect/>
           </a:stretch>
         </p:blipFill>
         <p:spPr>
           <a:xfrm>
-            <a:off x="4154177" y="47422"/>
-            <a:ext cx="6654281" cy="6654281"/>
+            <a:off x="5913001" y="429370"/>
+            <a:ext cx="6173590" cy="5693133"/>
           </a:xfrm>
           <a:prstGeom prst="rect">
             <a:avLst/>
@@ -10387,6 +10420,11 @@
         </p:spPr>
       </p:pic>
     </p:spTree>
+    <p:extLst>
+      <p:ext uri="{BB962C8B-B14F-4D97-AF65-F5344CB8AC3E}">
+        <p14:creationId xmlns:p14="http://schemas.microsoft.com/office/powerpoint/2010/main" val="2620832333"/>
+      </p:ext>
+    </p:extLst>
   </p:cSld>
   <p:clrMapOvr>
     <a:masterClrMapping/>
@@ -10430,7 +10468,6 @@
               <a:rPr lang="en-AU" dirty="0"/>
               <a:t>Number of rooms booked per year</a:t>
             </a:r>
-            <a:endParaRPr lang="en-AU" dirty="0"/>
           </a:p>
         </p:txBody>
       </p:sp>
@@ -10474,6 +10511,7 @@
           <a:p>
             <a:fld id="{8C2E478F-E849-4A8C-AF1F-CBCC78A7CBFA}" type="slidenum">
               <a:rPr lang="en-US" smtClean="0"/>
+              <a:t>14</a:t>
             </a:fld>
             <a:endParaRPr lang="en-US" dirty="0"/>
           </a:p>
@@ -10667,14 +10705,12 @@
               <a:rPr lang="en-AU" altLang="en-US" dirty="0"/>
               <a:t>Number of shared rooms booked have been reduced in 2020.</a:t>
             </a:r>
-            <a:endParaRPr lang="en-AU" altLang="en-US" dirty="0"/>
           </a:p>
           <a:p>
             <a:r>
               <a:rPr lang="en-AU" altLang="en-US" dirty="0"/>
               <a:t>This could be an after effect of Covid.</a:t>
             </a:r>
-            <a:endParaRPr lang="en-AU" altLang="en-US" dirty="0"/>
           </a:p>
         </p:txBody>
       </p:sp>
@@ -10682,14 +10718,14 @@
         <p:nvPicPr>
           <p:cNvPr id="4" name="Content Placeholder 3" descr="2020_2019_AvgDaysBooked_vs_RoomType"/>
           <p:cNvPicPr>
-            <a:picLocks noChangeAspect="1"/>
+            <a:picLocks noGrp="1" noChangeAspect="1"/>
           </p:cNvPicPr>
           <p:nvPr>
             <p:ph sz="quarter" idx="16"/>
           </p:nvPr>
         </p:nvPicPr>
         <p:blipFill>
-          <a:blip r:embed="rId1"/>
+          <a:blip r:embed="rId2"/>
           <a:stretch>
             <a:fillRect/>
           </a:stretch>
@@ -10740,7 +10776,7 @@
           </p:nvPr>
         </p:nvPicPr>
         <p:blipFill>
-          <a:blip r:embed="rId1"/>
+          <a:blip r:embed="rId2"/>
           <a:stretch>
             <a:fillRect/>
           </a:stretch>
@@ -10771,7 +10807,6 @@
               <a:rPr lang="en-AU" dirty="0"/>
               <a:t>Review Score vs Price</a:t>
             </a:r>
-            <a:endParaRPr lang="en-AU" dirty="0"/>
           </a:p>
         </p:txBody>
       </p:sp>
@@ -10786,7 +10821,7 @@
           </p:nvPr>
         </p:nvPicPr>
         <p:blipFill>
-          <a:blip r:embed="rId2"/>
+          <a:blip r:embed="rId3"/>
           <a:stretch>
             <a:fillRect/>
           </a:stretch>
@@ -10838,6 +10873,7 @@
           <a:p>
             <a:fld id="{8C2E478F-E849-4A8C-AF1F-CBCC78A7CBFA}" type="slidenum">
               <a:rPr lang="en-US" smtClean="0"/>
+              <a:t>15</a:t>
             </a:fld>
             <a:endParaRPr lang="en-US" dirty="0"/>
           </a:p>
@@ -11031,7 +11067,6 @@
               <a:rPr lang="en-US" dirty="0"/>
               <a:t>2019 – r value is 0.04</a:t>
             </a:r>
-            <a:endParaRPr lang="en-US" dirty="0"/>
           </a:p>
           <a:p>
             <a:r>
@@ -11046,14 +11081,12 @@
               <a:rPr lang="en-US" dirty="0"/>
               <a:t> is 0.03</a:t>
             </a:r>
-            <a:endParaRPr lang="en-US" dirty="0"/>
           </a:p>
           <a:p>
             <a:r>
               <a:rPr lang="en-US" dirty="0"/>
               <a:t>There is only weak correlation between Review rating and Price per Night of a listing in AirBnB.</a:t>
             </a:r>
-            <a:endParaRPr lang="en-US" dirty="0"/>
           </a:p>
         </p:txBody>
       </p:sp>
@@ -11093,7 +11126,7 @@
           </p:nvPr>
         </p:nvPicPr>
         <p:blipFill>
-          <a:blip r:embed="rId1"/>
+          <a:blip r:embed="rId2"/>
           <a:stretch>
             <a:fillRect/>
           </a:stretch>
@@ -11129,7 +11162,6 @@
               <a:rPr lang="en-AU" dirty="0"/>
               <a:t>Price per Night vs Number of Days Booked</a:t>
             </a:r>
-            <a:endParaRPr lang="en-AU" dirty="0"/>
           </a:p>
         </p:txBody>
       </p:sp>
@@ -11144,7 +11176,7 @@
           </p:nvPr>
         </p:nvPicPr>
         <p:blipFill>
-          <a:blip r:embed="rId2"/>
+          <a:blip r:embed="rId3"/>
           <a:stretch>
             <a:fillRect/>
           </a:stretch>
@@ -11196,6 +11228,7 @@
           <a:p>
             <a:fld id="{8C2E478F-E849-4A8C-AF1F-CBCC78A7CBFA}" type="slidenum">
               <a:rPr lang="en-US" smtClean="0"/>
+              <a:t>16</a:t>
             </a:fld>
             <a:endParaRPr lang="en-US" dirty="0"/>
           </a:p>
@@ -11389,21 +11422,18 @@
               <a:rPr lang="en-US" dirty="0"/>
               <a:t>2019 – r value is -0.11</a:t>
             </a:r>
-            <a:endParaRPr lang="en-US" dirty="0"/>
           </a:p>
           <a:p>
             <a:r>
               <a:rPr lang="en-US" dirty="0"/>
               <a:t>2020 – r value is -0.04</a:t>
             </a:r>
-            <a:endParaRPr lang="en-US" dirty="0"/>
           </a:p>
           <a:p>
             <a:r>
               <a:rPr lang="en-US" dirty="0"/>
               <a:t>There is only weak correlation between Price per Night and Number of days booked for a listing in AirBnB.</a:t>
             </a:r>
-            <a:endParaRPr lang="en-US" dirty="0"/>
           </a:p>
         </p:txBody>
       </p:sp>
@@ -11443,7 +11473,7 @@
           </p:nvPr>
         </p:nvPicPr>
         <p:blipFill>
-          <a:blip r:embed="rId1"/>
+          <a:blip r:embed="rId2"/>
           <a:stretch>
             <a:fillRect/>
           </a:stretch>
@@ -11474,7 +11504,6 @@
               <a:rPr lang="en-AU" dirty="0"/>
               <a:t>Host Response Rate vs Number of Days Booked</a:t>
             </a:r>
-            <a:endParaRPr lang="en-AU" dirty="0"/>
           </a:p>
         </p:txBody>
       </p:sp>
@@ -11497,14 +11526,12 @@
               <a:rPr lang="en-AU" dirty="0"/>
               <a:t>2019 – r value is -0.34</a:t>
             </a:r>
-            <a:endParaRPr lang="en-AU" dirty="0"/>
           </a:p>
           <a:p>
             <a:r>
               <a:rPr lang="en-AU" dirty="0"/>
               <a:t>2020 – r value is -0.4</a:t>
             </a:r>
-            <a:endParaRPr lang="en-AU" dirty="0"/>
           </a:p>
           <a:p>
             <a:r>
@@ -11519,14 +11546,12 @@
               <a:rPr lang="en-AU" dirty="0"/>
               <a:t>.</a:t>
             </a:r>
-            <a:endParaRPr lang="en-AU" dirty="0"/>
           </a:p>
           <a:p>
             <a:r>
               <a:rPr lang="en-AU" dirty="0"/>
               <a:t>This was not expected and one of the reason for negative correlation could be the increased responses required with increased bookings.</a:t>
             </a:r>
-            <a:endParaRPr lang="en-AU" dirty="0"/>
           </a:p>
         </p:txBody>
       </p:sp>
@@ -11570,6 +11595,7 @@
           <a:p>
             <a:fld id="{8C2E478F-E849-4A8C-AF1F-CBCC78A7CBFA}" type="slidenum">
               <a:rPr lang="en-US" smtClean="0"/>
+              <a:t>17</a:t>
             </a:fld>
             <a:endParaRPr lang="en-US" dirty="0"/>
           </a:p>
@@ -11584,7 +11610,7 @@
           <p:nvPr/>
         </p:nvPicPr>
         <p:blipFill>
-          <a:blip r:embed="rId2"/>
+          <a:blip r:embed="rId3"/>
           <a:stretch>
             <a:fillRect/>
           </a:stretch>
@@ -11648,7 +11674,6 @@
               <a:rPr lang="en-US" dirty="0"/>
               <a:t>Title:</a:t>
             </a:r>
-            <a:endParaRPr lang="en-US" dirty="0"/>
           </a:p>
         </p:txBody>
       </p:sp>
@@ -11663,7 +11688,7 @@
           </p:nvPr>
         </p:nvPicPr>
         <p:blipFill>
-          <a:blip r:embed="rId1">
+          <a:blip r:embed="rId3">
             <a:extLst>
               <a:ext uri="{28A0092B-C50C-407E-A947-70E740481C1C}">
                 <a14:useLocalDpi xmlns:a14="http://schemas.microsoft.com/office/drawing/2010/main" val="0"/>
@@ -11896,13 +11921,6 @@
               </a:rPr>
               <a:t>Final Comments</a:t>
             </a:r>
-            <a:endParaRPr lang="en-US" sz="3200" b="1" dirty="0">
-              <a:solidFill>
-                <a:schemeClr val="bg1"/>
-              </a:solidFill>
-              <a:latin typeface="+mj-lt"/>
-              <a:cs typeface="Gill Sans" panose="020B0502020104020203" pitchFamily="34" charset="-79"/>
-            </a:endParaRPr>
           </a:p>
           <a:p>
             <a:r>
@@ -11911,9 +11929,6 @@
               </a:rPr>
               <a:t>We will also take questions.</a:t>
             </a:r>
-            <a:endParaRPr lang="en-US" sz="1200" dirty="0">
-              <a:latin typeface="+mj-lt"/>
-            </a:endParaRPr>
           </a:p>
         </p:txBody>
       </p:sp>
@@ -11936,7 +11951,6 @@
               <a:rPr lang="en-US" dirty="0"/>
               <a:t>Add a Footer</a:t>
             </a:r>
-            <a:endParaRPr lang="en-US" dirty="0"/>
           </a:p>
         </p:txBody>
       </p:sp>
@@ -12024,6 +12038,7 @@
           <a:p>
             <a:fld id="{8C2E478F-E849-4A8C-AF1F-CBCC78A7CBFA}" type="slidenum">
               <a:rPr lang="en-US" smtClean="0"/>
+              <a:t>18</a:t>
             </a:fld>
             <a:endParaRPr lang="en-US" dirty="0"/>
           </a:p>
@@ -12073,7 +12088,7 @@
           </p:nvPr>
         </p:nvPicPr>
         <p:blipFill>
-          <a:blip r:embed="rId1">
+          <a:blip r:embed="rId2">
             <a:extLst>
               <a:ext uri="{28A0092B-C50C-407E-A947-70E740481C1C}">
                 <a14:useLocalDpi xmlns:a14="http://schemas.microsoft.com/office/drawing/2010/main" val="0"/>
@@ -12324,7 +12339,6 @@
               <a:rPr lang="en-US" dirty="0"/>
               <a:t>THANK YOU</a:t>
             </a:r>
-            <a:endParaRPr lang="en-US" dirty="0"/>
           </a:p>
         </p:txBody>
       </p:sp>
@@ -12356,7 +12370,7 @@
             </a:r>
             <a:r>
               <a:rPr lang="en-US" dirty="0">
-                <a:hlinkClick r:id="rId2"/>
+                <a:hlinkClick r:id="rId3"/>
               </a:rPr>
               <a:t>https://github.com/cjdance/Project_1.git</a:t>
             </a:r>
@@ -12391,7 +12405,6 @@
               <a:rPr lang="en-US" dirty="0"/>
               <a:t>Add a Footer</a:t>
             </a:r>
-            <a:endParaRPr lang="en-US" dirty="0"/>
           </a:p>
         </p:txBody>
       </p:sp>
@@ -12495,6 +12508,7 @@
           <a:p>
             <a:fld id="{8C2E478F-E849-4A8C-AF1F-CBCC78A7CBFA}" type="slidenum">
               <a:rPr lang="en-US" smtClean="0"/>
+              <a:t>19</a:t>
             </a:fld>
             <a:endParaRPr lang="en-US" dirty="0"/>
           </a:p>
@@ -12549,7 +12563,6 @@
               <a:rPr lang="en-US" dirty="0"/>
               <a:t>Project Brief</a:t>
             </a:r>
-            <a:endParaRPr lang="en-US" dirty="0"/>
           </a:p>
         </p:txBody>
       </p:sp>
@@ -12600,7 +12613,6 @@
               <a:rPr lang="en-US" dirty="0"/>
               <a:t> review score.</a:t>
             </a:r>
-            <a:endParaRPr lang="en-US" dirty="0"/>
           </a:p>
           <a:p>
             <a:pPr>
@@ -12612,7 +12624,6 @@
               <a:rPr lang="en-US" dirty="0"/>
               <a:t>Specifically, we looked at:</a:t>
             </a:r>
-            <a:endParaRPr lang="en-US" dirty="0"/>
           </a:p>
           <a:p>
             <a:pPr marL="285750" indent="-285750">
@@ -12626,7 +12637,6 @@
               <a:rPr lang="en-US" dirty="0"/>
               <a:t>Which Melbourne areas have the most AirBnB listings</a:t>
             </a:r>
-            <a:endParaRPr lang="en-US" dirty="0"/>
           </a:p>
           <a:p>
             <a:pPr marL="285750" indent="-285750">
@@ -12640,7 +12650,6 @@
               <a:rPr lang="en-US" dirty="0"/>
               <a:t>Which Melbourne areas see the most bookings</a:t>
             </a:r>
-            <a:endParaRPr lang="en-US" dirty="0"/>
           </a:p>
           <a:p>
             <a:pPr marL="285750" indent="-285750">
@@ -12654,7 +12663,6 @@
               <a:rPr lang="en-US" dirty="0"/>
               <a:t>What room types does AirBnB have in Melbourne</a:t>
             </a:r>
-            <a:endParaRPr lang="en-US" dirty="0"/>
           </a:p>
           <a:p>
             <a:pPr marL="285750" indent="-285750">
@@ -12668,7 +12676,6 @@
               <a:rPr lang="en-US" dirty="0"/>
               <a:t>How does the price of these room types vary across suburbs</a:t>
             </a:r>
-            <a:endParaRPr lang="en-US" dirty="0"/>
           </a:p>
           <a:p>
             <a:pPr marL="285750" indent="-285750">
@@ -12682,7 +12689,6 @@
               <a:rPr lang="en-US" dirty="0"/>
               <a:t>Does price correlate to a high review score</a:t>
             </a:r>
-            <a:endParaRPr lang="en-US" dirty="0"/>
           </a:p>
           <a:p>
             <a:pPr marL="285750" indent="-285750">
@@ -12696,7 +12702,6 @@
               <a:rPr lang="en-US" dirty="0"/>
               <a:t>Does price correlate to the number of nights a property is booked</a:t>
             </a:r>
-            <a:endParaRPr lang="en-US" dirty="0"/>
           </a:p>
           <a:p>
             <a:pPr marL="285750" indent="-285750">
@@ -12710,7 +12715,6 @@
               <a:rPr lang="en-US" dirty="0"/>
               <a:t>Does a host responding to messages correlate to the number of nights their property is booked</a:t>
             </a:r>
-            <a:endParaRPr lang="en-US" dirty="0"/>
           </a:p>
           <a:p>
             <a:endParaRPr lang="en-US" dirty="0"/>
@@ -12728,11 +12732,11 @@
           </p:nvPr>
         </p:nvPicPr>
         <p:blipFill>
-          <a:blip r:embed="rId1">
+          <a:blip r:embed="rId3">
             <a:extLst>
               <a:ext uri="{BEBA8EAE-BF5A-486C-A8C5-ECC9F3942E4B}">
                 <a14:imgProps xmlns:a14="http://schemas.microsoft.com/office/drawing/2010/main">
-                  <a14:imgLayer r:embed="rId2">
+                  <a14:imgLayer r:embed="rId4">
                     <a14:imgEffect>
                       <a14:brightnessContrast bright="-29000" contrast="24000"/>
                     </a14:imgEffect>
@@ -12770,7 +12774,6 @@
               <a:rPr lang="en-US" dirty="0"/>
               <a:t>Add a Footer</a:t>
             </a:r>
-            <a:endParaRPr lang="en-US" dirty="0"/>
           </a:p>
         </p:txBody>
       </p:sp>
@@ -12858,6 +12861,7 @@
           <a:p>
             <a:fld id="{8C2E478F-E849-4A8C-AF1F-CBCC78A7CBFA}" type="slidenum">
               <a:rPr lang="en-US" smtClean="0"/>
+              <a:t>2</a:t>
             </a:fld>
             <a:endParaRPr lang="en-US" dirty="0"/>
           </a:p>
@@ -12899,11 +12903,11 @@
           </p:nvPr>
         </p:nvPicPr>
         <p:blipFill>
-          <a:blip r:embed="rId1">
+          <a:blip r:embed="rId2">
             <a:extLst>
               <a:ext uri="{BEBA8EAE-BF5A-486C-A8C5-ECC9F3942E4B}">
                 <a14:imgProps xmlns:a14="http://schemas.microsoft.com/office/drawing/2010/main">
-                  <a14:imgLayer r:embed="rId2">
+                  <a14:imgLayer r:embed="rId3">
                     <a14:imgEffect>
                       <a14:brightnessContrast bright="-38000"/>
                     </a14:imgEffect>
@@ -13111,7 +13115,6 @@
               <a:rPr lang="en-US" dirty="0"/>
               <a:t>Data Used</a:t>
             </a:r>
-            <a:endParaRPr lang="en-US" dirty="0"/>
           </a:p>
         </p:txBody>
       </p:sp>
@@ -13147,7 +13150,6 @@
               <a:rPr lang="en-US" dirty="0"/>
               <a:t>There were two datasets used for this project:</a:t>
             </a:r>
-            <a:endParaRPr lang="en-US" dirty="0"/>
           </a:p>
           <a:p>
             <a:pPr marL="342900" indent="-342900">
@@ -13158,7 +13160,7 @@
             </a:pPr>
             <a:r>
               <a:rPr lang="en-US" dirty="0">
-                <a:hlinkClick r:id="rId3"/>
+                <a:hlinkClick r:id="rId4"/>
               </a:rPr>
               <a:t>https://www.kaggle.com/tylerx/melbourne-airbnb-open-data</a:t>
             </a:r>
@@ -13174,7 +13176,6 @@
               <a:rPr lang="en-US" dirty="0"/>
               <a:t>This dataset was compiled from the Inside AirBnB website on 7 December 2018</a:t>
             </a:r>
-            <a:endParaRPr lang="en-US" dirty="0"/>
           </a:p>
           <a:p>
             <a:pPr lvl="1">
@@ -13186,7 +13187,6 @@
               <a:rPr lang="en-US" dirty="0"/>
               <a:t>It shows all active listings for AirBnB and the next 12 months of their calendar (i.e. availability in 2019 for the properties)</a:t>
             </a:r>
-            <a:endParaRPr lang="en-US" dirty="0"/>
           </a:p>
           <a:p>
             <a:pPr lvl="1">
@@ -13198,7 +13198,6 @@
               <a:rPr lang="en-US" dirty="0"/>
               <a:t>It also contains a range of summary data and other information about the host</a:t>
             </a:r>
-            <a:endParaRPr lang="en-US" dirty="0"/>
           </a:p>
           <a:p>
             <a:pPr marL="342900" indent="-342900">
@@ -13209,7 +13208,7 @@
             </a:pPr>
             <a:r>
               <a:rPr lang="en-US" dirty="0">
-                <a:hlinkClick r:id="rId4"/>
+                <a:hlinkClick r:id="rId5"/>
               </a:rPr>
               <a:t>https://www.kaggle.com/nadyafed/melbourne-airbnb-2020</a:t>
             </a:r>
@@ -13225,7 +13224,6 @@
               <a:rPr lang="en-US" dirty="0"/>
               <a:t>This dataset was also compiled from the Inside AirBnB website, this dataset was created on 20 August 2020</a:t>
             </a:r>
-            <a:endParaRPr lang="en-US" dirty="0"/>
           </a:p>
           <a:p>
             <a:pPr marL="342900" indent="-342900">
@@ -13241,7 +13239,7 @@
             </a:r>
             <a:r>
               <a:rPr lang="en-US" dirty="0">
-                <a:hlinkClick r:id="rId5"/>
+                <a:hlinkClick r:id="rId6"/>
               </a:rPr>
               <a:t>http://insideairbnb.com/get-the-data.html</a:t>
             </a:r>
@@ -13261,7 +13259,7 @@
             </a:r>
             <a:r>
               <a:rPr lang="en-US" dirty="0">
-                <a:hlinkClick r:id="rId6"/>
+                <a:hlinkClick r:id="rId7"/>
               </a:rPr>
               <a:t>https://docs.google.com/spreadsheets/d/1iWCNJcSutYqpULSQHlNyGInUvHg2BoUGoNRIGa6Szc4/edit#gid=982310896</a:t>
             </a:r>
@@ -13302,7 +13300,6 @@
               <a:rPr lang="en-US" dirty="0"/>
               <a:t>Add a Footer</a:t>
             </a:r>
-            <a:endParaRPr lang="en-US" dirty="0"/>
           </a:p>
         </p:txBody>
       </p:sp>
@@ -13323,6 +13320,7 @@
           <a:p>
             <a:fld id="{8C2E478F-E849-4A8C-AF1F-CBCC78A7CBFA}" type="slidenum">
               <a:rPr lang="en-US" smtClean="0"/>
+              <a:t>3</a:t>
             </a:fld>
             <a:endParaRPr lang="en-US" dirty="0"/>
           </a:p>
@@ -13377,7 +13375,6 @@
               <a:rPr lang="en-US" dirty="0"/>
               <a:t>Why This Project &amp; Data?</a:t>
             </a:r>
-            <a:endParaRPr lang="en-US" dirty="0"/>
           </a:p>
         </p:txBody>
       </p:sp>
@@ -13412,7 +13409,6 @@
               <a:rPr lang="en-US" dirty="0"/>
               <a:t>All three of our group have used AirBnB in Melbourne at some point in our lives, with a maximum stay of 1 month. We have also experienced the COVID lockdowns ad were interested to see the impact the hard lockdown and closed borders would have on a business with the model of AirBnB.</a:t>
             </a:r>
-            <a:endParaRPr lang="en-US" dirty="0"/>
           </a:p>
           <a:p>
             <a:pPr>
@@ -13432,7 +13428,6 @@
               <a:rPr lang="en-US" dirty="0"/>
               <a:t>Our initial thoughts were that the data from 2020 would show a significant impact in reduced listings and decreased availability in the listings.</a:t>
             </a:r>
-            <a:endParaRPr lang="en-US" dirty="0"/>
           </a:p>
           <a:p>
             <a:pPr>
@@ -13444,7 +13439,6 @@
               <a:rPr lang="en-US" dirty="0"/>
               <a:t>We also expected to see Melbourne City be the most booked location for AirBnB’s.</a:t>
             </a:r>
-            <a:endParaRPr lang="en-US" dirty="0"/>
           </a:p>
           <a:p>
             <a:endParaRPr lang="en-US" dirty="0"/>
@@ -13462,11 +13456,11 @@
           </p:nvPr>
         </p:nvPicPr>
         <p:blipFill>
-          <a:blip r:embed="rId1">
+          <a:blip r:embed="rId3">
             <a:extLst>
               <a:ext uri="{BEBA8EAE-BF5A-486C-A8C5-ECC9F3942E4B}">
                 <a14:imgProps xmlns:a14="http://schemas.microsoft.com/office/drawing/2010/main">
-                  <a14:imgLayer r:embed="rId2">
+                  <a14:imgLayer r:embed="rId4">
                     <a14:imgEffect>
                       <a14:brightnessContrast bright="-29000" contrast="24000"/>
                     </a14:imgEffect>
@@ -13504,7 +13498,6 @@
               <a:rPr lang="en-US" dirty="0"/>
               <a:t>Add a Footer</a:t>
             </a:r>
-            <a:endParaRPr lang="en-US" dirty="0"/>
           </a:p>
         </p:txBody>
       </p:sp>
@@ -13592,6 +13585,7 @@
           <a:p>
             <a:fld id="{8C2E478F-E849-4A8C-AF1F-CBCC78A7CBFA}" type="slidenum">
               <a:rPr lang="en-US" smtClean="0"/>
+              <a:t>4</a:t>
             </a:fld>
             <a:endParaRPr lang="en-US" dirty="0"/>
           </a:p>
@@ -13689,7 +13683,6 @@
               <a:rPr lang="en-US" dirty="0"/>
               <a:t>Limitations of the Datasets</a:t>
             </a:r>
-            <a:endParaRPr lang="en-US" dirty="0"/>
           </a:p>
         </p:txBody>
       </p:sp>
@@ -13719,28 +13712,24 @@
               <a:rPr lang="en-US" dirty="0"/>
               <a:t>The largest limitation of the available data is that it’s a snapshot only. AirBnB did not have available ongoing historical data for public use, and that would have been too large to work with, so our data has two different start dates rather than looking at identical moments in time.</a:t>
             </a:r>
-            <a:endParaRPr lang="en-US" dirty="0"/>
           </a:p>
           <a:p>
             <a:r>
               <a:rPr lang="en-US" dirty="0"/>
               <a:t>The second large limitation was the amount of data entered by the AirBnB hosts themselves. As a web-scraped set of data, there is a large volume of data which needed to be removed as it caused inaccuracies.</a:t>
             </a:r>
-            <a:endParaRPr lang="en-US" dirty="0"/>
           </a:p>
           <a:p>
             <a:r>
               <a:rPr lang="en-US" dirty="0"/>
               <a:t>Availability is given as a True/False in the AirBnB calendar. However, while we assume False to be a booking, it can also indicate that the listing was made unavailable by the host during those dates.</a:t>
             </a:r>
-            <a:endParaRPr lang="en-US" dirty="0"/>
           </a:p>
           <a:p>
             <a:r>
               <a:rPr lang="en-US" dirty="0"/>
               <a:t>Pricing data presents extreme outliers within the dataset, this is likely because some bookings are only made available for long term stays, but their host has listed that price as the daily price.</a:t>
             </a:r>
-            <a:endParaRPr lang="en-US" dirty="0"/>
           </a:p>
         </p:txBody>
       </p:sp>
@@ -13763,7 +13752,6 @@
               <a:rPr lang="en-US" dirty="0"/>
               <a:t>Add a Footer</a:t>
             </a:r>
-            <a:endParaRPr lang="en-US" dirty="0"/>
           </a:p>
         </p:txBody>
       </p:sp>
@@ -13784,6 +13772,7 @@
           <a:p>
             <a:fld id="{8C2E478F-E849-4A8C-AF1F-CBCC78A7CBFA}" type="slidenum">
               <a:rPr lang="en-US" smtClean="0"/>
+              <a:t>5</a:t>
             </a:fld>
             <a:endParaRPr lang="en-US" dirty="0"/>
           </a:p>
@@ -13808,7 +13797,6 @@
               <a:rPr lang="en-US" dirty="0"/>
               <a:t>Title</a:t>
             </a:r>
-            <a:endParaRPr lang="en-US" dirty="0"/>
           </a:p>
         </p:txBody>
       </p:sp>
@@ -13821,7 +13809,7 @@
           <p:nvPr/>
         </p:nvPicPr>
         <p:blipFill>
-          <a:blip r:embed="rId1"/>
+          <a:blip r:embed="rId2"/>
           <a:stretch>
             <a:fillRect/>
           </a:stretch>
@@ -13845,7 +13833,7 @@
           <p:nvPr/>
         </p:nvPicPr>
         <p:blipFill>
-          <a:blip r:embed="rId2"/>
+          <a:blip r:embed="rId3"/>
           <a:stretch>
             <a:fillRect/>
           </a:stretch>
@@ -13909,7 +13897,6 @@
               <a:rPr lang="en-US" dirty="0"/>
               <a:t>Which Melbourne Areas have the most AirBnB listings</a:t>
             </a:r>
-            <a:endParaRPr lang="en-US" dirty="0"/>
           </a:p>
         </p:txBody>
       </p:sp>
@@ -13942,21 +13929,18 @@
               <a:rPr lang="en-US" dirty="0"/>
               <a:t>The top 5 local government areas in the 2019 data were:</a:t>
             </a:r>
-            <a:endParaRPr lang="en-US" dirty="0"/>
           </a:p>
           <a:p>
             <a:r>
               <a:rPr lang="en-US" dirty="0"/>
               <a:t>Melbourne</a:t>
             </a:r>
-            <a:endParaRPr lang="en-US" dirty="0"/>
           </a:p>
           <a:p>
             <a:r>
               <a:rPr lang="en-US" dirty="0"/>
               <a:t>Port Phillip</a:t>
             </a:r>
-            <a:endParaRPr lang="en-US" dirty="0"/>
           </a:p>
           <a:p>
             <a:r>
@@ -13977,7 +13961,6 @@
               <a:rPr lang="en-US" dirty="0"/>
               <a:t>Moreland</a:t>
             </a:r>
-            <a:endParaRPr lang="en-US" dirty="0"/>
           </a:p>
           <a:p>
             <a:pPr marL="0" indent="0">
@@ -13987,7 +13970,6 @@
               <a:rPr lang="en-US" dirty="0"/>
               <a:t>These also remained the most populated with listings in the 2020 data, as seen in the table on the right.</a:t>
             </a:r>
-            <a:endParaRPr lang="en-US" dirty="0"/>
           </a:p>
           <a:p>
             <a:pPr marL="0" indent="0">
@@ -13997,7 +13979,6 @@
               <a:rPr lang="en-US" dirty="0"/>
               <a:t>The total 2019 listings were 22,895 and 2020 had 20,420.</a:t>
             </a:r>
-            <a:endParaRPr lang="en-US" dirty="0"/>
           </a:p>
           <a:p>
             <a:pPr marL="0" indent="0">
@@ -14007,7 +13988,6 @@
               <a:rPr lang="en-US" dirty="0"/>
               <a:t>This means that AirBnB lost 2,475 listings between the two data scrapes.</a:t>
             </a:r>
-            <a:endParaRPr lang="en-US" dirty="0"/>
           </a:p>
         </p:txBody>
       </p:sp>
@@ -14030,7 +14010,6 @@
               <a:rPr lang="en-US" dirty="0"/>
               <a:t>Add a Footer</a:t>
             </a:r>
-            <a:endParaRPr lang="en-US" dirty="0"/>
           </a:p>
         </p:txBody>
       </p:sp>
@@ -14051,6 +14030,7 @@
           <a:p>
             <a:fld id="{8C2E478F-E849-4A8C-AF1F-CBCC78A7CBFA}" type="slidenum">
               <a:rPr lang="en-US" smtClean="0"/>
+              <a:t>6</a:t>
             </a:fld>
             <a:endParaRPr lang="en-US" dirty="0"/>
           </a:p>
@@ -14077,10 +14057,34 @@
                 <a:tableStyleId>{5C22544A-7EE6-4342-B048-85BDC9FD1C3A}</a:tableStyleId>
               </a:tblPr>
               <a:tblGrid>
-                <a:gridCol w="1783785"/>
-                <a:gridCol w="1384531"/>
-                <a:gridCol w="1375688"/>
-                <a:gridCol w="1514668"/>
+                <a:gridCol w="1783785">
+                  <a:extLst>
+                    <a:ext uri="{9D8B030D-6E8A-4147-A177-3AD203B41FA5}">
+                      <a16:colId xmlns:a16="http://schemas.microsoft.com/office/drawing/2014/main" val="20000"/>
+                    </a:ext>
+                  </a:extLst>
+                </a:gridCol>
+                <a:gridCol w="1384531">
+                  <a:extLst>
+                    <a:ext uri="{9D8B030D-6E8A-4147-A177-3AD203B41FA5}">
+                      <a16:colId xmlns:a16="http://schemas.microsoft.com/office/drawing/2014/main" val="20001"/>
+                    </a:ext>
+                  </a:extLst>
+                </a:gridCol>
+                <a:gridCol w="1375688">
+                  <a:extLst>
+                    <a:ext uri="{9D8B030D-6E8A-4147-A177-3AD203B41FA5}">
+                      <a16:colId xmlns:a16="http://schemas.microsoft.com/office/drawing/2014/main" val="20002"/>
+                    </a:ext>
+                  </a:extLst>
+                </a:gridCol>
+                <a:gridCol w="1514668">
+                  <a:extLst>
+                    <a:ext uri="{9D8B030D-6E8A-4147-A177-3AD203B41FA5}">
+                      <a16:colId xmlns:a16="http://schemas.microsoft.com/office/drawing/2014/main" val="20003"/>
+                    </a:ext>
+                  </a:extLst>
+                </a:gridCol>
               </a:tblGrid>
               <a:tr h="1224268">
                 <a:tc>
@@ -14097,11 +14101,6 @@
                         </a:rPr>
                         <a:t>Local Government Area</a:t>
                       </a:r>
-                      <a:endParaRPr lang="en-AU" dirty="0">
-                        <a:solidFill>
-                          <a:schemeClr val="tx1"/>
-                        </a:solidFill>
-                      </a:endParaRPr>
                     </a:p>
                   </a:txBody>
                   <a:tcPr/>
@@ -14120,11 +14119,6 @@
                         </a:rPr>
                         <a:t>2019 Listings</a:t>
                       </a:r>
-                      <a:endParaRPr lang="en-AU" dirty="0">
-                        <a:solidFill>
-                          <a:schemeClr val="tx1"/>
-                        </a:solidFill>
-                      </a:endParaRPr>
                     </a:p>
                   </a:txBody>
                   <a:tcPr/>
@@ -14143,11 +14137,6 @@
                         </a:rPr>
                         <a:t>2020 Listings</a:t>
                       </a:r>
-                      <a:endParaRPr lang="en-AU" dirty="0">
-                        <a:solidFill>
-                          <a:schemeClr val="tx1"/>
-                        </a:solidFill>
-                      </a:endParaRPr>
                     </a:p>
                   </a:txBody>
                   <a:tcPr/>
@@ -14166,15 +14155,15 @@
                         </a:rPr>
                         <a:t>Change in Listings from 2020 and 2019</a:t>
                       </a:r>
-                      <a:endParaRPr lang="en-AU" dirty="0">
-                        <a:solidFill>
-                          <a:schemeClr val="tx1"/>
-                        </a:solidFill>
-                      </a:endParaRPr>
                     </a:p>
                   </a:txBody>
                   <a:tcPr/>
                 </a:tc>
+                <a:extLst>
+                  <a:ext uri="{0D108BD9-81ED-4DB2-BD59-A6C34878D82A}">
+                    <a16:rowId xmlns:a16="http://schemas.microsoft.com/office/drawing/2014/main" val="10000"/>
+                  </a:ext>
+                </a:extLst>
               </a:tr>
               <a:tr h="414124">
                 <a:tc>
@@ -14186,7 +14175,6 @@
                         <a:rPr lang="en-AU" dirty="0"/>
                         <a:t>Melbourne</a:t>
                       </a:r>
-                      <a:endParaRPr lang="en-AU" dirty="0"/>
                     </a:p>
                   </a:txBody>
                   <a:tcPr/>
@@ -14201,7 +14189,6 @@
                         <a:rPr lang="en-AU" dirty="0"/>
                         <a:t>7368</a:t>
                       </a:r>
-                      <a:endParaRPr lang="en-AU" dirty="0"/>
                     </a:p>
                   </a:txBody>
                   <a:tcPr/>
@@ -14216,7 +14203,6 @@
                         <a:rPr lang="en-AU" dirty="0"/>
                         <a:t>6174</a:t>
                       </a:r>
-                      <a:endParaRPr lang="en-AU" dirty="0"/>
                     </a:p>
                   </a:txBody>
                   <a:tcPr/>
@@ -14231,11 +14217,15 @@
                         <a:rPr lang="en-AU" dirty="0"/>
                         <a:t>-1194</a:t>
                       </a:r>
-                      <a:endParaRPr lang="en-AU" dirty="0"/>
                     </a:p>
                   </a:txBody>
                   <a:tcPr/>
                 </a:tc>
+                <a:extLst>
+                  <a:ext uri="{0D108BD9-81ED-4DB2-BD59-A6C34878D82A}">
+                    <a16:rowId xmlns:a16="http://schemas.microsoft.com/office/drawing/2014/main" val="10001"/>
+                  </a:ext>
+                </a:extLst>
               </a:tr>
               <a:tr h="414124">
                 <a:tc>
@@ -14247,7 +14237,6 @@
                         <a:rPr lang="en-AU" dirty="0"/>
                         <a:t>Port Phillip</a:t>
                       </a:r>
-                      <a:endParaRPr lang="en-AU" dirty="0"/>
                     </a:p>
                   </a:txBody>
                   <a:tcPr/>
@@ -14262,7 +14251,6 @@
                         <a:rPr lang="en-AU" dirty="0"/>
                         <a:t>2808</a:t>
                       </a:r>
-                      <a:endParaRPr lang="en-AU" dirty="0"/>
                     </a:p>
                   </a:txBody>
                   <a:tcPr/>
@@ -14277,7 +14265,6 @@
                         <a:rPr lang="en-AU" dirty="0"/>
                         <a:t>2498</a:t>
                       </a:r>
-                      <a:endParaRPr lang="en-AU" dirty="0"/>
                     </a:p>
                   </a:txBody>
                   <a:tcPr/>
@@ -14292,11 +14279,15 @@
                         <a:rPr lang="en-AU" dirty="0"/>
                         <a:t>-310</a:t>
                       </a:r>
-                      <a:endParaRPr lang="en-AU" dirty="0"/>
                     </a:p>
                   </a:txBody>
                   <a:tcPr/>
                 </a:tc>
+                <a:extLst>
+                  <a:ext uri="{0D108BD9-81ED-4DB2-BD59-A6C34878D82A}">
+                    <a16:rowId xmlns:a16="http://schemas.microsoft.com/office/drawing/2014/main" val="10002"/>
+                  </a:ext>
+                </a:extLst>
               </a:tr>
               <a:tr h="414124">
                 <a:tc>
@@ -14308,7 +14299,6 @@
                         <a:rPr lang="en-AU" dirty="0"/>
                         <a:t>Yarra</a:t>
                       </a:r>
-                      <a:endParaRPr lang="en-AU" dirty="0"/>
                     </a:p>
                   </a:txBody>
                   <a:tcPr/>
@@ -14323,7 +14313,6 @@
                         <a:rPr lang="en-AU" dirty="0"/>
                         <a:t>2049</a:t>
                       </a:r>
-                      <a:endParaRPr lang="en-AU" dirty="0"/>
                     </a:p>
                   </a:txBody>
                   <a:tcPr/>
@@ -14338,7 +14327,6 @@
                         <a:rPr lang="en-AU" dirty="0"/>
                         <a:t>1578</a:t>
                       </a:r>
-                      <a:endParaRPr lang="en-AU" dirty="0"/>
                     </a:p>
                   </a:txBody>
                   <a:tcPr/>
@@ -14353,11 +14341,15 @@
                         <a:rPr lang="en-AU" dirty="0"/>
                         <a:t>-471</a:t>
                       </a:r>
-                      <a:endParaRPr lang="en-AU" dirty="0"/>
                     </a:p>
                   </a:txBody>
                   <a:tcPr/>
                 </a:tc>
+                <a:extLst>
+                  <a:ext uri="{0D108BD9-81ED-4DB2-BD59-A6C34878D82A}">
+                    <a16:rowId xmlns:a16="http://schemas.microsoft.com/office/drawing/2014/main" val="10003"/>
+                  </a:ext>
+                </a:extLst>
               </a:tr>
               <a:tr h="414124">
                 <a:tc>
@@ -14369,7 +14361,6 @@
                         <a:rPr lang="en-AU" dirty="0"/>
                         <a:t>Stonnington</a:t>
                       </a:r>
-                      <a:endParaRPr lang="en-AU" dirty="0"/>
                     </a:p>
                   </a:txBody>
                   <a:tcPr/>
@@ -14384,7 +14375,6 @@
                         <a:rPr lang="en-AU" dirty="0"/>
                         <a:t>1621</a:t>
                       </a:r>
-                      <a:endParaRPr lang="en-AU" dirty="0"/>
                     </a:p>
                   </a:txBody>
                   <a:tcPr/>
@@ -14399,7 +14389,6 @@
                         <a:rPr lang="en-AU" dirty="0"/>
                         <a:t>1369</a:t>
                       </a:r>
-                      <a:endParaRPr lang="en-AU" dirty="0"/>
                     </a:p>
                   </a:txBody>
                   <a:tcPr/>
@@ -14414,11 +14403,15 @@
                         <a:rPr lang="en-AU" dirty="0"/>
                         <a:t>-252</a:t>
                       </a:r>
-                      <a:endParaRPr lang="en-AU" dirty="0"/>
                     </a:p>
                   </a:txBody>
                   <a:tcPr/>
                 </a:tc>
+                <a:extLst>
+                  <a:ext uri="{0D108BD9-81ED-4DB2-BD59-A6C34878D82A}">
+                    <a16:rowId xmlns:a16="http://schemas.microsoft.com/office/drawing/2014/main" val="10004"/>
+                  </a:ext>
+                </a:extLst>
               </a:tr>
               <a:tr h="414124">
                 <a:tc>
@@ -14430,7 +14423,6 @@
                         <a:rPr lang="en-AU" dirty="0"/>
                         <a:t>Moreland</a:t>
                       </a:r>
-                      <a:endParaRPr lang="en-AU" dirty="0"/>
                     </a:p>
                   </a:txBody>
                   <a:tcPr/>
@@ -14445,7 +14437,6 @@
                         <a:rPr lang="en-AU" dirty="0"/>
                         <a:t>967</a:t>
                       </a:r>
-                      <a:endParaRPr lang="en-AU" dirty="0"/>
                     </a:p>
                   </a:txBody>
                   <a:tcPr/>
@@ -14460,7 +14451,6 @@
                         <a:rPr lang="en-AU" dirty="0"/>
                         <a:t>863</a:t>
                       </a:r>
-                      <a:endParaRPr lang="en-AU" dirty="0"/>
                     </a:p>
                   </a:txBody>
                   <a:tcPr/>
@@ -14475,11 +14465,15 @@
                         <a:rPr lang="en-AU" dirty="0"/>
                         <a:t>-104</a:t>
                       </a:r>
-                      <a:endParaRPr lang="en-AU" dirty="0"/>
                     </a:p>
                   </a:txBody>
                   <a:tcPr/>
                 </a:tc>
+                <a:extLst>
+                  <a:ext uri="{0D108BD9-81ED-4DB2-BD59-A6C34878D82A}">
+                    <a16:rowId xmlns:a16="http://schemas.microsoft.com/office/drawing/2014/main" val="10005"/>
+                  </a:ext>
+                </a:extLst>
               </a:tr>
             </a:tbl>
           </a:graphicData>
@@ -14638,7 +14632,6 @@
               <a:rPr lang="en-US" dirty="0"/>
               <a:t>Add a Footer</a:t>
             </a:r>
-            <a:endParaRPr lang="en-US" dirty="0"/>
           </a:p>
         </p:txBody>
       </p:sp>
@@ -14659,6 +14652,7 @@
           <a:p>
             <a:fld id="{8C2E478F-E849-4A8C-AF1F-CBCC78A7CBFA}" type="slidenum">
               <a:rPr lang="en-US" smtClean="0"/>
+              <a:t>7</a:t>
             </a:fld>
             <a:endParaRPr lang="en-US" dirty="0"/>
           </a:p>
@@ -14673,7 +14667,7 @@
           <p:nvPr/>
         </p:nvPicPr>
         <p:blipFill>
-          <a:blip r:embed="rId1"/>
+          <a:blip r:embed="rId2"/>
           <a:stretch>
             <a:fillRect/>
           </a:stretch>
@@ -14738,7 +14732,6 @@
               <a:rPr lang="en-AU" dirty="0"/>
               <a:t>Listings – Heatmap of Prices</a:t>
             </a:r>
-            <a:endParaRPr lang="en-AU" dirty="0"/>
           </a:p>
         </p:txBody>
       </p:sp>
@@ -14782,6 +14775,7 @@
           <a:p>
             <a:fld id="{8C2E478F-E849-4A8C-AF1F-CBCC78A7CBFA}" type="slidenum">
               <a:rPr lang="en-US" smtClean="0"/>
+              <a:t>8</a:t>
             </a:fld>
             <a:endParaRPr lang="en-US" dirty="0"/>
           </a:p>
@@ -14796,7 +14790,7 @@
           <p:nvPr/>
         </p:nvPicPr>
         <p:blipFill rotWithShape="1">
-          <a:blip r:embed="rId1"/>
+          <a:blip r:embed="rId2"/>
           <a:srcRect l="20338" r="8373"/>
           <a:stretch>
             <a:fillRect/>
@@ -14821,7 +14815,7 @@
           <p:nvPr/>
         </p:nvPicPr>
         <p:blipFill rotWithShape="1">
-          <a:blip r:embed="rId2"/>
+          <a:blip r:embed="rId3"/>
           <a:srcRect l="19329" t="-375" r="7308" b="375"/>
           <a:stretch>
             <a:fillRect/>
@@ -14948,7 +14942,7 @@
           </p:nvPr>
         </p:nvPicPr>
         <p:blipFill>
-          <a:blip r:embed="rId1"/>
+          <a:blip r:embed="rId2"/>
           <a:stretch>
             <a:fillRect/>
           </a:stretch>
@@ -15006,7 +15000,7 @@
         </p:spPr>
         <p:txBody>
           <a:bodyPr>
-            <a:normAutofit lnSpcReduction="10000"/>
+            <a:noAutofit/>
           </a:bodyPr>
           <a:lstStyle/>
           <a:p>
@@ -15040,7 +15034,6 @@
               <a:rPr lang="en-US" b="1" dirty="0"/>
               <a:t>20,420</a:t>
             </a:r>
-            <a:endParaRPr lang="en-US" b="1" dirty="0"/>
           </a:p>
           <a:p>
             <a:r>
@@ -15055,7 +15048,6 @@
               <a:rPr lang="en-US" dirty="0"/>
               <a:t> for both years 2019 and 2020.</a:t>
             </a:r>
-            <a:endParaRPr lang="en-US" dirty="0"/>
           </a:p>
           <a:p>
             <a:r>
@@ -15078,7 +15070,6 @@
               <a:rPr lang="en-US" dirty="0"/>
               <a:t>.</a:t>
             </a:r>
-            <a:endParaRPr lang="en-US" dirty="0"/>
           </a:p>
           <a:p>
             <a:r>
@@ -15089,7 +15080,6 @@
               <a:rPr lang="en-US" dirty="0"/>
               <a:t>introduced as Airbnb listing in 2020</a:t>
             </a:r>
-            <a:endParaRPr lang="en-US" dirty="0"/>
           </a:p>
         </p:txBody>
       </p:sp>
@@ -15133,6 +15123,7 @@
           <a:p>
             <a:fld id="{8C2E478F-E849-4A8C-AF1F-CBCC78A7CBFA}" type="slidenum">
               <a:rPr lang="en-US" smtClean="0"/>
+              <a:t>9</a:t>
             </a:fld>
             <a:endParaRPr lang="en-US" dirty="0"/>
           </a:p>
@@ -15147,7 +15138,7 @@
           <p:nvPr/>
         </p:nvPicPr>
         <p:blipFill>
-          <a:blip r:embed="rId2">
+          <a:blip r:embed="rId3">
             <a:extLst>
               <a:ext uri="{28A0092B-C50C-407E-A947-70E740481C1C}">
                 <a14:useLocalDpi xmlns:a14="http://schemas.microsoft.com/office/drawing/2010/main" val="0"/>
@@ -15177,7 +15168,7 @@
           <p:nvPr/>
         </p:nvPicPr>
         <p:blipFill>
-          <a:blip r:embed="rId3">
+          <a:blip r:embed="rId4">
             <a:extLst>
               <a:ext uri="{28A0092B-C50C-407E-A947-70E740481C1C}">
                 <a14:useLocalDpi xmlns:a14="http://schemas.microsoft.com/office/drawing/2010/main" val="0"/>
@@ -15329,19 +15320,6 @@
               </a:rPr>
               <a:t>Room Listings for 2020</a:t>
             </a:r>
-            <a:endParaRPr lang="en-GB" sz="1200" b="1" u="sng" dirty="0">
-              <a:ln w="0"/>
-              <a:solidFill>
-                <a:schemeClr val="accent1"/>
-              </a:solidFill>
-              <a:effectLst>
-                <a:outerShdw blurRad="38100" dist="25400" dir="5400000" algn="ctr" rotWithShape="0">
-                  <a:srgbClr val="6E747A">
-                    <a:alpha val="43000"/>
-                  </a:srgbClr>
-                </a:outerShdw>
-              </a:effectLst>
-            </a:endParaRPr>
           </a:p>
         </p:txBody>
       </p:sp>
@@ -15477,19 +15455,6 @@
               </a:rPr>
               <a:t>Room Listings for 2019</a:t>
             </a:r>
-            <a:endParaRPr lang="en-GB" sz="1200" b="1" u="sng" dirty="0">
-              <a:ln w="0"/>
-              <a:solidFill>
-                <a:schemeClr val="accent1"/>
-              </a:solidFill>
-              <a:effectLst>
-                <a:outerShdw blurRad="38100" dist="25400" dir="5400000" algn="ctr" rotWithShape="0">
-                  <a:srgbClr val="6E747A">
-                    <a:alpha val="43000"/>
-                  </a:srgbClr>
-                </a:outerShdw>
-              </a:effectLst>
-            </a:endParaRPr>
           </a:p>
         </p:txBody>
       </p:sp>
@@ -15692,6 +15657,8 @@
       </a:bgFillStyleLst>
     </a:fmtScheme>
   </a:themeElements>
+  <a:objectDefaults/>
+  <a:extraClrSchemeLst/>
   <a:extLst>
     <a:ext uri="{05A4C25C-085E-4340-85A3-A5531E510DB2}">
       <thm15:themeFamily xmlns:thm15="http://schemas.microsoft.com/office/thememl/2012/main" name="Office Theme" id="{62F939B6-93AF-4DB8-9C6B-D6C7DFDC589F}" vid="{4A3C46E8-61CC-4603-A589-7422A47A8E4A}"/>
@@ -15951,6 +15918,8 @@
       </a:bgFillStyleLst>
     </a:fmtScheme>
   </a:themeElements>
+  <a:objectDefaults/>
+  <a:extraClrSchemeLst/>
   <a:extLst>
     <a:ext uri="{05A4C25C-085E-4340-85A3-A5531E510DB2}">
       <thm15:themeFamily xmlns:thm15="http://schemas.microsoft.com/office/thememl/2012/main" name="Office Theme" id="{62F939B6-93AF-4DB8-9C6B-D6C7DFDC589F}" vid="{4A3C46E8-61CC-4603-A589-7422A47A8E4A}"/>
@@ -16210,6 +16179,8 @@
       </a:bgFillStyleLst>
     </a:fmtScheme>
   </a:themeElements>
+  <a:objectDefaults/>
+  <a:extraClrSchemeLst/>
   <a:extLst>
     <a:ext uri="{05A4C25C-085E-4340-85A3-A5531E510DB2}">
       <thm15:themeFamily xmlns:thm15="http://schemas.microsoft.com/office/thememl/2012/main" name="Office Theme" id="{62F939B6-93AF-4DB8-9C6B-D6C7DFDC589F}" vid="{4A3C46E8-61CC-4603-A589-7422A47A8E4A}"/>

--- a/AirBnb Project - Sherin, Neena and Cody.pptx
+++ b/AirBnb Project - Sherin, Neena and Cody.pptx
@@ -9811,7 +9811,7 @@
           <a:p>
             <a:r>
               <a:rPr lang="en-US" sz="3200" dirty="0"/>
-              <a:t>Regional vs Urban City Listings</a:t>
+              <a:t>Regional vs MELBOURNE City Listings</a:t>
             </a:r>
             <a:endParaRPr lang="en-AU" dirty="0"/>
           </a:p>

--- a/AirBnb Project - Sherin, Neena and Cody.pptx
+++ b/AirBnb Project - Sherin, Neena and Cody.pptx
@@ -9841,7 +9841,7 @@
           <a:p>
             <a:r>
               <a:rPr lang="en-US" dirty="0"/>
-              <a:t>Comparison of Airbnb listings between Urban and Regional areas</a:t>
+              <a:t>Comparison of Airbnb listings between city of Melbourne and Regional areas</a:t>
             </a:r>
           </a:p>
           <a:p>

--- a/AirBnb Project - Sherin, Neena and Cody.pptx
+++ b/AirBnb Project - Sherin, Neena and Cody.pptx
@@ -9419,28 +9419,6 @@
       </p:sp>
       <p:sp>
         <p:nvSpPr>
-          <p:cNvPr id="3" name="Footer Placeholder 2"/>
-          <p:cNvSpPr>
-            <a:spLocks noGrp="1"/>
-          </p:cNvSpPr>
-          <p:nvPr>
-            <p:ph type="ftr" sz="quarter" idx="16"/>
-          </p:nvPr>
-        </p:nvSpPr>
-        <p:spPr/>
-        <p:txBody>
-          <a:bodyPr/>
-          <a:lstStyle/>
-          <a:p>
-            <a:r>
-              <a:rPr lang="en-US" dirty="0"/>
-              <a:t>Add a Footer</a:t>
-            </a:r>
-          </a:p>
-        </p:txBody>
-      </p:sp>
-      <p:sp>
-        <p:nvSpPr>
           <p:cNvPr id="11" name="Rectangle: Single Corner Snipped 10" descr="Footer accent box"/>
           <p:cNvSpPr/>
           <p:nvPr/>
@@ -12755,28 +12733,6 @@
         </p:blipFill>
         <p:spPr/>
       </p:pic>
-      <p:sp>
-        <p:nvSpPr>
-          <p:cNvPr id="2" name="Footer Placeholder 1"/>
-          <p:cNvSpPr>
-            <a:spLocks noGrp="1"/>
-          </p:cNvSpPr>
-          <p:nvPr>
-            <p:ph type="ftr" sz="quarter" idx="14"/>
-          </p:nvPr>
-        </p:nvSpPr>
-        <p:spPr/>
-        <p:txBody>
-          <a:bodyPr/>
-          <a:lstStyle/>
-          <a:p>
-            <a:r>
-              <a:rPr lang="en-US" dirty="0"/>
-              <a:t>Add a Footer</a:t>
-            </a:r>
-          </a:p>
-        </p:txBody>
-      </p:sp>
       <p:sp>
         <p:nvSpPr>
           <p:cNvPr id="10" name="Rectangle: Single Corner Snipped 9" descr="Footer accent box"/>
@@ -13283,28 +13239,6 @@
       </p:sp>
       <p:sp>
         <p:nvSpPr>
-          <p:cNvPr id="2" name="Footer Placeholder 1"/>
-          <p:cNvSpPr>
-            <a:spLocks noGrp="1"/>
-          </p:cNvSpPr>
-          <p:nvPr>
-            <p:ph type="ftr" sz="quarter" idx="16"/>
-          </p:nvPr>
-        </p:nvSpPr>
-        <p:spPr/>
-        <p:txBody>
-          <a:bodyPr/>
-          <a:lstStyle/>
-          <a:p>
-            <a:r>
-              <a:rPr lang="en-US" dirty="0"/>
-              <a:t>Add a Footer</a:t>
-            </a:r>
-          </a:p>
-        </p:txBody>
-      </p:sp>
-      <p:sp>
-        <p:nvSpPr>
           <p:cNvPr id="3" name="Slide Number Placeholder 2"/>
           <p:cNvSpPr>
             <a:spLocks noGrp="1"/>
@@ -13479,28 +13413,6 @@
         </p:blipFill>
         <p:spPr/>
       </p:pic>
-      <p:sp>
-        <p:nvSpPr>
-          <p:cNvPr id="2" name="Footer Placeholder 1"/>
-          <p:cNvSpPr>
-            <a:spLocks noGrp="1"/>
-          </p:cNvSpPr>
-          <p:nvPr>
-            <p:ph type="ftr" sz="quarter" idx="14"/>
-          </p:nvPr>
-        </p:nvSpPr>
-        <p:spPr/>
-        <p:txBody>
-          <a:bodyPr/>
-          <a:lstStyle/>
-          <a:p>
-            <a:r>
-              <a:rPr lang="en-US" dirty="0"/>
-              <a:t>Add a Footer</a:t>
-            </a:r>
-          </a:p>
-        </p:txBody>
-      </p:sp>
       <p:sp>
         <p:nvSpPr>
           <p:cNvPr id="10" name="Rectangle: Single Corner Snipped 9" descr="Footer accent box"/>
@@ -13729,28 +13641,6 @@
             <a:r>
               <a:rPr lang="en-US" dirty="0"/>
               <a:t>Pricing data presents extreme outliers within the dataset, this is likely because some bookings are only made available for long term stays, but their host has listed that price as the daily price.</a:t>
-            </a:r>
-          </a:p>
-        </p:txBody>
-      </p:sp>
-      <p:sp>
-        <p:nvSpPr>
-          <p:cNvPr id="2" name="Footer Placeholder 1"/>
-          <p:cNvSpPr>
-            <a:spLocks noGrp="1"/>
-          </p:cNvSpPr>
-          <p:nvPr>
-            <p:ph type="ftr" sz="quarter" idx="16"/>
-          </p:nvPr>
-        </p:nvSpPr>
-        <p:spPr/>
-        <p:txBody>
-          <a:bodyPr/>
-          <a:lstStyle/>
-          <a:p>
-            <a:r>
-              <a:rPr lang="en-US" dirty="0"/>
-              <a:t>Add a Footer</a:t>
             </a:r>
           </a:p>
         </p:txBody>
@@ -13987,28 +13877,6 @@
             <a:r>
               <a:rPr lang="en-US" dirty="0"/>
               <a:t>This means that AirBnB lost 2,475 listings between the two data scrapes.</a:t>
-            </a:r>
-          </a:p>
-        </p:txBody>
-      </p:sp>
-      <p:sp>
-        <p:nvSpPr>
-          <p:cNvPr id="11" name="Footer Placeholder 10"/>
-          <p:cNvSpPr>
-            <a:spLocks noGrp="1"/>
-          </p:cNvSpPr>
-          <p:nvPr>
-            <p:ph type="ftr" sz="quarter" idx="17"/>
-          </p:nvPr>
-        </p:nvSpPr>
-        <p:spPr/>
-        <p:txBody>
-          <a:bodyPr/>
-          <a:lstStyle/>
-          <a:p>
-            <a:r>
-              <a:rPr lang="en-US" dirty="0"/>
-              <a:t>Add a Footer</a:t>
             </a:r>
           </a:p>
         </p:txBody>
@@ -14615,28 +14483,6 @@
       </p:sp>
       <p:sp>
         <p:nvSpPr>
-          <p:cNvPr id="2" name="Footer Placeholder 1"/>
-          <p:cNvSpPr>
-            <a:spLocks noGrp="1"/>
-          </p:cNvSpPr>
-          <p:nvPr>
-            <p:ph type="ftr" sz="quarter" idx="10"/>
-          </p:nvPr>
-        </p:nvSpPr>
-        <p:spPr/>
-        <p:txBody>
-          <a:bodyPr/>
-          <a:lstStyle/>
-          <a:p>
-            <a:r>
-              <a:rPr lang="en-US" dirty="0"/>
-              <a:t>Add a Footer</a:t>
-            </a:r>
-          </a:p>
-        </p:txBody>
-      </p:sp>
-      <p:sp>
-        <p:nvSpPr>
           <p:cNvPr id="3" name="Slide Number Placeholder 2"/>
           <p:cNvSpPr>
             <a:spLocks noGrp="1"/>
@@ -14732,29 +14578,6 @@
               <a:rPr lang="en-AU" dirty="0"/>
               <a:t>Listings – Heatmap of Prices</a:t>
             </a:r>
-          </a:p>
-        </p:txBody>
-      </p:sp>
-      <p:sp>
-        <p:nvSpPr>
-          <p:cNvPr id="4" name="Footer Placeholder 3"/>
-          <p:cNvSpPr>
-            <a:spLocks noGrp="1"/>
-          </p:cNvSpPr>
-          <p:nvPr>
-            <p:ph type="ftr" sz="quarter" idx="10"/>
-          </p:nvPr>
-        </p:nvSpPr>
-        <p:spPr/>
-        <p:txBody>
-          <a:bodyPr/>
-          <a:lstStyle/>
-          <a:p>
-            <a:r>
-              <a:rPr lang="en-US"/>
-              <a:t>Add a Footer</a:t>
-            </a:r>
-            <a:endParaRPr lang="en-US" dirty="0"/>
           </a:p>
         </p:txBody>
       </p:sp>
@@ -14831,6 +14654,76 @@
           </a:prstGeom>
         </p:spPr>
       </p:pic>
+      <p:sp>
+        <p:nvSpPr>
+          <p:cNvPr id="2" name="TextBox 1">
+            <a:extLst>
+              <a:ext uri="{FF2B5EF4-FFF2-40B4-BE49-F238E27FC236}">
+                <a16:creationId xmlns:a16="http://schemas.microsoft.com/office/drawing/2014/main" id="{168943CD-C109-44C4-8300-CBB352FF143B}"/>
+              </a:ext>
+            </a:extLst>
+          </p:cNvPr>
+          <p:cNvSpPr txBox="1"/>
+          <p:nvPr/>
+        </p:nvSpPr>
+        <p:spPr>
+          <a:xfrm>
+            <a:off x="200026" y="935851"/>
+            <a:ext cx="788986" cy="369332"/>
+          </a:xfrm>
+          <a:prstGeom prst="rect">
+            <a:avLst/>
+          </a:prstGeom>
+          <a:noFill/>
+        </p:spPr>
+        <p:txBody>
+          <a:bodyPr wrap="square" rtlCol="0">
+            <a:spAutoFit/>
+          </a:bodyPr>
+          <a:lstStyle/>
+          <a:p>
+            <a:r>
+              <a:rPr lang="en-AU" dirty="0"/>
+              <a:t>2019</a:t>
+            </a:r>
+          </a:p>
+        </p:txBody>
+      </p:sp>
+      <p:sp>
+        <p:nvSpPr>
+          <p:cNvPr id="8" name="TextBox 7">
+            <a:extLst>
+              <a:ext uri="{FF2B5EF4-FFF2-40B4-BE49-F238E27FC236}">
+                <a16:creationId xmlns:a16="http://schemas.microsoft.com/office/drawing/2014/main" id="{4E1A79E9-D948-4FC1-A689-5855C47036A3}"/>
+              </a:ext>
+            </a:extLst>
+          </p:cNvPr>
+          <p:cNvSpPr txBox="1"/>
+          <p:nvPr/>
+        </p:nvSpPr>
+        <p:spPr>
+          <a:xfrm>
+            <a:off x="4822878" y="2813478"/>
+            <a:ext cx="788986" cy="369332"/>
+          </a:xfrm>
+          <a:prstGeom prst="rect">
+            <a:avLst/>
+          </a:prstGeom>
+          <a:noFill/>
+        </p:spPr>
+        <p:txBody>
+          <a:bodyPr wrap="square" rtlCol="0">
+            <a:spAutoFit/>
+          </a:bodyPr>
+          <a:lstStyle/>
+          <a:p>
+            <a:r>
+              <a:rPr lang="en-AU" dirty="0"/>
+              <a:t>2020</a:t>
+            </a:r>
+          </a:p>
+        </p:txBody>
+      </p:sp>
     </p:spTree>
   </p:cSld>
   <p:clrMapOvr>
@@ -14883,6 +14776,33 @@
                                   </p:childTnLst>
                                 </p:cTn>
                               </p:par>
+                              <p:par>
+                                <p:cTn id="7" presetID="1" presetClass="entr" presetSubtype="0" fill="hold" grpId="0" nodeType="withEffect">
+                                  <p:stCondLst>
+                                    <p:cond delay="0"/>
+                                  </p:stCondLst>
+                                  <p:childTnLst>
+                                    <p:set>
+                                      <p:cBhvr>
+                                        <p:cTn id="8" dur="1" fill="hold">
+                                          <p:stCondLst>
+                                            <p:cond delay="0"/>
+                                          </p:stCondLst>
+                                        </p:cTn>
+                                        <p:tgtEl>
+                                          <p:spTgt spid="8"/>
+                                        </p:tgtEl>
+                                        <p:attrNameLst>
+                                          <p:attrName>style.visibility</p:attrName>
+                                        </p:attrNameLst>
+                                      </p:cBhvr>
+                                      <p:to>
+                                        <p:strVal val="visible"/>
+                                      </p:to>
+                                    </p:set>
+                                  </p:childTnLst>
+                                </p:cTn>
+                              </p:par>
                             </p:childTnLst>
                           </p:cTn>
                         </p:par>
@@ -14910,6 +14830,9 @@
         </p:cTn>
       </p:par>
     </p:tnLst>
+    <p:bldLst>
+      <p:bldP spid="8" grpId="0"/>
+    </p:bldLst>
   </p:timing>
 </p:sld>
 </file>

--- a/AirBnb Project - Sherin, Neena and Cody.pptx
+++ b/AirBnb Project - Sherin, Neena and Cody.pptx
@@ -13360,18 +13360,59 @@
             </a:pPr>
             <a:r>
               <a:rPr lang="en-US" dirty="0"/>
-              <a:t>Our initial thoughts were that the data from 2020 would show a significant impact in reduced listings and decreased availability in the listings.</a:t>
-            </a:r>
-          </a:p>
-          <a:p>
-            <a:pPr>
+              <a:t>We expected to see:</a:t>
+            </a:r>
+          </a:p>
+          <a:p>
+            <a:pPr marL="285750" indent="-285750">
               <a:lnSpc>
                 <a:spcPct val="100000"/>
               </a:lnSpc>
+              <a:buFont typeface="Arial" panose="020B0604020202020204" pitchFamily="34" charset="0"/>
+              <a:buChar char="•"/>
             </a:pPr>
             <a:r>
               <a:rPr lang="en-US" dirty="0"/>
-              <a:t>We also expected to see Melbourne City be the most booked location for AirBnB’s.</a:t>
+              <a:t>Melbourne City having the largest volume of listings</a:t>
+            </a:r>
+          </a:p>
+          <a:p>
+            <a:pPr marL="285750" indent="-285750">
+              <a:lnSpc>
+                <a:spcPct val="100000"/>
+              </a:lnSpc>
+              <a:buFont typeface="Arial" panose="020B0604020202020204" pitchFamily="34" charset="0"/>
+              <a:buChar char="•"/>
+            </a:pPr>
+            <a:r>
+              <a:rPr lang="en-US" dirty="0"/>
+              <a:t>Melbourne City having the least availability in each listing across 2019/2020</a:t>
+            </a:r>
+          </a:p>
+          <a:p>
+            <a:pPr marL="285750" indent="-285750">
+              <a:lnSpc>
+                <a:spcPct val="100000"/>
+              </a:lnSpc>
+              <a:buFont typeface="Arial" panose="020B0604020202020204" pitchFamily="34" charset="0"/>
+              <a:buChar char="•"/>
+            </a:pPr>
+            <a:r>
+              <a:rPr lang="en-US" dirty="0"/>
+              <a:t>A decrease in listings from 2019 to 2020, especially in Entire Homes/Apartments and in Shared Rooms</a:t>
+            </a:r>
+          </a:p>
+          <a:p>
+            <a:pPr marL="285750" indent="-285750">
+              <a:lnSpc>
+                <a:spcPct val="100000"/>
+              </a:lnSpc>
+              <a:buFont typeface="Arial" panose="020B0604020202020204" pitchFamily="34" charset="0"/>
+              <a:buChar char="•"/>
+            </a:pPr>
+            <a:r>
+              <a:rPr lang="en-US" dirty="0"/>
+              <a:t>A relationship between price per night and number of days booked, lower nightly price to more days booked</a:t>
             </a:r>
           </a:p>
           <a:p>
@@ -14646,7 +14687,7 @@
         </p:blipFill>
         <p:spPr>
           <a:xfrm>
-            <a:off x="4822878" y="2708842"/>
+            <a:off x="4822878" y="2688964"/>
             <a:ext cx="7254822" cy="4124586"/>
           </a:xfrm>
           <a:prstGeom prst="rect">
@@ -14703,7 +14744,7 @@
         </p:nvSpPr>
         <p:spPr>
           <a:xfrm>
-            <a:off x="4822878" y="2813478"/>
+            <a:off x="4822878" y="2755405"/>
             <a:ext cx="788986" cy="369332"/>
           </a:xfrm>
           <a:prstGeom prst="rect">

--- a/AirBnb Project - Sherin, Neena and Cody.pptx
+++ b/AirBnb Project - Sherin, Neena and Cody.pptx
@@ -5,31 +5,31 @@
     <p:sldMasterId id="2147483648" r:id="rId1"/>
   </p:sldMasterIdLst>
   <p:notesMasterIdLst>
-    <p:notesMasterId r:id="rId21"/>
+    <p:notesMasterId r:id="rId5"/>
   </p:notesMasterIdLst>
   <p:handoutMasterIdLst>
-    <p:handoutMasterId r:id="rId22"/>
+    <p:handoutMasterId r:id="rId23"/>
   </p:handoutMasterIdLst>
   <p:sldIdLst>
-    <p:sldId id="2439" r:id="rId2"/>
-    <p:sldId id="260" r:id="rId3"/>
-    <p:sldId id="2434" r:id="rId4"/>
-    <p:sldId id="2447" r:id="rId5"/>
-    <p:sldId id="258" r:id="rId6"/>
-    <p:sldId id="2442" r:id="rId7"/>
-    <p:sldId id="2433" r:id="rId8"/>
-    <p:sldId id="2445" r:id="rId9"/>
-    <p:sldId id="2463" r:id="rId10"/>
-    <p:sldId id="2464" r:id="rId11"/>
-    <p:sldId id="2465" r:id="rId12"/>
-    <p:sldId id="2466" r:id="rId13"/>
-    <p:sldId id="2467" r:id="rId14"/>
-    <p:sldId id="2462" r:id="rId15"/>
-    <p:sldId id="2451" r:id="rId16"/>
-    <p:sldId id="2452" r:id="rId17"/>
-    <p:sldId id="2453" r:id="rId18"/>
-    <p:sldId id="2438" r:id="rId19"/>
-    <p:sldId id="2441" r:id="rId20"/>
+    <p:sldId id="2439" r:id="rId3"/>
+    <p:sldId id="260" r:id="rId4"/>
+    <p:sldId id="2434" r:id="rId6"/>
+    <p:sldId id="2447" r:id="rId7"/>
+    <p:sldId id="258" r:id="rId8"/>
+    <p:sldId id="2442" r:id="rId9"/>
+    <p:sldId id="2433" r:id="rId10"/>
+    <p:sldId id="2445" r:id="rId11"/>
+    <p:sldId id="2463" r:id="rId12"/>
+    <p:sldId id="2464" r:id="rId13"/>
+    <p:sldId id="2465" r:id="rId14"/>
+    <p:sldId id="2466" r:id="rId15"/>
+    <p:sldId id="2467" r:id="rId16"/>
+    <p:sldId id="2462" r:id="rId17"/>
+    <p:sldId id="2451" r:id="rId18"/>
+    <p:sldId id="2452" r:id="rId19"/>
+    <p:sldId id="2453" r:id="rId20"/>
+    <p:sldId id="2438" r:id="rId21"/>
+    <p:sldId id="2441" r:id="rId22"/>
   </p:sldIdLst>
   <p:sldSz cx="12192000" cy="6858000"/>
   <p:notesSz cx="6858000" cy="9144000"/>
@@ -128,14 +128,6 @@
       </a:defRPr>
     </a:lvl9pPr>
   </p:defaultTextStyle>
-  <p:extLst>
-    <p:ext uri="{EFAFB233-063F-42B5-8137-9DF3F51BA10A}">
-      <p15:sldGuideLst xmlns:p15="http://schemas.microsoft.com/office/powerpoint/2012/main"/>
-    </p:ext>
-    <p:ext uri="{2D200454-40CA-4A62-9FC3-DE9A4176ACB9}">
-      <p15:notesGuideLst xmlns:p15="http://schemas.microsoft.com/office/powerpoint/2012/main"/>
-    </p:ext>
-  </p:extLst>
 </p:presentation>
 </file>
 
@@ -221,7 +213,6 @@
           <a:p>
             <a:fld id="{D1CB9CF0-A540-4793-A5F3-F4917CFDDCB6}" type="datetimeFigureOut">
               <a:rPr lang="en-US" smtClean="0"/>
-              <a:t>6/28/2021</a:t>
             </a:fld>
             <a:endParaRPr lang="en-US" dirty="0"/>
           </a:p>
@@ -287,18 +278,12 @@
           <a:p>
             <a:fld id="{73422B72-BD1C-4F41-B10E-CA0BEB17901E}" type="slidenum">
               <a:rPr lang="en-US" smtClean="0"/>
-              <a:t>‹#›</a:t>
             </a:fld>
             <a:endParaRPr lang="en-US" dirty="0"/>
           </a:p>
         </p:txBody>
       </p:sp>
     </p:spTree>
-    <p:extLst>
-      <p:ext uri="{BB962C8B-B14F-4D97-AF65-F5344CB8AC3E}">
-        <p14:creationId xmlns:p14="http://schemas.microsoft.com/office/powerpoint/2010/main" val="1"/>
-      </p:ext>
-    </p:extLst>
   </p:cSld>
   <p:clrMap bg1="lt1" tx1="dk1" bg2="lt2" tx2="dk2" accent1="accent1" accent2="accent2" accent3="accent3" accent4="accent4" accent5="accent5" accent6="accent6" hlink="hlink" folHlink="folHlink"/>
 </p:handoutMaster>
@@ -386,7 +371,6 @@
           <a:p>
             <a:fld id="{EDA03753-A5BE-4D79-AEA9-C0A65A6F8851}" type="datetimeFigureOut">
               <a:rPr lang="en-US" smtClean="0"/>
-              <a:t>6/28/2021</a:t>
             </a:fld>
             <a:endParaRPr lang="en-US" dirty="0"/>
           </a:p>
@@ -453,6 +437,7 @@
               <a:rPr lang="en-US"/>
               <a:t>Edit Master text styles</a:t>
             </a:r>
+            <a:endParaRPr lang="en-US"/>
           </a:p>
           <a:p>
             <a:pPr lvl="1"/>
@@ -460,6 +445,7 @@
               <a:rPr lang="en-US"/>
               <a:t>Second level</a:t>
             </a:r>
+            <a:endParaRPr lang="en-US"/>
           </a:p>
           <a:p>
             <a:pPr lvl="2"/>
@@ -467,6 +453,7 @@
               <a:rPr lang="en-US"/>
               <a:t>Third level</a:t>
             </a:r>
+            <a:endParaRPr lang="en-US"/>
           </a:p>
           <a:p>
             <a:pPr lvl="3"/>
@@ -474,6 +461,7 @@
               <a:rPr lang="en-US"/>
               <a:t>Fourth level</a:t>
             </a:r>
+            <a:endParaRPr lang="en-US"/>
           </a:p>
           <a:p>
             <a:pPr lvl="4"/>
@@ -481,6 +469,7 @@
               <a:rPr lang="en-US"/>
               <a:t>Fifth level</a:t>
             </a:r>
+            <a:endParaRPr lang="en-US"/>
           </a:p>
         </p:txBody>
       </p:sp>
@@ -544,7 +533,6 @@
           <a:p>
             <a:fld id="{AA3BE989-76B8-4F13-9267-01FDA45C437A}" type="slidenum">
               <a:rPr lang="en-US" smtClean="0"/>
-              <a:t>‹#›</a:t>
             </a:fld>
             <a:endParaRPr lang="en-US" dirty="0"/>
           </a:p>
@@ -713,7 +701,6 @@
           <a:p>
             <a:fld id="{AA3BE989-76B8-4F13-9267-01FDA45C437A}" type="slidenum">
               <a:rPr lang="en-US" smtClean="0"/>
-              <a:t>2</a:t>
             </a:fld>
             <a:endParaRPr lang="en-US" dirty="0"/>
           </a:p>
@@ -792,7 +779,6 @@
           <a:p>
             <a:fld id="{AA3BE989-76B8-4F13-9267-01FDA45C437A}" type="slidenum">
               <a:rPr lang="en-US" smtClean="0"/>
-              <a:t>4</a:t>
             </a:fld>
             <a:endParaRPr lang="en-US" dirty="0"/>
           </a:p>
@@ -871,7 +857,6 @@
           <a:p>
             <a:fld id="{AA3BE989-76B8-4F13-9267-01FDA45C437A}" type="slidenum">
               <a:rPr lang="en-US" smtClean="0"/>
-              <a:t>18</a:t>
             </a:fld>
             <a:endParaRPr lang="en-US" dirty="0"/>
           </a:p>
@@ -886,7 +871,7 @@
 </file>
 
 <file path=ppt/slideLayouts/slideLayout1.xml><?xml version="1.0" encoding="utf-8"?>
-<p:sldLayout xmlns:a="http://schemas.openxmlformats.org/drawingml/2006/main" xmlns:r="http://schemas.openxmlformats.org/officeDocument/2006/relationships" xmlns:p="http://schemas.openxmlformats.org/presentationml/2006/main" showMasterSp="0" preserve="1" userDrawn="1">
+<p:sldLayout xmlns:a="http://schemas.openxmlformats.org/drawingml/2006/main" xmlns:r="http://schemas.openxmlformats.org/officeDocument/2006/relationships" xmlns:p="http://schemas.openxmlformats.org/presentationml/2006/main" preserve="1" showMasterSp="0" userDrawn="1">
   <p:cSld name="Cover Slide">
     <p:spTree>
       <p:nvGrpSpPr>
@@ -1407,6 +1392,7 @@
               <a:rPr lang="en-US" dirty="0"/>
               <a:t>Master title style</a:t>
             </a:r>
+            <a:endParaRPr lang="en-US" dirty="0"/>
           </a:p>
         </p:txBody>
       </p:sp>
@@ -1485,11 +1471,12 @@
   <p:clrMapOvr>
     <a:masterClrMapping/>
   </p:clrMapOvr>
+  <p:hf hdr="0" ftr="0" dt="0"/>
 </p:sldLayout>
 </file>
 
 <file path=ppt/slideLayouts/slideLayout10.xml><?xml version="1.0" encoding="utf-8"?>
-<p:sldLayout xmlns:a="http://schemas.openxmlformats.org/drawingml/2006/main" xmlns:r="http://schemas.openxmlformats.org/officeDocument/2006/relationships" xmlns:p="http://schemas.openxmlformats.org/presentationml/2006/main" showMasterSp="0" preserve="1" userDrawn="1">
+<p:sldLayout xmlns:a="http://schemas.openxmlformats.org/drawingml/2006/main" xmlns:r="http://schemas.openxmlformats.org/officeDocument/2006/relationships" xmlns:p="http://schemas.openxmlformats.org/presentationml/2006/main" preserve="1" showMasterSp="0" userDrawn="1">
   <p:cSld name="Title Slide">
     <p:spTree>
       <p:nvGrpSpPr>
@@ -1717,6 +1704,7 @@
               <a:rPr lang="en-US" dirty="0"/>
               <a:t>Master title style</a:t>
             </a:r>
+            <a:endParaRPr lang="en-US" dirty="0"/>
           </a:p>
         </p:txBody>
       </p:sp>
@@ -1795,6 +1783,7 @@
   <p:clrMapOvr>
     <a:masterClrMapping/>
   </p:clrMapOvr>
+  <p:hf hdr="0" ftr="0" dt="0"/>
 </p:sldLayout>
 </file>
 
@@ -1876,6 +1865,7 @@
               <a:rPr lang="en-US"/>
               <a:t>Click to edit Master text styles</a:t>
             </a:r>
+            <a:endParaRPr lang="en-US"/>
           </a:p>
           <a:p>
             <a:pPr lvl="1"/>
@@ -1883,6 +1873,7 @@
               <a:rPr lang="en-US"/>
               <a:t>Second level</a:t>
             </a:r>
+            <a:endParaRPr lang="en-US"/>
           </a:p>
           <a:p>
             <a:pPr lvl="2"/>
@@ -1890,6 +1881,7 @@
               <a:rPr lang="en-US"/>
               <a:t>Third level</a:t>
             </a:r>
+            <a:endParaRPr lang="en-US"/>
           </a:p>
           <a:p>
             <a:pPr lvl="3"/>
@@ -1897,6 +1889,7 @@
               <a:rPr lang="en-US"/>
               <a:t>Fourth level</a:t>
             </a:r>
+            <a:endParaRPr lang="en-US"/>
           </a:p>
           <a:p>
             <a:pPr lvl="4"/>
@@ -1943,6 +1936,7 @@
               <a:rPr lang="en-US" dirty="0"/>
               <a:t>CLICK TO EDIT MASTER TITLE STYLE</a:t>
             </a:r>
+            <a:endParaRPr lang="en-US" dirty="0"/>
           </a:p>
         </p:txBody>
       </p:sp>
@@ -1965,6 +1959,7 @@
               <a:rPr lang="en-US" dirty="0"/>
               <a:t>Add a Footer</a:t>
             </a:r>
+            <a:endParaRPr lang="en-US" dirty="0"/>
           </a:p>
         </p:txBody>
       </p:sp>
@@ -1985,7 +1980,6 @@
           <a:p>
             <a:fld id="{8C2E478F-E849-4A8C-AF1F-CBCC78A7CBFA}" type="slidenum">
               <a:rPr lang="en-US" smtClean="0"/>
-              <a:t>‹#›</a:t>
             </a:fld>
             <a:endParaRPr lang="en-US" dirty="0"/>
           </a:p>
@@ -1996,6 +1990,7 @@
   <p:clrMapOvr>
     <a:masterClrMapping/>
   </p:clrMapOvr>
+  <p:hf hdr="0" ftr="0" dt="0"/>
 </p:sldLayout>
 </file>
 
@@ -2228,6 +2223,7 @@
               <a:rPr lang="en-US" dirty="0"/>
               <a:t>Add a Footer</a:t>
             </a:r>
+            <a:endParaRPr lang="en-US" dirty="0"/>
           </a:p>
         </p:txBody>
       </p:sp>
@@ -2248,7 +2244,6 @@
           <a:p>
             <a:fld id="{8C2E478F-E849-4A8C-AF1F-CBCC78A7CBFA}" type="slidenum">
               <a:rPr lang="en-US" smtClean="0"/>
-              <a:t>‹#›</a:t>
             </a:fld>
             <a:endParaRPr lang="en-US" dirty="0"/>
           </a:p>
@@ -2288,6 +2283,7 @@
               <a:rPr lang="en-US" dirty="0"/>
               <a:t>EDIT MASTER TEXT STYLES</a:t>
             </a:r>
+            <a:endParaRPr lang="en-US" dirty="0"/>
           </a:p>
         </p:txBody>
       </p:sp>
@@ -2296,6 +2292,7 @@
   <p:clrMapOvr>
     <a:masterClrMapping/>
   </p:clrMapOvr>
+  <p:hf hdr="0" ftr="0" dt="0"/>
 </p:sldLayout>
 </file>
 
@@ -2392,6 +2389,7 @@
               <a:rPr lang="en-US"/>
               <a:t>Click to edit Master title style</a:t>
             </a:r>
+            <a:endParaRPr lang="en-US"/>
           </a:p>
         </p:txBody>
       </p:sp>
@@ -2477,6 +2475,7 @@
               <a:rPr lang="en-US" dirty="0"/>
               <a:t>Add a Footer</a:t>
             </a:r>
+            <a:endParaRPr lang="en-US" dirty="0"/>
           </a:p>
         </p:txBody>
       </p:sp>
@@ -2543,7 +2542,6 @@
           <a:p>
             <a:fld id="{8C2E478F-E849-4A8C-AF1F-CBCC78A7CBFA}" type="slidenum">
               <a:rPr lang="en-US" smtClean="0"/>
-              <a:t>‹#›</a:t>
             </a:fld>
             <a:endParaRPr lang="en-US" dirty="0"/>
           </a:p>
@@ -2596,6 +2594,7 @@
               <a:rPr lang="en-US"/>
               <a:t>Click to edit Master text styles</a:t>
             </a:r>
+            <a:endParaRPr lang="en-US"/>
           </a:p>
           <a:p>
             <a:pPr lvl="1">
@@ -2607,6 +2606,7 @@
               <a:rPr lang="en-US"/>
               <a:t>Second level</a:t>
             </a:r>
+            <a:endParaRPr lang="en-US"/>
           </a:p>
           <a:p>
             <a:pPr lvl="2">
@@ -2618,6 +2618,7 @@
               <a:rPr lang="en-US"/>
               <a:t>Third level</a:t>
             </a:r>
+            <a:endParaRPr lang="en-US"/>
           </a:p>
           <a:p>
             <a:pPr lvl="3">
@@ -2629,6 +2630,7 @@
               <a:rPr lang="en-US"/>
               <a:t>Fourth level</a:t>
             </a:r>
+            <a:endParaRPr lang="en-US"/>
           </a:p>
           <a:p>
             <a:pPr lvl="4">
@@ -2691,6 +2693,7 @@
               <a:rPr lang="en-US"/>
               <a:t>Click to edit Master text styles</a:t>
             </a:r>
+            <a:endParaRPr lang="en-US"/>
           </a:p>
           <a:p>
             <a:pPr lvl="1">
@@ -2702,6 +2705,7 @@
               <a:rPr lang="en-US"/>
               <a:t>Second level</a:t>
             </a:r>
+            <a:endParaRPr lang="en-US"/>
           </a:p>
           <a:p>
             <a:pPr lvl="2">
@@ -2713,6 +2717,7 @@
               <a:rPr lang="en-US"/>
               <a:t>Third level</a:t>
             </a:r>
+            <a:endParaRPr lang="en-US"/>
           </a:p>
           <a:p>
             <a:pPr lvl="3">
@@ -2724,6 +2729,7 @@
               <a:rPr lang="en-US"/>
               <a:t>Fourth level</a:t>
             </a:r>
+            <a:endParaRPr lang="en-US"/>
           </a:p>
           <a:p>
             <a:pPr lvl="4">
@@ -2744,6 +2750,7 @@
   <p:clrMapOvr>
     <a:masterClrMapping/>
   </p:clrMapOvr>
+  <p:hf hdr="0" ftr="0" dt="0"/>
 </p:sldLayout>
 </file>
 
@@ -2834,6 +2841,7 @@
               <a:rPr lang="en-US"/>
               <a:t>Click to edit Master text styles</a:t>
             </a:r>
+            <a:endParaRPr lang="en-US"/>
           </a:p>
         </p:txBody>
       </p:sp>
@@ -2915,6 +2923,7 @@
               <a:rPr lang="en-US"/>
               <a:t>Click to edit Master text styles</a:t>
             </a:r>
+            <a:endParaRPr lang="en-US"/>
           </a:p>
           <a:p>
             <a:pPr lvl="1"/>
@@ -2922,6 +2931,7 @@
               <a:rPr lang="en-US"/>
               <a:t>Second level</a:t>
             </a:r>
+            <a:endParaRPr lang="en-US"/>
           </a:p>
           <a:p>
             <a:pPr lvl="2"/>
@@ -2929,6 +2939,7 @@
               <a:rPr lang="en-US"/>
               <a:t>Third level</a:t>
             </a:r>
+            <a:endParaRPr lang="en-US"/>
           </a:p>
           <a:p>
             <a:pPr lvl="3"/>
@@ -2936,6 +2947,7 @@
               <a:rPr lang="en-US"/>
               <a:t>Fourth level</a:t>
             </a:r>
+            <a:endParaRPr lang="en-US"/>
           </a:p>
           <a:p>
             <a:pPr lvl="4"/>
@@ -3023,6 +3035,7 @@
               <a:rPr lang="en-US"/>
               <a:t>Click to edit Master title style</a:t>
             </a:r>
+            <a:endParaRPr lang="en-US"/>
           </a:p>
         </p:txBody>
       </p:sp>
@@ -3108,6 +3121,7 @@
               <a:rPr lang="en-US" dirty="0"/>
               <a:t>Add a Footer</a:t>
             </a:r>
+            <a:endParaRPr lang="en-US" dirty="0"/>
           </a:p>
         </p:txBody>
       </p:sp>
@@ -3174,7 +3188,6 @@
           <a:p>
             <a:fld id="{8C2E478F-E849-4A8C-AF1F-CBCC78A7CBFA}" type="slidenum">
               <a:rPr lang="en-US" smtClean="0"/>
-              <a:t>‹#›</a:t>
             </a:fld>
             <a:endParaRPr lang="en-US" dirty="0"/>
           </a:p>
@@ -3217,6 +3230,7 @@
               <a:rPr lang="en-US"/>
               <a:t>Click to edit Master text styles</a:t>
             </a:r>
+            <a:endParaRPr lang="en-US"/>
           </a:p>
         </p:txBody>
       </p:sp>
@@ -3279,6 +3293,7 @@
               <a:rPr lang="en-US"/>
               <a:t>Click to edit Master text styles</a:t>
             </a:r>
+            <a:endParaRPr lang="en-US"/>
           </a:p>
           <a:p>
             <a:pPr marL="228600" lvl="1" indent="-228600" algn="l" defTabSz="914400" rtl="0" eaLnBrk="1" latinLnBrk="0" hangingPunct="1">
@@ -3295,6 +3310,7 @@
               <a:rPr lang="en-US"/>
               <a:t>Second level</a:t>
             </a:r>
+            <a:endParaRPr lang="en-US"/>
           </a:p>
           <a:p>
             <a:pPr marL="228600" lvl="2" indent="-228600" algn="l" defTabSz="914400" rtl="0" eaLnBrk="1" latinLnBrk="0" hangingPunct="1">
@@ -3311,6 +3327,7 @@
               <a:rPr lang="en-US"/>
               <a:t>Third level</a:t>
             </a:r>
+            <a:endParaRPr lang="en-US"/>
           </a:p>
           <a:p>
             <a:pPr marL="228600" lvl="3" indent="-228600" algn="l" defTabSz="914400" rtl="0" eaLnBrk="1" latinLnBrk="0" hangingPunct="1">
@@ -3327,6 +3344,7 @@
               <a:rPr lang="en-US"/>
               <a:t>Fourth level</a:t>
             </a:r>
+            <a:endParaRPr lang="en-US"/>
           </a:p>
           <a:p>
             <a:pPr marL="228600" lvl="4" indent="-228600" algn="l" defTabSz="914400" rtl="0" eaLnBrk="1" latinLnBrk="0" hangingPunct="1">
@@ -3352,6 +3370,7 @@
   <p:clrMapOvr>
     <a:masterClrMapping/>
   </p:clrMapOvr>
+  <p:hf hdr="0" ftr="0" dt="0"/>
 </p:sldLayout>
 </file>
 
@@ -3391,6 +3410,7 @@
               <a:rPr lang="en-US" dirty="0"/>
               <a:t>Add a Footer</a:t>
             </a:r>
+            <a:endParaRPr lang="en-US" dirty="0"/>
           </a:p>
         </p:txBody>
       </p:sp>
@@ -3411,7 +3431,6 @@
           <a:p>
             <a:fld id="{8C2E478F-E849-4A8C-AF1F-CBCC78A7CBFA}" type="slidenum">
               <a:rPr lang="en-US" smtClean="0"/>
-              <a:t>‹#›</a:t>
             </a:fld>
             <a:endParaRPr lang="en-US" dirty="0"/>
           </a:p>
@@ -3472,6 +3491,7 @@
               <a:rPr lang="en-US"/>
               <a:t>Click to edit Master text styles</a:t>
             </a:r>
+            <a:endParaRPr lang="en-US"/>
           </a:p>
           <a:p>
             <a:pPr lvl="1"/>
@@ -3479,6 +3499,7 @@
               <a:rPr lang="en-US"/>
               <a:t>Second level</a:t>
             </a:r>
+            <a:endParaRPr lang="en-US"/>
           </a:p>
           <a:p>
             <a:pPr lvl="2"/>
@@ -3486,6 +3507,7 @@
               <a:rPr lang="en-US"/>
               <a:t>Third level</a:t>
             </a:r>
+            <a:endParaRPr lang="en-US"/>
           </a:p>
           <a:p>
             <a:pPr lvl="3"/>
@@ -3493,6 +3515,7 @@
               <a:rPr lang="en-US"/>
               <a:t>Fourth level</a:t>
             </a:r>
+            <a:endParaRPr lang="en-US"/>
           </a:p>
           <a:p>
             <a:pPr lvl="4"/>
@@ -3852,6 +3875,7 @@
               <a:rPr lang="en-US"/>
               <a:t>Click to edit Master text styles</a:t>
             </a:r>
+            <a:endParaRPr lang="en-US"/>
           </a:p>
         </p:txBody>
       </p:sp>
@@ -3897,6 +3921,7 @@
   <p:clrMapOvr>
     <a:masterClrMapping/>
   </p:clrMapOvr>
+  <p:hf hdr="0" ftr="0" dt="0"/>
 </p:sldLayout>
 </file>
 
@@ -3936,6 +3961,7 @@
               <a:rPr lang="en-US" noProof="0"/>
               <a:t>Add a Footer</a:t>
             </a:r>
+            <a:endParaRPr lang="en-US" noProof="0"/>
           </a:p>
         </p:txBody>
       </p:sp>
@@ -3956,7 +3982,6 @@
           <a:p>
             <a:fld id="{8C2E478F-E849-4A8C-AF1F-CBCC78A7CBFA}" type="slidenum">
               <a:rPr lang="en-US" noProof="0" smtClean="0"/>
-              <a:t>‹#›</a:t>
             </a:fld>
             <a:endParaRPr lang="en-US" noProof="0"/>
           </a:p>
@@ -3981,6 +4006,7 @@
               <a:rPr lang="en-US" noProof="0"/>
               <a:t>Click to edit Master title style</a:t>
             </a:r>
+            <a:endParaRPr lang="en-US" noProof="0"/>
           </a:p>
         </p:txBody>
       </p:sp>
@@ -3989,6 +4015,7 @@
   <p:clrMapOvr>
     <a:masterClrMapping/>
   </p:clrMapOvr>
+  <p:hf hdr="0" ftr="0" dt="0"/>
 </p:sldLayout>
 </file>
 
@@ -4028,6 +4055,7 @@
               <a:rPr lang="en-US" noProof="0"/>
               <a:t>Add a Footer</a:t>
             </a:r>
+            <a:endParaRPr lang="en-US" noProof="0"/>
           </a:p>
         </p:txBody>
       </p:sp>
@@ -4048,7 +4076,6 @@
           <a:p>
             <a:fld id="{8C2E478F-E849-4A8C-AF1F-CBCC78A7CBFA}" type="slidenum">
               <a:rPr lang="en-US" noProof="0" smtClean="0"/>
-              <a:t>‹#›</a:t>
             </a:fld>
             <a:endParaRPr lang="en-US" noProof="0"/>
           </a:p>
@@ -4073,6 +4100,7 @@
               <a:rPr lang="en-US" noProof="0"/>
               <a:t>Click to edit Master title style</a:t>
             </a:r>
+            <a:endParaRPr lang="en-US" noProof="0"/>
           </a:p>
         </p:txBody>
       </p:sp>
@@ -4081,6 +4109,7 @@
   <p:clrMapOvr>
     <a:masterClrMapping/>
   </p:clrMapOvr>
+  <p:hf hdr="0" ftr="0" dt="0"/>
 </p:sldLayout>
 </file>
 
@@ -4120,6 +4149,7 @@
               <a:rPr lang="en-US" dirty="0"/>
               <a:t>Add a Footer</a:t>
             </a:r>
+            <a:endParaRPr lang="en-US" dirty="0"/>
           </a:p>
         </p:txBody>
       </p:sp>
@@ -4140,7 +4170,6 @@
           <a:p>
             <a:fld id="{8C2E478F-E849-4A8C-AF1F-CBCC78A7CBFA}" type="slidenum">
               <a:rPr lang="en-US" smtClean="0"/>
-              <a:t>‹#›</a:t>
             </a:fld>
             <a:endParaRPr lang="en-US" dirty="0"/>
           </a:p>
@@ -4151,6 +4180,7 @@
   <p:clrMapOvr>
     <a:masterClrMapping/>
   </p:clrMapOvr>
+  <p:hf hdr="0" ftr="0" dt="0"/>
 </p:sldLayout>
 </file>
 
@@ -4268,6 +4298,7 @@
               <a:rPr lang="en-US"/>
               <a:t>Click to edit Master text styles</a:t>
             </a:r>
+            <a:endParaRPr lang="en-US"/>
           </a:p>
           <a:p>
             <a:pPr lvl="1"/>
@@ -4275,6 +4306,7 @@
               <a:rPr lang="en-US"/>
               <a:t>Second level</a:t>
             </a:r>
+            <a:endParaRPr lang="en-US"/>
           </a:p>
           <a:p>
             <a:pPr lvl="2"/>
@@ -4282,6 +4314,7 @@
               <a:rPr lang="en-US"/>
               <a:t>Third level</a:t>
             </a:r>
+            <a:endParaRPr lang="en-US"/>
           </a:p>
           <a:p>
             <a:pPr lvl="3"/>
@@ -4289,6 +4322,7 @@
               <a:rPr lang="en-US"/>
               <a:t>Fourth level</a:t>
             </a:r>
+            <a:endParaRPr lang="en-US"/>
           </a:p>
           <a:p>
             <a:pPr lvl="4"/>
@@ -4349,6 +4383,7 @@
               <a:rPr lang="en-US" dirty="0"/>
               <a:t>Add a Footer</a:t>
             </a:r>
+            <a:endParaRPr lang="en-US" dirty="0"/>
           </a:p>
         </p:txBody>
       </p:sp>
@@ -4369,7 +4404,6 @@
           <a:p>
             <a:fld id="{8C2E478F-E849-4A8C-AF1F-CBCC78A7CBFA}" type="slidenum">
               <a:rPr lang="en-US" smtClean="0"/>
-              <a:t>‹#›</a:t>
             </a:fld>
             <a:endParaRPr lang="en-US" dirty="0"/>
           </a:p>
@@ -4380,6 +4414,7 @@
   <p:clrMapOvr>
     <a:masterClrMapping/>
   </p:clrMapOvr>
+  <p:hf hdr="0" ftr="0" dt="0"/>
 </p:sldLayout>
 </file>
 
@@ -5823,6 +5858,7 @@
               <a:rPr lang="en-US" dirty="0"/>
               <a:t>EDIT MASTER STYLES</a:t>
             </a:r>
+            <a:endParaRPr lang="en-US" dirty="0"/>
           </a:p>
         </p:txBody>
       </p:sp>
@@ -5845,6 +5881,7 @@
               <a:rPr lang="en-US" dirty="0"/>
               <a:t>Add a Footer</a:t>
             </a:r>
+            <a:endParaRPr lang="en-US" dirty="0"/>
           </a:p>
         </p:txBody>
       </p:sp>
@@ -5865,7 +5902,6 @@
           <a:p>
             <a:fld id="{8C2E478F-E849-4A8C-AF1F-CBCC78A7CBFA}" type="slidenum">
               <a:rPr lang="en-US" smtClean="0"/>
-              <a:t>‹#›</a:t>
             </a:fld>
             <a:endParaRPr lang="en-US" dirty="0"/>
           </a:p>
@@ -5876,6 +5912,7 @@
   <p:clrMapOvr>
     <a:masterClrMapping/>
   </p:clrMapOvr>
+  <p:hf hdr="0" ftr="0" dt="0"/>
 </p:sldLayout>
 </file>
 
@@ -6247,6 +6284,7 @@
               <a:rPr lang="en-US" dirty="0"/>
               <a:t>EDIT MASTER STYLES</a:t>
             </a:r>
+            <a:endParaRPr lang="en-US" dirty="0"/>
           </a:p>
         </p:txBody>
       </p:sp>
@@ -6269,6 +6307,7 @@
               <a:rPr lang="en-US" dirty="0"/>
               <a:t>Add a Footer</a:t>
             </a:r>
+            <a:endParaRPr lang="en-US" dirty="0"/>
           </a:p>
         </p:txBody>
       </p:sp>
@@ -6289,7 +6328,6 @@
           <a:p>
             <a:fld id="{8C2E478F-E849-4A8C-AF1F-CBCC78A7CBFA}" type="slidenum">
               <a:rPr lang="en-US" smtClean="0"/>
-              <a:t>‹#›</a:t>
             </a:fld>
             <a:endParaRPr lang="en-US" dirty="0"/>
           </a:p>
@@ -6300,6 +6338,7 @@
   <p:clrMapOvr>
     <a:masterClrMapping/>
   </p:clrMapOvr>
+  <p:hf hdr="0" ftr="0" dt="0"/>
 </p:sldLayout>
 </file>
 
@@ -6453,6 +6492,7 @@
               <a:rPr lang="en-US"/>
               <a:t>Click to edit Master text styles</a:t>
             </a:r>
+            <a:endParaRPr lang="en-US"/>
           </a:p>
         </p:txBody>
       </p:sp>
@@ -6534,6 +6574,7 @@
               <a:rPr lang="en-US"/>
               <a:t>Click to edit Master text styles</a:t>
             </a:r>
+            <a:endParaRPr lang="en-US"/>
           </a:p>
           <a:p>
             <a:pPr lvl="1"/>
@@ -6541,6 +6582,7 @@
               <a:rPr lang="en-US"/>
               <a:t>Second level</a:t>
             </a:r>
+            <a:endParaRPr lang="en-US"/>
           </a:p>
           <a:p>
             <a:pPr lvl="2"/>
@@ -6548,6 +6590,7 @@
               <a:rPr lang="en-US"/>
               <a:t>Third level</a:t>
             </a:r>
+            <a:endParaRPr lang="en-US"/>
           </a:p>
           <a:p>
             <a:pPr lvl="3"/>
@@ -6555,6 +6598,7 @@
               <a:rPr lang="en-US"/>
               <a:t>Fourth level</a:t>
             </a:r>
+            <a:endParaRPr lang="en-US"/>
           </a:p>
           <a:p>
             <a:pPr lvl="4"/>
@@ -6636,6 +6680,7 @@
               <a:rPr lang="en-US"/>
               <a:t>Click to edit Master text styles</a:t>
             </a:r>
+            <a:endParaRPr lang="en-US"/>
           </a:p>
         </p:txBody>
       </p:sp>
@@ -6717,6 +6762,7 @@
               <a:rPr lang="en-US"/>
               <a:t>Click to edit Master text styles</a:t>
             </a:r>
+            <a:endParaRPr lang="en-US"/>
           </a:p>
           <a:p>
             <a:pPr lvl="1"/>
@@ -6724,6 +6770,7 @@
               <a:rPr lang="en-US"/>
               <a:t>Second level</a:t>
             </a:r>
+            <a:endParaRPr lang="en-US"/>
           </a:p>
           <a:p>
             <a:pPr lvl="2"/>
@@ -6731,6 +6778,7 @@
               <a:rPr lang="en-US"/>
               <a:t>Third level</a:t>
             </a:r>
+            <a:endParaRPr lang="en-US"/>
           </a:p>
           <a:p>
             <a:pPr lvl="3"/>
@@ -6738,6 +6786,7 @@
               <a:rPr lang="en-US"/>
               <a:t>Fourth level</a:t>
             </a:r>
+            <a:endParaRPr lang="en-US"/>
           </a:p>
           <a:p>
             <a:pPr lvl="4"/>
@@ -6856,6 +6905,7 @@
               <a:rPr lang="en-US"/>
               <a:t>Click to edit Master title style</a:t>
             </a:r>
+            <a:endParaRPr lang="en-US"/>
           </a:p>
         </p:txBody>
       </p:sp>
@@ -6878,6 +6928,7 @@
               <a:rPr lang="en-US" dirty="0"/>
               <a:t>Add a Footer</a:t>
             </a:r>
+            <a:endParaRPr lang="en-US" dirty="0"/>
           </a:p>
         </p:txBody>
       </p:sp>
@@ -6898,7 +6949,6 @@
           <a:p>
             <a:fld id="{8C2E478F-E849-4A8C-AF1F-CBCC78A7CBFA}" type="slidenum">
               <a:rPr lang="en-US" smtClean="0"/>
-              <a:t>‹#›</a:t>
             </a:fld>
             <a:endParaRPr lang="en-US" dirty="0"/>
           </a:p>
@@ -6909,6 +6959,7 @@
   <p:clrMapOvr>
     <a:masterClrMapping/>
   </p:clrMapOvr>
+  <p:hf hdr="0" ftr="0" dt="0"/>
 </p:sldLayout>
 </file>
 
@@ -7219,6 +7270,7 @@
               <a:rPr lang="en-US" dirty="0"/>
               <a:t>Add a Footer</a:t>
             </a:r>
+            <a:endParaRPr lang="en-US" dirty="0"/>
           </a:p>
         </p:txBody>
       </p:sp>
@@ -7291,6 +7343,7 @@
               <a:rPr lang="en-US"/>
               <a:t>Click to edit Master text styles</a:t>
             </a:r>
+            <a:endParaRPr lang="en-US"/>
           </a:p>
         </p:txBody>
       </p:sp>
@@ -7348,7 +7401,6 @@
           <a:p>
             <a:fld id="{8C2E478F-E849-4A8C-AF1F-CBCC78A7CBFA}" type="slidenum">
               <a:rPr lang="en-US" smtClean="0"/>
-              <a:t>‹#›</a:t>
             </a:fld>
             <a:endParaRPr lang="en-US" dirty="0"/>
           </a:p>
@@ -7359,6 +7411,7 @@
   <p:clrMapOvr>
     <a:masterClrMapping/>
   </p:clrMapOvr>
+  <p:hf hdr="0" ftr="0" dt="0"/>
 </p:sldLayout>
 </file>
 
@@ -7617,6 +7670,7 @@
               <a:rPr lang="en-US" dirty="0"/>
               <a:t>CLICK TO EDIT MASTER</a:t>
             </a:r>
+            <a:endParaRPr lang="en-US" dirty="0"/>
           </a:p>
         </p:txBody>
       </p:sp>
@@ -7698,6 +7752,7 @@
               <a:rPr lang="en-US"/>
               <a:t>Click to edit Master text styles</a:t>
             </a:r>
+            <a:endParaRPr lang="en-US"/>
           </a:p>
           <a:p>
             <a:pPr lvl="1"/>
@@ -7705,6 +7760,7 @@
               <a:rPr lang="en-US"/>
               <a:t>Second level</a:t>
             </a:r>
+            <a:endParaRPr lang="en-US"/>
           </a:p>
           <a:p>
             <a:pPr lvl="2"/>
@@ -7712,6 +7768,7 @@
               <a:rPr lang="en-US"/>
               <a:t>Third level</a:t>
             </a:r>
+            <a:endParaRPr lang="en-US"/>
           </a:p>
           <a:p>
             <a:pPr lvl="3"/>
@@ -7719,6 +7776,7 @@
               <a:rPr lang="en-US"/>
               <a:t>Fourth level</a:t>
             </a:r>
+            <a:endParaRPr lang="en-US"/>
           </a:p>
           <a:p>
             <a:pPr lvl="4"/>
@@ -7847,6 +7905,7 @@
               <a:rPr lang="en-US" dirty="0"/>
               <a:t>EDIT MASTER TEXT STYLES</a:t>
             </a:r>
+            <a:endParaRPr lang="en-US" dirty="0"/>
           </a:p>
         </p:txBody>
       </p:sp>
@@ -7869,6 +7928,7 @@
               <a:rPr lang="en-US" dirty="0"/>
               <a:t>Add a Footer</a:t>
             </a:r>
+            <a:endParaRPr lang="en-US" dirty="0"/>
           </a:p>
         </p:txBody>
       </p:sp>
@@ -7889,7 +7949,6 @@
           <a:p>
             <a:fld id="{8C2E478F-E849-4A8C-AF1F-CBCC78A7CBFA}" type="slidenum">
               <a:rPr lang="en-US" smtClean="0"/>
-              <a:t>‹#›</a:t>
             </a:fld>
             <a:endParaRPr lang="en-US" dirty="0"/>
           </a:p>
@@ -7900,6 +7959,7 @@
   <p:clrMapOvr>
     <a:masterClrMapping/>
   </p:clrMapOvr>
+  <p:hf hdr="0" ftr="0" dt="0"/>
 </p:sldLayout>
 </file>
 
@@ -7945,6 +8005,7 @@
               <a:rPr lang="en-US"/>
               <a:t>Click to edit Master text styles</a:t>
             </a:r>
+            <a:endParaRPr lang="en-US"/>
           </a:p>
           <a:p>
             <a:pPr lvl="1"/>
@@ -7952,6 +8013,7 @@
               <a:rPr lang="en-US"/>
               <a:t>Second level</a:t>
             </a:r>
+            <a:endParaRPr lang="en-US"/>
           </a:p>
           <a:p>
             <a:pPr lvl="2"/>
@@ -7959,6 +8021,7 @@
               <a:rPr lang="en-US"/>
               <a:t>Third level</a:t>
             </a:r>
+            <a:endParaRPr lang="en-US"/>
           </a:p>
           <a:p>
             <a:pPr lvl="3"/>
@@ -7966,6 +8029,7 @@
               <a:rPr lang="en-US"/>
               <a:t>Fourth level</a:t>
             </a:r>
+            <a:endParaRPr lang="en-US"/>
           </a:p>
           <a:p>
             <a:pPr lvl="4"/>
@@ -8182,6 +8246,7 @@
               <a:rPr lang="en-US" dirty="0"/>
               <a:t>CLICK TO EDIT MASTER</a:t>
             </a:r>
+            <a:endParaRPr lang="en-US" dirty="0"/>
           </a:p>
         </p:txBody>
       </p:sp>
@@ -8263,6 +8328,7 @@
               <a:rPr lang="en-US"/>
               <a:t>Click to edit Master text styles</a:t>
             </a:r>
+            <a:endParaRPr lang="en-US"/>
           </a:p>
           <a:p>
             <a:pPr lvl="1"/>
@@ -8270,6 +8336,7 @@
               <a:rPr lang="en-US"/>
               <a:t>Second level</a:t>
             </a:r>
+            <a:endParaRPr lang="en-US"/>
           </a:p>
           <a:p>
             <a:pPr lvl="2"/>
@@ -8277,6 +8344,7 @@
               <a:rPr lang="en-US"/>
               <a:t>Third level</a:t>
             </a:r>
+            <a:endParaRPr lang="en-US"/>
           </a:p>
           <a:p>
             <a:pPr lvl="3"/>
@@ -8284,6 +8352,7 @@
               <a:rPr lang="en-US"/>
               <a:t>Fourth level</a:t>
             </a:r>
+            <a:endParaRPr lang="en-US"/>
           </a:p>
           <a:p>
             <a:pPr lvl="4"/>
@@ -8412,6 +8481,7 @@
               <a:rPr lang="en-US" dirty="0"/>
               <a:t>EDIT MASTER STYLES</a:t>
             </a:r>
+            <a:endParaRPr lang="en-US" dirty="0"/>
           </a:p>
         </p:txBody>
       </p:sp>
@@ -8434,6 +8504,7 @@
               <a:rPr lang="en-US" dirty="0"/>
               <a:t>Add a Footer</a:t>
             </a:r>
+            <a:endParaRPr lang="en-US" dirty="0"/>
           </a:p>
         </p:txBody>
       </p:sp>
@@ -8454,7 +8525,6 @@
           <a:p>
             <a:fld id="{8C2E478F-E849-4A8C-AF1F-CBCC78A7CBFA}" type="slidenum">
               <a:rPr lang="en-US" smtClean="0"/>
-              <a:t>‹#›</a:t>
             </a:fld>
             <a:endParaRPr lang="en-US" dirty="0"/>
           </a:p>
@@ -8465,6 +8535,7 @@
   <p:clrMapOvr>
     <a:masterClrMapping/>
   </p:clrMapOvr>
+  <p:hf hdr="0" ftr="0" dt="0"/>
 </p:sldLayout>
 </file>
 
@@ -8537,6 +8608,7 @@
               <a:rPr lang="en-US" dirty="0"/>
               <a:t>Add a Footer</a:t>
             </a:r>
+            <a:endParaRPr lang="en-US" dirty="0"/>
           </a:p>
         </p:txBody>
       </p:sp>
@@ -8557,7 +8629,6 @@
           <a:p>
             <a:fld id="{8C2E478F-E849-4A8C-AF1F-CBCC78A7CBFA}" type="slidenum">
               <a:rPr lang="en-US" smtClean="0"/>
-              <a:t>‹#›</a:t>
             </a:fld>
             <a:endParaRPr lang="en-US" dirty="0"/>
           </a:p>
@@ -8582,6 +8653,7 @@
               <a:rPr lang="en-US"/>
               <a:t>Click to edit Master title style</a:t>
             </a:r>
+            <a:endParaRPr lang="en-US"/>
           </a:p>
         </p:txBody>
       </p:sp>
@@ -8590,6 +8662,7 @@
   <p:clrMapOvr>
     <a:masterClrMapping/>
   </p:clrMapOvr>
+  <p:hf hdr="0" ftr="0" dt="0"/>
 </p:sldLayout>
 </file>
 
@@ -8681,6 +8754,7 @@
               <a:rPr lang="en-US"/>
               <a:t>Click to edit Master text styles</a:t>
             </a:r>
+            <a:endParaRPr lang="en-US"/>
           </a:p>
           <a:p>
             <a:pPr lvl="1"/>
@@ -8688,6 +8762,7 @@
               <a:rPr lang="en-US"/>
               <a:t>Second level</a:t>
             </a:r>
+            <a:endParaRPr lang="en-US"/>
           </a:p>
           <a:p>
             <a:pPr lvl="2"/>
@@ -8695,6 +8770,7 @@
               <a:rPr lang="en-US"/>
               <a:t>Third level</a:t>
             </a:r>
+            <a:endParaRPr lang="en-US"/>
           </a:p>
           <a:p>
             <a:pPr lvl="3"/>
@@ -8702,6 +8778,7 @@
               <a:rPr lang="en-US"/>
               <a:t>Fourth level</a:t>
             </a:r>
+            <a:endParaRPr lang="en-US"/>
           </a:p>
           <a:p>
             <a:pPr lvl="4"/>
@@ -8748,6 +8825,7 @@
               <a:rPr lang="en-US" dirty="0"/>
               <a:t>Add a Footer</a:t>
             </a:r>
+            <a:endParaRPr lang="en-US" dirty="0"/>
           </a:p>
         </p:txBody>
       </p:sp>
@@ -8851,7 +8929,6 @@
           <a:p>
             <a:fld id="{8C2E478F-E849-4A8C-AF1F-CBCC78A7CBFA}" type="slidenum">
               <a:rPr lang="en-US" smtClean="0"/>
-              <a:t>‹#›</a:t>
             </a:fld>
             <a:endParaRPr lang="en-US" dirty="0"/>
           </a:p>
@@ -8880,7 +8957,7 @@
     <p:sldLayoutId id="2147483665" r:id="rId17"/>
     <p:sldLayoutId id="2147483666" r:id="rId18"/>
   </p:sldLayoutIdLst>
-  <p:hf hdr="0" dt="0"/>
+  <p:hf hdr="0" ftr="0" dt="0"/>
   <p:txStyles>
     <p:titleStyle>
       <a:lvl1pPr algn="ctr" defTabSz="914400" rtl="0" eaLnBrk="1" latinLnBrk="0" hangingPunct="1">
@@ -9192,11 +9269,11 @@
           </p:nvPr>
         </p:nvPicPr>
         <p:blipFill>
-          <a:blip r:embed="rId2">
+          <a:blip r:embed="rId1">
             <a:extLst>
               <a:ext uri="{BEBA8EAE-BF5A-486C-A8C5-ECC9F3942E4B}">
                 <a14:imgProps xmlns:a14="http://schemas.microsoft.com/office/drawing/2010/main">
-                  <a14:imgLayer r:embed="rId3">
+                  <a14:imgLayer r:embed="rId2">
                     <a14:imgEffect>
                       <a14:brightnessContrast bright="-25000"/>
                     </a14:imgEffect>
@@ -9351,10 +9428,10 @@
             <p:nvPr/>
           </p:nvPicPr>
           <p:blipFill>
-            <a:blip r:embed="rId4">
+            <a:blip r:embed="rId3">
               <a:extLst>
                 <a:ext uri="{96DAC541-7B7A-43D3-8B79-37D633B846F1}">
-                  <asvg:svgBlip xmlns:asvg="http://schemas.microsoft.com/office/drawing/2016/SVG/main" r:embed="rId5"/>
+                  <asvg:svgBlip xmlns:asvg="http://schemas.microsoft.com/office/drawing/2016/SVG/main" r:embed="rId4"/>
                 </a:ext>
               </a:extLst>
             </a:blip>
@@ -9392,6 +9469,7 @@
               <a:rPr lang="en-US" dirty="0"/>
               <a:t>Melbourne AirBnB</a:t>
             </a:r>
+            <a:endParaRPr lang="en-US" dirty="0"/>
           </a:p>
         </p:txBody>
       </p:sp>
@@ -9414,6 +9492,7 @@
               <a:rPr lang="en-US" dirty="0"/>
               <a:t>2019 vs 2020</a:t>
             </a:r>
+            <a:endParaRPr lang="en-US" dirty="0"/>
           </a:p>
         </p:txBody>
       </p:sp>
@@ -9501,7 +9580,6 @@
           <a:p>
             <a:fld id="{8C2E478F-E849-4A8C-AF1F-CBCC78A7CBFA}" type="slidenum">
               <a:rPr lang="en-US" smtClean="0"/>
-              <a:t>1</a:t>
             </a:fld>
             <a:endParaRPr lang="en-US" dirty="0"/>
           </a:p>
@@ -9543,7 +9621,7 @@
           </p:nvPr>
         </p:nvPicPr>
         <p:blipFill>
-          <a:blip r:embed="rId2"/>
+          <a:blip r:embed="rId1"/>
           <a:stretch>
             <a:fillRect/>
           </a:stretch>
@@ -9625,6 +9703,7 @@
               <a:rPr lang="en-US" dirty="0"/>
               <a:t>.</a:t>
             </a:r>
+            <a:endParaRPr lang="en-US" dirty="0"/>
           </a:p>
           <a:p>
             <a:r>
@@ -9668,6 +9747,7 @@
               <a:rPr lang="en-US" dirty="0"/>
               <a:t> listings slightly increased in year 2020</a:t>
             </a:r>
+            <a:endParaRPr lang="en-US" dirty="0"/>
           </a:p>
           <a:p>
             <a:r>
@@ -9692,28 +9772,6 @@
             <a:r>
               <a:rPr lang="en-US" dirty="0"/>
               <a:t> Ranges</a:t>
-            </a:r>
-          </a:p>
-        </p:txBody>
-      </p:sp>
-      <p:sp>
-        <p:nvSpPr>
-          <p:cNvPr id="6" name="Footer Placeholder 5"/>
-          <p:cNvSpPr>
-            <a:spLocks noGrp="1"/>
-          </p:cNvSpPr>
-          <p:nvPr>
-            <p:ph type="ftr" sz="quarter" idx="17"/>
-          </p:nvPr>
-        </p:nvSpPr>
-        <p:spPr/>
-        <p:txBody>
-          <a:bodyPr/>
-          <a:lstStyle/>
-          <a:p>
-            <a:r>
-              <a:rPr lang="en-US"/>
-              <a:t>Add a Footer</a:t>
             </a:r>
             <a:endParaRPr lang="en-US" dirty="0"/>
           </a:p>
@@ -9736,7 +9794,6 @@
           <a:p>
             <a:fld id="{8C2E478F-E849-4A8C-AF1F-CBCC78A7CBFA}" type="slidenum">
               <a:rPr lang="en-US" smtClean="0"/>
-              <a:t>10</a:t>
             </a:fld>
             <a:endParaRPr lang="en-US" dirty="0"/>
           </a:p>
@@ -9821,6 +9878,7 @@
               <a:rPr lang="en-US" dirty="0"/>
               <a:t>Comparison of Airbnb listings between city of Melbourne and Regional areas</a:t>
             </a:r>
+            <a:endParaRPr lang="en-US" dirty="0"/>
           </a:p>
           <a:p>
             <a:r>
@@ -9831,33 +9889,12 @@
               <a:rPr lang="en-US" dirty="0"/>
               <a:t> Ranges had a slight increase in Entire Home listings</a:t>
             </a:r>
+            <a:endParaRPr lang="en-US" dirty="0"/>
           </a:p>
           <a:p>
             <a:r>
               <a:rPr lang="en-US" dirty="0"/>
               <a:t>Melbourne had an overall decrease in listings across all room types</a:t>
-            </a:r>
-          </a:p>
-        </p:txBody>
-      </p:sp>
-      <p:sp>
-        <p:nvSpPr>
-          <p:cNvPr id="6" name="Footer Placeholder 5"/>
-          <p:cNvSpPr>
-            <a:spLocks noGrp="1"/>
-          </p:cNvSpPr>
-          <p:nvPr>
-            <p:ph type="ftr" sz="quarter" idx="17"/>
-          </p:nvPr>
-        </p:nvSpPr>
-        <p:spPr/>
-        <p:txBody>
-          <a:bodyPr/>
-          <a:lstStyle/>
-          <a:p>
-            <a:r>
-              <a:rPr lang="en-US"/>
-              <a:t>Add a Footer</a:t>
             </a:r>
             <a:endParaRPr lang="en-US" dirty="0"/>
           </a:p>
@@ -9880,7 +9917,6 @@
           <a:p>
             <a:fld id="{8C2E478F-E849-4A8C-AF1F-CBCC78A7CBFA}" type="slidenum">
               <a:rPr lang="en-US" smtClean="0"/>
-              <a:t>11</a:t>
             </a:fld>
             <a:endParaRPr lang="en-US" dirty="0"/>
           </a:p>
@@ -9888,20 +9924,14 @@
       </p:sp>
       <p:pic>
         <p:nvPicPr>
-          <p:cNvPr id="15" name="Picture Placeholder 10">
-            <a:extLst>
-              <a:ext uri="{FF2B5EF4-FFF2-40B4-BE49-F238E27FC236}">
-                <a16:creationId xmlns:a16="http://schemas.microsoft.com/office/drawing/2014/main" id="{20E08437-7C2F-4936-ADE7-FB7184DBC3F2}"/>
-              </a:ext>
-            </a:extLst>
-          </p:cNvPr>
+          <p:cNvPr id="15" name="Picture Placeholder 10"/>
           <p:cNvPicPr>
             <a:picLocks noChangeAspect="1"/>
           </p:cNvPicPr>
           <p:nvPr/>
         </p:nvPicPr>
         <p:blipFill>
-          <a:blip r:embed="rId2">
+          <a:blip r:embed="rId1">
             <a:extLst>
               <a:ext uri="{28A0092B-C50C-407E-A947-70E740481C1C}">
                 <a14:useLocalDpi xmlns:a14="http://schemas.microsoft.com/office/drawing/2010/main" val="0"/>
@@ -9928,20 +9958,14 @@
       </p:pic>
       <p:pic>
         <p:nvPicPr>
-          <p:cNvPr id="16" name="Picture 15">
-            <a:extLst>
-              <a:ext uri="{FF2B5EF4-FFF2-40B4-BE49-F238E27FC236}">
-                <a16:creationId xmlns:a16="http://schemas.microsoft.com/office/drawing/2014/main" id="{903B386E-E95E-4502-A250-1DACCBB0163F}"/>
-              </a:ext>
-            </a:extLst>
-          </p:cNvPr>
+          <p:cNvPr id="16" name="Picture 15"/>
           <p:cNvPicPr>
             <a:picLocks noChangeAspect="1"/>
           </p:cNvPicPr>
           <p:nvPr/>
         </p:nvPicPr>
         <p:blipFill>
-          <a:blip r:embed="rId3"/>
+          <a:blip r:embed="rId2"/>
           <a:stretch>
             <a:fillRect/>
           </a:stretch>
@@ -9958,13 +9982,7 @@
       </p:pic>
       <p:sp>
         <p:nvSpPr>
-          <p:cNvPr id="17" name="TextBox 16">
-            <a:extLst>
-              <a:ext uri="{FF2B5EF4-FFF2-40B4-BE49-F238E27FC236}">
-                <a16:creationId xmlns:a16="http://schemas.microsoft.com/office/drawing/2014/main" id="{381E4F7B-FC62-49F8-8587-AFC19030911D}"/>
-              </a:ext>
-            </a:extLst>
-          </p:cNvPr>
+          <p:cNvPr id="17" name="TextBox 16"/>
           <p:cNvSpPr txBox="1"/>
           <p:nvPr/>
         </p:nvSpPr>
@@ -10024,15 +10042,15 @@
               </a:rPr>
               <a:t> Ranges</a:t>
             </a:r>
+            <a:endParaRPr lang="en-US" sz="1600" dirty="0">
+              <a:solidFill>
+                <a:schemeClr val="bg1"/>
+              </a:solidFill>
+            </a:endParaRPr>
           </a:p>
         </p:txBody>
       </p:sp>
     </p:spTree>
-    <p:extLst>
-      <p:ext uri="{BB962C8B-B14F-4D97-AF65-F5344CB8AC3E}">
-        <p14:creationId xmlns:p14="http://schemas.microsoft.com/office/powerpoint/2010/main" val="1398505217"/>
-      </p:ext>
-    </p:extLst>
   </p:cSld>
   <p:clrMapOvr>
     <a:masterClrMapping/>
@@ -10081,6 +10099,7 @@
               <a:rPr lang="en-AU" dirty="0"/>
               <a:t>Airbnb Listings Price Comparison</a:t>
             </a:r>
+            <a:endParaRPr lang="en-AU" dirty="0"/>
           </a:p>
         </p:txBody>
       </p:sp>
@@ -10124,29 +10143,11 @@
               </a:rPr>
               <a:t>Median prices for room types  across Melbourne have slightly increased or remained the same in 2020</a:t>
             </a:r>
-          </a:p>
-        </p:txBody>
-      </p:sp>
-      <p:sp>
-        <p:nvSpPr>
-          <p:cNvPr id="6" name="Footer Placeholder 5"/>
-          <p:cNvSpPr>
-            <a:spLocks noGrp="1"/>
-          </p:cNvSpPr>
-          <p:nvPr>
-            <p:ph type="ftr" sz="quarter" idx="17"/>
-          </p:nvPr>
-        </p:nvSpPr>
-        <p:spPr/>
-        <p:txBody>
-          <a:bodyPr/>
-          <a:lstStyle/>
-          <a:p>
-            <a:r>
-              <a:rPr lang="en-US"/>
-              <a:t>Add a Footer</a:t>
-            </a:r>
-            <a:endParaRPr lang="en-US" dirty="0"/>
+            <a:endParaRPr lang="en-US" sz="1600" dirty="0">
+              <a:solidFill>
+                <a:schemeClr val="bg1"/>
+              </a:solidFill>
+            </a:endParaRPr>
           </a:p>
         </p:txBody>
       </p:sp>
@@ -10167,7 +10168,6 @@
           <a:p>
             <a:fld id="{8C2E478F-E849-4A8C-AF1F-CBCC78A7CBFA}" type="slidenum">
               <a:rPr lang="en-US" smtClean="0"/>
-              <a:t>12</a:t>
             </a:fld>
             <a:endParaRPr lang="en-US" dirty="0"/>
           </a:p>
@@ -10175,20 +10175,14 @@
       </p:sp>
       <p:pic>
         <p:nvPicPr>
-          <p:cNvPr id="15" name="Picture 14" descr="Chart, box and whisker chart&#10;&#10;Description automatically generated">
-            <a:extLst>
-              <a:ext uri="{FF2B5EF4-FFF2-40B4-BE49-F238E27FC236}">
-                <a16:creationId xmlns:a16="http://schemas.microsoft.com/office/drawing/2014/main" id="{E33F2E16-977F-4CAD-B844-8AA68D4324F3}"/>
-              </a:ext>
-            </a:extLst>
-          </p:cNvPr>
+          <p:cNvPr id="15" name="Picture 14" descr="Chart, box and whisker chart&#10;&#10;Description automatically generated"/>
           <p:cNvPicPr>
             <a:picLocks noChangeAspect="1"/>
           </p:cNvPicPr>
           <p:nvPr/>
         </p:nvPicPr>
         <p:blipFill>
-          <a:blip r:embed="rId2"/>
+          <a:blip r:embed="rId1"/>
           <a:stretch>
             <a:fillRect/>
           </a:stretch>
@@ -10204,11 +10198,6 @@
         </p:spPr>
       </p:pic>
     </p:spTree>
-    <p:extLst>
-      <p:ext uri="{BB962C8B-B14F-4D97-AF65-F5344CB8AC3E}">
-        <p14:creationId xmlns:p14="http://schemas.microsoft.com/office/powerpoint/2010/main" val="4104083375"/>
-      </p:ext>
-    </p:extLst>
   </p:cSld>
   <p:clrMapOvr>
     <a:masterClrMapping/>
@@ -10298,6 +10287,7 @@
               <a:rPr lang="en-US" sz="1600" dirty="0"/>
               <a:t> Ranges and Bayside have increased in 2020.</a:t>
             </a:r>
+            <a:endParaRPr lang="en-US" sz="1600" dirty="0"/>
           </a:p>
           <a:p>
             <a:r>
@@ -10312,29 +10302,7 @@
               <a:rPr lang="en-US" sz="1600" dirty="0"/>
               <a:t> shows an increase in price in 2020, however this is for a single listing.</a:t>
             </a:r>
-          </a:p>
-        </p:txBody>
-      </p:sp>
-      <p:sp>
-        <p:nvSpPr>
-          <p:cNvPr id="6" name="Footer Placeholder 5"/>
-          <p:cNvSpPr>
-            <a:spLocks noGrp="1"/>
-          </p:cNvSpPr>
-          <p:nvPr>
-            <p:ph type="ftr" sz="quarter" idx="17"/>
-          </p:nvPr>
-        </p:nvSpPr>
-        <p:spPr/>
-        <p:txBody>
-          <a:bodyPr/>
-          <a:lstStyle/>
-          <a:p>
-            <a:r>
-              <a:rPr lang="en-US"/>
-              <a:t>Add a Footer</a:t>
-            </a:r>
-            <a:endParaRPr lang="en-US" dirty="0"/>
+            <a:endParaRPr lang="en-US" sz="1600" dirty="0"/>
           </a:p>
         </p:txBody>
       </p:sp>
@@ -10355,7 +10323,6 @@
           <a:p>
             <a:fld id="{8C2E478F-E849-4A8C-AF1F-CBCC78A7CBFA}" type="slidenum">
               <a:rPr lang="en-US" smtClean="0"/>
-              <a:t>13</a:t>
             </a:fld>
             <a:endParaRPr lang="en-US" dirty="0"/>
           </a:p>
@@ -10363,20 +10330,14 @@
       </p:sp>
       <p:pic>
         <p:nvPicPr>
-          <p:cNvPr id="14" name="Picture 13">
-            <a:extLst>
-              <a:ext uri="{FF2B5EF4-FFF2-40B4-BE49-F238E27FC236}">
-                <a16:creationId xmlns:a16="http://schemas.microsoft.com/office/drawing/2014/main" id="{A5D6F61B-6DA3-4BDC-8838-BAC4A3229B57}"/>
-              </a:ext>
-            </a:extLst>
-          </p:cNvPr>
+          <p:cNvPr id="14" name="Picture 13"/>
           <p:cNvPicPr>
             <a:picLocks noChangeAspect="1"/>
           </p:cNvPicPr>
           <p:nvPr/>
         </p:nvPicPr>
         <p:blipFill>
-          <a:blip r:embed="rId2">
+          <a:blip r:embed="rId1">
             <a:extLst>
               <a:ext uri="{28A0092B-C50C-407E-A947-70E740481C1C}">
                 <a14:useLocalDpi xmlns:a14="http://schemas.microsoft.com/office/drawing/2010/main" val="0"/>
@@ -10398,11 +10359,6 @@
         </p:spPr>
       </p:pic>
     </p:spTree>
-    <p:extLst>
-      <p:ext uri="{BB962C8B-B14F-4D97-AF65-F5344CB8AC3E}">
-        <p14:creationId xmlns:p14="http://schemas.microsoft.com/office/powerpoint/2010/main" val="2620832333"/>
-      </p:ext>
-    </p:extLst>
   </p:cSld>
   <p:clrMapOvr>
     <a:masterClrMapping/>
@@ -10446,29 +10402,7 @@
               <a:rPr lang="en-AU" dirty="0"/>
               <a:t>Number of rooms booked per year</a:t>
             </a:r>
-          </a:p>
-        </p:txBody>
-      </p:sp>
-      <p:sp>
-        <p:nvSpPr>
-          <p:cNvPr id="6" name="Footer Placeholder 5"/>
-          <p:cNvSpPr>
-            <a:spLocks noGrp="1"/>
-          </p:cNvSpPr>
-          <p:nvPr>
-            <p:ph type="ftr" sz="quarter" idx="17"/>
-          </p:nvPr>
-        </p:nvSpPr>
-        <p:spPr/>
-        <p:txBody>
-          <a:bodyPr/>
-          <a:lstStyle/>
-          <a:p>
-            <a:r>
-              <a:rPr lang="en-US"/>
-              <a:t>Add a Footer</a:t>
-            </a:r>
-            <a:endParaRPr lang="en-US" dirty="0"/>
+            <a:endParaRPr lang="en-AU" dirty="0"/>
           </a:p>
         </p:txBody>
       </p:sp>
@@ -10489,7 +10423,6 @@
           <a:p>
             <a:fld id="{8C2E478F-E849-4A8C-AF1F-CBCC78A7CBFA}" type="slidenum">
               <a:rPr lang="en-US" smtClean="0"/>
-              <a:t>14</a:t>
             </a:fld>
             <a:endParaRPr lang="en-US" dirty="0"/>
           </a:p>
@@ -10683,12 +10616,14 @@
               <a:rPr lang="en-AU" altLang="en-US" dirty="0"/>
               <a:t>Number of shared rooms booked have been reduced in 2020.</a:t>
             </a:r>
+            <a:endParaRPr lang="en-AU" altLang="en-US" dirty="0"/>
           </a:p>
           <a:p>
             <a:r>
               <a:rPr lang="en-AU" altLang="en-US" dirty="0"/>
               <a:t>This could be an after effect of Covid.</a:t>
             </a:r>
+            <a:endParaRPr lang="en-AU" altLang="en-US" dirty="0"/>
           </a:p>
         </p:txBody>
       </p:sp>
@@ -10703,7 +10638,7 @@
           </p:nvPr>
         </p:nvPicPr>
         <p:blipFill>
-          <a:blip r:embed="rId2"/>
+          <a:blip r:embed="rId1"/>
           <a:stretch>
             <a:fillRect/>
           </a:stretch>
@@ -10754,7 +10689,7 @@
           </p:nvPr>
         </p:nvPicPr>
         <p:blipFill>
-          <a:blip r:embed="rId2"/>
+          <a:blip r:embed="rId1"/>
           <a:stretch>
             <a:fillRect/>
           </a:stretch>
@@ -10785,6 +10720,7 @@
               <a:rPr lang="en-AU" dirty="0"/>
               <a:t>Review Score vs Price</a:t>
             </a:r>
+            <a:endParaRPr lang="en-AU" dirty="0"/>
           </a:p>
         </p:txBody>
       </p:sp>
@@ -10799,7 +10735,7 @@
           </p:nvPr>
         </p:nvPicPr>
         <p:blipFill>
-          <a:blip r:embed="rId3"/>
+          <a:blip r:embed="rId2"/>
           <a:stretch>
             <a:fillRect/>
           </a:stretch>
@@ -10813,29 +10749,6 @@
       </p:pic>
       <p:sp>
         <p:nvSpPr>
-          <p:cNvPr id="6" name="Footer Placeholder 5"/>
-          <p:cNvSpPr>
-            <a:spLocks noGrp="1"/>
-          </p:cNvSpPr>
-          <p:nvPr>
-            <p:ph type="ftr" sz="quarter" idx="17"/>
-          </p:nvPr>
-        </p:nvSpPr>
-        <p:spPr/>
-        <p:txBody>
-          <a:bodyPr/>
-          <a:lstStyle/>
-          <a:p>
-            <a:r>
-              <a:rPr lang="en-US"/>
-              <a:t>Add a Footer</a:t>
-            </a:r>
-            <a:endParaRPr lang="en-US" dirty="0"/>
-          </a:p>
-        </p:txBody>
-      </p:sp>
-      <p:sp>
-        <p:nvSpPr>
           <p:cNvPr id="7" name="Slide Number Placeholder 6"/>
           <p:cNvSpPr>
             <a:spLocks noGrp="1"/>
@@ -10851,7 +10764,6 @@
           <a:p>
             <a:fld id="{8C2E478F-E849-4A8C-AF1F-CBCC78A7CBFA}" type="slidenum">
               <a:rPr lang="en-US" smtClean="0"/>
-              <a:t>15</a:t>
             </a:fld>
             <a:endParaRPr lang="en-US" dirty="0"/>
           </a:p>
@@ -11045,6 +10957,7 @@
               <a:rPr lang="en-US" dirty="0"/>
               <a:t>2019 – r value is 0.04</a:t>
             </a:r>
+            <a:endParaRPr lang="en-US" dirty="0"/>
           </a:p>
           <a:p>
             <a:r>
@@ -11059,12 +10972,14 @@
               <a:rPr lang="en-US" dirty="0"/>
               <a:t> is 0.03</a:t>
             </a:r>
+            <a:endParaRPr lang="en-US" dirty="0"/>
           </a:p>
           <a:p>
             <a:r>
               <a:rPr lang="en-US" dirty="0"/>
               <a:t>There is only weak correlation between Review rating and Price per Night of a listing in AirBnB.</a:t>
             </a:r>
+            <a:endParaRPr lang="en-US" dirty="0"/>
           </a:p>
         </p:txBody>
       </p:sp>
@@ -11104,7 +11019,7 @@
           </p:nvPr>
         </p:nvPicPr>
         <p:blipFill>
-          <a:blip r:embed="rId2"/>
+          <a:blip r:embed="rId1"/>
           <a:stretch>
             <a:fillRect/>
           </a:stretch>
@@ -11140,6 +11055,7 @@
               <a:rPr lang="en-AU" dirty="0"/>
               <a:t>Price per Night vs Number of Days Booked</a:t>
             </a:r>
+            <a:endParaRPr lang="en-AU" dirty="0"/>
           </a:p>
         </p:txBody>
       </p:sp>
@@ -11154,7 +11070,7 @@
           </p:nvPr>
         </p:nvPicPr>
         <p:blipFill>
-          <a:blip r:embed="rId3"/>
+          <a:blip r:embed="rId2"/>
           <a:stretch>
             <a:fillRect/>
           </a:stretch>
@@ -11168,29 +11084,6 @@
       </p:pic>
       <p:sp>
         <p:nvSpPr>
-          <p:cNvPr id="6" name="Footer Placeholder 5"/>
-          <p:cNvSpPr>
-            <a:spLocks noGrp="1"/>
-          </p:cNvSpPr>
-          <p:nvPr>
-            <p:ph type="ftr" sz="quarter" idx="17"/>
-          </p:nvPr>
-        </p:nvSpPr>
-        <p:spPr/>
-        <p:txBody>
-          <a:bodyPr/>
-          <a:lstStyle/>
-          <a:p>
-            <a:r>
-              <a:rPr lang="en-US"/>
-              <a:t>Add a Footer</a:t>
-            </a:r>
-            <a:endParaRPr lang="en-US" dirty="0"/>
-          </a:p>
-        </p:txBody>
-      </p:sp>
-      <p:sp>
-        <p:nvSpPr>
           <p:cNvPr id="7" name="Slide Number Placeholder 6"/>
           <p:cNvSpPr>
             <a:spLocks noGrp="1"/>
@@ -11206,7 +11099,6 @@
           <a:p>
             <a:fld id="{8C2E478F-E849-4A8C-AF1F-CBCC78A7CBFA}" type="slidenum">
               <a:rPr lang="en-US" smtClean="0"/>
-              <a:t>16</a:t>
             </a:fld>
             <a:endParaRPr lang="en-US" dirty="0"/>
           </a:p>
@@ -11400,18 +11292,21 @@
               <a:rPr lang="en-US" dirty="0"/>
               <a:t>2019 – r value is -0.11</a:t>
             </a:r>
+            <a:endParaRPr lang="en-US" dirty="0"/>
           </a:p>
           <a:p>
             <a:r>
               <a:rPr lang="en-US" dirty="0"/>
               <a:t>2020 – r value is -0.04</a:t>
             </a:r>
+            <a:endParaRPr lang="en-US" dirty="0"/>
           </a:p>
           <a:p>
             <a:r>
               <a:rPr lang="en-US" dirty="0"/>
               <a:t>There is only weak correlation between Price per Night and Number of days booked for a listing in AirBnB.</a:t>
             </a:r>
+            <a:endParaRPr lang="en-US" dirty="0"/>
           </a:p>
         </p:txBody>
       </p:sp>
@@ -11451,7 +11346,7 @@
           </p:nvPr>
         </p:nvPicPr>
         <p:blipFill>
-          <a:blip r:embed="rId2"/>
+          <a:blip r:embed="rId1"/>
           <a:stretch>
             <a:fillRect/>
           </a:stretch>
@@ -11482,6 +11377,7 @@
               <a:rPr lang="en-AU" dirty="0"/>
               <a:t>Host Response Rate vs Number of Days Booked</a:t>
             </a:r>
+            <a:endParaRPr lang="en-AU" dirty="0"/>
           </a:p>
         </p:txBody>
       </p:sp>
@@ -11504,12 +11400,14 @@
               <a:rPr lang="en-AU" dirty="0"/>
               <a:t>2019 – r value is -0.34</a:t>
             </a:r>
+            <a:endParaRPr lang="en-AU" dirty="0"/>
           </a:p>
           <a:p>
             <a:r>
               <a:rPr lang="en-AU" dirty="0"/>
               <a:t>2020 – r value is -0.4</a:t>
             </a:r>
+            <a:endParaRPr lang="en-AU" dirty="0"/>
           </a:p>
           <a:p>
             <a:r>
@@ -11524,35 +11422,14 @@
               <a:rPr lang="en-AU" dirty="0"/>
               <a:t>.</a:t>
             </a:r>
+            <a:endParaRPr lang="en-AU" dirty="0"/>
           </a:p>
           <a:p>
             <a:r>
               <a:rPr lang="en-AU" dirty="0"/>
               <a:t>This was not expected and one of the reason for negative correlation could be the increased responses required with increased bookings.</a:t>
             </a:r>
-          </a:p>
-        </p:txBody>
-      </p:sp>
-      <p:sp>
-        <p:nvSpPr>
-          <p:cNvPr id="6" name="Footer Placeholder 5"/>
-          <p:cNvSpPr>
-            <a:spLocks noGrp="1"/>
-          </p:cNvSpPr>
-          <p:nvPr>
-            <p:ph type="ftr" sz="quarter" idx="17"/>
-          </p:nvPr>
-        </p:nvSpPr>
-        <p:spPr/>
-        <p:txBody>
-          <a:bodyPr/>
-          <a:lstStyle/>
-          <a:p>
-            <a:r>
-              <a:rPr lang="en-US"/>
-              <a:t>Add a Footer</a:t>
-            </a:r>
-            <a:endParaRPr lang="en-US" dirty="0"/>
+            <a:endParaRPr lang="en-AU" dirty="0"/>
           </a:p>
         </p:txBody>
       </p:sp>
@@ -11573,7 +11450,6 @@
           <a:p>
             <a:fld id="{8C2E478F-E849-4A8C-AF1F-CBCC78A7CBFA}" type="slidenum">
               <a:rPr lang="en-US" smtClean="0"/>
-              <a:t>17</a:t>
             </a:fld>
             <a:endParaRPr lang="en-US" dirty="0"/>
           </a:p>
@@ -11588,7 +11464,7 @@
           <p:nvPr/>
         </p:nvPicPr>
         <p:blipFill>
-          <a:blip r:embed="rId3"/>
+          <a:blip r:embed="rId2"/>
           <a:stretch>
             <a:fillRect/>
           </a:stretch>
@@ -11652,6 +11528,7 @@
               <a:rPr lang="en-US" dirty="0"/>
               <a:t>Title:</a:t>
             </a:r>
+            <a:endParaRPr lang="en-US" dirty="0"/>
           </a:p>
         </p:txBody>
       </p:sp>
@@ -11666,7 +11543,7 @@
           </p:nvPr>
         </p:nvPicPr>
         <p:blipFill>
-          <a:blip r:embed="rId3">
+          <a:blip r:embed="rId1">
             <a:extLst>
               <a:ext uri="{28A0092B-C50C-407E-A947-70E740481C1C}">
                 <a14:useLocalDpi xmlns:a14="http://schemas.microsoft.com/office/drawing/2010/main" val="0"/>
@@ -11899,6 +11776,13 @@
               </a:rPr>
               <a:t>Final Comments</a:t>
             </a:r>
+            <a:endParaRPr lang="en-US" sz="3200" b="1" dirty="0">
+              <a:solidFill>
+                <a:schemeClr val="bg1"/>
+              </a:solidFill>
+              <a:latin typeface="+mj-lt"/>
+              <a:cs typeface="Gill Sans" panose="020B0502020104020203" pitchFamily="34" charset="-79"/>
+            </a:endParaRPr>
           </a:p>
           <a:p>
             <a:r>
@@ -11907,28 +11791,9 @@
               </a:rPr>
               <a:t>We will also take questions.</a:t>
             </a:r>
-          </a:p>
-        </p:txBody>
-      </p:sp>
-      <p:sp>
-        <p:nvSpPr>
-          <p:cNvPr id="2" name="Footer Placeholder 1"/>
-          <p:cNvSpPr>
-            <a:spLocks noGrp="1"/>
-          </p:cNvSpPr>
-          <p:nvPr>
-            <p:ph type="ftr" sz="quarter" idx="11"/>
-          </p:nvPr>
-        </p:nvSpPr>
-        <p:spPr/>
-        <p:txBody>
-          <a:bodyPr/>
-          <a:lstStyle/>
-          <a:p>
-            <a:r>
-              <a:rPr lang="en-US" dirty="0"/>
-              <a:t>Add a Footer</a:t>
-            </a:r>
+            <a:endParaRPr lang="en-US" sz="1200" dirty="0">
+              <a:latin typeface="+mj-lt"/>
+            </a:endParaRPr>
           </a:p>
         </p:txBody>
       </p:sp>
@@ -12016,7 +11881,6 @@
           <a:p>
             <a:fld id="{8C2E478F-E849-4A8C-AF1F-CBCC78A7CBFA}" type="slidenum">
               <a:rPr lang="en-US" smtClean="0"/>
-              <a:t>18</a:t>
             </a:fld>
             <a:endParaRPr lang="en-US" dirty="0"/>
           </a:p>
@@ -12066,7 +11930,7 @@
           </p:nvPr>
         </p:nvPicPr>
         <p:blipFill>
-          <a:blip r:embed="rId2">
+          <a:blip r:embed="rId1">
             <a:extLst>
               <a:ext uri="{28A0092B-C50C-407E-A947-70E740481C1C}">
                 <a14:useLocalDpi xmlns:a14="http://schemas.microsoft.com/office/drawing/2010/main" val="0"/>
@@ -12317,6 +12181,7 @@
               <a:rPr lang="en-US" dirty="0"/>
               <a:t>THANK YOU</a:t>
             </a:r>
+            <a:endParaRPr lang="en-US" dirty="0"/>
           </a:p>
         </p:txBody>
       </p:sp>
@@ -12348,7 +12213,7 @@
             </a:r>
             <a:r>
               <a:rPr lang="en-US" dirty="0">
-                <a:hlinkClick r:id="rId3"/>
+                <a:hlinkClick r:id="rId2"/>
               </a:rPr>
               <a:t>https://github.com/cjdance/Project_1.git</a:t>
             </a:r>
@@ -12356,33 +12221,6 @@
           </a:p>
           <a:p>
             <a:endParaRPr lang="en-US" dirty="0"/>
-          </a:p>
-        </p:txBody>
-      </p:sp>
-      <p:sp>
-        <p:nvSpPr>
-          <p:cNvPr id="2" name="Footer Placeholder 1"/>
-          <p:cNvSpPr>
-            <a:spLocks noGrp="1"/>
-          </p:cNvSpPr>
-          <p:nvPr>
-            <p:ph type="ftr" sz="quarter" idx="4294967295"/>
-          </p:nvPr>
-        </p:nvSpPr>
-        <p:spPr>
-          <a:xfrm>
-            <a:off x="595884" y="6468303"/>
-            <a:ext cx="4114800" cy="365125"/>
-          </a:xfrm>
-        </p:spPr>
-        <p:txBody>
-          <a:bodyPr/>
-          <a:lstStyle/>
-          <a:p>
-            <a:r>
-              <a:rPr lang="en-US" dirty="0"/>
-              <a:t>Add a Footer</a:t>
-            </a:r>
           </a:p>
         </p:txBody>
       </p:sp>
@@ -12486,7 +12324,6 @@
           <a:p>
             <a:fld id="{8C2E478F-E849-4A8C-AF1F-CBCC78A7CBFA}" type="slidenum">
               <a:rPr lang="en-US" smtClean="0"/>
-              <a:t>19</a:t>
             </a:fld>
             <a:endParaRPr lang="en-US" dirty="0"/>
           </a:p>
@@ -12541,6 +12378,7 @@
               <a:rPr lang="en-US" dirty="0"/>
               <a:t>Project Brief</a:t>
             </a:r>
+            <a:endParaRPr lang="en-US" dirty="0"/>
           </a:p>
         </p:txBody>
       </p:sp>
@@ -12591,6 +12429,7 @@
               <a:rPr lang="en-US" dirty="0"/>
               <a:t> review score.</a:t>
             </a:r>
+            <a:endParaRPr lang="en-US" dirty="0"/>
           </a:p>
           <a:p>
             <a:pPr>
@@ -12602,6 +12441,7 @@
               <a:rPr lang="en-US" dirty="0"/>
               <a:t>Specifically, we looked at:</a:t>
             </a:r>
+            <a:endParaRPr lang="en-US" dirty="0"/>
           </a:p>
           <a:p>
             <a:pPr marL="285750" indent="-285750">
@@ -12615,6 +12455,7 @@
               <a:rPr lang="en-US" dirty="0"/>
               <a:t>Which Melbourne areas have the most AirBnB listings</a:t>
             </a:r>
+            <a:endParaRPr lang="en-US" dirty="0"/>
           </a:p>
           <a:p>
             <a:pPr marL="285750" indent="-285750">
@@ -12628,6 +12469,7 @@
               <a:rPr lang="en-US" dirty="0"/>
               <a:t>Which Melbourne areas see the most bookings</a:t>
             </a:r>
+            <a:endParaRPr lang="en-US" dirty="0"/>
           </a:p>
           <a:p>
             <a:pPr marL="285750" indent="-285750">
@@ -12641,6 +12483,7 @@
               <a:rPr lang="en-US" dirty="0"/>
               <a:t>What room types does AirBnB have in Melbourne</a:t>
             </a:r>
+            <a:endParaRPr lang="en-US" dirty="0"/>
           </a:p>
           <a:p>
             <a:pPr marL="285750" indent="-285750">
@@ -12654,6 +12497,7 @@
               <a:rPr lang="en-US" dirty="0"/>
               <a:t>How does the price of these room types vary across suburbs</a:t>
             </a:r>
+            <a:endParaRPr lang="en-US" dirty="0"/>
           </a:p>
           <a:p>
             <a:pPr marL="285750" indent="-285750">
@@ -12667,6 +12511,7 @@
               <a:rPr lang="en-US" dirty="0"/>
               <a:t>Does price correlate to a high review score</a:t>
             </a:r>
+            <a:endParaRPr lang="en-US" dirty="0"/>
           </a:p>
           <a:p>
             <a:pPr marL="285750" indent="-285750">
@@ -12680,6 +12525,7 @@
               <a:rPr lang="en-US" dirty="0"/>
               <a:t>Does price correlate to the number of nights a property is booked</a:t>
             </a:r>
+            <a:endParaRPr lang="en-US" dirty="0"/>
           </a:p>
           <a:p>
             <a:pPr marL="285750" indent="-285750">
@@ -12693,6 +12539,7 @@
               <a:rPr lang="en-US" dirty="0"/>
               <a:t>Does a host responding to messages correlate to the number of nights their property is booked</a:t>
             </a:r>
+            <a:endParaRPr lang="en-US" dirty="0"/>
           </a:p>
           <a:p>
             <a:endParaRPr lang="en-US" dirty="0"/>
@@ -12710,11 +12557,11 @@
           </p:nvPr>
         </p:nvPicPr>
         <p:blipFill>
-          <a:blip r:embed="rId3">
+          <a:blip r:embed="rId1">
             <a:extLst>
               <a:ext uri="{BEBA8EAE-BF5A-486C-A8C5-ECC9F3942E4B}">
                 <a14:imgProps xmlns:a14="http://schemas.microsoft.com/office/drawing/2010/main">
-                  <a14:imgLayer r:embed="rId4">
+                  <a14:imgLayer r:embed="rId2">
                     <a14:imgEffect>
                       <a14:brightnessContrast bright="-29000" contrast="24000"/>
                     </a14:imgEffect>
@@ -12817,7 +12664,6 @@
           <a:p>
             <a:fld id="{8C2E478F-E849-4A8C-AF1F-CBCC78A7CBFA}" type="slidenum">
               <a:rPr lang="en-US" smtClean="0"/>
-              <a:t>2</a:t>
             </a:fld>
             <a:endParaRPr lang="en-US" dirty="0"/>
           </a:p>
@@ -12859,11 +12705,11 @@
           </p:nvPr>
         </p:nvPicPr>
         <p:blipFill>
-          <a:blip r:embed="rId2">
+          <a:blip r:embed="rId1">
             <a:extLst>
               <a:ext uri="{BEBA8EAE-BF5A-486C-A8C5-ECC9F3942E4B}">
                 <a14:imgProps xmlns:a14="http://schemas.microsoft.com/office/drawing/2010/main">
-                  <a14:imgLayer r:embed="rId3">
+                  <a14:imgLayer r:embed="rId2">
                     <a14:imgEffect>
                       <a14:brightnessContrast bright="-38000"/>
                     </a14:imgEffect>
@@ -13071,6 +12917,7 @@
               <a:rPr lang="en-US" dirty="0"/>
               <a:t>Data Used</a:t>
             </a:r>
+            <a:endParaRPr lang="en-US" dirty="0"/>
           </a:p>
         </p:txBody>
       </p:sp>
@@ -13106,6 +12953,7 @@
               <a:rPr lang="en-US" dirty="0"/>
               <a:t>There were two datasets used for this project:</a:t>
             </a:r>
+            <a:endParaRPr lang="en-US" dirty="0"/>
           </a:p>
           <a:p>
             <a:pPr marL="342900" indent="-342900">
@@ -13116,7 +12964,7 @@
             </a:pPr>
             <a:r>
               <a:rPr lang="en-US" dirty="0">
-                <a:hlinkClick r:id="rId4"/>
+                <a:hlinkClick r:id="rId3"/>
               </a:rPr>
               <a:t>https://www.kaggle.com/tylerx/melbourne-airbnb-open-data</a:t>
             </a:r>
@@ -13132,6 +12980,7 @@
               <a:rPr lang="en-US" dirty="0"/>
               <a:t>This dataset was compiled from the Inside AirBnB website on 7 December 2018</a:t>
             </a:r>
+            <a:endParaRPr lang="en-US" dirty="0"/>
           </a:p>
           <a:p>
             <a:pPr lvl="1">
@@ -13143,6 +12992,7 @@
               <a:rPr lang="en-US" dirty="0"/>
               <a:t>It shows all active listings for AirBnB and the next 12 months of their calendar (i.e. availability in 2019 for the properties)</a:t>
             </a:r>
+            <a:endParaRPr lang="en-US" dirty="0"/>
           </a:p>
           <a:p>
             <a:pPr lvl="1">
@@ -13154,6 +13004,7 @@
               <a:rPr lang="en-US" dirty="0"/>
               <a:t>It also contains a range of summary data and other information about the host</a:t>
             </a:r>
+            <a:endParaRPr lang="en-US" dirty="0"/>
           </a:p>
           <a:p>
             <a:pPr marL="342900" indent="-342900">
@@ -13164,7 +13015,7 @@
             </a:pPr>
             <a:r>
               <a:rPr lang="en-US" dirty="0">
-                <a:hlinkClick r:id="rId5"/>
+                <a:hlinkClick r:id="rId4"/>
               </a:rPr>
               <a:t>https://www.kaggle.com/nadyafed/melbourne-airbnb-2020</a:t>
             </a:r>
@@ -13180,6 +13031,7 @@
               <a:rPr lang="en-US" dirty="0"/>
               <a:t>This dataset was also compiled from the Inside AirBnB website, this dataset was created on 20 August 2020</a:t>
             </a:r>
+            <a:endParaRPr lang="en-US" dirty="0"/>
           </a:p>
           <a:p>
             <a:pPr marL="342900" indent="-342900">
@@ -13195,7 +13047,7 @@
             </a:r>
             <a:r>
               <a:rPr lang="en-US" dirty="0">
-                <a:hlinkClick r:id="rId6"/>
+                <a:hlinkClick r:id="rId5"/>
               </a:rPr>
               <a:t>http://insideairbnb.com/get-the-data.html</a:t>
             </a:r>
@@ -13215,7 +13067,7 @@
             </a:r>
             <a:r>
               <a:rPr lang="en-US" dirty="0">
-                <a:hlinkClick r:id="rId7"/>
+                <a:hlinkClick r:id="rId6"/>
               </a:rPr>
               <a:t>https://docs.google.com/spreadsheets/d/1iWCNJcSutYqpULSQHlNyGInUvHg2BoUGoNRIGa6Szc4/edit#gid=982310896</a:t>
             </a:r>
@@ -13254,7 +13106,6 @@
           <a:p>
             <a:fld id="{8C2E478F-E849-4A8C-AF1F-CBCC78A7CBFA}" type="slidenum">
               <a:rPr lang="en-US" smtClean="0"/>
-              <a:t>3</a:t>
             </a:fld>
             <a:endParaRPr lang="en-US" dirty="0"/>
           </a:p>
@@ -13309,6 +13160,7 @@
               <a:rPr lang="en-US" dirty="0"/>
               <a:t>Why This Project &amp; Data?</a:t>
             </a:r>
+            <a:endParaRPr lang="en-US" dirty="0"/>
           </a:p>
         </p:txBody>
       </p:sp>
@@ -13341,8 +13193,17 @@
             </a:pPr>
             <a:r>
               <a:rPr lang="en-US" dirty="0"/>
-              <a:t>All three of our group have used AirBnB in Melbourne at some point in our lives, with a maximum stay of 1 month. We have also experienced the COVID lockdowns ad were interested to see the impact the hard lockdown and closed borders would have on a business with the model of AirBnB.</a:t>
-            </a:r>
+              <a:t>All three of our group have used AirBnB in Melbourne at some point in our lives, with a maximum stay of 1 month. We have also experienced the COVID lockdowns a</a:t>
+            </a:r>
+            <a:r>
+              <a:rPr lang="en-AU" altLang="en-US" dirty="0"/>
+              <a:t>n</a:t>
+            </a:r>
+            <a:r>
+              <a:rPr lang="en-US" dirty="0"/>
+              <a:t>d were interested to see the impact the hard lockdown and closed borders would have on a business with the model of AirBnB.</a:t>
+            </a:r>
+            <a:endParaRPr lang="en-US" dirty="0"/>
           </a:p>
           <a:p>
             <a:pPr>
@@ -13362,6 +13223,7 @@
               <a:rPr lang="en-US" dirty="0"/>
               <a:t>We expected to see:</a:t>
             </a:r>
+            <a:endParaRPr lang="en-US" dirty="0"/>
           </a:p>
           <a:p>
             <a:pPr marL="285750" indent="-285750">
@@ -13375,6 +13237,7 @@
               <a:rPr lang="en-US" dirty="0"/>
               <a:t>Melbourne City having the largest volume of listings</a:t>
             </a:r>
+            <a:endParaRPr lang="en-US" dirty="0"/>
           </a:p>
           <a:p>
             <a:pPr marL="285750" indent="-285750">
@@ -13388,6 +13251,7 @@
               <a:rPr lang="en-US" dirty="0"/>
               <a:t>Melbourne City having the least availability in each listing across 2019/2020</a:t>
             </a:r>
+            <a:endParaRPr lang="en-US" dirty="0"/>
           </a:p>
           <a:p>
             <a:pPr marL="285750" indent="-285750">
@@ -13401,6 +13265,7 @@
               <a:rPr lang="en-US" dirty="0"/>
               <a:t>A decrease in listings from 2019 to 2020, especially in Entire Homes/Apartments and in Shared Rooms</a:t>
             </a:r>
+            <a:endParaRPr lang="en-US" dirty="0"/>
           </a:p>
           <a:p>
             <a:pPr marL="285750" indent="-285750">
@@ -13414,6 +13279,7 @@
               <a:rPr lang="en-US" dirty="0"/>
               <a:t>A relationship between price per night and number of days booked, lower nightly price to more days booked</a:t>
             </a:r>
+            <a:endParaRPr lang="en-US" dirty="0"/>
           </a:p>
           <a:p>
             <a:endParaRPr lang="en-US" dirty="0"/>
@@ -13431,11 +13297,11 @@
           </p:nvPr>
         </p:nvPicPr>
         <p:blipFill>
-          <a:blip r:embed="rId3">
+          <a:blip r:embed="rId1">
             <a:extLst>
               <a:ext uri="{BEBA8EAE-BF5A-486C-A8C5-ECC9F3942E4B}">
                 <a14:imgProps xmlns:a14="http://schemas.microsoft.com/office/drawing/2010/main">
-                  <a14:imgLayer r:embed="rId4">
+                  <a14:imgLayer r:embed="rId2">
                     <a14:imgEffect>
                       <a14:brightnessContrast bright="-29000" contrast="24000"/>
                     </a14:imgEffect>
@@ -13538,7 +13404,6 @@
           <a:p>
             <a:fld id="{8C2E478F-E849-4A8C-AF1F-CBCC78A7CBFA}" type="slidenum">
               <a:rPr lang="en-US" smtClean="0"/>
-              <a:t>4</a:t>
             </a:fld>
             <a:endParaRPr lang="en-US" dirty="0"/>
           </a:p>
@@ -13636,6 +13501,7 @@
               <a:rPr lang="en-US" dirty="0"/>
               <a:t>Limitations of the Datasets</a:t>
             </a:r>
+            <a:endParaRPr lang="en-US" dirty="0"/>
           </a:p>
         </p:txBody>
       </p:sp>
@@ -13665,24 +13531,28 @@
               <a:rPr lang="en-US" dirty="0"/>
               <a:t>The largest limitation of the available data is that it’s a snapshot only. AirBnB did not have available ongoing historical data for public use, and that would have been too large to work with, so our data has two different start dates rather than looking at identical moments in time.</a:t>
             </a:r>
+            <a:endParaRPr lang="en-US" dirty="0"/>
           </a:p>
           <a:p>
             <a:r>
               <a:rPr lang="en-US" dirty="0"/>
               <a:t>The second large limitation was the amount of data entered by the AirBnB hosts themselves. As a web-scraped set of data, there is a large volume of data which needed to be removed as it caused inaccuracies.</a:t>
             </a:r>
+            <a:endParaRPr lang="en-US" dirty="0"/>
           </a:p>
           <a:p>
             <a:r>
               <a:rPr lang="en-US" dirty="0"/>
               <a:t>Availability is given as a True/False in the AirBnB calendar. However, while we assume False to be a booking, it can also indicate that the listing was made unavailable by the host during those dates.</a:t>
             </a:r>
+            <a:endParaRPr lang="en-US" dirty="0"/>
           </a:p>
           <a:p>
             <a:r>
               <a:rPr lang="en-US" dirty="0"/>
               <a:t>Pricing data presents extreme outliers within the dataset, this is likely because some bookings are only made available for long term stays, but their host has listed that price as the daily price.</a:t>
             </a:r>
+            <a:endParaRPr lang="en-US" dirty="0"/>
           </a:p>
         </p:txBody>
       </p:sp>
@@ -13703,7 +13573,6 @@
           <a:p>
             <a:fld id="{8C2E478F-E849-4A8C-AF1F-CBCC78A7CBFA}" type="slidenum">
               <a:rPr lang="en-US" smtClean="0"/>
-              <a:t>5</a:t>
             </a:fld>
             <a:endParaRPr lang="en-US" dirty="0"/>
           </a:p>
@@ -13728,6 +13597,7 @@
               <a:rPr lang="en-US" dirty="0"/>
               <a:t>Title</a:t>
             </a:r>
+            <a:endParaRPr lang="en-US" dirty="0"/>
           </a:p>
         </p:txBody>
       </p:sp>
@@ -13740,7 +13610,7 @@
           <p:nvPr/>
         </p:nvPicPr>
         <p:blipFill>
-          <a:blip r:embed="rId2"/>
+          <a:blip r:embed="rId1"/>
           <a:stretch>
             <a:fillRect/>
           </a:stretch>
@@ -13764,7 +13634,7 @@
           <p:nvPr/>
         </p:nvPicPr>
         <p:blipFill>
-          <a:blip r:embed="rId3"/>
+          <a:blip r:embed="rId2"/>
           <a:stretch>
             <a:fillRect/>
           </a:stretch>
@@ -13828,6 +13698,7 @@
               <a:rPr lang="en-US" dirty="0"/>
               <a:t>Which Melbourne Areas have the most AirBnB listings</a:t>
             </a:r>
+            <a:endParaRPr lang="en-US" dirty="0"/>
           </a:p>
         </p:txBody>
       </p:sp>
@@ -13860,18 +13731,21 @@
               <a:rPr lang="en-US" dirty="0"/>
               <a:t>The top 5 local government areas in the 2019 data were:</a:t>
             </a:r>
+            <a:endParaRPr lang="en-US" dirty="0"/>
           </a:p>
           <a:p>
             <a:r>
               <a:rPr lang="en-US" dirty="0"/>
               <a:t>Melbourne</a:t>
             </a:r>
+            <a:endParaRPr lang="en-US" dirty="0"/>
           </a:p>
           <a:p>
             <a:r>
               <a:rPr lang="en-US" dirty="0"/>
               <a:t>Port Phillip</a:t>
             </a:r>
+            <a:endParaRPr lang="en-US" dirty="0"/>
           </a:p>
           <a:p>
             <a:r>
@@ -13892,6 +13766,7 @@
               <a:rPr lang="en-US" dirty="0"/>
               <a:t>Moreland</a:t>
             </a:r>
+            <a:endParaRPr lang="en-US" dirty="0"/>
           </a:p>
           <a:p>
             <a:pPr marL="0" indent="0">
@@ -13901,6 +13776,7 @@
               <a:rPr lang="en-US" dirty="0"/>
               <a:t>These also remained the most populated with listings in the 2020 data, as seen in the table on the right.</a:t>
             </a:r>
+            <a:endParaRPr lang="en-US" dirty="0"/>
           </a:p>
           <a:p>
             <a:pPr marL="0" indent="0">
@@ -13910,6 +13786,7 @@
               <a:rPr lang="en-US" dirty="0"/>
               <a:t>The total 2019 listings were 22,895 and 2020 had 20,420.</a:t>
             </a:r>
+            <a:endParaRPr lang="en-US" dirty="0"/>
           </a:p>
           <a:p>
             <a:pPr marL="0" indent="0">
@@ -13919,6 +13796,7 @@
               <a:rPr lang="en-US" dirty="0"/>
               <a:t>This means that AirBnB lost 2,475 listings between the two data scrapes.</a:t>
             </a:r>
+            <a:endParaRPr lang="en-US" dirty="0"/>
           </a:p>
         </p:txBody>
       </p:sp>
@@ -13939,7 +13817,6 @@
           <a:p>
             <a:fld id="{8C2E478F-E849-4A8C-AF1F-CBCC78A7CBFA}" type="slidenum">
               <a:rPr lang="en-US" smtClean="0"/>
-              <a:t>6</a:t>
             </a:fld>
             <a:endParaRPr lang="en-US" dirty="0"/>
           </a:p>
@@ -13966,34 +13843,10 @@
                 <a:tableStyleId>{5C22544A-7EE6-4342-B048-85BDC9FD1C3A}</a:tableStyleId>
               </a:tblPr>
               <a:tblGrid>
-                <a:gridCol w="1783785">
-                  <a:extLst>
-                    <a:ext uri="{9D8B030D-6E8A-4147-A177-3AD203B41FA5}">
-                      <a16:colId xmlns:a16="http://schemas.microsoft.com/office/drawing/2014/main" val="20000"/>
-                    </a:ext>
-                  </a:extLst>
-                </a:gridCol>
-                <a:gridCol w="1384531">
-                  <a:extLst>
-                    <a:ext uri="{9D8B030D-6E8A-4147-A177-3AD203B41FA5}">
-                      <a16:colId xmlns:a16="http://schemas.microsoft.com/office/drawing/2014/main" val="20001"/>
-                    </a:ext>
-                  </a:extLst>
-                </a:gridCol>
-                <a:gridCol w="1375688">
-                  <a:extLst>
-                    <a:ext uri="{9D8B030D-6E8A-4147-A177-3AD203B41FA5}">
-                      <a16:colId xmlns:a16="http://schemas.microsoft.com/office/drawing/2014/main" val="20002"/>
-                    </a:ext>
-                  </a:extLst>
-                </a:gridCol>
-                <a:gridCol w="1514668">
-                  <a:extLst>
-                    <a:ext uri="{9D8B030D-6E8A-4147-A177-3AD203B41FA5}">
-                      <a16:colId xmlns:a16="http://schemas.microsoft.com/office/drawing/2014/main" val="20003"/>
-                    </a:ext>
-                  </a:extLst>
-                </a:gridCol>
+                <a:gridCol w="1783785"/>
+                <a:gridCol w="1384531"/>
+                <a:gridCol w="1375688"/>
+                <a:gridCol w="1514668"/>
               </a:tblGrid>
               <a:tr h="1224268">
                 <a:tc>
@@ -14010,6 +13863,11 @@
                         </a:rPr>
                         <a:t>Local Government Area</a:t>
                       </a:r>
+                      <a:endParaRPr lang="en-AU" dirty="0">
+                        <a:solidFill>
+                          <a:schemeClr val="tx1"/>
+                        </a:solidFill>
+                      </a:endParaRPr>
                     </a:p>
                   </a:txBody>
                   <a:tcPr/>
@@ -14028,6 +13886,11 @@
                         </a:rPr>
                         <a:t>2019 Listings</a:t>
                       </a:r>
+                      <a:endParaRPr lang="en-AU" dirty="0">
+                        <a:solidFill>
+                          <a:schemeClr val="tx1"/>
+                        </a:solidFill>
+                      </a:endParaRPr>
                     </a:p>
                   </a:txBody>
                   <a:tcPr/>
@@ -14046,6 +13909,11 @@
                         </a:rPr>
                         <a:t>2020 Listings</a:t>
                       </a:r>
+                      <a:endParaRPr lang="en-AU" dirty="0">
+                        <a:solidFill>
+                          <a:schemeClr val="tx1"/>
+                        </a:solidFill>
+                      </a:endParaRPr>
                     </a:p>
                   </a:txBody>
                   <a:tcPr/>
@@ -14064,15 +13932,15 @@
                         </a:rPr>
                         <a:t>Change in Listings from 2020 and 2019</a:t>
                       </a:r>
+                      <a:endParaRPr lang="en-AU" dirty="0">
+                        <a:solidFill>
+                          <a:schemeClr val="tx1"/>
+                        </a:solidFill>
+                      </a:endParaRPr>
                     </a:p>
                   </a:txBody>
                   <a:tcPr/>
                 </a:tc>
-                <a:extLst>
-                  <a:ext uri="{0D108BD9-81ED-4DB2-BD59-A6C34878D82A}">
-                    <a16:rowId xmlns:a16="http://schemas.microsoft.com/office/drawing/2014/main" val="10000"/>
-                  </a:ext>
-                </a:extLst>
               </a:tr>
               <a:tr h="414124">
                 <a:tc>
@@ -14084,6 +13952,7 @@
                         <a:rPr lang="en-AU" dirty="0"/>
                         <a:t>Melbourne</a:t>
                       </a:r>
+                      <a:endParaRPr lang="en-AU" dirty="0"/>
                     </a:p>
                   </a:txBody>
                   <a:tcPr/>
@@ -14098,6 +13967,7 @@
                         <a:rPr lang="en-AU" dirty="0"/>
                         <a:t>7368</a:t>
                       </a:r>
+                      <a:endParaRPr lang="en-AU" dirty="0"/>
                     </a:p>
                   </a:txBody>
                   <a:tcPr/>
@@ -14112,6 +13982,7 @@
                         <a:rPr lang="en-AU" dirty="0"/>
                         <a:t>6174</a:t>
                       </a:r>
+                      <a:endParaRPr lang="en-AU" dirty="0"/>
                     </a:p>
                   </a:txBody>
                   <a:tcPr/>
@@ -14126,15 +13997,11 @@
                         <a:rPr lang="en-AU" dirty="0"/>
                         <a:t>-1194</a:t>
                       </a:r>
+                      <a:endParaRPr lang="en-AU" dirty="0"/>
                     </a:p>
                   </a:txBody>
                   <a:tcPr/>
                 </a:tc>
-                <a:extLst>
-                  <a:ext uri="{0D108BD9-81ED-4DB2-BD59-A6C34878D82A}">
-                    <a16:rowId xmlns:a16="http://schemas.microsoft.com/office/drawing/2014/main" val="10001"/>
-                  </a:ext>
-                </a:extLst>
               </a:tr>
               <a:tr h="414124">
                 <a:tc>
@@ -14146,6 +14013,7 @@
                         <a:rPr lang="en-AU" dirty="0"/>
                         <a:t>Port Phillip</a:t>
                       </a:r>
+                      <a:endParaRPr lang="en-AU" dirty="0"/>
                     </a:p>
                   </a:txBody>
                   <a:tcPr/>
@@ -14160,6 +14028,7 @@
                         <a:rPr lang="en-AU" dirty="0"/>
                         <a:t>2808</a:t>
                       </a:r>
+                      <a:endParaRPr lang="en-AU" dirty="0"/>
                     </a:p>
                   </a:txBody>
                   <a:tcPr/>
@@ -14174,6 +14043,7 @@
                         <a:rPr lang="en-AU" dirty="0"/>
                         <a:t>2498</a:t>
                       </a:r>
+                      <a:endParaRPr lang="en-AU" dirty="0"/>
                     </a:p>
                   </a:txBody>
                   <a:tcPr/>
@@ -14188,15 +14058,11 @@
                         <a:rPr lang="en-AU" dirty="0"/>
                         <a:t>-310</a:t>
                       </a:r>
+                      <a:endParaRPr lang="en-AU" dirty="0"/>
                     </a:p>
                   </a:txBody>
                   <a:tcPr/>
                 </a:tc>
-                <a:extLst>
-                  <a:ext uri="{0D108BD9-81ED-4DB2-BD59-A6C34878D82A}">
-                    <a16:rowId xmlns:a16="http://schemas.microsoft.com/office/drawing/2014/main" val="10002"/>
-                  </a:ext>
-                </a:extLst>
               </a:tr>
               <a:tr h="414124">
                 <a:tc>
@@ -14208,6 +14074,7 @@
                         <a:rPr lang="en-AU" dirty="0"/>
                         <a:t>Yarra</a:t>
                       </a:r>
+                      <a:endParaRPr lang="en-AU" dirty="0"/>
                     </a:p>
                   </a:txBody>
                   <a:tcPr/>
@@ -14222,6 +14089,7 @@
                         <a:rPr lang="en-AU" dirty="0"/>
                         <a:t>2049</a:t>
                       </a:r>
+                      <a:endParaRPr lang="en-AU" dirty="0"/>
                     </a:p>
                   </a:txBody>
                   <a:tcPr/>
@@ -14236,6 +14104,7 @@
                         <a:rPr lang="en-AU" dirty="0"/>
                         <a:t>1578</a:t>
                       </a:r>
+                      <a:endParaRPr lang="en-AU" dirty="0"/>
                     </a:p>
                   </a:txBody>
                   <a:tcPr/>
@@ -14250,15 +14119,11 @@
                         <a:rPr lang="en-AU" dirty="0"/>
                         <a:t>-471</a:t>
                       </a:r>
+                      <a:endParaRPr lang="en-AU" dirty="0"/>
                     </a:p>
                   </a:txBody>
                   <a:tcPr/>
                 </a:tc>
-                <a:extLst>
-                  <a:ext uri="{0D108BD9-81ED-4DB2-BD59-A6C34878D82A}">
-                    <a16:rowId xmlns:a16="http://schemas.microsoft.com/office/drawing/2014/main" val="10003"/>
-                  </a:ext>
-                </a:extLst>
               </a:tr>
               <a:tr h="414124">
                 <a:tc>
@@ -14270,6 +14135,7 @@
                         <a:rPr lang="en-AU" dirty="0"/>
                         <a:t>Stonnington</a:t>
                       </a:r>
+                      <a:endParaRPr lang="en-AU" dirty="0"/>
                     </a:p>
                   </a:txBody>
                   <a:tcPr/>
@@ -14284,6 +14150,7 @@
                         <a:rPr lang="en-AU" dirty="0"/>
                         <a:t>1621</a:t>
                       </a:r>
+                      <a:endParaRPr lang="en-AU" dirty="0"/>
                     </a:p>
                   </a:txBody>
                   <a:tcPr/>
@@ -14298,6 +14165,7 @@
                         <a:rPr lang="en-AU" dirty="0"/>
                         <a:t>1369</a:t>
                       </a:r>
+                      <a:endParaRPr lang="en-AU" dirty="0"/>
                     </a:p>
                   </a:txBody>
                   <a:tcPr/>
@@ -14312,15 +14180,11 @@
                         <a:rPr lang="en-AU" dirty="0"/>
                         <a:t>-252</a:t>
                       </a:r>
+                      <a:endParaRPr lang="en-AU" dirty="0"/>
                     </a:p>
                   </a:txBody>
                   <a:tcPr/>
                 </a:tc>
-                <a:extLst>
-                  <a:ext uri="{0D108BD9-81ED-4DB2-BD59-A6C34878D82A}">
-                    <a16:rowId xmlns:a16="http://schemas.microsoft.com/office/drawing/2014/main" val="10004"/>
-                  </a:ext>
-                </a:extLst>
               </a:tr>
               <a:tr h="414124">
                 <a:tc>
@@ -14332,6 +14196,7 @@
                         <a:rPr lang="en-AU" dirty="0"/>
                         <a:t>Moreland</a:t>
                       </a:r>
+                      <a:endParaRPr lang="en-AU" dirty="0"/>
                     </a:p>
                   </a:txBody>
                   <a:tcPr/>
@@ -14346,6 +14211,7 @@
                         <a:rPr lang="en-AU" dirty="0"/>
                         <a:t>967</a:t>
                       </a:r>
+                      <a:endParaRPr lang="en-AU" dirty="0"/>
                     </a:p>
                   </a:txBody>
                   <a:tcPr/>
@@ -14360,6 +14226,7 @@
                         <a:rPr lang="en-AU" dirty="0"/>
                         <a:t>863</a:t>
                       </a:r>
+                      <a:endParaRPr lang="en-AU" dirty="0"/>
                     </a:p>
                   </a:txBody>
                   <a:tcPr/>
@@ -14374,15 +14241,11 @@
                         <a:rPr lang="en-AU" dirty="0"/>
                         <a:t>-104</a:t>
                       </a:r>
+                      <a:endParaRPr lang="en-AU" dirty="0"/>
                     </a:p>
                   </a:txBody>
                   <a:tcPr/>
                 </a:tc>
-                <a:extLst>
-                  <a:ext uri="{0D108BD9-81ED-4DB2-BD59-A6C34878D82A}">
-                    <a16:rowId xmlns:a16="http://schemas.microsoft.com/office/drawing/2014/main" val="10005"/>
-                  </a:ext>
-                </a:extLst>
               </a:tr>
             </a:tbl>
           </a:graphicData>
@@ -14539,7 +14402,6 @@
           <a:p>
             <a:fld id="{8C2E478F-E849-4A8C-AF1F-CBCC78A7CBFA}" type="slidenum">
               <a:rPr lang="en-US" smtClean="0"/>
-              <a:t>7</a:t>
             </a:fld>
             <a:endParaRPr lang="en-US" dirty="0"/>
           </a:p>
@@ -14554,7 +14416,7 @@
           <p:nvPr/>
         </p:nvPicPr>
         <p:blipFill>
-          <a:blip r:embed="rId2"/>
+          <a:blip r:embed="rId1"/>
           <a:stretch>
             <a:fillRect/>
           </a:stretch>
@@ -14619,6 +14481,7 @@
               <a:rPr lang="en-AU" dirty="0"/>
               <a:t>Listings – Heatmap of Prices</a:t>
             </a:r>
+            <a:endParaRPr lang="en-AU" dirty="0"/>
           </a:p>
         </p:txBody>
       </p:sp>
@@ -14639,7 +14502,6 @@
           <a:p>
             <a:fld id="{8C2E478F-E849-4A8C-AF1F-CBCC78A7CBFA}" type="slidenum">
               <a:rPr lang="en-US" smtClean="0"/>
-              <a:t>8</a:t>
             </a:fld>
             <a:endParaRPr lang="en-US" dirty="0"/>
           </a:p>
@@ -14654,7 +14516,7 @@
           <p:nvPr/>
         </p:nvPicPr>
         <p:blipFill rotWithShape="1">
-          <a:blip r:embed="rId2"/>
+          <a:blip r:embed="rId1"/>
           <a:srcRect l="20338" r="8373"/>
           <a:stretch>
             <a:fillRect/>
@@ -14679,7 +14541,7 @@
           <p:nvPr/>
         </p:nvPicPr>
         <p:blipFill rotWithShape="1">
-          <a:blip r:embed="rId3"/>
+          <a:blip r:embed="rId2"/>
           <a:srcRect l="19329" t="-375" r="7308" b="375"/>
           <a:stretch>
             <a:fillRect/>
@@ -14697,13 +14559,7 @@
       </p:pic>
       <p:sp>
         <p:nvSpPr>
-          <p:cNvPr id="2" name="TextBox 1">
-            <a:extLst>
-              <a:ext uri="{FF2B5EF4-FFF2-40B4-BE49-F238E27FC236}">
-                <a16:creationId xmlns:a16="http://schemas.microsoft.com/office/drawing/2014/main" id="{168943CD-C109-44C4-8300-CBB352FF143B}"/>
-              </a:ext>
-            </a:extLst>
-          </p:cNvPr>
+          <p:cNvPr id="2" name="TextBox 1"/>
           <p:cNvSpPr txBox="1"/>
           <p:nvPr/>
         </p:nvSpPr>
@@ -14727,18 +14583,13 @@
               <a:rPr lang="en-AU" dirty="0"/>
               <a:t>2019</a:t>
             </a:r>
-          </a:p>
-        </p:txBody>
-      </p:sp>
-      <p:sp>
-        <p:nvSpPr>
-          <p:cNvPr id="8" name="TextBox 7">
-            <a:extLst>
-              <a:ext uri="{FF2B5EF4-FFF2-40B4-BE49-F238E27FC236}">
-                <a16:creationId xmlns:a16="http://schemas.microsoft.com/office/drawing/2014/main" id="{4E1A79E9-D948-4FC1-A689-5855C47036A3}"/>
-              </a:ext>
-            </a:extLst>
-          </p:cNvPr>
+            <a:endParaRPr lang="en-AU" dirty="0"/>
+          </a:p>
+        </p:txBody>
+      </p:sp>
+      <p:sp>
+        <p:nvSpPr>
+          <p:cNvPr id="8" name="TextBox 7"/>
           <p:cNvSpPr txBox="1"/>
           <p:nvPr/>
         </p:nvSpPr>
@@ -14762,6 +14613,7 @@
               <a:rPr lang="en-AU" dirty="0"/>
               <a:t>2020</a:t>
             </a:r>
+            <a:endParaRPr lang="en-AU" dirty="0"/>
           </a:p>
         </p:txBody>
       </p:sp>
@@ -14906,7 +14758,7 @@
           </p:nvPr>
         </p:nvPicPr>
         <p:blipFill>
-          <a:blip r:embed="rId2"/>
+          <a:blip r:embed="rId1"/>
           <a:stretch>
             <a:fillRect/>
           </a:stretch>
@@ -14998,6 +14850,7 @@
               <a:rPr lang="en-US" b="1" dirty="0"/>
               <a:t>20,420</a:t>
             </a:r>
+            <a:endParaRPr lang="en-US" b="1" dirty="0"/>
           </a:p>
           <a:p>
             <a:r>
@@ -15012,6 +14865,7 @@
               <a:rPr lang="en-US" dirty="0"/>
               <a:t> for both years 2019 and 2020.</a:t>
             </a:r>
+            <a:endParaRPr lang="en-US" dirty="0"/>
           </a:p>
           <a:p>
             <a:r>
@@ -15034,6 +14888,7 @@
               <a:rPr lang="en-US" dirty="0"/>
               <a:t>.</a:t>
             </a:r>
+            <a:endParaRPr lang="en-US" dirty="0"/>
           </a:p>
           <a:p>
             <a:r>
@@ -15043,28 +14898,6 @@
             <a:r>
               <a:rPr lang="en-US" dirty="0"/>
               <a:t>introduced as Airbnb listing in 2020</a:t>
-            </a:r>
-          </a:p>
-        </p:txBody>
-      </p:sp>
-      <p:sp>
-        <p:nvSpPr>
-          <p:cNvPr id="6" name="Footer Placeholder 5"/>
-          <p:cNvSpPr>
-            <a:spLocks noGrp="1"/>
-          </p:cNvSpPr>
-          <p:nvPr>
-            <p:ph type="ftr" sz="quarter" idx="17"/>
-          </p:nvPr>
-        </p:nvSpPr>
-        <p:spPr/>
-        <p:txBody>
-          <a:bodyPr/>
-          <a:lstStyle/>
-          <a:p>
-            <a:r>
-              <a:rPr lang="en-US"/>
-              <a:t>Add a Footer</a:t>
             </a:r>
             <a:endParaRPr lang="en-US" dirty="0"/>
           </a:p>
@@ -15087,7 +14920,6 @@
           <a:p>
             <a:fld id="{8C2E478F-E849-4A8C-AF1F-CBCC78A7CBFA}" type="slidenum">
               <a:rPr lang="en-US" smtClean="0"/>
-              <a:t>9</a:t>
             </a:fld>
             <a:endParaRPr lang="en-US" dirty="0"/>
           </a:p>
@@ -15102,7 +14934,7 @@
           <p:nvPr/>
         </p:nvPicPr>
         <p:blipFill>
-          <a:blip r:embed="rId3">
+          <a:blip r:embed="rId2">
             <a:extLst>
               <a:ext uri="{28A0092B-C50C-407E-A947-70E740481C1C}">
                 <a14:useLocalDpi xmlns:a14="http://schemas.microsoft.com/office/drawing/2010/main" val="0"/>
@@ -15132,7 +14964,7 @@
           <p:nvPr/>
         </p:nvPicPr>
         <p:blipFill>
-          <a:blip r:embed="rId4">
+          <a:blip r:embed="rId3">
             <a:extLst>
               <a:ext uri="{28A0092B-C50C-407E-A947-70E740481C1C}">
                 <a14:useLocalDpi xmlns:a14="http://schemas.microsoft.com/office/drawing/2010/main" val="0"/>
@@ -15284,6 +15116,19 @@
               </a:rPr>
               <a:t>Room Listings for 2020</a:t>
             </a:r>
+            <a:endParaRPr lang="en-GB" sz="1200" b="1" u="sng" dirty="0">
+              <a:ln w="0"/>
+              <a:solidFill>
+                <a:schemeClr val="accent1"/>
+              </a:solidFill>
+              <a:effectLst>
+                <a:outerShdw blurRad="38100" dist="25400" dir="5400000" algn="ctr" rotWithShape="0">
+                  <a:srgbClr val="6E747A">
+                    <a:alpha val="43000"/>
+                  </a:srgbClr>
+                </a:outerShdw>
+              </a:effectLst>
+            </a:endParaRPr>
           </a:p>
         </p:txBody>
       </p:sp>
@@ -15419,6 +15264,19 @@
               </a:rPr>
               <a:t>Room Listings for 2019</a:t>
             </a:r>
+            <a:endParaRPr lang="en-GB" sz="1200" b="1" u="sng" dirty="0">
+              <a:ln w="0"/>
+              <a:solidFill>
+                <a:schemeClr val="accent1"/>
+              </a:solidFill>
+              <a:effectLst>
+                <a:outerShdw blurRad="38100" dist="25400" dir="5400000" algn="ctr" rotWithShape="0">
+                  <a:srgbClr val="6E747A">
+                    <a:alpha val="43000"/>
+                  </a:srgbClr>
+                </a:outerShdw>
+              </a:effectLst>
+            </a:endParaRPr>
           </a:p>
         </p:txBody>
       </p:sp>
@@ -15621,8 +15479,6 @@
       </a:bgFillStyleLst>
     </a:fmtScheme>
   </a:themeElements>
-  <a:objectDefaults/>
-  <a:extraClrSchemeLst/>
   <a:extLst>
     <a:ext uri="{05A4C25C-085E-4340-85A3-A5531E510DB2}">
       <thm15:themeFamily xmlns:thm15="http://schemas.microsoft.com/office/thememl/2012/main" name="Office Theme" id="{62F939B6-93AF-4DB8-9C6B-D6C7DFDC589F}" vid="{4A3C46E8-61CC-4603-A589-7422A47A8E4A}"/>
@@ -15882,8 +15738,6 @@
       </a:bgFillStyleLst>
     </a:fmtScheme>
   </a:themeElements>
-  <a:objectDefaults/>
-  <a:extraClrSchemeLst/>
   <a:extLst>
     <a:ext uri="{05A4C25C-085E-4340-85A3-A5531E510DB2}">
       <thm15:themeFamily xmlns:thm15="http://schemas.microsoft.com/office/thememl/2012/main" name="Office Theme" id="{62F939B6-93AF-4DB8-9C6B-D6C7DFDC589F}" vid="{4A3C46E8-61CC-4603-A589-7422A47A8E4A}"/>
@@ -16143,8 +15997,6 @@
       </a:bgFillStyleLst>
     </a:fmtScheme>
   </a:themeElements>
-  <a:objectDefaults/>
-  <a:extraClrSchemeLst/>
   <a:extLst>
     <a:ext uri="{05A4C25C-085E-4340-85A3-A5531E510DB2}">
       <thm15:themeFamily xmlns:thm15="http://schemas.microsoft.com/office/thememl/2012/main" name="Office Theme" id="{62F939B6-93AF-4DB8-9C6B-D6C7DFDC589F}" vid="{4A3C46E8-61CC-4603-A589-7422A47A8E4A}"/>

--- a/AirBnb Project - Sherin, Neena and Cody.pptx
+++ b/AirBnb Project - Sherin, Neena and Cody.pptx
@@ -9383,15 +9383,25 @@
             <p:ph type="title"/>
           </p:nvPr>
         </p:nvSpPr>
-        <p:spPr/>
+        <p:spPr>
+          <a:xfrm>
+            <a:off x="814137" y="1403690"/>
+            <a:ext cx="4351911" cy="2384466"/>
+          </a:xfrm>
+        </p:spPr>
         <p:txBody>
           <a:bodyPr/>
           <a:lstStyle/>
           <a:p>
             <a:r>
               <a:rPr lang="en-US" dirty="0"/>
-              <a:t>Melbourne AirBnB</a:t>
-            </a:r>
+              <a:t>Melbourne </a:t>
+            </a:r>
+            <a:r>
+              <a:rPr lang="en-US" dirty="0" err="1"/>
+              <a:t>AirBnB</a:t>
+            </a:r>
+            <a:endParaRPr lang="en-US" dirty="0"/>
           </a:p>
         </p:txBody>
       </p:sp>
@@ -9405,7 +9415,12 @@
             <p:ph type="body" idx="13"/>
           </p:nvPr>
         </p:nvSpPr>
-        <p:spPr/>
+        <p:spPr>
+          <a:xfrm>
+            <a:off x="883523" y="3362581"/>
+            <a:ext cx="4351910" cy="296437"/>
+          </a:xfrm>
+        </p:spPr>
         <p:txBody>
           <a:bodyPr/>
           <a:lstStyle/>
@@ -9413,6 +9428,27 @@
             <a:r>
               <a:rPr lang="en-US" dirty="0"/>
               <a:t>2019 vs 2020</a:t>
+            </a:r>
+          </a:p>
+          <a:p>
+            <a:endParaRPr lang="en-US" dirty="0"/>
+          </a:p>
+          <a:p>
+            <a:r>
+              <a:rPr lang="en-US" dirty="0" err="1"/>
+              <a:t>Sherin</a:t>
+            </a:r>
+            <a:r>
+              <a:rPr lang="en-US" dirty="0"/>
+              <a:t>, </a:t>
+            </a:r>
+            <a:r>
+              <a:rPr lang="en-US" dirty="0" err="1"/>
+              <a:t>Neena</a:t>
+            </a:r>
+            <a:r>
+              <a:rPr lang="en-US" dirty="0"/>
+              <a:t> &amp; Cody</a:t>
             </a:r>
           </a:p>
         </p:txBody>
@@ -12573,7 +12609,7 @@
             </a:pPr>
             <a:r>
               <a:rPr lang="en-US" dirty="0"/>
-              <a:t>Our project aimed to look at available data for Melbourne AirBnB listings across 2019 and 2020 to identify trends in availability, room types offered and whether price or other factors affect </a:t>
+              <a:t>Our project aimed to look at available data for Melbourne AirBnB listings across 2019 and 2020 to identify trends in availability, room types offered post-COVID and whether price or other factors affect </a:t>
             </a:r>
             <a:r>
               <a:rPr lang="en-AU" altLang="en-US" dirty="0"/>
@@ -12652,7 +12688,7 @@
             </a:pPr>
             <a:r>
               <a:rPr lang="en-US" dirty="0"/>
-              <a:t>How does the price of these room types vary across suburbs</a:t>
+              <a:t>How does the price of these room types vary across areas</a:t>
             </a:r>
           </a:p>
           <a:p>
@@ -13953,6 +13989,11 @@
           </p:cNvGraphicFramePr>
           <p:nvPr>
             <p:ph sz="quarter" idx="16"/>
+            <p:extLst>
+              <p:ext uri="{D42A27DB-BD31-4B8C-83A1-F6EECF244321}">
+                <p14:modId xmlns:p14="http://schemas.microsoft.com/office/powerpoint/2010/main" val="1033313008"/>
+              </p:ext>
+            </p:extLst>
           </p:nvPr>
         </p:nvGraphicFramePr>
         <p:xfrm>
